--- a/Lims系统架构.pptx
+++ b/Lims系统架构.pptx
@@ -9,8 +9,10 @@
     <p:sldId id="258" r:id="rId3"/>
     <p:sldId id="259" r:id="rId4"/>
     <p:sldId id="261" r:id="rId5"/>
-    <p:sldId id="262" r:id="rId6"/>
-    <p:sldId id="263" r:id="rId7"/>
+    <p:sldId id="265" r:id="rId6"/>
+    <p:sldId id="264" r:id="rId7"/>
+    <p:sldId id="262" r:id="rId8"/>
+    <p:sldId id="263" r:id="rId9"/>
   </p:sldIdLst>
   <p:sldSz cx="12192000" cy="6858000"/>
   <p:notesSz cx="6858000" cy="9144000"/>
@@ -268,7 +270,7 @@
           <a:p>
             <a:fld id="{00AAAA25-D02D-473F-8F4C-222AA5CCAE96}" type="datetimeFigureOut">
               <a:rPr lang="zh-CN" altLang="en-US" smtClean="0"/>
-              <a:t>2017/10/27</a:t>
+              <a:t>2017/10/30</a:t>
             </a:fld>
             <a:endParaRPr lang="zh-CN" altLang="en-US"/>
           </a:p>
@@ -466,7 +468,7 @@
           <a:p>
             <a:fld id="{00AAAA25-D02D-473F-8F4C-222AA5CCAE96}" type="datetimeFigureOut">
               <a:rPr lang="zh-CN" altLang="en-US" smtClean="0"/>
-              <a:t>2017/10/27</a:t>
+              <a:t>2017/10/30</a:t>
             </a:fld>
             <a:endParaRPr lang="zh-CN" altLang="en-US"/>
           </a:p>
@@ -674,7 +676,7 @@
           <a:p>
             <a:fld id="{00AAAA25-D02D-473F-8F4C-222AA5CCAE96}" type="datetimeFigureOut">
               <a:rPr lang="zh-CN" altLang="en-US" smtClean="0"/>
-              <a:t>2017/10/27</a:t>
+              <a:t>2017/10/30</a:t>
             </a:fld>
             <a:endParaRPr lang="zh-CN" altLang="en-US"/>
           </a:p>
@@ -872,7 +874,7 @@
           <a:p>
             <a:fld id="{00AAAA25-D02D-473F-8F4C-222AA5CCAE96}" type="datetimeFigureOut">
               <a:rPr lang="zh-CN" altLang="en-US" smtClean="0"/>
-              <a:t>2017/10/27</a:t>
+              <a:t>2017/10/30</a:t>
             </a:fld>
             <a:endParaRPr lang="zh-CN" altLang="en-US"/>
           </a:p>
@@ -1147,7 +1149,7 @@
           <a:p>
             <a:fld id="{00AAAA25-D02D-473F-8F4C-222AA5CCAE96}" type="datetimeFigureOut">
               <a:rPr lang="zh-CN" altLang="en-US" smtClean="0"/>
-              <a:t>2017/10/27</a:t>
+              <a:t>2017/10/30</a:t>
             </a:fld>
             <a:endParaRPr lang="zh-CN" altLang="en-US"/>
           </a:p>
@@ -1412,7 +1414,7 @@
           <a:p>
             <a:fld id="{00AAAA25-D02D-473F-8F4C-222AA5CCAE96}" type="datetimeFigureOut">
               <a:rPr lang="zh-CN" altLang="en-US" smtClean="0"/>
-              <a:t>2017/10/27</a:t>
+              <a:t>2017/10/30</a:t>
             </a:fld>
             <a:endParaRPr lang="zh-CN" altLang="en-US"/>
           </a:p>
@@ -1824,7 +1826,7 @@
           <a:p>
             <a:fld id="{00AAAA25-D02D-473F-8F4C-222AA5CCAE96}" type="datetimeFigureOut">
               <a:rPr lang="zh-CN" altLang="en-US" smtClean="0"/>
-              <a:t>2017/10/27</a:t>
+              <a:t>2017/10/30</a:t>
             </a:fld>
             <a:endParaRPr lang="zh-CN" altLang="en-US"/>
           </a:p>
@@ -1965,7 +1967,7 @@
           <a:p>
             <a:fld id="{00AAAA25-D02D-473F-8F4C-222AA5CCAE96}" type="datetimeFigureOut">
               <a:rPr lang="zh-CN" altLang="en-US" smtClean="0"/>
-              <a:t>2017/10/27</a:t>
+              <a:t>2017/10/30</a:t>
             </a:fld>
             <a:endParaRPr lang="zh-CN" altLang="en-US"/>
           </a:p>
@@ -2078,7 +2080,7 @@
           <a:p>
             <a:fld id="{00AAAA25-D02D-473F-8F4C-222AA5CCAE96}" type="datetimeFigureOut">
               <a:rPr lang="zh-CN" altLang="en-US" smtClean="0"/>
-              <a:t>2017/10/27</a:t>
+              <a:t>2017/10/30</a:t>
             </a:fld>
             <a:endParaRPr lang="zh-CN" altLang="en-US"/>
           </a:p>
@@ -2389,7 +2391,7 @@
           <a:p>
             <a:fld id="{00AAAA25-D02D-473F-8F4C-222AA5CCAE96}" type="datetimeFigureOut">
               <a:rPr lang="zh-CN" altLang="en-US" smtClean="0"/>
-              <a:t>2017/10/27</a:t>
+              <a:t>2017/10/30</a:t>
             </a:fld>
             <a:endParaRPr lang="zh-CN" altLang="en-US"/>
           </a:p>
@@ -2677,7 +2679,7 @@
           <a:p>
             <a:fld id="{00AAAA25-D02D-473F-8F4C-222AA5CCAE96}" type="datetimeFigureOut">
               <a:rPr lang="zh-CN" altLang="en-US" smtClean="0"/>
-              <a:t>2017/10/27</a:t>
+              <a:t>2017/10/30</a:t>
             </a:fld>
             <a:endParaRPr lang="zh-CN" altLang="en-US"/>
           </a:p>
@@ -2918,7 +2920,7 @@
           <a:p>
             <a:fld id="{00AAAA25-D02D-473F-8F4C-222AA5CCAE96}" type="datetimeFigureOut">
               <a:rPr lang="zh-CN" altLang="en-US" smtClean="0"/>
-              <a:t>2017/10/27</a:t>
+              <a:t>2017/10/30</a:t>
             </a:fld>
             <a:endParaRPr lang="zh-CN" altLang="en-US"/>
           </a:p>
@@ -9330,10 +9332,10 @@
       </p:grpSp>
       <p:grpSp>
         <p:nvGrpSpPr>
-          <p:cNvPr id="20" name="组合 19">
-            <a:extLst>
-              <a:ext uri="{FF2B5EF4-FFF2-40B4-BE49-F238E27FC236}">
-                <a16:creationId xmlns:a16="http://schemas.microsoft.com/office/drawing/2014/main" id="{66C70F5F-F3BE-499E-A085-72F2C363B95D}"/>
+          <p:cNvPr id="2" name="组合 1">
+            <a:extLst>
+              <a:ext uri="{FF2B5EF4-FFF2-40B4-BE49-F238E27FC236}">
+                <a16:creationId xmlns:a16="http://schemas.microsoft.com/office/drawing/2014/main" id="{10471F1B-A683-49A8-B514-442FEABDDBC5}"/>
               </a:ext>
             </a:extLst>
           </p:cNvPr>
@@ -9342,7 +9344,1857 @@
         </p:nvGrpSpPr>
         <p:grpSpPr>
           <a:xfrm>
-            <a:off x="4263888" y="860877"/>
+            <a:off x="1263103" y="1243309"/>
+            <a:ext cx="3846818" cy="2570558"/>
+            <a:chOff x="1409421" y="777664"/>
+            <a:chExt cx="4264598" cy="2849731"/>
+          </a:xfrm>
+        </p:grpSpPr>
+        <p:sp>
+          <p:nvSpPr>
+            <p:cNvPr id="6" name="六边形 5">
+              <a:extLst>
+                <a:ext uri="{FF2B5EF4-FFF2-40B4-BE49-F238E27FC236}">
+                  <a16:creationId xmlns:a16="http://schemas.microsoft.com/office/drawing/2014/main" id="{21B8DE38-2906-4E7D-852E-1284230FD782}"/>
+                </a:ext>
+              </a:extLst>
+            </p:cNvPr>
+            <p:cNvSpPr/>
+            <p:nvPr/>
+          </p:nvSpPr>
+          <p:spPr>
+            <a:xfrm>
+              <a:off x="4021176" y="1490097"/>
+              <a:ext cx="1652843" cy="1424865"/>
+            </a:xfrm>
+            <a:prstGeom prst="hexagon">
+              <a:avLst/>
+            </a:prstGeom>
+          </p:spPr>
+          <p:style>
+            <a:lnRef idx="0">
+              <a:schemeClr val="accent5"/>
+            </a:lnRef>
+            <a:fillRef idx="3">
+              <a:schemeClr val="accent5"/>
+            </a:fillRef>
+            <a:effectRef idx="3">
+              <a:schemeClr val="accent5"/>
+            </a:effectRef>
+            <a:fontRef idx="minor">
+              <a:schemeClr val="lt1"/>
+            </a:fontRef>
+          </p:style>
+          <p:txBody>
+            <a:bodyPr rtlCol="0" anchor="ctr"/>
+            <a:lstStyle/>
+            <a:p>
+              <a:pPr algn="ctr"/>
+              <a:r>
+                <a:rPr lang="zh-CN" altLang="en-US" sz="1400" dirty="0"/>
+                <a:t>容器监测</a:t>
+              </a:r>
+            </a:p>
+          </p:txBody>
+        </p:sp>
+        <p:sp>
+          <p:nvSpPr>
+            <p:cNvPr id="7" name="六边形 6">
+              <a:extLst>
+                <a:ext uri="{FF2B5EF4-FFF2-40B4-BE49-F238E27FC236}">
+                  <a16:creationId xmlns:a16="http://schemas.microsoft.com/office/drawing/2014/main" id="{F6EFA57E-22F1-4A35-9CDA-494FE99DECC8}"/>
+                </a:ext>
+              </a:extLst>
+            </p:cNvPr>
+            <p:cNvSpPr/>
+            <p:nvPr/>
+          </p:nvSpPr>
+          <p:spPr>
+            <a:xfrm>
+              <a:off x="2724549" y="777664"/>
+              <a:ext cx="1652843" cy="1424865"/>
+            </a:xfrm>
+            <a:prstGeom prst="hexagon">
+              <a:avLst/>
+            </a:prstGeom>
+          </p:spPr>
+          <p:style>
+            <a:lnRef idx="0">
+              <a:schemeClr val="accent5"/>
+            </a:lnRef>
+            <a:fillRef idx="3">
+              <a:schemeClr val="accent5"/>
+            </a:fillRef>
+            <a:effectRef idx="3">
+              <a:schemeClr val="accent5"/>
+            </a:effectRef>
+            <a:fontRef idx="minor">
+              <a:schemeClr val="lt1"/>
+            </a:fontRef>
+          </p:style>
+          <p:txBody>
+            <a:bodyPr rtlCol="0" anchor="ctr"/>
+            <a:lstStyle/>
+            <a:p>
+              <a:pPr algn="ctr"/>
+              <a:r>
+                <a:rPr lang="zh-CN" altLang="en-US" sz="1400" dirty="0"/>
+                <a:t>自动发布</a:t>
+              </a:r>
+            </a:p>
+          </p:txBody>
+        </p:sp>
+        <p:sp>
+          <p:nvSpPr>
+            <p:cNvPr id="19" name="六边形 18">
+              <a:extLst>
+                <a:ext uri="{FF2B5EF4-FFF2-40B4-BE49-F238E27FC236}">
+                  <a16:creationId xmlns:a16="http://schemas.microsoft.com/office/drawing/2014/main" id="{46F85DD2-2A60-4ECA-A05E-78884C7C1C2E}"/>
+                </a:ext>
+              </a:extLst>
+            </p:cNvPr>
+            <p:cNvSpPr/>
+            <p:nvPr/>
+          </p:nvSpPr>
+          <p:spPr>
+            <a:xfrm>
+              <a:off x="1409421" y="1490097"/>
+              <a:ext cx="1652843" cy="1424865"/>
+            </a:xfrm>
+            <a:prstGeom prst="hexagon">
+              <a:avLst/>
+            </a:prstGeom>
+          </p:spPr>
+          <p:style>
+            <a:lnRef idx="1">
+              <a:schemeClr val="dk1"/>
+            </a:lnRef>
+            <a:fillRef idx="3">
+              <a:schemeClr val="dk1"/>
+            </a:fillRef>
+            <a:effectRef idx="2">
+              <a:schemeClr val="dk1"/>
+            </a:effectRef>
+            <a:fontRef idx="minor">
+              <a:schemeClr val="lt1"/>
+            </a:fontRef>
+          </p:style>
+          <p:txBody>
+            <a:bodyPr rtlCol="0" anchor="ctr"/>
+            <a:lstStyle/>
+            <a:p>
+              <a:pPr algn="ctr"/>
+              <a:r>
+                <a:rPr lang="zh-CN" altLang="en-US" sz="1400" dirty="0"/>
+                <a:t>自动发布</a:t>
+              </a:r>
+              <a:endParaRPr lang="en-US" altLang="zh-CN" sz="1400" dirty="0"/>
+            </a:p>
+            <a:p>
+              <a:pPr algn="ctr"/>
+              <a:r>
+                <a:rPr lang="en-US" altLang="zh-CN" sz="1400" dirty="0"/>
+                <a:t>Shell</a:t>
+              </a:r>
+              <a:r>
+                <a:rPr lang="zh-CN" altLang="en-US" sz="1400" dirty="0"/>
+                <a:t>脚本</a:t>
+              </a:r>
+            </a:p>
+          </p:txBody>
+        </p:sp>
+        <p:sp>
+          <p:nvSpPr>
+            <p:cNvPr id="18" name="六边形 17">
+              <a:extLst>
+                <a:ext uri="{FF2B5EF4-FFF2-40B4-BE49-F238E27FC236}">
+                  <a16:creationId xmlns:a16="http://schemas.microsoft.com/office/drawing/2014/main" id="{E8C97EC5-B929-45A0-A5ED-EED13B790C94}"/>
+                </a:ext>
+              </a:extLst>
+            </p:cNvPr>
+            <p:cNvSpPr/>
+            <p:nvPr/>
+          </p:nvSpPr>
+          <p:spPr>
+            <a:xfrm>
+              <a:off x="2715299" y="2202530"/>
+              <a:ext cx="1652843" cy="1424865"/>
+            </a:xfrm>
+            <a:prstGeom prst="hexagon">
+              <a:avLst/>
+            </a:prstGeom>
+          </p:spPr>
+          <p:style>
+            <a:lnRef idx="1">
+              <a:schemeClr val="dk1"/>
+            </a:lnRef>
+            <a:fillRef idx="3">
+              <a:schemeClr val="dk1"/>
+            </a:fillRef>
+            <a:effectRef idx="2">
+              <a:schemeClr val="dk1"/>
+            </a:effectRef>
+            <a:fontRef idx="minor">
+              <a:schemeClr val="lt1"/>
+            </a:fontRef>
+          </p:style>
+          <p:txBody>
+            <a:bodyPr rtlCol="0" anchor="ctr"/>
+            <a:lstStyle/>
+            <a:p>
+              <a:pPr algn="ctr"/>
+              <a:r>
+                <a:rPr lang="en-US" altLang="zh-CN" sz="1400" dirty="0"/>
+                <a:t>Docker</a:t>
+              </a:r>
+            </a:p>
+            <a:p>
+              <a:pPr algn="ctr"/>
+              <a:r>
+                <a:rPr lang="en-US" altLang="zh-CN" sz="1400" dirty="0"/>
+                <a:t>API</a:t>
+              </a:r>
+              <a:endParaRPr lang="zh-CN" altLang="en-US" sz="1400" dirty="0"/>
+            </a:p>
+          </p:txBody>
+        </p:sp>
+      </p:grpSp>
+      <p:grpSp>
+        <p:nvGrpSpPr>
+          <p:cNvPr id="3" name="组合 2">
+            <a:extLst>
+              <a:ext uri="{FF2B5EF4-FFF2-40B4-BE49-F238E27FC236}">
+                <a16:creationId xmlns:a16="http://schemas.microsoft.com/office/drawing/2014/main" id="{2D853134-A1C5-4051-90B3-2F2B1686495C}"/>
+              </a:ext>
+            </a:extLst>
+          </p:cNvPr>
+          <p:cNvGrpSpPr/>
+          <p:nvPr/>
+        </p:nvGrpSpPr>
+        <p:grpSpPr>
+          <a:xfrm>
+            <a:off x="6453273" y="1202469"/>
+            <a:ext cx="4983354" cy="5144461"/>
+            <a:chOff x="6319244" y="229547"/>
+            <a:chExt cx="5524567" cy="5703171"/>
+          </a:xfrm>
+        </p:grpSpPr>
+        <p:sp>
+          <p:nvSpPr>
+            <p:cNvPr id="4" name="六边形 3">
+              <a:extLst>
+                <a:ext uri="{FF2B5EF4-FFF2-40B4-BE49-F238E27FC236}">
+                  <a16:creationId xmlns:a16="http://schemas.microsoft.com/office/drawing/2014/main" id="{767CCBDA-114B-487A-B6F1-5B924C716707}"/>
+                </a:ext>
+              </a:extLst>
+            </p:cNvPr>
+            <p:cNvSpPr/>
+            <p:nvPr/>
+          </p:nvSpPr>
+          <p:spPr>
+            <a:xfrm>
+              <a:off x="6320254" y="229547"/>
+              <a:ext cx="1652843" cy="1424865"/>
+            </a:xfrm>
+            <a:prstGeom prst="hexagon">
+              <a:avLst/>
+            </a:prstGeom>
+          </p:spPr>
+          <p:style>
+            <a:lnRef idx="1">
+              <a:schemeClr val="accent6"/>
+            </a:lnRef>
+            <a:fillRef idx="2">
+              <a:schemeClr val="accent6"/>
+            </a:fillRef>
+            <a:effectRef idx="1">
+              <a:schemeClr val="accent6"/>
+            </a:effectRef>
+            <a:fontRef idx="minor">
+              <a:schemeClr val="dk1"/>
+            </a:fontRef>
+          </p:style>
+          <p:txBody>
+            <a:bodyPr rtlCol="0" anchor="ctr"/>
+            <a:lstStyle/>
+            <a:p>
+              <a:pPr algn="ctr"/>
+              <a:r>
+                <a:rPr lang="zh-CN" altLang="en-US" sz="1400" dirty="0"/>
+                <a:t>用户前端</a:t>
+              </a:r>
+            </a:p>
+          </p:txBody>
+        </p:sp>
+        <p:sp>
+          <p:nvSpPr>
+            <p:cNvPr id="5" name="六边形 4">
+              <a:extLst>
+                <a:ext uri="{FF2B5EF4-FFF2-40B4-BE49-F238E27FC236}">
+                  <a16:creationId xmlns:a16="http://schemas.microsoft.com/office/drawing/2014/main" id="{E1E9C886-3413-4984-A7B5-6C176C2AE7D6}"/>
+                </a:ext>
+              </a:extLst>
+            </p:cNvPr>
+            <p:cNvSpPr/>
+            <p:nvPr/>
+          </p:nvSpPr>
+          <p:spPr>
+            <a:xfrm>
+              <a:off x="7616881" y="941978"/>
+              <a:ext cx="1652843" cy="1424865"/>
+            </a:xfrm>
+            <a:prstGeom prst="hexagon">
+              <a:avLst/>
+            </a:prstGeom>
+          </p:spPr>
+          <p:style>
+            <a:lnRef idx="1">
+              <a:schemeClr val="accent6"/>
+            </a:lnRef>
+            <a:fillRef idx="2">
+              <a:schemeClr val="accent6"/>
+            </a:fillRef>
+            <a:effectRef idx="1">
+              <a:schemeClr val="accent6"/>
+            </a:effectRef>
+            <a:fontRef idx="minor">
+              <a:schemeClr val="dk1"/>
+            </a:fontRef>
+          </p:style>
+          <p:txBody>
+            <a:bodyPr rtlCol="0" anchor="ctr"/>
+            <a:lstStyle/>
+            <a:p>
+              <a:pPr algn="ctr"/>
+              <a:r>
+                <a:rPr lang="zh-CN" altLang="en-US" sz="1400" dirty="0"/>
+                <a:t>运维前端</a:t>
+              </a:r>
+            </a:p>
+          </p:txBody>
+        </p:sp>
+        <p:sp>
+          <p:nvSpPr>
+            <p:cNvPr id="8" name="六边形 7">
+              <a:extLst>
+                <a:ext uri="{FF2B5EF4-FFF2-40B4-BE49-F238E27FC236}">
+                  <a16:creationId xmlns:a16="http://schemas.microsoft.com/office/drawing/2014/main" id="{0591B2AB-09E6-475A-BDD7-9F25F147065D}"/>
+                </a:ext>
+              </a:extLst>
+            </p:cNvPr>
+            <p:cNvSpPr/>
+            <p:nvPr/>
+          </p:nvSpPr>
+          <p:spPr>
+            <a:xfrm>
+              <a:off x="8894342" y="3079278"/>
+              <a:ext cx="1652843" cy="1424865"/>
+            </a:xfrm>
+            <a:prstGeom prst="hexagon">
+              <a:avLst/>
+            </a:prstGeom>
+          </p:spPr>
+          <p:style>
+            <a:lnRef idx="0">
+              <a:schemeClr val="accent5"/>
+            </a:lnRef>
+            <a:fillRef idx="3">
+              <a:schemeClr val="accent5"/>
+            </a:fillRef>
+            <a:effectRef idx="3">
+              <a:schemeClr val="accent5"/>
+            </a:effectRef>
+            <a:fontRef idx="minor">
+              <a:schemeClr val="lt1"/>
+            </a:fontRef>
+          </p:style>
+          <p:txBody>
+            <a:bodyPr rtlCol="0" anchor="ctr"/>
+            <a:lstStyle/>
+            <a:p>
+              <a:pPr algn="ctr"/>
+              <a:r>
+                <a:rPr lang="zh-CN" altLang="en-US" sz="1400" dirty="0"/>
+                <a:t>通知系统</a:t>
+              </a:r>
+            </a:p>
+          </p:txBody>
+        </p:sp>
+        <p:sp>
+          <p:nvSpPr>
+            <p:cNvPr id="9" name="六边形 8">
+              <a:extLst>
+                <a:ext uri="{FF2B5EF4-FFF2-40B4-BE49-F238E27FC236}">
+                  <a16:creationId xmlns:a16="http://schemas.microsoft.com/office/drawing/2014/main" id="{3F5CAD79-30BC-40C1-AE88-FCC5004AF5CC}"/>
+                </a:ext>
+              </a:extLst>
+            </p:cNvPr>
+            <p:cNvSpPr/>
+            <p:nvPr/>
+          </p:nvSpPr>
+          <p:spPr>
+            <a:xfrm>
+              <a:off x="10190968" y="3791710"/>
+              <a:ext cx="1652843" cy="1424865"/>
+            </a:xfrm>
+            <a:prstGeom prst="hexagon">
+              <a:avLst/>
+            </a:prstGeom>
+            <a:ln>
+              <a:noFill/>
+            </a:ln>
+          </p:spPr>
+          <p:style>
+            <a:lnRef idx="0">
+              <a:schemeClr val="accent5"/>
+            </a:lnRef>
+            <a:fillRef idx="3">
+              <a:schemeClr val="accent5"/>
+            </a:fillRef>
+            <a:effectRef idx="3">
+              <a:schemeClr val="accent5"/>
+            </a:effectRef>
+            <a:fontRef idx="minor">
+              <a:schemeClr val="lt1"/>
+            </a:fontRef>
+          </p:style>
+          <p:txBody>
+            <a:bodyPr rtlCol="0" anchor="ctr"/>
+            <a:lstStyle/>
+            <a:p>
+              <a:pPr algn="ctr"/>
+              <a:r>
+                <a:rPr lang="zh-CN" altLang="en-US" sz="1400" dirty="0"/>
+                <a:t>消息网关</a:t>
+              </a:r>
+            </a:p>
+          </p:txBody>
+        </p:sp>
+        <p:sp>
+          <p:nvSpPr>
+            <p:cNvPr id="16" name="六边形 15">
+              <a:extLst>
+                <a:ext uri="{FF2B5EF4-FFF2-40B4-BE49-F238E27FC236}">
+                  <a16:creationId xmlns:a16="http://schemas.microsoft.com/office/drawing/2014/main" id="{E5E91220-B45F-4891-A6CF-33363FD17DD2}"/>
+                </a:ext>
+              </a:extLst>
+            </p:cNvPr>
+            <p:cNvSpPr/>
+            <p:nvPr/>
+          </p:nvSpPr>
+          <p:spPr>
+            <a:xfrm>
+              <a:off x="7597715" y="3791709"/>
+              <a:ext cx="1652843" cy="1424865"/>
+            </a:xfrm>
+            <a:prstGeom prst="hexagon">
+              <a:avLst/>
+            </a:prstGeom>
+          </p:spPr>
+          <p:style>
+            <a:lnRef idx="0">
+              <a:schemeClr val="accent5"/>
+            </a:lnRef>
+            <a:fillRef idx="3">
+              <a:schemeClr val="accent5"/>
+            </a:fillRef>
+            <a:effectRef idx="3">
+              <a:schemeClr val="accent5"/>
+            </a:effectRef>
+            <a:fontRef idx="minor">
+              <a:schemeClr val="lt1"/>
+            </a:fontRef>
+          </p:style>
+          <p:txBody>
+            <a:bodyPr rtlCol="0" anchor="ctr"/>
+            <a:lstStyle/>
+            <a:p>
+              <a:pPr algn="ctr"/>
+              <a:r>
+                <a:rPr lang="zh-CN" altLang="en-US" sz="1400" dirty="0"/>
+                <a:t>日志管理</a:t>
+              </a:r>
+            </a:p>
+          </p:txBody>
+        </p:sp>
+        <p:sp>
+          <p:nvSpPr>
+            <p:cNvPr id="27" name="六边形 26">
+              <a:extLst>
+                <a:ext uri="{FF2B5EF4-FFF2-40B4-BE49-F238E27FC236}">
+                  <a16:creationId xmlns:a16="http://schemas.microsoft.com/office/drawing/2014/main" id="{28567270-ED9E-49EA-B6EC-370452E6F0D6}"/>
+                </a:ext>
+              </a:extLst>
+            </p:cNvPr>
+            <p:cNvSpPr/>
+            <p:nvPr/>
+          </p:nvSpPr>
+          <p:spPr>
+            <a:xfrm>
+              <a:off x="6320255" y="1654412"/>
+              <a:ext cx="1652843" cy="1424865"/>
+            </a:xfrm>
+            <a:prstGeom prst="hexagon">
+              <a:avLst/>
+            </a:prstGeom>
+          </p:spPr>
+          <p:style>
+            <a:lnRef idx="0">
+              <a:schemeClr val="accent5"/>
+            </a:lnRef>
+            <a:fillRef idx="3">
+              <a:schemeClr val="accent5"/>
+            </a:fillRef>
+            <a:effectRef idx="3">
+              <a:schemeClr val="accent5"/>
+            </a:effectRef>
+            <a:fontRef idx="minor">
+              <a:schemeClr val="lt1"/>
+            </a:fontRef>
+          </p:style>
+          <p:txBody>
+            <a:bodyPr rtlCol="0" anchor="ctr"/>
+            <a:lstStyle/>
+            <a:p>
+              <a:pPr algn="ctr"/>
+              <a:r>
+                <a:rPr lang="zh-CN" altLang="en-US" sz="1400" dirty="0"/>
+                <a:t>中央控制</a:t>
+              </a:r>
+            </a:p>
+          </p:txBody>
+        </p:sp>
+        <p:sp>
+          <p:nvSpPr>
+            <p:cNvPr id="28" name="六边形 27">
+              <a:extLst>
+                <a:ext uri="{FF2B5EF4-FFF2-40B4-BE49-F238E27FC236}">
+                  <a16:creationId xmlns:a16="http://schemas.microsoft.com/office/drawing/2014/main" id="{61197671-FD1D-4C78-8ABE-D4EE5A9C1B38}"/>
+                </a:ext>
+              </a:extLst>
+            </p:cNvPr>
+            <p:cNvSpPr/>
+            <p:nvPr/>
+          </p:nvSpPr>
+          <p:spPr>
+            <a:xfrm>
+              <a:off x="7616881" y="2366843"/>
+              <a:ext cx="1652843" cy="1424865"/>
+            </a:xfrm>
+            <a:prstGeom prst="hexagon">
+              <a:avLst/>
+            </a:prstGeom>
+          </p:spPr>
+          <p:style>
+            <a:lnRef idx="0">
+              <a:schemeClr val="accent5"/>
+            </a:lnRef>
+            <a:fillRef idx="3">
+              <a:schemeClr val="accent5"/>
+            </a:fillRef>
+            <a:effectRef idx="3">
+              <a:schemeClr val="accent5"/>
+            </a:effectRef>
+            <a:fontRef idx="minor">
+              <a:schemeClr val="lt1"/>
+            </a:fontRef>
+          </p:style>
+          <p:txBody>
+            <a:bodyPr rtlCol="0" anchor="ctr"/>
+            <a:lstStyle/>
+            <a:p>
+              <a:pPr algn="ctr"/>
+              <a:r>
+                <a:rPr lang="zh-CN" altLang="en-US" sz="1400" dirty="0"/>
+                <a:t>产品管理</a:t>
+              </a:r>
+            </a:p>
+          </p:txBody>
+        </p:sp>
+        <p:sp>
+          <p:nvSpPr>
+            <p:cNvPr id="29" name="六边形 28">
+              <a:extLst>
+                <a:ext uri="{FF2B5EF4-FFF2-40B4-BE49-F238E27FC236}">
+                  <a16:creationId xmlns:a16="http://schemas.microsoft.com/office/drawing/2014/main" id="{D702E64B-DD2A-4922-96DE-1017A898EC4D}"/>
+                </a:ext>
+              </a:extLst>
+            </p:cNvPr>
+            <p:cNvSpPr/>
+            <p:nvPr/>
+          </p:nvSpPr>
+          <p:spPr>
+            <a:xfrm>
+              <a:off x="6319244" y="3066022"/>
+              <a:ext cx="1652843" cy="1424865"/>
+            </a:xfrm>
+            <a:prstGeom prst="hexagon">
+              <a:avLst/>
+            </a:prstGeom>
+          </p:spPr>
+          <p:style>
+            <a:lnRef idx="0">
+              <a:schemeClr val="accent5"/>
+            </a:lnRef>
+            <a:fillRef idx="3">
+              <a:schemeClr val="accent5"/>
+            </a:fillRef>
+            <a:effectRef idx="3">
+              <a:schemeClr val="accent5"/>
+            </a:effectRef>
+            <a:fontRef idx="minor">
+              <a:schemeClr val="lt1"/>
+            </a:fontRef>
+          </p:style>
+          <p:txBody>
+            <a:bodyPr rtlCol="0" anchor="ctr"/>
+            <a:lstStyle/>
+            <a:p>
+              <a:pPr algn="ctr"/>
+              <a:r>
+                <a:rPr lang="zh-CN" altLang="en-US" sz="1400" dirty="0"/>
+                <a:t>负载均衡</a:t>
+              </a:r>
+            </a:p>
+          </p:txBody>
+        </p:sp>
+        <p:sp>
+          <p:nvSpPr>
+            <p:cNvPr id="31" name="六边形 30">
+              <a:extLst>
+                <a:ext uri="{FF2B5EF4-FFF2-40B4-BE49-F238E27FC236}">
+                  <a16:creationId xmlns:a16="http://schemas.microsoft.com/office/drawing/2014/main" id="{CF178045-0D61-4A56-A668-CAA4445ECE7E}"/>
+                </a:ext>
+              </a:extLst>
+            </p:cNvPr>
+            <p:cNvSpPr/>
+            <p:nvPr/>
+          </p:nvSpPr>
+          <p:spPr>
+            <a:xfrm>
+              <a:off x="6320254" y="4498390"/>
+              <a:ext cx="1652843" cy="1424865"/>
+            </a:xfrm>
+            <a:prstGeom prst="hexagon">
+              <a:avLst/>
+            </a:prstGeom>
+          </p:spPr>
+          <p:style>
+            <a:lnRef idx="0">
+              <a:schemeClr val="accent4"/>
+            </a:lnRef>
+            <a:fillRef idx="3">
+              <a:schemeClr val="accent4"/>
+            </a:fillRef>
+            <a:effectRef idx="3">
+              <a:schemeClr val="accent4"/>
+            </a:effectRef>
+            <a:fontRef idx="minor">
+              <a:schemeClr val="lt1"/>
+            </a:fontRef>
+          </p:style>
+          <p:txBody>
+            <a:bodyPr rtlCol="0" anchor="ctr"/>
+            <a:lstStyle/>
+            <a:p>
+              <a:pPr algn="ctr"/>
+              <a:r>
+                <a:rPr lang="en-US" altLang="zh-CN" sz="1400" dirty="0" err="1"/>
+                <a:t>MySql</a:t>
+              </a:r>
+              <a:endParaRPr lang="zh-CN" altLang="en-US" sz="1400" dirty="0"/>
+            </a:p>
+          </p:txBody>
+        </p:sp>
+        <p:sp>
+          <p:nvSpPr>
+            <p:cNvPr id="43" name="六边形 42">
+              <a:extLst>
+                <a:ext uri="{FF2B5EF4-FFF2-40B4-BE49-F238E27FC236}">
+                  <a16:creationId xmlns:a16="http://schemas.microsoft.com/office/drawing/2014/main" id="{9C0AD4D6-6C07-47C6-90F1-A63EC26BF443}"/>
+                </a:ext>
+              </a:extLst>
+            </p:cNvPr>
+            <p:cNvSpPr/>
+            <p:nvPr/>
+          </p:nvSpPr>
+          <p:spPr>
+            <a:xfrm>
+              <a:off x="8903925" y="4507853"/>
+              <a:ext cx="1652843" cy="1424865"/>
+            </a:xfrm>
+            <a:prstGeom prst="hexagon">
+              <a:avLst/>
+            </a:prstGeom>
+          </p:spPr>
+          <p:style>
+            <a:lnRef idx="0">
+              <a:schemeClr val="accent4"/>
+            </a:lnRef>
+            <a:fillRef idx="3">
+              <a:schemeClr val="accent4"/>
+            </a:fillRef>
+            <a:effectRef idx="3">
+              <a:schemeClr val="accent4"/>
+            </a:effectRef>
+            <a:fontRef idx="minor">
+              <a:schemeClr val="lt1"/>
+            </a:fontRef>
+          </p:style>
+          <p:txBody>
+            <a:bodyPr rtlCol="0" anchor="ctr"/>
+            <a:lstStyle/>
+            <a:p>
+              <a:pPr algn="ctr"/>
+              <a:r>
+                <a:rPr lang="en-US" altLang="zh-CN" sz="1400" dirty="0" err="1"/>
+                <a:t>ActiveMQ</a:t>
+              </a:r>
+              <a:endParaRPr lang="zh-CN" altLang="en-US" sz="1400" dirty="0"/>
+            </a:p>
+          </p:txBody>
+        </p:sp>
+      </p:grpSp>
+      <p:sp>
+        <p:nvSpPr>
+          <p:cNvPr id="10" name="箭头: 左右 9">
+            <a:extLst>
+              <a:ext uri="{FF2B5EF4-FFF2-40B4-BE49-F238E27FC236}">
+                <a16:creationId xmlns:a16="http://schemas.microsoft.com/office/drawing/2014/main" id="{BAEDEFCF-A2B2-465B-90E6-55698BC2C6D8}"/>
+              </a:ext>
+            </a:extLst>
+          </p:cNvPr>
+          <p:cNvSpPr/>
+          <p:nvPr/>
+        </p:nvSpPr>
+        <p:spPr>
+          <a:xfrm>
+            <a:off x="5032717" y="406147"/>
+            <a:ext cx="1018874" cy="450574"/>
+          </a:xfrm>
+          <a:prstGeom prst="leftRightArrow">
+            <a:avLst/>
+          </a:prstGeom>
+        </p:spPr>
+        <p:style>
+          <a:lnRef idx="1">
+            <a:schemeClr val="accent5"/>
+          </a:lnRef>
+          <a:fillRef idx="2">
+            <a:schemeClr val="accent5"/>
+          </a:fillRef>
+          <a:effectRef idx="1">
+            <a:schemeClr val="accent5"/>
+          </a:effectRef>
+          <a:fontRef idx="minor">
+            <a:schemeClr val="dk1"/>
+          </a:fontRef>
+        </p:style>
+        <p:txBody>
+          <a:bodyPr rtlCol="0" anchor="ctr"/>
+          <a:lstStyle/>
+          <a:p>
+            <a:pPr algn="ctr"/>
+            <a:endParaRPr lang="zh-CN" altLang="en-US" dirty="0"/>
+          </a:p>
+        </p:txBody>
+      </p:sp>
+      <p:sp>
+        <p:nvSpPr>
+          <p:cNvPr id="15" name="矩形: 圆角 14">
+            <a:extLst>
+              <a:ext uri="{FF2B5EF4-FFF2-40B4-BE49-F238E27FC236}">
+                <a16:creationId xmlns:a16="http://schemas.microsoft.com/office/drawing/2014/main" id="{21DC6FCD-C0C3-46D3-9D10-64681F53E991}"/>
+              </a:ext>
+            </a:extLst>
+          </p:cNvPr>
+          <p:cNvSpPr/>
+          <p:nvPr/>
+        </p:nvSpPr>
+        <p:spPr>
+          <a:xfrm>
+            <a:off x="2091714" y="390682"/>
+            <a:ext cx="1433177" cy="578425"/>
+          </a:xfrm>
+          <a:prstGeom prst="roundRect">
+            <a:avLst/>
+          </a:prstGeom>
+        </p:spPr>
+        <p:style>
+          <a:lnRef idx="2">
+            <a:schemeClr val="dk1"/>
+          </a:lnRef>
+          <a:fillRef idx="1">
+            <a:schemeClr val="lt1"/>
+          </a:fillRef>
+          <a:effectRef idx="0">
+            <a:schemeClr val="dk1"/>
+          </a:effectRef>
+          <a:fontRef idx="minor">
+            <a:schemeClr val="dk1"/>
+          </a:fontRef>
+        </p:style>
+        <p:txBody>
+          <a:bodyPr rtlCol="0" anchor="ctr"/>
+          <a:lstStyle/>
+          <a:p>
+            <a:pPr algn="ctr"/>
+            <a:r>
+              <a:rPr lang="zh-CN" altLang="en-US" dirty="0"/>
+              <a:t>客户端</a:t>
+            </a:r>
+          </a:p>
+        </p:txBody>
+      </p:sp>
+      <p:sp>
+        <p:nvSpPr>
+          <p:cNvPr id="30" name="矩形: 圆角 29">
+            <a:extLst>
+              <a:ext uri="{FF2B5EF4-FFF2-40B4-BE49-F238E27FC236}">
+                <a16:creationId xmlns:a16="http://schemas.microsoft.com/office/drawing/2014/main" id="{1BDD5442-BF2B-4A54-A374-B06C8304537D}"/>
+              </a:ext>
+            </a:extLst>
+          </p:cNvPr>
+          <p:cNvSpPr/>
+          <p:nvPr/>
+        </p:nvSpPr>
+        <p:spPr>
+          <a:xfrm>
+            <a:off x="7630692" y="342221"/>
+            <a:ext cx="1433177" cy="578425"/>
+          </a:xfrm>
+          <a:prstGeom prst="roundRect">
+            <a:avLst/>
+          </a:prstGeom>
+        </p:spPr>
+        <p:style>
+          <a:lnRef idx="2">
+            <a:schemeClr val="dk1"/>
+          </a:lnRef>
+          <a:fillRef idx="1">
+            <a:schemeClr val="lt1"/>
+          </a:fillRef>
+          <a:effectRef idx="0">
+            <a:schemeClr val="dk1"/>
+          </a:effectRef>
+          <a:fontRef idx="minor">
+            <a:schemeClr val="dk1"/>
+          </a:fontRef>
+        </p:style>
+        <p:txBody>
+          <a:bodyPr rtlCol="0" anchor="ctr"/>
+          <a:lstStyle/>
+          <a:p>
+            <a:pPr algn="ctr"/>
+            <a:r>
+              <a:rPr lang="zh-CN" altLang="en-US" dirty="0"/>
+              <a:t>中央控制端</a:t>
+            </a:r>
+          </a:p>
+        </p:txBody>
+      </p:sp>
+    </p:spTree>
+    <p:extLst>
+      <p:ext uri="{BB962C8B-B14F-4D97-AF65-F5344CB8AC3E}">
+        <p14:creationId xmlns:p14="http://schemas.microsoft.com/office/powerpoint/2010/main" val="976041952"/>
+      </p:ext>
+    </p:extLst>
+  </p:cSld>
+  <p:clrMapOvr>
+    <a:masterClrMapping/>
+  </p:clrMapOvr>
+</p:sld>
+</file>
+
+<file path=ppt/slides/slide5.xml><?xml version="1.0" encoding="utf-8"?>
+<p:sld xmlns:a="http://schemas.openxmlformats.org/drawingml/2006/main" xmlns:r="http://schemas.openxmlformats.org/officeDocument/2006/relationships" xmlns:p="http://schemas.openxmlformats.org/presentationml/2006/main">
+  <p:cSld>
+    <p:spTree>
+      <p:nvGrpSpPr>
+        <p:cNvPr id="1" name=""/>
+        <p:cNvGrpSpPr/>
+        <p:nvPr/>
+      </p:nvGrpSpPr>
+      <p:grpSpPr>
+        <a:xfrm>
+          <a:off x="0" y="0"/>
+          <a:ext cx="0" cy="0"/>
+          <a:chOff x="0" y="0"/>
+          <a:chExt cx="0" cy="0"/>
+        </a:xfrm>
+      </p:grpSpPr>
+      <p:grpSp>
+        <p:nvGrpSpPr>
+          <p:cNvPr id="21" name="组合 20">
+            <a:extLst>
+              <a:ext uri="{FF2B5EF4-FFF2-40B4-BE49-F238E27FC236}">
+                <a16:creationId xmlns:a16="http://schemas.microsoft.com/office/drawing/2014/main" id="{29585356-F217-49A2-A7BE-F5D75B222E29}"/>
+              </a:ext>
+            </a:extLst>
+          </p:cNvPr>
+          <p:cNvGrpSpPr/>
+          <p:nvPr/>
+        </p:nvGrpSpPr>
+        <p:grpSpPr>
+          <a:xfrm>
+            <a:off x="397566" y="4340609"/>
+            <a:ext cx="2107095" cy="2206476"/>
+            <a:chOff x="397566" y="4340609"/>
+            <a:chExt cx="2107095" cy="2206476"/>
+          </a:xfrm>
+        </p:grpSpPr>
+        <p:sp>
+          <p:nvSpPr>
+            <p:cNvPr id="11" name="六边形 10">
+              <a:extLst>
+                <a:ext uri="{FF2B5EF4-FFF2-40B4-BE49-F238E27FC236}">
+                  <a16:creationId xmlns:a16="http://schemas.microsoft.com/office/drawing/2014/main" id="{991F4DA1-2B76-49D6-9F0B-27F016C9FD0B}"/>
+                </a:ext>
+              </a:extLst>
+            </p:cNvPr>
+            <p:cNvSpPr/>
+            <p:nvPr/>
+          </p:nvSpPr>
+          <p:spPr>
+            <a:xfrm>
+              <a:off x="986320" y="4767668"/>
+              <a:ext cx="846202" cy="711767"/>
+            </a:xfrm>
+            <a:prstGeom prst="hexagon">
+              <a:avLst/>
+            </a:prstGeom>
+          </p:spPr>
+          <p:style>
+            <a:lnRef idx="1">
+              <a:schemeClr val="accent6"/>
+            </a:lnRef>
+            <a:fillRef idx="2">
+              <a:schemeClr val="accent6"/>
+            </a:fillRef>
+            <a:effectRef idx="1">
+              <a:schemeClr val="accent6"/>
+            </a:effectRef>
+            <a:fontRef idx="minor">
+              <a:schemeClr val="dk1"/>
+            </a:fontRef>
+          </p:style>
+          <p:txBody>
+            <a:bodyPr rtlCol="0" anchor="ctr"/>
+            <a:lstStyle/>
+            <a:p>
+              <a:pPr algn="ctr"/>
+              <a:r>
+                <a:rPr lang="zh-CN" altLang="en-US" sz="1200" dirty="0"/>
+                <a:t>前端</a:t>
+              </a:r>
+            </a:p>
+          </p:txBody>
+        </p:sp>
+        <p:sp>
+          <p:nvSpPr>
+            <p:cNvPr id="12" name="六边形 11">
+              <a:extLst>
+                <a:ext uri="{FF2B5EF4-FFF2-40B4-BE49-F238E27FC236}">
+                  <a16:creationId xmlns:a16="http://schemas.microsoft.com/office/drawing/2014/main" id="{98C8D21E-6A7E-4282-9E91-9B46CDCAAC1F}"/>
+                </a:ext>
+              </a:extLst>
+            </p:cNvPr>
+            <p:cNvSpPr/>
+            <p:nvPr/>
+          </p:nvSpPr>
+          <p:spPr>
+            <a:xfrm>
+              <a:off x="986320" y="5479435"/>
+              <a:ext cx="846202" cy="711767"/>
+            </a:xfrm>
+            <a:prstGeom prst="hexagon">
+              <a:avLst/>
+            </a:prstGeom>
+          </p:spPr>
+          <p:style>
+            <a:lnRef idx="0">
+              <a:schemeClr val="accent5"/>
+            </a:lnRef>
+            <a:fillRef idx="3">
+              <a:schemeClr val="accent5"/>
+            </a:fillRef>
+            <a:effectRef idx="3">
+              <a:schemeClr val="accent5"/>
+            </a:effectRef>
+            <a:fontRef idx="minor">
+              <a:schemeClr val="lt1"/>
+            </a:fontRef>
+          </p:style>
+          <p:txBody>
+            <a:bodyPr rtlCol="0" anchor="ctr"/>
+            <a:lstStyle/>
+            <a:p>
+              <a:pPr algn="ctr"/>
+              <a:r>
+                <a:rPr lang="zh-CN" altLang="en-US" sz="1200" dirty="0"/>
+                <a:t>微服务</a:t>
+              </a:r>
+            </a:p>
+          </p:txBody>
+        </p:sp>
+        <p:sp>
+          <p:nvSpPr>
+            <p:cNvPr id="13" name="六边形 12">
+              <a:extLst>
+                <a:ext uri="{FF2B5EF4-FFF2-40B4-BE49-F238E27FC236}">
+                  <a16:creationId xmlns:a16="http://schemas.microsoft.com/office/drawing/2014/main" id="{9A9E442B-17B5-4E81-99CE-0CE8D25A2CC2}"/>
+                </a:ext>
+              </a:extLst>
+            </p:cNvPr>
+            <p:cNvSpPr/>
+            <p:nvPr/>
+          </p:nvSpPr>
+          <p:spPr>
+            <a:xfrm>
+              <a:off x="1658459" y="5835318"/>
+              <a:ext cx="846202" cy="711767"/>
+            </a:xfrm>
+            <a:prstGeom prst="hexagon">
+              <a:avLst/>
+            </a:prstGeom>
+          </p:spPr>
+          <p:style>
+            <a:lnRef idx="0">
+              <a:schemeClr val="dk1"/>
+            </a:lnRef>
+            <a:fillRef idx="3">
+              <a:schemeClr val="dk1"/>
+            </a:fillRef>
+            <a:effectRef idx="3">
+              <a:schemeClr val="dk1"/>
+            </a:effectRef>
+            <a:fontRef idx="minor">
+              <a:schemeClr val="lt1"/>
+            </a:fontRef>
+          </p:style>
+          <p:txBody>
+            <a:bodyPr rtlCol="0" anchor="ctr"/>
+            <a:lstStyle/>
+            <a:p>
+              <a:pPr algn="ctr"/>
+              <a:r>
+                <a:rPr lang="en-US" altLang="zh-CN" sz="1200" dirty="0"/>
+                <a:t>Shell</a:t>
+              </a:r>
+              <a:endParaRPr lang="zh-CN" altLang="en-US" sz="1200" dirty="0"/>
+            </a:p>
+          </p:txBody>
+        </p:sp>
+        <p:sp>
+          <p:nvSpPr>
+            <p:cNvPr id="14" name="矩形 13">
+              <a:extLst>
+                <a:ext uri="{FF2B5EF4-FFF2-40B4-BE49-F238E27FC236}">
+                  <a16:creationId xmlns:a16="http://schemas.microsoft.com/office/drawing/2014/main" id="{25187D6C-4B08-4999-A5D0-347E7E150A0D}"/>
+                </a:ext>
+              </a:extLst>
+            </p:cNvPr>
+            <p:cNvSpPr/>
+            <p:nvPr/>
+          </p:nvSpPr>
+          <p:spPr>
+            <a:xfrm>
+              <a:off x="397566" y="4340609"/>
+              <a:ext cx="718264" cy="328509"/>
+            </a:xfrm>
+            <a:prstGeom prst="rect">
+              <a:avLst/>
+            </a:prstGeom>
+            <a:ln>
+              <a:noFill/>
+            </a:ln>
+          </p:spPr>
+          <p:style>
+            <a:lnRef idx="2">
+              <a:schemeClr val="dk1"/>
+            </a:lnRef>
+            <a:fillRef idx="1">
+              <a:schemeClr val="lt1"/>
+            </a:fillRef>
+            <a:effectRef idx="0">
+              <a:schemeClr val="dk1"/>
+            </a:effectRef>
+            <a:fontRef idx="minor">
+              <a:schemeClr val="dk1"/>
+            </a:fontRef>
+          </p:style>
+          <p:txBody>
+            <a:bodyPr rtlCol="0" anchor="ctr"/>
+            <a:lstStyle/>
+            <a:p>
+              <a:pPr algn="ctr"/>
+              <a:r>
+                <a:rPr lang="zh-CN" altLang="en-US" dirty="0"/>
+                <a:t>图例</a:t>
+              </a:r>
+              <a:r>
+                <a:rPr lang="en-US" altLang="zh-CN" dirty="0"/>
+                <a:t>:</a:t>
+              </a:r>
+              <a:endParaRPr lang="zh-CN" altLang="en-US" dirty="0"/>
+            </a:p>
+          </p:txBody>
+        </p:sp>
+        <p:sp>
+          <p:nvSpPr>
+            <p:cNvPr id="17" name="六边形 16">
+              <a:extLst>
+                <a:ext uri="{FF2B5EF4-FFF2-40B4-BE49-F238E27FC236}">
+                  <a16:creationId xmlns:a16="http://schemas.microsoft.com/office/drawing/2014/main" id="{8A56DFE1-E14E-4BF1-9C55-234458BC95A3}"/>
+                </a:ext>
+              </a:extLst>
+            </p:cNvPr>
+            <p:cNvSpPr/>
+            <p:nvPr/>
+          </p:nvSpPr>
+          <p:spPr>
+            <a:xfrm>
+              <a:off x="1658459" y="5123552"/>
+              <a:ext cx="846202" cy="711767"/>
+            </a:xfrm>
+            <a:prstGeom prst="hexagon">
+              <a:avLst/>
+            </a:prstGeom>
+          </p:spPr>
+          <p:style>
+            <a:lnRef idx="2">
+              <a:schemeClr val="accent4">
+                <a:shade val="50000"/>
+              </a:schemeClr>
+            </a:lnRef>
+            <a:fillRef idx="1">
+              <a:schemeClr val="accent4"/>
+            </a:fillRef>
+            <a:effectRef idx="0">
+              <a:schemeClr val="accent4"/>
+            </a:effectRef>
+            <a:fontRef idx="minor">
+              <a:schemeClr val="lt1"/>
+            </a:fontRef>
+          </p:style>
+          <p:txBody>
+            <a:bodyPr rtlCol="0" anchor="ctr"/>
+            <a:lstStyle/>
+            <a:p>
+              <a:pPr algn="ctr"/>
+              <a:r>
+                <a:rPr lang="en-US" altLang="zh-CN" sz="1200" dirty="0"/>
+                <a:t>DB</a:t>
+              </a:r>
+              <a:endParaRPr lang="zh-CN" altLang="en-US" sz="1200" dirty="0"/>
+            </a:p>
+          </p:txBody>
+        </p:sp>
+      </p:grpSp>
+      <p:sp>
+        <p:nvSpPr>
+          <p:cNvPr id="4" name="六边形 3">
+            <a:extLst>
+              <a:ext uri="{FF2B5EF4-FFF2-40B4-BE49-F238E27FC236}">
+                <a16:creationId xmlns:a16="http://schemas.microsoft.com/office/drawing/2014/main" id="{767CCBDA-114B-487A-B6F1-5B924C716707}"/>
+              </a:ext>
+            </a:extLst>
+          </p:cNvPr>
+          <p:cNvSpPr/>
+          <p:nvPr/>
+        </p:nvSpPr>
+        <p:spPr>
+          <a:xfrm>
+            <a:off x="4263888" y="2984923"/>
+            <a:ext cx="1652843" cy="1424865"/>
+          </a:xfrm>
+          <a:prstGeom prst="hexagon">
+            <a:avLst/>
+          </a:prstGeom>
+        </p:spPr>
+        <p:style>
+          <a:lnRef idx="1">
+            <a:schemeClr val="accent6"/>
+          </a:lnRef>
+          <a:fillRef idx="2">
+            <a:schemeClr val="accent6"/>
+          </a:fillRef>
+          <a:effectRef idx="1">
+            <a:schemeClr val="accent6"/>
+          </a:effectRef>
+          <a:fontRef idx="minor">
+            <a:schemeClr val="dk1"/>
+          </a:fontRef>
+        </p:style>
+        <p:txBody>
+          <a:bodyPr rtlCol="0" anchor="ctr"/>
+          <a:lstStyle/>
+          <a:p>
+            <a:pPr algn="ctr"/>
+            <a:r>
+              <a:rPr lang="zh-CN" altLang="en-US" dirty="0"/>
+              <a:t>用户前端</a:t>
+            </a:r>
+          </a:p>
+        </p:txBody>
+      </p:sp>
+      <p:sp>
+        <p:nvSpPr>
+          <p:cNvPr id="5" name="六边形 4">
+            <a:extLst>
+              <a:ext uri="{FF2B5EF4-FFF2-40B4-BE49-F238E27FC236}">
+                <a16:creationId xmlns:a16="http://schemas.microsoft.com/office/drawing/2014/main" id="{E1E9C886-3413-4984-A7B5-6C176C2AE7D6}"/>
+              </a:ext>
+            </a:extLst>
+          </p:cNvPr>
+          <p:cNvSpPr/>
+          <p:nvPr/>
+        </p:nvSpPr>
+        <p:spPr>
+          <a:xfrm>
+            <a:off x="6857141" y="2984923"/>
+            <a:ext cx="1652843" cy="1424865"/>
+          </a:xfrm>
+          <a:prstGeom prst="hexagon">
+            <a:avLst/>
+          </a:prstGeom>
+        </p:spPr>
+        <p:style>
+          <a:lnRef idx="1">
+            <a:schemeClr val="accent6"/>
+          </a:lnRef>
+          <a:fillRef idx="2">
+            <a:schemeClr val="accent6"/>
+          </a:fillRef>
+          <a:effectRef idx="1">
+            <a:schemeClr val="accent6"/>
+          </a:effectRef>
+          <a:fontRef idx="minor">
+            <a:schemeClr val="dk1"/>
+          </a:fontRef>
+        </p:style>
+        <p:txBody>
+          <a:bodyPr rtlCol="0" anchor="ctr"/>
+          <a:lstStyle/>
+          <a:p>
+            <a:pPr algn="ctr"/>
+            <a:r>
+              <a:rPr lang="zh-CN" altLang="en-US" dirty="0"/>
+              <a:t>运维前端</a:t>
+            </a:r>
+          </a:p>
+        </p:txBody>
+      </p:sp>
+      <p:sp>
+        <p:nvSpPr>
+          <p:cNvPr id="6" name="六边形 5">
+            <a:extLst>
+              <a:ext uri="{FF2B5EF4-FFF2-40B4-BE49-F238E27FC236}">
+                <a16:creationId xmlns:a16="http://schemas.microsoft.com/office/drawing/2014/main" id="{21B8DE38-2906-4E7D-852E-1284230FD782}"/>
+              </a:ext>
+            </a:extLst>
+          </p:cNvPr>
+          <p:cNvSpPr/>
+          <p:nvPr/>
+        </p:nvSpPr>
+        <p:spPr>
+          <a:xfrm>
+            <a:off x="5560514" y="3697356"/>
+            <a:ext cx="1652843" cy="1424865"/>
+          </a:xfrm>
+          <a:prstGeom prst="hexagon">
+            <a:avLst/>
+          </a:prstGeom>
+        </p:spPr>
+        <p:style>
+          <a:lnRef idx="0">
+            <a:schemeClr val="accent5"/>
+          </a:lnRef>
+          <a:fillRef idx="3">
+            <a:schemeClr val="accent5"/>
+          </a:fillRef>
+          <a:effectRef idx="3">
+            <a:schemeClr val="accent5"/>
+          </a:effectRef>
+          <a:fontRef idx="minor">
+            <a:schemeClr val="lt1"/>
+          </a:fontRef>
+        </p:style>
+        <p:txBody>
+          <a:bodyPr rtlCol="0" anchor="ctr"/>
+          <a:lstStyle/>
+          <a:p>
+            <a:pPr algn="ctr"/>
+            <a:r>
+              <a:rPr lang="zh-CN" altLang="en-US" dirty="0"/>
+              <a:t>容器监测</a:t>
+            </a:r>
+          </a:p>
+        </p:txBody>
+      </p:sp>
+      <p:sp>
+        <p:nvSpPr>
+          <p:cNvPr id="7" name="六边形 6">
+            <a:extLst>
+              <a:ext uri="{FF2B5EF4-FFF2-40B4-BE49-F238E27FC236}">
+                <a16:creationId xmlns:a16="http://schemas.microsoft.com/office/drawing/2014/main" id="{F6EFA57E-22F1-4A35-9CDA-494FE99DECC8}"/>
+              </a:ext>
+            </a:extLst>
+          </p:cNvPr>
+          <p:cNvSpPr/>
+          <p:nvPr/>
+        </p:nvSpPr>
+        <p:spPr>
+          <a:xfrm>
+            <a:off x="5560514" y="2272490"/>
+            <a:ext cx="1652843" cy="1424865"/>
+          </a:xfrm>
+          <a:prstGeom prst="hexagon">
+            <a:avLst/>
+          </a:prstGeom>
+        </p:spPr>
+        <p:style>
+          <a:lnRef idx="0">
+            <a:schemeClr val="accent5"/>
+          </a:lnRef>
+          <a:fillRef idx="3">
+            <a:schemeClr val="accent5"/>
+          </a:fillRef>
+          <a:effectRef idx="3">
+            <a:schemeClr val="accent5"/>
+          </a:effectRef>
+          <a:fontRef idx="minor">
+            <a:schemeClr val="lt1"/>
+          </a:fontRef>
+        </p:style>
+        <p:txBody>
+          <a:bodyPr rtlCol="0" anchor="ctr"/>
+          <a:lstStyle/>
+          <a:p>
+            <a:pPr algn="ctr"/>
+            <a:r>
+              <a:rPr lang="zh-CN" altLang="en-US" dirty="0"/>
+              <a:t>自动发布</a:t>
+            </a:r>
+          </a:p>
+        </p:txBody>
+      </p:sp>
+      <p:sp>
+        <p:nvSpPr>
+          <p:cNvPr id="8" name="六边形 7">
+            <a:extLst>
+              <a:ext uri="{FF2B5EF4-FFF2-40B4-BE49-F238E27FC236}">
+                <a16:creationId xmlns:a16="http://schemas.microsoft.com/office/drawing/2014/main" id="{0591B2AB-09E6-475A-BDD7-9F25F147065D}"/>
+              </a:ext>
+            </a:extLst>
+          </p:cNvPr>
+          <p:cNvSpPr/>
+          <p:nvPr/>
+        </p:nvSpPr>
+        <p:spPr>
+          <a:xfrm>
+            <a:off x="6857141" y="4409788"/>
+            <a:ext cx="1652843" cy="1424865"/>
+          </a:xfrm>
+          <a:prstGeom prst="hexagon">
+            <a:avLst/>
+          </a:prstGeom>
+        </p:spPr>
+        <p:style>
+          <a:lnRef idx="0">
+            <a:schemeClr val="accent5"/>
+          </a:lnRef>
+          <a:fillRef idx="3">
+            <a:schemeClr val="accent5"/>
+          </a:fillRef>
+          <a:effectRef idx="3">
+            <a:schemeClr val="accent5"/>
+          </a:effectRef>
+          <a:fontRef idx="minor">
+            <a:schemeClr val="lt1"/>
+          </a:fontRef>
+        </p:style>
+        <p:txBody>
+          <a:bodyPr rtlCol="0" anchor="ctr"/>
+          <a:lstStyle/>
+          <a:p>
+            <a:pPr algn="ctr"/>
+            <a:r>
+              <a:rPr lang="zh-CN" altLang="en-US" dirty="0"/>
+              <a:t>通知系统</a:t>
+            </a:r>
+          </a:p>
+        </p:txBody>
+      </p:sp>
+      <p:sp>
+        <p:nvSpPr>
+          <p:cNvPr id="9" name="六边形 8">
+            <a:extLst>
+              <a:ext uri="{FF2B5EF4-FFF2-40B4-BE49-F238E27FC236}">
+                <a16:creationId xmlns:a16="http://schemas.microsoft.com/office/drawing/2014/main" id="{3F5CAD79-30BC-40C1-AE88-FCC5004AF5CC}"/>
+              </a:ext>
+            </a:extLst>
+          </p:cNvPr>
+          <p:cNvSpPr/>
+          <p:nvPr/>
+        </p:nvSpPr>
+        <p:spPr>
+          <a:xfrm>
+            <a:off x="8153767" y="5122220"/>
+            <a:ext cx="1652843" cy="1424865"/>
+          </a:xfrm>
+          <a:prstGeom prst="hexagon">
+            <a:avLst/>
+          </a:prstGeom>
+          <a:ln>
+            <a:noFill/>
+          </a:ln>
+        </p:spPr>
+        <p:style>
+          <a:lnRef idx="0">
+            <a:schemeClr val="accent5"/>
+          </a:lnRef>
+          <a:fillRef idx="3">
+            <a:schemeClr val="accent5"/>
+          </a:fillRef>
+          <a:effectRef idx="3">
+            <a:schemeClr val="accent5"/>
+          </a:effectRef>
+          <a:fontRef idx="minor">
+            <a:schemeClr val="lt1"/>
+          </a:fontRef>
+        </p:style>
+        <p:txBody>
+          <a:bodyPr rtlCol="0" anchor="ctr"/>
+          <a:lstStyle/>
+          <a:p>
+            <a:pPr algn="ctr"/>
+            <a:r>
+              <a:rPr lang="zh-CN" altLang="en-US" dirty="0"/>
+              <a:t>消息网关</a:t>
+            </a:r>
+          </a:p>
+        </p:txBody>
+      </p:sp>
+      <p:sp>
+        <p:nvSpPr>
+          <p:cNvPr id="16" name="六边形 15">
+            <a:extLst>
+              <a:ext uri="{FF2B5EF4-FFF2-40B4-BE49-F238E27FC236}">
+                <a16:creationId xmlns:a16="http://schemas.microsoft.com/office/drawing/2014/main" id="{E5E91220-B45F-4891-A6CF-33363FD17DD2}"/>
+              </a:ext>
+            </a:extLst>
+          </p:cNvPr>
+          <p:cNvSpPr/>
+          <p:nvPr/>
+        </p:nvSpPr>
+        <p:spPr>
+          <a:xfrm>
+            <a:off x="5560514" y="5122219"/>
+            <a:ext cx="1652843" cy="1424865"/>
+          </a:xfrm>
+          <a:prstGeom prst="hexagon">
+            <a:avLst/>
+          </a:prstGeom>
+        </p:spPr>
+        <p:style>
+          <a:lnRef idx="0">
+            <a:schemeClr val="accent5"/>
+          </a:lnRef>
+          <a:fillRef idx="3">
+            <a:schemeClr val="accent5"/>
+          </a:fillRef>
+          <a:effectRef idx="3">
+            <a:schemeClr val="accent5"/>
+          </a:effectRef>
+          <a:fontRef idx="minor">
+            <a:schemeClr val="lt1"/>
+          </a:fontRef>
+        </p:style>
+        <p:txBody>
+          <a:bodyPr rtlCol="0" anchor="ctr"/>
+          <a:lstStyle/>
+          <a:p>
+            <a:pPr algn="ctr"/>
+            <a:r>
+              <a:rPr lang="zh-CN" altLang="en-US" dirty="0"/>
+              <a:t>日志管理</a:t>
+            </a:r>
+          </a:p>
+        </p:txBody>
+      </p:sp>
+      <p:sp>
+        <p:nvSpPr>
+          <p:cNvPr id="19" name="六边形 18">
+            <a:extLst>
+              <a:ext uri="{FF2B5EF4-FFF2-40B4-BE49-F238E27FC236}">
+                <a16:creationId xmlns:a16="http://schemas.microsoft.com/office/drawing/2014/main" id="{46F85DD2-2A60-4ECA-A05E-78884C7C1C2E}"/>
+              </a:ext>
+            </a:extLst>
+          </p:cNvPr>
+          <p:cNvSpPr/>
+          <p:nvPr/>
+        </p:nvSpPr>
+        <p:spPr>
+          <a:xfrm>
+            <a:off x="5547262" y="860877"/>
+            <a:ext cx="1652843" cy="1424865"/>
+          </a:xfrm>
+          <a:prstGeom prst="hexagon">
+            <a:avLst/>
+          </a:prstGeom>
+        </p:spPr>
+        <p:style>
+          <a:lnRef idx="1">
+            <a:schemeClr val="dk1"/>
+          </a:lnRef>
+          <a:fillRef idx="3">
+            <a:schemeClr val="dk1"/>
+          </a:fillRef>
+          <a:effectRef idx="2">
+            <a:schemeClr val="dk1"/>
+          </a:effectRef>
+          <a:fontRef idx="minor">
+            <a:schemeClr val="lt1"/>
+          </a:fontRef>
+        </p:style>
+        <p:txBody>
+          <a:bodyPr rtlCol="0" anchor="ctr"/>
+          <a:lstStyle/>
+          <a:p>
+            <a:pPr algn="ctr"/>
+            <a:r>
+              <a:rPr lang="zh-CN" altLang="en-US" dirty="0"/>
+              <a:t>自动发布</a:t>
+            </a:r>
+            <a:endParaRPr lang="en-US" altLang="zh-CN" dirty="0"/>
+          </a:p>
+          <a:p>
+            <a:pPr algn="ctr"/>
+            <a:r>
+              <a:rPr lang="en-US" altLang="zh-CN" dirty="0"/>
+              <a:t>Shell</a:t>
+            </a:r>
+            <a:r>
+              <a:rPr lang="zh-CN" altLang="en-US" dirty="0"/>
+              <a:t>脚本</a:t>
+            </a:r>
+          </a:p>
+        </p:txBody>
+      </p:sp>
+    </p:spTree>
+    <p:extLst>
+      <p:ext uri="{BB962C8B-B14F-4D97-AF65-F5344CB8AC3E}">
+        <p14:creationId xmlns:p14="http://schemas.microsoft.com/office/powerpoint/2010/main" val="1614059976"/>
+      </p:ext>
+    </p:extLst>
+  </p:cSld>
+  <p:clrMapOvr>
+    <a:masterClrMapping/>
+  </p:clrMapOvr>
+</p:sld>
+</file>
+
+<file path=ppt/slides/slide6.xml><?xml version="1.0" encoding="utf-8"?>
+<p:sld xmlns:a="http://schemas.openxmlformats.org/drawingml/2006/main" xmlns:r="http://schemas.openxmlformats.org/officeDocument/2006/relationships" xmlns:p="http://schemas.openxmlformats.org/presentationml/2006/main">
+  <p:cSld>
+    <p:spTree>
+      <p:nvGrpSpPr>
+        <p:cNvPr id="1" name=""/>
+        <p:cNvGrpSpPr/>
+        <p:nvPr/>
+      </p:nvGrpSpPr>
+      <p:grpSpPr>
+        <a:xfrm>
+          <a:off x="0" y="0"/>
+          <a:ext cx="0" cy="0"/>
+          <a:chOff x="0" y="0"/>
+          <a:chExt cx="0" cy="0"/>
+        </a:xfrm>
+      </p:grpSpPr>
+      <p:grpSp>
+        <p:nvGrpSpPr>
+          <p:cNvPr id="21" name="组合 20">
+            <a:extLst>
+              <a:ext uri="{FF2B5EF4-FFF2-40B4-BE49-F238E27FC236}">
+                <a16:creationId xmlns:a16="http://schemas.microsoft.com/office/drawing/2014/main" id="{29585356-F217-49A2-A7BE-F5D75B222E29}"/>
+              </a:ext>
+            </a:extLst>
+          </p:cNvPr>
+          <p:cNvGrpSpPr/>
+          <p:nvPr/>
+        </p:nvGrpSpPr>
+        <p:grpSpPr>
+          <a:xfrm>
+            <a:off x="397566" y="4118573"/>
+            <a:ext cx="2319130" cy="2428512"/>
+            <a:chOff x="397566" y="4340609"/>
+            <a:chExt cx="2107095" cy="2206476"/>
+          </a:xfrm>
+        </p:grpSpPr>
+        <p:sp>
+          <p:nvSpPr>
+            <p:cNvPr id="11" name="六边形 10">
+              <a:extLst>
+                <a:ext uri="{FF2B5EF4-FFF2-40B4-BE49-F238E27FC236}">
+                  <a16:creationId xmlns:a16="http://schemas.microsoft.com/office/drawing/2014/main" id="{991F4DA1-2B76-49D6-9F0B-27F016C9FD0B}"/>
+                </a:ext>
+              </a:extLst>
+            </p:cNvPr>
+            <p:cNvSpPr/>
+            <p:nvPr/>
+          </p:nvSpPr>
+          <p:spPr>
+            <a:xfrm>
+              <a:off x="986320" y="4767668"/>
+              <a:ext cx="846202" cy="711767"/>
+            </a:xfrm>
+            <a:prstGeom prst="hexagon">
+              <a:avLst/>
+            </a:prstGeom>
+          </p:spPr>
+          <p:style>
+            <a:lnRef idx="1">
+              <a:schemeClr val="accent6"/>
+            </a:lnRef>
+            <a:fillRef idx="2">
+              <a:schemeClr val="accent6"/>
+            </a:fillRef>
+            <a:effectRef idx="1">
+              <a:schemeClr val="accent6"/>
+            </a:effectRef>
+            <a:fontRef idx="minor">
+              <a:schemeClr val="dk1"/>
+            </a:fontRef>
+          </p:style>
+          <p:txBody>
+            <a:bodyPr rtlCol="0" anchor="ctr"/>
+            <a:lstStyle/>
+            <a:p>
+              <a:pPr algn="ctr"/>
+              <a:r>
+                <a:rPr lang="zh-CN" altLang="en-US" sz="1200" dirty="0"/>
+                <a:t>前端</a:t>
+              </a:r>
+            </a:p>
+          </p:txBody>
+        </p:sp>
+        <p:sp>
+          <p:nvSpPr>
+            <p:cNvPr id="12" name="六边形 11">
+              <a:extLst>
+                <a:ext uri="{FF2B5EF4-FFF2-40B4-BE49-F238E27FC236}">
+                  <a16:creationId xmlns:a16="http://schemas.microsoft.com/office/drawing/2014/main" id="{98C8D21E-6A7E-4282-9E91-9B46CDCAAC1F}"/>
+                </a:ext>
+              </a:extLst>
+            </p:cNvPr>
+            <p:cNvSpPr/>
+            <p:nvPr/>
+          </p:nvSpPr>
+          <p:spPr>
+            <a:xfrm>
+              <a:off x="986320" y="5479435"/>
+              <a:ext cx="846202" cy="711767"/>
+            </a:xfrm>
+            <a:prstGeom prst="hexagon">
+              <a:avLst/>
+            </a:prstGeom>
+          </p:spPr>
+          <p:style>
+            <a:lnRef idx="0">
+              <a:schemeClr val="accent5"/>
+            </a:lnRef>
+            <a:fillRef idx="3">
+              <a:schemeClr val="accent5"/>
+            </a:fillRef>
+            <a:effectRef idx="3">
+              <a:schemeClr val="accent5"/>
+            </a:effectRef>
+            <a:fontRef idx="minor">
+              <a:schemeClr val="lt1"/>
+            </a:fontRef>
+          </p:style>
+          <p:txBody>
+            <a:bodyPr rtlCol="0" anchor="ctr"/>
+            <a:lstStyle/>
+            <a:p>
+              <a:pPr algn="ctr"/>
+              <a:r>
+                <a:rPr lang="zh-CN" altLang="en-US" sz="1200" dirty="0"/>
+                <a:t>微服务</a:t>
+              </a:r>
+            </a:p>
+          </p:txBody>
+        </p:sp>
+        <p:sp>
+          <p:nvSpPr>
+            <p:cNvPr id="13" name="六边形 12">
+              <a:extLst>
+                <a:ext uri="{FF2B5EF4-FFF2-40B4-BE49-F238E27FC236}">
+                  <a16:creationId xmlns:a16="http://schemas.microsoft.com/office/drawing/2014/main" id="{9A9E442B-17B5-4E81-99CE-0CE8D25A2CC2}"/>
+                </a:ext>
+              </a:extLst>
+            </p:cNvPr>
+            <p:cNvSpPr/>
+            <p:nvPr/>
+          </p:nvSpPr>
+          <p:spPr>
+            <a:xfrm>
+              <a:off x="1658459" y="5835318"/>
+              <a:ext cx="846202" cy="711767"/>
+            </a:xfrm>
+            <a:prstGeom prst="hexagon">
+              <a:avLst/>
+            </a:prstGeom>
+          </p:spPr>
+          <p:style>
+            <a:lnRef idx="0">
+              <a:schemeClr val="dk1"/>
+            </a:lnRef>
+            <a:fillRef idx="3">
+              <a:schemeClr val="dk1"/>
+            </a:fillRef>
+            <a:effectRef idx="3">
+              <a:schemeClr val="dk1"/>
+            </a:effectRef>
+            <a:fontRef idx="minor">
+              <a:schemeClr val="lt1"/>
+            </a:fontRef>
+          </p:style>
+          <p:txBody>
+            <a:bodyPr rtlCol="0" anchor="ctr"/>
+            <a:lstStyle/>
+            <a:p>
+              <a:pPr algn="ctr"/>
+              <a:r>
+                <a:rPr lang="en-US" altLang="zh-CN" sz="1200" dirty="0"/>
+                <a:t>Shell</a:t>
+              </a:r>
+              <a:endParaRPr lang="zh-CN" altLang="en-US" sz="1200" dirty="0"/>
+            </a:p>
+          </p:txBody>
+        </p:sp>
+        <p:sp>
+          <p:nvSpPr>
+            <p:cNvPr id="14" name="矩形 13">
+              <a:extLst>
+                <a:ext uri="{FF2B5EF4-FFF2-40B4-BE49-F238E27FC236}">
+                  <a16:creationId xmlns:a16="http://schemas.microsoft.com/office/drawing/2014/main" id="{25187D6C-4B08-4999-A5D0-347E7E150A0D}"/>
+                </a:ext>
+              </a:extLst>
+            </p:cNvPr>
+            <p:cNvSpPr/>
+            <p:nvPr/>
+          </p:nvSpPr>
+          <p:spPr>
+            <a:xfrm>
+              <a:off x="397566" y="4340609"/>
+              <a:ext cx="718264" cy="328509"/>
+            </a:xfrm>
+            <a:prstGeom prst="rect">
+              <a:avLst/>
+            </a:prstGeom>
+            <a:ln>
+              <a:noFill/>
+            </a:ln>
+          </p:spPr>
+          <p:style>
+            <a:lnRef idx="2">
+              <a:schemeClr val="dk1"/>
+            </a:lnRef>
+            <a:fillRef idx="1">
+              <a:schemeClr val="lt1"/>
+            </a:fillRef>
+            <a:effectRef idx="0">
+              <a:schemeClr val="dk1"/>
+            </a:effectRef>
+            <a:fontRef idx="minor">
+              <a:schemeClr val="dk1"/>
+            </a:fontRef>
+          </p:style>
+          <p:txBody>
+            <a:bodyPr rtlCol="0" anchor="ctr"/>
+            <a:lstStyle/>
+            <a:p>
+              <a:pPr algn="ctr"/>
+              <a:r>
+                <a:rPr lang="zh-CN" altLang="en-US" dirty="0"/>
+                <a:t>图例</a:t>
+              </a:r>
+              <a:r>
+                <a:rPr lang="en-US" altLang="zh-CN" dirty="0"/>
+                <a:t>:</a:t>
+              </a:r>
+              <a:endParaRPr lang="zh-CN" altLang="en-US" dirty="0"/>
+            </a:p>
+          </p:txBody>
+        </p:sp>
+        <p:sp>
+          <p:nvSpPr>
+            <p:cNvPr id="17" name="六边形 16">
+              <a:extLst>
+                <a:ext uri="{FF2B5EF4-FFF2-40B4-BE49-F238E27FC236}">
+                  <a16:creationId xmlns:a16="http://schemas.microsoft.com/office/drawing/2014/main" id="{8A56DFE1-E14E-4BF1-9C55-234458BC95A3}"/>
+                </a:ext>
+              </a:extLst>
+            </p:cNvPr>
+            <p:cNvSpPr/>
+            <p:nvPr/>
+          </p:nvSpPr>
+          <p:spPr>
+            <a:xfrm>
+              <a:off x="1658459" y="5123552"/>
+              <a:ext cx="846202" cy="711767"/>
+            </a:xfrm>
+            <a:prstGeom prst="hexagon">
+              <a:avLst/>
+            </a:prstGeom>
+          </p:spPr>
+          <p:style>
+            <a:lnRef idx="2">
+              <a:schemeClr val="accent4">
+                <a:shade val="50000"/>
+              </a:schemeClr>
+            </a:lnRef>
+            <a:fillRef idx="1">
+              <a:schemeClr val="accent4"/>
+            </a:fillRef>
+            <a:effectRef idx="0">
+              <a:schemeClr val="accent4"/>
+            </a:effectRef>
+            <a:fontRef idx="minor">
+              <a:schemeClr val="lt1"/>
+            </a:fontRef>
+          </p:style>
+          <p:txBody>
+            <a:bodyPr rtlCol="0" anchor="ctr"/>
+            <a:lstStyle/>
+            <a:p>
+              <a:pPr algn="ctr"/>
+              <a:r>
+                <a:rPr lang="en-US" altLang="zh-CN" sz="1200" dirty="0"/>
+                <a:t>DB</a:t>
+              </a:r>
+              <a:endParaRPr lang="zh-CN" altLang="en-US" sz="1200" dirty="0"/>
+            </a:p>
+          </p:txBody>
+        </p:sp>
+      </p:grpSp>
+      <p:grpSp>
+        <p:nvGrpSpPr>
+          <p:cNvPr id="20" name="组合 19">
+            <a:extLst>
+              <a:ext uri="{FF2B5EF4-FFF2-40B4-BE49-F238E27FC236}">
+                <a16:creationId xmlns:a16="http://schemas.microsoft.com/office/drawing/2014/main" id="{66C70F5F-F3BE-499E-A085-72F2C363B95D}"/>
+              </a:ext>
+            </a:extLst>
+          </p:cNvPr>
+          <p:cNvGrpSpPr/>
+          <p:nvPr/>
+        </p:nvGrpSpPr>
+        <p:grpSpPr>
+          <a:xfrm>
+            <a:off x="5748132" y="860877"/>
             <a:ext cx="5542722" cy="5686208"/>
             <a:chOff x="4263888" y="860877"/>
             <a:chExt cx="5542722" cy="5686208"/>
@@ -9743,7 +11595,7 @@
     </p:spTree>
     <p:extLst>
       <p:ext uri="{BB962C8B-B14F-4D97-AF65-F5344CB8AC3E}">
-        <p14:creationId xmlns:p14="http://schemas.microsoft.com/office/powerpoint/2010/main" val="976041952"/>
+        <p14:creationId xmlns:p14="http://schemas.microsoft.com/office/powerpoint/2010/main" val="480961284"/>
       </p:ext>
     </p:extLst>
   </p:cSld>
@@ -9753,7 +11605,7 @@
 </p:sld>
 </file>
 
-<file path=ppt/slides/slide5.xml><?xml version="1.0" encoding="utf-8"?>
+<file path=ppt/slides/slide7.xml><?xml version="1.0" encoding="utf-8"?>
 <p:sld xmlns:a="http://schemas.openxmlformats.org/drawingml/2006/main" xmlns:r="http://schemas.openxmlformats.org/officeDocument/2006/relationships" xmlns:p="http://schemas.openxmlformats.org/presentationml/2006/main">
   <p:cSld>
     <p:spTree>
@@ -10465,7 +12317,7 @@
 </p:sld>
 </file>
 
-<file path=ppt/slides/slide6.xml><?xml version="1.0" encoding="utf-8"?>
+<file path=ppt/slides/slide8.xml><?xml version="1.0" encoding="utf-8"?>
 <p:sld xmlns:a="http://schemas.openxmlformats.org/drawingml/2006/main" xmlns:r="http://schemas.openxmlformats.org/officeDocument/2006/relationships" xmlns:p="http://schemas.openxmlformats.org/presentationml/2006/main">
   <p:cSld>
     <p:spTree>

--- a/Lims系统架构.pptx
+++ b/Lims系统架构.pptx
@@ -9,10 +9,12 @@
     <p:sldId id="258" r:id="rId3"/>
     <p:sldId id="259" r:id="rId4"/>
     <p:sldId id="261" r:id="rId5"/>
-    <p:sldId id="265" r:id="rId6"/>
-    <p:sldId id="264" r:id="rId7"/>
-    <p:sldId id="262" r:id="rId8"/>
-    <p:sldId id="263" r:id="rId9"/>
+    <p:sldId id="270" r:id="rId6"/>
+    <p:sldId id="266" r:id="rId7"/>
+    <p:sldId id="269" r:id="rId8"/>
+    <p:sldId id="265" r:id="rId9"/>
+    <p:sldId id="262" r:id="rId10"/>
+    <p:sldId id="263" r:id="rId11"/>
   </p:sldIdLst>
   <p:sldSz cx="12192000" cy="6858000"/>
   <p:notesSz cx="6858000" cy="9144000"/>
@@ -270,7 +272,7 @@
           <a:p>
             <a:fld id="{00AAAA25-D02D-473F-8F4C-222AA5CCAE96}" type="datetimeFigureOut">
               <a:rPr lang="zh-CN" altLang="en-US" smtClean="0"/>
-              <a:t>2017/10/30</a:t>
+              <a:t>2017/11/3</a:t>
             </a:fld>
             <a:endParaRPr lang="zh-CN" altLang="en-US"/>
           </a:p>
@@ -468,7 +470,7 @@
           <a:p>
             <a:fld id="{00AAAA25-D02D-473F-8F4C-222AA5CCAE96}" type="datetimeFigureOut">
               <a:rPr lang="zh-CN" altLang="en-US" smtClean="0"/>
-              <a:t>2017/10/30</a:t>
+              <a:t>2017/11/3</a:t>
             </a:fld>
             <a:endParaRPr lang="zh-CN" altLang="en-US"/>
           </a:p>
@@ -676,7 +678,7 @@
           <a:p>
             <a:fld id="{00AAAA25-D02D-473F-8F4C-222AA5CCAE96}" type="datetimeFigureOut">
               <a:rPr lang="zh-CN" altLang="en-US" smtClean="0"/>
-              <a:t>2017/10/30</a:t>
+              <a:t>2017/11/3</a:t>
             </a:fld>
             <a:endParaRPr lang="zh-CN" altLang="en-US"/>
           </a:p>
@@ -874,7 +876,7 @@
           <a:p>
             <a:fld id="{00AAAA25-D02D-473F-8F4C-222AA5CCAE96}" type="datetimeFigureOut">
               <a:rPr lang="zh-CN" altLang="en-US" smtClean="0"/>
-              <a:t>2017/10/30</a:t>
+              <a:t>2017/11/3</a:t>
             </a:fld>
             <a:endParaRPr lang="zh-CN" altLang="en-US"/>
           </a:p>
@@ -1149,7 +1151,7 @@
           <a:p>
             <a:fld id="{00AAAA25-D02D-473F-8F4C-222AA5CCAE96}" type="datetimeFigureOut">
               <a:rPr lang="zh-CN" altLang="en-US" smtClean="0"/>
-              <a:t>2017/10/30</a:t>
+              <a:t>2017/11/3</a:t>
             </a:fld>
             <a:endParaRPr lang="zh-CN" altLang="en-US"/>
           </a:p>
@@ -1414,7 +1416,7 @@
           <a:p>
             <a:fld id="{00AAAA25-D02D-473F-8F4C-222AA5CCAE96}" type="datetimeFigureOut">
               <a:rPr lang="zh-CN" altLang="en-US" smtClean="0"/>
-              <a:t>2017/10/30</a:t>
+              <a:t>2017/11/3</a:t>
             </a:fld>
             <a:endParaRPr lang="zh-CN" altLang="en-US"/>
           </a:p>
@@ -1826,7 +1828,7 @@
           <a:p>
             <a:fld id="{00AAAA25-D02D-473F-8F4C-222AA5CCAE96}" type="datetimeFigureOut">
               <a:rPr lang="zh-CN" altLang="en-US" smtClean="0"/>
-              <a:t>2017/10/30</a:t>
+              <a:t>2017/11/3</a:t>
             </a:fld>
             <a:endParaRPr lang="zh-CN" altLang="en-US"/>
           </a:p>
@@ -1967,7 +1969,7 @@
           <a:p>
             <a:fld id="{00AAAA25-D02D-473F-8F4C-222AA5CCAE96}" type="datetimeFigureOut">
               <a:rPr lang="zh-CN" altLang="en-US" smtClean="0"/>
-              <a:t>2017/10/30</a:t>
+              <a:t>2017/11/3</a:t>
             </a:fld>
             <a:endParaRPr lang="zh-CN" altLang="en-US"/>
           </a:p>
@@ -2080,7 +2082,7 @@
           <a:p>
             <a:fld id="{00AAAA25-D02D-473F-8F4C-222AA5CCAE96}" type="datetimeFigureOut">
               <a:rPr lang="zh-CN" altLang="en-US" smtClean="0"/>
-              <a:t>2017/10/30</a:t>
+              <a:t>2017/11/3</a:t>
             </a:fld>
             <a:endParaRPr lang="zh-CN" altLang="en-US"/>
           </a:p>
@@ -2391,7 +2393,7 @@
           <a:p>
             <a:fld id="{00AAAA25-D02D-473F-8F4C-222AA5CCAE96}" type="datetimeFigureOut">
               <a:rPr lang="zh-CN" altLang="en-US" smtClean="0"/>
-              <a:t>2017/10/30</a:t>
+              <a:t>2017/11/3</a:t>
             </a:fld>
             <a:endParaRPr lang="zh-CN" altLang="en-US"/>
           </a:p>
@@ -2679,7 +2681,7 @@
           <a:p>
             <a:fld id="{00AAAA25-D02D-473F-8F4C-222AA5CCAE96}" type="datetimeFigureOut">
               <a:rPr lang="zh-CN" altLang="en-US" smtClean="0"/>
-              <a:t>2017/10/30</a:t>
+              <a:t>2017/11/3</a:t>
             </a:fld>
             <a:endParaRPr lang="zh-CN" altLang="en-US"/>
           </a:p>
@@ -2920,7 +2922,7 @@
           <a:p>
             <a:fld id="{00AAAA25-D02D-473F-8F4C-222AA5CCAE96}" type="datetimeFigureOut">
               <a:rPr lang="zh-CN" altLang="en-US" smtClean="0"/>
-              <a:t>2017/10/30</a:t>
+              <a:t>2017/11/3</a:t>
             </a:fld>
             <a:endParaRPr lang="zh-CN" altLang="en-US"/>
           </a:p>
@@ -5126,6 +5128,2184 @@
 </p:sld>
 </file>
 
+<file path=ppt/slides/slide10.xml><?xml version="1.0" encoding="utf-8"?>
+<p:sld xmlns:a="http://schemas.openxmlformats.org/drawingml/2006/main" xmlns:r="http://schemas.openxmlformats.org/officeDocument/2006/relationships" xmlns:p="http://schemas.openxmlformats.org/presentationml/2006/main">
+  <p:cSld>
+    <p:spTree>
+      <p:nvGrpSpPr>
+        <p:cNvPr id="1" name=""/>
+        <p:cNvGrpSpPr/>
+        <p:nvPr/>
+      </p:nvGrpSpPr>
+      <p:grpSpPr>
+        <a:xfrm>
+          <a:off x="0" y="0"/>
+          <a:ext cx="0" cy="0"/>
+          <a:chOff x="0" y="0"/>
+          <a:chExt cx="0" cy="0"/>
+        </a:xfrm>
+      </p:grpSpPr>
+      <p:grpSp>
+        <p:nvGrpSpPr>
+          <p:cNvPr id="5" name="组合 4">
+            <a:extLst>
+              <a:ext uri="{FF2B5EF4-FFF2-40B4-BE49-F238E27FC236}">
+                <a16:creationId xmlns:a16="http://schemas.microsoft.com/office/drawing/2014/main" id="{6413CE22-44A2-4AE1-85C0-19A2EBB3FB52}"/>
+              </a:ext>
+            </a:extLst>
+          </p:cNvPr>
+          <p:cNvGrpSpPr/>
+          <p:nvPr/>
+        </p:nvGrpSpPr>
+        <p:grpSpPr>
+          <a:xfrm>
+            <a:off x="82360" y="697917"/>
+            <a:ext cx="10953940" cy="5677483"/>
+            <a:chOff x="82360" y="697917"/>
+            <a:chExt cx="10953940" cy="5677483"/>
+          </a:xfrm>
+        </p:grpSpPr>
+        <p:sp>
+          <p:nvSpPr>
+            <p:cNvPr id="7" name="流程图: 过程 6">
+              <a:extLst>
+                <a:ext uri="{FF2B5EF4-FFF2-40B4-BE49-F238E27FC236}">
+                  <a16:creationId xmlns:a16="http://schemas.microsoft.com/office/drawing/2014/main" id="{6AEC8AD8-22DA-4661-B0E4-09C25810F342}"/>
+                </a:ext>
+              </a:extLst>
+            </p:cNvPr>
+            <p:cNvSpPr/>
+            <p:nvPr/>
+          </p:nvSpPr>
+          <p:spPr>
+            <a:xfrm>
+              <a:off x="1368694" y="870551"/>
+              <a:ext cx="1239593" cy="637616"/>
+            </a:xfrm>
+            <a:prstGeom prst="flowChartProcess">
+              <a:avLst/>
+            </a:prstGeom>
+          </p:spPr>
+          <p:style>
+            <a:lnRef idx="2">
+              <a:schemeClr val="accent1">
+                <a:shade val="50000"/>
+              </a:schemeClr>
+            </a:lnRef>
+            <a:fillRef idx="1">
+              <a:schemeClr val="accent1"/>
+            </a:fillRef>
+            <a:effectRef idx="0">
+              <a:schemeClr val="accent1"/>
+            </a:effectRef>
+            <a:fontRef idx="minor">
+              <a:schemeClr val="lt1"/>
+            </a:fontRef>
+          </p:style>
+          <p:txBody>
+            <a:bodyPr rtlCol="0" anchor="ctr"/>
+            <a:lstStyle/>
+            <a:p>
+              <a:pPr algn="ctr"/>
+              <a:r>
+                <a:rPr lang="zh-CN" altLang="en-US" sz="1200" dirty="0"/>
+                <a:t>到期时间减去当前时间</a:t>
+              </a:r>
+            </a:p>
+          </p:txBody>
+        </p:sp>
+        <p:sp>
+          <p:nvSpPr>
+            <p:cNvPr id="8" name="流程图: 决策 7">
+              <a:extLst>
+                <a:ext uri="{FF2B5EF4-FFF2-40B4-BE49-F238E27FC236}">
+                  <a16:creationId xmlns:a16="http://schemas.microsoft.com/office/drawing/2014/main" id="{24CCEF66-1DFB-4CDD-AA1F-D6EB42BE3A42}"/>
+                </a:ext>
+              </a:extLst>
+            </p:cNvPr>
+            <p:cNvSpPr/>
+            <p:nvPr/>
+          </p:nvSpPr>
+          <p:spPr>
+            <a:xfrm>
+              <a:off x="3164081" y="894613"/>
+              <a:ext cx="1449694" cy="589493"/>
+            </a:xfrm>
+            <a:prstGeom prst="flowChartDecision">
+              <a:avLst/>
+            </a:prstGeom>
+          </p:spPr>
+          <p:style>
+            <a:lnRef idx="2">
+              <a:schemeClr val="accent1">
+                <a:shade val="50000"/>
+              </a:schemeClr>
+            </a:lnRef>
+            <a:fillRef idx="1">
+              <a:schemeClr val="accent1"/>
+            </a:fillRef>
+            <a:effectRef idx="0">
+              <a:schemeClr val="accent1"/>
+            </a:effectRef>
+            <a:fontRef idx="minor">
+              <a:schemeClr val="lt1"/>
+            </a:fontRef>
+          </p:style>
+          <p:txBody>
+            <a:bodyPr rtlCol="0" anchor="ctr"/>
+            <a:lstStyle/>
+            <a:p>
+              <a:pPr algn="ctr"/>
+              <a:r>
+                <a:rPr lang="en-US" altLang="zh-CN" sz="1200" dirty="0"/>
+                <a:t>=7</a:t>
+              </a:r>
+              <a:r>
+                <a:rPr lang="zh-CN" altLang="en-US" sz="1200" dirty="0"/>
+                <a:t>天</a:t>
+              </a:r>
+              <a:r>
+                <a:rPr lang="en-US" altLang="zh-CN" sz="1200" dirty="0"/>
+                <a:t>?</a:t>
+              </a:r>
+              <a:endParaRPr lang="zh-CN" altLang="en-US" sz="1200" dirty="0"/>
+            </a:p>
+          </p:txBody>
+        </p:sp>
+        <p:sp>
+          <p:nvSpPr>
+            <p:cNvPr id="9" name="流程图: 决策 8">
+              <a:extLst>
+                <a:ext uri="{FF2B5EF4-FFF2-40B4-BE49-F238E27FC236}">
+                  <a16:creationId xmlns:a16="http://schemas.microsoft.com/office/drawing/2014/main" id="{083C16D5-DA3A-4ED8-9060-F4FD82009E71}"/>
+                </a:ext>
+              </a:extLst>
+            </p:cNvPr>
+            <p:cNvSpPr/>
+            <p:nvPr/>
+          </p:nvSpPr>
+          <p:spPr>
+            <a:xfrm>
+              <a:off x="3164081" y="1903330"/>
+              <a:ext cx="1449694" cy="589493"/>
+            </a:xfrm>
+            <a:prstGeom prst="flowChartDecision">
+              <a:avLst/>
+            </a:prstGeom>
+          </p:spPr>
+          <p:style>
+            <a:lnRef idx="2">
+              <a:schemeClr val="accent1">
+                <a:shade val="50000"/>
+              </a:schemeClr>
+            </a:lnRef>
+            <a:fillRef idx="1">
+              <a:schemeClr val="accent1"/>
+            </a:fillRef>
+            <a:effectRef idx="0">
+              <a:schemeClr val="accent1"/>
+            </a:effectRef>
+            <a:fontRef idx="minor">
+              <a:schemeClr val="lt1"/>
+            </a:fontRef>
+          </p:style>
+          <p:txBody>
+            <a:bodyPr rtlCol="0" anchor="ctr"/>
+            <a:lstStyle/>
+            <a:p>
+              <a:pPr algn="ctr"/>
+              <a:r>
+                <a:rPr lang="en-US" altLang="zh-CN" sz="1200" dirty="0"/>
+                <a:t>=0</a:t>
+              </a:r>
+              <a:r>
+                <a:rPr lang="zh-CN" altLang="en-US" sz="1200" dirty="0"/>
+                <a:t>天</a:t>
+              </a:r>
+              <a:r>
+                <a:rPr lang="en-US" altLang="zh-CN" sz="1200" dirty="0"/>
+                <a:t>?</a:t>
+              </a:r>
+              <a:endParaRPr lang="zh-CN" altLang="en-US" sz="1200" dirty="0"/>
+            </a:p>
+          </p:txBody>
+        </p:sp>
+        <p:sp>
+          <p:nvSpPr>
+            <p:cNvPr id="10" name="流程图: 决策 9">
+              <a:extLst>
+                <a:ext uri="{FF2B5EF4-FFF2-40B4-BE49-F238E27FC236}">
+                  <a16:creationId xmlns:a16="http://schemas.microsoft.com/office/drawing/2014/main" id="{537CEA98-62D4-4498-9BAF-32D8AF69D42A}"/>
+                </a:ext>
+              </a:extLst>
+            </p:cNvPr>
+            <p:cNvSpPr/>
+            <p:nvPr/>
+          </p:nvSpPr>
+          <p:spPr>
+            <a:xfrm>
+              <a:off x="3164081" y="2957966"/>
+              <a:ext cx="1449694" cy="589493"/>
+            </a:xfrm>
+            <a:prstGeom prst="flowChartDecision">
+              <a:avLst/>
+            </a:prstGeom>
+          </p:spPr>
+          <p:style>
+            <a:lnRef idx="2">
+              <a:schemeClr val="accent1">
+                <a:shade val="50000"/>
+              </a:schemeClr>
+            </a:lnRef>
+            <a:fillRef idx="1">
+              <a:schemeClr val="accent1"/>
+            </a:fillRef>
+            <a:effectRef idx="0">
+              <a:schemeClr val="accent1"/>
+            </a:effectRef>
+            <a:fontRef idx="minor">
+              <a:schemeClr val="lt1"/>
+            </a:fontRef>
+          </p:style>
+          <p:txBody>
+            <a:bodyPr rtlCol="0" anchor="ctr"/>
+            <a:lstStyle/>
+            <a:p>
+              <a:pPr algn="ctr"/>
+              <a:r>
+                <a:rPr lang="en-US" altLang="zh-CN" sz="1200" dirty="0"/>
+                <a:t>=-7</a:t>
+              </a:r>
+              <a:r>
+                <a:rPr lang="zh-CN" altLang="en-US" sz="1200" dirty="0"/>
+                <a:t>天</a:t>
+              </a:r>
+              <a:r>
+                <a:rPr lang="en-US" altLang="zh-CN" sz="1200" dirty="0"/>
+                <a:t>?</a:t>
+              </a:r>
+              <a:endParaRPr lang="zh-CN" altLang="en-US" sz="1200" dirty="0"/>
+            </a:p>
+          </p:txBody>
+        </p:sp>
+        <p:sp>
+          <p:nvSpPr>
+            <p:cNvPr id="11" name="流程图: 决策 10">
+              <a:extLst>
+                <a:ext uri="{FF2B5EF4-FFF2-40B4-BE49-F238E27FC236}">
+                  <a16:creationId xmlns:a16="http://schemas.microsoft.com/office/drawing/2014/main" id="{C6DD62DD-91CF-4B1F-9CB6-4E195361435E}"/>
+                </a:ext>
+              </a:extLst>
+            </p:cNvPr>
+            <p:cNvSpPr/>
+            <p:nvPr/>
+          </p:nvSpPr>
+          <p:spPr>
+            <a:xfrm>
+              <a:off x="3164081" y="4213187"/>
+              <a:ext cx="1449694" cy="589493"/>
+            </a:xfrm>
+            <a:prstGeom prst="flowChartDecision">
+              <a:avLst/>
+            </a:prstGeom>
+          </p:spPr>
+          <p:style>
+            <a:lnRef idx="2">
+              <a:schemeClr val="accent1">
+                <a:shade val="50000"/>
+              </a:schemeClr>
+            </a:lnRef>
+            <a:fillRef idx="1">
+              <a:schemeClr val="accent1"/>
+            </a:fillRef>
+            <a:effectRef idx="0">
+              <a:schemeClr val="accent1"/>
+            </a:effectRef>
+            <a:fontRef idx="minor">
+              <a:schemeClr val="lt1"/>
+            </a:fontRef>
+          </p:style>
+          <p:txBody>
+            <a:bodyPr rtlCol="0" anchor="ctr"/>
+            <a:lstStyle/>
+            <a:p>
+              <a:pPr algn="ctr"/>
+              <a:r>
+                <a:rPr lang="en-US" altLang="zh-CN" sz="1200" dirty="0"/>
+                <a:t>&gt;=-30</a:t>
+              </a:r>
+              <a:r>
+                <a:rPr lang="zh-CN" altLang="en-US" sz="1200" dirty="0"/>
+                <a:t>天</a:t>
+              </a:r>
+              <a:r>
+                <a:rPr lang="en-US" altLang="zh-CN" sz="1200" dirty="0"/>
+                <a:t>?</a:t>
+              </a:r>
+              <a:endParaRPr lang="zh-CN" altLang="en-US" sz="1200" dirty="0"/>
+            </a:p>
+          </p:txBody>
+        </p:sp>
+        <p:sp>
+          <p:nvSpPr>
+            <p:cNvPr id="12" name="流程图: 过程 11">
+              <a:extLst>
+                <a:ext uri="{FF2B5EF4-FFF2-40B4-BE49-F238E27FC236}">
+                  <a16:creationId xmlns:a16="http://schemas.microsoft.com/office/drawing/2014/main" id="{CA202AF6-F92C-4908-8107-86741F20A78A}"/>
+                </a:ext>
+              </a:extLst>
+            </p:cNvPr>
+            <p:cNvSpPr/>
+            <p:nvPr/>
+          </p:nvSpPr>
+          <p:spPr>
+            <a:xfrm>
+              <a:off x="7588280" y="870551"/>
+              <a:ext cx="1239593" cy="637616"/>
+            </a:xfrm>
+            <a:prstGeom prst="flowChartProcess">
+              <a:avLst/>
+            </a:prstGeom>
+          </p:spPr>
+          <p:style>
+            <a:lnRef idx="2">
+              <a:schemeClr val="accent1">
+                <a:shade val="50000"/>
+              </a:schemeClr>
+            </a:lnRef>
+            <a:fillRef idx="1">
+              <a:schemeClr val="accent1"/>
+            </a:fillRef>
+            <a:effectRef idx="0">
+              <a:schemeClr val="accent1"/>
+            </a:effectRef>
+            <a:fontRef idx="minor">
+              <a:schemeClr val="lt1"/>
+            </a:fontRef>
+          </p:style>
+          <p:txBody>
+            <a:bodyPr rtlCol="0" anchor="ctr"/>
+            <a:lstStyle/>
+            <a:p>
+              <a:pPr algn="ctr"/>
+              <a:r>
+                <a:rPr lang="zh-CN" altLang="en-US" sz="1200" dirty="0"/>
+                <a:t>发送即将到期提醒邮件</a:t>
+              </a:r>
+            </a:p>
+          </p:txBody>
+        </p:sp>
+        <p:sp>
+          <p:nvSpPr>
+            <p:cNvPr id="13" name="流程图: 过程 12">
+              <a:extLst>
+                <a:ext uri="{FF2B5EF4-FFF2-40B4-BE49-F238E27FC236}">
+                  <a16:creationId xmlns:a16="http://schemas.microsoft.com/office/drawing/2014/main" id="{47BACF6D-6B6D-434B-B60A-419639296817}"/>
+                </a:ext>
+              </a:extLst>
+            </p:cNvPr>
+            <p:cNvSpPr/>
+            <p:nvPr/>
+          </p:nvSpPr>
+          <p:spPr>
+            <a:xfrm>
+              <a:off x="7588280" y="1879268"/>
+              <a:ext cx="1239593" cy="637616"/>
+            </a:xfrm>
+            <a:prstGeom prst="flowChartProcess">
+              <a:avLst/>
+            </a:prstGeom>
+          </p:spPr>
+          <p:style>
+            <a:lnRef idx="2">
+              <a:schemeClr val="accent1">
+                <a:shade val="50000"/>
+              </a:schemeClr>
+            </a:lnRef>
+            <a:fillRef idx="1">
+              <a:schemeClr val="accent1"/>
+            </a:fillRef>
+            <a:effectRef idx="0">
+              <a:schemeClr val="accent1"/>
+            </a:effectRef>
+            <a:fontRef idx="minor">
+              <a:schemeClr val="lt1"/>
+            </a:fontRef>
+          </p:style>
+          <p:txBody>
+            <a:bodyPr rtlCol="0" anchor="ctr"/>
+            <a:lstStyle/>
+            <a:p>
+              <a:pPr algn="ctr"/>
+              <a:r>
+                <a:rPr lang="zh-CN" altLang="en-US" sz="1200" dirty="0"/>
+                <a:t>发送到期提醒邮件</a:t>
+              </a:r>
+            </a:p>
+          </p:txBody>
+        </p:sp>
+        <p:sp>
+          <p:nvSpPr>
+            <p:cNvPr id="14" name="流程图: 过程 13">
+              <a:extLst>
+                <a:ext uri="{FF2B5EF4-FFF2-40B4-BE49-F238E27FC236}">
+                  <a16:creationId xmlns:a16="http://schemas.microsoft.com/office/drawing/2014/main" id="{3C0165FA-4E0C-42A7-9541-DF08C7FFA7A2}"/>
+                </a:ext>
+              </a:extLst>
+            </p:cNvPr>
+            <p:cNvSpPr/>
+            <p:nvPr/>
+          </p:nvSpPr>
+          <p:spPr>
+            <a:xfrm>
+              <a:off x="7588280" y="2933904"/>
+              <a:ext cx="1239593" cy="637616"/>
+            </a:xfrm>
+            <a:prstGeom prst="flowChartProcess">
+              <a:avLst/>
+            </a:prstGeom>
+          </p:spPr>
+          <p:style>
+            <a:lnRef idx="2">
+              <a:schemeClr val="accent1">
+                <a:shade val="50000"/>
+              </a:schemeClr>
+            </a:lnRef>
+            <a:fillRef idx="1">
+              <a:schemeClr val="accent1"/>
+            </a:fillRef>
+            <a:effectRef idx="0">
+              <a:schemeClr val="accent1"/>
+            </a:effectRef>
+            <a:fontRef idx="minor">
+              <a:schemeClr val="lt1"/>
+            </a:fontRef>
+          </p:style>
+          <p:txBody>
+            <a:bodyPr rtlCol="0" anchor="ctr"/>
+            <a:lstStyle/>
+            <a:p>
+              <a:pPr algn="ctr"/>
+              <a:r>
+                <a:rPr lang="zh-CN" altLang="en-US" sz="1200" dirty="0"/>
+                <a:t>发送停机提醒邮件</a:t>
+              </a:r>
+            </a:p>
+          </p:txBody>
+        </p:sp>
+        <p:sp>
+          <p:nvSpPr>
+            <p:cNvPr id="15" name="流程图: 过程 14">
+              <a:extLst>
+                <a:ext uri="{FF2B5EF4-FFF2-40B4-BE49-F238E27FC236}">
+                  <a16:creationId xmlns:a16="http://schemas.microsoft.com/office/drawing/2014/main" id="{3A91C0F5-5C7A-4DD3-A236-C234C8D065BC}"/>
+                </a:ext>
+              </a:extLst>
+            </p:cNvPr>
+            <p:cNvSpPr/>
+            <p:nvPr/>
+          </p:nvSpPr>
+          <p:spPr>
+            <a:xfrm>
+              <a:off x="7588280" y="4189125"/>
+              <a:ext cx="1239593" cy="637616"/>
+            </a:xfrm>
+            <a:prstGeom prst="flowChartProcess">
+              <a:avLst/>
+            </a:prstGeom>
+          </p:spPr>
+          <p:style>
+            <a:lnRef idx="2">
+              <a:schemeClr val="accent1">
+                <a:shade val="50000"/>
+              </a:schemeClr>
+            </a:lnRef>
+            <a:fillRef idx="1">
+              <a:schemeClr val="accent1"/>
+            </a:fillRef>
+            <a:effectRef idx="0">
+              <a:schemeClr val="accent1"/>
+            </a:effectRef>
+            <a:fontRef idx="minor">
+              <a:schemeClr val="lt1"/>
+            </a:fontRef>
+          </p:style>
+          <p:txBody>
+            <a:bodyPr rtlCol="0" anchor="ctr"/>
+            <a:lstStyle/>
+            <a:p>
+              <a:pPr algn="ctr"/>
+              <a:r>
+                <a:rPr lang="zh-CN" altLang="en-US" sz="1200" dirty="0"/>
+                <a:t>发送删除系统邮件</a:t>
+              </a:r>
+            </a:p>
+          </p:txBody>
+        </p:sp>
+        <p:sp>
+          <p:nvSpPr>
+            <p:cNvPr id="16" name="流程图: 决策 15">
+              <a:extLst>
+                <a:ext uri="{FF2B5EF4-FFF2-40B4-BE49-F238E27FC236}">
+                  <a16:creationId xmlns:a16="http://schemas.microsoft.com/office/drawing/2014/main" id="{D01DA2AA-9FA5-4BB1-8F35-A0067FD30C7F}"/>
+                </a:ext>
+              </a:extLst>
+            </p:cNvPr>
+            <p:cNvSpPr/>
+            <p:nvPr/>
+          </p:nvSpPr>
+          <p:spPr>
+            <a:xfrm>
+              <a:off x="5396340" y="894613"/>
+              <a:ext cx="1449694" cy="589493"/>
+            </a:xfrm>
+            <a:prstGeom prst="flowChartDecision">
+              <a:avLst/>
+            </a:prstGeom>
+          </p:spPr>
+          <p:style>
+            <a:lnRef idx="2">
+              <a:schemeClr val="accent1">
+                <a:shade val="50000"/>
+              </a:schemeClr>
+            </a:lnRef>
+            <a:fillRef idx="1">
+              <a:schemeClr val="accent1"/>
+            </a:fillRef>
+            <a:effectRef idx="0">
+              <a:schemeClr val="accent1"/>
+            </a:effectRef>
+            <a:fontRef idx="minor">
+              <a:schemeClr val="lt1"/>
+            </a:fontRef>
+          </p:style>
+          <p:txBody>
+            <a:bodyPr rtlCol="0" anchor="ctr"/>
+            <a:lstStyle/>
+            <a:p>
+              <a:pPr algn="ctr"/>
+              <a:r>
+                <a:rPr lang="zh-CN" altLang="en-US" sz="1200" dirty="0"/>
+                <a:t>已续费</a:t>
+              </a:r>
+              <a:r>
+                <a:rPr lang="en-US" altLang="zh-CN" sz="1200" dirty="0"/>
+                <a:t>?</a:t>
+              </a:r>
+              <a:endParaRPr lang="zh-CN" altLang="en-US" sz="1200" dirty="0"/>
+            </a:p>
+          </p:txBody>
+        </p:sp>
+        <p:sp>
+          <p:nvSpPr>
+            <p:cNvPr id="17" name="流程图: 决策 16">
+              <a:extLst>
+                <a:ext uri="{FF2B5EF4-FFF2-40B4-BE49-F238E27FC236}">
+                  <a16:creationId xmlns:a16="http://schemas.microsoft.com/office/drawing/2014/main" id="{7C05CF19-80E3-4791-AFC0-6672D2497C79}"/>
+                </a:ext>
+              </a:extLst>
+            </p:cNvPr>
+            <p:cNvSpPr/>
+            <p:nvPr/>
+          </p:nvSpPr>
+          <p:spPr>
+            <a:xfrm>
+              <a:off x="5396340" y="1903330"/>
+              <a:ext cx="1449694" cy="589493"/>
+            </a:xfrm>
+            <a:prstGeom prst="flowChartDecision">
+              <a:avLst/>
+            </a:prstGeom>
+          </p:spPr>
+          <p:style>
+            <a:lnRef idx="2">
+              <a:schemeClr val="accent1">
+                <a:shade val="50000"/>
+              </a:schemeClr>
+            </a:lnRef>
+            <a:fillRef idx="1">
+              <a:schemeClr val="accent1"/>
+            </a:fillRef>
+            <a:effectRef idx="0">
+              <a:schemeClr val="accent1"/>
+            </a:effectRef>
+            <a:fontRef idx="minor">
+              <a:schemeClr val="lt1"/>
+            </a:fontRef>
+          </p:style>
+          <p:txBody>
+            <a:bodyPr rtlCol="0" anchor="ctr"/>
+            <a:lstStyle/>
+            <a:p>
+              <a:pPr algn="ctr"/>
+              <a:r>
+                <a:rPr lang="zh-CN" altLang="en-US" sz="1200" dirty="0"/>
+                <a:t>已续费</a:t>
+              </a:r>
+              <a:r>
+                <a:rPr lang="en-US" altLang="zh-CN" sz="1200" dirty="0"/>
+                <a:t>?</a:t>
+              </a:r>
+              <a:endParaRPr lang="zh-CN" altLang="en-US" sz="1200" dirty="0"/>
+            </a:p>
+          </p:txBody>
+        </p:sp>
+        <p:sp>
+          <p:nvSpPr>
+            <p:cNvPr id="18" name="流程图: 决策 17">
+              <a:extLst>
+                <a:ext uri="{FF2B5EF4-FFF2-40B4-BE49-F238E27FC236}">
+                  <a16:creationId xmlns:a16="http://schemas.microsoft.com/office/drawing/2014/main" id="{605277B9-AC78-4A7F-B41C-B7A8F0D502DF}"/>
+                </a:ext>
+              </a:extLst>
+            </p:cNvPr>
+            <p:cNvSpPr/>
+            <p:nvPr/>
+          </p:nvSpPr>
+          <p:spPr>
+            <a:xfrm>
+              <a:off x="5396340" y="2957966"/>
+              <a:ext cx="1449694" cy="589493"/>
+            </a:xfrm>
+            <a:prstGeom prst="flowChartDecision">
+              <a:avLst/>
+            </a:prstGeom>
+          </p:spPr>
+          <p:style>
+            <a:lnRef idx="2">
+              <a:schemeClr val="accent1">
+                <a:shade val="50000"/>
+              </a:schemeClr>
+            </a:lnRef>
+            <a:fillRef idx="1">
+              <a:schemeClr val="accent1"/>
+            </a:fillRef>
+            <a:effectRef idx="0">
+              <a:schemeClr val="accent1"/>
+            </a:effectRef>
+            <a:fontRef idx="minor">
+              <a:schemeClr val="lt1"/>
+            </a:fontRef>
+          </p:style>
+          <p:txBody>
+            <a:bodyPr rtlCol="0" anchor="ctr"/>
+            <a:lstStyle/>
+            <a:p>
+              <a:pPr algn="ctr"/>
+              <a:r>
+                <a:rPr lang="zh-CN" altLang="en-US" sz="1200" dirty="0"/>
+                <a:t>已续费</a:t>
+              </a:r>
+              <a:r>
+                <a:rPr lang="en-US" altLang="zh-CN" sz="1200" dirty="0"/>
+                <a:t>?</a:t>
+              </a:r>
+              <a:endParaRPr lang="zh-CN" altLang="en-US" sz="1200" dirty="0"/>
+            </a:p>
+          </p:txBody>
+        </p:sp>
+        <p:sp>
+          <p:nvSpPr>
+            <p:cNvPr id="19" name="流程图: 决策 18">
+              <a:extLst>
+                <a:ext uri="{FF2B5EF4-FFF2-40B4-BE49-F238E27FC236}">
+                  <a16:creationId xmlns:a16="http://schemas.microsoft.com/office/drawing/2014/main" id="{B5C8DF14-32B7-4AE8-8FDC-AE219D2CCA2B}"/>
+                </a:ext>
+              </a:extLst>
+            </p:cNvPr>
+            <p:cNvSpPr/>
+            <p:nvPr/>
+          </p:nvSpPr>
+          <p:spPr>
+            <a:xfrm>
+              <a:off x="5396340" y="4213187"/>
+              <a:ext cx="1449694" cy="589493"/>
+            </a:xfrm>
+            <a:prstGeom prst="flowChartDecision">
+              <a:avLst/>
+            </a:prstGeom>
+          </p:spPr>
+          <p:style>
+            <a:lnRef idx="2">
+              <a:schemeClr val="accent1">
+                <a:shade val="50000"/>
+              </a:schemeClr>
+            </a:lnRef>
+            <a:fillRef idx="1">
+              <a:schemeClr val="accent1"/>
+            </a:fillRef>
+            <a:effectRef idx="0">
+              <a:schemeClr val="accent1"/>
+            </a:effectRef>
+            <a:fontRef idx="minor">
+              <a:schemeClr val="lt1"/>
+            </a:fontRef>
+          </p:style>
+          <p:txBody>
+            <a:bodyPr rtlCol="0" anchor="ctr"/>
+            <a:lstStyle/>
+            <a:p>
+              <a:pPr algn="ctr"/>
+              <a:r>
+                <a:rPr lang="zh-CN" altLang="en-US" sz="1200" dirty="0"/>
+                <a:t>已续费</a:t>
+              </a:r>
+              <a:r>
+                <a:rPr lang="en-US" altLang="zh-CN" sz="1200" dirty="0"/>
+                <a:t>?</a:t>
+              </a:r>
+              <a:endParaRPr lang="zh-CN" altLang="en-US" sz="1200" dirty="0"/>
+            </a:p>
+          </p:txBody>
+        </p:sp>
+        <p:sp>
+          <p:nvSpPr>
+            <p:cNvPr id="20" name="流程图: 接点 19">
+              <a:extLst>
+                <a:ext uri="{FF2B5EF4-FFF2-40B4-BE49-F238E27FC236}">
+                  <a16:creationId xmlns:a16="http://schemas.microsoft.com/office/drawing/2014/main" id="{2B7C2DCD-2309-4DA0-BA09-FA0A342582DE}"/>
+                </a:ext>
+              </a:extLst>
+            </p:cNvPr>
+            <p:cNvSpPr/>
+            <p:nvPr/>
+          </p:nvSpPr>
+          <p:spPr>
+            <a:xfrm>
+              <a:off x="82360" y="928693"/>
+              <a:ext cx="543358" cy="517312"/>
+            </a:xfrm>
+            <a:prstGeom prst="flowChartConnector">
+              <a:avLst/>
+            </a:prstGeom>
+          </p:spPr>
+          <p:style>
+            <a:lnRef idx="2">
+              <a:schemeClr val="dk1"/>
+            </a:lnRef>
+            <a:fillRef idx="1">
+              <a:schemeClr val="lt1"/>
+            </a:fillRef>
+            <a:effectRef idx="0">
+              <a:schemeClr val="dk1"/>
+            </a:effectRef>
+            <a:fontRef idx="minor">
+              <a:schemeClr val="dk1"/>
+            </a:fontRef>
+          </p:style>
+          <p:txBody>
+            <a:bodyPr rtlCol="0" anchor="ctr"/>
+            <a:lstStyle/>
+            <a:p>
+              <a:pPr algn="ctr"/>
+              <a:endParaRPr lang="zh-CN" altLang="en-US" sz="1200"/>
+            </a:p>
+          </p:txBody>
+        </p:sp>
+        <p:sp>
+          <p:nvSpPr>
+            <p:cNvPr id="21" name="流程图: 接点 20">
+              <a:extLst>
+                <a:ext uri="{FF2B5EF4-FFF2-40B4-BE49-F238E27FC236}">
+                  <a16:creationId xmlns:a16="http://schemas.microsoft.com/office/drawing/2014/main" id="{0E2EA8A5-D683-4259-8A0A-7C57E0F6C87F}"/>
+                </a:ext>
+              </a:extLst>
+            </p:cNvPr>
+            <p:cNvSpPr/>
+            <p:nvPr/>
+          </p:nvSpPr>
+          <p:spPr>
+            <a:xfrm>
+              <a:off x="10584584" y="5858088"/>
+              <a:ext cx="451716" cy="517312"/>
+            </a:xfrm>
+            <a:prstGeom prst="flowChartConnector">
+              <a:avLst/>
+            </a:prstGeom>
+          </p:spPr>
+          <p:style>
+            <a:lnRef idx="2">
+              <a:schemeClr val="dk1">
+                <a:shade val="50000"/>
+              </a:schemeClr>
+            </a:lnRef>
+            <a:fillRef idx="1">
+              <a:schemeClr val="dk1"/>
+            </a:fillRef>
+            <a:effectRef idx="0">
+              <a:schemeClr val="dk1"/>
+            </a:effectRef>
+            <a:fontRef idx="minor">
+              <a:schemeClr val="lt1"/>
+            </a:fontRef>
+          </p:style>
+          <p:txBody>
+            <a:bodyPr rtlCol="0" anchor="ctr"/>
+            <a:lstStyle/>
+            <a:p>
+              <a:pPr algn="ctr"/>
+              <a:endParaRPr lang="zh-CN" altLang="en-US" sz="1200"/>
+            </a:p>
+          </p:txBody>
+        </p:sp>
+        <p:cxnSp>
+          <p:nvCxnSpPr>
+            <p:cNvPr id="26" name="连接符: 肘形 25">
+              <a:extLst>
+                <a:ext uri="{FF2B5EF4-FFF2-40B4-BE49-F238E27FC236}">
+                  <a16:creationId xmlns:a16="http://schemas.microsoft.com/office/drawing/2014/main" id="{0030B9B4-3FFF-48A3-B2C8-206C2D47CC7D}"/>
+                </a:ext>
+              </a:extLst>
+            </p:cNvPr>
+            <p:cNvCxnSpPr>
+              <a:cxnSpLocks/>
+              <a:stCxn id="20" idx="6"/>
+              <a:endCxn id="7" idx="1"/>
+            </p:cNvCxnSpPr>
+            <p:nvPr/>
+          </p:nvCxnSpPr>
+          <p:spPr>
+            <a:xfrm>
+              <a:off x="625718" y="1187349"/>
+              <a:ext cx="742976" cy="2010"/>
+            </a:xfrm>
+            <a:prstGeom prst="bentConnector3">
+              <a:avLst>
+                <a:gd name="adj1" fmla="val 50000"/>
+              </a:avLst>
+            </a:prstGeom>
+            <a:ln>
+              <a:tailEnd type="triangle"/>
+            </a:ln>
+          </p:spPr>
+          <p:style>
+            <a:lnRef idx="1">
+              <a:schemeClr val="accent1"/>
+            </a:lnRef>
+            <a:fillRef idx="0">
+              <a:schemeClr val="accent1"/>
+            </a:fillRef>
+            <a:effectRef idx="0">
+              <a:schemeClr val="accent1"/>
+            </a:effectRef>
+            <a:fontRef idx="minor">
+              <a:schemeClr val="tx1"/>
+            </a:fontRef>
+          </p:style>
+        </p:cxnSp>
+        <p:cxnSp>
+          <p:nvCxnSpPr>
+            <p:cNvPr id="32" name="连接符: 肘形 31">
+              <a:extLst>
+                <a:ext uri="{FF2B5EF4-FFF2-40B4-BE49-F238E27FC236}">
+                  <a16:creationId xmlns:a16="http://schemas.microsoft.com/office/drawing/2014/main" id="{EA7A7A20-05A8-43E1-BA68-F830E89055A1}"/>
+                </a:ext>
+              </a:extLst>
+            </p:cNvPr>
+            <p:cNvCxnSpPr>
+              <a:cxnSpLocks/>
+              <a:stCxn id="7" idx="3"/>
+              <a:endCxn id="8" idx="1"/>
+            </p:cNvCxnSpPr>
+            <p:nvPr/>
+          </p:nvCxnSpPr>
+          <p:spPr>
+            <a:xfrm>
+              <a:off x="2608287" y="1189359"/>
+              <a:ext cx="555794" cy="1"/>
+            </a:xfrm>
+            <a:prstGeom prst="bentConnector3">
+              <a:avLst>
+                <a:gd name="adj1" fmla="val 50000"/>
+              </a:avLst>
+            </a:prstGeom>
+            <a:ln>
+              <a:tailEnd type="triangle"/>
+            </a:ln>
+          </p:spPr>
+          <p:style>
+            <a:lnRef idx="1">
+              <a:schemeClr val="accent1"/>
+            </a:lnRef>
+            <a:fillRef idx="0">
+              <a:schemeClr val="accent1"/>
+            </a:fillRef>
+            <a:effectRef idx="0">
+              <a:schemeClr val="accent1"/>
+            </a:effectRef>
+            <a:fontRef idx="minor">
+              <a:schemeClr val="tx1"/>
+            </a:fontRef>
+          </p:style>
+        </p:cxnSp>
+        <p:cxnSp>
+          <p:nvCxnSpPr>
+            <p:cNvPr id="34" name="连接符: 肘形 33">
+              <a:extLst>
+                <a:ext uri="{FF2B5EF4-FFF2-40B4-BE49-F238E27FC236}">
+                  <a16:creationId xmlns:a16="http://schemas.microsoft.com/office/drawing/2014/main" id="{30B9CE08-D36F-46D8-A8DB-1A739605DCC5}"/>
+                </a:ext>
+              </a:extLst>
+            </p:cNvPr>
+            <p:cNvCxnSpPr>
+              <a:stCxn id="8" idx="3"/>
+              <a:endCxn id="16" idx="1"/>
+            </p:cNvCxnSpPr>
+            <p:nvPr/>
+          </p:nvCxnSpPr>
+          <p:spPr>
+            <a:xfrm>
+              <a:off x="4613775" y="1189360"/>
+              <a:ext cx="782565" cy="12700"/>
+            </a:xfrm>
+            <a:prstGeom prst="bentConnector3">
+              <a:avLst/>
+            </a:prstGeom>
+            <a:ln>
+              <a:tailEnd type="triangle"/>
+            </a:ln>
+          </p:spPr>
+          <p:style>
+            <a:lnRef idx="1">
+              <a:schemeClr val="accent1"/>
+            </a:lnRef>
+            <a:fillRef idx="0">
+              <a:schemeClr val="accent1"/>
+            </a:fillRef>
+            <a:effectRef idx="0">
+              <a:schemeClr val="accent1"/>
+            </a:effectRef>
+            <a:fontRef idx="minor">
+              <a:schemeClr val="tx1"/>
+            </a:fontRef>
+          </p:style>
+        </p:cxnSp>
+        <p:cxnSp>
+          <p:nvCxnSpPr>
+            <p:cNvPr id="37" name="连接符: 肘形 36">
+              <a:extLst>
+                <a:ext uri="{FF2B5EF4-FFF2-40B4-BE49-F238E27FC236}">
+                  <a16:creationId xmlns:a16="http://schemas.microsoft.com/office/drawing/2014/main" id="{208BFE57-9711-4C4D-B282-DB40971EC5B0}"/>
+                </a:ext>
+              </a:extLst>
+            </p:cNvPr>
+            <p:cNvCxnSpPr>
+              <a:cxnSpLocks/>
+              <a:stCxn id="16" idx="3"/>
+              <a:endCxn id="12" idx="1"/>
+            </p:cNvCxnSpPr>
+            <p:nvPr/>
+          </p:nvCxnSpPr>
+          <p:spPr>
+            <a:xfrm flipV="1">
+              <a:off x="6846034" y="1189359"/>
+              <a:ext cx="742246" cy="1"/>
+            </a:xfrm>
+            <a:prstGeom prst="bentConnector3">
+              <a:avLst>
+                <a:gd name="adj1" fmla="val 50000"/>
+              </a:avLst>
+            </a:prstGeom>
+            <a:ln>
+              <a:tailEnd type="triangle"/>
+            </a:ln>
+          </p:spPr>
+          <p:style>
+            <a:lnRef idx="1">
+              <a:schemeClr val="accent1"/>
+            </a:lnRef>
+            <a:fillRef idx="0">
+              <a:schemeClr val="accent1"/>
+            </a:fillRef>
+            <a:effectRef idx="0">
+              <a:schemeClr val="accent1"/>
+            </a:effectRef>
+            <a:fontRef idx="minor">
+              <a:schemeClr val="tx1"/>
+            </a:fontRef>
+          </p:style>
+        </p:cxnSp>
+        <p:cxnSp>
+          <p:nvCxnSpPr>
+            <p:cNvPr id="42" name="连接符: 肘形 41">
+              <a:extLst>
+                <a:ext uri="{FF2B5EF4-FFF2-40B4-BE49-F238E27FC236}">
+                  <a16:creationId xmlns:a16="http://schemas.microsoft.com/office/drawing/2014/main" id="{89C59E3C-96AA-427E-B25E-D4E979FE8BA4}"/>
+                </a:ext>
+              </a:extLst>
+            </p:cNvPr>
+            <p:cNvCxnSpPr>
+              <a:stCxn id="9" idx="3"/>
+              <a:endCxn id="17" idx="1"/>
+            </p:cNvCxnSpPr>
+            <p:nvPr/>
+          </p:nvCxnSpPr>
+          <p:spPr>
+            <a:xfrm>
+              <a:off x="4613775" y="2198077"/>
+              <a:ext cx="782565" cy="12700"/>
+            </a:xfrm>
+            <a:prstGeom prst="bentConnector3">
+              <a:avLst/>
+            </a:prstGeom>
+            <a:ln>
+              <a:tailEnd type="triangle"/>
+            </a:ln>
+          </p:spPr>
+          <p:style>
+            <a:lnRef idx="1">
+              <a:schemeClr val="accent1"/>
+            </a:lnRef>
+            <a:fillRef idx="0">
+              <a:schemeClr val="accent1"/>
+            </a:fillRef>
+            <a:effectRef idx="0">
+              <a:schemeClr val="accent1"/>
+            </a:effectRef>
+            <a:fontRef idx="minor">
+              <a:schemeClr val="tx1"/>
+            </a:fontRef>
+          </p:style>
+        </p:cxnSp>
+        <p:cxnSp>
+          <p:nvCxnSpPr>
+            <p:cNvPr id="44" name="连接符: 肘形 43">
+              <a:extLst>
+                <a:ext uri="{FF2B5EF4-FFF2-40B4-BE49-F238E27FC236}">
+                  <a16:creationId xmlns:a16="http://schemas.microsoft.com/office/drawing/2014/main" id="{A46E5710-6E9E-4899-B3D4-0444D3BA8A9A}"/>
+                </a:ext>
+              </a:extLst>
+            </p:cNvPr>
+            <p:cNvCxnSpPr>
+              <a:cxnSpLocks/>
+            </p:cNvCxnSpPr>
+            <p:nvPr/>
+          </p:nvCxnSpPr>
+          <p:spPr>
+            <a:xfrm rot="5400000">
+              <a:off x="3679316" y="1699487"/>
+              <a:ext cx="419225" cy="15874"/>
+            </a:xfrm>
+            <a:prstGeom prst="bentConnector3">
+              <a:avLst/>
+            </a:prstGeom>
+            <a:ln>
+              <a:tailEnd type="triangle"/>
+            </a:ln>
+          </p:spPr>
+          <p:style>
+            <a:lnRef idx="1">
+              <a:schemeClr val="accent1"/>
+            </a:lnRef>
+            <a:fillRef idx="0">
+              <a:schemeClr val="accent1"/>
+            </a:fillRef>
+            <a:effectRef idx="0">
+              <a:schemeClr val="accent1"/>
+            </a:effectRef>
+            <a:fontRef idx="minor">
+              <a:schemeClr val="tx1"/>
+            </a:fontRef>
+          </p:style>
+        </p:cxnSp>
+        <p:cxnSp>
+          <p:nvCxnSpPr>
+            <p:cNvPr id="46" name="连接符: 肘形 45">
+              <a:extLst>
+                <a:ext uri="{FF2B5EF4-FFF2-40B4-BE49-F238E27FC236}">
+                  <a16:creationId xmlns:a16="http://schemas.microsoft.com/office/drawing/2014/main" id="{95000B35-6623-4F49-908D-E85F1F01F343}"/>
+                </a:ext>
+              </a:extLst>
+            </p:cNvPr>
+            <p:cNvCxnSpPr>
+              <a:cxnSpLocks/>
+            </p:cNvCxnSpPr>
+            <p:nvPr/>
+          </p:nvCxnSpPr>
+          <p:spPr>
+            <a:xfrm rot="5400000">
+              <a:off x="3647500" y="2713362"/>
+              <a:ext cx="482856" cy="6353"/>
+            </a:xfrm>
+            <a:prstGeom prst="bentConnector3">
+              <a:avLst/>
+            </a:prstGeom>
+            <a:ln>
+              <a:tailEnd type="triangle"/>
+            </a:ln>
+          </p:spPr>
+          <p:style>
+            <a:lnRef idx="1">
+              <a:schemeClr val="accent1"/>
+            </a:lnRef>
+            <a:fillRef idx="0">
+              <a:schemeClr val="accent1"/>
+            </a:fillRef>
+            <a:effectRef idx="0">
+              <a:schemeClr val="accent1"/>
+            </a:effectRef>
+            <a:fontRef idx="minor">
+              <a:schemeClr val="tx1"/>
+            </a:fontRef>
+          </p:style>
+        </p:cxnSp>
+        <p:cxnSp>
+          <p:nvCxnSpPr>
+            <p:cNvPr id="48" name="连接符: 肘形 47">
+              <a:extLst>
+                <a:ext uri="{FF2B5EF4-FFF2-40B4-BE49-F238E27FC236}">
+                  <a16:creationId xmlns:a16="http://schemas.microsoft.com/office/drawing/2014/main" id="{5FD05A4B-2EDB-4BB6-88DD-2A5FBB7CC8E3}"/>
+                </a:ext>
+              </a:extLst>
+            </p:cNvPr>
+            <p:cNvCxnSpPr>
+              <a:cxnSpLocks/>
+            </p:cNvCxnSpPr>
+            <p:nvPr/>
+          </p:nvCxnSpPr>
+          <p:spPr>
+            <a:xfrm rot="5400000">
+              <a:off x="3556064" y="3880323"/>
+              <a:ext cx="665728" cy="12700"/>
+            </a:xfrm>
+            <a:prstGeom prst="bentConnector3">
+              <a:avLst/>
+            </a:prstGeom>
+            <a:ln>
+              <a:tailEnd type="triangle"/>
+            </a:ln>
+          </p:spPr>
+          <p:style>
+            <a:lnRef idx="1">
+              <a:schemeClr val="accent1"/>
+            </a:lnRef>
+            <a:fillRef idx="0">
+              <a:schemeClr val="accent1"/>
+            </a:fillRef>
+            <a:effectRef idx="0">
+              <a:schemeClr val="accent1"/>
+            </a:effectRef>
+            <a:fontRef idx="minor">
+              <a:schemeClr val="tx1"/>
+            </a:fontRef>
+          </p:style>
+        </p:cxnSp>
+        <p:cxnSp>
+          <p:nvCxnSpPr>
+            <p:cNvPr id="50" name="连接符: 肘形 49">
+              <a:extLst>
+                <a:ext uri="{FF2B5EF4-FFF2-40B4-BE49-F238E27FC236}">
+                  <a16:creationId xmlns:a16="http://schemas.microsoft.com/office/drawing/2014/main" id="{4F794570-8EFF-4CF6-BEB7-0ED2D6059A88}"/>
+                </a:ext>
+              </a:extLst>
+            </p:cNvPr>
+            <p:cNvCxnSpPr>
+              <a:stCxn id="11" idx="3"/>
+              <a:endCxn id="19" idx="1"/>
+            </p:cNvCxnSpPr>
+            <p:nvPr/>
+          </p:nvCxnSpPr>
+          <p:spPr>
+            <a:xfrm>
+              <a:off x="4613775" y="4507934"/>
+              <a:ext cx="782565" cy="12700"/>
+            </a:xfrm>
+            <a:prstGeom prst="bentConnector3">
+              <a:avLst/>
+            </a:prstGeom>
+            <a:ln>
+              <a:tailEnd type="triangle"/>
+            </a:ln>
+          </p:spPr>
+          <p:style>
+            <a:lnRef idx="1">
+              <a:schemeClr val="accent1"/>
+            </a:lnRef>
+            <a:fillRef idx="0">
+              <a:schemeClr val="accent1"/>
+            </a:fillRef>
+            <a:effectRef idx="0">
+              <a:schemeClr val="accent1"/>
+            </a:effectRef>
+            <a:fontRef idx="minor">
+              <a:schemeClr val="tx1"/>
+            </a:fontRef>
+          </p:style>
+        </p:cxnSp>
+        <p:cxnSp>
+          <p:nvCxnSpPr>
+            <p:cNvPr id="55" name="连接符: 肘形 54">
+              <a:extLst>
+                <a:ext uri="{FF2B5EF4-FFF2-40B4-BE49-F238E27FC236}">
+                  <a16:creationId xmlns:a16="http://schemas.microsoft.com/office/drawing/2014/main" id="{CA9666EA-4CA5-4ABB-8A2E-A64784E85B9C}"/>
+                </a:ext>
+              </a:extLst>
+            </p:cNvPr>
+            <p:cNvCxnSpPr>
+              <a:stCxn id="10" idx="3"/>
+              <a:endCxn id="18" idx="1"/>
+            </p:cNvCxnSpPr>
+            <p:nvPr/>
+          </p:nvCxnSpPr>
+          <p:spPr>
+            <a:xfrm>
+              <a:off x="4613775" y="3252713"/>
+              <a:ext cx="782565" cy="12700"/>
+            </a:xfrm>
+            <a:prstGeom prst="bentConnector3">
+              <a:avLst/>
+            </a:prstGeom>
+            <a:ln>
+              <a:tailEnd type="triangle"/>
+            </a:ln>
+          </p:spPr>
+          <p:style>
+            <a:lnRef idx="1">
+              <a:schemeClr val="accent1"/>
+            </a:lnRef>
+            <a:fillRef idx="0">
+              <a:schemeClr val="accent1"/>
+            </a:fillRef>
+            <a:effectRef idx="0">
+              <a:schemeClr val="accent1"/>
+            </a:effectRef>
+            <a:fontRef idx="minor">
+              <a:schemeClr val="tx1"/>
+            </a:fontRef>
+          </p:style>
+        </p:cxnSp>
+        <p:cxnSp>
+          <p:nvCxnSpPr>
+            <p:cNvPr id="57" name="连接符: 肘形 56">
+              <a:extLst>
+                <a:ext uri="{FF2B5EF4-FFF2-40B4-BE49-F238E27FC236}">
+                  <a16:creationId xmlns:a16="http://schemas.microsoft.com/office/drawing/2014/main" id="{40BAB3DD-B80E-4CB6-B55E-4B5AC9567114}"/>
+                </a:ext>
+              </a:extLst>
+            </p:cNvPr>
+            <p:cNvCxnSpPr>
+              <a:stCxn id="18" idx="3"/>
+              <a:endCxn id="14" idx="1"/>
+            </p:cNvCxnSpPr>
+            <p:nvPr/>
+          </p:nvCxnSpPr>
+          <p:spPr>
+            <a:xfrm flipV="1">
+              <a:off x="6846034" y="3252712"/>
+              <a:ext cx="742246" cy="1"/>
+            </a:xfrm>
+            <a:prstGeom prst="bentConnector3">
+              <a:avLst/>
+            </a:prstGeom>
+            <a:ln>
+              <a:tailEnd type="triangle"/>
+            </a:ln>
+          </p:spPr>
+          <p:style>
+            <a:lnRef idx="1">
+              <a:schemeClr val="accent1"/>
+            </a:lnRef>
+            <a:fillRef idx="0">
+              <a:schemeClr val="accent1"/>
+            </a:fillRef>
+            <a:effectRef idx="0">
+              <a:schemeClr val="accent1"/>
+            </a:effectRef>
+            <a:fontRef idx="minor">
+              <a:schemeClr val="tx1"/>
+            </a:fontRef>
+          </p:style>
+        </p:cxnSp>
+        <p:cxnSp>
+          <p:nvCxnSpPr>
+            <p:cNvPr id="59" name="连接符: 肘形 58">
+              <a:extLst>
+                <a:ext uri="{FF2B5EF4-FFF2-40B4-BE49-F238E27FC236}">
+                  <a16:creationId xmlns:a16="http://schemas.microsoft.com/office/drawing/2014/main" id="{26F7AC5B-32AD-426A-91D7-6773D5991FFC}"/>
+                </a:ext>
+              </a:extLst>
+            </p:cNvPr>
+            <p:cNvCxnSpPr>
+              <a:stCxn id="17" idx="3"/>
+              <a:endCxn id="13" idx="1"/>
+            </p:cNvCxnSpPr>
+            <p:nvPr/>
+          </p:nvCxnSpPr>
+          <p:spPr>
+            <a:xfrm flipV="1">
+              <a:off x="6846034" y="2198076"/>
+              <a:ext cx="742246" cy="1"/>
+            </a:xfrm>
+            <a:prstGeom prst="bentConnector3">
+              <a:avLst/>
+            </a:prstGeom>
+            <a:ln>
+              <a:tailEnd type="triangle"/>
+            </a:ln>
+          </p:spPr>
+          <p:style>
+            <a:lnRef idx="1">
+              <a:schemeClr val="accent1"/>
+            </a:lnRef>
+            <a:fillRef idx="0">
+              <a:schemeClr val="accent1"/>
+            </a:fillRef>
+            <a:effectRef idx="0">
+              <a:schemeClr val="accent1"/>
+            </a:effectRef>
+            <a:fontRef idx="minor">
+              <a:schemeClr val="tx1"/>
+            </a:fontRef>
+          </p:style>
+        </p:cxnSp>
+        <p:cxnSp>
+          <p:nvCxnSpPr>
+            <p:cNvPr id="62" name="连接符: 肘形 61">
+              <a:extLst>
+                <a:ext uri="{FF2B5EF4-FFF2-40B4-BE49-F238E27FC236}">
+                  <a16:creationId xmlns:a16="http://schemas.microsoft.com/office/drawing/2014/main" id="{2F2ED12E-59BC-4429-BD7F-83314F944371}"/>
+                </a:ext>
+              </a:extLst>
+            </p:cNvPr>
+            <p:cNvCxnSpPr>
+              <a:stCxn id="19" idx="3"/>
+              <a:endCxn id="15" idx="1"/>
+            </p:cNvCxnSpPr>
+            <p:nvPr/>
+          </p:nvCxnSpPr>
+          <p:spPr>
+            <a:xfrm flipV="1">
+              <a:off x="6846034" y="4507933"/>
+              <a:ext cx="742246" cy="1"/>
+            </a:xfrm>
+            <a:prstGeom prst="bentConnector3">
+              <a:avLst/>
+            </a:prstGeom>
+            <a:ln>
+              <a:tailEnd type="triangle"/>
+            </a:ln>
+          </p:spPr>
+          <p:style>
+            <a:lnRef idx="1">
+              <a:schemeClr val="accent1"/>
+            </a:lnRef>
+            <a:fillRef idx="0">
+              <a:schemeClr val="accent1"/>
+            </a:fillRef>
+            <a:effectRef idx="0">
+              <a:schemeClr val="accent1"/>
+            </a:effectRef>
+            <a:fontRef idx="minor">
+              <a:schemeClr val="tx1"/>
+            </a:fontRef>
+          </p:style>
+        </p:cxnSp>
+        <p:cxnSp>
+          <p:nvCxnSpPr>
+            <p:cNvPr id="117" name="连接符: 肘形 116">
+              <a:extLst>
+                <a:ext uri="{FF2B5EF4-FFF2-40B4-BE49-F238E27FC236}">
+                  <a16:creationId xmlns:a16="http://schemas.microsoft.com/office/drawing/2014/main" id="{4CBACC6D-6AB0-4A51-BB8B-211ADD14AEB6}"/>
+                </a:ext>
+              </a:extLst>
+            </p:cNvPr>
+            <p:cNvCxnSpPr>
+              <a:stCxn id="11" idx="2"/>
+              <a:endCxn id="21" idx="2"/>
+            </p:cNvCxnSpPr>
+            <p:nvPr/>
+          </p:nvCxnSpPr>
+          <p:spPr>
+            <a:xfrm rot="16200000" flipH="1">
+              <a:off x="6579724" y="2111884"/>
+              <a:ext cx="1314064" cy="6695656"/>
+            </a:xfrm>
+            <a:prstGeom prst="bentConnector2">
+              <a:avLst/>
+            </a:prstGeom>
+            <a:ln>
+              <a:tailEnd type="triangle"/>
+            </a:ln>
+          </p:spPr>
+          <p:style>
+            <a:lnRef idx="1">
+              <a:schemeClr val="accent1"/>
+            </a:lnRef>
+            <a:fillRef idx="0">
+              <a:schemeClr val="accent1"/>
+            </a:fillRef>
+            <a:effectRef idx="0">
+              <a:schemeClr val="accent1"/>
+            </a:effectRef>
+            <a:fontRef idx="minor">
+              <a:schemeClr val="tx1"/>
+            </a:fontRef>
+          </p:style>
+        </p:cxnSp>
+        <p:cxnSp>
+          <p:nvCxnSpPr>
+            <p:cNvPr id="119" name="连接符: 肘形 118">
+              <a:extLst>
+                <a:ext uri="{FF2B5EF4-FFF2-40B4-BE49-F238E27FC236}">
+                  <a16:creationId xmlns:a16="http://schemas.microsoft.com/office/drawing/2014/main" id="{1FAF6B61-DF94-4DBB-A340-8EDA701A6E56}"/>
+                </a:ext>
+              </a:extLst>
+            </p:cNvPr>
+            <p:cNvCxnSpPr>
+              <a:stCxn id="16" idx="2"/>
+              <a:endCxn id="21" idx="0"/>
+            </p:cNvCxnSpPr>
+            <p:nvPr/>
+          </p:nvCxnSpPr>
+          <p:spPr>
+            <a:xfrm rot="16200000" flipH="1">
+              <a:off x="6278823" y="1326469"/>
+              <a:ext cx="4373982" cy="4689255"/>
+            </a:xfrm>
+            <a:prstGeom prst="bentConnector3">
+              <a:avLst>
+                <a:gd name="adj1" fmla="val 3834"/>
+              </a:avLst>
+            </a:prstGeom>
+            <a:ln>
+              <a:tailEnd type="triangle"/>
+            </a:ln>
+          </p:spPr>
+          <p:style>
+            <a:lnRef idx="1">
+              <a:schemeClr val="accent1"/>
+            </a:lnRef>
+            <a:fillRef idx="0">
+              <a:schemeClr val="accent1"/>
+            </a:fillRef>
+            <a:effectRef idx="0">
+              <a:schemeClr val="accent1"/>
+            </a:effectRef>
+            <a:fontRef idx="minor">
+              <a:schemeClr val="tx1"/>
+            </a:fontRef>
+          </p:style>
+        </p:cxnSp>
+        <p:cxnSp>
+          <p:nvCxnSpPr>
+            <p:cNvPr id="122" name="连接符: 肘形 121">
+              <a:extLst>
+                <a:ext uri="{FF2B5EF4-FFF2-40B4-BE49-F238E27FC236}">
+                  <a16:creationId xmlns:a16="http://schemas.microsoft.com/office/drawing/2014/main" id="{B61B31C8-F13E-4613-86A0-8737C4077F64}"/>
+                </a:ext>
+              </a:extLst>
+            </p:cNvPr>
+            <p:cNvCxnSpPr>
+              <a:stCxn id="17" idx="2"/>
+              <a:endCxn id="21" idx="0"/>
+            </p:cNvCxnSpPr>
+            <p:nvPr/>
+          </p:nvCxnSpPr>
+          <p:spPr>
+            <a:xfrm rot="16200000" flipH="1">
+              <a:off x="6783182" y="1830827"/>
+              <a:ext cx="3365265" cy="4689255"/>
+            </a:xfrm>
+            <a:prstGeom prst="bentConnector3">
+              <a:avLst>
+                <a:gd name="adj1" fmla="val 7733"/>
+              </a:avLst>
+            </a:prstGeom>
+            <a:ln>
+              <a:tailEnd type="triangle"/>
+            </a:ln>
+          </p:spPr>
+          <p:style>
+            <a:lnRef idx="1">
+              <a:schemeClr val="accent1"/>
+            </a:lnRef>
+            <a:fillRef idx="0">
+              <a:schemeClr val="accent1"/>
+            </a:fillRef>
+            <a:effectRef idx="0">
+              <a:schemeClr val="accent1"/>
+            </a:effectRef>
+            <a:fontRef idx="minor">
+              <a:schemeClr val="tx1"/>
+            </a:fontRef>
+          </p:style>
+        </p:cxnSp>
+        <p:cxnSp>
+          <p:nvCxnSpPr>
+            <p:cNvPr id="125" name="连接符: 肘形 124">
+              <a:extLst>
+                <a:ext uri="{FF2B5EF4-FFF2-40B4-BE49-F238E27FC236}">
+                  <a16:creationId xmlns:a16="http://schemas.microsoft.com/office/drawing/2014/main" id="{15ECFB0D-0330-4CBB-9927-370B7E9422DA}"/>
+                </a:ext>
+              </a:extLst>
+            </p:cNvPr>
+            <p:cNvCxnSpPr>
+              <a:stCxn id="18" idx="2"/>
+              <a:endCxn id="21" idx="0"/>
+            </p:cNvCxnSpPr>
+            <p:nvPr/>
+          </p:nvCxnSpPr>
+          <p:spPr>
+            <a:xfrm rot="16200000" flipH="1">
+              <a:off x="7310500" y="2358145"/>
+              <a:ext cx="2310629" cy="4689255"/>
+            </a:xfrm>
+            <a:prstGeom prst="bentConnector3">
+              <a:avLst>
+                <a:gd name="adj1" fmla="val 13175"/>
+              </a:avLst>
+            </a:prstGeom>
+            <a:ln>
+              <a:tailEnd type="triangle"/>
+            </a:ln>
+          </p:spPr>
+          <p:style>
+            <a:lnRef idx="1">
+              <a:schemeClr val="accent1"/>
+            </a:lnRef>
+            <a:fillRef idx="0">
+              <a:schemeClr val="accent1"/>
+            </a:fillRef>
+            <a:effectRef idx="0">
+              <a:schemeClr val="accent1"/>
+            </a:effectRef>
+            <a:fontRef idx="minor">
+              <a:schemeClr val="tx1"/>
+            </a:fontRef>
+          </p:style>
+        </p:cxnSp>
+        <p:cxnSp>
+          <p:nvCxnSpPr>
+            <p:cNvPr id="128" name="连接符: 肘形 127">
+              <a:extLst>
+                <a:ext uri="{FF2B5EF4-FFF2-40B4-BE49-F238E27FC236}">
+                  <a16:creationId xmlns:a16="http://schemas.microsoft.com/office/drawing/2014/main" id="{F6C4A093-100D-4D91-9AF1-7F9A00EF7360}"/>
+                </a:ext>
+              </a:extLst>
+            </p:cNvPr>
+            <p:cNvCxnSpPr>
+              <a:stCxn id="19" idx="2"/>
+              <a:endCxn id="21" idx="0"/>
+            </p:cNvCxnSpPr>
+            <p:nvPr/>
+          </p:nvCxnSpPr>
+          <p:spPr>
+            <a:xfrm rot="16200000" flipH="1">
+              <a:off x="7938110" y="2985756"/>
+              <a:ext cx="1055408" cy="4689255"/>
+            </a:xfrm>
+            <a:prstGeom prst="bentConnector3">
+              <a:avLst/>
+            </a:prstGeom>
+            <a:ln>
+              <a:tailEnd type="triangle"/>
+            </a:ln>
+          </p:spPr>
+          <p:style>
+            <a:lnRef idx="1">
+              <a:schemeClr val="accent1"/>
+            </a:lnRef>
+            <a:fillRef idx="0">
+              <a:schemeClr val="accent1"/>
+            </a:fillRef>
+            <a:effectRef idx="0">
+              <a:schemeClr val="accent1"/>
+            </a:effectRef>
+            <a:fontRef idx="minor">
+              <a:schemeClr val="tx1"/>
+            </a:fontRef>
+          </p:style>
+        </p:cxnSp>
+        <p:sp>
+          <p:nvSpPr>
+            <p:cNvPr id="4" name="文本框 3">
+              <a:extLst>
+                <a:ext uri="{FF2B5EF4-FFF2-40B4-BE49-F238E27FC236}">
+                  <a16:creationId xmlns:a16="http://schemas.microsoft.com/office/drawing/2014/main" id="{095C52DA-B955-43E0-A7CB-C12F9C4AF768}"/>
+                </a:ext>
+              </a:extLst>
+            </p:cNvPr>
+            <p:cNvSpPr txBox="1"/>
+            <p:nvPr/>
+          </p:nvSpPr>
+          <p:spPr>
+            <a:xfrm>
+              <a:off x="4713913" y="697917"/>
+              <a:ext cx="311304" cy="369332"/>
+            </a:xfrm>
+            <a:prstGeom prst="rect">
+              <a:avLst/>
+            </a:prstGeom>
+            <a:noFill/>
+          </p:spPr>
+          <p:txBody>
+            <a:bodyPr wrap="none" rtlCol="0">
+              <a:spAutoFit/>
+            </a:bodyPr>
+            <a:lstStyle/>
+            <a:p>
+              <a:r>
+                <a:rPr lang="en-US" altLang="zh-CN" dirty="0"/>
+                <a:t>Y</a:t>
+              </a:r>
+              <a:endParaRPr lang="zh-CN" altLang="en-US" dirty="0"/>
+            </a:p>
+          </p:txBody>
+        </p:sp>
+        <p:sp>
+          <p:nvSpPr>
+            <p:cNvPr id="38" name="文本框 37">
+              <a:extLst>
+                <a:ext uri="{FF2B5EF4-FFF2-40B4-BE49-F238E27FC236}">
+                  <a16:creationId xmlns:a16="http://schemas.microsoft.com/office/drawing/2014/main" id="{A3082042-FBEE-4343-A6E5-7B5004E2DB07}"/>
+                </a:ext>
+              </a:extLst>
+            </p:cNvPr>
+            <p:cNvSpPr txBox="1"/>
+            <p:nvPr/>
+          </p:nvSpPr>
+          <p:spPr>
+            <a:xfrm>
+              <a:off x="4732498" y="1844255"/>
+              <a:ext cx="311304" cy="369332"/>
+            </a:xfrm>
+            <a:prstGeom prst="rect">
+              <a:avLst/>
+            </a:prstGeom>
+            <a:noFill/>
+          </p:spPr>
+          <p:txBody>
+            <a:bodyPr wrap="none" rtlCol="0">
+              <a:spAutoFit/>
+            </a:bodyPr>
+            <a:lstStyle/>
+            <a:p>
+              <a:r>
+                <a:rPr lang="en-US" altLang="zh-CN" dirty="0"/>
+                <a:t>Y</a:t>
+              </a:r>
+              <a:endParaRPr lang="zh-CN" altLang="en-US" dirty="0"/>
+            </a:p>
+          </p:txBody>
+        </p:sp>
+        <p:sp>
+          <p:nvSpPr>
+            <p:cNvPr id="39" name="文本框 38">
+              <a:extLst>
+                <a:ext uri="{FF2B5EF4-FFF2-40B4-BE49-F238E27FC236}">
+                  <a16:creationId xmlns:a16="http://schemas.microsoft.com/office/drawing/2014/main" id="{4C309DA0-0B49-4768-97D5-2F3145D8756A}"/>
+                </a:ext>
+              </a:extLst>
+            </p:cNvPr>
+            <p:cNvSpPr txBox="1"/>
+            <p:nvPr/>
+          </p:nvSpPr>
+          <p:spPr>
+            <a:xfrm>
+              <a:off x="5846257" y="2471887"/>
+              <a:ext cx="311304" cy="369332"/>
+            </a:xfrm>
+            <a:prstGeom prst="rect">
+              <a:avLst/>
+            </a:prstGeom>
+            <a:noFill/>
+          </p:spPr>
+          <p:txBody>
+            <a:bodyPr wrap="none" rtlCol="0">
+              <a:spAutoFit/>
+            </a:bodyPr>
+            <a:lstStyle/>
+            <a:p>
+              <a:r>
+                <a:rPr lang="en-US" altLang="zh-CN" dirty="0"/>
+                <a:t>Y</a:t>
+              </a:r>
+              <a:endParaRPr lang="zh-CN" altLang="en-US" dirty="0"/>
+            </a:p>
+          </p:txBody>
+        </p:sp>
+        <p:sp>
+          <p:nvSpPr>
+            <p:cNvPr id="40" name="文本框 39">
+              <a:extLst>
+                <a:ext uri="{FF2B5EF4-FFF2-40B4-BE49-F238E27FC236}">
+                  <a16:creationId xmlns:a16="http://schemas.microsoft.com/office/drawing/2014/main" id="{DC5FEED3-7E29-4BC5-8309-1E62B0A19D81}"/>
+                </a:ext>
+              </a:extLst>
+            </p:cNvPr>
+            <p:cNvSpPr txBox="1"/>
+            <p:nvPr/>
+          </p:nvSpPr>
+          <p:spPr>
+            <a:xfrm>
+              <a:off x="4772743" y="4175454"/>
+              <a:ext cx="311304" cy="369332"/>
+            </a:xfrm>
+            <a:prstGeom prst="rect">
+              <a:avLst/>
+            </a:prstGeom>
+            <a:noFill/>
+          </p:spPr>
+          <p:txBody>
+            <a:bodyPr wrap="none" rtlCol="0">
+              <a:spAutoFit/>
+            </a:bodyPr>
+            <a:lstStyle/>
+            <a:p>
+              <a:r>
+                <a:rPr lang="en-US" altLang="zh-CN" dirty="0"/>
+                <a:t>Y</a:t>
+              </a:r>
+              <a:endParaRPr lang="zh-CN" altLang="en-US" dirty="0"/>
+            </a:p>
+          </p:txBody>
+        </p:sp>
+        <p:sp>
+          <p:nvSpPr>
+            <p:cNvPr id="41" name="文本框 40">
+              <a:extLst>
+                <a:ext uri="{FF2B5EF4-FFF2-40B4-BE49-F238E27FC236}">
+                  <a16:creationId xmlns:a16="http://schemas.microsoft.com/office/drawing/2014/main" id="{7ECF1512-47CE-4E9E-B5A8-4CC9347E0C51}"/>
+                </a:ext>
+              </a:extLst>
+            </p:cNvPr>
+            <p:cNvSpPr txBox="1"/>
+            <p:nvPr/>
+          </p:nvSpPr>
+          <p:spPr>
+            <a:xfrm>
+              <a:off x="4732498" y="2773300"/>
+              <a:ext cx="311304" cy="369332"/>
+            </a:xfrm>
+            <a:prstGeom prst="rect">
+              <a:avLst/>
+            </a:prstGeom>
+            <a:noFill/>
+          </p:spPr>
+          <p:txBody>
+            <a:bodyPr wrap="none" rtlCol="0">
+              <a:spAutoFit/>
+            </a:bodyPr>
+            <a:lstStyle/>
+            <a:p>
+              <a:r>
+                <a:rPr lang="en-US" altLang="zh-CN" dirty="0"/>
+                <a:t>Y</a:t>
+              </a:r>
+              <a:endParaRPr lang="zh-CN" altLang="en-US" dirty="0"/>
+            </a:p>
+          </p:txBody>
+        </p:sp>
+        <p:sp>
+          <p:nvSpPr>
+            <p:cNvPr id="43" name="文本框 42">
+              <a:extLst>
+                <a:ext uri="{FF2B5EF4-FFF2-40B4-BE49-F238E27FC236}">
+                  <a16:creationId xmlns:a16="http://schemas.microsoft.com/office/drawing/2014/main" id="{87B787BA-4C7C-4448-8DE9-A33E31C1458E}"/>
+                </a:ext>
+              </a:extLst>
+            </p:cNvPr>
+            <p:cNvSpPr txBox="1"/>
+            <p:nvPr/>
+          </p:nvSpPr>
+          <p:spPr>
+            <a:xfrm>
+              <a:off x="5895328" y="1497811"/>
+              <a:ext cx="311304" cy="369332"/>
+            </a:xfrm>
+            <a:prstGeom prst="rect">
+              <a:avLst/>
+            </a:prstGeom>
+            <a:noFill/>
+          </p:spPr>
+          <p:txBody>
+            <a:bodyPr wrap="none" rtlCol="0">
+              <a:spAutoFit/>
+            </a:bodyPr>
+            <a:lstStyle/>
+            <a:p>
+              <a:r>
+                <a:rPr lang="en-US" altLang="zh-CN" dirty="0"/>
+                <a:t>Y</a:t>
+              </a:r>
+              <a:endParaRPr lang="zh-CN" altLang="en-US" dirty="0"/>
+            </a:p>
+          </p:txBody>
+        </p:sp>
+        <p:sp>
+          <p:nvSpPr>
+            <p:cNvPr id="45" name="文本框 44">
+              <a:extLst>
+                <a:ext uri="{FF2B5EF4-FFF2-40B4-BE49-F238E27FC236}">
+                  <a16:creationId xmlns:a16="http://schemas.microsoft.com/office/drawing/2014/main" id="{A1BD0F43-9108-4522-91CF-C910E018C133}"/>
+                </a:ext>
+              </a:extLst>
+            </p:cNvPr>
+            <p:cNvSpPr txBox="1"/>
+            <p:nvPr/>
+          </p:nvSpPr>
+          <p:spPr>
+            <a:xfrm>
+              <a:off x="5846257" y="3725458"/>
+              <a:ext cx="311304" cy="369332"/>
+            </a:xfrm>
+            <a:prstGeom prst="rect">
+              <a:avLst/>
+            </a:prstGeom>
+            <a:noFill/>
+          </p:spPr>
+          <p:txBody>
+            <a:bodyPr wrap="none" rtlCol="0">
+              <a:spAutoFit/>
+            </a:bodyPr>
+            <a:lstStyle/>
+            <a:p>
+              <a:r>
+                <a:rPr lang="en-US" altLang="zh-CN" dirty="0"/>
+                <a:t>Y</a:t>
+              </a:r>
+              <a:endParaRPr lang="zh-CN" altLang="en-US" dirty="0"/>
+            </a:p>
+          </p:txBody>
+        </p:sp>
+        <p:sp>
+          <p:nvSpPr>
+            <p:cNvPr id="47" name="文本框 46">
+              <a:extLst>
+                <a:ext uri="{FF2B5EF4-FFF2-40B4-BE49-F238E27FC236}">
+                  <a16:creationId xmlns:a16="http://schemas.microsoft.com/office/drawing/2014/main" id="{F6738057-A063-4F73-B2D5-C100702A56FE}"/>
+                </a:ext>
+              </a:extLst>
+            </p:cNvPr>
+            <p:cNvSpPr txBox="1"/>
+            <p:nvPr/>
+          </p:nvSpPr>
+          <p:spPr>
+            <a:xfrm>
+              <a:off x="5809881" y="4956617"/>
+              <a:ext cx="311304" cy="369332"/>
+            </a:xfrm>
+            <a:prstGeom prst="rect">
+              <a:avLst/>
+            </a:prstGeom>
+            <a:noFill/>
+          </p:spPr>
+          <p:txBody>
+            <a:bodyPr wrap="none" rtlCol="0">
+              <a:spAutoFit/>
+            </a:bodyPr>
+            <a:lstStyle/>
+            <a:p>
+              <a:r>
+                <a:rPr lang="en-US" altLang="zh-CN" dirty="0"/>
+                <a:t>Y</a:t>
+              </a:r>
+              <a:endParaRPr lang="zh-CN" altLang="en-US" dirty="0"/>
+            </a:p>
+          </p:txBody>
+        </p:sp>
+        <p:sp>
+          <p:nvSpPr>
+            <p:cNvPr id="49" name="文本框 48">
+              <a:extLst>
+                <a:ext uri="{FF2B5EF4-FFF2-40B4-BE49-F238E27FC236}">
+                  <a16:creationId xmlns:a16="http://schemas.microsoft.com/office/drawing/2014/main" id="{93E8F9C0-E4BA-4A18-A93B-DA8FCDE5C453}"/>
+                </a:ext>
+              </a:extLst>
+            </p:cNvPr>
+            <p:cNvSpPr txBox="1"/>
+            <p:nvPr/>
+          </p:nvSpPr>
+          <p:spPr>
+            <a:xfrm>
+              <a:off x="7021186" y="870551"/>
+              <a:ext cx="352982" cy="369332"/>
+            </a:xfrm>
+            <a:prstGeom prst="rect">
+              <a:avLst/>
+            </a:prstGeom>
+            <a:noFill/>
+          </p:spPr>
+          <p:txBody>
+            <a:bodyPr wrap="none" rtlCol="0">
+              <a:spAutoFit/>
+            </a:bodyPr>
+            <a:lstStyle/>
+            <a:p>
+              <a:r>
+                <a:rPr lang="en-US" altLang="zh-CN" dirty="0"/>
+                <a:t>N</a:t>
+              </a:r>
+              <a:endParaRPr lang="zh-CN" altLang="en-US" dirty="0"/>
+            </a:p>
+          </p:txBody>
+        </p:sp>
+        <p:sp>
+          <p:nvSpPr>
+            <p:cNvPr id="51" name="文本框 50">
+              <a:extLst>
+                <a:ext uri="{FF2B5EF4-FFF2-40B4-BE49-F238E27FC236}">
+                  <a16:creationId xmlns:a16="http://schemas.microsoft.com/office/drawing/2014/main" id="{B662B5EA-C2F8-4DF2-ACE0-B83B27046F13}"/>
+                </a:ext>
+              </a:extLst>
+            </p:cNvPr>
+            <p:cNvSpPr txBox="1"/>
+            <p:nvPr/>
+          </p:nvSpPr>
+          <p:spPr>
+            <a:xfrm>
+              <a:off x="7071892" y="1764583"/>
+              <a:ext cx="352982" cy="369332"/>
+            </a:xfrm>
+            <a:prstGeom prst="rect">
+              <a:avLst/>
+            </a:prstGeom>
+            <a:noFill/>
+          </p:spPr>
+          <p:txBody>
+            <a:bodyPr wrap="none" rtlCol="0">
+              <a:spAutoFit/>
+            </a:bodyPr>
+            <a:lstStyle/>
+            <a:p>
+              <a:r>
+                <a:rPr lang="en-US" altLang="zh-CN" dirty="0"/>
+                <a:t>N</a:t>
+              </a:r>
+              <a:endParaRPr lang="zh-CN" altLang="en-US" dirty="0"/>
+            </a:p>
+          </p:txBody>
+        </p:sp>
+        <p:sp>
+          <p:nvSpPr>
+            <p:cNvPr id="52" name="文本框 51">
+              <a:extLst>
+                <a:ext uri="{FF2B5EF4-FFF2-40B4-BE49-F238E27FC236}">
+                  <a16:creationId xmlns:a16="http://schemas.microsoft.com/office/drawing/2014/main" id="{5AA03813-3035-4AC1-B018-44E10144DF28}"/>
+                </a:ext>
+              </a:extLst>
+            </p:cNvPr>
+            <p:cNvSpPr txBox="1"/>
+            <p:nvPr/>
+          </p:nvSpPr>
+          <p:spPr>
+            <a:xfrm>
+              <a:off x="7158327" y="4017933"/>
+              <a:ext cx="352982" cy="369332"/>
+            </a:xfrm>
+            <a:prstGeom prst="rect">
+              <a:avLst/>
+            </a:prstGeom>
+            <a:noFill/>
+          </p:spPr>
+          <p:txBody>
+            <a:bodyPr wrap="none" rtlCol="0">
+              <a:spAutoFit/>
+            </a:bodyPr>
+            <a:lstStyle/>
+            <a:p>
+              <a:r>
+                <a:rPr lang="en-US" altLang="zh-CN" dirty="0"/>
+                <a:t>N</a:t>
+              </a:r>
+              <a:endParaRPr lang="zh-CN" altLang="en-US" dirty="0"/>
+            </a:p>
+          </p:txBody>
+        </p:sp>
+        <p:sp>
+          <p:nvSpPr>
+            <p:cNvPr id="53" name="文本框 52">
+              <a:extLst>
+                <a:ext uri="{FF2B5EF4-FFF2-40B4-BE49-F238E27FC236}">
+                  <a16:creationId xmlns:a16="http://schemas.microsoft.com/office/drawing/2014/main" id="{5FD67D2E-43AF-4E5E-9F67-8F4BFD537778}"/>
+                </a:ext>
+              </a:extLst>
+            </p:cNvPr>
+            <p:cNvSpPr txBox="1"/>
+            <p:nvPr/>
+          </p:nvSpPr>
+          <p:spPr>
+            <a:xfrm>
+              <a:off x="7120407" y="2919469"/>
+              <a:ext cx="352982" cy="369332"/>
+            </a:xfrm>
+            <a:prstGeom prst="rect">
+              <a:avLst/>
+            </a:prstGeom>
+            <a:noFill/>
+          </p:spPr>
+          <p:txBody>
+            <a:bodyPr wrap="none" rtlCol="0">
+              <a:spAutoFit/>
+            </a:bodyPr>
+            <a:lstStyle/>
+            <a:p>
+              <a:r>
+                <a:rPr lang="en-US" altLang="zh-CN" dirty="0"/>
+                <a:t>N</a:t>
+              </a:r>
+              <a:endParaRPr lang="zh-CN" altLang="en-US" dirty="0"/>
+            </a:p>
+          </p:txBody>
+        </p:sp>
+        <p:sp>
+          <p:nvSpPr>
+            <p:cNvPr id="54" name="文本框 53">
+              <a:extLst>
+                <a:ext uri="{FF2B5EF4-FFF2-40B4-BE49-F238E27FC236}">
+                  <a16:creationId xmlns:a16="http://schemas.microsoft.com/office/drawing/2014/main" id="{B6239333-72D9-42FC-B084-54F8A50C48F3}"/>
+                </a:ext>
+              </a:extLst>
+            </p:cNvPr>
+            <p:cNvSpPr txBox="1"/>
+            <p:nvPr/>
+          </p:nvSpPr>
+          <p:spPr>
+            <a:xfrm>
+              <a:off x="3504521" y="3671096"/>
+              <a:ext cx="352982" cy="369332"/>
+            </a:xfrm>
+            <a:prstGeom prst="rect">
+              <a:avLst/>
+            </a:prstGeom>
+            <a:noFill/>
+          </p:spPr>
+          <p:txBody>
+            <a:bodyPr wrap="none" rtlCol="0">
+              <a:spAutoFit/>
+            </a:bodyPr>
+            <a:lstStyle/>
+            <a:p>
+              <a:r>
+                <a:rPr lang="en-US" altLang="zh-CN" dirty="0"/>
+                <a:t>N</a:t>
+              </a:r>
+              <a:endParaRPr lang="zh-CN" altLang="en-US" dirty="0"/>
+            </a:p>
+          </p:txBody>
+        </p:sp>
+        <p:sp>
+          <p:nvSpPr>
+            <p:cNvPr id="56" name="文本框 55">
+              <a:extLst>
+                <a:ext uri="{FF2B5EF4-FFF2-40B4-BE49-F238E27FC236}">
+                  <a16:creationId xmlns:a16="http://schemas.microsoft.com/office/drawing/2014/main" id="{142E02D2-9734-4B7E-9F65-193FE92A56C5}"/>
+                </a:ext>
+              </a:extLst>
+            </p:cNvPr>
+            <p:cNvSpPr txBox="1"/>
+            <p:nvPr/>
+          </p:nvSpPr>
+          <p:spPr>
+            <a:xfrm>
+              <a:off x="3469479" y="2542715"/>
+              <a:ext cx="352982" cy="369332"/>
+            </a:xfrm>
+            <a:prstGeom prst="rect">
+              <a:avLst/>
+            </a:prstGeom>
+            <a:noFill/>
+          </p:spPr>
+          <p:txBody>
+            <a:bodyPr wrap="none" rtlCol="0">
+              <a:spAutoFit/>
+            </a:bodyPr>
+            <a:lstStyle/>
+            <a:p>
+              <a:r>
+                <a:rPr lang="en-US" altLang="zh-CN" dirty="0"/>
+                <a:t>N</a:t>
+              </a:r>
+              <a:endParaRPr lang="zh-CN" altLang="en-US" dirty="0"/>
+            </a:p>
+          </p:txBody>
+        </p:sp>
+        <p:sp>
+          <p:nvSpPr>
+            <p:cNvPr id="58" name="文本框 57">
+              <a:extLst>
+                <a:ext uri="{FF2B5EF4-FFF2-40B4-BE49-F238E27FC236}">
+                  <a16:creationId xmlns:a16="http://schemas.microsoft.com/office/drawing/2014/main" id="{B4F73BFF-F8D5-4B45-AFD4-F891B8563AE5}"/>
+                </a:ext>
+              </a:extLst>
+            </p:cNvPr>
+            <p:cNvSpPr txBox="1"/>
+            <p:nvPr/>
+          </p:nvSpPr>
+          <p:spPr>
+            <a:xfrm>
+              <a:off x="3535945" y="1441949"/>
+              <a:ext cx="352982" cy="369332"/>
+            </a:xfrm>
+            <a:prstGeom prst="rect">
+              <a:avLst/>
+            </a:prstGeom>
+            <a:noFill/>
+          </p:spPr>
+          <p:txBody>
+            <a:bodyPr wrap="none" rtlCol="0">
+              <a:spAutoFit/>
+            </a:bodyPr>
+            <a:lstStyle/>
+            <a:p>
+              <a:r>
+                <a:rPr lang="en-US" altLang="zh-CN" dirty="0"/>
+                <a:t>N</a:t>
+              </a:r>
+              <a:endParaRPr lang="zh-CN" altLang="en-US" dirty="0"/>
+            </a:p>
+          </p:txBody>
+        </p:sp>
+        <p:sp>
+          <p:nvSpPr>
+            <p:cNvPr id="60" name="文本框 59">
+              <a:extLst>
+                <a:ext uri="{FF2B5EF4-FFF2-40B4-BE49-F238E27FC236}">
+                  <a16:creationId xmlns:a16="http://schemas.microsoft.com/office/drawing/2014/main" id="{1C70C169-E2C3-4613-8010-ED266B444E97}"/>
+                </a:ext>
+              </a:extLst>
+            </p:cNvPr>
+            <p:cNvSpPr txBox="1"/>
+            <p:nvPr/>
+          </p:nvSpPr>
+          <p:spPr>
+            <a:xfrm>
+              <a:off x="3542297" y="5046902"/>
+              <a:ext cx="352982" cy="369332"/>
+            </a:xfrm>
+            <a:prstGeom prst="rect">
+              <a:avLst/>
+            </a:prstGeom>
+            <a:noFill/>
+          </p:spPr>
+          <p:txBody>
+            <a:bodyPr wrap="none" rtlCol="0">
+              <a:spAutoFit/>
+            </a:bodyPr>
+            <a:lstStyle/>
+            <a:p>
+              <a:r>
+                <a:rPr lang="en-US" altLang="zh-CN" dirty="0"/>
+                <a:t>N</a:t>
+              </a:r>
+              <a:endParaRPr lang="zh-CN" altLang="en-US" dirty="0"/>
+            </a:p>
+          </p:txBody>
+        </p:sp>
+      </p:grpSp>
+    </p:spTree>
+    <p:extLst>
+      <p:ext uri="{BB962C8B-B14F-4D97-AF65-F5344CB8AC3E}">
+        <p14:creationId xmlns:p14="http://schemas.microsoft.com/office/powerpoint/2010/main" val="3244671955"/>
+      </p:ext>
+    </p:extLst>
+  </p:cSld>
+  <p:clrMapOvr>
+    <a:masterClrMapping/>
+  </p:clrMapOvr>
+</p:sld>
+</file>
+
 <file path=ppt/slides/slide2.xml><?xml version="1.0" encoding="utf-8"?>
 <p:sld xmlns:a="http://schemas.openxmlformats.org/drawingml/2006/main" xmlns:r="http://schemas.openxmlformats.org/officeDocument/2006/relationships" xmlns:p="http://schemas.openxmlformats.org/presentationml/2006/main">
   <p:cSld>
@@ -9559,6 +11739,2722 @@
           </p:txBody>
         </p:sp>
       </p:grpSp>
+      <p:sp>
+        <p:nvSpPr>
+          <p:cNvPr id="10" name="箭头: 左右 9">
+            <a:extLst>
+              <a:ext uri="{FF2B5EF4-FFF2-40B4-BE49-F238E27FC236}">
+                <a16:creationId xmlns:a16="http://schemas.microsoft.com/office/drawing/2014/main" id="{BAEDEFCF-A2B2-465B-90E6-55698BC2C6D8}"/>
+              </a:ext>
+            </a:extLst>
+          </p:cNvPr>
+          <p:cNvSpPr/>
+          <p:nvPr/>
+        </p:nvSpPr>
+        <p:spPr>
+          <a:xfrm>
+            <a:off x="5032717" y="406147"/>
+            <a:ext cx="1018874" cy="450574"/>
+          </a:xfrm>
+          <a:prstGeom prst="leftRightArrow">
+            <a:avLst/>
+          </a:prstGeom>
+        </p:spPr>
+        <p:style>
+          <a:lnRef idx="1">
+            <a:schemeClr val="accent5"/>
+          </a:lnRef>
+          <a:fillRef idx="2">
+            <a:schemeClr val="accent5"/>
+          </a:fillRef>
+          <a:effectRef idx="1">
+            <a:schemeClr val="accent5"/>
+          </a:effectRef>
+          <a:fontRef idx="minor">
+            <a:schemeClr val="dk1"/>
+          </a:fontRef>
+        </p:style>
+        <p:txBody>
+          <a:bodyPr rtlCol="0" anchor="ctr"/>
+          <a:lstStyle/>
+          <a:p>
+            <a:pPr algn="ctr"/>
+            <a:endParaRPr lang="zh-CN" altLang="en-US" dirty="0"/>
+          </a:p>
+        </p:txBody>
+      </p:sp>
+      <p:sp>
+        <p:nvSpPr>
+          <p:cNvPr id="15" name="矩形: 圆角 14">
+            <a:extLst>
+              <a:ext uri="{FF2B5EF4-FFF2-40B4-BE49-F238E27FC236}">
+                <a16:creationId xmlns:a16="http://schemas.microsoft.com/office/drawing/2014/main" id="{21DC6FCD-C0C3-46D3-9D10-64681F53E991}"/>
+              </a:ext>
+            </a:extLst>
+          </p:cNvPr>
+          <p:cNvSpPr/>
+          <p:nvPr/>
+        </p:nvSpPr>
+        <p:spPr>
+          <a:xfrm>
+            <a:off x="2091714" y="390682"/>
+            <a:ext cx="1433177" cy="578425"/>
+          </a:xfrm>
+          <a:prstGeom prst="roundRect">
+            <a:avLst/>
+          </a:prstGeom>
+        </p:spPr>
+        <p:style>
+          <a:lnRef idx="2">
+            <a:schemeClr val="dk1"/>
+          </a:lnRef>
+          <a:fillRef idx="1">
+            <a:schemeClr val="lt1"/>
+          </a:fillRef>
+          <a:effectRef idx="0">
+            <a:schemeClr val="dk1"/>
+          </a:effectRef>
+          <a:fontRef idx="minor">
+            <a:schemeClr val="dk1"/>
+          </a:fontRef>
+        </p:style>
+        <p:txBody>
+          <a:bodyPr rtlCol="0" anchor="ctr"/>
+          <a:lstStyle/>
+          <a:p>
+            <a:pPr algn="ctr"/>
+            <a:r>
+              <a:rPr lang="zh-CN" altLang="en-US" dirty="0"/>
+              <a:t>客户端</a:t>
+            </a:r>
+          </a:p>
+        </p:txBody>
+      </p:sp>
+      <p:sp>
+        <p:nvSpPr>
+          <p:cNvPr id="30" name="矩形: 圆角 29">
+            <a:extLst>
+              <a:ext uri="{FF2B5EF4-FFF2-40B4-BE49-F238E27FC236}">
+                <a16:creationId xmlns:a16="http://schemas.microsoft.com/office/drawing/2014/main" id="{1BDD5442-BF2B-4A54-A374-B06C8304537D}"/>
+              </a:ext>
+            </a:extLst>
+          </p:cNvPr>
+          <p:cNvSpPr/>
+          <p:nvPr/>
+        </p:nvSpPr>
+        <p:spPr>
+          <a:xfrm>
+            <a:off x="7789429" y="406147"/>
+            <a:ext cx="1433177" cy="578425"/>
+          </a:xfrm>
+          <a:prstGeom prst="roundRect">
+            <a:avLst/>
+          </a:prstGeom>
+        </p:spPr>
+        <p:style>
+          <a:lnRef idx="2">
+            <a:schemeClr val="dk1"/>
+          </a:lnRef>
+          <a:fillRef idx="1">
+            <a:schemeClr val="lt1"/>
+          </a:fillRef>
+          <a:effectRef idx="0">
+            <a:schemeClr val="dk1"/>
+          </a:effectRef>
+          <a:fontRef idx="minor">
+            <a:schemeClr val="dk1"/>
+          </a:fontRef>
+        </p:style>
+        <p:txBody>
+          <a:bodyPr rtlCol="0" anchor="ctr"/>
+          <a:lstStyle/>
+          <a:p>
+            <a:pPr algn="ctr"/>
+            <a:r>
+              <a:rPr lang="zh-CN" altLang="en-US" dirty="0"/>
+              <a:t>中央控制端</a:t>
+            </a:r>
+          </a:p>
+        </p:txBody>
+      </p:sp>
+      <p:grpSp>
+        <p:nvGrpSpPr>
+          <p:cNvPr id="20" name="组合 19">
+            <a:extLst>
+              <a:ext uri="{FF2B5EF4-FFF2-40B4-BE49-F238E27FC236}">
+                <a16:creationId xmlns:a16="http://schemas.microsoft.com/office/drawing/2014/main" id="{396848C4-505B-4113-831A-236A839F273C}"/>
+              </a:ext>
+            </a:extLst>
+          </p:cNvPr>
+          <p:cNvGrpSpPr/>
+          <p:nvPr/>
+        </p:nvGrpSpPr>
+        <p:grpSpPr>
+          <a:xfrm>
+            <a:off x="6453273" y="1202469"/>
+            <a:ext cx="4983354" cy="5144461"/>
+            <a:chOff x="6453273" y="1202469"/>
+            <a:chExt cx="4983354" cy="5144461"/>
+          </a:xfrm>
+        </p:grpSpPr>
+        <p:sp>
+          <p:nvSpPr>
+            <p:cNvPr id="4" name="六边形 3">
+              <a:extLst>
+                <a:ext uri="{FF2B5EF4-FFF2-40B4-BE49-F238E27FC236}">
+                  <a16:creationId xmlns:a16="http://schemas.microsoft.com/office/drawing/2014/main" id="{767CCBDA-114B-487A-B6F1-5B924C716707}"/>
+                </a:ext>
+              </a:extLst>
+            </p:cNvPr>
+            <p:cNvSpPr/>
+            <p:nvPr/>
+          </p:nvSpPr>
+          <p:spPr>
+            <a:xfrm>
+              <a:off x="6454184" y="1202469"/>
+              <a:ext cx="1490923" cy="1285278"/>
+            </a:xfrm>
+            <a:prstGeom prst="hexagon">
+              <a:avLst/>
+            </a:prstGeom>
+          </p:spPr>
+          <p:style>
+            <a:lnRef idx="1">
+              <a:schemeClr val="accent6"/>
+            </a:lnRef>
+            <a:fillRef idx="2">
+              <a:schemeClr val="accent6"/>
+            </a:fillRef>
+            <a:effectRef idx="1">
+              <a:schemeClr val="accent6"/>
+            </a:effectRef>
+            <a:fontRef idx="minor">
+              <a:schemeClr val="dk1"/>
+            </a:fontRef>
+          </p:style>
+          <p:txBody>
+            <a:bodyPr rtlCol="0" anchor="ctr"/>
+            <a:lstStyle/>
+            <a:p>
+              <a:pPr algn="ctr"/>
+              <a:r>
+                <a:rPr lang="zh-CN" altLang="en-US" sz="1400" dirty="0"/>
+                <a:t>用户前端</a:t>
+              </a:r>
+            </a:p>
+          </p:txBody>
+        </p:sp>
+        <p:sp>
+          <p:nvSpPr>
+            <p:cNvPr id="5" name="六边形 4">
+              <a:extLst>
+                <a:ext uri="{FF2B5EF4-FFF2-40B4-BE49-F238E27FC236}">
+                  <a16:creationId xmlns:a16="http://schemas.microsoft.com/office/drawing/2014/main" id="{E1E9C886-3413-4984-A7B5-6C176C2AE7D6}"/>
+                </a:ext>
+              </a:extLst>
+            </p:cNvPr>
+            <p:cNvSpPr/>
+            <p:nvPr/>
+          </p:nvSpPr>
+          <p:spPr>
+            <a:xfrm>
+              <a:off x="7606498" y="1885949"/>
+              <a:ext cx="1490923" cy="1285278"/>
+            </a:xfrm>
+            <a:prstGeom prst="hexagon">
+              <a:avLst/>
+            </a:prstGeom>
+          </p:spPr>
+          <p:style>
+            <a:lnRef idx="1">
+              <a:schemeClr val="accent6"/>
+            </a:lnRef>
+            <a:fillRef idx="2">
+              <a:schemeClr val="accent6"/>
+            </a:fillRef>
+            <a:effectRef idx="1">
+              <a:schemeClr val="accent6"/>
+            </a:effectRef>
+            <a:fontRef idx="minor">
+              <a:schemeClr val="dk1"/>
+            </a:fontRef>
+          </p:style>
+          <p:txBody>
+            <a:bodyPr rtlCol="0" anchor="ctr"/>
+            <a:lstStyle/>
+            <a:p>
+              <a:pPr algn="ctr"/>
+              <a:r>
+                <a:rPr lang="zh-CN" altLang="en-US" sz="1400" dirty="0"/>
+                <a:t>运维前端</a:t>
+              </a:r>
+            </a:p>
+          </p:txBody>
+        </p:sp>
+        <p:sp>
+          <p:nvSpPr>
+            <p:cNvPr id="8" name="六边形 7">
+              <a:extLst>
+                <a:ext uri="{FF2B5EF4-FFF2-40B4-BE49-F238E27FC236}">
+                  <a16:creationId xmlns:a16="http://schemas.microsoft.com/office/drawing/2014/main" id="{0591B2AB-09E6-475A-BDD7-9F25F147065D}"/>
+                </a:ext>
+              </a:extLst>
+            </p:cNvPr>
+            <p:cNvSpPr/>
+            <p:nvPr/>
+          </p:nvSpPr>
+          <p:spPr>
+            <a:xfrm>
+              <a:off x="8776102" y="3773027"/>
+              <a:ext cx="1490923" cy="1285278"/>
+            </a:xfrm>
+            <a:prstGeom prst="hexagon">
+              <a:avLst/>
+            </a:prstGeom>
+          </p:spPr>
+          <p:style>
+            <a:lnRef idx="0">
+              <a:schemeClr val="accent5"/>
+            </a:lnRef>
+            <a:fillRef idx="3">
+              <a:schemeClr val="accent5"/>
+            </a:fillRef>
+            <a:effectRef idx="3">
+              <a:schemeClr val="accent5"/>
+            </a:effectRef>
+            <a:fontRef idx="minor">
+              <a:schemeClr val="lt1"/>
+            </a:fontRef>
+          </p:style>
+          <p:txBody>
+            <a:bodyPr rtlCol="0" anchor="ctr"/>
+            <a:lstStyle/>
+            <a:p>
+              <a:pPr algn="ctr"/>
+              <a:r>
+                <a:rPr lang="zh-CN" altLang="en-US" sz="1400" dirty="0"/>
+                <a:t>通知系统</a:t>
+              </a:r>
+            </a:p>
+          </p:txBody>
+        </p:sp>
+        <p:sp>
+          <p:nvSpPr>
+            <p:cNvPr id="9" name="六边形 8">
+              <a:extLst>
+                <a:ext uri="{FF2B5EF4-FFF2-40B4-BE49-F238E27FC236}">
+                  <a16:creationId xmlns:a16="http://schemas.microsoft.com/office/drawing/2014/main" id="{3F5CAD79-30BC-40C1-AE88-FCC5004AF5CC}"/>
+                </a:ext>
+              </a:extLst>
+            </p:cNvPr>
+            <p:cNvSpPr/>
+            <p:nvPr/>
+          </p:nvSpPr>
+          <p:spPr>
+            <a:xfrm>
+              <a:off x="9945704" y="4415665"/>
+              <a:ext cx="1490923" cy="1285278"/>
+            </a:xfrm>
+            <a:prstGeom prst="hexagon">
+              <a:avLst/>
+            </a:prstGeom>
+            <a:ln>
+              <a:noFill/>
+            </a:ln>
+          </p:spPr>
+          <p:style>
+            <a:lnRef idx="0">
+              <a:schemeClr val="accent5"/>
+            </a:lnRef>
+            <a:fillRef idx="3">
+              <a:schemeClr val="accent5"/>
+            </a:fillRef>
+            <a:effectRef idx="3">
+              <a:schemeClr val="accent5"/>
+            </a:effectRef>
+            <a:fontRef idx="minor">
+              <a:schemeClr val="lt1"/>
+            </a:fontRef>
+          </p:style>
+          <p:txBody>
+            <a:bodyPr rtlCol="0" anchor="ctr"/>
+            <a:lstStyle/>
+            <a:p>
+              <a:pPr algn="ctr"/>
+              <a:r>
+                <a:rPr lang="zh-CN" altLang="en-US" sz="1400" dirty="0"/>
+                <a:t>消息网关</a:t>
+              </a:r>
+            </a:p>
+          </p:txBody>
+        </p:sp>
+        <p:sp>
+          <p:nvSpPr>
+            <p:cNvPr id="16" name="六边形 15">
+              <a:extLst>
+                <a:ext uri="{FF2B5EF4-FFF2-40B4-BE49-F238E27FC236}">
+                  <a16:creationId xmlns:a16="http://schemas.microsoft.com/office/drawing/2014/main" id="{E5E91220-B45F-4891-A6CF-33363FD17DD2}"/>
+                </a:ext>
+              </a:extLst>
+            </p:cNvPr>
+            <p:cNvSpPr/>
+            <p:nvPr/>
+          </p:nvSpPr>
+          <p:spPr>
+            <a:xfrm>
+              <a:off x="7606499" y="4415665"/>
+              <a:ext cx="1490923" cy="1285278"/>
+            </a:xfrm>
+            <a:prstGeom prst="hexagon">
+              <a:avLst/>
+            </a:prstGeom>
+          </p:spPr>
+          <p:style>
+            <a:lnRef idx="0">
+              <a:schemeClr val="accent5"/>
+            </a:lnRef>
+            <a:fillRef idx="3">
+              <a:schemeClr val="accent5"/>
+            </a:fillRef>
+            <a:effectRef idx="3">
+              <a:schemeClr val="accent5"/>
+            </a:effectRef>
+            <a:fontRef idx="minor">
+              <a:schemeClr val="lt1"/>
+            </a:fontRef>
+          </p:style>
+          <p:txBody>
+            <a:bodyPr rtlCol="0" anchor="ctr"/>
+            <a:lstStyle/>
+            <a:p>
+              <a:pPr algn="ctr"/>
+              <a:r>
+                <a:rPr lang="zh-CN" altLang="en-US" sz="1400" dirty="0"/>
+                <a:t>日志管理</a:t>
+              </a:r>
+            </a:p>
+          </p:txBody>
+        </p:sp>
+        <p:sp>
+          <p:nvSpPr>
+            <p:cNvPr id="27" name="六边形 26">
+              <a:extLst>
+                <a:ext uri="{FF2B5EF4-FFF2-40B4-BE49-F238E27FC236}">
+                  <a16:creationId xmlns:a16="http://schemas.microsoft.com/office/drawing/2014/main" id="{28567270-ED9E-49EA-B6EC-370452E6F0D6}"/>
+                </a:ext>
+              </a:extLst>
+            </p:cNvPr>
+            <p:cNvSpPr/>
+            <p:nvPr/>
+          </p:nvSpPr>
+          <p:spPr>
+            <a:xfrm>
+              <a:off x="6454185" y="2487747"/>
+              <a:ext cx="1490923" cy="1285278"/>
+            </a:xfrm>
+            <a:prstGeom prst="hexagon">
+              <a:avLst/>
+            </a:prstGeom>
+          </p:spPr>
+          <p:style>
+            <a:lnRef idx="0">
+              <a:schemeClr val="accent5"/>
+            </a:lnRef>
+            <a:fillRef idx="3">
+              <a:schemeClr val="accent5"/>
+            </a:fillRef>
+            <a:effectRef idx="3">
+              <a:schemeClr val="accent5"/>
+            </a:effectRef>
+            <a:fontRef idx="minor">
+              <a:schemeClr val="lt1"/>
+            </a:fontRef>
+          </p:style>
+          <p:txBody>
+            <a:bodyPr rtlCol="0" anchor="ctr"/>
+            <a:lstStyle/>
+            <a:p>
+              <a:pPr algn="ctr"/>
+              <a:r>
+                <a:rPr lang="zh-CN" altLang="en-US" sz="1400" dirty="0"/>
+                <a:t>中央控制</a:t>
+              </a:r>
+            </a:p>
+          </p:txBody>
+        </p:sp>
+        <p:sp>
+          <p:nvSpPr>
+            <p:cNvPr id="28" name="六边形 27">
+              <a:extLst>
+                <a:ext uri="{FF2B5EF4-FFF2-40B4-BE49-F238E27FC236}">
+                  <a16:creationId xmlns:a16="http://schemas.microsoft.com/office/drawing/2014/main" id="{61197671-FD1D-4C78-8ABE-D4EE5A9C1B38}"/>
+                </a:ext>
+              </a:extLst>
+            </p:cNvPr>
+            <p:cNvSpPr/>
+            <p:nvPr/>
+          </p:nvSpPr>
+          <p:spPr>
+            <a:xfrm>
+              <a:off x="7623787" y="3130385"/>
+              <a:ext cx="1490923" cy="1285278"/>
+            </a:xfrm>
+            <a:prstGeom prst="hexagon">
+              <a:avLst/>
+            </a:prstGeom>
+          </p:spPr>
+          <p:style>
+            <a:lnRef idx="0">
+              <a:schemeClr val="accent5"/>
+            </a:lnRef>
+            <a:fillRef idx="3">
+              <a:schemeClr val="accent5"/>
+            </a:fillRef>
+            <a:effectRef idx="3">
+              <a:schemeClr val="accent5"/>
+            </a:effectRef>
+            <a:fontRef idx="minor">
+              <a:schemeClr val="lt1"/>
+            </a:fontRef>
+          </p:style>
+          <p:txBody>
+            <a:bodyPr rtlCol="0" anchor="ctr"/>
+            <a:lstStyle/>
+            <a:p>
+              <a:pPr algn="ctr"/>
+              <a:r>
+                <a:rPr lang="zh-CN" altLang="en-US" sz="1400" dirty="0"/>
+                <a:t>产品管理</a:t>
+              </a:r>
+            </a:p>
+          </p:txBody>
+        </p:sp>
+        <p:sp>
+          <p:nvSpPr>
+            <p:cNvPr id="29" name="六边形 28">
+              <a:extLst>
+                <a:ext uri="{FF2B5EF4-FFF2-40B4-BE49-F238E27FC236}">
+                  <a16:creationId xmlns:a16="http://schemas.microsoft.com/office/drawing/2014/main" id="{D702E64B-DD2A-4922-96DE-1017A898EC4D}"/>
+                </a:ext>
+              </a:extLst>
+            </p:cNvPr>
+            <p:cNvSpPr/>
+            <p:nvPr/>
+          </p:nvSpPr>
+          <p:spPr>
+            <a:xfrm>
+              <a:off x="6453273" y="3761069"/>
+              <a:ext cx="1490923" cy="1285278"/>
+            </a:xfrm>
+            <a:prstGeom prst="hexagon">
+              <a:avLst/>
+            </a:prstGeom>
+          </p:spPr>
+          <p:style>
+            <a:lnRef idx="0">
+              <a:schemeClr val="accent5"/>
+            </a:lnRef>
+            <a:fillRef idx="3">
+              <a:schemeClr val="accent5"/>
+            </a:fillRef>
+            <a:effectRef idx="3">
+              <a:schemeClr val="accent5"/>
+            </a:effectRef>
+            <a:fontRef idx="minor">
+              <a:schemeClr val="lt1"/>
+            </a:fontRef>
+          </p:style>
+          <p:txBody>
+            <a:bodyPr rtlCol="0" anchor="ctr"/>
+            <a:lstStyle/>
+            <a:p>
+              <a:pPr algn="ctr"/>
+              <a:r>
+                <a:rPr lang="zh-CN" altLang="en-US" sz="1400" dirty="0"/>
+                <a:t>负载均衡</a:t>
+              </a:r>
+            </a:p>
+          </p:txBody>
+        </p:sp>
+        <p:sp>
+          <p:nvSpPr>
+            <p:cNvPr id="31" name="六边形 30">
+              <a:extLst>
+                <a:ext uri="{FF2B5EF4-FFF2-40B4-BE49-F238E27FC236}">
+                  <a16:creationId xmlns:a16="http://schemas.microsoft.com/office/drawing/2014/main" id="{CF178045-0D61-4A56-A668-CAA4445ECE7E}"/>
+                </a:ext>
+              </a:extLst>
+            </p:cNvPr>
+            <p:cNvSpPr/>
+            <p:nvPr/>
+          </p:nvSpPr>
+          <p:spPr>
+            <a:xfrm>
+              <a:off x="6454184" y="5053116"/>
+              <a:ext cx="1490923" cy="1285278"/>
+            </a:xfrm>
+            <a:prstGeom prst="hexagon">
+              <a:avLst/>
+            </a:prstGeom>
+          </p:spPr>
+          <p:style>
+            <a:lnRef idx="0">
+              <a:schemeClr val="accent4"/>
+            </a:lnRef>
+            <a:fillRef idx="3">
+              <a:schemeClr val="accent4"/>
+            </a:fillRef>
+            <a:effectRef idx="3">
+              <a:schemeClr val="accent4"/>
+            </a:effectRef>
+            <a:fontRef idx="minor">
+              <a:schemeClr val="lt1"/>
+            </a:fontRef>
+          </p:style>
+          <p:txBody>
+            <a:bodyPr rtlCol="0" anchor="ctr"/>
+            <a:lstStyle/>
+            <a:p>
+              <a:pPr algn="ctr"/>
+              <a:r>
+                <a:rPr lang="en-US" altLang="zh-CN" sz="1400" dirty="0" err="1"/>
+                <a:t>MySql</a:t>
+              </a:r>
+              <a:endParaRPr lang="zh-CN" altLang="en-US" sz="1400" dirty="0"/>
+            </a:p>
+          </p:txBody>
+        </p:sp>
+        <p:sp>
+          <p:nvSpPr>
+            <p:cNvPr id="43" name="六边形 42">
+              <a:extLst>
+                <a:ext uri="{FF2B5EF4-FFF2-40B4-BE49-F238E27FC236}">
+                  <a16:creationId xmlns:a16="http://schemas.microsoft.com/office/drawing/2014/main" id="{9C0AD4D6-6C07-47C6-90F1-A63EC26BF443}"/>
+                </a:ext>
+              </a:extLst>
+            </p:cNvPr>
+            <p:cNvSpPr/>
+            <p:nvPr/>
+          </p:nvSpPr>
+          <p:spPr>
+            <a:xfrm>
+              <a:off x="8784746" y="5061652"/>
+              <a:ext cx="1490923" cy="1285278"/>
+            </a:xfrm>
+            <a:prstGeom prst="hexagon">
+              <a:avLst/>
+            </a:prstGeom>
+          </p:spPr>
+          <p:style>
+            <a:lnRef idx="0">
+              <a:schemeClr val="accent4"/>
+            </a:lnRef>
+            <a:fillRef idx="3">
+              <a:schemeClr val="accent4"/>
+            </a:fillRef>
+            <a:effectRef idx="3">
+              <a:schemeClr val="accent4"/>
+            </a:effectRef>
+            <a:fontRef idx="minor">
+              <a:schemeClr val="lt1"/>
+            </a:fontRef>
+          </p:style>
+          <p:txBody>
+            <a:bodyPr rtlCol="0" anchor="ctr"/>
+            <a:lstStyle/>
+            <a:p>
+              <a:pPr algn="ctr"/>
+              <a:r>
+                <a:rPr lang="en-US" altLang="zh-CN" sz="1400" dirty="0" err="1"/>
+                <a:t>ActiveMQ</a:t>
+              </a:r>
+              <a:endParaRPr lang="zh-CN" altLang="en-US" sz="1400" dirty="0"/>
+            </a:p>
+          </p:txBody>
+        </p:sp>
+        <p:sp>
+          <p:nvSpPr>
+            <p:cNvPr id="32" name="六边形 31">
+              <a:extLst>
+                <a:ext uri="{FF2B5EF4-FFF2-40B4-BE49-F238E27FC236}">
+                  <a16:creationId xmlns:a16="http://schemas.microsoft.com/office/drawing/2014/main" id="{9ECB004A-7CDC-45FD-8BAE-B0C8E11F14E2}"/>
+                </a:ext>
+              </a:extLst>
+            </p:cNvPr>
+            <p:cNvSpPr/>
+            <p:nvPr/>
+          </p:nvSpPr>
+          <p:spPr>
+            <a:xfrm>
+              <a:off x="8793389" y="2485381"/>
+              <a:ext cx="1490923" cy="1285278"/>
+            </a:xfrm>
+            <a:prstGeom prst="hexagon">
+              <a:avLst/>
+            </a:prstGeom>
+          </p:spPr>
+          <p:style>
+            <a:lnRef idx="0">
+              <a:schemeClr val="accent5"/>
+            </a:lnRef>
+            <a:fillRef idx="3">
+              <a:schemeClr val="accent5"/>
+            </a:fillRef>
+            <a:effectRef idx="3">
+              <a:schemeClr val="accent5"/>
+            </a:effectRef>
+            <a:fontRef idx="minor">
+              <a:schemeClr val="lt1"/>
+            </a:fontRef>
+          </p:style>
+          <p:txBody>
+            <a:bodyPr rtlCol="0" anchor="ctr"/>
+            <a:lstStyle/>
+            <a:p>
+              <a:pPr algn="ctr"/>
+              <a:r>
+                <a:rPr lang="zh-CN" altLang="en-US" sz="1400" dirty="0"/>
+                <a:t>订单管理</a:t>
+              </a:r>
+            </a:p>
+          </p:txBody>
+        </p:sp>
+      </p:grpSp>
+    </p:spTree>
+    <p:extLst>
+      <p:ext uri="{BB962C8B-B14F-4D97-AF65-F5344CB8AC3E}">
+        <p14:creationId xmlns:p14="http://schemas.microsoft.com/office/powerpoint/2010/main" val="976041952"/>
+      </p:ext>
+    </p:extLst>
+  </p:cSld>
+  <p:clrMapOvr>
+    <a:masterClrMapping/>
+  </p:clrMapOvr>
+</p:sld>
+</file>
+
+<file path=ppt/slides/slide5.xml><?xml version="1.0" encoding="utf-8"?>
+<p:sld xmlns:a="http://schemas.openxmlformats.org/drawingml/2006/main" xmlns:r="http://schemas.openxmlformats.org/officeDocument/2006/relationships" xmlns:p="http://schemas.openxmlformats.org/presentationml/2006/main">
+  <p:cSld>
+    <p:spTree>
+      <p:nvGrpSpPr>
+        <p:cNvPr id="1" name=""/>
+        <p:cNvGrpSpPr/>
+        <p:nvPr/>
+      </p:nvGrpSpPr>
+      <p:grpSpPr>
+        <a:xfrm>
+          <a:off x="0" y="0"/>
+          <a:ext cx="0" cy="0"/>
+          <a:chOff x="0" y="0"/>
+          <a:chExt cx="0" cy="0"/>
+        </a:xfrm>
+      </p:grpSpPr>
+      <p:grpSp>
+        <p:nvGrpSpPr>
+          <p:cNvPr id="21" name="组合 20">
+            <a:extLst>
+              <a:ext uri="{FF2B5EF4-FFF2-40B4-BE49-F238E27FC236}">
+                <a16:creationId xmlns:a16="http://schemas.microsoft.com/office/drawing/2014/main" id="{29585356-F217-49A2-A7BE-F5D75B222E29}"/>
+              </a:ext>
+            </a:extLst>
+          </p:cNvPr>
+          <p:cNvGrpSpPr/>
+          <p:nvPr/>
+        </p:nvGrpSpPr>
+        <p:grpSpPr>
+          <a:xfrm>
+            <a:off x="397566" y="4340609"/>
+            <a:ext cx="2107095" cy="2206476"/>
+            <a:chOff x="397566" y="4340609"/>
+            <a:chExt cx="2107095" cy="2206476"/>
+          </a:xfrm>
+        </p:grpSpPr>
+        <p:sp>
+          <p:nvSpPr>
+            <p:cNvPr id="11" name="六边形 10">
+              <a:extLst>
+                <a:ext uri="{FF2B5EF4-FFF2-40B4-BE49-F238E27FC236}">
+                  <a16:creationId xmlns:a16="http://schemas.microsoft.com/office/drawing/2014/main" id="{991F4DA1-2B76-49D6-9F0B-27F016C9FD0B}"/>
+                </a:ext>
+              </a:extLst>
+            </p:cNvPr>
+            <p:cNvSpPr/>
+            <p:nvPr/>
+          </p:nvSpPr>
+          <p:spPr>
+            <a:xfrm>
+              <a:off x="986320" y="4767668"/>
+              <a:ext cx="846202" cy="711767"/>
+            </a:xfrm>
+            <a:prstGeom prst="hexagon">
+              <a:avLst/>
+            </a:prstGeom>
+          </p:spPr>
+          <p:style>
+            <a:lnRef idx="1">
+              <a:schemeClr val="accent6"/>
+            </a:lnRef>
+            <a:fillRef idx="2">
+              <a:schemeClr val="accent6"/>
+            </a:fillRef>
+            <a:effectRef idx="1">
+              <a:schemeClr val="accent6"/>
+            </a:effectRef>
+            <a:fontRef idx="minor">
+              <a:schemeClr val="dk1"/>
+            </a:fontRef>
+          </p:style>
+          <p:txBody>
+            <a:bodyPr rtlCol="0" anchor="ctr"/>
+            <a:lstStyle/>
+            <a:p>
+              <a:pPr algn="ctr"/>
+              <a:r>
+                <a:rPr lang="zh-CN" altLang="en-US" sz="1200" dirty="0"/>
+                <a:t>前端</a:t>
+              </a:r>
+            </a:p>
+          </p:txBody>
+        </p:sp>
+        <p:sp>
+          <p:nvSpPr>
+            <p:cNvPr id="12" name="六边形 11">
+              <a:extLst>
+                <a:ext uri="{FF2B5EF4-FFF2-40B4-BE49-F238E27FC236}">
+                  <a16:creationId xmlns:a16="http://schemas.microsoft.com/office/drawing/2014/main" id="{98C8D21E-6A7E-4282-9E91-9B46CDCAAC1F}"/>
+                </a:ext>
+              </a:extLst>
+            </p:cNvPr>
+            <p:cNvSpPr/>
+            <p:nvPr/>
+          </p:nvSpPr>
+          <p:spPr>
+            <a:xfrm>
+              <a:off x="986320" y="5479435"/>
+              <a:ext cx="846202" cy="711767"/>
+            </a:xfrm>
+            <a:prstGeom prst="hexagon">
+              <a:avLst/>
+            </a:prstGeom>
+          </p:spPr>
+          <p:style>
+            <a:lnRef idx="0">
+              <a:schemeClr val="accent5"/>
+            </a:lnRef>
+            <a:fillRef idx="3">
+              <a:schemeClr val="accent5"/>
+            </a:fillRef>
+            <a:effectRef idx="3">
+              <a:schemeClr val="accent5"/>
+            </a:effectRef>
+            <a:fontRef idx="minor">
+              <a:schemeClr val="lt1"/>
+            </a:fontRef>
+          </p:style>
+          <p:txBody>
+            <a:bodyPr rtlCol="0" anchor="ctr"/>
+            <a:lstStyle/>
+            <a:p>
+              <a:pPr algn="ctr"/>
+              <a:r>
+                <a:rPr lang="zh-CN" altLang="en-US" sz="1200" dirty="0"/>
+                <a:t>微服务</a:t>
+              </a:r>
+            </a:p>
+          </p:txBody>
+        </p:sp>
+        <p:sp>
+          <p:nvSpPr>
+            <p:cNvPr id="13" name="六边形 12">
+              <a:extLst>
+                <a:ext uri="{FF2B5EF4-FFF2-40B4-BE49-F238E27FC236}">
+                  <a16:creationId xmlns:a16="http://schemas.microsoft.com/office/drawing/2014/main" id="{9A9E442B-17B5-4E81-99CE-0CE8D25A2CC2}"/>
+                </a:ext>
+              </a:extLst>
+            </p:cNvPr>
+            <p:cNvSpPr/>
+            <p:nvPr/>
+          </p:nvSpPr>
+          <p:spPr>
+            <a:xfrm>
+              <a:off x="1658459" y="5835318"/>
+              <a:ext cx="846202" cy="711767"/>
+            </a:xfrm>
+            <a:prstGeom prst="hexagon">
+              <a:avLst/>
+            </a:prstGeom>
+          </p:spPr>
+          <p:style>
+            <a:lnRef idx="0">
+              <a:schemeClr val="dk1"/>
+            </a:lnRef>
+            <a:fillRef idx="3">
+              <a:schemeClr val="dk1"/>
+            </a:fillRef>
+            <a:effectRef idx="3">
+              <a:schemeClr val="dk1"/>
+            </a:effectRef>
+            <a:fontRef idx="minor">
+              <a:schemeClr val="lt1"/>
+            </a:fontRef>
+          </p:style>
+          <p:txBody>
+            <a:bodyPr rtlCol="0" anchor="ctr"/>
+            <a:lstStyle/>
+            <a:p>
+              <a:pPr algn="ctr"/>
+              <a:r>
+                <a:rPr lang="en-US" altLang="zh-CN" sz="1200" dirty="0"/>
+                <a:t>Shell</a:t>
+              </a:r>
+              <a:endParaRPr lang="zh-CN" altLang="en-US" sz="1200" dirty="0"/>
+            </a:p>
+          </p:txBody>
+        </p:sp>
+        <p:sp>
+          <p:nvSpPr>
+            <p:cNvPr id="14" name="矩形 13">
+              <a:extLst>
+                <a:ext uri="{FF2B5EF4-FFF2-40B4-BE49-F238E27FC236}">
+                  <a16:creationId xmlns:a16="http://schemas.microsoft.com/office/drawing/2014/main" id="{25187D6C-4B08-4999-A5D0-347E7E150A0D}"/>
+                </a:ext>
+              </a:extLst>
+            </p:cNvPr>
+            <p:cNvSpPr/>
+            <p:nvPr/>
+          </p:nvSpPr>
+          <p:spPr>
+            <a:xfrm>
+              <a:off x="397566" y="4340609"/>
+              <a:ext cx="718264" cy="328509"/>
+            </a:xfrm>
+            <a:prstGeom prst="rect">
+              <a:avLst/>
+            </a:prstGeom>
+            <a:ln>
+              <a:noFill/>
+            </a:ln>
+          </p:spPr>
+          <p:style>
+            <a:lnRef idx="2">
+              <a:schemeClr val="dk1"/>
+            </a:lnRef>
+            <a:fillRef idx="1">
+              <a:schemeClr val="lt1"/>
+            </a:fillRef>
+            <a:effectRef idx="0">
+              <a:schemeClr val="dk1"/>
+            </a:effectRef>
+            <a:fontRef idx="minor">
+              <a:schemeClr val="dk1"/>
+            </a:fontRef>
+          </p:style>
+          <p:txBody>
+            <a:bodyPr rtlCol="0" anchor="ctr"/>
+            <a:lstStyle/>
+            <a:p>
+              <a:pPr algn="ctr"/>
+              <a:r>
+                <a:rPr lang="zh-CN" altLang="en-US" dirty="0"/>
+                <a:t>图例</a:t>
+              </a:r>
+              <a:r>
+                <a:rPr lang="en-US" altLang="zh-CN" dirty="0"/>
+                <a:t>:</a:t>
+              </a:r>
+              <a:endParaRPr lang="zh-CN" altLang="en-US" dirty="0"/>
+            </a:p>
+          </p:txBody>
+        </p:sp>
+        <p:sp>
+          <p:nvSpPr>
+            <p:cNvPr id="17" name="六边形 16">
+              <a:extLst>
+                <a:ext uri="{FF2B5EF4-FFF2-40B4-BE49-F238E27FC236}">
+                  <a16:creationId xmlns:a16="http://schemas.microsoft.com/office/drawing/2014/main" id="{8A56DFE1-E14E-4BF1-9C55-234458BC95A3}"/>
+                </a:ext>
+              </a:extLst>
+            </p:cNvPr>
+            <p:cNvSpPr/>
+            <p:nvPr/>
+          </p:nvSpPr>
+          <p:spPr>
+            <a:xfrm>
+              <a:off x="1658459" y="5123552"/>
+              <a:ext cx="846202" cy="711767"/>
+            </a:xfrm>
+            <a:prstGeom prst="hexagon">
+              <a:avLst/>
+            </a:prstGeom>
+          </p:spPr>
+          <p:style>
+            <a:lnRef idx="2">
+              <a:schemeClr val="accent4">
+                <a:shade val="50000"/>
+              </a:schemeClr>
+            </a:lnRef>
+            <a:fillRef idx="1">
+              <a:schemeClr val="accent4"/>
+            </a:fillRef>
+            <a:effectRef idx="0">
+              <a:schemeClr val="accent4"/>
+            </a:effectRef>
+            <a:fontRef idx="minor">
+              <a:schemeClr val="lt1"/>
+            </a:fontRef>
+          </p:style>
+          <p:txBody>
+            <a:bodyPr rtlCol="0" anchor="ctr"/>
+            <a:lstStyle/>
+            <a:p>
+              <a:pPr algn="ctr"/>
+              <a:r>
+                <a:rPr lang="en-US" altLang="zh-CN" sz="1200" dirty="0"/>
+                <a:t>DB</a:t>
+              </a:r>
+              <a:endParaRPr lang="zh-CN" altLang="en-US" sz="1200" dirty="0"/>
+            </a:p>
+          </p:txBody>
+        </p:sp>
+      </p:grpSp>
+      <p:grpSp>
+        <p:nvGrpSpPr>
+          <p:cNvPr id="2" name="组合 1">
+            <a:extLst>
+              <a:ext uri="{FF2B5EF4-FFF2-40B4-BE49-F238E27FC236}">
+                <a16:creationId xmlns:a16="http://schemas.microsoft.com/office/drawing/2014/main" id="{10471F1B-A683-49A8-B514-442FEABDDBC5}"/>
+              </a:ext>
+            </a:extLst>
+          </p:cNvPr>
+          <p:cNvGrpSpPr/>
+          <p:nvPr/>
+        </p:nvGrpSpPr>
+        <p:grpSpPr>
+          <a:xfrm>
+            <a:off x="1263103" y="1243309"/>
+            <a:ext cx="3846818" cy="2570558"/>
+            <a:chOff x="1409421" y="777664"/>
+            <a:chExt cx="4264598" cy="2849731"/>
+          </a:xfrm>
+        </p:grpSpPr>
+        <p:sp>
+          <p:nvSpPr>
+            <p:cNvPr id="6" name="六边形 5">
+              <a:extLst>
+                <a:ext uri="{FF2B5EF4-FFF2-40B4-BE49-F238E27FC236}">
+                  <a16:creationId xmlns:a16="http://schemas.microsoft.com/office/drawing/2014/main" id="{21B8DE38-2906-4E7D-852E-1284230FD782}"/>
+                </a:ext>
+              </a:extLst>
+            </p:cNvPr>
+            <p:cNvSpPr/>
+            <p:nvPr/>
+          </p:nvSpPr>
+          <p:spPr>
+            <a:xfrm>
+              <a:off x="4021176" y="1490097"/>
+              <a:ext cx="1652843" cy="1424865"/>
+            </a:xfrm>
+            <a:prstGeom prst="hexagon">
+              <a:avLst/>
+            </a:prstGeom>
+          </p:spPr>
+          <p:style>
+            <a:lnRef idx="0">
+              <a:schemeClr val="accent5"/>
+            </a:lnRef>
+            <a:fillRef idx="3">
+              <a:schemeClr val="accent5"/>
+            </a:fillRef>
+            <a:effectRef idx="3">
+              <a:schemeClr val="accent5"/>
+            </a:effectRef>
+            <a:fontRef idx="minor">
+              <a:schemeClr val="lt1"/>
+            </a:fontRef>
+          </p:style>
+          <p:txBody>
+            <a:bodyPr rtlCol="0" anchor="ctr"/>
+            <a:lstStyle/>
+            <a:p>
+              <a:pPr algn="ctr"/>
+              <a:r>
+                <a:rPr lang="zh-CN" altLang="en-US" sz="1400" dirty="0"/>
+                <a:t>容器监测</a:t>
+              </a:r>
+            </a:p>
+          </p:txBody>
+        </p:sp>
+        <p:sp>
+          <p:nvSpPr>
+            <p:cNvPr id="7" name="六边形 6">
+              <a:extLst>
+                <a:ext uri="{FF2B5EF4-FFF2-40B4-BE49-F238E27FC236}">
+                  <a16:creationId xmlns:a16="http://schemas.microsoft.com/office/drawing/2014/main" id="{F6EFA57E-22F1-4A35-9CDA-494FE99DECC8}"/>
+                </a:ext>
+              </a:extLst>
+            </p:cNvPr>
+            <p:cNvSpPr/>
+            <p:nvPr/>
+          </p:nvSpPr>
+          <p:spPr>
+            <a:xfrm>
+              <a:off x="2724549" y="777664"/>
+              <a:ext cx="1652843" cy="1424865"/>
+            </a:xfrm>
+            <a:prstGeom prst="hexagon">
+              <a:avLst/>
+            </a:prstGeom>
+          </p:spPr>
+          <p:style>
+            <a:lnRef idx="0">
+              <a:schemeClr val="accent5"/>
+            </a:lnRef>
+            <a:fillRef idx="3">
+              <a:schemeClr val="accent5"/>
+            </a:fillRef>
+            <a:effectRef idx="3">
+              <a:schemeClr val="accent5"/>
+            </a:effectRef>
+            <a:fontRef idx="minor">
+              <a:schemeClr val="lt1"/>
+            </a:fontRef>
+          </p:style>
+          <p:txBody>
+            <a:bodyPr rtlCol="0" anchor="ctr"/>
+            <a:lstStyle/>
+            <a:p>
+              <a:pPr algn="ctr"/>
+              <a:r>
+                <a:rPr lang="zh-CN" altLang="en-US" sz="1400" dirty="0"/>
+                <a:t>自动发布</a:t>
+              </a:r>
+            </a:p>
+          </p:txBody>
+        </p:sp>
+        <p:sp>
+          <p:nvSpPr>
+            <p:cNvPr id="19" name="六边形 18">
+              <a:extLst>
+                <a:ext uri="{FF2B5EF4-FFF2-40B4-BE49-F238E27FC236}">
+                  <a16:creationId xmlns:a16="http://schemas.microsoft.com/office/drawing/2014/main" id="{46F85DD2-2A60-4ECA-A05E-78884C7C1C2E}"/>
+                </a:ext>
+              </a:extLst>
+            </p:cNvPr>
+            <p:cNvSpPr/>
+            <p:nvPr/>
+          </p:nvSpPr>
+          <p:spPr>
+            <a:xfrm>
+              <a:off x="1409421" y="1490097"/>
+              <a:ext cx="1652843" cy="1424865"/>
+            </a:xfrm>
+            <a:prstGeom prst="hexagon">
+              <a:avLst/>
+            </a:prstGeom>
+          </p:spPr>
+          <p:style>
+            <a:lnRef idx="1">
+              <a:schemeClr val="dk1"/>
+            </a:lnRef>
+            <a:fillRef idx="3">
+              <a:schemeClr val="dk1"/>
+            </a:fillRef>
+            <a:effectRef idx="2">
+              <a:schemeClr val="dk1"/>
+            </a:effectRef>
+            <a:fontRef idx="minor">
+              <a:schemeClr val="lt1"/>
+            </a:fontRef>
+          </p:style>
+          <p:txBody>
+            <a:bodyPr rtlCol="0" anchor="ctr"/>
+            <a:lstStyle/>
+            <a:p>
+              <a:pPr algn="ctr"/>
+              <a:r>
+                <a:rPr lang="zh-CN" altLang="en-US" sz="1400" dirty="0"/>
+                <a:t>自动发布</a:t>
+              </a:r>
+              <a:endParaRPr lang="en-US" altLang="zh-CN" sz="1400" dirty="0"/>
+            </a:p>
+            <a:p>
+              <a:pPr algn="ctr"/>
+              <a:r>
+                <a:rPr lang="en-US" altLang="zh-CN" sz="1400" dirty="0"/>
+                <a:t>Shell</a:t>
+              </a:r>
+              <a:r>
+                <a:rPr lang="zh-CN" altLang="en-US" sz="1400" dirty="0"/>
+                <a:t>脚本</a:t>
+              </a:r>
+            </a:p>
+          </p:txBody>
+        </p:sp>
+        <p:sp>
+          <p:nvSpPr>
+            <p:cNvPr id="18" name="六边形 17">
+              <a:extLst>
+                <a:ext uri="{FF2B5EF4-FFF2-40B4-BE49-F238E27FC236}">
+                  <a16:creationId xmlns:a16="http://schemas.microsoft.com/office/drawing/2014/main" id="{E8C97EC5-B929-45A0-A5ED-EED13B790C94}"/>
+                </a:ext>
+              </a:extLst>
+            </p:cNvPr>
+            <p:cNvSpPr/>
+            <p:nvPr/>
+          </p:nvSpPr>
+          <p:spPr>
+            <a:xfrm>
+              <a:off x="2715299" y="2202530"/>
+              <a:ext cx="1652843" cy="1424865"/>
+            </a:xfrm>
+            <a:prstGeom prst="hexagon">
+              <a:avLst/>
+            </a:prstGeom>
+          </p:spPr>
+          <p:style>
+            <a:lnRef idx="1">
+              <a:schemeClr val="dk1"/>
+            </a:lnRef>
+            <a:fillRef idx="3">
+              <a:schemeClr val="dk1"/>
+            </a:fillRef>
+            <a:effectRef idx="2">
+              <a:schemeClr val="dk1"/>
+            </a:effectRef>
+            <a:fontRef idx="minor">
+              <a:schemeClr val="lt1"/>
+            </a:fontRef>
+          </p:style>
+          <p:txBody>
+            <a:bodyPr rtlCol="0" anchor="ctr"/>
+            <a:lstStyle/>
+            <a:p>
+              <a:pPr algn="ctr"/>
+              <a:r>
+                <a:rPr lang="en-US" altLang="zh-CN" sz="1400" dirty="0"/>
+                <a:t>Docker</a:t>
+              </a:r>
+            </a:p>
+            <a:p>
+              <a:pPr algn="ctr"/>
+              <a:r>
+                <a:rPr lang="en-US" altLang="zh-CN" sz="1400" dirty="0"/>
+                <a:t>API</a:t>
+              </a:r>
+              <a:endParaRPr lang="zh-CN" altLang="en-US" sz="1400" dirty="0"/>
+            </a:p>
+          </p:txBody>
+        </p:sp>
+      </p:grpSp>
+      <p:sp>
+        <p:nvSpPr>
+          <p:cNvPr id="10" name="箭头: 左右 9">
+            <a:extLst>
+              <a:ext uri="{FF2B5EF4-FFF2-40B4-BE49-F238E27FC236}">
+                <a16:creationId xmlns:a16="http://schemas.microsoft.com/office/drawing/2014/main" id="{BAEDEFCF-A2B2-465B-90E6-55698BC2C6D8}"/>
+              </a:ext>
+            </a:extLst>
+          </p:cNvPr>
+          <p:cNvSpPr/>
+          <p:nvPr/>
+        </p:nvSpPr>
+        <p:spPr>
+          <a:xfrm>
+            <a:off x="5032717" y="406147"/>
+            <a:ext cx="1018874" cy="450574"/>
+          </a:xfrm>
+          <a:prstGeom prst="leftRightArrow">
+            <a:avLst/>
+          </a:prstGeom>
+        </p:spPr>
+        <p:style>
+          <a:lnRef idx="1">
+            <a:schemeClr val="accent5"/>
+          </a:lnRef>
+          <a:fillRef idx="2">
+            <a:schemeClr val="accent5"/>
+          </a:fillRef>
+          <a:effectRef idx="1">
+            <a:schemeClr val="accent5"/>
+          </a:effectRef>
+          <a:fontRef idx="minor">
+            <a:schemeClr val="dk1"/>
+          </a:fontRef>
+        </p:style>
+        <p:txBody>
+          <a:bodyPr rtlCol="0" anchor="ctr"/>
+          <a:lstStyle/>
+          <a:p>
+            <a:pPr algn="ctr"/>
+            <a:endParaRPr lang="zh-CN" altLang="en-US" dirty="0"/>
+          </a:p>
+        </p:txBody>
+      </p:sp>
+      <p:sp>
+        <p:nvSpPr>
+          <p:cNvPr id="15" name="矩形: 圆角 14">
+            <a:extLst>
+              <a:ext uri="{FF2B5EF4-FFF2-40B4-BE49-F238E27FC236}">
+                <a16:creationId xmlns:a16="http://schemas.microsoft.com/office/drawing/2014/main" id="{21DC6FCD-C0C3-46D3-9D10-64681F53E991}"/>
+              </a:ext>
+            </a:extLst>
+          </p:cNvPr>
+          <p:cNvSpPr/>
+          <p:nvPr/>
+        </p:nvSpPr>
+        <p:spPr>
+          <a:xfrm>
+            <a:off x="2091714" y="390682"/>
+            <a:ext cx="1433177" cy="578425"/>
+          </a:xfrm>
+          <a:prstGeom prst="roundRect">
+            <a:avLst/>
+          </a:prstGeom>
+        </p:spPr>
+        <p:style>
+          <a:lnRef idx="2">
+            <a:schemeClr val="dk1"/>
+          </a:lnRef>
+          <a:fillRef idx="1">
+            <a:schemeClr val="lt1"/>
+          </a:fillRef>
+          <a:effectRef idx="0">
+            <a:schemeClr val="dk1"/>
+          </a:effectRef>
+          <a:fontRef idx="minor">
+            <a:schemeClr val="dk1"/>
+          </a:fontRef>
+        </p:style>
+        <p:txBody>
+          <a:bodyPr rtlCol="0" anchor="ctr"/>
+          <a:lstStyle/>
+          <a:p>
+            <a:pPr algn="ctr"/>
+            <a:r>
+              <a:rPr lang="zh-CN" altLang="en-US" dirty="0"/>
+              <a:t>客户端</a:t>
+            </a:r>
+          </a:p>
+        </p:txBody>
+      </p:sp>
+      <p:sp>
+        <p:nvSpPr>
+          <p:cNvPr id="30" name="矩形: 圆角 29">
+            <a:extLst>
+              <a:ext uri="{FF2B5EF4-FFF2-40B4-BE49-F238E27FC236}">
+                <a16:creationId xmlns:a16="http://schemas.microsoft.com/office/drawing/2014/main" id="{1BDD5442-BF2B-4A54-A374-B06C8304537D}"/>
+              </a:ext>
+            </a:extLst>
+          </p:cNvPr>
+          <p:cNvSpPr/>
+          <p:nvPr/>
+        </p:nvSpPr>
+        <p:spPr>
+          <a:xfrm>
+            <a:off x="7789429" y="406147"/>
+            <a:ext cx="1433177" cy="578425"/>
+          </a:xfrm>
+          <a:prstGeom prst="roundRect">
+            <a:avLst/>
+          </a:prstGeom>
+        </p:spPr>
+        <p:style>
+          <a:lnRef idx="2">
+            <a:schemeClr val="dk1"/>
+          </a:lnRef>
+          <a:fillRef idx="1">
+            <a:schemeClr val="lt1"/>
+          </a:fillRef>
+          <a:effectRef idx="0">
+            <a:schemeClr val="dk1"/>
+          </a:effectRef>
+          <a:fontRef idx="minor">
+            <a:schemeClr val="dk1"/>
+          </a:fontRef>
+        </p:style>
+        <p:txBody>
+          <a:bodyPr rtlCol="0" anchor="ctr"/>
+          <a:lstStyle/>
+          <a:p>
+            <a:pPr algn="ctr"/>
+            <a:r>
+              <a:rPr lang="zh-CN" altLang="en-US" dirty="0"/>
+              <a:t>中央控制端</a:t>
+            </a:r>
+          </a:p>
+        </p:txBody>
+      </p:sp>
+      <p:grpSp>
+        <p:nvGrpSpPr>
+          <p:cNvPr id="20" name="组合 19">
+            <a:extLst>
+              <a:ext uri="{FF2B5EF4-FFF2-40B4-BE49-F238E27FC236}">
+                <a16:creationId xmlns:a16="http://schemas.microsoft.com/office/drawing/2014/main" id="{396848C4-505B-4113-831A-236A839F273C}"/>
+              </a:ext>
+            </a:extLst>
+          </p:cNvPr>
+          <p:cNvGrpSpPr/>
+          <p:nvPr/>
+        </p:nvGrpSpPr>
+        <p:grpSpPr>
+          <a:xfrm>
+            <a:off x="6453273" y="1202469"/>
+            <a:ext cx="4983354" cy="5144461"/>
+            <a:chOff x="6453273" y="1202469"/>
+            <a:chExt cx="4983354" cy="5144461"/>
+          </a:xfrm>
+        </p:grpSpPr>
+        <p:sp>
+          <p:nvSpPr>
+            <p:cNvPr id="4" name="六边形 3">
+              <a:extLst>
+                <a:ext uri="{FF2B5EF4-FFF2-40B4-BE49-F238E27FC236}">
+                  <a16:creationId xmlns:a16="http://schemas.microsoft.com/office/drawing/2014/main" id="{767CCBDA-114B-487A-B6F1-5B924C716707}"/>
+                </a:ext>
+              </a:extLst>
+            </p:cNvPr>
+            <p:cNvSpPr/>
+            <p:nvPr/>
+          </p:nvSpPr>
+          <p:spPr>
+            <a:xfrm>
+              <a:off x="6454184" y="1202469"/>
+              <a:ext cx="1490923" cy="1285278"/>
+            </a:xfrm>
+            <a:prstGeom prst="hexagon">
+              <a:avLst/>
+            </a:prstGeom>
+          </p:spPr>
+          <p:style>
+            <a:lnRef idx="1">
+              <a:schemeClr val="accent6"/>
+            </a:lnRef>
+            <a:fillRef idx="2">
+              <a:schemeClr val="accent6"/>
+            </a:fillRef>
+            <a:effectRef idx="1">
+              <a:schemeClr val="accent6"/>
+            </a:effectRef>
+            <a:fontRef idx="minor">
+              <a:schemeClr val="dk1"/>
+            </a:fontRef>
+          </p:style>
+          <p:txBody>
+            <a:bodyPr rtlCol="0" anchor="ctr"/>
+            <a:lstStyle/>
+            <a:p>
+              <a:pPr algn="ctr"/>
+              <a:r>
+                <a:rPr lang="zh-CN" altLang="en-US" sz="1400" dirty="0"/>
+                <a:t>用户前端</a:t>
+              </a:r>
+            </a:p>
+          </p:txBody>
+        </p:sp>
+        <p:sp>
+          <p:nvSpPr>
+            <p:cNvPr id="5" name="六边形 4">
+              <a:extLst>
+                <a:ext uri="{FF2B5EF4-FFF2-40B4-BE49-F238E27FC236}">
+                  <a16:creationId xmlns:a16="http://schemas.microsoft.com/office/drawing/2014/main" id="{E1E9C886-3413-4984-A7B5-6C176C2AE7D6}"/>
+                </a:ext>
+              </a:extLst>
+            </p:cNvPr>
+            <p:cNvSpPr/>
+            <p:nvPr/>
+          </p:nvSpPr>
+          <p:spPr>
+            <a:xfrm>
+              <a:off x="7606498" y="1885949"/>
+              <a:ext cx="1490923" cy="1285278"/>
+            </a:xfrm>
+            <a:prstGeom prst="hexagon">
+              <a:avLst/>
+            </a:prstGeom>
+          </p:spPr>
+          <p:style>
+            <a:lnRef idx="1">
+              <a:schemeClr val="accent6"/>
+            </a:lnRef>
+            <a:fillRef idx="2">
+              <a:schemeClr val="accent6"/>
+            </a:fillRef>
+            <a:effectRef idx="1">
+              <a:schemeClr val="accent6"/>
+            </a:effectRef>
+            <a:fontRef idx="minor">
+              <a:schemeClr val="dk1"/>
+            </a:fontRef>
+          </p:style>
+          <p:txBody>
+            <a:bodyPr rtlCol="0" anchor="ctr"/>
+            <a:lstStyle/>
+            <a:p>
+              <a:pPr algn="ctr"/>
+              <a:r>
+                <a:rPr lang="zh-CN" altLang="en-US" sz="1400" dirty="0"/>
+                <a:t>运维前端</a:t>
+              </a:r>
+            </a:p>
+          </p:txBody>
+        </p:sp>
+        <p:sp>
+          <p:nvSpPr>
+            <p:cNvPr id="8" name="六边形 7">
+              <a:extLst>
+                <a:ext uri="{FF2B5EF4-FFF2-40B4-BE49-F238E27FC236}">
+                  <a16:creationId xmlns:a16="http://schemas.microsoft.com/office/drawing/2014/main" id="{0591B2AB-09E6-475A-BDD7-9F25F147065D}"/>
+                </a:ext>
+              </a:extLst>
+            </p:cNvPr>
+            <p:cNvSpPr/>
+            <p:nvPr/>
+          </p:nvSpPr>
+          <p:spPr>
+            <a:xfrm>
+              <a:off x="8776102" y="3773027"/>
+              <a:ext cx="1490923" cy="1285278"/>
+            </a:xfrm>
+            <a:prstGeom prst="hexagon">
+              <a:avLst/>
+            </a:prstGeom>
+          </p:spPr>
+          <p:style>
+            <a:lnRef idx="0">
+              <a:schemeClr val="accent5"/>
+            </a:lnRef>
+            <a:fillRef idx="3">
+              <a:schemeClr val="accent5"/>
+            </a:fillRef>
+            <a:effectRef idx="3">
+              <a:schemeClr val="accent5"/>
+            </a:effectRef>
+            <a:fontRef idx="minor">
+              <a:schemeClr val="lt1"/>
+            </a:fontRef>
+          </p:style>
+          <p:txBody>
+            <a:bodyPr rtlCol="0" anchor="ctr"/>
+            <a:lstStyle/>
+            <a:p>
+              <a:pPr algn="ctr"/>
+              <a:r>
+                <a:rPr lang="zh-CN" altLang="en-US" sz="1400" dirty="0"/>
+                <a:t>通知系统</a:t>
+              </a:r>
+            </a:p>
+          </p:txBody>
+        </p:sp>
+        <p:sp>
+          <p:nvSpPr>
+            <p:cNvPr id="9" name="六边形 8">
+              <a:extLst>
+                <a:ext uri="{FF2B5EF4-FFF2-40B4-BE49-F238E27FC236}">
+                  <a16:creationId xmlns:a16="http://schemas.microsoft.com/office/drawing/2014/main" id="{3F5CAD79-30BC-40C1-AE88-FCC5004AF5CC}"/>
+                </a:ext>
+              </a:extLst>
+            </p:cNvPr>
+            <p:cNvSpPr/>
+            <p:nvPr/>
+          </p:nvSpPr>
+          <p:spPr>
+            <a:xfrm>
+              <a:off x="9945704" y="4415665"/>
+              <a:ext cx="1490923" cy="1285278"/>
+            </a:xfrm>
+            <a:prstGeom prst="hexagon">
+              <a:avLst/>
+            </a:prstGeom>
+            <a:ln>
+              <a:noFill/>
+            </a:ln>
+          </p:spPr>
+          <p:style>
+            <a:lnRef idx="0">
+              <a:schemeClr val="accent5"/>
+            </a:lnRef>
+            <a:fillRef idx="3">
+              <a:schemeClr val="accent5"/>
+            </a:fillRef>
+            <a:effectRef idx="3">
+              <a:schemeClr val="accent5"/>
+            </a:effectRef>
+            <a:fontRef idx="minor">
+              <a:schemeClr val="lt1"/>
+            </a:fontRef>
+          </p:style>
+          <p:txBody>
+            <a:bodyPr rtlCol="0" anchor="ctr"/>
+            <a:lstStyle/>
+            <a:p>
+              <a:pPr algn="ctr"/>
+              <a:r>
+                <a:rPr lang="zh-CN" altLang="en-US" sz="1400" dirty="0"/>
+                <a:t>消息网关</a:t>
+              </a:r>
+            </a:p>
+          </p:txBody>
+        </p:sp>
+        <p:sp>
+          <p:nvSpPr>
+            <p:cNvPr id="16" name="六边形 15">
+              <a:extLst>
+                <a:ext uri="{FF2B5EF4-FFF2-40B4-BE49-F238E27FC236}">
+                  <a16:creationId xmlns:a16="http://schemas.microsoft.com/office/drawing/2014/main" id="{E5E91220-B45F-4891-A6CF-33363FD17DD2}"/>
+                </a:ext>
+              </a:extLst>
+            </p:cNvPr>
+            <p:cNvSpPr/>
+            <p:nvPr/>
+          </p:nvSpPr>
+          <p:spPr>
+            <a:xfrm>
+              <a:off x="7606499" y="4415665"/>
+              <a:ext cx="1490923" cy="1285278"/>
+            </a:xfrm>
+            <a:prstGeom prst="hexagon">
+              <a:avLst/>
+            </a:prstGeom>
+          </p:spPr>
+          <p:style>
+            <a:lnRef idx="0">
+              <a:schemeClr val="accent5"/>
+            </a:lnRef>
+            <a:fillRef idx="3">
+              <a:schemeClr val="accent5"/>
+            </a:fillRef>
+            <a:effectRef idx="3">
+              <a:schemeClr val="accent5"/>
+            </a:effectRef>
+            <a:fontRef idx="minor">
+              <a:schemeClr val="lt1"/>
+            </a:fontRef>
+          </p:style>
+          <p:txBody>
+            <a:bodyPr rtlCol="0" anchor="ctr"/>
+            <a:lstStyle/>
+            <a:p>
+              <a:pPr algn="ctr"/>
+              <a:r>
+                <a:rPr lang="zh-CN" altLang="en-US" sz="1400" dirty="0"/>
+                <a:t>日志管理</a:t>
+              </a:r>
+            </a:p>
+          </p:txBody>
+        </p:sp>
+        <p:sp>
+          <p:nvSpPr>
+            <p:cNvPr id="27" name="六边形 26">
+              <a:extLst>
+                <a:ext uri="{FF2B5EF4-FFF2-40B4-BE49-F238E27FC236}">
+                  <a16:creationId xmlns:a16="http://schemas.microsoft.com/office/drawing/2014/main" id="{28567270-ED9E-49EA-B6EC-370452E6F0D6}"/>
+                </a:ext>
+              </a:extLst>
+            </p:cNvPr>
+            <p:cNvSpPr/>
+            <p:nvPr/>
+          </p:nvSpPr>
+          <p:spPr>
+            <a:xfrm>
+              <a:off x="6454185" y="2487747"/>
+              <a:ext cx="1490923" cy="1285278"/>
+            </a:xfrm>
+            <a:prstGeom prst="hexagon">
+              <a:avLst/>
+            </a:prstGeom>
+          </p:spPr>
+          <p:style>
+            <a:lnRef idx="0">
+              <a:schemeClr val="accent5"/>
+            </a:lnRef>
+            <a:fillRef idx="3">
+              <a:schemeClr val="accent5"/>
+            </a:fillRef>
+            <a:effectRef idx="3">
+              <a:schemeClr val="accent5"/>
+            </a:effectRef>
+            <a:fontRef idx="minor">
+              <a:schemeClr val="lt1"/>
+            </a:fontRef>
+          </p:style>
+          <p:txBody>
+            <a:bodyPr rtlCol="0" anchor="ctr"/>
+            <a:lstStyle/>
+            <a:p>
+              <a:pPr algn="ctr"/>
+              <a:r>
+                <a:rPr lang="zh-CN" altLang="en-US" sz="1400" dirty="0"/>
+                <a:t>中央控制</a:t>
+              </a:r>
+            </a:p>
+          </p:txBody>
+        </p:sp>
+        <p:sp>
+          <p:nvSpPr>
+            <p:cNvPr id="28" name="六边形 27">
+              <a:extLst>
+                <a:ext uri="{FF2B5EF4-FFF2-40B4-BE49-F238E27FC236}">
+                  <a16:creationId xmlns:a16="http://schemas.microsoft.com/office/drawing/2014/main" id="{61197671-FD1D-4C78-8ABE-D4EE5A9C1B38}"/>
+                </a:ext>
+              </a:extLst>
+            </p:cNvPr>
+            <p:cNvSpPr/>
+            <p:nvPr/>
+          </p:nvSpPr>
+          <p:spPr>
+            <a:xfrm>
+              <a:off x="7623787" y="3130385"/>
+              <a:ext cx="1490923" cy="1285278"/>
+            </a:xfrm>
+            <a:prstGeom prst="hexagon">
+              <a:avLst/>
+            </a:prstGeom>
+          </p:spPr>
+          <p:style>
+            <a:lnRef idx="0">
+              <a:schemeClr val="accent5"/>
+            </a:lnRef>
+            <a:fillRef idx="3">
+              <a:schemeClr val="accent5"/>
+            </a:fillRef>
+            <a:effectRef idx="3">
+              <a:schemeClr val="accent5"/>
+            </a:effectRef>
+            <a:fontRef idx="minor">
+              <a:schemeClr val="lt1"/>
+            </a:fontRef>
+          </p:style>
+          <p:txBody>
+            <a:bodyPr rtlCol="0" anchor="ctr"/>
+            <a:lstStyle/>
+            <a:p>
+              <a:pPr algn="ctr"/>
+              <a:r>
+                <a:rPr lang="zh-CN" altLang="en-US" sz="1400" dirty="0"/>
+                <a:t>产品管理</a:t>
+              </a:r>
+            </a:p>
+          </p:txBody>
+        </p:sp>
+        <p:sp>
+          <p:nvSpPr>
+            <p:cNvPr id="29" name="六边形 28">
+              <a:extLst>
+                <a:ext uri="{FF2B5EF4-FFF2-40B4-BE49-F238E27FC236}">
+                  <a16:creationId xmlns:a16="http://schemas.microsoft.com/office/drawing/2014/main" id="{D702E64B-DD2A-4922-96DE-1017A898EC4D}"/>
+                </a:ext>
+              </a:extLst>
+            </p:cNvPr>
+            <p:cNvSpPr/>
+            <p:nvPr/>
+          </p:nvSpPr>
+          <p:spPr>
+            <a:xfrm>
+              <a:off x="6453273" y="3761069"/>
+              <a:ext cx="1490923" cy="1285278"/>
+            </a:xfrm>
+            <a:prstGeom prst="hexagon">
+              <a:avLst/>
+            </a:prstGeom>
+          </p:spPr>
+          <p:style>
+            <a:lnRef idx="0">
+              <a:schemeClr val="accent5"/>
+            </a:lnRef>
+            <a:fillRef idx="3">
+              <a:schemeClr val="accent5"/>
+            </a:fillRef>
+            <a:effectRef idx="3">
+              <a:schemeClr val="accent5"/>
+            </a:effectRef>
+            <a:fontRef idx="minor">
+              <a:schemeClr val="lt1"/>
+            </a:fontRef>
+          </p:style>
+          <p:txBody>
+            <a:bodyPr rtlCol="0" anchor="ctr"/>
+            <a:lstStyle/>
+            <a:p>
+              <a:pPr algn="ctr"/>
+              <a:r>
+                <a:rPr lang="zh-CN" altLang="en-US" sz="1400" dirty="0"/>
+                <a:t>负载均衡</a:t>
+              </a:r>
+            </a:p>
+          </p:txBody>
+        </p:sp>
+        <p:sp>
+          <p:nvSpPr>
+            <p:cNvPr id="31" name="六边形 30">
+              <a:extLst>
+                <a:ext uri="{FF2B5EF4-FFF2-40B4-BE49-F238E27FC236}">
+                  <a16:creationId xmlns:a16="http://schemas.microsoft.com/office/drawing/2014/main" id="{CF178045-0D61-4A56-A668-CAA4445ECE7E}"/>
+                </a:ext>
+              </a:extLst>
+            </p:cNvPr>
+            <p:cNvSpPr/>
+            <p:nvPr/>
+          </p:nvSpPr>
+          <p:spPr>
+            <a:xfrm>
+              <a:off x="6454184" y="5053116"/>
+              <a:ext cx="1490923" cy="1285278"/>
+            </a:xfrm>
+            <a:prstGeom prst="hexagon">
+              <a:avLst/>
+            </a:prstGeom>
+          </p:spPr>
+          <p:style>
+            <a:lnRef idx="0">
+              <a:schemeClr val="accent4"/>
+            </a:lnRef>
+            <a:fillRef idx="3">
+              <a:schemeClr val="accent4"/>
+            </a:fillRef>
+            <a:effectRef idx="3">
+              <a:schemeClr val="accent4"/>
+            </a:effectRef>
+            <a:fontRef idx="minor">
+              <a:schemeClr val="lt1"/>
+            </a:fontRef>
+          </p:style>
+          <p:txBody>
+            <a:bodyPr rtlCol="0" anchor="ctr"/>
+            <a:lstStyle/>
+            <a:p>
+              <a:pPr algn="ctr"/>
+              <a:r>
+                <a:rPr lang="en-US" altLang="zh-CN" sz="1400" dirty="0" err="1"/>
+                <a:t>MySql</a:t>
+              </a:r>
+              <a:endParaRPr lang="zh-CN" altLang="en-US" sz="1400" dirty="0"/>
+            </a:p>
+          </p:txBody>
+        </p:sp>
+        <p:sp>
+          <p:nvSpPr>
+            <p:cNvPr id="43" name="六边形 42">
+              <a:extLst>
+                <a:ext uri="{FF2B5EF4-FFF2-40B4-BE49-F238E27FC236}">
+                  <a16:creationId xmlns:a16="http://schemas.microsoft.com/office/drawing/2014/main" id="{9C0AD4D6-6C07-47C6-90F1-A63EC26BF443}"/>
+                </a:ext>
+              </a:extLst>
+            </p:cNvPr>
+            <p:cNvSpPr/>
+            <p:nvPr/>
+          </p:nvSpPr>
+          <p:spPr>
+            <a:xfrm>
+              <a:off x="8784746" y="5061652"/>
+              <a:ext cx="1490923" cy="1285278"/>
+            </a:xfrm>
+            <a:prstGeom prst="hexagon">
+              <a:avLst/>
+            </a:prstGeom>
+          </p:spPr>
+          <p:style>
+            <a:lnRef idx="0">
+              <a:schemeClr val="accent4"/>
+            </a:lnRef>
+            <a:fillRef idx="3">
+              <a:schemeClr val="accent4"/>
+            </a:fillRef>
+            <a:effectRef idx="3">
+              <a:schemeClr val="accent4"/>
+            </a:effectRef>
+            <a:fontRef idx="minor">
+              <a:schemeClr val="lt1"/>
+            </a:fontRef>
+          </p:style>
+          <p:txBody>
+            <a:bodyPr rtlCol="0" anchor="ctr"/>
+            <a:lstStyle/>
+            <a:p>
+              <a:pPr algn="ctr"/>
+              <a:r>
+                <a:rPr lang="en-US" altLang="zh-CN" sz="1400" dirty="0" err="1"/>
+                <a:t>ActiveMQ</a:t>
+              </a:r>
+              <a:endParaRPr lang="zh-CN" altLang="en-US" sz="1400" dirty="0"/>
+            </a:p>
+          </p:txBody>
+        </p:sp>
+        <p:sp>
+          <p:nvSpPr>
+            <p:cNvPr id="32" name="六边形 31">
+              <a:extLst>
+                <a:ext uri="{FF2B5EF4-FFF2-40B4-BE49-F238E27FC236}">
+                  <a16:creationId xmlns:a16="http://schemas.microsoft.com/office/drawing/2014/main" id="{9ECB004A-7CDC-45FD-8BAE-B0C8E11F14E2}"/>
+                </a:ext>
+              </a:extLst>
+            </p:cNvPr>
+            <p:cNvSpPr/>
+            <p:nvPr/>
+          </p:nvSpPr>
+          <p:spPr>
+            <a:xfrm>
+              <a:off x="8793389" y="2485381"/>
+              <a:ext cx="1490923" cy="1285278"/>
+            </a:xfrm>
+            <a:prstGeom prst="hexagon">
+              <a:avLst/>
+            </a:prstGeom>
+          </p:spPr>
+          <p:style>
+            <a:lnRef idx="0">
+              <a:schemeClr val="accent5"/>
+            </a:lnRef>
+            <a:fillRef idx="3">
+              <a:schemeClr val="accent5"/>
+            </a:fillRef>
+            <a:effectRef idx="3">
+              <a:schemeClr val="accent5"/>
+            </a:effectRef>
+            <a:fontRef idx="minor">
+              <a:schemeClr val="lt1"/>
+            </a:fontRef>
+          </p:style>
+          <p:txBody>
+            <a:bodyPr rtlCol="0" anchor="ctr"/>
+            <a:lstStyle/>
+            <a:p>
+              <a:pPr algn="ctr"/>
+              <a:r>
+                <a:rPr lang="zh-CN" altLang="en-US" sz="1400" dirty="0"/>
+                <a:t>订单管理</a:t>
+              </a:r>
+            </a:p>
+          </p:txBody>
+        </p:sp>
+      </p:grpSp>
+      <p:pic>
+        <p:nvPicPr>
+          <p:cNvPr id="1026" name="Picture 2" descr="https://ss1.bdstatic.com/70cFuXSh_Q1YnxGkpoWK1HF6hhy/it/u=114381753,3028297784&amp;fm=27&amp;gp=0.jpg">
+            <a:extLst>
+              <a:ext uri="{FF2B5EF4-FFF2-40B4-BE49-F238E27FC236}">
+                <a16:creationId xmlns:a16="http://schemas.microsoft.com/office/drawing/2014/main" id="{440A705E-C7A9-4287-9865-62BD62C43D8F}"/>
+              </a:ext>
+            </a:extLst>
+          </p:cNvPr>
+          <p:cNvPicPr>
+            <a:picLocks noChangeAspect="1" noChangeArrowheads="1"/>
+          </p:cNvPicPr>
+          <p:nvPr/>
+        </p:nvPicPr>
+        <p:blipFill>
+          <a:blip r:embed="rId2">
+            <a:extLst>
+              <a:ext uri="{BEBA8EAE-BF5A-486C-A8C5-ECC9F3942E4B}">
+                <a14:imgProps xmlns:a14="http://schemas.microsoft.com/office/drawing/2010/main">
+                  <a14:imgLayer r:embed="rId3">
+                    <a14:imgEffect>
+                      <a14:backgroundRemoval t="10000" b="90000" l="10000" r="90000">
+                        <a14:backgroundMark x1="18699" y1="60976" x2="18699" y2="60976"/>
+                        <a14:backgroundMark x1="22764" y1="49187" x2="22764" y2="31707"/>
+                        <a14:backgroundMark x1="26423" y1="25610" x2="26423" y2="25610"/>
+                      </a14:backgroundRemoval>
+                    </a14:imgEffect>
+                  </a14:imgLayer>
+                </a14:imgProps>
+              </a:ext>
+              <a:ext uri="{28A0092B-C50C-407E-A947-70E740481C1C}">
+                <a14:useLocalDpi xmlns:a14="http://schemas.microsoft.com/office/drawing/2010/main" val="0"/>
+              </a:ext>
+            </a:extLst>
+          </a:blip>
+          <a:srcRect/>
+          <a:stretch>
+            <a:fillRect/>
+          </a:stretch>
+        </p:blipFill>
+        <p:spPr bwMode="auto">
+          <a:xfrm>
+            <a:off x="9250140" y="4077830"/>
+            <a:ext cx="525558" cy="525558"/>
+          </a:xfrm>
+          <a:prstGeom prst="rect">
+            <a:avLst/>
+          </a:prstGeom>
+          <a:noFill/>
+          <a:extLst>
+            <a:ext uri="{909E8E84-426E-40DD-AFC4-6F175D3DCCD1}">
+              <a14:hiddenFill xmlns:a14="http://schemas.microsoft.com/office/drawing/2010/main">
+                <a:solidFill>
+                  <a:srgbClr val="FFFFFF"/>
+                </a:solidFill>
+              </a14:hiddenFill>
+            </a:ext>
+          </a:extLst>
+        </p:spPr>
+      </p:pic>
+      <p:pic>
+        <p:nvPicPr>
+          <p:cNvPr id="33" name="Picture 2" descr="https://ss1.bdstatic.com/70cFuXSh_Q1YnxGkpoWK1HF6hhy/it/u=114381753,3028297784&amp;fm=27&amp;gp=0.jpg">
+            <a:extLst>
+              <a:ext uri="{FF2B5EF4-FFF2-40B4-BE49-F238E27FC236}">
+                <a16:creationId xmlns:a16="http://schemas.microsoft.com/office/drawing/2014/main" id="{E567F40B-B685-44ED-8603-89F25FA2FA89}"/>
+              </a:ext>
+            </a:extLst>
+          </p:cNvPr>
+          <p:cNvPicPr>
+            <a:picLocks noChangeAspect="1" noChangeArrowheads="1"/>
+          </p:cNvPicPr>
+          <p:nvPr/>
+        </p:nvPicPr>
+        <p:blipFill>
+          <a:blip r:embed="rId4">
+            <a:extLst>
+              <a:ext uri="{BEBA8EAE-BF5A-486C-A8C5-ECC9F3942E4B}">
+                <a14:imgProps xmlns:a14="http://schemas.microsoft.com/office/drawing/2010/main">
+                  <a14:imgLayer r:embed="rId3">
+                    <a14:imgEffect>
+                      <a14:backgroundRemoval t="10000" b="90000" l="10000" r="90000">
+                        <a14:backgroundMark x1="18699" y1="60976" x2="18699" y2="60976"/>
+                        <a14:backgroundMark x1="22764" y1="49187" x2="22764" y2="31707"/>
+                        <a14:backgroundMark x1="26423" y1="25610" x2="26423" y2="25610"/>
+                      </a14:backgroundRemoval>
+                    </a14:imgEffect>
+                  </a14:imgLayer>
+                </a14:imgProps>
+              </a:ext>
+              <a:ext uri="{28A0092B-C50C-407E-A947-70E740481C1C}">
+                <a14:useLocalDpi xmlns:a14="http://schemas.microsoft.com/office/drawing/2010/main" val="0"/>
+              </a:ext>
+            </a:extLst>
+          </a:blip>
+          <a:srcRect/>
+          <a:stretch>
+            <a:fillRect/>
+          </a:stretch>
+        </p:blipFill>
+        <p:spPr bwMode="auto">
+          <a:xfrm>
+            <a:off x="10485249" y="4520789"/>
+            <a:ext cx="525558" cy="525558"/>
+          </a:xfrm>
+          <a:prstGeom prst="rect">
+            <a:avLst/>
+          </a:prstGeom>
+          <a:noFill/>
+          <a:extLst>
+            <a:ext uri="{909E8E84-426E-40DD-AFC4-6F175D3DCCD1}">
+              <a14:hiddenFill xmlns:a14="http://schemas.microsoft.com/office/drawing/2010/main">
+                <a:solidFill>
+                  <a:srgbClr val="FFFFFF"/>
+                </a:solidFill>
+              </a14:hiddenFill>
+            </a:ext>
+          </a:extLst>
+        </p:spPr>
+      </p:pic>
+      <p:pic>
+        <p:nvPicPr>
+          <p:cNvPr id="34" name="Picture 2" descr="https://ss1.bdstatic.com/70cFuXSh_Q1YnxGkpoWK1HF6hhy/it/u=114381753,3028297784&amp;fm=27&amp;gp=0.jpg">
+            <a:extLst>
+              <a:ext uri="{FF2B5EF4-FFF2-40B4-BE49-F238E27FC236}">
+                <a16:creationId xmlns:a16="http://schemas.microsoft.com/office/drawing/2014/main" id="{2B0C6090-110A-48D0-BF6A-112F0D11AF1D}"/>
+              </a:ext>
+            </a:extLst>
+          </p:cNvPr>
+          <p:cNvPicPr>
+            <a:picLocks noChangeAspect="1" noChangeArrowheads="1"/>
+          </p:cNvPicPr>
+          <p:nvPr/>
+        </p:nvPicPr>
+        <p:blipFill>
+          <a:blip r:embed="rId4">
+            <a:extLst>
+              <a:ext uri="{BEBA8EAE-BF5A-486C-A8C5-ECC9F3942E4B}">
+                <a14:imgProps xmlns:a14="http://schemas.microsoft.com/office/drawing/2010/main">
+                  <a14:imgLayer r:embed="rId3">
+                    <a14:imgEffect>
+                      <a14:backgroundRemoval t="10000" b="90000" l="10000" r="90000">
+                        <a14:backgroundMark x1="18699" y1="60976" x2="18699" y2="60976"/>
+                        <a14:backgroundMark x1="22764" y1="49187" x2="22764" y2="31707"/>
+                        <a14:backgroundMark x1="26423" y1="25610" x2="26423" y2="25610"/>
+                      </a14:backgroundRemoval>
+                    </a14:imgEffect>
+                  </a14:imgLayer>
+                </a14:imgProps>
+              </a:ext>
+              <a:ext uri="{28A0092B-C50C-407E-A947-70E740481C1C}">
+                <a14:useLocalDpi xmlns:a14="http://schemas.microsoft.com/office/drawing/2010/main" val="0"/>
+              </a:ext>
+            </a:extLst>
+          </a:blip>
+          <a:srcRect/>
+          <a:stretch>
+            <a:fillRect/>
+          </a:stretch>
+        </p:blipFill>
+        <p:spPr bwMode="auto">
+          <a:xfrm>
+            <a:off x="6935955" y="1345281"/>
+            <a:ext cx="525558" cy="525558"/>
+          </a:xfrm>
+          <a:prstGeom prst="rect">
+            <a:avLst/>
+          </a:prstGeom>
+          <a:noFill/>
+          <a:extLst>
+            <a:ext uri="{909E8E84-426E-40DD-AFC4-6F175D3DCCD1}">
+              <a14:hiddenFill xmlns:a14="http://schemas.microsoft.com/office/drawing/2010/main">
+                <a:solidFill>
+                  <a:srgbClr val="FFFFFF"/>
+                </a:solidFill>
+              </a14:hiddenFill>
+            </a:ext>
+          </a:extLst>
+        </p:spPr>
+      </p:pic>
+      <p:pic>
+        <p:nvPicPr>
+          <p:cNvPr id="35" name="Picture 2" descr="https://ss1.bdstatic.com/70cFuXSh_Q1YnxGkpoWK1HF6hhy/it/u=114381753,3028297784&amp;fm=27&amp;gp=0.jpg">
+            <a:extLst>
+              <a:ext uri="{FF2B5EF4-FFF2-40B4-BE49-F238E27FC236}">
+                <a16:creationId xmlns:a16="http://schemas.microsoft.com/office/drawing/2014/main" id="{9EB95F33-0A27-42E4-AE2B-AA1EC4E70492}"/>
+              </a:ext>
+            </a:extLst>
+          </p:cNvPr>
+          <p:cNvPicPr>
+            <a:picLocks noChangeAspect="1" noChangeArrowheads="1"/>
+          </p:cNvPicPr>
+          <p:nvPr/>
+        </p:nvPicPr>
+        <p:blipFill>
+          <a:blip r:embed="rId4">
+            <a:extLst>
+              <a:ext uri="{BEBA8EAE-BF5A-486C-A8C5-ECC9F3942E4B}">
+                <a14:imgProps xmlns:a14="http://schemas.microsoft.com/office/drawing/2010/main">
+                  <a14:imgLayer r:embed="rId3">
+                    <a14:imgEffect>
+                      <a14:backgroundRemoval t="10000" b="90000" l="10000" r="90000">
+                        <a14:backgroundMark x1="18699" y1="60976" x2="18699" y2="60976"/>
+                        <a14:backgroundMark x1="22764" y1="49187" x2="22764" y2="31707"/>
+                        <a14:backgroundMark x1="26423" y1="25610" x2="26423" y2="25610"/>
+                      </a14:backgroundRemoval>
+                    </a14:imgEffect>
+                  </a14:imgLayer>
+                </a14:imgProps>
+              </a:ext>
+              <a:ext uri="{28A0092B-C50C-407E-A947-70E740481C1C}">
+                <a14:useLocalDpi xmlns:a14="http://schemas.microsoft.com/office/drawing/2010/main" val="0"/>
+              </a:ext>
+            </a:extLst>
+          </a:blip>
+          <a:srcRect/>
+          <a:stretch>
+            <a:fillRect/>
+          </a:stretch>
+        </p:blipFill>
+        <p:spPr bwMode="auto">
+          <a:xfrm>
+            <a:off x="8109273" y="1942420"/>
+            <a:ext cx="525558" cy="525558"/>
+          </a:xfrm>
+          <a:prstGeom prst="rect">
+            <a:avLst/>
+          </a:prstGeom>
+          <a:noFill/>
+          <a:extLst>
+            <a:ext uri="{909E8E84-426E-40DD-AFC4-6F175D3DCCD1}">
+              <a14:hiddenFill xmlns:a14="http://schemas.microsoft.com/office/drawing/2010/main">
+                <a:solidFill>
+                  <a:srgbClr val="FFFFFF"/>
+                </a:solidFill>
+              </a14:hiddenFill>
+            </a:ext>
+          </a:extLst>
+        </p:spPr>
+      </p:pic>
+      <p:pic>
+        <p:nvPicPr>
+          <p:cNvPr id="36" name="Picture 2" descr="https://ss1.bdstatic.com/70cFuXSh_Q1YnxGkpoWK1HF6hhy/it/u=114381753,3028297784&amp;fm=27&amp;gp=0.jpg">
+            <a:extLst>
+              <a:ext uri="{FF2B5EF4-FFF2-40B4-BE49-F238E27FC236}">
+                <a16:creationId xmlns:a16="http://schemas.microsoft.com/office/drawing/2014/main" id="{3B7B53B5-7D94-43E1-BAC2-87926A031C90}"/>
+              </a:ext>
+            </a:extLst>
+          </p:cNvPr>
+          <p:cNvPicPr>
+            <a:picLocks noChangeAspect="1" noChangeArrowheads="1"/>
+          </p:cNvPicPr>
+          <p:nvPr/>
+        </p:nvPicPr>
+        <p:blipFill>
+          <a:blip r:embed="rId4">
+            <a:extLst>
+              <a:ext uri="{BEBA8EAE-BF5A-486C-A8C5-ECC9F3942E4B}">
+                <a14:imgProps xmlns:a14="http://schemas.microsoft.com/office/drawing/2010/main">
+                  <a14:imgLayer r:embed="rId3">
+                    <a14:imgEffect>
+                      <a14:backgroundRemoval t="10000" b="90000" l="10000" r="90000">
+                        <a14:backgroundMark x1="18699" y1="60976" x2="18699" y2="60976"/>
+                        <a14:backgroundMark x1="22764" y1="49187" x2="22764" y2="31707"/>
+                        <a14:backgroundMark x1="26423" y1="25610" x2="26423" y2="25610"/>
+                      </a14:backgroundRemoval>
+                    </a14:imgEffect>
+                  </a14:imgLayer>
+                </a14:imgProps>
+              </a:ext>
+              <a:ext uri="{28A0092B-C50C-407E-A947-70E740481C1C}">
+                <a14:useLocalDpi xmlns:a14="http://schemas.microsoft.com/office/drawing/2010/main" val="0"/>
+              </a:ext>
+            </a:extLst>
+          </a:blip>
+          <a:srcRect/>
+          <a:stretch>
+            <a:fillRect/>
+          </a:stretch>
+        </p:blipFill>
+        <p:spPr bwMode="auto">
+          <a:xfrm>
+            <a:off x="9378169" y="2661697"/>
+            <a:ext cx="525558" cy="525558"/>
+          </a:xfrm>
+          <a:prstGeom prst="rect">
+            <a:avLst/>
+          </a:prstGeom>
+          <a:noFill/>
+          <a:extLst>
+            <a:ext uri="{909E8E84-426E-40DD-AFC4-6F175D3DCCD1}">
+              <a14:hiddenFill xmlns:a14="http://schemas.microsoft.com/office/drawing/2010/main">
+                <a:solidFill>
+                  <a:srgbClr val="FFFFFF"/>
+                </a:solidFill>
+              </a14:hiddenFill>
+            </a:ext>
+          </a:extLst>
+        </p:spPr>
+      </p:pic>
+    </p:spTree>
+    <p:extLst>
+      <p:ext uri="{BB962C8B-B14F-4D97-AF65-F5344CB8AC3E}">
+        <p14:creationId xmlns:p14="http://schemas.microsoft.com/office/powerpoint/2010/main" val="1286021944"/>
+      </p:ext>
+    </p:extLst>
+  </p:cSld>
+  <p:clrMapOvr>
+    <a:masterClrMapping/>
+  </p:clrMapOvr>
+</p:sld>
+</file>
+
+<file path=ppt/slides/slide6.xml><?xml version="1.0" encoding="utf-8"?>
+<p:sld xmlns:a="http://schemas.openxmlformats.org/drawingml/2006/main" xmlns:r="http://schemas.openxmlformats.org/officeDocument/2006/relationships" xmlns:p="http://schemas.openxmlformats.org/presentationml/2006/main">
+  <p:cSld>
+    <p:spTree>
+      <p:nvGrpSpPr>
+        <p:cNvPr id="1" name=""/>
+        <p:cNvGrpSpPr/>
+        <p:nvPr/>
+      </p:nvGrpSpPr>
+      <p:grpSpPr>
+        <a:xfrm>
+          <a:off x="0" y="0"/>
+          <a:ext cx="0" cy="0"/>
+          <a:chOff x="0" y="0"/>
+          <a:chExt cx="0" cy="0"/>
+        </a:xfrm>
+      </p:grpSpPr>
+      <p:grpSp>
+        <p:nvGrpSpPr>
+          <p:cNvPr id="21" name="组合 20">
+            <a:extLst>
+              <a:ext uri="{FF2B5EF4-FFF2-40B4-BE49-F238E27FC236}">
+                <a16:creationId xmlns:a16="http://schemas.microsoft.com/office/drawing/2014/main" id="{29585356-F217-49A2-A7BE-F5D75B222E29}"/>
+              </a:ext>
+            </a:extLst>
+          </p:cNvPr>
+          <p:cNvGrpSpPr/>
+          <p:nvPr/>
+        </p:nvGrpSpPr>
+        <p:grpSpPr>
+          <a:xfrm>
+            <a:off x="397566" y="4340609"/>
+            <a:ext cx="2107095" cy="2206476"/>
+            <a:chOff x="397566" y="4340609"/>
+            <a:chExt cx="2107095" cy="2206476"/>
+          </a:xfrm>
+        </p:grpSpPr>
+        <p:sp>
+          <p:nvSpPr>
+            <p:cNvPr id="11" name="六边形 10">
+              <a:extLst>
+                <a:ext uri="{FF2B5EF4-FFF2-40B4-BE49-F238E27FC236}">
+                  <a16:creationId xmlns:a16="http://schemas.microsoft.com/office/drawing/2014/main" id="{991F4DA1-2B76-49D6-9F0B-27F016C9FD0B}"/>
+                </a:ext>
+              </a:extLst>
+            </p:cNvPr>
+            <p:cNvSpPr/>
+            <p:nvPr/>
+          </p:nvSpPr>
+          <p:spPr>
+            <a:xfrm>
+              <a:off x="986320" y="4767668"/>
+              <a:ext cx="846202" cy="711767"/>
+            </a:xfrm>
+            <a:prstGeom prst="hexagon">
+              <a:avLst/>
+            </a:prstGeom>
+          </p:spPr>
+          <p:style>
+            <a:lnRef idx="1">
+              <a:schemeClr val="accent6"/>
+            </a:lnRef>
+            <a:fillRef idx="2">
+              <a:schemeClr val="accent6"/>
+            </a:fillRef>
+            <a:effectRef idx="1">
+              <a:schemeClr val="accent6"/>
+            </a:effectRef>
+            <a:fontRef idx="minor">
+              <a:schemeClr val="dk1"/>
+            </a:fontRef>
+          </p:style>
+          <p:txBody>
+            <a:bodyPr rtlCol="0" anchor="ctr"/>
+            <a:lstStyle/>
+            <a:p>
+              <a:pPr algn="ctr"/>
+              <a:r>
+                <a:rPr lang="zh-CN" altLang="en-US" sz="1200" dirty="0"/>
+                <a:t>前端</a:t>
+              </a:r>
+            </a:p>
+          </p:txBody>
+        </p:sp>
+        <p:sp>
+          <p:nvSpPr>
+            <p:cNvPr id="12" name="六边形 11">
+              <a:extLst>
+                <a:ext uri="{FF2B5EF4-FFF2-40B4-BE49-F238E27FC236}">
+                  <a16:creationId xmlns:a16="http://schemas.microsoft.com/office/drawing/2014/main" id="{98C8D21E-6A7E-4282-9E91-9B46CDCAAC1F}"/>
+                </a:ext>
+              </a:extLst>
+            </p:cNvPr>
+            <p:cNvSpPr/>
+            <p:nvPr/>
+          </p:nvSpPr>
+          <p:spPr>
+            <a:xfrm>
+              <a:off x="986320" y="5479435"/>
+              <a:ext cx="846202" cy="711767"/>
+            </a:xfrm>
+            <a:prstGeom prst="hexagon">
+              <a:avLst/>
+            </a:prstGeom>
+          </p:spPr>
+          <p:style>
+            <a:lnRef idx="0">
+              <a:schemeClr val="accent5"/>
+            </a:lnRef>
+            <a:fillRef idx="3">
+              <a:schemeClr val="accent5"/>
+            </a:fillRef>
+            <a:effectRef idx="3">
+              <a:schemeClr val="accent5"/>
+            </a:effectRef>
+            <a:fontRef idx="minor">
+              <a:schemeClr val="lt1"/>
+            </a:fontRef>
+          </p:style>
+          <p:txBody>
+            <a:bodyPr rtlCol="0" anchor="ctr"/>
+            <a:lstStyle/>
+            <a:p>
+              <a:pPr algn="ctr"/>
+              <a:r>
+                <a:rPr lang="zh-CN" altLang="en-US" sz="1200" dirty="0"/>
+                <a:t>微服务</a:t>
+              </a:r>
+            </a:p>
+          </p:txBody>
+        </p:sp>
+        <p:sp>
+          <p:nvSpPr>
+            <p:cNvPr id="13" name="六边形 12">
+              <a:extLst>
+                <a:ext uri="{FF2B5EF4-FFF2-40B4-BE49-F238E27FC236}">
+                  <a16:creationId xmlns:a16="http://schemas.microsoft.com/office/drawing/2014/main" id="{9A9E442B-17B5-4E81-99CE-0CE8D25A2CC2}"/>
+                </a:ext>
+              </a:extLst>
+            </p:cNvPr>
+            <p:cNvSpPr/>
+            <p:nvPr/>
+          </p:nvSpPr>
+          <p:spPr>
+            <a:xfrm>
+              <a:off x="1658459" y="5835318"/>
+              <a:ext cx="846202" cy="711767"/>
+            </a:xfrm>
+            <a:prstGeom prst="hexagon">
+              <a:avLst/>
+            </a:prstGeom>
+          </p:spPr>
+          <p:style>
+            <a:lnRef idx="0">
+              <a:schemeClr val="dk1"/>
+            </a:lnRef>
+            <a:fillRef idx="3">
+              <a:schemeClr val="dk1"/>
+            </a:fillRef>
+            <a:effectRef idx="3">
+              <a:schemeClr val="dk1"/>
+            </a:effectRef>
+            <a:fontRef idx="minor">
+              <a:schemeClr val="lt1"/>
+            </a:fontRef>
+          </p:style>
+          <p:txBody>
+            <a:bodyPr rtlCol="0" anchor="ctr"/>
+            <a:lstStyle/>
+            <a:p>
+              <a:pPr algn="ctr"/>
+              <a:r>
+                <a:rPr lang="en-US" altLang="zh-CN" sz="1200" dirty="0"/>
+                <a:t>Shell</a:t>
+              </a:r>
+              <a:endParaRPr lang="zh-CN" altLang="en-US" sz="1200" dirty="0"/>
+            </a:p>
+          </p:txBody>
+        </p:sp>
+        <p:sp>
+          <p:nvSpPr>
+            <p:cNvPr id="14" name="矩形 13">
+              <a:extLst>
+                <a:ext uri="{FF2B5EF4-FFF2-40B4-BE49-F238E27FC236}">
+                  <a16:creationId xmlns:a16="http://schemas.microsoft.com/office/drawing/2014/main" id="{25187D6C-4B08-4999-A5D0-347E7E150A0D}"/>
+                </a:ext>
+              </a:extLst>
+            </p:cNvPr>
+            <p:cNvSpPr/>
+            <p:nvPr/>
+          </p:nvSpPr>
+          <p:spPr>
+            <a:xfrm>
+              <a:off x="397566" y="4340609"/>
+              <a:ext cx="718264" cy="328509"/>
+            </a:xfrm>
+            <a:prstGeom prst="rect">
+              <a:avLst/>
+            </a:prstGeom>
+            <a:ln>
+              <a:noFill/>
+            </a:ln>
+          </p:spPr>
+          <p:style>
+            <a:lnRef idx="2">
+              <a:schemeClr val="dk1"/>
+            </a:lnRef>
+            <a:fillRef idx="1">
+              <a:schemeClr val="lt1"/>
+            </a:fillRef>
+            <a:effectRef idx="0">
+              <a:schemeClr val="dk1"/>
+            </a:effectRef>
+            <a:fontRef idx="minor">
+              <a:schemeClr val="dk1"/>
+            </a:fontRef>
+          </p:style>
+          <p:txBody>
+            <a:bodyPr rtlCol="0" anchor="ctr"/>
+            <a:lstStyle/>
+            <a:p>
+              <a:pPr algn="ctr"/>
+              <a:r>
+                <a:rPr lang="zh-CN" altLang="en-US" dirty="0"/>
+                <a:t>图例</a:t>
+              </a:r>
+              <a:r>
+                <a:rPr lang="en-US" altLang="zh-CN" dirty="0"/>
+                <a:t>:</a:t>
+              </a:r>
+              <a:endParaRPr lang="zh-CN" altLang="en-US" dirty="0"/>
+            </a:p>
+          </p:txBody>
+        </p:sp>
+        <p:sp>
+          <p:nvSpPr>
+            <p:cNvPr id="17" name="六边形 16">
+              <a:extLst>
+                <a:ext uri="{FF2B5EF4-FFF2-40B4-BE49-F238E27FC236}">
+                  <a16:creationId xmlns:a16="http://schemas.microsoft.com/office/drawing/2014/main" id="{8A56DFE1-E14E-4BF1-9C55-234458BC95A3}"/>
+                </a:ext>
+              </a:extLst>
+            </p:cNvPr>
+            <p:cNvSpPr/>
+            <p:nvPr/>
+          </p:nvSpPr>
+          <p:spPr>
+            <a:xfrm>
+              <a:off x="1658459" y="5123552"/>
+              <a:ext cx="846202" cy="711767"/>
+            </a:xfrm>
+            <a:prstGeom prst="hexagon">
+              <a:avLst/>
+            </a:prstGeom>
+          </p:spPr>
+          <p:style>
+            <a:lnRef idx="2">
+              <a:schemeClr val="accent4">
+                <a:shade val="50000"/>
+              </a:schemeClr>
+            </a:lnRef>
+            <a:fillRef idx="1">
+              <a:schemeClr val="accent4"/>
+            </a:fillRef>
+            <a:effectRef idx="0">
+              <a:schemeClr val="accent4"/>
+            </a:effectRef>
+            <a:fontRef idx="minor">
+              <a:schemeClr val="lt1"/>
+            </a:fontRef>
+          </p:style>
+          <p:txBody>
+            <a:bodyPr rtlCol="0" anchor="ctr"/>
+            <a:lstStyle/>
+            <a:p>
+              <a:pPr algn="ctr"/>
+              <a:r>
+                <a:rPr lang="en-US" altLang="zh-CN" sz="1200" dirty="0"/>
+                <a:t>DB</a:t>
+              </a:r>
+              <a:endParaRPr lang="zh-CN" altLang="en-US" sz="1200" dirty="0"/>
+            </a:p>
+          </p:txBody>
+        </p:sp>
+      </p:grpSp>
+      <p:grpSp>
+        <p:nvGrpSpPr>
+          <p:cNvPr id="2" name="组合 1">
+            <a:extLst>
+              <a:ext uri="{FF2B5EF4-FFF2-40B4-BE49-F238E27FC236}">
+                <a16:creationId xmlns:a16="http://schemas.microsoft.com/office/drawing/2014/main" id="{10471F1B-A683-49A8-B514-442FEABDDBC5}"/>
+              </a:ext>
+            </a:extLst>
+          </p:cNvPr>
+          <p:cNvGrpSpPr/>
+          <p:nvPr/>
+        </p:nvGrpSpPr>
+        <p:grpSpPr>
+          <a:xfrm>
+            <a:off x="1263103" y="1243309"/>
+            <a:ext cx="3846818" cy="2570558"/>
+            <a:chOff x="1409421" y="777664"/>
+            <a:chExt cx="4264598" cy="2849731"/>
+          </a:xfrm>
+        </p:grpSpPr>
+        <p:sp>
+          <p:nvSpPr>
+            <p:cNvPr id="6" name="六边形 5">
+              <a:extLst>
+                <a:ext uri="{FF2B5EF4-FFF2-40B4-BE49-F238E27FC236}">
+                  <a16:creationId xmlns:a16="http://schemas.microsoft.com/office/drawing/2014/main" id="{21B8DE38-2906-4E7D-852E-1284230FD782}"/>
+                </a:ext>
+              </a:extLst>
+            </p:cNvPr>
+            <p:cNvSpPr/>
+            <p:nvPr/>
+          </p:nvSpPr>
+          <p:spPr>
+            <a:xfrm>
+              <a:off x="4021176" y="1490097"/>
+              <a:ext cx="1652843" cy="1424865"/>
+            </a:xfrm>
+            <a:prstGeom prst="hexagon">
+              <a:avLst/>
+            </a:prstGeom>
+          </p:spPr>
+          <p:style>
+            <a:lnRef idx="0">
+              <a:schemeClr val="accent5"/>
+            </a:lnRef>
+            <a:fillRef idx="3">
+              <a:schemeClr val="accent5"/>
+            </a:fillRef>
+            <a:effectRef idx="3">
+              <a:schemeClr val="accent5"/>
+            </a:effectRef>
+            <a:fontRef idx="minor">
+              <a:schemeClr val="lt1"/>
+            </a:fontRef>
+          </p:style>
+          <p:txBody>
+            <a:bodyPr rtlCol="0" anchor="ctr"/>
+            <a:lstStyle/>
+            <a:p>
+              <a:pPr algn="ctr"/>
+              <a:r>
+                <a:rPr lang="zh-CN" altLang="en-US" sz="1400" dirty="0"/>
+                <a:t>容器监测</a:t>
+              </a:r>
+            </a:p>
+          </p:txBody>
+        </p:sp>
+        <p:sp>
+          <p:nvSpPr>
+            <p:cNvPr id="7" name="六边形 6">
+              <a:extLst>
+                <a:ext uri="{FF2B5EF4-FFF2-40B4-BE49-F238E27FC236}">
+                  <a16:creationId xmlns:a16="http://schemas.microsoft.com/office/drawing/2014/main" id="{F6EFA57E-22F1-4A35-9CDA-494FE99DECC8}"/>
+                </a:ext>
+              </a:extLst>
+            </p:cNvPr>
+            <p:cNvSpPr/>
+            <p:nvPr/>
+          </p:nvSpPr>
+          <p:spPr>
+            <a:xfrm>
+              <a:off x="2724549" y="777664"/>
+              <a:ext cx="1652843" cy="1424865"/>
+            </a:xfrm>
+            <a:prstGeom prst="hexagon">
+              <a:avLst/>
+            </a:prstGeom>
+          </p:spPr>
+          <p:style>
+            <a:lnRef idx="0">
+              <a:schemeClr val="accent5"/>
+            </a:lnRef>
+            <a:fillRef idx="3">
+              <a:schemeClr val="accent5"/>
+            </a:fillRef>
+            <a:effectRef idx="3">
+              <a:schemeClr val="accent5"/>
+            </a:effectRef>
+            <a:fontRef idx="minor">
+              <a:schemeClr val="lt1"/>
+            </a:fontRef>
+          </p:style>
+          <p:txBody>
+            <a:bodyPr rtlCol="0" anchor="ctr"/>
+            <a:lstStyle/>
+            <a:p>
+              <a:pPr algn="ctr"/>
+              <a:r>
+                <a:rPr lang="zh-CN" altLang="en-US" sz="1400" dirty="0"/>
+                <a:t>自动发布</a:t>
+              </a:r>
+            </a:p>
+          </p:txBody>
+        </p:sp>
+        <p:sp>
+          <p:nvSpPr>
+            <p:cNvPr id="19" name="六边形 18">
+              <a:extLst>
+                <a:ext uri="{FF2B5EF4-FFF2-40B4-BE49-F238E27FC236}">
+                  <a16:creationId xmlns:a16="http://schemas.microsoft.com/office/drawing/2014/main" id="{46F85DD2-2A60-4ECA-A05E-78884C7C1C2E}"/>
+                </a:ext>
+              </a:extLst>
+            </p:cNvPr>
+            <p:cNvSpPr/>
+            <p:nvPr/>
+          </p:nvSpPr>
+          <p:spPr>
+            <a:xfrm>
+              <a:off x="1409421" y="1490097"/>
+              <a:ext cx="1652843" cy="1424865"/>
+            </a:xfrm>
+            <a:prstGeom prst="hexagon">
+              <a:avLst/>
+            </a:prstGeom>
+          </p:spPr>
+          <p:style>
+            <a:lnRef idx="1">
+              <a:schemeClr val="dk1"/>
+            </a:lnRef>
+            <a:fillRef idx="3">
+              <a:schemeClr val="dk1"/>
+            </a:fillRef>
+            <a:effectRef idx="2">
+              <a:schemeClr val="dk1"/>
+            </a:effectRef>
+            <a:fontRef idx="minor">
+              <a:schemeClr val="lt1"/>
+            </a:fontRef>
+          </p:style>
+          <p:txBody>
+            <a:bodyPr rtlCol="0" anchor="ctr"/>
+            <a:lstStyle/>
+            <a:p>
+              <a:pPr algn="ctr"/>
+              <a:r>
+                <a:rPr lang="zh-CN" altLang="en-US" sz="1400" dirty="0"/>
+                <a:t>自动发布</a:t>
+              </a:r>
+              <a:endParaRPr lang="en-US" altLang="zh-CN" sz="1400" dirty="0"/>
+            </a:p>
+            <a:p>
+              <a:pPr algn="ctr"/>
+              <a:r>
+                <a:rPr lang="en-US" altLang="zh-CN" sz="1400" dirty="0"/>
+                <a:t>Shell</a:t>
+              </a:r>
+              <a:r>
+                <a:rPr lang="zh-CN" altLang="en-US" sz="1400" dirty="0"/>
+                <a:t>脚本</a:t>
+              </a:r>
+            </a:p>
+          </p:txBody>
+        </p:sp>
+        <p:sp>
+          <p:nvSpPr>
+            <p:cNvPr id="18" name="六边形 17">
+              <a:extLst>
+                <a:ext uri="{FF2B5EF4-FFF2-40B4-BE49-F238E27FC236}">
+                  <a16:creationId xmlns:a16="http://schemas.microsoft.com/office/drawing/2014/main" id="{E8C97EC5-B929-45A0-A5ED-EED13B790C94}"/>
+                </a:ext>
+              </a:extLst>
+            </p:cNvPr>
+            <p:cNvSpPr/>
+            <p:nvPr/>
+          </p:nvSpPr>
+          <p:spPr>
+            <a:xfrm>
+              <a:off x="2715299" y="2202530"/>
+              <a:ext cx="1652843" cy="1424865"/>
+            </a:xfrm>
+            <a:prstGeom prst="hexagon">
+              <a:avLst/>
+            </a:prstGeom>
+          </p:spPr>
+          <p:style>
+            <a:lnRef idx="1">
+              <a:schemeClr val="dk1"/>
+            </a:lnRef>
+            <a:fillRef idx="3">
+              <a:schemeClr val="dk1"/>
+            </a:fillRef>
+            <a:effectRef idx="2">
+              <a:schemeClr val="dk1"/>
+            </a:effectRef>
+            <a:fontRef idx="minor">
+              <a:schemeClr val="lt1"/>
+            </a:fontRef>
+          </p:style>
+          <p:txBody>
+            <a:bodyPr rtlCol="0" anchor="ctr"/>
+            <a:lstStyle/>
+            <a:p>
+              <a:pPr algn="ctr"/>
+              <a:r>
+                <a:rPr lang="en-US" altLang="zh-CN" sz="1400" dirty="0"/>
+                <a:t>Docker</a:t>
+              </a:r>
+            </a:p>
+            <a:p>
+              <a:pPr algn="ctr"/>
+              <a:r>
+                <a:rPr lang="en-US" altLang="zh-CN" sz="1400" dirty="0"/>
+                <a:t>API</a:t>
+              </a:r>
+              <a:endParaRPr lang="zh-CN" altLang="en-US" sz="1400" dirty="0"/>
+            </a:p>
+          </p:txBody>
+        </p:sp>
+      </p:grpSp>
       <p:grpSp>
         <p:nvGrpSpPr>
           <p:cNvPr id="3" name="组合 2">
@@ -9722,56 +14618,6 @@
         </p:sp>
         <p:sp>
           <p:nvSpPr>
-            <p:cNvPr id="9" name="六边形 8">
-              <a:extLst>
-                <a:ext uri="{FF2B5EF4-FFF2-40B4-BE49-F238E27FC236}">
-                  <a16:creationId xmlns:a16="http://schemas.microsoft.com/office/drawing/2014/main" id="{3F5CAD79-30BC-40C1-AE88-FCC5004AF5CC}"/>
-                </a:ext>
-              </a:extLst>
-            </p:cNvPr>
-            <p:cNvSpPr/>
-            <p:nvPr/>
-          </p:nvSpPr>
-          <p:spPr>
-            <a:xfrm>
-              <a:off x="10190968" y="3791710"/>
-              <a:ext cx="1652843" cy="1424865"/>
-            </a:xfrm>
-            <a:prstGeom prst="hexagon">
-              <a:avLst/>
-            </a:prstGeom>
-            <a:ln>
-              <a:noFill/>
-            </a:ln>
-          </p:spPr>
-          <p:style>
-            <a:lnRef idx="0">
-              <a:schemeClr val="accent5"/>
-            </a:lnRef>
-            <a:fillRef idx="3">
-              <a:schemeClr val="accent5"/>
-            </a:fillRef>
-            <a:effectRef idx="3">
-              <a:schemeClr val="accent5"/>
-            </a:effectRef>
-            <a:fontRef idx="minor">
-              <a:schemeClr val="lt1"/>
-            </a:fontRef>
-          </p:style>
-          <p:txBody>
-            <a:bodyPr rtlCol="0" anchor="ctr"/>
-            <a:lstStyle/>
-            <a:p>
-              <a:pPr algn="ctr"/>
-              <a:r>
-                <a:rPr lang="zh-CN" altLang="en-US" sz="1400" dirty="0"/>
-                <a:t>消息网关</a:t>
-              </a:r>
-            </a:p>
-          </p:txBody>
-        </p:sp>
-        <p:sp>
-          <p:nvSpPr>
             <p:cNvPr id="16" name="六边形 15">
               <a:extLst>
                 <a:ext uri="{FF2B5EF4-FFF2-40B4-BE49-F238E27FC236}">
@@ -10051,6 +14897,58 @@
                 <a:t>ActiveMQ</a:t>
               </a:r>
               <a:endParaRPr lang="zh-CN" altLang="en-US" sz="1400" dirty="0"/>
+            </a:p>
+          </p:txBody>
+        </p:sp>
+        <p:sp>
+          <p:nvSpPr>
+            <p:cNvPr id="9" name="六边形 8">
+              <a:extLst>
+                <a:ext uri="{FF2B5EF4-FFF2-40B4-BE49-F238E27FC236}">
+                  <a16:creationId xmlns:a16="http://schemas.microsoft.com/office/drawing/2014/main" id="{3F5CAD79-30BC-40C1-AE88-FCC5004AF5CC}"/>
+                </a:ext>
+              </a:extLst>
+            </p:cNvPr>
+            <p:cNvSpPr/>
+            <p:nvPr/>
+          </p:nvSpPr>
+          <p:spPr>
+            <a:xfrm>
+              <a:off x="10190968" y="3791710"/>
+              <a:ext cx="1652843" cy="1424865"/>
+            </a:xfrm>
+            <a:prstGeom prst="hexagon">
+              <a:avLst/>
+            </a:prstGeom>
+            <a:ln>
+              <a:solidFill>
+                <a:srgbClr val="FF0000"/>
+              </a:solidFill>
+            </a:ln>
+          </p:spPr>
+          <p:style>
+            <a:lnRef idx="0">
+              <a:schemeClr val="accent5"/>
+            </a:lnRef>
+            <a:fillRef idx="3">
+              <a:schemeClr val="accent5"/>
+            </a:fillRef>
+            <a:effectRef idx="3">
+              <a:schemeClr val="accent5"/>
+            </a:effectRef>
+            <a:fontRef idx="minor">
+              <a:schemeClr val="lt1"/>
+            </a:fontRef>
+          </p:style>
+          <p:txBody>
+            <a:bodyPr rtlCol="0" anchor="ctr"/>
+            <a:lstStyle/>
+            <a:p>
+              <a:pPr algn="ctr"/>
+              <a:r>
+                <a:rPr lang="zh-CN" altLang="en-US" sz="1400" dirty="0"/>
+                <a:t>消息网关</a:t>
+              </a:r>
             </a:p>
           </p:txBody>
         </p:sp>
@@ -10196,7 +15094,7 @@
     </p:spTree>
     <p:extLst>
       <p:ext uri="{BB962C8B-B14F-4D97-AF65-F5344CB8AC3E}">
-        <p14:creationId xmlns:p14="http://schemas.microsoft.com/office/powerpoint/2010/main" val="976041952"/>
+        <p14:creationId xmlns:p14="http://schemas.microsoft.com/office/powerpoint/2010/main" val="886440561"/>
       </p:ext>
     </p:extLst>
   </p:cSld>
@@ -10206,7 +15104,1196 @@
 </p:sld>
 </file>
 
-<file path=ppt/slides/slide5.xml><?xml version="1.0" encoding="utf-8"?>
+<file path=ppt/slides/slide7.xml><?xml version="1.0" encoding="utf-8"?>
+<p:sld xmlns:a="http://schemas.openxmlformats.org/drawingml/2006/main" xmlns:r="http://schemas.openxmlformats.org/officeDocument/2006/relationships" xmlns:p="http://schemas.openxmlformats.org/presentationml/2006/main">
+  <p:cSld>
+    <p:spTree>
+      <p:nvGrpSpPr>
+        <p:cNvPr id="1" name=""/>
+        <p:cNvGrpSpPr/>
+        <p:nvPr/>
+      </p:nvGrpSpPr>
+      <p:grpSpPr>
+        <a:xfrm>
+          <a:off x="0" y="0"/>
+          <a:ext cx="0" cy="0"/>
+          <a:chOff x="0" y="0"/>
+          <a:chExt cx="0" cy="0"/>
+        </a:xfrm>
+      </p:grpSpPr>
+      <p:grpSp>
+        <p:nvGrpSpPr>
+          <p:cNvPr id="20" name="组合 19">
+            <a:extLst>
+              <a:ext uri="{FF2B5EF4-FFF2-40B4-BE49-F238E27FC236}">
+                <a16:creationId xmlns:a16="http://schemas.microsoft.com/office/drawing/2014/main" id="{F9861D56-C525-4C7B-9FD9-BEC40D574B56}"/>
+              </a:ext>
+            </a:extLst>
+          </p:cNvPr>
+          <p:cNvGrpSpPr/>
+          <p:nvPr/>
+        </p:nvGrpSpPr>
+        <p:grpSpPr>
+          <a:xfrm>
+            <a:off x="397566" y="342221"/>
+            <a:ext cx="11039061" cy="6204864"/>
+            <a:chOff x="397566" y="342221"/>
+            <a:chExt cx="11039061" cy="6204864"/>
+          </a:xfrm>
+        </p:grpSpPr>
+        <p:grpSp>
+          <p:nvGrpSpPr>
+            <p:cNvPr id="21" name="组合 20">
+              <a:extLst>
+                <a:ext uri="{FF2B5EF4-FFF2-40B4-BE49-F238E27FC236}">
+                  <a16:creationId xmlns:a16="http://schemas.microsoft.com/office/drawing/2014/main" id="{29585356-F217-49A2-A7BE-F5D75B222E29}"/>
+                </a:ext>
+              </a:extLst>
+            </p:cNvPr>
+            <p:cNvGrpSpPr/>
+            <p:nvPr/>
+          </p:nvGrpSpPr>
+          <p:grpSpPr>
+            <a:xfrm>
+              <a:off x="397566" y="4340609"/>
+              <a:ext cx="2107095" cy="2206476"/>
+              <a:chOff x="397566" y="4340609"/>
+              <a:chExt cx="2107095" cy="2206476"/>
+            </a:xfrm>
+          </p:grpSpPr>
+          <p:sp>
+            <p:nvSpPr>
+              <p:cNvPr id="11" name="六边形 10">
+                <a:extLst>
+                  <a:ext uri="{FF2B5EF4-FFF2-40B4-BE49-F238E27FC236}">
+                    <a16:creationId xmlns:a16="http://schemas.microsoft.com/office/drawing/2014/main" id="{991F4DA1-2B76-49D6-9F0B-27F016C9FD0B}"/>
+                  </a:ext>
+                </a:extLst>
+              </p:cNvPr>
+              <p:cNvSpPr/>
+              <p:nvPr/>
+            </p:nvSpPr>
+            <p:spPr>
+              <a:xfrm>
+                <a:off x="986320" y="4767668"/>
+                <a:ext cx="846202" cy="711767"/>
+              </a:xfrm>
+              <a:prstGeom prst="hexagon">
+                <a:avLst/>
+              </a:prstGeom>
+            </p:spPr>
+            <p:style>
+              <a:lnRef idx="1">
+                <a:schemeClr val="accent6"/>
+              </a:lnRef>
+              <a:fillRef idx="2">
+                <a:schemeClr val="accent6"/>
+              </a:fillRef>
+              <a:effectRef idx="1">
+                <a:schemeClr val="accent6"/>
+              </a:effectRef>
+              <a:fontRef idx="minor">
+                <a:schemeClr val="dk1"/>
+              </a:fontRef>
+            </p:style>
+            <p:txBody>
+              <a:bodyPr rtlCol="0" anchor="ctr"/>
+              <a:lstStyle/>
+              <a:p>
+                <a:pPr algn="ctr"/>
+                <a:r>
+                  <a:rPr lang="zh-CN" altLang="en-US" sz="1200" dirty="0"/>
+                  <a:t>前端</a:t>
+                </a:r>
+              </a:p>
+            </p:txBody>
+          </p:sp>
+          <p:sp>
+            <p:nvSpPr>
+              <p:cNvPr id="12" name="六边形 11">
+                <a:extLst>
+                  <a:ext uri="{FF2B5EF4-FFF2-40B4-BE49-F238E27FC236}">
+                    <a16:creationId xmlns:a16="http://schemas.microsoft.com/office/drawing/2014/main" id="{98C8D21E-6A7E-4282-9E91-9B46CDCAAC1F}"/>
+                  </a:ext>
+                </a:extLst>
+              </p:cNvPr>
+              <p:cNvSpPr/>
+              <p:nvPr/>
+            </p:nvSpPr>
+            <p:spPr>
+              <a:xfrm>
+                <a:off x="986320" y="5479435"/>
+                <a:ext cx="846202" cy="711767"/>
+              </a:xfrm>
+              <a:prstGeom prst="hexagon">
+                <a:avLst/>
+              </a:prstGeom>
+            </p:spPr>
+            <p:style>
+              <a:lnRef idx="0">
+                <a:schemeClr val="accent5"/>
+              </a:lnRef>
+              <a:fillRef idx="3">
+                <a:schemeClr val="accent5"/>
+              </a:fillRef>
+              <a:effectRef idx="3">
+                <a:schemeClr val="accent5"/>
+              </a:effectRef>
+              <a:fontRef idx="minor">
+                <a:schemeClr val="lt1"/>
+              </a:fontRef>
+            </p:style>
+            <p:txBody>
+              <a:bodyPr rtlCol="0" anchor="ctr"/>
+              <a:lstStyle/>
+              <a:p>
+                <a:pPr algn="ctr"/>
+                <a:r>
+                  <a:rPr lang="zh-CN" altLang="en-US" sz="1200" dirty="0"/>
+                  <a:t>微服务</a:t>
+                </a:r>
+              </a:p>
+            </p:txBody>
+          </p:sp>
+          <p:sp>
+            <p:nvSpPr>
+              <p:cNvPr id="13" name="六边形 12">
+                <a:extLst>
+                  <a:ext uri="{FF2B5EF4-FFF2-40B4-BE49-F238E27FC236}">
+                    <a16:creationId xmlns:a16="http://schemas.microsoft.com/office/drawing/2014/main" id="{9A9E442B-17B5-4E81-99CE-0CE8D25A2CC2}"/>
+                  </a:ext>
+                </a:extLst>
+              </p:cNvPr>
+              <p:cNvSpPr/>
+              <p:nvPr/>
+            </p:nvSpPr>
+            <p:spPr>
+              <a:xfrm>
+                <a:off x="1658459" y="5835318"/>
+                <a:ext cx="846202" cy="711767"/>
+              </a:xfrm>
+              <a:prstGeom prst="hexagon">
+                <a:avLst/>
+              </a:prstGeom>
+            </p:spPr>
+            <p:style>
+              <a:lnRef idx="0">
+                <a:schemeClr val="dk1"/>
+              </a:lnRef>
+              <a:fillRef idx="3">
+                <a:schemeClr val="dk1"/>
+              </a:fillRef>
+              <a:effectRef idx="3">
+                <a:schemeClr val="dk1"/>
+              </a:effectRef>
+              <a:fontRef idx="minor">
+                <a:schemeClr val="lt1"/>
+              </a:fontRef>
+            </p:style>
+            <p:txBody>
+              <a:bodyPr rtlCol="0" anchor="ctr"/>
+              <a:lstStyle/>
+              <a:p>
+                <a:pPr algn="ctr"/>
+                <a:r>
+                  <a:rPr lang="en-US" altLang="zh-CN" sz="1200" dirty="0"/>
+                  <a:t>Shell</a:t>
+                </a:r>
+                <a:endParaRPr lang="zh-CN" altLang="en-US" sz="1200" dirty="0"/>
+              </a:p>
+            </p:txBody>
+          </p:sp>
+          <p:sp>
+            <p:nvSpPr>
+              <p:cNvPr id="14" name="矩形 13">
+                <a:extLst>
+                  <a:ext uri="{FF2B5EF4-FFF2-40B4-BE49-F238E27FC236}">
+                    <a16:creationId xmlns:a16="http://schemas.microsoft.com/office/drawing/2014/main" id="{25187D6C-4B08-4999-A5D0-347E7E150A0D}"/>
+                  </a:ext>
+                </a:extLst>
+              </p:cNvPr>
+              <p:cNvSpPr/>
+              <p:nvPr/>
+            </p:nvSpPr>
+            <p:spPr>
+              <a:xfrm>
+                <a:off x="397566" y="4340609"/>
+                <a:ext cx="718264" cy="328509"/>
+              </a:xfrm>
+              <a:prstGeom prst="rect">
+                <a:avLst/>
+              </a:prstGeom>
+              <a:ln>
+                <a:noFill/>
+              </a:ln>
+            </p:spPr>
+            <p:style>
+              <a:lnRef idx="2">
+                <a:schemeClr val="dk1"/>
+              </a:lnRef>
+              <a:fillRef idx="1">
+                <a:schemeClr val="lt1"/>
+              </a:fillRef>
+              <a:effectRef idx="0">
+                <a:schemeClr val="dk1"/>
+              </a:effectRef>
+              <a:fontRef idx="minor">
+                <a:schemeClr val="dk1"/>
+              </a:fontRef>
+            </p:style>
+            <p:txBody>
+              <a:bodyPr rtlCol="0" anchor="ctr"/>
+              <a:lstStyle/>
+              <a:p>
+                <a:pPr algn="ctr"/>
+                <a:r>
+                  <a:rPr lang="zh-CN" altLang="en-US" dirty="0"/>
+                  <a:t>图例</a:t>
+                </a:r>
+                <a:r>
+                  <a:rPr lang="en-US" altLang="zh-CN" dirty="0"/>
+                  <a:t>:</a:t>
+                </a:r>
+                <a:endParaRPr lang="zh-CN" altLang="en-US" dirty="0"/>
+              </a:p>
+            </p:txBody>
+          </p:sp>
+          <p:sp>
+            <p:nvSpPr>
+              <p:cNvPr id="17" name="六边形 16">
+                <a:extLst>
+                  <a:ext uri="{FF2B5EF4-FFF2-40B4-BE49-F238E27FC236}">
+                    <a16:creationId xmlns:a16="http://schemas.microsoft.com/office/drawing/2014/main" id="{8A56DFE1-E14E-4BF1-9C55-234458BC95A3}"/>
+                  </a:ext>
+                </a:extLst>
+              </p:cNvPr>
+              <p:cNvSpPr/>
+              <p:nvPr/>
+            </p:nvSpPr>
+            <p:spPr>
+              <a:xfrm>
+                <a:off x="1658459" y="5123552"/>
+                <a:ext cx="846202" cy="711767"/>
+              </a:xfrm>
+              <a:prstGeom prst="hexagon">
+                <a:avLst/>
+              </a:prstGeom>
+            </p:spPr>
+            <p:style>
+              <a:lnRef idx="2">
+                <a:schemeClr val="accent4">
+                  <a:shade val="50000"/>
+                </a:schemeClr>
+              </a:lnRef>
+              <a:fillRef idx="1">
+                <a:schemeClr val="accent4"/>
+              </a:fillRef>
+              <a:effectRef idx="0">
+                <a:schemeClr val="accent4"/>
+              </a:effectRef>
+              <a:fontRef idx="minor">
+                <a:schemeClr val="lt1"/>
+              </a:fontRef>
+            </p:style>
+            <p:txBody>
+              <a:bodyPr rtlCol="0" anchor="ctr"/>
+              <a:lstStyle/>
+              <a:p>
+                <a:pPr algn="ctr"/>
+                <a:r>
+                  <a:rPr lang="en-US" altLang="zh-CN" sz="1200" dirty="0"/>
+                  <a:t>DB</a:t>
+                </a:r>
+                <a:endParaRPr lang="zh-CN" altLang="en-US" sz="1200" dirty="0"/>
+              </a:p>
+            </p:txBody>
+          </p:sp>
+        </p:grpSp>
+        <p:grpSp>
+          <p:nvGrpSpPr>
+            <p:cNvPr id="2" name="组合 1">
+              <a:extLst>
+                <a:ext uri="{FF2B5EF4-FFF2-40B4-BE49-F238E27FC236}">
+                  <a16:creationId xmlns:a16="http://schemas.microsoft.com/office/drawing/2014/main" id="{10471F1B-A683-49A8-B514-442FEABDDBC5}"/>
+                </a:ext>
+              </a:extLst>
+            </p:cNvPr>
+            <p:cNvGrpSpPr/>
+            <p:nvPr/>
+          </p:nvGrpSpPr>
+          <p:grpSpPr>
+            <a:xfrm>
+              <a:off x="1263103" y="1243309"/>
+              <a:ext cx="3846818" cy="2570558"/>
+              <a:chOff x="1409421" y="777664"/>
+              <a:chExt cx="4264598" cy="2849731"/>
+            </a:xfrm>
+          </p:grpSpPr>
+          <p:sp>
+            <p:nvSpPr>
+              <p:cNvPr id="6" name="六边形 5">
+                <a:extLst>
+                  <a:ext uri="{FF2B5EF4-FFF2-40B4-BE49-F238E27FC236}">
+                    <a16:creationId xmlns:a16="http://schemas.microsoft.com/office/drawing/2014/main" id="{21B8DE38-2906-4E7D-852E-1284230FD782}"/>
+                  </a:ext>
+                </a:extLst>
+              </p:cNvPr>
+              <p:cNvSpPr/>
+              <p:nvPr/>
+            </p:nvSpPr>
+            <p:spPr>
+              <a:xfrm>
+                <a:off x="4021176" y="1490097"/>
+                <a:ext cx="1652843" cy="1424865"/>
+              </a:xfrm>
+              <a:prstGeom prst="hexagon">
+                <a:avLst/>
+              </a:prstGeom>
+            </p:spPr>
+            <p:style>
+              <a:lnRef idx="0">
+                <a:schemeClr val="accent5"/>
+              </a:lnRef>
+              <a:fillRef idx="3">
+                <a:schemeClr val="accent5"/>
+              </a:fillRef>
+              <a:effectRef idx="3">
+                <a:schemeClr val="accent5"/>
+              </a:effectRef>
+              <a:fontRef idx="minor">
+                <a:schemeClr val="lt1"/>
+              </a:fontRef>
+            </p:style>
+            <p:txBody>
+              <a:bodyPr rtlCol="0" anchor="ctr"/>
+              <a:lstStyle/>
+              <a:p>
+                <a:pPr algn="ctr"/>
+                <a:r>
+                  <a:rPr lang="zh-CN" altLang="en-US" sz="1400" dirty="0"/>
+                  <a:t>容器监测</a:t>
+                </a:r>
+              </a:p>
+            </p:txBody>
+          </p:sp>
+          <p:sp>
+            <p:nvSpPr>
+              <p:cNvPr id="7" name="六边形 6">
+                <a:extLst>
+                  <a:ext uri="{FF2B5EF4-FFF2-40B4-BE49-F238E27FC236}">
+                    <a16:creationId xmlns:a16="http://schemas.microsoft.com/office/drawing/2014/main" id="{F6EFA57E-22F1-4A35-9CDA-494FE99DECC8}"/>
+                  </a:ext>
+                </a:extLst>
+              </p:cNvPr>
+              <p:cNvSpPr/>
+              <p:nvPr/>
+            </p:nvSpPr>
+            <p:spPr>
+              <a:xfrm>
+                <a:off x="2724549" y="777664"/>
+                <a:ext cx="1652843" cy="1424865"/>
+              </a:xfrm>
+              <a:prstGeom prst="hexagon">
+                <a:avLst/>
+              </a:prstGeom>
+            </p:spPr>
+            <p:style>
+              <a:lnRef idx="0">
+                <a:schemeClr val="accent5"/>
+              </a:lnRef>
+              <a:fillRef idx="3">
+                <a:schemeClr val="accent5"/>
+              </a:fillRef>
+              <a:effectRef idx="3">
+                <a:schemeClr val="accent5"/>
+              </a:effectRef>
+              <a:fontRef idx="minor">
+                <a:schemeClr val="lt1"/>
+              </a:fontRef>
+            </p:style>
+            <p:txBody>
+              <a:bodyPr rtlCol="0" anchor="ctr"/>
+              <a:lstStyle/>
+              <a:p>
+                <a:pPr algn="ctr"/>
+                <a:r>
+                  <a:rPr lang="zh-CN" altLang="en-US" sz="1400" dirty="0"/>
+                  <a:t>自动发布</a:t>
+                </a:r>
+              </a:p>
+            </p:txBody>
+          </p:sp>
+          <p:sp>
+            <p:nvSpPr>
+              <p:cNvPr id="19" name="六边形 18">
+                <a:extLst>
+                  <a:ext uri="{FF2B5EF4-FFF2-40B4-BE49-F238E27FC236}">
+                    <a16:creationId xmlns:a16="http://schemas.microsoft.com/office/drawing/2014/main" id="{46F85DD2-2A60-4ECA-A05E-78884C7C1C2E}"/>
+                  </a:ext>
+                </a:extLst>
+              </p:cNvPr>
+              <p:cNvSpPr/>
+              <p:nvPr/>
+            </p:nvSpPr>
+            <p:spPr>
+              <a:xfrm>
+                <a:off x="1409421" y="1490097"/>
+                <a:ext cx="1652843" cy="1424865"/>
+              </a:xfrm>
+              <a:prstGeom prst="hexagon">
+                <a:avLst/>
+              </a:prstGeom>
+            </p:spPr>
+            <p:style>
+              <a:lnRef idx="1">
+                <a:schemeClr val="dk1"/>
+              </a:lnRef>
+              <a:fillRef idx="3">
+                <a:schemeClr val="dk1"/>
+              </a:fillRef>
+              <a:effectRef idx="2">
+                <a:schemeClr val="dk1"/>
+              </a:effectRef>
+              <a:fontRef idx="minor">
+                <a:schemeClr val="lt1"/>
+              </a:fontRef>
+            </p:style>
+            <p:txBody>
+              <a:bodyPr rtlCol="0" anchor="ctr"/>
+              <a:lstStyle/>
+              <a:p>
+                <a:pPr algn="ctr"/>
+                <a:r>
+                  <a:rPr lang="zh-CN" altLang="en-US" sz="1400" dirty="0"/>
+                  <a:t>自动发布</a:t>
+                </a:r>
+                <a:endParaRPr lang="en-US" altLang="zh-CN" sz="1400" dirty="0"/>
+              </a:p>
+              <a:p>
+                <a:pPr algn="ctr"/>
+                <a:r>
+                  <a:rPr lang="en-US" altLang="zh-CN" sz="1400" dirty="0"/>
+                  <a:t>Shell</a:t>
+                </a:r>
+                <a:r>
+                  <a:rPr lang="zh-CN" altLang="en-US" sz="1400" dirty="0"/>
+                  <a:t>脚本</a:t>
+                </a:r>
+              </a:p>
+            </p:txBody>
+          </p:sp>
+          <p:sp>
+            <p:nvSpPr>
+              <p:cNvPr id="18" name="六边形 17">
+                <a:extLst>
+                  <a:ext uri="{FF2B5EF4-FFF2-40B4-BE49-F238E27FC236}">
+                    <a16:creationId xmlns:a16="http://schemas.microsoft.com/office/drawing/2014/main" id="{E8C97EC5-B929-45A0-A5ED-EED13B790C94}"/>
+                  </a:ext>
+                </a:extLst>
+              </p:cNvPr>
+              <p:cNvSpPr/>
+              <p:nvPr/>
+            </p:nvSpPr>
+            <p:spPr>
+              <a:xfrm>
+                <a:off x="2715299" y="2202530"/>
+                <a:ext cx="1652843" cy="1424865"/>
+              </a:xfrm>
+              <a:prstGeom prst="hexagon">
+                <a:avLst/>
+              </a:prstGeom>
+            </p:spPr>
+            <p:style>
+              <a:lnRef idx="1">
+                <a:schemeClr val="dk1"/>
+              </a:lnRef>
+              <a:fillRef idx="3">
+                <a:schemeClr val="dk1"/>
+              </a:fillRef>
+              <a:effectRef idx="2">
+                <a:schemeClr val="dk1"/>
+              </a:effectRef>
+              <a:fontRef idx="minor">
+                <a:schemeClr val="lt1"/>
+              </a:fontRef>
+            </p:style>
+            <p:txBody>
+              <a:bodyPr rtlCol="0" anchor="ctr"/>
+              <a:lstStyle/>
+              <a:p>
+                <a:pPr algn="ctr"/>
+                <a:r>
+                  <a:rPr lang="en-US" altLang="zh-CN" sz="1400" dirty="0"/>
+                  <a:t>Docker</a:t>
+                </a:r>
+              </a:p>
+              <a:p>
+                <a:pPr algn="ctr"/>
+                <a:r>
+                  <a:rPr lang="en-US" altLang="zh-CN" sz="1400" dirty="0"/>
+                  <a:t>API</a:t>
+                </a:r>
+                <a:endParaRPr lang="zh-CN" altLang="en-US" sz="1400" dirty="0"/>
+              </a:p>
+            </p:txBody>
+          </p:sp>
+        </p:grpSp>
+        <p:grpSp>
+          <p:nvGrpSpPr>
+            <p:cNvPr id="3" name="组合 2">
+              <a:extLst>
+                <a:ext uri="{FF2B5EF4-FFF2-40B4-BE49-F238E27FC236}">
+                  <a16:creationId xmlns:a16="http://schemas.microsoft.com/office/drawing/2014/main" id="{2D853134-A1C5-4051-90B3-2F2B1686495C}"/>
+                </a:ext>
+              </a:extLst>
+            </p:cNvPr>
+            <p:cNvGrpSpPr/>
+            <p:nvPr/>
+          </p:nvGrpSpPr>
+          <p:grpSpPr>
+            <a:xfrm>
+              <a:off x="6453273" y="1202469"/>
+              <a:ext cx="4983354" cy="5144461"/>
+              <a:chOff x="6319244" y="229547"/>
+              <a:chExt cx="5524567" cy="5703171"/>
+            </a:xfrm>
+          </p:grpSpPr>
+          <p:sp>
+            <p:nvSpPr>
+              <p:cNvPr id="4" name="六边形 3">
+                <a:extLst>
+                  <a:ext uri="{FF2B5EF4-FFF2-40B4-BE49-F238E27FC236}">
+                    <a16:creationId xmlns:a16="http://schemas.microsoft.com/office/drawing/2014/main" id="{767CCBDA-114B-487A-B6F1-5B924C716707}"/>
+                  </a:ext>
+                </a:extLst>
+              </p:cNvPr>
+              <p:cNvSpPr/>
+              <p:nvPr/>
+            </p:nvSpPr>
+            <p:spPr>
+              <a:xfrm>
+                <a:off x="6320254" y="229547"/>
+                <a:ext cx="1652843" cy="1424865"/>
+              </a:xfrm>
+              <a:prstGeom prst="hexagon">
+                <a:avLst/>
+              </a:prstGeom>
+            </p:spPr>
+            <p:style>
+              <a:lnRef idx="1">
+                <a:schemeClr val="accent6"/>
+              </a:lnRef>
+              <a:fillRef idx="2">
+                <a:schemeClr val="accent6"/>
+              </a:fillRef>
+              <a:effectRef idx="1">
+                <a:schemeClr val="accent6"/>
+              </a:effectRef>
+              <a:fontRef idx="minor">
+                <a:schemeClr val="dk1"/>
+              </a:fontRef>
+            </p:style>
+            <p:txBody>
+              <a:bodyPr rtlCol="0" anchor="ctr"/>
+              <a:lstStyle/>
+              <a:p>
+                <a:pPr algn="ctr"/>
+                <a:r>
+                  <a:rPr lang="zh-CN" altLang="en-US" sz="1400" dirty="0"/>
+                  <a:t>用户前端</a:t>
+                </a:r>
+              </a:p>
+            </p:txBody>
+          </p:sp>
+          <p:sp>
+            <p:nvSpPr>
+              <p:cNvPr id="5" name="六边形 4">
+                <a:extLst>
+                  <a:ext uri="{FF2B5EF4-FFF2-40B4-BE49-F238E27FC236}">
+                    <a16:creationId xmlns:a16="http://schemas.microsoft.com/office/drawing/2014/main" id="{E1E9C886-3413-4984-A7B5-6C176C2AE7D6}"/>
+                  </a:ext>
+                </a:extLst>
+              </p:cNvPr>
+              <p:cNvSpPr/>
+              <p:nvPr/>
+            </p:nvSpPr>
+            <p:spPr>
+              <a:xfrm>
+                <a:off x="7616881" y="941978"/>
+                <a:ext cx="1652843" cy="1424865"/>
+              </a:xfrm>
+              <a:prstGeom prst="hexagon">
+                <a:avLst/>
+              </a:prstGeom>
+            </p:spPr>
+            <p:style>
+              <a:lnRef idx="1">
+                <a:schemeClr val="accent6"/>
+              </a:lnRef>
+              <a:fillRef idx="2">
+                <a:schemeClr val="accent6"/>
+              </a:fillRef>
+              <a:effectRef idx="1">
+                <a:schemeClr val="accent6"/>
+              </a:effectRef>
+              <a:fontRef idx="minor">
+                <a:schemeClr val="dk1"/>
+              </a:fontRef>
+            </p:style>
+            <p:txBody>
+              <a:bodyPr rtlCol="0" anchor="ctr"/>
+              <a:lstStyle/>
+              <a:p>
+                <a:pPr algn="ctr"/>
+                <a:r>
+                  <a:rPr lang="zh-CN" altLang="en-US" sz="1400" dirty="0"/>
+                  <a:t>运维前端</a:t>
+                </a:r>
+              </a:p>
+            </p:txBody>
+          </p:sp>
+          <p:sp>
+            <p:nvSpPr>
+              <p:cNvPr id="8" name="六边形 7">
+                <a:extLst>
+                  <a:ext uri="{FF2B5EF4-FFF2-40B4-BE49-F238E27FC236}">
+                    <a16:creationId xmlns:a16="http://schemas.microsoft.com/office/drawing/2014/main" id="{0591B2AB-09E6-475A-BDD7-9F25F147065D}"/>
+                  </a:ext>
+                </a:extLst>
+              </p:cNvPr>
+              <p:cNvSpPr/>
+              <p:nvPr/>
+            </p:nvSpPr>
+            <p:spPr>
+              <a:xfrm>
+                <a:off x="8894342" y="3079278"/>
+                <a:ext cx="1652843" cy="1424865"/>
+              </a:xfrm>
+              <a:prstGeom prst="hexagon">
+                <a:avLst/>
+              </a:prstGeom>
+            </p:spPr>
+            <p:style>
+              <a:lnRef idx="0">
+                <a:schemeClr val="accent5"/>
+              </a:lnRef>
+              <a:fillRef idx="3">
+                <a:schemeClr val="accent5"/>
+              </a:fillRef>
+              <a:effectRef idx="3">
+                <a:schemeClr val="accent5"/>
+              </a:effectRef>
+              <a:fontRef idx="minor">
+                <a:schemeClr val="lt1"/>
+              </a:fontRef>
+            </p:style>
+            <p:txBody>
+              <a:bodyPr rtlCol="0" anchor="ctr"/>
+              <a:lstStyle/>
+              <a:p>
+                <a:pPr algn="ctr"/>
+                <a:r>
+                  <a:rPr lang="zh-CN" altLang="en-US" sz="1400" dirty="0"/>
+                  <a:t>通知系统</a:t>
+                </a:r>
+              </a:p>
+            </p:txBody>
+          </p:sp>
+          <p:sp>
+            <p:nvSpPr>
+              <p:cNvPr id="27" name="六边形 26">
+                <a:extLst>
+                  <a:ext uri="{FF2B5EF4-FFF2-40B4-BE49-F238E27FC236}">
+                    <a16:creationId xmlns:a16="http://schemas.microsoft.com/office/drawing/2014/main" id="{28567270-ED9E-49EA-B6EC-370452E6F0D6}"/>
+                  </a:ext>
+                </a:extLst>
+              </p:cNvPr>
+              <p:cNvSpPr/>
+              <p:nvPr/>
+            </p:nvSpPr>
+            <p:spPr>
+              <a:xfrm>
+                <a:off x="6320255" y="1654412"/>
+                <a:ext cx="1652843" cy="1424865"/>
+              </a:xfrm>
+              <a:prstGeom prst="hexagon">
+                <a:avLst/>
+              </a:prstGeom>
+            </p:spPr>
+            <p:style>
+              <a:lnRef idx="0">
+                <a:schemeClr val="accent5"/>
+              </a:lnRef>
+              <a:fillRef idx="3">
+                <a:schemeClr val="accent5"/>
+              </a:fillRef>
+              <a:effectRef idx="3">
+                <a:schemeClr val="accent5"/>
+              </a:effectRef>
+              <a:fontRef idx="minor">
+                <a:schemeClr val="lt1"/>
+              </a:fontRef>
+            </p:style>
+            <p:txBody>
+              <a:bodyPr rtlCol="0" anchor="ctr"/>
+              <a:lstStyle/>
+              <a:p>
+                <a:pPr algn="ctr"/>
+                <a:r>
+                  <a:rPr lang="zh-CN" altLang="en-US" sz="1400" dirty="0"/>
+                  <a:t>中央控制</a:t>
+                </a:r>
+              </a:p>
+            </p:txBody>
+          </p:sp>
+          <p:sp>
+            <p:nvSpPr>
+              <p:cNvPr id="28" name="六边形 27">
+                <a:extLst>
+                  <a:ext uri="{FF2B5EF4-FFF2-40B4-BE49-F238E27FC236}">
+                    <a16:creationId xmlns:a16="http://schemas.microsoft.com/office/drawing/2014/main" id="{61197671-FD1D-4C78-8ABE-D4EE5A9C1B38}"/>
+                  </a:ext>
+                </a:extLst>
+              </p:cNvPr>
+              <p:cNvSpPr/>
+              <p:nvPr/>
+            </p:nvSpPr>
+            <p:spPr>
+              <a:xfrm>
+                <a:off x="7616881" y="2366843"/>
+                <a:ext cx="1652843" cy="1424865"/>
+              </a:xfrm>
+              <a:prstGeom prst="hexagon">
+                <a:avLst/>
+              </a:prstGeom>
+            </p:spPr>
+            <p:style>
+              <a:lnRef idx="0">
+                <a:schemeClr val="accent5"/>
+              </a:lnRef>
+              <a:fillRef idx="3">
+                <a:schemeClr val="accent5"/>
+              </a:fillRef>
+              <a:effectRef idx="3">
+                <a:schemeClr val="accent5"/>
+              </a:effectRef>
+              <a:fontRef idx="minor">
+                <a:schemeClr val="lt1"/>
+              </a:fontRef>
+            </p:style>
+            <p:txBody>
+              <a:bodyPr rtlCol="0" anchor="ctr"/>
+              <a:lstStyle/>
+              <a:p>
+                <a:pPr algn="ctr"/>
+                <a:r>
+                  <a:rPr lang="zh-CN" altLang="en-US" sz="1400" dirty="0"/>
+                  <a:t>产品管理</a:t>
+                </a:r>
+              </a:p>
+            </p:txBody>
+          </p:sp>
+          <p:sp>
+            <p:nvSpPr>
+              <p:cNvPr id="29" name="六边形 28">
+                <a:extLst>
+                  <a:ext uri="{FF2B5EF4-FFF2-40B4-BE49-F238E27FC236}">
+                    <a16:creationId xmlns:a16="http://schemas.microsoft.com/office/drawing/2014/main" id="{D702E64B-DD2A-4922-96DE-1017A898EC4D}"/>
+                  </a:ext>
+                </a:extLst>
+              </p:cNvPr>
+              <p:cNvSpPr/>
+              <p:nvPr/>
+            </p:nvSpPr>
+            <p:spPr>
+              <a:xfrm>
+                <a:off x="6319244" y="3066022"/>
+                <a:ext cx="1652843" cy="1424865"/>
+              </a:xfrm>
+              <a:prstGeom prst="hexagon">
+                <a:avLst/>
+              </a:prstGeom>
+            </p:spPr>
+            <p:style>
+              <a:lnRef idx="0">
+                <a:schemeClr val="accent5"/>
+              </a:lnRef>
+              <a:fillRef idx="3">
+                <a:schemeClr val="accent5"/>
+              </a:fillRef>
+              <a:effectRef idx="3">
+                <a:schemeClr val="accent5"/>
+              </a:effectRef>
+              <a:fontRef idx="minor">
+                <a:schemeClr val="lt1"/>
+              </a:fontRef>
+            </p:style>
+            <p:txBody>
+              <a:bodyPr rtlCol="0" anchor="ctr"/>
+              <a:lstStyle/>
+              <a:p>
+                <a:pPr algn="ctr"/>
+                <a:r>
+                  <a:rPr lang="zh-CN" altLang="en-US" sz="1400" dirty="0"/>
+                  <a:t>负载均衡</a:t>
+                </a:r>
+              </a:p>
+            </p:txBody>
+          </p:sp>
+          <p:sp>
+            <p:nvSpPr>
+              <p:cNvPr id="31" name="六边形 30">
+                <a:extLst>
+                  <a:ext uri="{FF2B5EF4-FFF2-40B4-BE49-F238E27FC236}">
+                    <a16:creationId xmlns:a16="http://schemas.microsoft.com/office/drawing/2014/main" id="{CF178045-0D61-4A56-A668-CAA4445ECE7E}"/>
+                  </a:ext>
+                </a:extLst>
+              </p:cNvPr>
+              <p:cNvSpPr/>
+              <p:nvPr/>
+            </p:nvSpPr>
+            <p:spPr>
+              <a:xfrm>
+                <a:off x="6320254" y="4498390"/>
+                <a:ext cx="1652843" cy="1424865"/>
+              </a:xfrm>
+              <a:prstGeom prst="hexagon">
+                <a:avLst/>
+              </a:prstGeom>
+            </p:spPr>
+            <p:style>
+              <a:lnRef idx="0">
+                <a:schemeClr val="accent4"/>
+              </a:lnRef>
+              <a:fillRef idx="3">
+                <a:schemeClr val="accent4"/>
+              </a:fillRef>
+              <a:effectRef idx="3">
+                <a:schemeClr val="accent4"/>
+              </a:effectRef>
+              <a:fontRef idx="minor">
+                <a:schemeClr val="lt1"/>
+              </a:fontRef>
+            </p:style>
+            <p:txBody>
+              <a:bodyPr rtlCol="0" anchor="ctr"/>
+              <a:lstStyle/>
+              <a:p>
+                <a:pPr algn="ctr"/>
+                <a:r>
+                  <a:rPr lang="en-US" altLang="zh-CN" sz="1400" dirty="0" err="1"/>
+                  <a:t>MySql</a:t>
+                </a:r>
+                <a:endParaRPr lang="zh-CN" altLang="en-US" sz="1400" dirty="0"/>
+              </a:p>
+            </p:txBody>
+          </p:sp>
+          <p:sp>
+            <p:nvSpPr>
+              <p:cNvPr id="43" name="六边形 42">
+                <a:extLst>
+                  <a:ext uri="{FF2B5EF4-FFF2-40B4-BE49-F238E27FC236}">
+                    <a16:creationId xmlns:a16="http://schemas.microsoft.com/office/drawing/2014/main" id="{9C0AD4D6-6C07-47C6-90F1-A63EC26BF443}"/>
+                  </a:ext>
+                </a:extLst>
+              </p:cNvPr>
+              <p:cNvSpPr/>
+              <p:nvPr/>
+            </p:nvSpPr>
+            <p:spPr>
+              <a:xfrm>
+                <a:off x="8903925" y="4507853"/>
+                <a:ext cx="1652843" cy="1424865"/>
+              </a:xfrm>
+              <a:prstGeom prst="hexagon">
+                <a:avLst/>
+              </a:prstGeom>
+            </p:spPr>
+            <p:style>
+              <a:lnRef idx="0">
+                <a:schemeClr val="accent4"/>
+              </a:lnRef>
+              <a:fillRef idx="3">
+                <a:schemeClr val="accent4"/>
+              </a:fillRef>
+              <a:effectRef idx="3">
+                <a:schemeClr val="accent4"/>
+              </a:effectRef>
+              <a:fontRef idx="minor">
+                <a:schemeClr val="lt1"/>
+              </a:fontRef>
+            </p:style>
+            <p:txBody>
+              <a:bodyPr rtlCol="0" anchor="ctr"/>
+              <a:lstStyle/>
+              <a:p>
+                <a:pPr algn="ctr"/>
+                <a:r>
+                  <a:rPr lang="en-US" altLang="zh-CN" sz="1400" dirty="0" err="1"/>
+                  <a:t>ActiveMQ</a:t>
+                </a:r>
+                <a:endParaRPr lang="zh-CN" altLang="en-US" sz="1400" dirty="0"/>
+              </a:p>
+            </p:txBody>
+          </p:sp>
+          <p:sp>
+            <p:nvSpPr>
+              <p:cNvPr id="9" name="六边形 8">
+                <a:extLst>
+                  <a:ext uri="{FF2B5EF4-FFF2-40B4-BE49-F238E27FC236}">
+                    <a16:creationId xmlns:a16="http://schemas.microsoft.com/office/drawing/2014/main" id="{3F5CAD79-30BC-40C1-AE88-FCC5004AF5CC}"/>
+                  </a:ext>
+                </a:extLst>
+              </p:cNvPr>
+              <p:cNvSpPr/>
+              <p:nvPr/>
+            </p:nvSpPr>
+            <p:spPr>
+              <a:xfrm>
+                <a:off x="10190968" y="3791710"/>
+                <a:ext cx="1652843" cy="1424865"/>
+              </a:xfrm>
+              <a:prstGeom prst="hexagon">
+                <a:avLst/>
+              </a:prstGeom>
+              <a:ln>
+                <a:solidFill>
+                  <a:srgbClr val="65A1DB"/>
+                </a:solidFill>
+              </a:ln>
+            </p:spPr>
+            <p:style>
+              <a:lnRef idx="0">
+                <a:schemeClr val="accent5"/>
+              </a:lnRef>
+              <a:fillRef idx="3">
+                <a:schemeClr val="accent5"/>
+              </a:fillRef>
+              <a:effectRef idx="3">
+                <a:schemeClr val="accent5"/>
+              </a:effectRef>
+              <a:fontRef idx="minor">
+                <a:schemeClr val="lt1"/>
+              </a:fontRef>
+            </p:style>
+            <p:txBody>
+              <a:bodyPr rtlCol="0" anchor="ctr"/>
+              <a:lstStyle/>
+              <a:p>
+                <a:pPr algn="ctr"/>
+                <a:r>
+                  <a:rPr lang="zh-CN" altLang="en-US" sz="1400" dirty="0"/>
+                  <a:t>消息网关</a:t>
+                </a:r>
+              </a:p>
+            </p:txBody>
+          </p:sp>
+          <p:sp>
+            <p:nvSpPr>
+              <p:cNvPr id="16" name="六边形 15">
+                <a:extLst>
+                  <a:ext uri="{FF2B5EF4-FFF2-40B4-BE49-F238E27FC236}">
+                    <a16:creationId xmlns:a16="http://schemas.microsoft.com/office/drawing/2014/main" id="{E5E91220-B45F-4891-A6CF-33363FD17DD2}"/>
+                  </a:ext>
+                </a:extLst>
+              </p:cNvPr>
+              <p:cNvSpPr/>
+              <p:nvPr/>
+            </p:nvSpPr>
+            <p:spPr>
+              <a:xfrm>
+                <a:off x="7597715" y="3791709"/>
+                <a:ext cx="1652843" cy="1424865"/>
+              </a:xfrm>
+              <a:prstGeom prst="hexagon">
+                <a:avLst/>
+              </a:prstGeom>
+              <a:ln>
+                <a:solidFill>
+                  <a:srgbClr val="FF0000"/>
+                </a:solidFill>
+              </a:ln>
+            </p:spPr>
+            <p:style>
+              <a:lnRef idx="0">
+                <a:schemeClr val="accent5"/>
+              </a:lnRef>
+              <a:fillRef idx="3">
+                <a:schemeClr val="accent5"/>
+              </a:fillRef>
+              <a:effectRef idx="3">
+                <a:schemeClr val="accent5"/>
+              </a:effectRef>
+              <a:fontRef idx="minor">
+                <a:schemeClr val="lt1"/>
+              </a:fontRef>
+            </p:style>
+            <p:txBody>
+              <a:bodyPr rtlCol="0" anchor="ctr"/>
+              <a:lstStyle/>
+              <a:p>
+                <a:pPr algn="ctr"/>
+                <a:r>
+                  <a:rPr lang="zh-CN" altLang="en-US" sz="1400" dirty="0"/>
+                  <a:t>日志管理</a:t>
+                </a:r>
+              </a:p>
+            </p:txBody>
+          </p:sp>
+        </p:grpSp>
+        <p:sp>
+          <p:nvSpPr>
+            <p:cNvPr id="10" name="箭头: 左右 9">
+              <a:extLst>
+                <a:ext uri="{FF2B5EF4-FFF2-40B4-BE49-F238E27FC236}">
+                  <a16:creationId xmlns:a16="http://schemas.microsoft.com/office/drawing/2014/main" id="{BAEDEFCF-A2B2-465B-90E6-55698BC2C6D8}"/>
+                </a:ext>
+              </a:extLst>
+            </p:cNvPr>
+            <p:cNvSpPr/>
+            <p:nvPr/>
+          </p:nvSpPr>
+          <p:spPr>
+            <a:xfrm>
+              <a:off x="5032717" y="406147"/>
+              <a:ext cx="1018874" cy="450574"/>
+            </a:xfrm>
+            <a:prstGeom prst="leftRightArrow">
+              <a:avLst/>
+            </a:prstGeom>
+          </p:spPr>
+          <p:style>
+            <a:lnRef idx="1">
+              <a:schemeClr val="accent5"/>
+            </a:lnRef>
+            <a:fillRef idx="2">
+              <a:schemeClr val="accent5"/>
+            </a:fillRef>
+            <a:effectRef idx="1">
+              <a:schemeClr val="accent5"/>
+            </a:effectRef>
+            <a:fontRef idx="minor">
+              <a:schemeClr val="dk1"/>
+            </a:fontRef>
+          </p:style>
+          <p:txBody>
+            <a:bodyPr rtlCol="0" anchor="ctr"/>
+            <a:lstStyle/>
+            <a:p>
+              <a:pPr algn="ctr"/>
+              <a:endParaRPr lang="zh-CN" altLang="en-US" dirty="0"/>
+            </a:p>
+          </p:txBody>
+        </p:sp>
+        <p:sp>
+          <p:nvSpPr>
+            <p:cNvPr id="15" name="矩形: 圆角 14">
+              <a:extLst>
+                <a:ext uri="{FF2B5EF4-FFF2-40B4-BE49-F238E27FC236}">
+                  <a16:creationId xmlns:a16="http://schemas.microsoft.com/office/drawing/2014/main" id="{21DC6FCD-C0C3-46D3-9D10-64681F53E991}"/>
+                </a:ext>
+              </a:extLst>
+            </p:cNvPr>
+            <p:cNvSpPr/>
+            <p:nvPr/>
+          </p:nvSpPr>
+          <p:spPr>
+            <a:xfrm>
+              <a:off x="2091714" y="390682"/>
+              <a:ext cx="1433177" cy="578425"/>
+            </a:xfrm>
+            <a:prstGeom prst="roundRect">
+              <a:avLst/>
+            </a:prstGeom>
+          </p:spPr>
+          <p:style>
+            <a:lnRef idx="2">
+              <a:schemeClr val="dk1"/>
+            </a:lnRef>
+            <a:fillRef idx="1">
+              <a:schemeClr val="lt1"/>
+            </a:fillRef>
+            <a:effectRef idx="0">
+              <a:schemeClr val="dk1"/>
+            </a:effectRef>
+            <a:fontRef idx="minor">
+              <a:schemeClr val="dk1"/>
+            </a:fontRef>
+          </p:style>
+          <p:txBody>
+            <a:bodyPr rtlCol="0" anchor="ctr"/>
+            <a:lstStyle/>
+            <a:p>
+              <a:pPr algn="ctr"/>
+              <a:r>
+                <a:rPr lang="zh-CN" altLang="en-US" dirty="0"/>
+                <a:t>客户端</a:t>
+              </a:r>
+            </a:p>
+          </p:txBody>
+        </p:sp>
+        <p:sp>
+          <p:nvSpPr>
+            <p:cNvPr id="30" name="矩形: 圆角 29">
+              <a:extLst>
+                <a:ext uri="{FF2B5EF4-FFF2-40B4-BE49-F238E27FC236}">
+                  <a16:creationId xmlns:a16="http://schemas.microsoft.com/office/drawing/2014/main" id="{1BDD5442-BF2B-4A54-A374-B06C8304537D}"/>
+                </a:ext>
+              </a:extLst>
+            </p:cNvPr>
+            <p:cNvSpPr/>
+            <p:nvPr/>
+          </p:nvSpPr>
+          <p:spPr>
+            <a:xfrm>
+              <a:off x="7630692" y="342221"/>
+              <a:ext cx="1433177" cy="578425"/>
+            </a:xfrm>
+            <a:prstGeom prst="roundRect">
+              <a:avLst/>
+            </a:prstGeom>
+          </p:spPr>
+          <p:style>
+            <a:lnRef idx="2">
+              <a:schemeClr val="dk1"/>
+            </a:lnRef>
+            <a:fillRef idx="1">
+              <a:schemeClr val="lt1"/>
+            </a:fillRef>
+            <a:effectRef idx="0">
+              <a:schemeClr val="dk1"/>
+            </a:effectRef>
+            <a:fontRef idx="minor">
+              <a:schemeClr val="dk1"/>
+            </a:fontRef>
+          </p:style>
+          <p:txBody>
+            <a:bodyPr rtlCol="0" anchor="ctr"/>
+            <a:lstStyle/>
+            <a:p>
+              <a:pPr algn="ctr"/>
+              <a:r>
+                <a:rPr lang="zh-CN" altLang="en-US" dirty="0"/>
+                <a:t>中央控制端</a:t>
+              </a:r>
+            </a:p>
+          </p:txBody>
+        </p:sp>
+      </p:grpSp>
+    </p:spTree>
+    <p:extLst>
+      <p:ext uri="{BB962C8B-B14F-4D97-AF65-F5344CB8AC3E}">
+        <p14:creationId xmlns:p14="http://schemas.microsoft.com/office/powerpoint/2010/main" val="769200450"/>
+      </p:ext>
+    </p:extLst>
+  </p:cSld>
+  <p:clrMapOvr>
+    <a:masterClrMapping/>
+  </p:clrMapOvr>
+</p:sld>
+</file>
+
+<file path=ppt/slides/slide8.xml><?xml version="1.0" encoding="utf-8"?>
 <p:sld xmlns:a="http://schemas.openxmlformats.org/drawingml/2006/main" xmlns:r="http://schemas.openxmlformats.org/officeDocument/2006/relationships" xmlns:p="http://schemas.openxmlformats.org/presentationml/2006/main">
   <p:cSld>
     <p:spTree>
@@ -10681,103 +16768,6 @@
       </p:sp>
       <p:sp>
         <p:nvSpPr>
-          <p:cNvPr id="8" name="六边形 7">
-            <a:extLst>
-              <a:ext uri="{FF2B5EF4-FFF2-40B4-BE49-F238E27FC236}">
-                <a16:creationId xmlns:a16="http://schemas.microsoft.com/office/drawing/2014/main" id="{0591B2AB-09E6-475A-BDD7-9F25F147065D}"/>
-              </a:ext>
-            </a:extLst>
-          </p:cNvPr>
-          <p:cNvSpPr/>
-          <p:nvPr/>
-        </p:nvSpPr>
-        <p:spPr>
-          <a:xfrm>
-            <a:off x="6857141" y="4409788"/>
-            <a:ext cx="1652843" cy="1424865"/>
-          </a:xfrm>
-          <a:prstGeom prst="hexagon">
-            <a:avLst/>
-          </a:prstGeom>
-        </p:spPr>
-        <p:style>
-          <a:lnRef idx="0">
-            <a:schemeClr val="accent5"/>
-          </a:lnRef>
-          <a:fillRef idx="3">
-            <a:schemeClr val="accent5"/>
-          </a:fillRef>
-          <a:effectRef idx="3">
-            <a:schemeClr val="accent5"/>
-          </a:effectRef>
-          <a:fontRef idx="minor">
-            <a:schemeClr val="lt1"/>
-          </a:fontRef>
-        </p:style>
-        <p:txBody>
-          <a:bodyPr rtlCol="0" anchor="ctr"/>
-          <a:lstStyle/>
-          <a:p>
-            <a:pPr algn="ctr"/>
-            <a:r>
-              <a:rPr lang="zh-CN" altLang="en-US" dirty="0"/>
-              <a:t>通知系统</a:t>
-            </a:r>
-          </a:p>
-        </p:txBody>
-      </p:sp>
-      <p:sp>
-        <p:nvSpPr>
-          <p:cNvPr id="9" name="六边形 8">
-            <a:extLst>
-              <a:ext uri="{FF2B5EF4-FFF2-40B4-BE49-F238E27FC236}">
-                <a16:creationId xmlns:a16="http://schemas.microsoft.com/office/drawing/2014/main" id="{3F5CAD79-30BC-40C1-AE88-FCC5004AF5CC}"/>
-              </a:ext>
-            </a:extLst>
-          </p:cNvPr>
-          <p:cNvSpPr/>
-          <p:nvPr/>
-        </p:nvSpPr>
-        <p:spPr>
-          <a:xfrm>
-            <a:off x="8153767" y="5122220"/>
-            <a:ext cx="1652843" cy="1424865"/>
-          </a:xfrm>
-          <a:prstGeom prst="hexagon">
-            <a:avLst/>
-          </a:prstGeom>
-          <a:ln>
-            <a:noFill/>
-          </a:ln>
-        </p:spPr>
-        <p:style>
-          <a:lnRef idx="0">
-            <a:schemeClr val="accent5"/>
-          </a:lnRef>
-          <a:fillRef idx="3">
-            <a:schemeClr val="accent5"/>
-          </a:fillRef>
-          <a:effectRef idx="3">
-            <a:schemeClr val="accent5"/>
-          </a:effectRef>
-          <a:fontRef idx="minor">
-            <a:schemeClr val="lt1"/>
-          </a:fontRef>
-        </p:style>
-        <p:txBody>
-          <a:bodyPr rtlCol="0" anchor="ctr"/>
-          <a:lstStyle/>
-          <a:p>
-            <a:pPr algn="ctr"/>
-            <a:r>
-              <a:rPr lang="zh-CN" altLang="en-US" dirty="0"/>
-              <a:t>消息网关</a:t>
-            </a:r>
-          </a:p>
-        </p:txBody>
-      </p:sp>
-      <p:sp>
-        <p:nvSpPr>
           <p:cNvPr id="16" name="六边形 15">
             <a:extLst>
               <a:ext uri="{FF2B5EF4-FFF2-40B4-BE49-F238E27FC236}">
@@ -10796,6 +16786,12 @@
           <a:prstGeom prst="hexagon">
             <a:avLst/>
           </a:prstGeom>
+          <a:ln w="38100">
+            <a:solidFill>
+              <a:srgbClr val="FFFF00"/>
+            </a:solidFill>
+            <a:prstDash val="dash"/>
+          </a:ln>
         </p:spPr>
         <p:style>
           <a:lnRef idx="0">
@@ -10882,6 +16878,110 @@
           </a:p>
         </p:txBody>
       </p:sp>
+      <p:sp>
+        <p:nvSpPr>
+          <p:cNvPr id="8" name="六边形 7">
+            <a:extLst>
+              <a:ext uri="{FF2B5EF4-FFF2-40B4-BE49-F238E27FC236}">
+                <a16:creationId xmlns:a16="http://schemas.microsoft.com/office/drawing/2014/main" id="{0591B2AB-09E6-475A-BDD7-9F25F147065D}"/>
+              </a:ext>
+            </a:extLst>
+          </p:cNvPr>
+          <p:cNvSpPr/>
+          <p:nvPr/>
+        </p:nvSpPr>
+        <p:spPr>
+          <a:xfrm>
+            <a:off x="6857141" y="4409788"/>
+            <a:ext cx="1652843" cy="1424865"/>
+          </a:xfrm>
+          <a:prstGeom prst="hexagon">
+            <a:avLst/>
+          </a:prstGeom>
+          <a:ln w="28575">
+            <a:solidFill>
+              <a:schemeClr val="tx1"/>
+            </a:solidFill>
+          </a:ln>
+        </p:spPr>
+        <p:style>
+          <a:lnRef idx="0">
+            <a:schemeClr val="accent5"/>
+          </a:lnRef>
+          <a:fillRef idx="3">
+            <a:schemeClr val="accent5"/>
+          </a:fillRef>
+          <a:effectRef idx="3">
+            <a:schemeClr val="accent5"/>
+          </a:effectRef>
+          <a:fontRef idx="minor">
+            <a:schemeClr val="lt1"/>
+          </a:fontRef>
+        </p:style>
+        <p:txBody>
+          <a:bodyPr rtlCol="0" anchor="ctr"/>
+          <a:lstStyle/>
+          <a:p>
+            <a:pPr algn="ctr"/>
+            <a:r>
+              <a:rPr lang="zh-CN" altLang="en-US" dirty="0"/>
+              <a:t>通知系统</a:t>
+            </a:r>
+          </a:p>
+        </p:txBody>
+      </p:sp>
+      <p:sp>
+        <p:nvSpPr>
+          <p:cNvPr id="9" name="六边形 8">
+            <a:extLst>
+              <a:ext uri="{FF2B5EF4-FFF2-40B4-BE49-F238E27FC236}">
+                <a16:creationId xmlns:a16="http://schemas.microsoft.com/office/drawing/2014/main" id="{3F5CAD79-30BC-40C1-AE88-FCC5004AF5CC}"/>
+              </a:ext>
+            </a:extLst>
+          </p:cNvPr>
+          <p:cNvSpPr/>
+          <p:nvPr/>
+        </p:nvSpPr>
+        <p:spPr>
+          <a:xfrm>
+            <a:off x="8153767" y="5122220"/>
+            <a:ext cx="1652843" cy="1424865"/>
+          </a:xfrm>
+          <a:prstGeom prst="hexagon">
+            <a:avLst/>
+          </a:prstGeom>
+          <a:ln w="28575">
+            <a:solidFill>
+              <a:schemeClr val="tx1"/>
+            </a:solidFill>
+          </a:ln>
+        </p:spPr>
+        <p:style>
+          <a:lnRef idx="0">
+            <a:schemeClr val="accent5"/>
+          </a:lnRef>
+          <a:fillRef idx="3">
+            <a:schemeClr val="accent5"/>
+          </a:fillRef>
+          <a:effectRef idx="3">
+            <a:schemeClr val="accent5"/>
+          </a:effectRef>
+          <a:fontRef idx="minor">
+            <a:schemeClr val="lt1"/>
+          </a:fontRef>
+        </p:style>
+        <p:txBody>
+          <a:bodyPr rtlCol="0" anchor="ctr"/>
+          <a:lstStyle/>
+          <a:p>
+            <a:pPr algn="ctr"/>
+            <a:r>
+              <a:rPr lang="zh-CN" altLang="en-US" dirty="0"/>
+              <a:t>消息网关</a:t>
+            </a:r>
+          </a:p>
+        </p:txBody>
+      </p:sp>
     </p:spTree>
     <p:extLst>
       <p:ext uri="{BB962C8B-B14F-4D97-AF65-F5344CB8AC3E}">
@@ -10895,717 +16995,7 @@
 </p:sld>
 </file>
 
-<file path=ppt/slides/slide6.xml><?xml version="1.0" encoding="utf-8"?>
-<p:sld xmlns:a="http://schemas.openxmlformats.org/drawingml/2006/main" xmlns:r="http://schemas.openxmlformats.org/officeDocument/2006/relationships" xmlns:p="http://schemas.openxmlformats.org/presentationml/2006/main">
-  <p:cSld>
-    <p:spTree>
-      <p:nvGrpSpPr>
-        <p:cNvPr id="1" name=""/>
-        <p:cNvGrpSpPr/>
-        <p:nvPr/>
-      </p:nvGrpSpPr>
-      <p:grpSpPr>
-        <a:xfrm>
-          <a:off x="0" y="0"/>
-          <a:ext cx="0" cy="0"/>
-          <a:chOff x="0" y="0"/>
-          <a:chExt cx="0" cy="0"/>
-        </a:xfrm>
-      </p:grpSpPr>
-      <p:grpSp>
-        <p:nvGrpSpPr>
-          <p:cNvPr id="21" name="组合 20">
-            <a:extLst>
-              <a:ext uri="{FF2B5EF4-FFF2-40B4-BE49-F238E27FC236}">
-                <a16:creationId xmlns:a16="http://schemas.microsoft.com/office/drawing/2014/main" id="{29585356-F217-49A2-A7BE-F5D75B222E29}"/>
-              </a:ext>
-            </a:extLst>
-          </p:cNvPr>
-          <p:cNvGrpSpPr/>
-          <p:nvPr/>
-        </p:nvGrpSpPr>
-        <p:grpSpPr>
-          <a:xfrm>
-            <a:off x="397566" y="4118573"/>
-            <a:ext cx="2319130" cy="2428512"/>
-            <a:chOff x="397566" y="4340609"/>
-            <a:chExt cx="2107095" cy="2206476"/>
-          </a:xfrm>
-        </p:grpSpPr>
-        <p:sp>
-          <p:nvSpPr>
-            <p:cNvPr id="11" name="六边形 10">
-              <a:extLst>
-                <a:ext uri="{FF2B5EF4-FFF2-40B4-BE49-F238E27FC236}">
-                  <a16:creationId xmlns:a16="http://schemas.microsoft.com/office/drawing/2014/main" id="{991F4DA1-2B76-49D6-9F0B-27F016C9FD0B}"/>
-                </a:ext>
-              </a:extLst>
-            </p:cNvPr>
-            <p:cNvSpPr/>
-            <p:nvPr/>
-          </p:nvSpPr>
-          <p:spPr>
-            <a:xfrm>
-              <a:off x="986320" y="4767668"/>
-              <a:ext cx="846202" cy="711767"/>
-            </a:xfrm>
-            <a:prstGeom prst="hexagon">
-              <a:avLst/>
-            </a:prstGeom>
-          </p:spPr>
-          <p:style>
-            <a:lnRef idx="1">
-              <a:schemeClr val="accent6"/>
-            </a:lnRef>
-            <a:fillRef idx="2">
-              <a:schemeClr val="accent6"/>
-            </a:fillRef>
-            <a:effectRef idx="1">
-              <a:schemeClr val="accent6"/>
-            </a:effectRef>
-            <a:fontRef idx="minor">
-              <a:schemeClr val="dk1"/>
-            </a:fontRef>
-          </p:style>
-          <p:txBody>
-            <a:bodyPr rtlCol="0" anchor="ctr"/>
-            <a:lstStyle/>
-            <a:p>
-              <a:pPr algn="ctr"/>
-              <a:r>
-                <a:rPr lang="zh-CN" altLang="en-US" sz="1200" dirty="0"/>
-                <a:t>前端</a:t>
-              </a:r>
-            </a:p>
-          </p:txBody>
-        </p:sp>
-        <p:sp>
-          <p:nvSpPr>
-            <p:cNvPr id="12" name="六边形 11">
-              <a:extLst>
-                <a:ext uri="{FF2B5EF4-FFF2-40B4-BE49-F238E27FC236}">
-                  <a16:creationId xmlns:a16="http://schemas.microsoft.com/office/drawing/2014/main" id="{98C8D21E-6A7E-4282-9E91-9B46CDCAAC1F}"/>
-                </a:ext>
-              </a:extLst>
-            </p:cNvPr>
-            <p:cNvSpPr/>
-            <p:nvPr/>
-          </p:nvSpPr>
-          <p:spPr>
-            <a:xfrm>
-              <a:off x="986320" y="5479435"/>
-              <a:ext cx="846202" cy="711767"/>
-            </a:xfrm>
-            <a:prstGeom prst="hexagon">
-              <a:avLst/>
-            </a:prstGeom>
-          </p:spPr>
-          <p:style>
-            <a:lnRef idx="0">
-              <a:schemeClr val="accent5"/>
-            </a:lnRef>
-            <a:fillRef idx="3">
-              <a:schemeClr val="accent5"/>
-            </a:fillRef>
-            <a:effectRef idx="3">
-              <a:schemeClr val="accent5"/>
-            </a:effectRef>
-            <a:fontRef idx="minor">
-              <a:schemeClr val="lt1"/>
-            </a:fontRef>
-          </p:style>
-          <p:txBody>
-            <a:bodyPr rtlCol="0" anchor="ctr"/>
-            <a:lstStyle/>
-            <a:p>
-              <a:pPr algn="ctr"/>
-              <a:r>
-                <a:rPr lang="zh-CN" altLang="en-US" sz="1200" dirty="0"/>
-                <a:t>微服务</a:t>
-              </a:r>
-            </a:p>
-          </p:txBody>
-        </p:sp>
-        <p:sp>
-          <p:nvSpPr>
-            <p:cNvPr id="13" name="六边形 12">
-              <a:extLst>
-                <a:ext uri="{FF2B5EF4-FFF2-40B4-BE49-F238E27FC236}">
-                  <a16:creationId xmlns:a16="http://schemas.microsoft.com/office/drawing/2014/main" id="{9A9E442B-17B5-4E81-99CE-0CE8D25A2CC2}"/>
-                </a:ext>
-              </a:extLst>
-            </p:cNvPr>
-            <p:cNvSpPr/>
-            <p:nvPr/>
-          </p:nvSpPr>
-          <p:spPr>
-            <a:xfrm>
-              <a:off x="1658459" y="5835318"/>
-              <a:ext cx="846202" cy="711767"/>
-            </a:xfrm>
-            <a:prstGeom prst="hexagon">
-              <a:avLst/>
-            </a:prstGeom>
-          </p:spPr>
-          <p:style>
-            <a:lnRef idx="0">
-              <a:schemeClr val="dk1"/>
-            </a:lnRef>
-            <a:fillRef idx="3">
-              <a:schemeClr val="dk1"/>
-            </a:fillRef>
-            <a:effectRef idx="3">
-              <a:schemeClr val="dk1"/>
-            </a:effectRef>
-            <a:fontRef idx="minor">
-              <a:schemeClr val="lt1"/>
-            </a:fontRef>
-          </p:style>
-          <p:txBody>
-            <a:bodyPr rtlCol="0" anchor="ctr"/>
-            <a:lstStyle/>
-            <a:p>
-              <a:pPr algn="ctr"/>
-              <a:r>
-                <a:rPr lang="en-US" altLang="zh-CN" sz="1200" dirty="0"/>
-                <a:t>Shell</a:t>
-              </a:r>
-              <a:endParaRPr lang="zh-CN" altLang="en-US" sz="1200" dirty="0"/>
-            </a:p>
-          </p:txBody>
-        </p:sp>
-        <p:sp>
-          <p:nvSpPr>
-            <p:cNvPr id="14" name="矩形 13">
-              <a:extLst>
-                <a:ext uri="{FF2B5EF4-FFF2-40B4-BE49-F238E27FC236}">
-                  <a16:creationId xmlns:a16="http://schemas.microsoft.com/office/drawing/2014/main" id="{25187D6C-4B08-4999-A5D0-347E7E150A0D}"/>
-                </a:ext>
-              </a:extLst>
-            </p:cNvPr>
-            <p:cNvSpPr/>
-            <p:nvPr/>
-          </p:nvSpPr>
-          <p:spPr>
-            <a:xfrm>
-              <a:off x="397566" y="4340609"/>
-              <a:ext cx="718264" cy="328509"/>
-            </a:xfrm>
-            <a:prstGeom prst="rect">
-              <a:avLst/>
-            </a:prstGeom>
-            <a:ln>
-              <a:noFill/>
-            </a:ln>
-          </p:spPr>
-          <p:style>
-            <a:lnRef idx="2">
-              <a:schemeClr val="dk1"/>
-            </a:lnRef>
-            <a:fillRef idx="1">
-              <a:schemeClr val="lt1"/>
-            </a:fillRef>
-            <a:effectRef idx="0">
-              <a:schemeClr val="dk1"/>
-            </a:effectRef>
-            <a:fontRef idx="minor">
-              <a:schemeClr val="dk1"/>
-            </a:fontRef>
-          </p:style>
-          <p:txBody>
-            <a:bodyPr rtlCol="0" anchor="ctr"/>
-            <a:lstStyle/>
-            <a:p>
-              <a:pPr algn="ctr"/>
-              <a:r>
-                <a:rPr lang="zh-CN" altLang="en-US" dirty="0"/>
-                <a:t>图例</a:t>
-              </a:r>
-              <a:r>
-                <a:rPr lang="en-US" altLang="zh-CN" dirty="0"/>
-                <a:t>:</a:t>
-              </a:r>
-              <a:endParaRPr lang="zh-CN" altLang="en-US" dirty="0"/>
-            </a:p>
-          </p:txBody>
-        </p:sp>
-        <p:sp>
-          <p:nvSpPr>
-            <p:cNvPr id="17" name="六边形 16">
-              <a:extLst>
-                <a:ext uri="{FF2B5EF4-FFF2-40B4-BE49-F238E27FC236}">
-                  <a16:creationId xmlns:a16="http://schemas.microsoft.com/office/drawing/2014/main" id="{8A56DFE1-E14E-4BF1-9C55-234458BC95A3}"/>
-                </a:ext>
-              </a:extLst>
-            </p:cNvPr>
-            <p:cNvSpPr/>
-            <p:nvPr/>
-          </p:nvSpPr>
-          <p:spPr>
-            <a:xfrm>
-              <a:off x="1658459" y="5123552"/>
-              <a:ext cx="846202" cy="711767"/>
-            </a:xfrm>
-            <a:prstGeom prst="hexagon">
-              <a:avLst/>
-            </a:prstGeom>
-          </p:spPr>
-          <p:style>
-            <a:lnRef idx="2">
-              <a:schemeClr val="accent4">
-                <a:shade val="50000"/>
-              </a:schemeClr>
-            </a:lnRef>
-            <a:fillRef idx="1">
-              <a:schemeClr val="accent4"/>
-            </a:fillRef>
-            <a:effectRef idx="0">
-              <a:schemeClr val="accent4"/>
-            </a:effectRef>
-            <a:fontRef idx="minor">
-              <a:schemeClr val="lt1"/>
-            </a:fontRef>
-          </p:style>
-          <p:txBody>
-            <a:bodyPr rtlCol="0" anchor="ctr"/>
-            <a:lstStyle/>
-            <a:p>
-              <a:pPr algn="ctr"/>
-              <a:r>
-                <a:rPr lang="en-US" altLang="zh-CN" sz="1200" dirty="0"/>
-                <a:t>DB</a:t>
-              </a:r>
-              <a:endParaRPr lang="zh-CN" altLang="en-US" sz="1200" dirty="0"/>
-            </a:p>
-          </p:txBody>
-        </p:sp>
-      </p:grpSp>
-      <p:grpSp>
-        <p:nvGrpSpPr>
-          <p:cNvPr id="20" name="组合 19">
-            <a:extLst>
-              <a:ext uri="{FF2B5EF4-FFF2-40B4-BE49-F238E27FC236}">
-                <a16:creationId xmlns:a16="http://schemas.microsoft.com/office/drawing/2014/main" id="{66C70F5F-F3BE-499E-A085-72F2C363B95D}"/>
-              </a:ext>
-            </a:extLst>
-          </p:cNvPr>
-          <p:cNvGrpSpPr/>
-          <p:nvPr/>
-        </p:nvGrpSpPr>
-        <p:grpSpPr>
-          <a:xfrm>
-            <a:off x="5748132" y="860877"/>
-            <a:ext cx="5542722" cy="5686208"/>
-            <a:chOff x="4263888" y="860877"/>
-            <a:chExt cx="5542722" cy="5686208"/>
-          </a:xfrm>
-        </p:grpSpPr>
-        <p:sp>
-          <p:nvSpPr>
-            <p:cNvPr id="4" name="六边形 3">
-              <a:extLst>
-                <a:ext uri="{FF2B5EF4-FFF2-40B4-BE49-F238E27FC236}">
-                  <a16:creationId xmlns:a16="http://schemas.microsoft.com/office/drawing/2014/main" id="{767CCBDA-114B-487A-B6F1-5B924C716707}"/>
-                </a:ext>
-              </a:extLst>
-            </p:cNvPr>
-            <p:cNvSpPr/>
-            <p:nvPr/>
-          </p:nvSpPr>
-          <p:spPr>
-            <a:xfrm>
-              <a:off x="4263888" y="2984923"/>
-              <a:ext cx="1652843" cy="1424865"/>
-            </a:xfrm>
-            <a:prstGeom prst="hexagon">
-              <a:avLst/>
-            </a:prstGeom>
-          </p:spPr>
-          <p:style>
-            <a:lnRef idx="1">
-              <a:schemeClr val="accent6"/>
-            </a:lnRef>
-            <a:fillRef idx="2">
-              <a:schemeClr val="accent6"/>
-            </a:fillRef>
-            <a:effectRef idx="1">
-              <a:schemeClr val="accent6"/>
-            </a:effectRef>
-            <a:fontRef idx="minor">
-              <a:schemeClr val="dk1"/>
-            </a:fontRef>
-          </p:style>
-          <p:txBody>
-            <a:bodyPr rtlCol="0" anchor="ctr"/>
-            <a:lstStyle/>
-            <a:p>
-              <a:pPr algn="ctr"/>
-              <a:r>
-                <a:rPr lang="zh-CN" altLang="en-US" dirty="0"/>
-                <a:t>用户前端</a:t>
-              </a:r>
-            </a:p>
-          </p:txBody>
-        </p:sp>
-        <p:sp>
-          <p:nvSpPr>
-            <p:cNvPr id="5" name="六边形 4">
-              <a:extLst>
-                <a:ext uri="{FF2B5EF4-FFF2-40B4-BE49-F238E27FC236}">
-                  <a16:creationId xmlns:a16="http://schemas.microsoft.com/office/drawing/2014/main" id="{E1E9C886-3413-4984-A7B5-6C176C2AE7D6}"/>
-                </a:ext>
-              </a:extLst>
-            </p:cNvPr>
-            <p:cNvSpPr/>
-            <p:nvPr/>
-          </p:nvSpPr>
-          <p:spPr>
-            <a:xfrm>
-              <a:off x="6857141" y="2984923"/>
-              <a:ext cx="1652843" cy="1424865"/>
-            </a:xfrm>
-            <a:prstGeom prst="hexagon">
-              <a:avLst/>
-            </a:prstGeom>
-          </p:spPr>
-          <p:style>
-            <a:lnRef idx="1">
-              <a:schemeClr val="accent6"/>
-            </a:lnRef>
-            <a:fillRef idx="2">
-              <a:schemeClr val="accent6"/>
-            </a:fillRef>
-            <a:effectRef idx="1">
-              <a:schemeClr val="accent6"/>
-            </a:effectRef>
-            <a:fontRef idx="minor">
-              <a:schemeClr val="dk1"/>
-            </a:fontRef>
-          </p:style>
-          <p:txBody>
-            <a:bodyPr rtlCol="0" anchor="ctr"/>
-            <a:lstStyle/>
-            <a:p>
-              <a:pPr algn="ctr"/>
-              <a:r>
-                <a:rPr lang="zh-CN" altLang="en-US" dirty="0"/>
-                <a:t>运维前端</a:t>
-              </a:r>
-            </a:p>
-          </p:txBody>
-        </p:sp>
-        <p:sp>
-          <p:nvSpPr>
-            <p:cNvPr id="6" name="六边形 5">
-              <a:extLst>
-                <a:ext uri="{FF2B5EF4-FFF2-40B4-BE49-F238E27FC236}">
-                  <a16:creationId xmlns:a16="http://schemas.microsoft.com/office/drawing/2014/main" id="{21B8DE38-2906-4E7D-852E-1284230FD782}"/>
-                </a:ext>
-              </a:extLst>
-            </p:cNvPr>
-            <p:cNvSpPr/>
-            <p:nvPr/>
-          </p:nvSpPr>
-          <p:spPr>
-            <a:xfrm>
-              <a:off x="5560514" y="3697356"/>
-              <a:ext cx="1652843" cy="1424865"/>
-            </a:xfrm>
-            <a:prstGeom prst="hexagon">
-              <a:avLst/>
-            </a:prstGeom>
-          </p:spPr>
-          <p:style>
-            <a:lnRef idx="0">
-              <a:schemeClr val="accent5"/>
-            </a:lnRef>
-            <a:fillRef idx="3">
-              <a:schemeClr val="accent5"/>
-            </a:fillRef>
-            <a:effectRef idx="3">
-              <a:schemeClr val="accent5"/>
-            </a:effectRef>
-            <a:fontRef idx="minor">
-              <a:schemeClr val="lt1"/>
-            </a:fontRef>
-          </p:style>
-          <p:txBody>
-            <a:bodyPr rtlCol="0" anchor="ctr"/>
-            <a:lstStyle/>
-            <a:p>
-              <a:pPr algn="ctr"/>
-              <a:r>
-                <a:rPr lang="zh-CN" altLang="en-US" dirty="0"/>
-                <a:t>容器监测</a:t>
-              </a:r>
-            </a:p>
-          </p:txBody>
-        </p:sp>
-        <p:sp>
-          <p:nvSpPr>
-            <p:cNvPr id="7" name="六边形 6">
-              <a:extLst>
-                <a:ext uri="{FF2B5EF4-FFF2-40B4-BE49-F238E27FC236}">
-                  <a16:creationId xmlns:a16="http://schemas.microsoft.com/office/drawing/2014/main" id="{F6EFA57E-22F1-4A35-9CDA-494FE99DECC8}"/>
-                </a:ext>
-              </a:extLst>
-            </p:cNvPr>
-            <p:cNvSpPr/>
-            <p:nvPr/>
-          </p:nvSpPr>
-          <p:spPr>
-            <a:xfrm>
-              <a:off x="5560514" y="2272490"/>
-              <a:ext cx="1652843" cy="1424865"/>
-            </a:xfrm>
-            <a:prstGeom prst="hexagon">
-              <a:avLst/>
-            </a:prstGeom>
-          </p:spPr>
-          <p:style>
-            <a:lnRef idx="0">
-              <a:schemeClr val="accent5"/>
-            </a:lnRef>
-            <a:fillRef idx="3">
-              <a:schemeClr val="accent5"/>
-            </a:fillRef>
-            <a:effectRef idx="3">
-              <a:schemeClr val="accent5"/>
-            </a:effectRef>
-            <a:fontRef idx="minor">
-              <a:schemeClr val="lt1"/>
-            </a:fontRef>
-          </p:style>
-          <p:txBody>
-            <a:bodyPr rtlCol="0" anchor="ctr"/>
-            <a:lstStyle/>
-            <a:p>
-              <a:pPr algn="ctr"/>
-              <a:r>
-                <a:rPr lang="zh-CN" altLang="en-US" dirty="0"/>
-                <a:t>自动发布</a:t>
-              </a:r>
-            </a:p>
-          </p:txBody>
-        </p:sp>
-        <p:sp>
-          <p:nvSpPr>
-            <p:cNvPr id="8" name="六边形 7">
-              <a:extLst>
-                <a:ext uri="{FF2B5EF4-FFF2-40B4-BE49-F238E27FC236}">
-                  <a16:creationId xmlns:a16="http://schemas.microsoft.com/office/drawing/2014/main" id="{0591B2AB-09E6-475A-BDD7-9F25F147065D}"/>
-                </a:ext>
-              </a:extLst>
-            </p:cNvPr>
-            <p:cNvSpPr/>
-            <p:nvPr/>
-          </p:nvSpPr>
-          <p:spPr>
-            <a:xfrm>
-              <a:off x="6857141" y="4409788"/>
-              <a:ext cx="1652843" cy="1424865"/>
-            </a:xfrm>
-            <a:prstGeom prst="hexagon">
-              <a:avLst/>
-            </a:prstGeom>
-          </p:spPr>
-          <p:style>
-            <a:lnRef idx="0">
-              <a:schemeClr val="accent5"/>
-            </a:lnRef>
-            <a:fillRef idx="3">
-              <a:schemeClr val="accent5"/>
-            </a:fillRef>
-            <a:effectRef idx="3">
-              <a:schemeClr val="accent5"/>
-            </a:effectRef>
-            <a:fontRef idx="minor">
-              <a:schemeClr val="lt1"/>
-            </a:fontRef>
-          </p:style>
-          <p:txBody>
-            <a:bodyPr rtlCol="0" anchor="ctr"/>
-            <a:lstStyle/>
-            <a:p>
-              <a:pPr algn="ctr"/>
-              <a:r>
-                <a:rPr lang="zh-CN" altLang="en-US" dirty="0"/>
-                <a:t>通知系统</a:t>
-              </a:r>
-            </a:p>
-          </p:txBody>
-        </p:sp>
-        <p:sp>
-          <p:nvSpPr>
-            <p:cNvPr id="9" name="六边形 8">
-              <a:extLst>
-                <a:ext uri="{FF2B5EF4-FFF2-40B4-BE49-F238E27FC236}">
-                  <a16:creationId xmlns:a16="http://schemas.microsoft.com/office/drawing/2014/main" id="{3F5CAD79-30BC-40C1-AE88-FCC5004AF5CC}"/>
-                </a:ext>
-              </a:extLst>
-            </p:cNvPr>
-            <p:cNvSpPr/>
-            <p:nvPr/>
-          </p:nvSpPr>
-          <p:spPr>
-            <a:xfrm>
-              <a:off x="8153767" y="5122220"/>
-              <a:ext cx="1652843" cy="1424865"/>
-            </a:xfrm>
-            <a:prstGeom prst="hexagon">
-              <a:avLst/>
-            </a:prstGeom>
-            <a:ln>
-              <a:noFill/>
-            </a:ln>
-          </p:spPr>
-          <p:style>
-            <a:lnRef idx="0">
-              <a:schemeClr val="accent5"/>
-            </a:lnRef>
-            <a:fillRef idx="3">
-              <a:schemeClr val="accent5"/>
-            </a:fillRef>
-            <a:effectRef idx="3">
-              <a:schemeClr val="accent5"/>
-            </a:effectRef>
-            <a:fontRef idx="minor">
-              <a:schemeClr val="lt1"/>
-            </a:fontRef>
-          </p:style>
-          <p:txBody>
-            <a:bodyPr rtlCol="0" anchor="ctr"/>
-            <a:lstStyle/>
-            <a:p>
-              <a:pPr algn="ctr"/>
-              <a:r>
-                <a:rPr lang="zh-CN" altLang="en-US" dirty="0"/>
-                <a:t>消息网关</a:t>
-              </a:r>
-            </a:p>
-          </p:txBody>
-        </p:sp>
-        <p:sp>
-          <p:nvSpPr>
-            <p:cNvPr id="16" name="六边形 15">
-              <a:extLst>
-                <a:ext uri="{FF2B5EF4-FFF2-40B4-BE49-F238E27FC236}">
-                  <a16:creationId xmlns:a16="http://schemas.microsoft.com/office/drawing/2014/main" id="{E5E91220-B45F-4891-A6CF-33363FD17DD2}"/>
-                </a:ext>
-              </a:extLst>
-            </p:cNvPr>
-            <p:cNvSpPr/>
-            <p:nvPr/>
-          </p:nvSpPr>
-          <p:spPr>
-            <a:xfrm>
-              <a:off x="5560514" y="5122219"/>
-              <a:ext cx="1652843" cy="1424865"/>
-            </a:xfrm>
-            <a:prstGeom prst="hexagon">
-              <a:avLst/>
-            </a:prstGeom>
-          </p:spPr>
-          <p:style>
-            <a:lnRef idx="0">
-              <a:schemeClr val="accent5"/>
-            </a:lnRef>
-            <a:fillRef idx="3">
-              <a:schemeClr val="accent5"/>
-            </a:fillRef>
-            <a:effectRef idx="3">
-              <a:schemeClr val="accent5"/>
-            </a:effectRef>
-            <a:fontRef idx="minor">
-              <a:schemeClr val="lt1"/>
-            </a:fontRef>
-          </p:style>
-          <p:txBody>
-            <a:bodyPr rtlCol="0" anchor="ctr"/>
-            <a:lstStyle/>
-            <a:p>
-              <a:pPr algn="ctr"/>
-              <a:r>
-                <a:rPr lang="zh-CN" altLang="en-US" dirty="0"/>
-                <a:t>日志管理</a:t>
-              </a:r>
-            </a:p>
-          </p:txBody>
-        </p:sp>
-        <p:sp>
-          <p:nvSpPr>
-            <p:cNvPr id="19" name="六边形 18">
-              <a:extLst>
-                <a:ext uri="{FF2B5EF4-FFF2-40B4-BE49-F238E27FC236}">
-                  <a16:creationId xmlns:a16="http://schemas.microsoft.com/office/drawing/2014/main" id="{46F85DD2-2A60-4ECA-A05E-78884C7C1C2E}"/>
-                </a:ext>
-              </a:extLst>
-            </p:cNvPr>
-            <p:cNvSpPr/>
-            <p:nvPr/>
-          </p:nvSpPr>
-          <p:spPr>
-            <a:xfrm>
-              <a:off x="5547262" y="860877"/>
-              <a:ext cx="1652843" cy="1424865"/>
-            </a:xfrm>
-            <a:prstGeom prst="hexagon">
-              <a:avLst/>
-            </a:prstGeom>
-          </p:spPr>
-          <p:style>
-            <a:lnRef idx="1">
-              <a:schemeClr val="dk1"/>
-            </a:lnRef>
-            <a:fillRef idx="3">
-              <a:schemeClr val="dk1"/>
-            </a:fillRef>
-            <a:effectRef idx="2">
-              <a:schemeClr val="dk1"/>
-            </a:effectRef>
-            <a:fontRef idx="minor">
-              <a:schemeClr val="lt1"/>
-            </a:fontRef>
-          </p:style>
-          <p:txBody>
-            <a:bodyPr rtlCol="0" anchor="ctr"/>
-            <a:lstStyle/>
-            <a:p>
-              <a:pPr algn="ctr"/>
-              <a:r>
-                <a:rPr lang="zh-CN" altLang="en-US" dirty="0"/>
-                <a:t>自动发布</a:t>
-              </a:r>
-              <a:endParaRPr lang="en-US" altLang="zh-CN" dirty="0"/>
-            </a:p>
-            <a:p>
-              <a:pPr algn="ctr"/>
-              <a:r>
-                <a:rPr lang="en-US" altLang="zh-CN" dirty="0"/>
-                <a:t>Shell</a:t>
-              </a:r>
-              <a:r>
-                <a:rPr lang="zh-CN" altLang="en-US" dirty="0"/>
-                <a:t>脚本</a:t>
-              </a:r>
-            </a:p>
-          </p:txBody>
-        </p:sp>
-      </p:grpSp>
-    </p:spTree>
-    <p:extLst>
-      <p:ext uri="{BB962C8B-B14F-4D97-AF65-F5344CB8AC3E}">
-        <p14:creationId xmlns:p14="http://schemas.microsoft.com/office/powerpoint/2010/main" val="480961284"/>
-      </p:ext>
-    </p:extLst>
-  </p:cSld>
-  <p:clrMapOvr>
-    <a:masterClrMapping/>
-  </p:clrMapOvr>
-</p:sld>
-</file>
-
-<file path=ppt/slides/slide7.xml><?xml version="1.0" encoding="utf-8"?>
+<file path=ppt/slides/slide9.xml><?xml version="1.0" encoding="utf-8"?>
 <p:sld xmlns:a="http://schemas.openxmlformats.org/drawingml/2006/main" xmlns:r="http://schemas.openxmlformats.org/officeDocument/2006/relationships" xmlns:p="http://schemas.openxmlformats.org/presentationml/2006/main">
   <p:cSld>
     <p:spTree>
@@ -12308,1587 +17698,6 @@
     <p:extLst>
       <p:ext uri="{BB962C8B-B14F-4D97-AF65-F5344CB8AC3E}">
         <p14:creationId xmlns:p14="http://schemas.microsoft.com/office/powerpoint/2010/main" val="901174119"/>
-      </p:ext>
-    </p:extLst>
-  </p:cSld>
-  <p:clrMapOvr>
-    <a:masterClrMapping/>
-  </p:clrMapOvr>
-</p:sld>
-</file>
-
-<file path=ppt/slides/slide8.xml><?xml version="1.0" encoding="utf-8"?>
-<p:sld xmlns:a="http://schemas.openxmlformats.org/drawingml/2006/main" xmlns:r="http://schemas.openxmlformats.org/officeDocument/2006/relationships" xmlns:p="http://schemas.openxmlformats.org/presentationml/2006/main">
-  <p:cSld>
-    <p:spTree>
-      <p:nvGrpSpPr>
-        <p:cNvPr id="1" name=""/>
-        <p:cNvGrpSpPr/>
-        <p:nvPr/>
-      </p:nvGrpSpPr>
-      <p:grpSpPr>
-        <a:xfrm>
-          <a:off x="0" y="0"/>
-          <a:ext cx="0" cy="0"/>
-          <a:chOff x="0" y="0"/>
-          <a:chExt cx="0" cy="0"/>
-        </a:xfrm>
-      </p:grpSpPr>
-      <p:sp>
-        <p:nvSpPr>
-          <p:cNvPr id="7" name="流程图: 过程 6">
-            <a:extLst>
-              <a:ext uri="{FF2B5EF4-FFF2-40B4-BE49-F238E27FC236}">
-                <a16:creationId xmlns:a16="http://schemas.microsoft.com/office/drawing/2014/main" id="{6AEC8AD8-22DA-4661-B0E4-09C25810F342}"/>
-              </a:ext>
-            </a:extLst>
-          </p:cNvPr>
-          <p:cNvSpPr/>
-          <p:nvPr/>
-        </p:nvSpPr>
-        <p:spPr>
-          <a:xfrm>
-            <a:off x="1368694" y="870551"/>
-            <a:ext cx="1239593" cy="637616"/>
-          </a:xfrm>
-          <a:prstGeom prst="flowChartProcess">
-            <a:avLst/>
-          </a:prstGeom>
-        </p:spPr>
-        <p:style>
-          <a:lnRef idx="2">
-            <a:schemeClr val="accent1">
-              <a:shade val="50000"/>
-            </a:schemeClr>
-          </a:lnRef>
-          <a:fillRef idx="1">
-            <a:schemeClr val="accent1"/>
-          </a:fillRef>
-          <a:effectRef idx="0">
-            <a:schemeClr val="accent1"/>
-          </a:effectRef>
-          <a:fontRef idx="minor">
-            <a:schemeClr val="lt1"/>
-          </a:fontRef>
-        </p:style>
-        <p:txBody>
-          <a:bodyPr rtlCol="0" anchor="ctr"/>
-          <a:lstStyle/>
-          <a:p>
-            <a:pPr algn="ctr"/>
-            <a:r>
-              <a:rPr lang="zh-CN" altLang="en-US" sz="1200" dirty="0"/>
-              <a:t>到期时间减去当前时间</a:t>
-            </a:r>
-          </a:p>
-        </p:txBody>
-      </p:sp>
-      <p:sp>
-        <p:nvSpPr>
-          <p:cNvPr id="8" name="流程图: 决策 7">
-            <a:extLst>
-              <a:ext uri="{FF2B5EF4-FFF2-40B4-BE49-F238E27FC236}">
-                <a16:creationId xmlns:a16="http://schemas.microsoft.com/office/drawing/2014/main" id="{24CCEF66-1DFB-4CDD-AA1F-D6EB42BE3A42}"/>
-              </a:ext>
-            </a:extLst>
-          </p:cNvPr>
-          <p:cNvSpPr/>
-          <p:nvPr/>
-        </p:nvSpPr>
-        <p:spPr>
-          <a:xfrm>
-            <a:off x="3170155" y="894613"/>
-            <a:ext cx="1449694" cy="589493"/>
-          </a:xfrm>
-          <a:prstGeom prst="flowChartDecision">
-            <a:avLst/>
-          </a:prstGeom>
-        </p:spPr>
-        <p:style>
-          <a:lnRef idx="2">
-            <a:schemeClr val="accent1">
-              <a:shade val="50000"/>
-            </a:schemeClr>
-          </a:lnRef>
-          <a:fillRef idx="1">
-            <a:schemeClr val="accent1"/>
-          </a:fillRef>
-          <a:effectRef idx="0">
-            <a:schemeClr val="accent1"/>
-          </a:effectRef>
-          <a:fontRef idx="minor">
-            <a:schemeClr val="lt1"/>
-          </a:fontRef>
-        </p:style>
-        <p:txBody>
-          <a:bodyPr rtlCol="0" anchor="ctr"/>
-          <a:lstStyle/>
-          <a:p>
-            <a:pPr algn="ctr"/>
-            <a:r>
-              <a:rPr lang="en-US" altLang="zh-CN" sz="1200" dirty="0"/>
-              <a:t>=7</a:t>
-            </a:r>
-            <a:r>
-              <a:rPr lang="zh-CN" altLang="en-US" sz="1200" dirty="0"/>
-              <a:t>天</a:t>
-            </a:r>
-            <a:r>
-              <a:rPr lang="en-US" altLang="zh-CN" sz="1200" dirty="0"/>
-              <a:t>?</a:t>
-            </a:r>
-            <a:endParaRPr lang="zh-CN" altLang="en-US" sz="1200" dirty="0"/>
-          </a:p>
-        </p:txBody>
-      </p:sp>
-      <p:sp>
-        <p:nvSpPr>
-          <p:cNvPr id="9" name="流程图: 决策 8">
-            <a:extLst>
-              <a:ext uri="{FF2B5EF4-FFF2-40B4-BE49-F238E27FC236}">
-                <a16:creationId xmlns:a16="http://schemas.microsoft.com/office/drawing/2014/main" id="{083C16D5-DA3A-4ED8-9060-F4FD82009E71}"/>
-              </a:ext>
-            </a:extLst>
-          </p:cNvPr>
-          <p:cNvSpPr/>
-          <p:nvPr/>
-        </p:nvSpPr>
-        <p:spPr>
-          <a:xfrm>
-            <a:off x="3157455" y="1903330"/>
-            <a:ext cx="1449694" cy="589493"/>
-          </a:xfrm>
-          <a:prstGeom prst="flowChartDecision">
-            <a:avLst/>
-          </a:prstGeom>
-        </p:spPr>
-        <p:style>
-          <a:lnRef idx="2">
-            <a:schemeClr val="accent1">
-              <a:shade val="50000"/>
-            </a:schemeClr>
-          </a:lnRef>
-          <a:fillRef idx="1">
-            <a:schemeClr val="accent1"/>
-          </a:fillRef>
-          <a:effectRef idx="0">
-            <a:schemeClr val="accent1"/>
-          </a:effectRef>
-          <a:fontRef idx="minor">
-            <a:schemeClr val="lt1"/>
-          </a:fontRef>
-        </p:style>
-        <p:txBody>
-          <a:bodyPr rtlCol="0" anchor="ctr"/>
-          <a:lstStyle/>
-          <a:p>
-            <a:pPr algn="ctr"/>
-            <a:r>
-              <a:rPr lang="en-US" altLang="zh-CN" sz="1200" dirty="0"/>
-              <a:t>=0</a:t>
-            </a:r>
-            <a:r>
-              <a:rPr lang="zh-CN" altLang="en-US" sz="1200" dirty="0"/>
-              <a:t>天</a:t>
-            </a:r>
-            <a:r>
-              <a:rPr lang="en-US" altLang="zh-CN" sz="1200" dirty="0"/>
-              <a:t>?</a:t>
-            </a:r>
-            <a:endParaRPr lang="zh-CN" altLang="en-US" sz="1200" dirty="0"/>
-          </a:p>
-        </p:txBody>
-      </p:sp>
-      <p:sp>
-        <p:nvSpPr>
-          <p:cNvPr id="10" name="流程图: 决策 9">
-            <a:extLst>
-              <a:ext uri="{FF2B5EF4-FFF2-40B4-BE49-F238E27FC236}">
-                <a16:creationId xmlns:a16="http://schemas.microsoft.com/office/drawing/2014/main" id="{537CEA98-62D4-4498-9BAF-32D8AF69D42A}"/>
-              </a:ext>
-            </a:extLst>
-          </p:cNvPr>
-          <p:cNvSpPr/>
-          <p:nvPr/>
-        </p:nvSpPr>
-        <p:spPr>
-          <a:xfrm>
-            <a:off x="3157455" y="2957966"/>
-            <a:ext cx="1449694" cy="589493"/>
-          </a:xfrm>
-          <a:prstGeom prst="flowChartDecision">
-            <a:avLst/>
-          </a:prstGeom>
-        </p:spPr>
-        <p:style>
-          <a:lnRef idx="2">
-            <a:schemeClr val="accent1">
-              <a:shade val="50000"/>
-            </a:schemeClr>
-          </a:lnRef>
-          <a:fillRef idx="1">
-            <a:schemeClr val="accent1"/>
-          </a:fillRef>
-          <a:effectRef idx="0">
-            <a:schemeClr val="accent1"/>
-          </a:effectRef>
-          <a:fontRef idx="minor">
-            <a:schemeClr val="lt1"/>
-          </a:fontRef>
-        </p:style>
-        <p:txBody>
-          <a:bodyPr rtlCol="0" anchor="ctr"/>
-          <a:lstStyle/>
-          <a:p>
-            <a:pPr algn="ctr"/>
-            <a:r>
-              <a:rPr lang="en-US" altLang="zh-CN" sz="1200" dirty="0"/>
-              <a:t>=-7</a:t>
-            </a:r>
-            <a:r>
-              <a:rPr lang="zh-CN" altLang="en-US" sz="1200" dirty="0"/>
-              <a:t>天</a:t>
-            </a:r>
-            <a:r>
-              <a:rPr lang="en-US" altLang="zh-CN" sz="1200" dirty="0"/>
-              <a:t>?</a:t>
-            </a:r>
-            <a:endParaRPr lang="zh-CN" altLang="en-US" sz="1200" dirty="0"/>
-          </a:p>
-        </p:txBody>
-      </p:sp>
-      <p:sp>
-        <p:nvSpPr>
-          <p:cNvPr id="11" name="流程图: 决策 10">
-            <a:extLst>
-              <a:ext uri="{FF2B5EF4-FFF2-40B4-BE49-F238E27FC236}">
-                <a16:creationId xmlns:a16="http://schemas.microsoft.com/office/drawing/2014/main" id="{C6DD62DD-91CF-4B1F-9CB6-4E195361435E}"/>
-              </a:ext>
-            </a:extLst>
-          </p:cNvPr>
-          <p:cNvSpPr/>
-          <p:nvPr/>
-        </p:nvSpPr>
-        <p:spPr>
-          <a:xfrm>
-            <a:off x="3157455" y="4213187"/>
-            <a:ext cx="1449694" cy="589493"/>
-          </a:xfrm>
-          <a:prstGeom prst="flowChartDecision">
-            <a:avLst/>
-          </a:prstGeom>
-        </p:spPr>
-        <p:style>
-          <a:lnRef idx="2">
-            <a:schemeClr val="accent1">
-              <a:shade val="50000"/>
-            </a:schemeClr>
-          </a:lnRef>
-          <a:fillRef idx="1">
-            <a:schemeClr val="accent1"/>
-          </a:fillRef>
-          <a:effectRef idx="0">
-            <a:schemeClr val="accent1"/>
-          </a:effectRef>
-          <a:fontRef idx="minor">
-            <a:schemeClr val="lt1"/>
-          </a:fontRef>
-        </p:style>
-        <p:txBody>
-          <a:bodyPr rtlCol="0" anchor="ctr"/>
-          <a:lstStyle/>
-          <a:p>
-            <a:pPr algn="ctr"/>
-            <a:r>
-              <a:rPr lang="en-US" altLang="zh-CN" sz="1200" dirty="0"/>
-              <a:t>&gt;=-30</a:t>
-            </a:r>
-            <a:r>
-              <a:rPr lang="zh-CN" altLang="en-US" sz="1200" dirty="0"/>
-              <a:t>天</a:t>
-            </a:r>
-            <a:r>
-              <a:rPr lang="en-US" altLang="zh-CN" sz="1200" dirty="0"/>
-              <a:t>?</a:t>
-            </a:r>
-            <a:endParaRPr lang="zh-CN" altLang="en-US" sz="1200" dirty="0"/>
-          </a:p>
-        </p:txBody>
-      </p:sp>
-      <p:sp>
-        <p:nvSpPr>
-          <p:cNvPr id="12" name="流程图: 过程 11">
-            <a:extLst>
-              <a:ext uri="{FF2B5EF4-FFF2-40B4-BE49-F238E27FC236}">
-                <a16:creationId xmlns:a16="http://schemas.microsoft.com/office/drawing/2014/main" id="{CA202AF6-F92C-4908-8107-86741F20A78A}"/>
-              </a:ext>
-            </a:extLst>
-          </p:cNvPr>
-          <p:cNvSpPr/>
-          <p:nvPr/>
-        </p:nvSpPr>
-        <p:spPr>
-          <a:xfrm>
-            <a:off x="7588280" y="870551"/>
-            <a:ext cx="1239593" cy="637616"/>
-          </a:xfrm>
-          <a:prstGeom prst="flowChartProcess">
-            <a:avLst/>
-          </a:prstGeom>
-        </p:spPr>
-        <p:style>
-          <a:lnRef idx="2">
-            <a:schemeClr val="accent1">
-              <a:shade val="50000"/>
-            </a:schemeClr>
-          </a:lnRef>
-          <a:fillRef idx="1">
-            <a:schemeClr val="accent1"/>
-          </a:fillRef>
-          <a:effectRef idx="0">
-            <a:schemeClr val="accent1"/>
-          </a:effectRef>
-          <a:fontRef idx="minor">
-            <a:schemeClr val="lt1"/>
-          </a:fontRef>
-        </p:style>
-        <p:txBody>
-          <a:bodyPr rtlCol="0" anchor="ctr"/>
-          <a:lstStyle/>
-          <a:p>
-            <a:pPr algn="ctr"/>
-            <a:r>
-              <a:rPr lang="zh-CN" altLang="en-US" sz="1200" dirty="0"/>
-              <a:t>发送即将到期提醒邮件</a:t>
-            </a:r>
-          </a:p>
-        </p:txBody>
-      </p:sp>
-      <p:sp>
-        <p:nvSpPr>
-          <p:cNvPr id="13" name="流程图: 过程 12">
-            <a:extLst>
-              <a:ext uri="{FF2B5EF4-FFF2-40B4-BE49-F238E27FC236}">
-                <a16:creationId xmlns:a16="http://schemas.microsoft.com/office/drawing/2014/main" id="{47BACF6D-6B6D-434B-B60A-419639296817}"/>
-              </a:ext>
-            </a:extLst>
-          </p:cNvPr>
-          <p:cNvSpPr/>
-          <p:nvPr/>
-        </p:nvSpPr>
-        <p:spPr>
-          <a:xfrm>
-            <a:off x="7588280" y="1879268"/>
-            <a:ext cx="1239593" cy="637616"/>
-          </a:xfrm>
-          <a:prstGeom prst="flowChartProcess">
-            <a:avLst/>
-          </a:prstGeom>
-        </p:spPr>
-        <p:style>
-          <a:lnRef idx="2">
-            <a:schemeClr val="accent1">
-              <a:shade val="50000"/>
-            </a:schemeClr>
-          </a:lnRef>
-          <a:fillRef idx="1">
-            <a:schemeClr val="accent1"/>
-          </a:fillRef>
-          <a:effectRef idx="0">
-            <a:schemeClr val="accent1"/>
-          </a:effectRef>
-          <a:fontRef idx="minor">
-            <a:schemeClr val="lt1"/>
-          </a:fontRef>
-        </p:style>
-        <p:txBody>
-          <a:bodyPr rtlCol="0" anchor="ctr"/>
-          <a:lstStyle/>
-          <a:p>
-            <a:pPr algn="ctr"/>
-            <a:r>
-              <a:rPr lang="zh-CN" altLang="en-US" sz="1200" dirty="0"/>
-              <a:t>发送到期提醒邮件</a:t>
-            </a:r>
-          </a:p>
-        </p:txBody>
-      </p:sp>
-      <p:sp>
-        <p:nvSpPr>
-          <p:cNvPr id="14" name="流程图: 过程 13">
-            <a:extLst>
-              <a:ext uri="{FF2B5EF4-FFF2-40B4-BE49-F238E27FC236}">
-                <a16:creationId xmlns:a16="http://schemas.microsoft.com/office/drawing/2014/main" id="{3C0165FA-4E0C-42A7-9541-DF08C7FFA7A2}"/>
-              </a:ext>
-            </a:extLst>
-          </p:cNvPr>
-          <p:cNvSpPr/>
-          <p:nvPr/>
-        </p:nvSpPr>
-        <p:spPr>
-          <a:xfrm>
-            <a:off x="7588280" y="2933904"/>
-            <a:ext cx="1239593" cy="637616"/>
-          </a:xfrm>
-          <a:prstGeom prst="flowChartProcess">
-            <a:avLst/>
-          </a:prstGeom>
-        </p:spPr>
-        <p:style>
-          <a:lnRef idx="2">
-            <a:schemeClr val="accent1">
-              <a:shade val="50000"/>
-            </a:schemeClr>
-          </a:lnRef>
-          <a:fillRef idx="1">
-            <a:schemeClr val="accent1"/>
-          </a:fillRef>
-          <a:effectRef idx="0">
-            <a:schemeClr val="accent1"/>
-          </a:effectRef>
-          <a:fontRef idx="minor">
-            <a:schemeClr val="lt1"/>
-          </a:fontRef>
-        </p:style>
-        <p:txBody>
-          <a:bodyPr rtlCol="0" anchor="ctr"/>
-          <a:lstStyle/>
-          <a:p>
-            <a:pPr algn="ctr"/>
-            <a:r>
-              <a:rPr lang="zh-CN" altLang="en-US" sz="1200" dirty="0"/>
-              <a:t>发送停机提醒邮件</a:t>
-            </a:r>
-          </a:p>
-        </p:txBody>
-      </p:sp>
-      <p:sp>
-        <p:nvSpPr>
-          <p:cNvPr id="15" name="流程图: 过程 14">
-            <a:extLst>
-              <a:ext uri="{FF2B5EF4-FFF2-40B4-BE49-F238E27FC236}">
-                <a16:creationId xmlns:a16="http://schemas.microsoft.com/office/drawing/2014/main" id="{3A91C0F5-5C7A-4DD3-A236-C234C8D065BC}"/>
-              </a:ext>
-            </a:extLst>
-          </p:cNvPr>
-          <p:cNvSpPr/>
-          <p:nvPr/>
-        </p:nvSpPr>
-        <p:spPr>
-          <a:xfrm>
-            <a:off x="7588280" y="4189125"/>
-            <a:ext cx="1239593" cy="637616"/>
-          </a:xfrm>
-          <a:prstGeom prst="flowChartProcess">
-            <a:avLst/>
-          </a:prstGeom>
-        </p:spPr>
-        <p:style>
-          <a:lnRef idx="2">
-            <a:schemeClr val="accent1">
-              <a:shade val="50000"/>
-            </a:schemeClr>
-          </a:lnRef>
-          <a:fillRef idx="1">
-            <a:schemeClr val="accent1"/>
-          </a:fillRef>
-          <a:effectRef idx="0">
-            <a:schemeClr val="accent1"/>
-          </a:effectRef>
-          <a:fontRef idx="minor">
-            <a:schemeClr val="lt1"/>
-          </a:fontRef>
-        </p:style>
-        <p:txBody>
-          <a:bodyPr rtlCol="0" anchor="ctr"/>
-          <a:lstStyle/>
-          <a:p>
-            <a:pPr algn="ctr"/>
-            <a:r>
-              <a:rPr lang="zh-CN" altLang="en-US" sz="1200" dirty="0"/>
-              <a:t>发送删除系统邮件</a:t>
-            </a:r>
-          </a:p>
-        </p:txBody>
-      </p:sp>
-      <p:sp>
-        <p:nvSpPr>
-          <p:cNvPr id="16" name="流程图: 决策 15">
-            <a:extLst>
-              <a:ext uri="{FF2B5EF4-FFF2-40B4-BE49-F238E27FC236}">
-                <a16:creationId xmlns:a16="http://schemas.microsoft.com/office/drawing/2014/main" id="{D01DA2AA-9FA5-4BB1-8F35-A0067FD30C7F}"/>
-              </a:ext>
-            </a:extLst>
-          </p:cNvPr>
-          <p:cNvSpPr/>
-          <p:nvPr/>
-        </p:nvSpPr>
-        <p:spPr>
-          <a:xfrm>
-            <a:off x="5396340" y="894613"/>
-            <a:ext cx="1449694" cy="589493"/>
-          </a:xfrm>
-          <a:prstGeom prst="flowChartDecision">
-            <a:avLst/>
-          </a:prstGeom>
-        </p:spPr>
-        <p:style>
-          <a:lnRef idx="2">
-            <a:schemeClr val="accent1">
-              <a:shade val="50000"/>
-            </a:schemeClr>
-          </a:lnRef>
-          <a:fillRef idx="1">
-            <a:schemeClr val="accent1"/>
-          </a:fillRef>
-          <a:effectRef idx="0">
-            <a:schemeClr val="accent1"/>
-          </a:effectRef>
-          <a:fontRef idx="minor">
-            <a:schemeClr val="lt1"/>
-          </a:fontRef>
-        </p:style>
-        <p:txBody>
-          <a:bodyPr rtlCol="0" anchor="ctr"/>
-          <a:lstStyle/>
-          <a:p>
-            <a:pPr algn="ctr"/>
-            <a:r>
-              <a:rPr lang="zh-CN" altLang="en-US" sz="1200" dirty="0"/>
-              <a:t>已续费</a:t>
-            </a:r>
-            <a:r>
-              <a:rPr lang="en-US" altLang="zh-CN" sz="1200" dirty="0"/>
-              <a:t>?</a:t>
-            </a:r>
-            <a:endParaRPr lang="zh-CN" altLang="en-US" sz="1200" dirty="0"/>
-          </a:p>
-        </p:txBody>
-      </p:sp>
-      <p:sp>
-        <p:nvSpPr>
-          <p:cNvPr id="17" name="流程图: 决策 16">
-            <a:extLst>
-              <a:ext uri="{FF2B5EF4-FFF2-40B4-BE49-F238E27FC236}">
-                <a16:creationId xmlns:a16="http://schemas.microsoft.com/office/drawing/2014/main" id="{7C05CF19-80E3-4791-AFC0-6672D2497C79}"/>
-              </a:ext>
-            </a:extLst>
-          </p:cNvPr>
-          <p:cNvSpPr/>
-          <p:nvPr/>
-        </p:nvSpPr>
-        <p:spPr>
-          <a:xfrm>
-            <a:off x="5396340" y="1903330"/>
-            <a:ext cx="1449694" cy="589493"/>
-          </a:xfrm>
-          <a:prstGeom prst="flowChartDecision">
-            <a:avLst/>
-          </a:prstGeom>
-        </p:spPr>
-        <p:style>
-          <a:lnRef idx="2">
-            <a:schemeClr val="accent1">
-              <a:shade val="50000"/>
-            </a:schemeClr>
-          </a:lnRef>
-          <a:fillRef idx="1">
-            <a:schemeClr val="accent1"/>
-          </a:fillRef>
-          <a:effectRef idx="0">
-            <a:schemeClr val="accent1"/>
-          </a:effectRef>
-          <a:fontRef idx="minor">
-            <a:schemeClr val="lt1"/>
-          </a:fontRef>
-        </p:style>
-        <p:txBody>
-          <a:bodyPr rtlCol="0" anchor="ctr"/>
-          <a:lstStyle/>
-          <a:p>
-            <a:pPr algn="ctr"/>
-            <a:r>
-              <a:rPr lang="zh-CN" altLang="en-US" sz="1200" dirty="0"/>
-              <a:t>已续费</a:t>
-            </a:r>
-            <a:r>
-              <a:rPr lang="en-US" altLang="zh-CN" sz="1200" dirty="0"/>
-              <a:t>?</a:t>
-            </a:r>
-            <a:endParaRPr lang="zh-CN" altLang="en-US" sz="1200" dirty="0"/>
-          </a:p>
-        </p:txBody>
-      </p:sp>
-      <p:sp>
-        <p:nvSpPr>
-          <p:cNvPr id="18" name="流程图: 决策 17">
-            <a:extLst>
-              <a:ext uri="{FF2B5EF4-FFF2-40B4-BE49-F238E27FC236}">
-                <a16:creationId xmlns:a16="http://schemas.microsoft.com/office/drawing/2014/main" id="{605277B9-AC78-4A7F-B41C-B7A8F0D502DF}"/>
-              </a:ext>
-            </a:extLst>
-          </p:cNvPr>
-          <p:cNvSpPr/>
-          <p:nvPr/>
-        </p:nvSpPr>
-        <p:spPr>
-          <a:xfrm>
-            <a:off x="5396340" y="2957966"/>
-            <a:ext cx="1449694" cy="589493"/>
-          </a:xfrm>
-          <a:prstGeom prst="flowChartDecision">
-            <a:avLst/>
-          </a:prstGeom>
-        </p:spPr>
-        <p:style>
-          <a:lnRef idx="2">
-            <a:schemeClr val="accent1">
-              <a:shade val="50000"/>
-            </a:schemeClr>
-          </a:lnRef>
-          <a:fillRef idx="1">
-            <a:schemeClr val="accent1"/>
-          </a:fillRef>
-          <a:effectRef idx="0">
-            <a:schemeClr val="accent1"/>
-          </a:effectRef>
-          <a:fontRef idx="minor">
-            <a:schemeClr val="lt1"/>
-          </a:fontRef>
-        </p:style>
-        <p:txBody>
-          <a:bodyPr rtlCol="0" anchor="ctr"/>
-          <a:lstStyle/>
-          <a:p>
-            <a:pPr algn="ctr"/>
-            <a:r>
-              <a:rPr lang="zh-CN" altLang="en-US" sz="1200" dirty="0"/>
-              <a:t>已续费</a:t>
-            </a:r>
-            <a:r>
-              <a:rPr lang="en-US" altLang="zh-CN" sz="1200" dirty="0"/>
-              <a:t>?</a:t>
-            </a:r>
-            <a:endParaRPr lang="zh-CN" altLang="en-US" sz="1200" dirty="0"/>
-          </a:p>
-        </p:txBody>
-      </p:sp>
-      <p:sp>
-        <p:nvSpPr>
-          <p:cNvPr id="19" name="流程图: 决策 18">
-            <a:extLst>
-              <a:ext uri="{FF2B5EF4-FFF2-40B4-BE49-F238E27FC236}">
-                <a16:creationId xmlns:a16="http://schemas.microsoft.com/office/drawing/2014/main" id="{B5C8DF14-32B7-4AE8-8FDC-AE219D2CCA2B}"/>
-              </a:ext>
-            </a:extLst>
-          </p:cNvPr>
-          <p:cNvSpPr/>
-          <p:nvPr/>
-        </p:nvSpPr>
-        <p:spPr>
-          <a:xfrm>
-            <a:off x="5396340" y="4213187"/>
-            <a:ext cx="1449694" cy="589493"/>
-          </a:xfrm>
-          <a:prstGeom prst="flowChartDecision">
-            <a:avLst/>
-          </a:prstGeom>
-        </p:spPr>
-        <p:style>
-          <a:lnRef idx="2">
-            <a:schemeClr val="accent1">
-              <a:shade val="50000"/>
-            </a:schemeClr>
-          </a:lnRef>
-          <a:fillRef idx="1">
-            <a:schemeClr val="accent1"/>
-          </a:fillRef>
-          <a:effectRef idx="0">
-            <a:schemeClr val="accent1"/>
-          </a:effectRef>
-          <a:fontRef idx="minor">
-            <a:schemeClr val="lt1"/>
-          </a:fontRef>
-        </p:style>
-        <p:txBody>
-          <a:bodyPr rtlCol="0" anchor="ctr"/>
-          <a:lstStyle/>
-          <a:p>
-            <a:pPr algn="ctr"/>
-            <a:r>
-              <a:rPr lang="zh-CN" altLang="en-US" sz="1200" dirty="0"/>
-              <a:t>已续费</a:t>
-            </a:r>
-            <a:r>
-              <a:rPr lang="en-US" altLang="zh-CN" sz="1200" dirty="0"/>
-              <a:t>?</a:t>
-            </a:r>
-            <a:endParaRPr lang="zh-CN" altLang="en-US" sz="1200" dirty="0"/>
-          </a:p>
-        </p:txBody>
-      </p:sp>
-      <p:sp>
-        <p:nvSpPr>
-          <p:cNvPr id="20" name="流程图: 接点 19">
-            <a:extLst>
-              <a:ext uri="{FF2B5EF4-FFF2-40B4-BE49-F238E27FC236}">
-                <a16:creationId xmlns:a16="http://schemas.microsoft.com/office/drawing/2014/main" id="{2B7C2DCD-2309-4DA0-BA09-FA0A342582DE}"/>
-              </a:ext>
-            </a:extLst>
-          </p:cNvPr>
-          <p:cNvSpPr/>
-          <p:nvPr/>
-        </p:nvSpPr>
-        <p:spPr>
-          <a:xfrm>
-            <a:off x="82360" y="928693"/>
-            <a:ext cx="543358" cy="517312"/>
-          </a:xfrm>
-          <a:prstGeom prst="flowChartConnector">
-            <a:avLst/>
-          </a:prstGeom>
-        </p:spPr>
-        <p:style>
-          <a:lnRef idx="2">
-            <a:schemeClr val="dk1"/>
-          </a:lnRef>
-          <a:fillRef idx="1">
-            <a:schemeClr val="lt1"/>
-          </a:fillRef>
-          <a:effectRef idx="0">
-            <a:schemeClr val="dk1"/>
-          </a:effectRef>
-          <a:fontRef idx="minor">
-            <a:schemeClr val="dk1"/>
-          </a:fontRef>
-        </p:style>
-        <p:txBody>
-          <a:bodyPr rtlCol="0" anchor="ctr"/>
-          <a:lstStyle/>
-          <a:p>
-            <a:pPr algn="ctr"/>
-            <a:endParaRPr lang="zh-CN" altLang="en-US" sz="1200"/>
-          </a:p>
-        </p:txBody>
-      </p:sp>
-      <p:sp>
-        <p:nvSpPr>
-          <p:cNvPr id="21" name="流程图: 接点 20">
-            <a:extLst>
-              <a:ext uri="{FF2B5EF4-FFF2-40B4-BE49-F238E27FC236}">
-                <a16:creationId xmlns:a16="http://schemas.microsoft.com/office/drawing/2014/main" id="{0E2EA8A5-D683-4259-8A0A-7C57E0F6C87F}"/>
-              </a:ext>
-            </a:extLst>
-          </p:cNvPr>
-          <p:cNvSpPr/>
-          <p:nvPr/>
-        </p:nvSpPr>
-        <p:spPr>
-          <a:xfrm>
-            <a:off x="10584584" y="5858088"/>
-            <a:ext cx="451716" cy="517312"/>
-          </a:xfrm>
-          <a:prstGeom prst="flowChartConnector">
-            <a:avLst/>
-          </a:prstGeom>
-        </p:spPr>
-        <p:style>
-          <a:lnRef idx="2">
-            <a:schemeClr val="dk1">
-              <a:shade val="50000"/>
-            </a:schemeClr>
-          </a:lnRef>
-          <a:fillRef idx="1">
-            <a:schemeClr val="dk1"/>
-          </a:fillRef>
-          <a:effectRef idx="0">
-            <a:schemeClr val="dk1"/>
-          </a:effectRef>
-          <a:fontRef idx="minor">
-            <a:schemeClr val="lt1"/>
-          </a:fontRef>
-        </p:style>
-        <p:txBody>
-          <a:bodyPr rtlCol="0" anchor="ctr"/>
-          <a:lstStyle/>
-          <a:p>
-            <a:pPr algn="ctr"/>
-            <a:endParaRPr lang="zh-CN" altLang="en-US" sz="1200"/>
-          </a:p>
-        </p:txBody>
-      </p:sp>
-      <p:cxnSp>
-        <p:nvCxnSpPr>
-          <p:cNvPr id="26" name="连接符: 肘形 25">
-            <a:extLst>
-              <a:ext uri="{FF2B5EF4-FFF2-40B4-BE49-F238E27FC236}">
-                <a16:creationId xmlns:a16="http://schemas.microsoft.com/office/drawing/2014/main" id="{0030B9B4-3FFF-48A3-B2C8-206C2D47CC7D}"/>
-              </a:ext>
-            </a:extLst>
-          </p:cNvPr>
-          <p:cNvCxnSpPr>
-            <a:cxnSpLocks/>
-            <a:stCxn id="20" idx="6"/>
-            <a:endCxn id="7" idx="1"/>
-          </p:cNvCxnSpPr>
-          <p:nvPr/>
-        </p:nvCxnSpPr>
-        <p:spPr>
-          <a:xfrm>
-            <a:off x="625718" y="1187349"/>
-            <a:ext cx="742976" cy="2010"/>
-          </a:xfrm>
-          <a:prstGeom prst="bentConnector3">
-            <a:avLst>
-              <a:gd name="adj1" fmla="val 50000"/>
-            </a:avLst>
-          </a:prstGeom>
-          <a:ln>
-            <a:tailEnd type="triangle"/>
-          </a:ln>
-        </p:spPr>
-        <p:style>
-          <a:lnRef idx="1">
-            <a:schemeClr val="accent1"/>
-          </a:lnRef>
-          <a:fillRef idx="0">
-            <a:schemeClr val="accent1"/>
-          </a:fillRef>
-          <a:effectRef idx="0">
-            <a:schemeClr val="accent1"/>
-          </a:effectRef>
-          <a:fontRef idx="minor">
-            <a:schemeClr val="tx1"/>
-          </a:fontRef>
-        </p:style>
-      </p:cxnSp>
-      <p:cxnSp>
-        <p:nvCxnSpPr>
-          <p:cNvPr id="32" name="连接符: 肘形 31">
-            <a:extLst>
-              <a:ext uri="{FF2B5EF4-FFF2-40B4-BE49-F238E27FC236}">
-                <a16:creationId xmlns:a16="http://schemas.microsoft.com/office/drawing/2014/main" id="{EA7A7A20-05A8-43E1-BA68-F830E89055A1}"/>
-              </a:ext>
-            </a:extLst>
-          </p:cNvPr>
-          <p:cNvCxnSpPr>
-            <a:cxnSpLocks/>
-            <a:stCxn id="7" idx="3"/>
-            <a:endCxn id="8" idx="1"/>
-          </p:cNvCxnSpPr>
-          <p:nvPr/>
-        </p:nvCxnSpPr>
-        <p:spPr>
-          <a:xfrm>
-            <a:off x="2608287" y="1189359"/>
-            <a:ext cx="561868" cy="1"/>
-          </a:xfrm>
-          <a:prstGeom prst="bentConnector3">
-            <a:avLst>
-              <a:gd name="adj1" fmla="val 50000"/>
-            </a:avLst>
-          </a:prstGeom>
-          <a:ln>
-            <a:tailEnd type="triangle"/>
-          </a:ln>
-        </p:spPr>
-        <p:style>
-          <a:lnRef idx="1">
-            <a:schemeClr val="accent1"/>
-          </a:lnRef>
-          <a:fillRef idx="0">
-            <a:schemeClr val="accent1"/>
-          </a:fillRef>
-          <a:effectRef idx="0">
-            <a:schemeClr val="accent1"/>
-          </a:effectRef>
-          <a:fontRef idx="minor">
-            <a:schemeClr val="tx1"/>
-          </a:fontRef>
-        </p:style>
-      </p:cxnSp>
-      <p:cxnSp>
-        <p:nvCxnSpPr>
-          <p:cNvPr id="34" name="连接符: 肘形 33">
-            <a:extLst>
-              <a:ext uri="{FF2B5EF4-FFF2-40B4-BE49-F238E27FC236}">
-                <a16:creationId xmlns:a16="http://schemas.microsoft.com/office/drawing/2014/main" id="{30B9CE08-D36F-46D8-A8DB-1A739605DCC5}"/>
-              </a:ext>
-            </a:extLst>
-          </p:cNvPr>
-          <p:cNvCxnSpPr>
-            <a:stCxn id="8" idx="3"/>
-            <a:endCxn id="16" idx="1"/>
-          </p:cNvCxnSpPr>
-          <p:nvPr/>
-        </p:nvCxnSpPr>
-        <p:spPr>
-          <a:xfrm>
-            <a:off x="4619849" y="1189360"/>
-            <a:ext cx="776491" cy="12700"/>
-          </a:xfrm>
-          <a:prstGeom prst="bentConnector3">
-            <a:avLst/>
-          </a:prstGeom>
-          <a:ln>
-            <a:tailEnd type="triangle"/>
-          </a:ln>
-        </p:spPr>
-        <p:style>
-          <a:lnRef idx="1">
-            <a:schemeClr val="accent1"/>
-          </a:lnRef>
-          <a:fillRef idx="0">
-            <a:schemeClr val="accent1"/>
-          </a:fillRef>
-          <a:effectRef idx="0">
-            <a:schemeClr val="accent1"/>
-          </a:effectRef>
-          <a:fontRef idx="minor">
-            <a:schemeClr val="tx1"/>
-          </a:fontRef>
-        </p:style>
-      </p:cxnSp>
-      <p:cxnSp>
-        <p:nvCxnSpPr>
-          <p:cNvPr id="37" name="连接符: 肘形 36">
-            <a:extLst>
-              <a:ext uri="{FF2B5EF4-FFF2-40B4-BE49-F238E27FC236}">
-                <a16:creationId xmlns:a16="http://schemas.microsoft.com/office/drawing/2014/main" id="{208BFE57-9711-4C4D-B282-DB40971EC5B0}"/>
-              </a:ext>
-            </a:extLst>
-          </p:cNvPr>
-          <p:cNvCxnSpPr>
-            <a:cxnSpLocks/>
-            <a:stCxn id="16" idx="3"/>
-            <a:endCxn id="12" idx="1"/>
-          </p:cNvCxnSpPr>
-          <p:nvPr/>
-        </p:nvCxnSpPr>
-        <p:spPr>
-          <a:xfrm flipV="1">
-            <a:off x="6846034" y="1189359"/>
-            <a:ext cx="742246" cy="1"/>
-          </a:xfrm>
-          <a:prstGeom prst="bentConnector3">
-            <a:avLst>
-              <a:gd name="adj1" fmla="val 50000"/>
-            </a:avLst>
-          </a:prstGeom>
-          <a:ln>
-            <a:tailEnd type="triangle"/>
-          </a:ln>
-        </p:spPr>
-        <p:style>
-          <a:lnRef idx="1">
-            <a:schemeClr val="accent1"/>
-          </a:lnRef>
-          <a:fillRef idx="0">
-            <a:schemeClr val="accent1"/>
-          </a:fillRef>
-          <a:effectRef idx="0">
-            <a:schemeClr val="accent1"/>
-          </a:effectRef>
-          <a:fontRef idx="minor">
-            <a:schemeClr val="tx1"/>
-          </a:fontRef>
-        </p:style>
-      </p:cxnSp>
-      <p:cxnSp>
-        <p:nvCxnSpPr>
-          <p:cNvPr id="42" name="连接符: 肘形 41">
-            <a:extLst>
-              <a:ext uri="{FF2B5EF4-FFF2-40B4-BE49-F238E27FC236}">
-                <a16:creationId xmlns:a16="http://schemas.microsoft.com/office/drawing/2014/main" id="{89C59E3C-96AA-427E-B25E-D4E979FE8BA4}"/>
-              </a:ext>
-            </a:extLst>
-          </p:cNvPr>
-          <p:cNvCxnSpPr>
-            <a:stCxn id="9" idx="3"/>
-            <a:endCxn id="17" idx="1"/>
-          </p:cNvCxnSpPr>
-          <p:nvPr/>
-        </p:nvCxnSpPr>
-        <p:spPr>
-          <a:xfrm>
-            <a:off x="4607149" y="2198077"/>
-            <a:ext cx="789191" cy="12700"/>
-          </a:xfrm>
-          <a:prstGeom prst="bentConnector3">
-            <a:avLst/>
-          </a:prstGeom>
-          <a:ln>
-            <a:tailEnd type="triangle"/>
-          </a:ln>
-        </p:spPr>
-        <p:style>
-          <a:lnRef idx="1">
-            <a:schemeClr val="accent1"/>
-          </a:lnRef>
-          <a:fillRef idx="0">
-            <a:schemeClr val="accent1"/>
-          </a:fillRef>
-          <a:effectRef idx="0">
-            <a:schemeClr val="accent1"/>
-          </a:effectRef>
-          <a:fontRef idx="minor">
-            <a:schemeClr val="tx1"/>
-          </a:fontRef>
-        </p:style>
-      </p:cxnSp>
-      <p:cxnSp>
-        <p:nvCxnSpPr>
-          <p:cNvPr id="44" name="连接符: 肘形 43">
-            <a:extLst>
-              <a:ext uri="{FF2B5EF4-FFF2-40B4-BE49-F238E27FC236}">
-                <a16:creationId xmlns:a16="http://schemas.microsoft.com/office/drawing/2014/main" id="{A46E5710-6E9E-4899-B3D4-0444D3BA8A9A}"/>
-              </a:ext>
-            </a:extLst>
-          </p:cNvPr>
-          <p:cNvCxnSpPr>
-            <a:cxnSpLocks/>
-          </p:cNvCxnSpPr>
-          <p:nvPr/>
-        </p:nvCxnSpPr>
-        <p:spPr>
-          <a:xfrm rot="5400000">
-            <a:off x="3702511" y="1699487"/>
-            <a:ext cx="419225" cy="15874"/>
-          </a:xfrm>
-          <a:prstGeom prst="bentConnector3">
-            <a:avLst/>
-          </a:prstGeom>
-          <a:ln>
-            <a:tailEnd type="triangle"/>
-          </a:ln>
-        </p:spPr>
-        <p:style>
-          <a:lnRef idx="1">
-            <a:schemeClr val="accent1"/>
-          </a:lnRef>
-          <a:fillRef idx="0">
-            <a:schemeClr val="accent1"/>
-          </a:fillRef>
-          <a:effectRef idx="0">
-            <a:schemeClr val="accent1"/>
-          </a:effectRef>
-          <a:fontRef idx="minor">
-            <a:schemeClr val="tx1"/>
-          </a:fontRef>
-        </p:style>
-      </p:cxnSp>
-      <p:cxnSp>
-        <p:nvCxnSpPr>
-          <p:cNvPr id="46" name="连接符: 肘形 45">
-            <a:extLst>
-              <a:ext uri="{FF2B5EF4-FFF2-40B4-BE49-F238E27FC236}">
-                <a16:creationId xmlns:a16="http://schemas.microsoft.com/office/drawing/2014/main" id="{95000B35-6623-4F49-908D-E85F1F01F343}"/>
-              </a:ext>
-            </a:extLst>
-          </p:cNvPr>
-          <p:cNvCxnSpPr>
-            <a:cxnSpLocks/>
-          </p:cNvCxnSpPr>
-          <p:nvPr/>
-        </p:nvCxnSpPr>
-        <p:spPr>
-          <a:xfrm rot="5400000">
-            <a:off x="3640874" y="2713362"/>
-            <a:ext cx="482856" cy="6353"/>
-          </a:xfrm>
-          <a:prstGeom prst="bentConnector3">
-            <a:avLst/>
-          </a:prstGeom>
-          <a:ln>
-            <a:tailEnd type="triangle"/>
-          </a:ln>
-        </p:spPr>
-        <p:style>
-          <a:lnRef idx="1">
-            <a:schemeClr val="accent1"/>
-          </a:lnRef>
-          <a:fillRef idx="0">
-            <a:schemeClr val="accent1"/>
-          </a:fillRef>
-          <a:effectRef idx="0">
-            <a:schemeClr val="accent1"/>
-          </a:effectRef>
-          <a:fontRef idx="minor">
-            <a:schemeClr val="tx1"/>
-          </a:fontRef>
-        </p:style>
-      </p:cxnSp>
-      <p:cxnSp>
-        <p:nvCxnSpPr>
-          <p:cNvPr id="48" name="连接符: 肘形 47">
-            <a:extLst>
-              <a:ext uri="{FF2B5EF4-FFF2-40B4-BE49-F238E27FC236}">
-                <a16:creationId xmlns:a16="http://schemas.microsoft.com/office/drawing/2014/main" id="{5FD05A4B-2EDB-4BB6-88DD-2A5FBB7CC8E3}"/>
-              </a:ext>
-            </a:extLst>
-          </p:cNvPr>
-          <p:cNvCxnSpPr>
-            <a:cxnSpLocks/>
-          </p:cNvCxnSpPr>
-          <p:nvPr/>
-        </p:nvCxnSpPr>
-        <p:spPr>
-          <a:xfrm rot="5400000">
-            <a:off x="3549438" y="3880323"/>
-            <a:ext cx="665728" cy="12700"/>
-          </a:xfrm>
-          <a:prstGeom prst="bentConnector3">
-            <a:avLst/>
-          </a:prstGeom>
-          <a:ln>
-            <a:tailEnd type="triangle"/>
-          </a:ln>
-        </p:spPr>
-        <p:style>
-          <a:lnRef idx="1">
-            <a:schemeClr val="accent1"/>
-          </a:lnRef>
-          <a:fillRef idx="0">
-            <a:schemeClr val="accent1"/>
-          </a:fillRef>
-          <a:effectRef idx="0">
-            <a:schemeClr val="accent1"/>
-          </a:effectRef>
-          <a:fontRef idx="minor">
-            <a:schemeClr val="tx1"/>
-          </a:fontRef>
-        </p:style>
-      </p:cxnSp>
-      <p:cxnSp>
-        <p:nvCxnSpPr>
-          <p:cNvPr id="50" name="连接符: 肘形 49">
-            <a:extLst>
-              <a:ext uri="{FF2B5EF4-FFF2-40B4-BE49-F238E27FC236}">
-                <a16:creationId xmlns:a16="http://schemas.microsoft.com/office/drawing/2014/main" id="{4F794570-8EFF-4CF6-BEB7-0ED2D6059A88}"/>
-              </a:ext>
-            </a:extLst>
-          </p:cNvPr>
-          <p:cNvCxnSpPr>
-            <a:stCxn id="11" idx="3"/>
-            <a:endCxn id="19" idx="1"/>
-          </p:cNvCxnSpPr>
-          <p:nvPr/>
-        </p:nvCxnSpPr>
-        <p:spPr>
-          <a:xfrm>
-            <a:off x="4607149" y="4507934"/>
-            <a:ext cx="789191" cy="12700"/>
-          </a:xfrm>
-          <a:prstGeom prst="bentConnector3">
-            <a:avLst/>
-          </a:prstGeom>
-          <a:ln>
-            <a:tailEnd type="triangle"/>
-          </a:ln>
-        </p:spPr>
-        <p:style>
-          <a:lnRef idx="1">
-            <a:schemeClr val="accent1"/>
-          </a:lnRef>
-          <a:fillRef idx="0">
-            <a:schemeClr val="accent1"/>
-          </a:fillRef>
-          <a:effectRef idx="0">
-            <a:schemeClr val="accent1"/>
-          </a:effectRef>
-          <a:fontRef idx="minor">
-            <a:schemeClr val="tx1"/>
-          </a:fontRef>
-        </p:style>
-      </p:cxnSp>
-      <p:cxnSp>
-        <p:nvCxnSpPr>
-          <p:cNvPr id="55" name="连接符: 肘形 54">
-            <a:extLst>
-              <a:ext uri="{FF2B5EF4-FFF2-40B4-BE49-F238E27FC236}">
-                <a16:creationId xmlns:a16="http://schemas.microsoft.com/office/drawing/2014/main" id="{CA9666EA-4CA5-4ABB-8A2E-A64784E85B9C}"/>
-              </a:ext>
-            </a:extLst>
-          </p:cNvPr>
-          <p:cNvCxnSpPr>
-            <a:stCxn id="10" idx="3"/>
-            <a:endCxn id="18" idx="1"/>
-          </p:cNvCxnSpPr>
-          <p:nvPr/>
-        </p:nvCxnSpPr>
-        <p:spPr>
-          <a:xfrm>
-            <a:off x="4607149" y="3252713"/>
-            <a:ext cx="789191" cy="12700"/>
-          </a:xfrm>
-          <a:prstGeom prst="bentConnector3">
-            <a:avLst/>
-          </a:prstGeom>
-          <a:ln>
-            <a:tailEnd type="triangle"/>
-          </a:ln>
-        </p:spPr>
-        <p:style>
-          <a:lnRef idx="1">
-            <a:schemeClr val="accent1"/>
-          </a:lnRef>
-          <a:fillRef idx="0">
-            <a:schemeClr val="accent1"/>
-          </a:fillRef>
-          <a:effectRef idx="0">
-            <a:schemeClr val="accent1"/>
-          </a:effectRef>
-          <a:fontRef idx="minor">
-            <a:schemeClr val="tx1"/>
-          </a:fontRef>
-        </p:style>
-      </p:cxnSp>
-      <p:cxnSp>
-        <p:nvCxnSpPr>
-          <p:cNvPr id="57" name="连接符: 肘形 56">
-            <a:extLst>
-              <a:ext uri="{FF2B5EF4-FFF2-40B4-BE49-F238E27FC236}">
-                <a16:creationId xmlns:a16="http://schemas.microsoft.com/office/drawing/2014/main" id="{40BAB3DD-B80E-4CB6-B55E-4B5AC9567114}"/>
-              </a:ext>
-            </a:extLst>
-          </p:cNvPr>
-          <p:cNvCxnSpPr>
-            <a:stCxn id="18" idx="3"/>
-            <a:endCxn id="14" idx="1"/>
-          </p:cNvCxnSpPr>
-          <p:nvPr/>
-        </p:nvCxnSpPr>
-        <p:spPr>
-          <a:xfrm flipV="1">
-            <a:off x="6846034" y="3252712"/>
-            <a:ext cx="742246" cy="1"/>
-          </a:xfrm>
-          <a:prstGeom prst="bentConnector3">
-            <a:avLst/>
-          </a:prstGeom>
-          <a:ln>
-            <a:tailEnd type="triangle"/>
-          </a:ln>
-        </p:spPr>
-        <p:style>
-          <a:lnRef idx="1">
-            <a:schemeClr val="accent1"/>
-          </a:lnRef>
-          <a:fillRef idx="0">
-            <a:schemeClr val="accent1"/>
-          </a:fillRef>
-          <a:effectRef idx="0">
-            <a:schemeClr val="accent1"/>
-          </a:effectRef>
-          <a:fontRef idx="minor">
-            <a:schemeClr val="tx1"/>
-          </a:fontRef>
-        </p:style>
-      </p:cxnSp>
-      <p:cxnSp>
-        <p:nvCxnSpPr>
-          <p:cNvPr id="59" name="连接符: 肘形 58">
-            <a:extLst>
-              <a:ext uri="{FF2B5EF4-FFF2-40B4-BE49-F238E27FC236}">
-                <a16:creationId xmlns:a16="http://schemas.microsoft.com/office/drawing/2014/main" id="{26F7AC5B-32AD-426A-91D7-6773D5991FFC}"/>
-              </a:ext>
-            </a:extLst>
-          </p:cNvPr>
-          <p:cNvCxnSpPr>
-            <a:stCxn id="17" idx="3"/>
-            <a:endCxn id="13" idx="1"/>
-          </p:cNvCxnSpPr>
-          <p:nvPr/>
-        </p:nvCxnSpPr>
-        <p:spPr>
-          <a:xfrm flipV="1">
-            <a:off x="6846034" y="2198076"/>
-            <a:ext cx="742246" cy="1"/>
-          </a:xfrm>
-          <a:prstGeom prst="bentConnector3">
-            <a:avLst/>
-          </a:prstGeom>
-          <a:ln>
-            <a:tailEnd type="triangle"/>
-          </a:ln>
-        </p:spPr>
-        <p:style>
-          <a:lnRef idx="1">
-            <a:schemeClr val="accent1"/>
-          </a:lnRef>
-          <a:fillRef idx="0">
-            <a:schemeClr val="accent1"/>
-          </a:fillRef>
-          <a:effectRef idx="0">
-            <a:schemeClr val="accent1"/>
-          </a:effectRef>
-          <a:fontRef idx="minor">
-            <a:schemeClr val="tx1"/>
-          </a:fontRef>
-        </p:style>
-      </p:cxnSp>
-      <p:cxnSp>
-        <p:nvCxnSpPr>
-          <p:cNvPr id="62" name="连接符: 肘形 61">
-            <a:extLst>
-              <a:ext uri="{FF2B5EF4-FFF2-40B4-BE49-F238E27FC236}">
-                <a16:creationId xmlns:a16="http://schemas.microsoft.com/office/drawing/2014/main" id="{2F2ED12E-59BC-4429-BD7F-83314F944371}"/>
-              </a:ext>
-            </a:extLst>
-          </p:cNvPr>
-          <p:cNvCxnSpPr>
-            <a:stCxn id="19" idx="3"/>
-            <a:endCxn id="15" idx="1"/>
-          </p:cNvCxnSpPr>
-          <p:nvPr/>
-        </p:nvCxnSpPr>
-        <p:spPr>
-          <a:xfrm flipV="1">
-            <a:off x="6846034" y="4507933"/>
-            <a:ext cx="742246" cy="1"/>
-          </a:xfrm>
-          <a:prstGeom prst="bentConnector3">
-            <a:avLst/>
-          </a:prstGeom>
-          <a:ln>
-            <a:tailEnd type="triangle"/>
-          </a:ln>
-        </p:spPr>
-        <p:style>
-          <a:lnRef idx="1">
-            <a:schemeClr val="accent1"/>
-          </a:lnRef>
-          <a:fillRef idx="0">
-            <a:schemeClr val="accent1"/>
-          </a:fillRef>
-          <a:effectRef idx="0">
-            <a:schemeClr val="accent1"/>
-          </a:effectRef>
-          <a:fontRef idx="minor">
-            <a:schemeClr val="tx1"/>
-          </a:fontRef>
-        </p:style>
-      </p:cxnSp>
-      <p:cxnSp>
-        <p:nvCxnSpPr>
-          <p:cNvPr id="117" name="连接符: 肘形 116">
-            <a:extLst>
-              <a:ext uri="{FF2B5EF4-FFF2-40B4-BE49-F238E27FC236}">
-                <a16:creationId xmlns:a16="http://schemas.microsoft.com/office/drawing/2014/main" id="{4CBACC6D-6AB0-4A51-BB8B-211ADD14AEB6}"/>
-              </a:ext>
-            </a:extLst>
-          </p:cNvPr>
-          <p:cNvCxnSpPr>
-            <a:stCxn id="11" idx="2"/>
-            <a:endCxn id="21" idx="2"/>
-          </p:cNvCxnSpPr>
-          <p:nvPr/>
-        </p:nvCxnSpPr>
-        <p:spPr>
-          <a:xfrm rot="16200000" flipH="1">
-            <a:off x="6576411" y="2108571"/>
-            <a:ext cx="1314064" cy="6702282"/>
-          </a:xfrm>
-          <a:prstGeom prst="bentConnector2">
-            <a:avLst/>
-          </a:prstGeom>
-          <a:ln>
-            <a:tailEnd type="triangle"/>
-          </a:ln>
-        </p:spPr>
-        <p:style>
-          <a:lnRef idx="1">
-            <a:schemeClr val="accent1"/>
-          </a:lnRef>
-          <a:fillRef idx="0">
-            <a:schemeClr val="accent1"/>
-          </a:fillRef>
-          <a:effectRef idx="0">
-            <a:schemeClr val="accent1"/>
-          </a:effectRef>
-          <a:fontRef idx="minor">
-            <a:schemeClr val="tx1"/>
-          </a:fontRef>
-        </p:style>
-      </p:cxnSp>
-      <p:cxnSp>
-        <p:nvCxnSpPr>
-          <p:cNvPr id="119" name="连接符: 肘形 118">
-            <a:extLst>
-              <a:ext uri="{FF2B5EF4-FFF2-40B4-BE49-F238E27FC236}">
-                <a16:creationId xmlns:a16="http://schemas.microsoft.com/office/drawing/2014/main" id="{1FAF6B61-DF94-4DBB-A340-8EDA701A6E56}"/>
-              </a:ext>
-            </a:extLst>
-          </p:cNvPr>
-          <p:cNvCxnSpPr>
-            <a:stCxn id="16" idx="2"/>
-            <a:endCxn id="21" idx="0"/>
-          </p:cNvCxnSpPr>
-          <p:nvPr/>
-        </p:nvCxnSpPr>
-        <p:spPr>
-          <a:xfrm rot="16200000" flipH="1">
-            <a:off x="6278823" y="1326469"/>
-            <a:ext cx="4373982" cy="4689255"/>
-          </a:xfrm>
-          <a:prstGeom prst="bentConnector3">
-            <a:avLst>
-              <a:gd name="adj1" fmla="val 3834"/>
-            </a:avLst>
-          </a:prstGeom>
-          <a:ln>
-            <a:tailEnd type="triangle"/>
-          </a:ln>
-        </p:spPr>
-        <p:style>
-          <a:lnRef idx="1">
-            <a:schemeClr val="accent1"/>
-          </a:lnRef>
-          <a:fillRef idx="0">
-            <a:schemeClr val="accent1"/>
-          </a:fillRef>
-          <a:effectRef idx="0">
-            <a:schemeClr val="accent1"/>
-          </a:effectRef>
-          <a:fontRef idx="minor">
-            <a:schemeClr val="tx1"/>
-          </a:fontRef>
-        </p:style>
-      </p:cxnSp>
-      <p:cxnSp>
-        <p:nvCxnSpPr>
-          <p:cNvPr id="122" name="连接符: 肘形 121">
-            <a:extLst>
-              <a:ext uri="{FF2B5EF4-FFF2-40B4-BE49-F238E27FC236}">
-                <a16:creationId xmlns:a16="http://schemas.microsoft.com/office/drawing/2014/main" id="{B61B31C8-F13E-4613-86A0-8737C4077F64}"/>
-              </a:ext>
-            </a:extLst>
-          </p:cNvPr>
-          <p:cNvCxnSpPr>
-            <a:stCxn id="17" idx="2"/>
-            <a:endCxn id="21" idx="0"/>
-          </p:cNvCxnSpPr>
-          <p:nvPr/>
-        </p:nvCxnSpPr>
-        <p:spPr>
-          <a:xfrm rot="16200000" flipH="1">
-            <a:off x="6783182" y="1830827"/>
-            <a:ext cx="3365265" cy="4689255"/>
-          </a:xfrm>
-          <a:prstGeom prst="bentConnector3">
-            <a:avLst>
-              <a:gd name="adj1" fmla="val 7733"/>
-            </a:avLst>
-          </a:prstGeom>
-          <a:ln>
-            <a:tailEnd type="triangle"/>
-          </a:ln>
-        </p:spPr>
-        <p:style>
-          <a:lnRef idx="1">
-            <a:schemeClr val="accent1"/>
-          </a:lnRef>
-          <a:fillRef idx="0">
-            <a:schemeClr val="accent1"/>
-          </a:fillRef>
-          <a:effectRef idx="0">
-            <a:schemeClr val="accent1"/>
-          </a:effectRef>
-          <a:fontRef idx="minor">
-            <a:schemeClr val="tx1"/>
-          </a:fontRef>
-        </p:style>
-      </p:cxnSp>
-      <p:cxnSp>
-        <p:nvCxnSpPr>
-          <p:cNvPr id="125" name="连接符: 肘形 124">
-            <a:extLst>
-              <a:ext uri="{FF2B5EF4-FFF2-40B4-BE49-F238E27FC236}">
-                <a16:creationId xmlns:a16="http://schemas.microsoft.com/office/drawing/2014/main" id="{15ECFB0D-0330-4CBB-9927-370B7E9422DA}"/>
-              </a:ext>
-            </a:extLst>
-          </p:cNvPr>
-          <p:cNvCxnSpPr>
-            <a:stCxn id="18" idx="2"/>
-            <a:endCxn id="21" idx="0"/>
-          </p:cNvCxnSpPr>
-          <p:nvPr/>
-        </p:nvCxnSpPr>
-        <p:spPr>
-          <a:xfrm rot="16200000" flipH="1">
-            <a:off x="7310500" y="2358145"/>
-            <a:ext cx="2310629" cy="4689255"/>
-          </a:xfrm>
-          <a:prstGeom prst="bentConnector3">
-            <a:avLst>
-              <a:gd name="adj1" fmla="val 13175"/>
-            </a:avLst>
-          </a:prstGeom>
-          <a:ln>
-            <a:tailEnd type="triangle"/>
-          </a:ln>
-        </p:spPr>
-        <p:style>
-          <a:lnRef idx="1">
-            <a:schemeClr val="accent1"/>
-          </a:lnRef>
-          <a:fillRef idx="0">
-            <a:schemeClr val="accent1"/>
-          </a:fillRef>
-          <a:effectRef idx="0">
-            <a:schemeClr val="accent1"/>
-          </a:effectRef>
-          <a:fontRef idx="minor">
-            <a:schemeClr val="tx1"/>
-          </a:fontRef>
-        </p:style>
-      </p:cxnSp>
-      <p:cxnSp>
-        <p:nvCxnSpPr>
-          <p:cNvPr id="128" name="连接符: 肘形 127">
-            <a:extLst>
-              <a:ext uri="{FF2B5EF4-FFF2-40B4-BE49-F238E27FC236}">
-                <a16:creationId xmlns:a16="http://schemas.microsoft.com/office/drawing/2014/main" id="{F6C4A093-100D-4D91-9AF1-7F9A00EF7360}"/>
-              </a:ext>
-            </a:extLst>
-          </p:cNvPr>
-          <p:cNvCxnSpPr>
-            <a:stCxn id="19" idx="2"/>
-            <a:endCxn id="21" idx="0"/>
-          </p:cNvCxnSpPr>
-          <p:nvPr/>
-        </p:nvCxnSpPr>
-        <p:spPr>
-          <a:xfrm rot="16200000" flipH="1">
-            <a:off x="7938110" y="2985756"/>
-            <a:ext cx="1055408" cy="4689255"/>
-          </a:xfrm>
-          <a:prstGeom prst="bentConnector3">
-            <a:avLst/>
-          </a:prstGeom>
-          <a:ln>
-            <a:tailEnd type="triangle"/>
-          </a:ln>
-        </p:spPr>
-        <p:style>
-          <a:lnRef idx="1">
-            <a:schemeClr val="accent1"/>
-          </a:lnRef>
-          <a:fillRef idx="0">
-            <a:schemeClr val="accent1"/>
-          </a:fillRef>
-          <a:effectRef idx="0">
-            <a:schemeClr val="accent1"/>
-          </a:effectRef>
-          <a:fontRef idx="minor">
-            <a:schemeClr val="tx1"/>
-          </a:fontRef>
-        </p:style>
-      </p:cxnSp>
-    </p:spTree>
-    <p:extLst>
-      <p:ext uri="{BB962C8B-B14F-4D97-AF65-F5344CB8AC3E}">
-        <p14:creationId xmlns:p14="http://schemas.microsoft.com/office/powerpoint/2010/main" val="3244671955"/>
       </p:ext>
     </p:extLst>
   </p:cSld>

--- a/Lims系统架构.pptx
+++ b/Lims系统架构.pptx
@@ -9,12 +9,13 @@
     <p:sldId id="258" r:id="rId3"/>
     <p:sldId id="259" r:id="rId4"/>
     <p:sldId id="261" r:id="rId5"/>
-    <p:sldId id="270" r:id="rId6"/>
-    <p:sldId id="266" r:id="rId7"/>
-    <p:sldId id="269" r:id="rId8"/>
-    <p:sldId id="265" r:id="rId9"/>
-    <p:sldId id="262" r:id="rId10"/>
-    <p:sldId id="263" r:id="rId11"/>
+    <p:sldId id="271" r:id="rId6"/>
+    <p:sldId id="270" r:id="rId7"/>
+    <p:sldId id="266" r:id="rId8"/>
+    <p:sldId id="269" r:id="rId9"/>
+    <p:sldId id="265" r:id="rId10"/>
+    <p:sldId id="262" r:id="rId11"/>
+    <p:sldId id="263" r:id="rId12"/>
   </p:sldIdLst>
   <p:sldSz cx="12192000" cy="6858000"/>
   <p:notesSz cx="6858000" cy="9144000"/>
@@ -272,7 +273,7 @@
           <a:p>
             <a:fld id="{00AAAA25-D02D-473F-8F4C-222AA5CCAE96}" type="datetimeFigureOut">
               <a:rPr lang="zh-CN" altLang="en-US" smtClean="0"/>
-              <a:t>2017/11/3</a:t>
+              <a:t>2017/11/15</a:t>
             </a:fld>
             <a:endParaRPr lang="zh-CN" altLang="en-US"/>
           </a:p>
@@ -470,7 +471,7 @@
           <a:p>
             <a:fld id="{00AAAA25-D02D-473F-8F4C-222AA5CCAE96}" type="datetimeFigureOut">
               <a:rPr lang="zh-CN" altLang="en-US" smtClean="0"/>
-              <a:t>2017/11/3</a:t>
+              <a:t>2017/11/15</a:t>
             </a:fld>
             <a:endParaRPr lang="zh-CN" altLang="en-US"/>
           </a:p>
@@ -678,7 +679,7 @@
           <a:p>
             <a:fld id="{00AAAA25-D02D-473F-8F4C-222AA5CCAE96}" type="datetimeFigureOut">
               <a:rPr lang="zh-CN" altLang="en-US" smtClean="0"/>
-              <a:t>2017/11/3</a:t>
+              <a:t>2017/11/15</a:t>
             </a:fld>
             <a:endParaRPr lang="zh-CN" altLang="en-US"/>
           </a:p>
@@ -876,7 +877,7 @@
           <a:p>
             <a:fld id="{00AAAA25-D02D-473F-8F4C-222AA5CCAE96}" type="datetimeFigureOut">
               <a:rPr lang="zh-CN" altLang="en-US" smtClean="0"/>
-              <a:t>2017/11/3</a:t>
+              <a:t>2017/11/15</a:t>
             </a:fld>
             <a:endParaRPr lang="zh-CN" altLang="en-US"/>
           </a:p>
@@ -1151,7 +1152,7 @@
           <a:p>
             <a:fld id="{00AAAA25-D02D-473F-8F4C-222AA5CCAE96}" type="datetimeFigureOut">
               <a:rPr lang="zh-CN" altLang="en-US" smtClean="0"/>
-              <a:t>2017/11/3</a:t>
+              <a:t>2017/11/15</a:t>
             </a:fld>
             <a:endParaRPr lang="zh-CN" altLang="en-US"/>
           </a:p>
@@ -1416,7 +1417,7 @@
           <a:p>
             <a:fld id="{00AAAA25-D02D-473F-8F4C-222AA5CCAE96}" type="datetimeFigureOut">
               <a:rPr lang="zh-CN" altLang="en-US" smtClean="0"/>
-              <a:t>2017/11/3</a:t>
+              <a:t>2017/11/15</a:t>
             </a:fld>
             <a:endParaRPr lang="zh-CN" altLang="en-US"/>
           </a:p>
@@ -1828,7 +1829,7 @@
           <a:p>
             <a:fld id="{00AAAA25-D02D-473F-8F4C-222AA5CCAE96}" type="datetimeFigureOut">
               <a:rPr lang="zh-CN" altLang="en-US" smtClean="0"/>
-              <a:t>2017/11/3</a:t>
+              <a:t>2017/11/15</a:t>
             </a:fld>
             <a:endParaRPr lang="zh-CN" altLang="en-US"/>
           </a:p>
@@ -1969,7 +1970,7 @@
           <a:p>
             <a:fld id="{00AAAA25-D02D-473F-8F4C-222AA5CCAE96}" type="datetimeFigureOut">
               <a:rPr lang="zh-CN" altLang="en-US" smtClean="0"/>
-              <a:t>2017/11/3</a:t>
+              <a:t>2017/11/15</a:t>
             </a:fld>
             <a:endParaRPr lang="zh-CN" altLang="en-US"/>
           </a:p>
@@ -2082,7 +2083,7 @@
           <a:p>
             <a:fld id="{00AAAA25-D02D-473F-8F4C-222AA5CCAE96}" type="datetimeFigureOut">
               <a:rPr lang="zh-CN" altLang="en-US" smtClean="0"/>
-              <a:t>2017/11/3</a:t>
+              <a:t>2017/11/15</a:t>
             </a:fld>
             <a:endParaRPr lang="zh-CN" altLang="en-US"/>
           </a:p>
@@ -2393,7 +2394,7 @@
           <a:p>
             <a:fld id="{00AAAA25-D02D-473F-8F4C-222AA5CCAE96}" type="datetimeFigureOut">
               <a:rPr lang="zh-CN" altLang="en-US" smtClean="0"/>
-              <a:t>2017/11/3</a:t>
+              <a:t>2017/11/15</a:t>
             </a:fld>
             <a:endParaRPr lang="zh-CN" altLang="en-US"/>
           </a:p>
@@ -2681,7 +2682,7 @@
           <a:p>
             <a:fld id="{00AAAA25-D02D-473F-8F4C-222AA5CCAE96}" type="datetimeFigureOut">
               <a:rPr lang="zh-CN" altLang="en-US" smtClean="0"/>
-              <a:t>2017/11/3</a:t>
+              <a:t>2017/11/15</a:t>
             </a:fld>
             <a:endParaRPr lang="zh-CN" altLang="en-US"/>
           </a:p>
@@ -2922,7 +2923,7 @@
           <a:p>
             <a:fld id="{00AAAA25-D02D-473F-8F4C-222AA5CCAE96}" type="datetimeFigureOut">
               <a:rPr lang="zh-CN" altLang="en-US" smtClean="0"/>
-              <a:t>2017/11/3</a:t>
+              <a:t>2017/11/15</a:t>
             </a:fld>
             <a:endParaRPr lang="zh-CN" altLang="en-US"/>
           </a:p>
@@ -5147,6 +5148,718 @@
       </p:grpSpPr>
       <p:grpSp>
         <p:nvGrpSpPr>
+          <p:cNvPr id="2" name="组合 1">
+            <a:extLst>
+              <a:ext uri="{FF2B5EF4-FFF2-40B4-BE49-F238E27FC236}">
+                <a16:creationId xmlns:a16="http://schemas.microsoft.com/office/drawing/2014/main" id="{8AF2023B-865D-4386-B1F2-6B01BD1A3DB3}"/>
+              </a:ext>
+            </a:extLst>
+          </p:cNvPr>
+          <p:cNvGrpSpPr/>
+          <p:nvPr/>
+        </p:nvGrpSpPr>
+        <p:grpSpPr>
+          <a:xfrm>
+            <a:off x="4263888" y="860877"/>
+            <a:ext cx="5542722" cy="5686208"/>
+            <a:chOff x="4263888" y="860877"/>
+            <a:chExt cx="5542722" cy="5686208"/>
+          </a:xfrm>
+        </p:grpSpPr>
+        <p:sp>
+          <p:nvSpPr>
+            <p:cNvPr id="4" name="六边形 3">
+              <a:extLst>
+                <a:ext uri="{FF2B5EF4-FFF2-40B4-BE49-F238E27FC236}">
+                  <a16:creationId xmlns:a16="http://schemas.microsoft.com/office/drawing/2014/main" id="{767CCBDA-114B-487A-B6F1-5B924C716707}"/>
+                </a:ext>
+              </a:extLst>
+            </p:cNvPr>
+            <p:cNvSpPr/>
+            <p:nvPr/>
+          </p:nvSpPr>
+          <p:spPr>
+            <a:xfrm>
+              <a:off x="4263888" y="2984923"/>
+              <a:ext cx="1652843" cy="1424865"/>
+            </a:xfrm>
+            <a:prstGeom prst="hexagon">
+              <a:avLst/>
+            </a:prstGeom>
+          </p:spPr>
+          <p:style>
+            <a:lnRef idx="1">
+              <a:schemeClr val="accent6"/>
+            </a:lnRef>
+            <a:fillRef idx="2">
+              <a:schemeClr val="accent6"/>
+            </a:fillRef>
+            <a:effectRef idx="1">
+              <a:schemeClr val="accent6"/>
+            </a:effectRef>
+            <a:fontRef idx="minor">
+              <a:schemeClr val="dk1"/>
+            </a:fontRef>
+          </p:style>
+          <p:txBody>
+            <a:bodyPr rtlCol="0" anchor="ctr"/>
+            <a:lstStyle/>
+            <a:p>
+              <a:pPr algn="ctr"/>
+              <a:r>
+                <a:rPr lang="zh-CN" altLang="en-US" dirty="0"/>
+                <a:t>用户前端</a:t>
+              </a:r>
+            </a:p>
+          </p:txBody>
+        </p:sp>
+        <p:sp>
+          <p:nvSpPr>
+            <p:cNvPr id="5" name="六边形 4">
+              <a:extLst>
+                <a:ext uri="{FF2B5EF4-FFF2-40B4-BE49-F238E27FC236}">
+                  <a16:creationId xmlns:a16="http://schemas.microsoft.com/office/drawing/2014/main" id="{E1E9C886-3413-4984-A7B5-6C176C2AE7D6}"/>
+                </a:ext>
+              </a:extLst>
+            </p:cNvPr>
+            <p:cNvSpPr/>
+            <p:nvPr/>
+          </p:nvSpPr>
+          <p:spPr>
+            <a:xfrm>
+              <a:off x="6857141" y="2984924"/>
+              <a:ext cx="1652843" cy="1424865"/>
+            </a:xfrm>
+            <a:prstGeom prst="hexagon">
+              <a:avLst/>
+            </a:prstGeom>
+          </p:spPr>
+          <p:style>
+            <a:lnRef idx="1">
+              <a:schemeClr val="accent6"/>
+            </a:lnRef>
+            <a:fillRef idx="2">
+              <a:schemeClr val="accent6"/>
+            </a:fillRef>
+            <a:effectRef idx="1">
+              <a:schemeClr val="accent6"/>
+            </a:effectRef>
+            <a:fontRef idx="minor">
+              <a:schemeClr val="dk1"/>
+            </a:fontRef>
+          </p:style>
+          <p:txBody>
+            <a:bodyPr rtlCol="0" anchor="ctr"/>
+            <a:lstStyle/>
+            <a:p>
+              <a:pPr algn="ctr"/>
+              <a:r>
+                <a:rPr lang="zh-CN" altLang="en-US" dirty="0"/>
+                <a:t>运维前端</a:t>
+              </a:r>
+            </a:p>
+          </p:txBody>
+        </p:sp>
+        <p:sp>
+          <p:nvSpPr>
+            <p:cNvPr id="6" name="六边形 5">
+              <a:extLst>
+                <a:ext uri="{FF2B5EF4-FFF2-40B4-BE49-F238E27FC236}">
+                  <a16:creationId xmlns:a16="http://schemas.microsoft.com/office/drawing/2014/main" id="{21B8DE38-2906-4E7D-852E-1284230FD782}"/>
+                </a:ext>
+              </a:extLst>
+            </p:cNvPr>
+            <p:cNvSpPr/>
+            <p:nvPr/>
+          </p:nvSpPr>
+          <p:spPr>
+            <a:xfrm>
+              <a:off x="5560514" y="3697356"/>
+              <a:ext cx="1652843" cy="1424865"/>
+            </a:xfrm>
+            <a:prstGeom prst="hexagon">
+              <a:avLst/>
+            </a:prstGeom>
+          </p:spPr>
+          <p:style>
+            <a:lnRef idx="0">
+              <a:schemeClr val="accent5"/>
+            </a:lnRef>
+            <a:fillRef idx="3">
+              <a:schemeClr val="accent5"/>
+            </a:fillRef>
+            <a:effectRef idx="3">
+              <a:schemeClr val="accent5"/>
+            </a:effectRef>
+            <a:fontRef idx="minor">
+              <a:schemeClr val="lt1"/>
+            </a:fontRef>
+          </p:style>
+          <p:txBody>
+            <a:bodyPr rtlCol="0" anchor="ctr"/>
+            <a:lstStyle/>
+            <a:p>
+              <a:pPr algn="ctr"/>
+              <a:r>
+                <a:rPr lang="zh-CN" altLang="en-US" dirty="0"/>
+                <a:t>容器监测</a:t>
+              </a:r>
+            </a:p>
+          </p:txBody>
+        </p:sp>
+        <p:sp>
+          <p:nvSpPr>
+            <p:cNvPr id="7" name="六边形 6">
+              <a:extLst>
+                <a:ext uri="{FF2B5EF4-FFF2-40B4-BE49-F238E27FC236}">
+                  <a16:creationId xmlns:a16="http://schemas.microsoft.com/office/drawing/2014/main" id="{F6EFA57E-22F1-4A35-9CDA-494FE99DECC8}"/>
+                </a:ext>
+              </a:extLst>
+            </p:cNvPr>
+            <p:cNvSpPr/>
+            <p:nvPr/>
+          </p:nvSpPr>
+          <p:spPr>
+            <a:xfrm>
+              <a:off x="5560514" y="2272490"/>
+              <a:ext cx="1652843" cy="1424865"/>
+            </a:xfrm>
+            <a:prstGeom prst="hexagon">
+              <a:avLst/>
+            </a:prstGeom>
+          </p:spPr>
+          <p:style>
+            <a:lnRef idx="0">
+              <a:schemeClr val="accent5"/>
+            </a:lnRef>
+            <a:fillRef idx="3">
+              <a:schemeClr val="accent5"/>
+            </a:fillRef>
+            <a:effectRef idx="3">
+              <a:schemeClr val="accent5"/>
+            </a:effectRef>
+            <a:fontRef idx="minor">
+              <a:schemeClr val="lt1"/>
+            </a:fontRef>
+          </p:style>
+          <p:txBody>
+            <a:bodyPr rtlCol="0" anchor="ctr"/>
+            <a:lstStyle/>
+            <a:p>
+              <a:pPr algn="ctr"/>
+              <a:r>
+                <a:rPr lang="zh-CN" altLang="en-US" dirty="0"/>
+                <a:t>自动发布</a:t>
+              </a:r>
+            </a:p>
+          </p:txBody>
+        </p:sp>
+        <p:sp>
+          <p:nvSpPr>
+            <p:cNvPr id="8" name="六边形 7">
+              <a:extLst>
+                <a:ext uri="{FF2B5EF4-FFF2-40B4-BE49-F238E27FC236}">
+                  <a16:creationId xmlns:a16="http://schemas.microsoft.com/office/drawing/2014/main" id="{0591B2AB-09E6-475A-BDD7-9F25F147065D}"/>
+                </a:ext>
+              </a:extLst>
+            </p:cNvPr>
+            <p:cNvSpPr/>
+            <p:nvPr/>
+          </p:nvSpPr>
+          <p:spPr>
+            <a:xfrm>
+              <a:off x="6857141" y="4409788"/>
+              <a:ext cx="1652843" cy="1424865"/>
+            </a:xfrm>
+            <a:prstGeom prst="hexagon">
+              <a:avLst/>
+            </a:prstGeom>
+          </p:spPr>
+          <p:style>
+            <a:lnRef idx="0">
+              <a:schemeClr val="accent5"/>
+            </a:lnRef>
+            <a:fillRef idx="3">
+              <a:schemeClr val="accent5"/>
+            </a:fillRef>
+            <a:effectRef idx="3">
+              <a:schemeClr val="accent5"/>
+            </a:effectRef>
+            <a:fontRef idx="minor">
+              <a:schemeClr val="lt1"/>
+            </a:fontRef>
+          </p:style>
+          <p:txBody>
+            <a:bodyPr rtlCol="0" anchor="ctr"/>
+            <a:lstStyle/>
+            <a:p>
+              <a:pPr algn="ctr"/>
+              <a:r>
+                <a:rPr lang="zh-CN" altLang="en-US" dirty="0"/>
+                <a:t>通知系统</a:t>
+              </a:r>
+            </a:p>
+          </p:txBody>
+        </p:sp>
+        <p:sp>
+          <p:nvSpPr>
+            <p:cNvPr id="9" name="六边形 8">
+              <a:extLst>
+                <a:ext uri="{FF2B5EF4-FFF2-40B4-BE49-F238E27FC236}">
+                  <a16:creationId xmlns:a16="http://schemas.microsoft.com/office/drawing/2014/main" id="{3F5CAD79-30BC-40C1-AE88-FCC5004AF5CC}"/>
+                </a:ext>
+              </a:extLst>
+            </p:cNvPr>
+            <p:cNvSpPr/>
+            <p:nvPr/>
+          </p:nvSpPr>
+          <p:spPr>
+            <a:xfrm>
+              <a:off x="8153767" y="5122220"/>
+              <a:ext cx="1652843" cy="1424865"/>
+            </a:xfrm>
+            <a:prstGeom prst="hexagon">
+              <a:avLst/>
+            </a:prstGeom>
+            <a:ln>
+              <a:solidFill>
+                <a:srgbClr val="FF0000"/>
+              </a:solidFill>
+            </a:ln>
+          </p:spPr>
+          <p:style>
+            <a:lnRef idx="0">
+              <a:schemeClr val="accent5"/>
+            </a:lnRef>
+            <a:fillRef idx="3">
+              <a:schemeClr val="accent5"/>
+            </a:fillRef>
+            <a:effectRef idx="3">
+              <a:schemeClr val="accent5"/>
+            </a:effectRef>
+            <a:fontRef idx="minor">
+              <a:schemeClr val="lt1"/>
+            </a:fontRef>
+          </p:style>
+          <p:txBody>
+            <a:bodyPr rtlCol="0" anchor="ctr"/>
+            <a:lstStyle/>
+            <a:p>
+              <a:pPr algn="ctr"/>
+              <a:r>
+                <a:rPr lang="zh-CN" altLang="en-US" dirty="0"/>
+                <a:t>消息网关</a:t>
+              </a:r>
+            </a:p>
+          </p:txBody>
+        </p:sp>
+        <p:sp>
+          <p:nvSpPr>
+            <p:cNvPr id="16" name="六边形 15">
+              <a:extLst>
+                <a:ext uri="{FF2B5EF4-FFF2-40B4-BE49-F238E27FC236}">
+                  <a16:creationId xmlns:a16="http://schemas.microsoft.com/office/drawing/2014/main" id="{E5E91220-B45F-4891-A6CF-33363FD17DD2}"/>
+                </a:ext>
+              </a:extLst>
+            </p:cNvPr>
+            <p:cNvSpPr/>
+            <p:nvPr/>
+          </p:nvSpPr>
+          <p:spPr>
+            <a:xfrm>
+              <a:off x="5560514" y="5122220"/>
+              <a:ext cx="1652843" cy="1424865"/>
+            </a:xfrm>
+            <a:prstGeom prst="hexagon">
+              <a:avLst/>
+            </a:prstGeom>
+          </p:spPr>
+          <p:style>
+            <a:lnRef idx="0">
+              <a:schemeClr val="accent5"/>
+            </a:lnRef>
+            <a:fillRef idx="3">
+              <a:schemeClr val="accent5"/>
+            </a:fillRef>
+            <a:effectRef idx="3">
+              <a:schemeClr val="accent5"/>
+            </a:effectRef>
+            <a:fontRef idx="minor">
+              <a:schemeClr val="lt1"/>
+            </a:fontRef>
+          </p:style>
+          <p:txBody>
+            <a:bodyPr rtlCol="0" anchor="ctr"/>
+            <a:lstStyle/>
+            <a:p>
+              <a:pPr algn="ctr"/>
+              <a:r>
+                <a:rPr lang="zh-CN" altLang="en-US" dirty="0"/>
+                <a:t>日志管理</a:t>
+              </a:r>
+            </a:p>
+          </p:txBody>
+        </p:sp>
+        <p:sp>
+          <p:nvSpPr>
+            <p:cNvPr id="15" name="六边形 14">
+              <a:extLst>
+                <a:ext uri="{FF2B5EF4-FFF2-40B4-BE49-F238E27FC236}">
+                  <a16:creationId xmlns:a16="http://schemas.microsoft.com/office/drawing/2014/main" id="{4DD5AD0D-CD5C-4C32-A67B-FDC447651082}"/>
+                </a:ext>
+              </a:extLst>
+            </p:cNvPr>
+            <p:cNvSpPr/>
+            <p:nvPr/>
+          </p:nvSpPr>
+          <p:spPr>
+            <a:xfrm>
+              <a:off x="5547262" y="860877"/>
+              <a:ext cx="1652843" cy="1424865"/>
+            </a:xfrm>
+            <a:prstGeom prst="hexagon">
+              <a:avLst/>
+            </a:prstGeom>
+          </p:spPr>
+          <p:style>
+            <a:lnRef idx="1">
+              <a:schemeClr val="dk1"/>
+            </a:lnRef>
+            <a:fillRef idx="3">
+              <a:schemeClr val="dk1"/>
+            </a:fillRef>
+            <a:effectRef idx="2">
+              <a:schemeClr val="dk1"/>
+            </a:effectRef>
+            <a:fontRef idx="minor">
+              <a:schemeClr val="lt1"/>
+            </a:fontRef>
+          </p:style>
+          <p:txBody>
+            <a:bodyPr rtlCol="0" anchor="ctr"/>
+            <a:lstStyle/>
+            <a:p>
+              <a:pPr algn="ctr"/>
+              <a:r>
+                <a:rPr lang="zh-CN" altLang="en-US" dirty="0"/>
+                <a:t>自动发布</a:t>
+              </a:r>
+              <a:endParaRPr lang="en-US" altLang="zh-CN" dirty="0"/>
+            </a:p>
+            <a:p>
+              <a:pPr algn="ctr"/>
+              <a:r>
+                <a:rPr lang="en-US" altLang="zh-CN" dirty="0"/>
+                <a:t>Shell</a:t>
+              </a:r>
+              <a:r>
+                <a:rPr lang="zh-CN" altLang="en-US" dirty="0"/>
+                <a:t>脚本</a:t>
+              </a:r>
+            </a:p>
+          </p:txBody>
+        </p:sp>
+      </p:grpSp>
+      <p:grpSp>
+        <p:nvGrpSpPr>
+          <p:cNvPr id="18" name="组合 17">
+            <a:extLst>
+              <a:ext uri="{FF2B5EF4-FFF2-40B4-BE49-F238E27FC236}">
+                <a16:creationId xmlns:a16="http://schemas.microsoft.com/office/drawing/2014/main" id="{D011D625-D081-471D-A0E1-9088355F7C84}"/>
+              </a:ext>
+            </a:extLst>
+          </p:cNvPr>
+          <p:cNvGrpSpPr/>
+          <p:nvPr/>
+        </p:nvGrpSpPr>
+        <p:grpSpPr>
+          <a:xfrm>
+            <a:off x="397566" y="4340609"/>
+            <a:ext cx="2107095" cy="2206476"/>
+            <a:chOff x="437322" y="3498574"/>
+            <a:chExt cx="2488095" cy="2670302"/>
+          </a:xfrm>
+        </p:grpSpPr>
+        <p:sp>
+          <p:nvSpPr>
+            <p:cNvPr id="11" name="六边形 10">
+              <a:extLst>
+                <a:ext uri="{FF2B5EF4-FFF2-40B4-BE49-F238E27FC236}">
+                  <a16:creationId xmlns:a16="http://schemas.microsoft.com/office/drawing/2014/main" id="{991F4DA1-2B76-49D6-9F0B-27F016C9FD0B}"/>
+                </a:ext>
+              </a:extLst>
+            </p:cNvPr>
+            <p:cNvSpPr/>
+            <p:nvPr/>
+          </p:nvSpPr>
+          <p:spPr>
+            <a:xfrm>
+              <a:off x="1132533" y="4015406"/>
+              <a:ext cx="999210" cy="861388"/>
+            </a:xfrm>
+            <a:prstGeom prst="hexagon">
+              <a:avLst/>
+            </a:prstGeom>
+          </p:spPr>
+          <p:style>
+            <a:lnRef idx="1">
+              <a:schemeClr val="accent6"/>
+            </a:lnRef>
+            <a:fillRef idx="2">
+              <a:schemeClr val="accent6"/>
+            </a:fillRef>
+            <a:effectRef idx="1">
+              <a:schemeClr val="accent6"/>
+            </a:effectRef>
+            <a:fontRef idx="minor">
+              <a:schemeClr val="dk1"/>
+            </a:fontRef>
+          </p:style>
+          <p:txBody>
+            <a:bodyPr rtlCol="0" anchor="ctr"/>
+            <a:lstStyle/>
+            <a:p>
+              <a:pPr algn="ctr"/>
+              <a:r>
+                <a:rPr lang="zh-CN" altLang="en-US" sz="1200" dirty="0"/>
+                <a:t>前端</a:t>
+              </a:r>
+            </a:p>
+          </p:txBody>
+        </p:sp>
+        <p:sp>
+          <p:nvSpPr>
+            <p:cNvPr id="12" name="六边形 11">
+              <a:extLst>
+                <a:ext uri="{FF2B5EF4-FFF2-40B4-BE49-F238E27FC236}">
+                  <a16:creationId xmlns:a16="http://schemas.microsoft.com/office/drawing/2014/main" id="{98C8D21E-6A7E-4282-9E91-9B46CDCAAC1F}"/>
+                </a:ext>
+              </a:extLst>
+            </p:cNvPr>
+            <p:cNvSpPr/>
+            <p:nvPr/>
+          </p:nvSpPr>
+          <p:spPr>
+            <a:xfrm>
+              <a:off x="1132533" y="4876794"/>
+              <a:ext cx="999210" cy="861388"/>
+            </a:xfrm>
+            <a:prstGeom prst="hexagon">
+              <a:avLst/>
+            </a:prstGeom>
+          </p:spPr>
+          <p:style>
+            <a:lnRef idx="0">
+              <a:schemeClr val="accent5"/>
+            </a:lnRef>
+            <a:fillRef idx="3">
+              <a:schemeClr val="accent5"/>
+            </a:fillRef>
+            <a:effectRef idx="3">
+              <a:schemeClr val="accent5"/>
+            </a:effectRef>
+            <a:fontRef idx="minor">
+              <a:schemeClr val="lt1"/>
+            </a:fontRef>
+          </p:style>
+          <p:txBody>
+            <a:bodyPr rtlCol="0" anchor="ctr"/>
+            <a:lstStyle/>
+            <a:p>
+              <a:pPr algn="ctr"/>
+              <a:r>
+                <a:rPr lang="zh-CN" altLang="en-US" sz="1200" dirty="0"/>
+                <a:t>微服务</a:t>
+              </a:r>
+            </a:p>
+          </p:txBody>
+        </p:sp>
+        <p:sp>
+          <p:nvSpPr>
+            <p:cNvPr id="13" name="六边形 12">
+              <a:extLst>
+                <a:ext uri="{FF2B5EF4-FFF2-40B4-BE49-F238E27FC236}">
+                  <a16:creationId xmlns:a16="http://schemas.microsoft.com/office/drawing/2014/main" id="{9A9E442B-17B5-4E81-99CE-0CE8D25A2CC2}"/>
+                </a:ext>
+              </a:extLst>
+            </p:cNvPr>
+            <p:cNvSpPr/>
+            <p:nvPr/>
+          </p:nvSpPr>
+          <p:spPr>
+            <a:xfrm>
+              <a:off x="1926207" y="5307488"/>
+              <a:ext cx="999210" cy="861388"/>
+            </a:xfrm>
+            <a:prstGeom prst="hexagon">
+              <a:avLst/>
+            </a:prstGeom>
+          </p:spPr>
+          <p:style>
+            <a:lnRef idx="0">
+              <a:schemeClr val="dk1"/>
+            </a:lnRef>
+            <a:fillRef idx="3">
+              <a:schemeClr val="dk1"/>
+            </a:fillRef>
+            <a:effectRef idx="3">
+              <a:schemeClr val="dk1"/>
+            </a:effectRef>
+            <a:fontRef idx="minor">
+              <a:schemeClr val="lt1"/>
+            </a:fontRef>
+          </p:style>
+          <p:txBody>
+            <a:bodyPr rtlCol="0" anchor="ctr"/>
+            <a:lstStyle/>
+            <a:p>
+              <a:pPr algn="ctr"/>
+              <a:r>
+                <a:rPr lang="en-US" altLang="zh-CN" sz="1200" dirty="0"/>
+                <a:t>Shell</a:t>
+              </a:r>
+              <a:endParaRPr lang="zh-CN" altLang="en-US" sz="1200" dirty="0"/>
+            </a:p>
+          </p:txBody>
+        </p:sp>
+        <p:sp>
+          <p:nvSpPr>
+            <p:cNvPr id="14" name="矩形 13">
+              <a:extLst>
+                <a:ext uri="{FF2B5EF4-FFF2-40B4-BE49-F238E27FC236}">
+                  <a16:creationId xmlns:a16="http://schemas.microsoft.com/office/drawing/2014/main" id="{25187D6C-4B08-4999-A5D0-347E7E150A0D}"/>
+                </a:ext>
+              </a:extLst>
+            </p:cNvPr>
+            <p:cNvSpPr/>
+            <p:nvPr/>
+          </p:nvSpPr>
+          <p:spPr>
+            <a:xfrm>
+              <a:off x="437322" y="3498574"/>
+              <a:ext cx="848139" cy="397565"/>
+            </a:xfrm>
+            <a:prstGeom prst="rect">
+              <a:avLst/>
+            </a:prstGeom>
+            <a:ln>
+              <a:noFill/>
+            </a:ln>
+          </p:spPr>
+          <p:style>
+            <a:lnRef idx="2">
+              <a:schemeClr val="dk1"/>
+            </a:lnRef>
+            <a:fillRef idx="1">
+              <a:schemeClr val="lt1"/>
+            </a:fillRef>
+            <a:effectRef idx="0">
+              <a:schemeClr val="dk1"/>
+            </a:effectRef>
+            <a:fontRef idx="minor">
+              <a:schemeClr val="dk1"/>
+            </a:fontRef>
+          </p:style>
+          <p:txBody>
+            <a:bodyPr rtlCol="0" anchor="ctr"/>
+            <a:lstStyle/>
+            <a:p>
+              <a:pPr algn="ctr"/>
+              <a:r>
+                <a:rPr lang="zh-CN" altLang="en-US" dirty="0"/>
+                <a:t>图例</a:t>
+              </a:r>
+              <a:r>
+                <a:rPr lang="en-US" altLang="zh-CN" dirty="0"/>
+                <a:t>:</a:t>
+              </a:r>
+              <a:endParaRPr lang="zh-CN" altLang="en-US" dirty="0"/>
+            </a:p>
+          </p:txBody>
+        </p:sp>
+        <p:sp>
+          <p:nvSpPr>
+            <p:cNvPr id="17" name="六边形 16">
+              <a:extLst>
+                <a:ext uri="{FF2B5EF4-FFF2-40B4-BE49-F238E27FC236}">
+                  <a16:creationId xmlns:a16="http://schemas.microsoft.com/office/drawing/2014/main" id="{8A56DFE1-E14E-4BF1-9C55-234458BC95A3}"/>
+                </a:ext>
+              </a:extLst>
+            </p:cNvPr>
+            <p:cNvSpPr/>
+            <p:nvPr/>
+          </p:nvSpPr>
+          <p:spPr>
+            <a:xfrm>
+              <a:off x="1926207" y="4446100"/>
+              <a:ext cx="999210" cy="861388"/>
+            </a:xfrm>
+            <a:prstGeom prst="hexagon">
+              <a:avLst/>
+            </a:prstGeom>
+          </p:spPr>
+          <p:style>
+            <a:lnRef idx="2">
+              <a:schemeClr val="accent4">
+                <a:shade val="50000"/>
+              </a:schemeClr>
+            </a:lnRef>
+            <a:fillRef idx="1">
+              <a:schemeClr val="accent4"/>
+            </a:fillRef>
+            <a:effectRef idx="0">
+              <a:schemeClr val="accent4"/>
+            </a:effectRef>
+            <a:fontRef idx="minor">
+              <a:schemeClr val="lt1"/>
+            </a:fontRef>
+          </p:style>
+          <p:txBody>
+            <a:bodyPr rtlCol="0" anchor="ctr"/>
+            <a:lstStyle/>
+            <a:p>
+              <a:pPr algn="ctr"/>
+              <a:r>
+                <a:rPr lang="en-US" altLang="zh-CN" sz="1200" dirty="0"/>
+                <a:t>DB</a:t>
+              </a:r>
+              <a:endParaRPr lang="zh-CN" altLang="en-US" sz="1200" dirty="0"/>
+            </a:p>
+          </p:txBody>
+        </p:sp>
+      </p:grpSp>
+    </p:spTree>
+    <p:extLst>
+      <p:ext uri="{BB962C8B-B14F-4D97-AF65-F5344CB8AC3E}">
+        <p14:creationId xmlns:p14="http://schemas.microsoft.com/office/powerpoint/2010/main" val="901174119"/>
+      </p:ext>
+    </p:extLst>
+  </p:cSld>
+  <p:clrMapOvr>
+    <a:masterClrMapping/>
+  </p:clrMapOvr>
+</p:sld>
+</file>
+
+<file path=ppt/slides/slide11.xml><?xml version="1.0" encoding="utf-8"?>
+<p:sld xmlns:a="http://schemas.openxmlformats.org/drawingml/2006/main" xmlns:r="http://schemas.openxmlformats.org/officeDocument/2006/relationships" xmlns:p="http://schemas.openxmlformats.org/presentationml/2006/main">
+  <p:cSld>
+    <p:spTree>
+      <p:nvGrpSpPr>
+        <p:cNvPr id="1" name=""/>
+        <p:cNvGrpSpPr/>
+        <p:nvPr/>
+      </p:nvGrpSpPr>
+      <p:grpSpPr>
+        <a:xfrm>
+          <a:off x="0" y="0"/>
+          <a:ext cx="0" cy="0"/>
+          <a:chOff x="0" y="0"/>
+          <a:chExt cx="0" cy="0"/>
+        </a:xfrm>
+      </p:grpSpPr>
+      <p:grpSp>
+        <p:nvGrpSpPr>
           <p:cNvPr id="5" name="组合 4">
             <a:extLst>
               <a:ext uri="{FF2B5EF4-FFF2-40B4-BE49-F238E27FC236}">
@@ -11510,12 +12223,150 @@
           </p:txBody>
         </p:sp>
       </p:grpSp>
+      <p:sp>
+        <p:nvSpPr>
+          <p:cNvPr id="10" name="箭头: 左右 9">
+            <a:extLst>
+              <a:ext uri="{FF2B5EF4-FFF2-40B4-BE49-F238E27FC236}">
+                <a16:creationId xmlns:a16="http://schemas.microsoft.com/office/drawing/2014/main" id="{BAEDEFCF-A2B2-465B-90E6-55698BC2C6D8}"/>
+              </a:ext>
+            </a:extLst>
+          </p:cNvPr>
+          <p:cNvSpPr/>
+          <p:nvPr/>
+        </p:nvSpPr>
+        <p:spPr>
+          <a:xfrm>
+            <a:off x="5032717" y="406147"/>
+            <a:ext cx="1018874" cy="450574"/>
+          </a:xfrm>
+          <a:prstGeom prst="leftRightArrow">
+            <a:avLst/>
+          </a:prstGeom>
+        </p:spPr>
+        <p:style>
+          <a:lnRef idx="1">
+            <a:schemeClr val="accent5"/>
+          </a:lnRef>
+          <a:fillRef idx="2">
+            <a:schemeClr val="accent5"/>
+          </a:fillRef>
+          <a:effectRef idx="1">
+            <a:schemeClr val="accent5"/>
+          </a:effectRef>
+          <a:fontRef idx="minor">
+            <a:schemeClr val="dk1"/>
+          </a:fontRef>
+        </p:style>
+        <p:txBody>
+          <a:bodyPr rtlCol="0" anchor="ctr"/>
+          <a:lstStyle/>
+          <a:p>
+            <a:pPr algn="ctr"/>
+            <a:endParaRPr lang="zh-CN" altLang="en-US" dirty="0"/>
+          </a:p>
+        </p:txBody>
+      </p:sp>
+      <p:sp>
+        <p:nvSpPr>
+          <p:cNvPr id="15" name="矩形: 圆角 14">
+            <a:extLst>
+              <a:ext uri="{FF2B5EF4-FFF2-40B4-BE49-F238E27FC236}">
+                <a16:creationId xmlns:a16="http://schemas.microsoft.com/office/drawing/2014/main" id="{21DC6FCD-C0C3-46D3-9D10-64681F53E991}"/>
+              </a:ext>
+            </a:extLst>
+          </p:cNvPr>
+          <p:cNvSpPr/>
+          <p:nvPr/>
+        </p:nvSpPr>
+        <p:spPr>
+          <a:xfrm>
+            <a:off x="2091714" y="390682"/>
+            <a:ext cx="1433177" cy="578425"/>
+          </a:xfrm>
+          <a:prstGeom prst="roundRect">
+            <a:avLst/>
+          </a:prstGeom>
+        </p:spPr>
+        <p:style>
+          <a:lnRef idx="2">
+            <a:schemeClr val="dk1"/>
+          </a:lnRef>
+          <a:fillRef idx="1">
+            <a:schemeClr val="lt1"/>
+          </a:fillRef>
+          <a:effectRef idx="0">
+            <a:schemeClr val="dk1"/>
+          </a:effectRef>
+          <a:fontRef idx="minor">
+            <a:schemeClr val="dk1"/>
+          </a:fontRef>
+        </p:style>
+        <p:txBody>
+          <a:bodyPr rtlCol="0" anchor="ctr"/>
+          <a:lstStyle/>
+          <a:p>
+            <a:pPr algn="ctr"/>
+            <a:r>
+              <a:rPr lang="zh-CN" altLang="en-US" dirty="0"/>
+              <a:t>客户端</a:t>
+            </a:r>
+          </a:p>
+        </p:txBody>
+      </p:sp>
+      <p:sp>
+        <p:nvSpPr>
+          <p:cNvPr id="30" name="矩形: 圆角 29">
+            <a:extLst>
+              <a:ext uri="{FF2B5EF4-FFF2-40B4-BE49-F238E27FC236}">
+                <a16:creationId xmlns:a16="http://schemas.microsoft.com/office/drawing/2014/main" id="{1BDD5442-BF2B-4A54-A374-B06C8304537D}"/>
+              </a:ext>
+            </a:extLst>
+          </p:cNvPr>
+          <p:cNvSpPr/>
+          <p:nvPr/>
+        </p:nvSpPr>
+        <p:spPr>
+          <a:xfrm>
+            <a:off x="7789429" y="406147"/>
+            <a:ext cx="1433177" cy="578425"/>
+          </a:xfrm>
+          <a:prstGeom prst="roundRect">
+            <a:avLst/>
+          </a:prstGeom>
+        </p:spPr>
+        <p:style>
+          <a:lnRef idx="2">
+            <a:schemeClr val="dk1"/>
+          </a:lnRef>
+          <a:fillRef idx="1">
+            <a:schemeClr val="lt1"/>
+          </a:fillRef>
+          <a:effectRef idx="0">
+            <a:schemeClr val="dk1"/>
+          </a:effectRef>
+          <a:fontRef idx="minor">
+            <a:schemeClr val="dk1"/>
+          </a:fontRef>
+        </p:style>
+        <p:txBody>
+          <a:bodyPr rtlCol="0" anchor="ctr"/>
+          <a:lstStyle/>
+          <a:p>
+            <a:pPr algn="ctr"/>
+            <a:r>
+              <a:rPr lang="zh-CN" altLang="en-US" dirty="0"/>
+              <a:t>中央控制端</a:t>
+            </a:r>
+          </a:p>
+        </p:txBody>
+      </p:sp>
       <p:grpSp>
         <p:nvGrpSpPr>
-          <p:cNvPr id="2" name="组合 1">
+          <p:cNvPr id="20" name="组合 19">
             <a:extLst>
               <a:ext uri="{FF2B5EF4-FFF2-40B4-BE49-F238E27FC236}">
-                <a16:creationId xmlns:a16="http://schemas.microsoft.com/office/drawing/2014/main" id="{10471F1B-A683-49A8-B514-442FEABDDBC5}"/>
+                <a16:creationId xmlns:a16="http://schemas.microsoft.com/office/drawing/2014/main" id="{396848C4-505B-4113-831A-236A839F273C}"/>
               </a:ext>
             </a:extLst>
           </p:cNvPr>
@@ -11524,18 +12375,18 @@
         </p:nvGrpSpPr>
         <p:grpSpPr>
           <a:xfrm>
-            <a:off x="1263103" y="1243309"/>
-            <a:ext cx="3846818" cy="2570558"/>
-            <a:chOff x="1409421" y="777664"/>
-            <a:chExt cx="4264598" cy="2849731"/>
+            <a:off x="5889812" y="1176001"/>
+            <a:ext cx="6138485" cy="5204429"/>
+            <a:chOff x="5280779" y="1202469"/>
+            <a:chExt cx="6155848" cy="5144461"/>
           </a:xfrm>
         </p:grpSpPr>
         <p:sp>
           <p:nvSpPr>
-            <p:cNvPr id="6" name="六边形 5">
+            <p:cNvPr id="4" name="六边形 3">
               <a:extLst>
                 <a:ext uri="{FF2B5EF4-FFF2-40B4-BE49-F238E27FC236}">
-                  <a16:creationId xmlns:a16="http://schemas.microsoft.com/office/drawing/2014/main" id="{21B8DE38-2906-4E7D-852E-1284230FD782}"/>
+                  <a16:creationId xmlns:a16="http://schemas.microsoft.com/office/drawing/2014/main" id="{767CCBDA-114B-487A-B6F1-5B924C716707}"/>
                 </a:ext>
               </a:extLst>
             </p:cNvPr>
@@ -11544,8 +12395,102 @@
           </p:nvSpPr>
           <p:spPr>
             <a:xfrm>
-              <a:off x="4021176" y="1490097"/>
-              <a:ext cx="1652843" cy="1424865"/>
+              <a:off x="6454184" y="1202469"/>
+              <a:ext cx="1490923" cy="1285278"/>
+            </a:xfrm>
+            <a:prstGeom prst="hexagon">
+              <a:avLst/>
+            </a:prstGeom>
+          </p:spPr>
+          <p:style>
+            <a:lnRef idx="1">
+              <a:schemeClr val="accent6"/>
+            </a:lnRef>
+            <a:fillRef idx="2">
+              <a:schemeClr val="accent6"/>
+            </a:fillRef>
+            <a:effectRef idx="1">
+              <a:schemeClr val="accent6"/>
+            </a:effectRef>
+            <a:fontRef idx="minor">
+              <a:schemeClr val="dk1"/>
+            </a:fontRef>
+          </p:style>
+          <p:txBody>
+            <a:bodyPr rtlCol="0" anchor="ctr"/>
+            <a:lstStyle/>
+            <a:p>
+              <a:pPr algn="ctr"/>
+              <a:r>
+                <a:rPr lang="zh-CN" altLang="en-US" sz="1400" dirty="0"/>
+                <a:t>用户前端</a:t>
+              </a:r>
+            </a:p>
+          </p:txBody>
+        </p:sp>
+        <p:sp>
+          <p:nvSpPr>
+            <p:cNvPr id="5" name="六边形 4">
+              <a:extLst>
+                <a:ext uri="{FF2B5EF4-FFF2-40B4-BE49-F238E27FC236}">
+                  <a16:creationId xmlns:a16="http://schemas.microsoft.com/office/drawing/2014/main" id="{E1E9C886-3413-4984-A7B5-6C176C2AE7D6}"/>
+                </a:ext>
+              </a:extLst>
+            </p:cNvPr>
+            <p:cNvSpPr/>
+            <p:nvPr/>
+          </p:nvSpPr>
+          <p:spPr>
+            <a:xfrm>
+              <a:off x="7606498" y="1885949"/>
+              <a:ext cx="1490923" cy="1285278"/>
+            </a:xfrm>
+            <a:prstGeom prst="hexagon">
+              <a:avLst/>
+            </a:prstGeom>
+          </p:spPr>
+          <p:style>
+            <a:lnRef idx="1">
+              <a:schemeClr val="accent6"/>
+            </a:lnRef>
+            <a:fillRef idx="2">
+              <a:schemeClr val="accent6"/>
+            </a:fillRef>
+            <a:effectRef idx="1">
+              <a:schemeClr val="accent6"/>
+            </a:effectRef>
+            <a:fontRef idx="minor">
+              <a:schemeClr val="dk1"/>
+            </a:fontRef>
+          </p:style>
+          <p:txBody>
+            <a:bodyPr rtlCol="0" anchor="ctr"/>
+            <a:lstStyle/>
+            <a:p>
+              <a:pPr algn="ctr"/>
+              <a:r>
+                <a:rPr lang="zh-CN" altLang="en-US" sz="1400" dirty="0"/>
+                <a:t>运维前端</a:t>
+              </a:r>
+            </a:p>
+          </p:txBody>
+        </p:sp>
+        <p:sp>
+          <p:nvSpPr>
+            <p:cNvPr id="8" name="六边形 7">
+              <a:extLst>
+                <a:ext uri="{FF2B5EF4-FFF2-40B4-BE49-F238E27FC236}">
+                  <a16:creationId xmlns:a16="http://schemas.microsoft.com/office/drawing/2014/main" id="{0591B2AB-09E6-475A-BDD7-9F25F147065D}"/>
+                </a:ext>
+              </a:extLst>
+            </p:cNvPr>
+            <p:cNvSpPr/>
+            <p:nvPr/>
+          </p:nvSpPr>
+          <p:spPr>
+            <a:xfrm>
+              <a:off x="8776102" y="3773027"/>
+              <a:ext cx="1490923" cy="1285278"/>
             </a:xfrm>
             <a:prstGeom prst="hexagon">
               <a:avLst/>
@@ -11572,17 +12517,17 @@
               <a:pPr algn="ctr"/>
               <a:r>
                 <a:rPr lang="zh-CN" altLang="en-US" sz="1400" dirty="0"/>
-                <a:t>容器监测</a:t>
+                <a:t>通知系统</a:t>
               </a:r>
             </a:p>
           </p:txBody>
         </p:sp>
         <p:sp>
           <p:nvSpPr>
-            <p:cNvPr id="7" name="六边形 6">
+            <p:cNvPr id="9" name="六边形 8">
               <a:extLst>
                 <a:ext uri="{FF2B5EF4-FFF2-40B4-BE49-F238E27FC236}">
-                  <a16:creationId xmlns:a16="http://schemas.microsoft.com/office/drawing/2014/main" id="{F6EFA57E-22F1-4A35-9CDA-494FE99DECC8}"/>
+                  <a16:creationId xmlns:a16="http://schemas.microsoft.com/office/drawing/2014/main" id="{3F5CAD79-30BC-40C1-AE88-FCC5004AF5CC}"/>
                 </a:ext>
               </a:extLst>
             </p:cNvPr>
@@ -11591,8 +12536,58 @@
           </p:nvSpPr>
           <p:spPr>
             <a:xfrm>
-              <a:off x="2724549" y="777664"/>
-              <a:ext cx="1652843" cy="1424865"/>
+              <a:off x="9945704" y="4415665"/>
+              <a:ext cx="1490923" cy="1285278"/>
+            </a:xfrm>
+            <a:prstGeom prst="hexagon">
+              <a:avLst/>
+            </a:prstGeom>
+            <a:ln>
+              <a:noFill/>
+            </a:ln>
+          </p:spPr>
+          <p:style>
+            <a:lnRef idx="0">
+              <a:schemeClr val="accent5"/>
+            </a:lnRef>
+            <a:fillRef idx="3">
+              <a:schemeClr val="accent5"/>
+            </a:fillRef>
+            <a:effectRef idx="3">
+              <a:schemeClr val="accent5"/>
+            </a:effectRef>
+            <a:fontRef idx="minor">
+              <a:schemeClr val="lt1"/>
+            </a:fontRef>
+          </p:style>
+          <p:txBody>
+            <a:bodyPr rtlCol="0" anchor="ctr"/>
+            <a:lstStyle/>
+            <a:p>
+              <a:pPr algn="ctr"/>
+              <a:r>
+                <a:rPr lang="zh-CN" altLang="en-US" sz="1400" dirty="0"/>
+                <a:t>消息网关</a:t>
+              </a:r>
+            </a:p>
+          </p:txBody>
+        </p:sp>
+        <p:sp>
+          <p:nvSpPr>
+            <p:cNvPr id="16" name="六边形 15">
+              <a:extLst>
+                <a:ext uri="{FF2B5EF4-FFF2-40B4-BE49-F238E27FC236}">
+                  <a16:creationId xmlns:a16="http://schemas.microsoft.com/office/drawing/2014/main" id="{E5E91220-B45F-4891-A6CF-33363FD17DD2}"/>
+                </a:ext>
+              </a:extLst>
+            </p:cNvPr>
+            <p:cNvSpPr/>
+            <p:nvPr/>
+          </p:nvSpPr>
+          <p:spPr>
+            <a:xfrm>
+              <a:off x="7606499" y="4415665"/>
+              <a:ext cx="1490923" cy="1285278"/>
             </a:xfrm>
             <a:prstGeom prst="hexagon">
               <a:avLst/>
@@ -11619,6 +12614,453 @@
               <a:pPr algn="ctr"/>
               <a:r>
                 <a:rPr lang="zh-CN" altLang="en-US" sz="1400" dirty="0"/>
+                <a:t>日志管理</a:t>
+              </a:r>
+            </a:p>
+          </p:txBody>
+        </p:sp>
+        <p:sp>
+          <p:nvSpPr>
+            <p:cNvPr id="27" name="六边形 26">
+              <a:extLst>
+                <a:ext uri="{FF2B5EF4-FFF2-40B4-BE49-F238E27FC236}">
+                  <a16:creationId xmlns:a16="http://schemas.microsoft.com/office/drawing/2014/main" id="{28567270-ED9E-49EA-B6EC-370452E6F0D6}"/>
+                </a:ext>
+              </a:extLst>
+            </p:cNvPr>
+            <p:cNvSpPr/>
+            <p:nvPr/>
+          </p:nvSpPr>
+          <p:spPr>
+            <a:xfrm>
+              <a:off x="6454185" y="2487747"/>
+              <a:ext cx="1490923" cy="1285278"/>
+            </a:xfrm>
+            <a:prstGeom prst="hexagon">
+              <a:avLst/>
+            </a:prstGeom>
+          </p:spPr>
+          <p:style>
+            <a:lnRef idx="0">
+              <a:schemeClr val="accent5"/>
+            </a:lnRef>
+            <a:fillRef idx="3">
+              <a:schemeClr val="accent5"/>
+            </a:fillRef>
+            <a:effectRef idx="3">
+              <a:schemeClr val="accent5"/>
+            </a:effectRef>
+            <a:fontRef idx="minor">
+              <a:schemeClr val="lt1"/>
+            </a:fontRef>
+          </p:style>
+          <p:txBody>
+            <a:bodyPr rtlCol="0" anchor="ctr"/>
+            <a:lstStyle/>
+            <a:p>
+              <a:pPr algn="ctr"/>
+              <a:r>
+                <a:rPr lang="zh-CN" altLang="en-US" sz="1400" dirty="0"/>
+                <a:t>中央控制</a:t>
+              </a:r>
+            </a:p>
+          </p:txBody>
+        </p:sp>
+        <p:sp>
+          <p:nvSpPr>
+            <p:cNvPr id="28" name="六边形 27">
+              <a:extLst>
+                <a:ext uri="{FF2B5EF4-FFF2-40B4-BE49-F238E27FC236}">
+                  <a16:creationId xmlns:a16="http://schemas.microsoft.com/office/drawing/2014/main" id="{61197671-FD1D-4C78-8ABE-D4EE5A9C1B38}"/>
+                </a:ext>
+              </a:extLst>
+            </p:cNvPr>
+            <p:cNvSpPr/>
+            <p:nvPr/>
+          </p:nvSpPr>
+          <p:spPr>
+            <a:xfrm>
+              <a:off x="7623787" y="3130385"/>
+              <a:ext cx="1490923" cy="1285278"/>
+            </a:xfrm>
+            <a:prstGeom prst="hexagon">
+              <a:avLst/>
+            </a:prstGeom>
+          </p:spPr>
+          <p:style>
+            <a:lnRef idx="0">
+              <a:schemeClr val="accent5"/>
+            </a:lnRef>
+            <a:fillRef idx="3">
+              <a:schemeClr val="accent5"/>
+            </a:fillRef>
+            <a:effectRef idx="3">
+              <a:schemeClr val="accent5"/>
+            </a:effectRef>
+            <a:fontRef idx="minor">
+              <a:schemeClr val="lt1"/>
+            </a:fontRef>
+          </p:style>
+          <p:txBody>
+            <a:bodyPr rtlCol="0" anchor="ctr"/>
+            <a:lstStyle/>
+            <a:p>
+              <a:pPr algn="ctr"/>
+              <a:r>
+                <a:rPr lang="zh-CN" altLang="en-US" sz="1400" dirty="0"/>
+                <a:t>产品管理</a:t>
+              </a:r>
+            </a:p>
+          </p:txBody>
+        </p:sp>
+        <p:sp>
+          <p:nvSpPr>
+            <p:cNvPr id="29" name="六边形 28">
+              <a:extLst>
+                <a:ext uri="{FF2B5EF4-FFF2-40B4-BE49-F238E27FC236}">
+                  <a16:creationId xmlns:a16="http://schemas.microsoft.com/office/drawing/2014/main" id="{D702E64B-DD2A-4922-96DE-1017A898EC4D}"/>
+                </a:ext>
+              </a:extLst>
+            </p:cNvPr>
+            <p:cNvSpPr/>
+            <p:nvPr/>
+          </p:nvSpPr>
+          <p:spPr>
+            <a:xfrm>
+              <a:off x="6453273" y="3761069"/>
+              <a:ext cx="1490923" cy="1285278"/>
+            </a:xfrm>
+            <a:prstGeom prst="hexagon">
+              <a:avLst/>
+            </a:prstGeom>
+          </p:spPr>
+          <p:style>
+            <a:lnRef idx="0">
+              <a:schemeClr val="accent5"/>
+            </a:lnRef>
+            <a:fillRef idx="3">
+              <a:schemeClr val="accent5"/>
+            </a:fillRef>
+            <a:effectRef idx="3">
+              <a:schemeClr val="accent5"/>
+            </a:effectRef>
+            <a:fontRef idx="minor">
+              <a:schemeClr val="lt1"/>
+            </a:fontRef>
+          </p:style>
+          <p:txBody>
+            <a:bodyPr rtlCol="0" anchor="ctr"/>
+            <a:lstStyle/>
+            <a:p>
+              <a:pPr algn="ctr"/>
+              <a:r>
+                <a:rPr lang="zh-CN" altLang="en-US" sz="1400" dirty="0"/>
+                <a:t>负载均衡</a:t>
+              </a:r>
+            </a:p>
+          </p:txBody>
+        </p:sp>
+        <p:sp>
+          <p:nvSpPr>
+            <p:cNvPr id="31" name="六边形 30">
+              <a:extLst>
+                <a:ext uri="{FF2B5EF4-FFF2-40B4-BE49-F238E27FC236}">
+                  <a16:creationId xmlns:a16="http://schemas.microsoft.com/office/drawing/2014/main" id="{CF178045-0D61-4A56-A668-CAA4445ECE7E}"/>
+                </a:ext>
+              </a:extLst>
+            </p:cNvPr>
+            <p:cNvSpPr/>
+            <p:nvPr/>
+          </p:nvSpPr>
+          <p:spPr>
+            <a:xfrm>
+              <a:off x="6454184" y="5053116"/>
+              <a:ext cx="1490923" cy="1285278"/>
+            </a:xfrm>
+            <a:prstGeom prst="hexagon">
+              <a:avLst/>
+            </a:prstGeom>
+          </p:spPr>
+          <p:style>
+            <a:lnRef idx="0">
+              <a:schemeClr val="accent4"/>
+            </a:lnRef>
+            <a:fillRef idx="3">
+              <a:schemeClr val="accent4"/>
+            </a:fillRef>
+            <a:effectRef idx="3">
+              <a:schemeClr val="accent4"/>
+            </a:effectRef>
+            <a:fontRef idx="minor">
+              <a:schemeClr val="lt1"/>
+            </a:fontRef>
+          </p:style>
+          <p:txBody>
+            <a:bodyPr rtlCol="0" anchor="ctr"/>
+            <a:lstStyle/>
+            <a:p>
+              <a:pPr algn="ctr"/>
+              <a:r>
+                <a:rPr lang="en-US" altLang="zh-CN" sz="1400" dirty="0" err="1"/>
+                <a:t>MySql</a:t>
+              </a:r>
+              <a:endParaRPr lang="zh-CN" altLang="en-US" sz="1400" dirty="0"/>
+            </a:p>
+          </p:txBody>
+        </p:sp>
+        <p:sp>
+          <p:nvSpPr>
+            <p:cNvPr id="43" name="六边形 42">
+              <a:extLst>
+                <a:ext uri="{FF2B5EF4-FFF2-40B4-BE49-F238E27FC236}">
+                  <a16:creationId xmlns:a16="http://schemas.microsoft.com/office/drawing/2014/main" id="{9C0AD4D6-6C07-47C6-90F1-A63EC26BF443}"/>
+                </a:ext>
+              </a:extLst>
+            </p:cNvPr>
+            <p:cNvSpPr/>
+            <p:nvPr/>
+          </p:nvSpPr>
+          <p:spPr>
+            <a:xfrm>
+              <a:off x="8784746" y="5061652"/>
+              <a:ext cx="1490923" cy="1285278"/>
+            </a:xfrm>
+            <a:prstGeom prst="hexagon">
+              <a:avLst/>
+            </a:prstGeom>
+          </p:spPr>
+          <p:style>
+            <a:lnRef idx="0">
+              <a:schemeClr val="accent4"/>
+            </a:lnRef>
+            <a:fillRef idx="3">
+              <a:schemeClr val="accent4"/>
+            </a:fillRef>
+            <a:effectRef idx="3">
+              <a:schemeClr val="accent4"/>
+            </a:effectRef>
+            <a:fontRef idx="minor">
+              <a:schemeClr val="lt1"/>
+            </a:fontRef>
+          </p:style>
+          <p:txBody>
+            <a:bodyPr rtlCol="0" anchor="ctr"/>
+            <a:lstStyle/>
+            <a:p>
+              <a:pPr algn="ctr"/>
+              <a:r>
+                <a:rPr lang="en-US" altLang="zh-CN" sz="1400" dirty="0" err="1"/>
+                <a:t>ActiveMQ</a:t>
+              </a:r>
+              <a:endParaRPr lang="zh-CN" altLang="en-US" sz="1400" dirty="0"/>
+            </a:p>
+          </p:txBody>
+        </p:sp>
+        <p:sp>
+          <p:nvSpPr>
+            <p:cNvPr id="32" name="六边形 31">
+              <a:extLst>
+                <a:ext uri="{FF2B5EF4-FFF2-40B4-BE49-F238E27FC236}">
+                  <a16:creationId xmlns:a16="http://schemas.microsoft.com/office/drawing/2014/main" id="{9ECB004A-7CDC-45FD-8BAE-B0C8E11F14E2}"/>
+                </a:ext>
+              </a:extLst>
+            </p:cNvPr>
+            <p:cNvSpPr/>
+            <p:nvPr/>
+          </p:nvSpPr>
+          <p:spPr>
+            <a:xfrm>
+              <a:off x="8793389" y="2485381"/>
+              <a:ext cx="1490923" cy="1285278"/>
+            </a:xfrm>
+            <a:prstGeom prst="hexagon">
+              <a:avLst/>
+            </a:prstGeom>
+          </p:spPr>
+          <p:style>
+            <a:lnRef idx="0">
+              <a:schemeClr val="accent5"/>
+            </a:lnRef>
+            <a:fillRef idx="3">
+              <a:schemeClr val="accent5"/>
+            </a:fillRef>
+            <a:effectRef idx="3">
+              <a:schemeClr val="accent5"/>
+            </a:effectRef>
+            <a:fontRef idx="minor">
+              <a:schemeClr val="lt1"/>
+            </a:fontRef>
+          </p:style>
+          <p:txBody>
+            <a:bodyPr rtlCol="0" anchor="ctr"/>
+            <a:lstStyle/>
+            <a:p>
+              <a:pPr algn="ctr"/>
+              <a:r>
+                <a:rPr lang="zh-CN" altLang="en-US" sz="1400" dirty="0"/>
+                <a:t>订单管理</a:t>
+              </a:r>
+            </a:p>
+          </p:txBody>
+        </p:sp>
+        <p:sp>
+          <p:nvSpPr>
+            <p:cNvPr id="34" name="六边形 33">
+              <a:extLst>
+                <a:ext uri="{FF2B5EF4-FFF2-40B4-BE49-F238E27FC236}">
+                  <a16:creationId xmlns:a16="http://schemas.microsoft.com/office/drawing/2014/main" id="{80E1A596-A21E-4260-AD9E-5621CE9B46A3}"/>
+                </a:ext>
+              </a:extLst>
+            </p:cNvPr>
+            <p:cNvSpPr/>
+            <p:nvPr/>
+          </p:nvSpPr>
+          <p:spPr>
+            <a:xfrm>
+              <a:off x="5280779" y="1843060"/>
+              <a:ext cx="1490923" cy="1285278"/>
+            </a:xfrm>
+            <a:prstGeom prst="hexagon">
+              <a:avLst/>
+            </a:prstGeom>
+          </p:spPr>
+          <p:style>
+            <a:lnRef idx="1">
+              <a:schemeClr val="accent6"/>
+            </a:lnRef>
+            <a:fillRef idx="2">
+              <a:schemeClr val="accent6"/>
+            </a:fillRef>
+            <a:effectRef idx="1">
+              <a:schemeClr val="accent6"/>
+            </a:effectRef>
+            <a:fontRef idx="minor">
+              <a:schemeClr val="dk1"/>
+            </a:fontRef>
+          </p:style>
+          <p:txBody>
+            <a:bodyPr rtlCol="0" anchor="ctr"/>
+            <a:lstStyle/>
+            <a:p>
+              <a:pPr algn="ctr"/>
+              <a:r>
+                <a:rPr lang="en-US" altLang="zh-CN" sz="1400" dirty="0"/>
+                <a:t>CMS</a:t>
+              </a:r>
+              <a:endParaRPr lang="zh-CN" altLang="en-US" sz="1400" dirty="0"/>
+            </a:p>
+          </p:txBody>
+        </p:sp>
+      </p:grpSp>
+      <p:grpSp>
+        <p:nvGrpSpPr>
+          <p:cNvPr id="3" name="组合 2">
+            <a:extLst>
+              <a:ext uri="{FF2B5EF4-FFF2-40B4-BE49-F238E27FC236}">
+                <a16:creationId xmlns:a16="http://schemas.microsoft.com/office/drawing/2014/main" id="{ACBF6F41-947E-4E43-A4E3-C877E8F96177}"/>
+              </a:ext>
+            </a:extLst>
+          </p:cNvPr>
+          <p:cNvGrpSpPr/>
+          <p:nvPr/>
+        </p:nvGrpSpPr>
+        <p:grpSpPr>
+          <a:xfrm>
+            <a:off x="794971" y="1187629"/>
+            <a:ext cx="3816681" cy="3179873"/>
+            <a:chOff x="1263103" y="1243309"/>
+            <a:chExt cx="3864949" cy="3225400"/>
+          </a:xfrm>
+        </p:grpSpPr>
+        <p:sp>
+          <p:nvSpPr>
+            <p:cNvPr id="6" name="六边形 5">
+              <a:extLst>
+                <a:ext uri="{FF2B5EF4-FFF2-40B4-BE49-F238E27FC236}">
+                  <a16:creationId xmlns:a16="http://schemas.microsoft.com/office/drawing/2014/main" id="{21B8DE38-2906-4E7D-852E-1284230FD782}"/>
+                </a:ext>
+              </a:extLst>
+            </p:cNvPr>
+            <p:cNvSpPr/>
+            <p:nvPr/>
+          </p:nvSpPr>
+          <p:spPr>
+            <a:xfrm>
+              <a:off x="3618998" y="1885949"/>
+              <a:ext cx="1490923" cy="1285279"/>
+            </a:xfrm>
+            <a:prstGeom prst="hexagon">
+              <a:avLst/>
+            </a:prstGeom>
+          </p:spPr>
+          <p:style>
+            <a:lnRef idx="0">
+              <a:schemeClr val="accent5"/>
+            </a:lnRef>
+            <a:fillRef idx="3">
+              <a:schemeClr val="accent5"/>
+            </a:fillRef>
+            <a:effectRef idx="3">
+              <a:schemeClr val="accent5"/>
+            </a:effectRef>
+            <a:fontRef idx="minor">
+              <a:schemeClr val="lt1"/>
+            </a:fontRef>
+          </p:style>
+          <p:txBody>
+            <a:bodyPr rtlCol="0" anchor="ctr"/>
+            <a:lstStyle/>
+            <a:p>
+              <a:pPr algn="ctr"/>
+              <a:r>
+                <a:rPr lang="zh-CN" altLang="en-US" sz="1400" dirty="0"/>
+                <a:t>容器监测</a:t>
+              </a:r>
+            </a:p>
+          </p:txBody>
+        </p:sp>
+        <p:sp>
+          <p:nvSpPr>
+            <p:cNvPr id="7" name="六边形 6">
+              <a:extLst>
+                <a:ext uri="{FF2B5EF4-FFF2-40B4-BE49-F238E27FC236}">
+                  <a16:creationId xmlns:a16="http://schemas.microsoft.com/office/drawing/2014/main" id="{F6EFA57E-22F1-4A35-9CDA-494FE99DECC8}"/>
+                </a:ext>
+              </a:extLst>
+            </p:cNvPr>
+            <p:cNvSpPr/>
+            <p:nvPr/>
+          </p:nvSpPr>
+          <p:spPr>
+            <a:xfrm>
+              <a:off x="2449395" y="1243309"/>
+              <a:ext cx="1490923" cy="1285279"/>
+            </a:xfrm>
+            <a:prstGeom prst="hexagon">
+              <a:avLst/>
+            </a:prstGeom>
+          </p:spPr>
+          <p:style>
+            <a:lnRef idx="0">
+              <a:schemeClr val="accent5"/>
+            </a:lnRef>
+            <a:fillRef idx="3">
+              <a:schemeClr val="accent5"/>
+            </a:fillRef>
+            <a:effectRef idx="3">
+              <a:schemeClr val="accent5"/>
+            </a:effectRef>
+            <a:fontRef idx="minor">
+              <a:schemeClr val="lt1"/>
+            </a:fontRef>
+          </p:style>
+          <p:txBody>
+            <a:bodyPr rtlCol="0" anchor="ctr"/>
+            <a:lstStyle/>
+            <a:p>
+              <a:pPr algn="ctr"/>
+              <a:r>
+                <a:rPr lang="zh-CN" altLang="en-US" sz="1400" dirty="0"/>
                 <a:t>自动发布</a:t>
               </a:r>
             </a:p>
@@ -11638,8 +13080,8 @@
           </p:nvSpPr>
           <p:spPr>
             <a:xfrm>
-              <a:off x="1409421" y="1490097"/>
-              <a:ext cx="1652843" cy="1424865"/>
+              <a:off x="1263103" y="1885949"/>
+              <a:ext cx="1490923" cy="1285279"/>
             </a:xfrm>
             <a:prstGeom prst="hexagon">
               <a:avLst/>
@@ -11697,8 +13139,8 @@
           </p:nvSpPr>
           <p:spPr>
             <a:xfrm>
-              <a:off x="2715299" y="2202530"/>
-              <a:ext cx="1652843" cy="1424865"/>
+              <a:off x="2441051" y="2528588"/>
+              <a:ext cx="1490923" cy="1285279"/>
             </a:xfrm>
             <a:prstGeom prst="hexagon">
               <a:avLst/>
@@ -11735,6 +13177,1339 @@
                 <a:t>API</a:t>
               </a:r>
               <a:endParaRPr lang="zh-CN" altLang="en-US" sz="1400" dirty="0"/>
+            </a:p>
+          </p:txBody>
+        </p:sp>
+        <p:sp>
+          <p:nvSpPr>
+            <p:cNvPr id="33" name="六边形 32">
+              <a:extLst>
+                <a:ext uri="{FF2B5EF4-FFF2-40B4-BE49-F238E27FC236}">
+                  <a16:creationId xmlns:a16="http://schemas.microsoft.com/office/drawing/2014/main" id="{DCD5066B-6A9F-416A-BBA3-21C0644D9E50}"/>
+                </a:ext>
+              </a:extLst>
+            </p:cNvPr>
+            <p:cNvSpPr/>
+            <p:nvPr/>
+          </p:nvSpPr>
+          <p:spPr>
+            <a:xfrm>
+              <a:off x="3637129" y="3183431"/>
+              <a:ext cx="1490923" cy="1285278"/>
+            </a:xfrm>
+            <a:prstGeom prst="hexagon">
+              <a:avLst/>
+            </a:prstGeom>
+          </p:spPr>
+          <p:style>
+            <a:lnRef idx="0">
+              <a:schemeClr val="accent4"/>
+            </a:lnRef>
+            <a:fillRef idx="3">
+              <a:schemeClr val="accent4"/>
+            </a:fillRef>
+            <a:effectRef idx="3">
+              <a:schemeClr val="accent4"/>
+            </a:effectRef>
+            <a:fontRef idx="minor">
+              <a:schemeClr val="lt1"/>
+            </a:fontRef>
+          </p:style>
+          <p:txBody>
+            <a:bodyPr rtlCol="0" anchor="ctr"/>
+            <a:lstStyle/>
+            <a:p>
+              <a:pPr algn="ctr"/>
+              <a:r>
+                <a:rPr lang="en-US" altLang="zh-CN" sz="1400" dirty="0" err="1"/>
+                <a:t>RemoteClient</a:t>
+              </a:r>
+              <a:endParaRPr lang="zh-CN" altLang="en-US" sz="1400" dirty="0"/>
+            </a:p>
+          </p:txBody>
+        </p:sp>
+      </p:grpSp>
+    </p:spTree>
+    <p:extLst>
+      <p:ext uri="{BB962C8B-B14F-4D97-AF65-F5344CB8AC3E}">
+        <p14:creationId xmlns:p14="http://schemas.microsoft.com/office/powerpoint/2010/main" val="976041952"/>
+      </p:ext>
+    </p:extLst>
+  </p:cSld>
+  <p:clrMapOvr>
+    <a:masterClrMapping/>
+  </p:clrMapOvr>
+</p:sld>
+</file>
+
+<file path=ppt/slides/slide5.xml><?xml version="1.0" encoding="utf-8"?>
+<p:sld xmlns:a="http://schemas.openxmlformats.org/drawingml/2006/main" xmlns:r="http://schemas.openxmlformats.org/officeDocument/2006/relationships" xmlns:p="http://schemas.openxmlformats.org/presentationml/2006/main">
+  <p:cSld>
+    <p:spTree>
+      <p:nvGrpSpPr>
+        <p:cNvPr id="1" name=""/>
+        <p:cNvGrpSpPr/>
+        <p:nvPr/>
+      </p:nvGrpSpPr>
+      <p:grpSpPr>
+        <a:xfrm>
+          <a:off x="0" y="0"/>
+          <a:ext cx="0" cy="0"/>
+          <a:chOff x="0" y="0"/>
+          <a:chExt cx="0" cy="0"/>
+        </a:xfrm>
+      </p:grpSpPr>
+      <p:grpSp>
+        <p:nvGrpSpPr>
+          <p:cNvPr id="21" name="组合 20">
+            <a:extLst>
+              <a:ext uri="{FF2B5EF4-FFF2-40B4-BE49-F238E27FC236}">
+                <a16:creationId xmlns:a16="http://schemas.microsoft.com/office/drawing/2014/main" id="{29585356-F217-49A2-A7BE-F5D75B222E29}"/>
+              </a:ext>
+            </a:extLst>
+          </p:cNvPr>
+          <p:cNvGrpSpPr/>
+          <p:nvPr/>
+        </p:nvGrpSpPr>
+        <p:grpSpPr>
+          <a:xfrm>
+            <a:off x="397566" y="4340609"/>
+            <a:ext cx="2107095" cy="2206476"/>
+            <a:chOff x="397566" y="4340609"/>
+            <a:chExt cx="2107095" cy="2206476"/>
+          </a:xfrm>
+        </p:grpSpPr>
+        <p:sp>
+          <p:nvSpPr>
+            <p:cNvPr id="11" name="六边形 10">
+              <a:extLst>
+                <a:ext uri="{FF2B5EF4-FFF2-40B4-BE49-F238E27FC236}">
+                  <a16:creationId xmlns:a16="http://schemas.microsoft.com/office/drawing/2014/main" id="{991F4DA1-2B76-49D6-9F0B-27F016C9FD0B}"/>
+                </a:ext>
+              </a:extLst>
+            </p:cNvPr>
+            <p:cNvSpPr/>
+            <p:nvPr/>
+          </p:nvSpPr>
+          <p:spPr>
+            <a:xfrm>
+              <a:off x="986320" y="4767668"/>
+              <a:ext cx="846202" cy="711767"/>
+            </a:xfrm>
+            <a:prstGeom prst="hexagon">
+              <a:avLst/>
+            </a:prstGeom>
+          </p:spPr>
+          <p:style>
+            <a:lnRef idx="1">
+              <a:schemeClr val="accent6"/>
+            </a:lnRef>
+            <a:fillRef idx="2">
+              <a:schemeClr val="accent6"/>
+            </a:fillRef>
+            <a:effectRef idx="1">
+              <a:schemeClr val="accent6"/>
+            </a:effectRef>
+            <a:fontRef idx="minor">
+              <a:schemeClr val="dk1"/>
+            </a:fontRef>
+          </p:style>
+          <p:txBody>
+            <a:bodyPr rtlCol="0" anchor="ctr"/>
+            <a:lstStyle/>
+            <a:p>
+              <a:pPr algn="ctr"/>
+              <a:r>
+                <a:rPr lang="zh-CN" altLang="en-US" sz="1200" dirty="0"/>
+                <a:t>前端</a:t>
+              </a:r>
+            </a:p>
+          </p:txBody>
+        </p:sp>
+        <p:sp>
+          <p:nvSpPr>
+            <p:cNvPr id="12" name="六边形 11">
+              <a:extLst>
+                <a:ext uri="{FF2B5EF4-FFF2-40B4-BE49-F238E27FC236}">
+                  <a16:creationId xmlns:a16="http://schemas.microsoft.com/office/drawing/2014/main" id="{98C8D21E-6A7E-4282-9E91-9B46CDCAAC1F}"/>
+                </a:ext>
+              </a:extLst>
+            </p:cNvPr>
+            <p:cNvSpPr/>
+            <p:nvPr/>
+          </p:nvSpPr>
+          <p:spPr>
+            <a:xfrm>
+              <a:off x="986320" y="5479435"/>
+              <a:ext cx="846202" cy="711767"/>
+            </a:xfrm>
+            <a:prstGeom prst="hexagon">
+              <a:avLst/>
+            </a:prstGeom>
+          </p:spPr>
+          <p:style>
+            <a:lnRef idx="0">
+              <a:schemeClr val="accent5"/>
+            </a:lnRef>
+            <a:fillRef idx="3">
+              <a:schemeClr val="accent5"/>
+            </a:fillRef>
+            <a:effectRef idx="3">
+              <a:schemeClr val="accent5"/>
+            </a:effectRef>
+            <a:fontRef idx="minor">
+              <a:schemeClr val="lt1"/>
+            </a:fontRef>
+          </p:style>
+          <p:txBody>
+            <a:bodyPr rtlCol="0" anchor="ctr"/>
+            <a:lstStyle/>
+            <a:p>
+              <a:pPr algn="ctr"/>
+              <a:r>
+                <a:rPr lang="zh-CN" altLang="en-US" sz="1200" dirty="0"/>
+                <a:t>微服务</a:t>
+              </a:r>
+            </a:p>
+          </p:txBody>
+        </p:sp>
+        <p:sp>
+          <p:nvSpPr>
+            <p:cNvPr id="13" name="六边形 12">
+              <a:extLst>
+                <a:ext uri="{FF2B5EF4-FFF2-40B4-BE49-F238E27FC236}">
+                  <a16:creationId xmlns:a16="http://schemas.microsoft.com/office/drawing/2014/main" id="{9A9E442B-17B5-4E81-99CE-0CE8D25A2CC2}"/>
+                </a:ext>
+              </a:extLst>
+            </p:cNvPr>
+            <p:cNvSpPr/>
+            <p:nvPr/>
+          </p:nvSpPr>
+          <p:spPr>
+            <a:xfrm>
+              <a:off x="1658459" y="5835318"/>
+              <a:ext cx="846202" cy="711767"/>
+            </a:xfrm>
+            <a:prstGeom prst="hexagon">
+              <a:avLst/>
+            </a:prstGeom>
+          </p:spPr>
+          <p:style>
+            <a:lnRef idx="0">
+              <a:schemeClr val="dk1"/>
+            </a:lnRef>
+            <a:fillRef idx="3">
+              <a:schemeClr val="dk1"/>
+            </a:fillRef>
+            <a:effectRef idx="3">
+              <a:schemeClr val="dk1"/>
+            </a:effectRef>
+            <a:fontRef idx="minor">
+              <a:schemeClr val="lt1"/>
+            </a:fontRef>
+          </p:style>
+          <p:txBody>
+            <a:bodyPr rtlCol="0" anchor="ctr"/>
+            <a:lstStyle/>
+            <a:p>
+              <a:pPr algn="ctr"/>
+              <a:r>
+                <a:rPr lang="en-US" altLang="zh-CN" sz="1200" dirty="0"/>
+                <a:t>Shell</a:t>
+              </a:r>
+              <a:endParaRPr lang="zh-CN" altLang="en-US" sz="1200" dirty="0"/>
+            </a:p>
+          </p:txBody>
+        </p:sp>
+        <p:sp>
+          <p:nvSpPr>
+            <p:cNvPr id="14" name="矩形 13">
+              <a:extLst>
+                <a:ext uri="{FF2B5EF4-FFF2-40B4-BE49-F238E27FC236}">
+                  <a16:creationId xmlns:a16="http://schemas.microsoft.com/office/drawing/2014/main" id="{25187D6C-4B08-4999-A5D0-347E7E150A0D}"/>
+                </a:ext>
+              </a:extLst>
+            </p:cNvPr>
+            <p:cNvSpPr/>
+            <p:nvPr/>
+          </p:nvSpPr>
+          <p:spPr>
+            <a:xfrm>
+              <a:off x="397566" y="4340609"/>
+              <a:ext cx="718264" cy="328509"/>
+            </a:xfrm>
+            <a:prstGeom prst="rect">
+              <a:avLst/>
+            </a:prstGeom>
+            <a:ln>
+              <a:noFill/>
+            </a:ln>
+          </p:spPr>
+          <p:style>
+            <a:lnRef idx="2">
+              <a:schemeClr val="dk1"/>
+            </a:lnRef>
+            <a:fillRef idx="1">
+              <a:schemeClr val="lt1"/>
+            </a:fillRef>
+            <a:effectRef idx="0">
+              <a:schemeClr val="dk1"/>
+            </a:effectRef>
+            <a:fontRef idx="minor">
+              <a:schemeClr val="dk1"/>
+            </a:fontRef>
+          </p:style>
+          <p:txBody>
+            <a:bodyPr rtlCol="0" anchor="ctr"/>
+            <a:lstStyle/>
+            <a:p>
+              <a:pPr algn="ctr"/>
+              <a:r>
+                <a:rPr lang="zh-CN" altLang="en-US" dirty="0"/>
+                <a:t>图例</a:t>
+              </a:r>
+              <a:r>
+                <a:rPr lang="en-US" altLang="zh-CN" dirty="0"/>
+                <a:t>:</a:t>
+              </a:r>
+              <a:endParaRPr lang="zh-CN" altLang="en-US" dirty="0"/>
+            </a:p>
+          </p:txBody>
+        </p:sp>
+        <p:sp>
+          <p:nvSpPr>
+            <p:cNvPr id="17" name="六边形 16">
+              <a:extLst>
+                <a:ext uri="{FF2B5EF4-FFF2-40B4-BE49-F238E27FC236}">
+                  <a16:creationId xmlns:a16="http://schemas.microsoft.com/office/drawing/2014/main" id="{8A56DFE1-E14E-4BF1-9C55-234458BC95A3}"/>
+                </a:ext>
+              </a:extLst>
+            </p:cNvPr>
+            <p:cNvSpPr/>
+            <p:nvPr/>
+          </p:nvSpPr>
+          <p:spPr>
+            <a:xfrm>
+              <a:off x="1658459" y="5123552"/>
+              <a:ext cx="846202" cy="711767"/>
+            </a:xfrm>
+            <a:prstGeom prst="hexagon">
+              <a:avLst/>
+            </a:prstGeom>
+          </p:spPr>
+          <p:style>
+            <a:lnRef idx="2">
+              <a:schemeClr val="accent4">
+                <a:shade val="50000"/>
+              </a:schemeClr>
+            </a:lnRef>
+            <a:fillRef idx="1">
+              <a:schemeClr val="accent4"/>
+            </a:fillRef>
+            <a:effectRef idx="0">
+              <a:schemeClr val="accent4"/>
+            </a:effectRef>
+            <a:fontRef idx="minor">
+              <a:schemeClr val="lt1"/>
+            </a:fontRef>
+          </p:style>
+          <p:txBody>
+            <a:bodyPr rtlCol="0" anchor="ctr"/>
+            <a:lstStyle/>
+            <a:p>
+              <a:pPr algn="ctr"/>
+              <a:r>
+                <a:rPr lang="en-US" altLang="zh-CN" sz="1200" dirty="0"/>
+                <a:t>DB</a:t>
+              </a:r>
+              <a:endParaRPr lang="zh-CN" altLang="en-US" sz="1200" dirty="0"/>
+            </a:p>
+          </p:txBody>
+        </p:sp>
+      </p:grpSp>
+      <p:grpSp>
+        <p:nvGrpSpPr>
+          <p:cNvPr id="53" name="组合 52">
+            <a:extLst>
+              <a:ext uri="{FF2B5EF4-FFF2-40B4-BE49-F238E27FC236}">
+                <a16:creationId xmlns:a16="http://schemas.microsoft.com/office/drawing/2014/main" id="{4356AA94-9D98-400B-A81D-6DA9291C1586}"/>
+              </a:ext>
+            </a:extLst>
+          </p:cNvPr>
+          <p:cNvGrpSpPr/>
+          <p:nvPr/>
+        </p:nvGrpSpPr>
+        <p:grpSpPr>
+          <a:xfrm>
+            <a:off x="2839498" y="514906"/>
+            <a:ext cx="5000903" cy="5091656"/>
+            <a:chOff x="756698" y="507286"/>
+            <a:chExt cx="5000903" cy="5091656"/>
+          </a:xfrm>
+          <a:solidFill>
+            <a:schemeClr val="bg1">
+              <a:lumMod val="95000"/>
+            </a:schemeClr>
+          </a:solidFill>
+        </p:grpSpPr>
+        <p:sp>
+          <p:nvSpPr>
+            <p:cNvPr id="52" name="矩形: 圆角 51">
+              <a:extLst>
+                <a:ext uri="{FF2B5EF4-FFF2-40B4-BE49-F238E27FC236}">
+                  <a16:creationId xmlns:a16="http://schemas.microsoft.com/office/drawing/2014/main" id="{AF6E4F65-68E7-42F5-993B-64F8C05D9A95}"/>
+                </a:ext>
+              </a:extLst>
+            </p:cNvPr>
+            <p:cNvSpPr/>
+            <p:nvPr/>
+          </p:nvSpPr>
+          <p:spPr>
+            <a:xfrm>
+              <a:off x="756698" y="796496"/>
+              <a:ext cx="5000903" cy="4802446"/>
+            </a:xfrm>
+            <a:prstGeom prst="roundRect">
+              <a:avLst/>
+            </a:prstGeom>
+            <a:grpFill/>
+            <a:ln>
+              <a:solidFill>
+                <a:schemeClr val="bg1">
+                  <a:lumMod val="95000"/>
+                </a:schemeClr>
+              </a:solidFill>
+            </a:ln>
+          </p:spPr>
+          <p:style>
+            <a:lnRef idx="2">
+              <a:schemeClr val="accent1">
+                <a:shade val="50000"/>
+              </a:schemeClr>
+            </a:lnRef>
+            <a:fillRef idx="1">
+              <a:schemeClr val="accent1"/>
+            </a:fillRef>
+            <a:effectRef idx="0">
+              <a:schemeClr val="accent1"/>
+            </a:effectRef>
+            <a:fontRef idx="minor">
+              <a:schemeClr val="lt1"/>
+            </a:fontRef>
+          </p:style>
+          <p:txBody>
+            <a:bodyPr rtlCol="0" anchor="ctr"/>
+            <a:lstStyle/>
+            <a:p>
+              <a:pPr algn="ctr"/>
+              <a:endParaRPr lang="zh-CN" altLang="en-US"/>
+            </a:p>
+          </p:txBody>
+        </p:sp>
+        <p:sp>
+          <p:nvSpPr>
+            <p:cNvPr id="15" name="矩形: 圆角 14">
+              <a:extLst>
+                <a:ext uri="{FF2B5EF4-FFF2-40B4-BE49-F238E27FC236}">
+                  <a16:creationId xmlns:a16="http://schemas.microsoft.com/office/drawing/2014/main" id="{21DC6FCD-C0C3-46D3-9D10-64681F53E991}"/>
+                </a:ext>
+              </a:extLst>
+            </p:cNvPr>
+            <p:cNvSpPr/>
+            <p:nvPr/>
+          </p:nvSpPr>
+          <p:spPr>
+            <a:xfrm>
+              <a:off x="2464569" y="507286"/>
+              <a:ext cx="1433177" cy="578425"/>
+            </a:xfrm>
+            <a:prstGeom prst="roundRect">
+              <a:avLst/>
+            </a:prstGeom>
+            <a:grpFill/>
+            <a:ln>
+              <a:solidFill>
+                <a:schemeClr val="bg1">
+                  <a:lumMod val="95000"/>
+                </a:schemeClr>
+              </a:solidFill>
+            </a:ln>
+          </p:spPr>
+          <p:style>
+            <a:lnRef idx="2">
+              <a:schemeClr val="dk1"/>
+            </a:lnRef>
+            <a:fillRef idx="1">
+              <a:schemeClr val="lt1"/>
+            </a:fillRef>
+            <a:effectRef idx="0">
+              <a:schemeClr val="dk1"/>
+            </a:effectRef>
+            <a:fontRef idx="minor">
+              <a:schemeClr val="dk1"/>
+            </a:fontRef>
+          </p:style>
+          <p:txBody>
+            <a:bodyPr rtlCol="0" anchor="ctr"/>
+            <a:lstStyle/>
+            <a:p>
+              <a:pPr algn="ctr"/>
+              <a:r>
+                <a:rPr lang="zh-CN" altLang="en-US" dirty="0"/>
+                <a:t>远程客户端</a:t>
+              </a:r>
+            </a:p>
+          </p:txBody>
+        </p:sp>
+      </p:grpSp>
+      <p:sp>
+        <p:nvSpPr>
+          <p:cNvPr id="5" name="六边形 4">
+            <a:extLst>
+              <a:ext uri="{FF2B5EF4-FFF2-40B4-BE49-F238E27FC236}">
+                <a16:creationId xmlns:a16="http://schemas.microsoft.com/office/drawing/2014/main" id="{E1E9C886-3413-4984-A7B5-6C176C2AE7D6}"/>
+              </a:ext>
+            </a:extLst>
+          </p:cNvPr>
+          <p:cNvSpPr/>
+          <p:nvPr/>
+        </p:nvSpPr>
+        <p:spPr>
+          <a:xfrm>
+            <a:off x="8651702" y="4194157"/>
+            <a:ext cx="1490923" cy="1285278"/>
+          </a:xfrm>
+          <a:prstGeom prst="hexagon">
+            <a:avLst/>
+          </a:prstGeom>
+        </p:spPr>
+        <p:style>
+          <a:lnRef idx="1">
+            <a:schemeClr val="accent6"/>
+          </a:lnRef>
+          <a:fillRef idx="2">
+            <a:schemeClr val="accent6"/>
+          </a:fillRef>
+          <a:effectRef idx="1">
+            <a:schemeClr val="accent6"/>
+          </a:effectRef>
+          <a:fontRef idx="minor">
+            <a:schemeClr val="dk1"/>
+          </a:fontRef>
+        </p:style>
+        <p:txBody>
+          <a:bodyPr rtlCol="0" anchor="ctr"/>
+          <a:lstStyle/>
+          <a:p>
+            <a:pPr algn="ctr"/>
+            <a:r>
+              <a:rPr lang="zh-CN" altLang="en-US" sz="1400" dirty="0"/>
+              <a:t>运维前端</a:t>
+            </a:r>
+          </a:p>
+        </p:txBody>
+      </p:sp>
+      <p:sp>
+        <p:nvSpPr>
+          <p:cNvPr id="27" name="六边形 26">
+            <a:extLst>
+              <a:ext uri="{FF2B5EF4-FFF2-40B4-BE49-F238E27FC236}">
+                <a16:creationId xmlns:a16="http://schemas.microsoft.com/office/drawing/2014/main" id="{28567270-ED9E-49EA-B6EC-370452E6F0D6}"/>
+              </a:ext>
+            </a:extLst>
+          </p:cNvPr>
+          <p:cNvSpPr/>
+          <p:nvPr/>
+        </p:nvSpPr>
+        <p:spPr>
+          <a:xfrm>
+            <a:off x="8651702" y="927100"/>
+            <a:ext cx="1490923" cy="1382910"/>
+          </a:xfrm>
+          <a:prstGeom prst="hexagon">
+            <a:avLst/>
+          </a:prstGeom>
+        </p:spPr>
+        <p:style>
+          <a:lnRef idx="0">
+            <a:schemeClr val="accent5"/>
+          </a:lnRef>
+          <a:fillRef idx="3">
+            <a:schemeClr val="accent5"/>
+          </a:fillRef>
+          <a:effectRef idx="3">
+            <a:schemeClr val="accent5"/>
+          </a:effectRef>
+          <a:fontRef idx="minor">
+            <a:schemeClr val="lt1"/>
+          </a:fontRef>
+        </p:style>
+        <p:txBody>
+          <a:bodyPr rtlCol="0" anchor="ctr"/>
+          <a:lstStyle/>
+          <a:p>
+            <a:pPr algn="ctr"/>
+            <a:r>
+              <a:rPr lang="zh-CN" altLang="en-US" sz="1400" dirty="0"/>
+              <a:t>中央控制</a:t>
+            </a:r>
+          </a:p>
+        </p:txBody>
+      </p:sp>
+      <p:sp>
+        <p:nvSpPr>
+          <p:cNvPr id="29" name="六边形 28">
+            <a:extLst>
+              <a:ext uri="{FF2B5EF4-FFF2-40B4-BE49-F238E27FC236}">
+                <a16:creationId xmlns:a16="http://schemas.microsoft.com/office/drawing/2014/main" id="{D702E64B-DD2A-4922-96DE-1017A898EC4D}"/>
+              </a:ext>
+            </a:extLst>
+          </p:cNvPr>
+          <p:cNvSpPr/>
+          <p:nvPr/>
+        </p:nvSpPr>
+        <p:spPr>
+          <a:xfrm>
+            <a:off x="8633573" y="2518118"/>
+            <a:ext cx="1490923" cy="1364566"/>
+          </a:xfrm>
+          <a:prstGeom prst="hexagon">
+            <a:avLst/>
+          </a:prstGeom>
+        </p:spPr>
+        <p:style>
+          <a:lnRef idx="0">
+            <a:schemeClr val="accent5"/>
+          </a:lnRef>
+          <a:fillRef idx="3">
+            <a:schemeClr val="accent5"/>
+          </a:fillRef>
+          <a:effectRef idx="3">
+            <a:schemeClr val="accent5"/>
+          </a:effectRef>
+          <a:fontRef idx="minor">
+            <a:schemeClr val="lt1"/>
+          </a:fontRef>
+        </p:style>
+        <p:txBody>
+          <a:bodyPr rtlCol="0" anchor="ctr"/>
+          <a:lstStyle/>
+          <a:p>
+            <a:pPr algn="ctr"/>
+            <a:r>
+              <a:rPr lang="zh-CN" altLang="en-US" sz="1400" dirty="0"/>
+              <a:t>负载均衡</a:t>
+            </a:r>
+          </a:p>
+        </p:txBody>
+      </p:sp>
+      <p:grpSp>
+        <p:nvGrpSpPr>
+          <p:cNvPr id="3" name="组合 2">
+            <a:extLst>
+              <a:ext uri="{FF2B5EF4-FFF2-40B4-BE49-F238E27FC236}">
+                <a16:creationId xmlns:a16="http://schemas.microsoft.com/office/drawing/2014/main" id="{ACBF6F41-947E-4E43-A4E3-C877E8F96177}"/>
+              </a:ext>
+            </a:extLst>
+          </p:cNvPr>
+          <p:cNvGrpSpPr/>
+          <p:nvPr/>
+        </p:nvGrpSpPr>
+        <p:grpSpPr>
+          <a:xfrm>
+            <a:off x="3228227" y="2140672"/>
+            <a:ext cx="3864949" cy="3225400"/>
+            <a:chOff x="1263103" y="1243309"/>
+            <a:chExt cx="3864949" cy="3225400"/>
+          </a:xfrm>
+        </p:grpSpPr>
+        <p:sp>
+          <p:nvSpPr>
+            <p:cNvPr id="6" name="六边形 5">
+              <a:extLst>
+                <a:ext uri="{FF2B5EF4-FFF2-40B4-BE49-F238E27FC236}">
+                  <a16:creationId xmlns:a16="http://schemas.microsoft.com/office/drawing/2014/main" id="{21B8DE38-2906-4E7D-852E-1284230FD782}"/>
+                </a:ext>
+              </a:extLst>
+            </p:cNvPr>
+            <p:cNvSpPr/>
+            <p:nvPr/>
+          </p:nvSpPr>
+          <p:spPr>
+            <a:xfrm>
+              <a:off x="3618998" y="1885949"/>
+              <a:ext cx="1490923" cy="1285279"/>
+            </a:xfrm>
+            <a:prstGeom prst="hexagon">
+              <a:avLst/>
+            </a:prstGeom>
+          </p:spPr>
+          <p:style>
+            <a:lnRef idx="0">
+              <a:schemeClr val="accent5"/>
+            </a:lnRef>
+            <a:fillRef idx="3">
+              <a:schemeClr val="accent5"/>
+            </a:fillRef>
+            <a:effectRef idx="3">
+              <a:schemeClr val="accent5"/>
+            </a:effectRef>
+            <a:fontRef idx="minor">
+              <a:schemeClr val="lt1"/>
+            </a:fontRef>
+          </p:style>
+          <p:txBody>
+            <a:bodyPr rtlCol="0" anchor="ctr"/>
+            <a:lstStyle/>
+            <a:p>
+              <a:pPr algn="ctr"/>
+              <a:r>
+                <a:rPr lang="zh-CN" altLang="en-US" sz="1400" dirty="0"/>
+                <a:t>容器监测</a:t>
+              </a:r>
+            </a:p>
+          </p:txBody>
+        </p:sp>
+        <p:sp>
+          <p:nvSpPr>
+            <p:cNvPr id="7" name="六边形 6">
+              <a:extLst>
+                <a:ext uri="{FF2B5EF4-FFF2-40B4-BE49-F238E27FC236}">
+                  <a16:creationId xmlns:a16="http://schemas.microsoft.com/office/drawing/2014/main" id="{F6EFA57E-22F1-4A35-9CDA-494FE99DECC8}"/>
+                </a:ext>
+              </a:extLst>
+            </p:cNvPr>
+            <p:cNvSpPr/>
+            <p:nvPr/>
+          </p:nvSpPr>
+          <p:spPr>
+            <a:xfrm>
+              <a:off x="2449395" y="1243309"/>
+              <a:ext cx="1490923" cy="1285279"/>
+            </a:xfrm>
+            <a:prstGeom prst="hexagon">
+              <a:avLst/>
+            </a:prstGeom>
+          </p:spPr>
+          <p:style>
+            <a:lnRef idx="0">
+              <a:schemeClr val="accent5"/>
+            </a:lnRef>
+            <a:fillRef idx="3">
+              <a:schemeClr val="accent5"/>
+            </a:fillRef>
+            <a:effectRef idx="3">
+              <a:schemeClr val="accent5"/>
+            </a:effectRef>
+            <a:fontRef idx="minor">
+              <a:schemeClr val="lt1"/>
+            </a:fontRef>
+          </p:style>
+          <p:txBody>
+            <a:bodyPr rtlCol="0" anchor="ctr"/>
+            <a:lstStyle/>
+            <a:p>
+              <a:pPr algn="ctr"/>
+              <a:r>
+                <a:rPr lang="zh-CN" altLang="en-US" sz="1400" dirty="0"/>
+                <a:t>自动发布</a:t>
+              </a:r>
+            </a:p>
+          </p:txBody>
+        </p:sp>
+        <p:sp>
+          <p:nvSpPr>
+            <p:cNvPr id="19" name="六边形 18">
+              <a:extLst>
+                <a:ext uri="{FF2B5EF4-FFF2-40B4-BE49-F238E27FC236}">
+                  <a16:creationId xmlns:a16="http://schemas.microsoft.com/office/drawing/2014/main" id="{46F85DD2-2A60-4ECA-A05E-78884C7C1C2E}"/>
+                </a:ext>
+              </a:extLst>
+            </p:cNvPr>
+            <p:cNvSpPr/>
+            <p:nvPr/>
+          </p:nvSpPr>
+          <p:spPr>
+            <a:xfrm>
+              <a:off x="1263103" y="1885949"/>
+              <a:ext cx="1490923" cy="1285279"/>
+            </a:xfrm>
+            <a:prstGeom prst="hexagon">
+              <a:avLst/>
+            </a:prstGeom>
+          </p:spPr>
+          <p:style>
+            <a:lnRef idx="1">
+              <a:schemeClr val="dk1"/>
+            </a:lnRef>
+            <a:fillRef idx="3">
+              <a:schemeClr val="dk1"/>
+            </a:fillRef>
+            <a:effectRef idx="2">
+              <a:schemeClr val="dk1"/>
+            </a:effectRef>
+            <a:fontRef idx="minor">
+              <a:schemeClr val="lt1"/>
+            </a:fontRef>
+          </p:style>
+          <p:txBody>
+            <a:bodyPr rtlCol="0" anchor="ctr"/>
+            <a:lstStyle/>
+            <a:p>
+              <a:pPr algn="ctr"/>
+              <a:r>
+                <a:rPr lang="zh-CN" altLang="en-US" sz="1400" dirty="0"/>
+                <a:t>自动发布</a:t>
+              </a:r>
+              <a:endParaRPr lang="en-US" altLang="zh-CN" sz="1400" dirty="0"/>
+            </a:p>
+            <a:p>
+              <a:pPr algn="ctr"/>
+              <a:r>
+                <a:rPr lang="en-US" altLang="zh-CN" sz="1400" dirty="0"/>
+                <a:t>Shell</a:t>
+              </a:r>
+              <a:r>
+                <a:rPr lang="zh-CN" altLang="en-US" sz="1400" dirty="0"/>
+                <a:t>脚本</a:t>
+              </a:r>
+            </a:p>
+          </p:txBody>
+        </p:sp>
+        <p:sp>
+          <p:nvSpPr>
+            <p:cNvPr id="18" name="六边形 17">
+              <a:extLst>
+                <a:ext uri="{FF2B5EF4-FFF2-40B4-BE49-F238E27FC236}">
+                  <a16:creationId xmlns:a16="http://schemas.microsoft.com/office/drawing/2014/main" id="{E8C97EC5-B929-45A0-A5ED-EED13B790C94}"/>
+                </a:ext>
+              </a:extLst>
+            </p:cNvPr>
+            <p:cNvSpPr/>
+            <p:nvPr/>
+          </p:nvSpPr>
+          <p:spPr>
+            <a:xfrm>
+              <a:off x="2441051" y="2528588"/>
+              <a:ext cx="1490923" cy="1285279"/>
+            </a:xfrm>
+            <a:prstGeom prst="hexagon">
+              <a:avLst/>
+            </a:prstGeom>
+          </p:spPr>
+          <p:style>
+            <a:lnRef idx="1">
+              <a:schemeClr val="dk1"/>
+            </a:lnRef>
+            <a:fillRef idx="3">
+              <a:schemeClr val="dk1"/>
+            </a:fillRef>
+            <a:effectRef idx="2">
+              <a:schemeClr val="dk1"/>
+            </a:effectRef>
+            <a:fontRef idx="minor">
+              <a:schemeClr val="lt1"/>
+            </a:fontRef>
+          </p:style>
+          <p:txBody>
+            <a:bodyPr rtlCol="0" anchor="ctr"/>
+            <a:lstStyle/>
+            <a:p>
+              <a:pPr algn="ctr"/>
+              <a:r>
+                <a:rPr lang="en-US" altLang="zh-CN" sz="1400" dirty="0"/>
+                <a:t>Docker</a:t>
+              </a:r>
+            </a:p>
+            <a:p>
+              <a:pPr algn="ctr"/>
+              <a:r>
+                <a:rPr lang="en-US" altLang="zh-CN" sz="1400" dirty="0"/>
+                <a:t>API</a:t>
+              </a:r>
+              <a:endParaRPr lang="zh-CN" altLang="en-US" sz="1400" dirty="0"/>
+            </a:p>
+          </p:txBody>
+        </p:sp>
+        <p:sp>
+          <p:nvSpPr>
+            <p:cNvPr id="33" name="六边形 32">
+              <a:extLst>
+                <a:ext uri="{FF2B5EF4-FFF2-40B4-BE49-F238E27FC236}">
+                  <a16:creationId xmlns:a16="http://schemas.microsoft.com/office/drawing/2014/main" id="{DCD5066B-6A9F-416A-BBA3-21C0644D9E50}"/>
+                </a:ext>
+              </a:extLst>
+            </p:cNvPr>
+            <p:cNvSpPr/>
+            <p:nvPr/>
+          </p:nvSpPr>
+          <p:spPr>
+            <a:xfrm>
+              <a:off x="3637129" y="3183431"/>
+              <a:ext cx="1490923" cy="1285278"/>
+            </a:xfrm>
+            <a:prstGeom prst="hexagon">
+              <a:avLst/>
+            </a:prstGeom>
+          </p:spPr>
+          <p:style>
+            <a:lnRef idx="0">
+              <a:schemeClr val="accent4"/>
+            </a:lnRef>
+            <a:fillRef idx="3">
+              <a:schemeClr val="accent4"/>
+            </a:fillRef>
+            <a:effectRef idx="3">
+              <a:schemeClr val="accent4"/>
+            </a:effectRef>
+            <a:fontRef idx="minor">
+              <a:schemeClr val="lt1"/>
+            </a:fontRef>
+          </p:style>
+          <p:txBody>
+            <a:bodyPr rtlCol="0" anchor="ctr"/>
+            <a:lstStyle/>
+            <a:p>
+              <a:pPr algn="ctr"/>
+              <a:r>
+                <a:rPr lang="en-US" altLang="zh-CN" sz="1400" dirty="0" err="1"/>
+                <a:t>RemoteClient</a:t>
+              </a:r>
+              <a:endParaRPr lang="zh-CN" altLang="en-US" sz="1400" dirty="0"/>
+            </a:p>
+          </p:txBody>
+        </p:sp>
+      </p:grpSp>
+      <p:cxnSp>
+        <p:nvCxnSpPr>
+          <p:cNvPr id="22" name="连接符: 肘形 21">
+            <a:extLst>
+              <a:ext uri="{FF2B5EF4-FFF2-40B4-BE49-F238E27FC236}">
+                <a16:creationId xmlns:a16="http://schemas.microsoft.com/office/drawing/2014/main" id="{9F6B6B11-2896-41CB-83B9-738C4ADDD9AA}"/>
+              </a:ext>
+            </a:extLst>
+          </p:cNvPr>
+          <p:cNvCxnSpPr>
+            <a:cxnSpLocks/>
+            <a:stCxn id="5" idx="3"/>
+            <a:endCxn id="6" idx="0"/>
+          </p:cNvCxnSpPr>
+          <p:nvPr/>
+        </p:nvCxnSpPr>
+        <p:spPr>
+          <a:xfrm rot="10800000">
+            <a:off x="7075046" y="3425952"/>
+            <a:ext cx="1576657" cy="1410844"/>
+          </a:xfrm>
+          <a:prstGeom prst="bentConnector3">
+            <a:avLst>
+              <a:gd name="adj1" fmla="val 50000"/>
+            </a:avLst>
+          </a:prstGeom>
+          <a:ln w="12700">
+            <a:headEnd type="stealth" w="lg" len="lg"/>
+            <a:tailEnd type="none"/>
+          </a:ln>
+        </p:spPr>
+        <p:style>
+          <a:lnRef idx="1">
+            <a:schemeClr val="accent1"/>
+          </a:lnRef>
+          <a:fillRef idx="0">
+            <a:schemeClr val="accent1"/>
+          </a:fillRef>
+          <a:effectRef idx="0">
+            <a:schemeClr val="accent1"/>
+          </a:effectRef>
+          <a:fontRef idx="minor">
+            <a:schemeClr val="tx1"/>
+          </a:fontRef>
+        </p:style>
+      </p:cxnSp>
+      <p:cxnSp>
+        <p:nvCxnSpPr>
+          <p:cNvPr id="36" name="连接符: 肘形 35">
+            <a:extLst>
+              <a:ext uri="{FF2B5EF4-FFF2-40B4-BE49-F238E27FC236}">
+                <a16:creationId xmlns:a16="http://schemas.microsoft.com/office/drawing/2014/main" id="{9F07E49A-678B-45A1-B6C4-E02FDCB695D7}"/>
+              </a:ext>
+            </a:extLst>
+          </p:cNvPr>
+          <p:cNvCxnSpPr>
+            <a:cxnSpLocks/>
+            <a:stCxn id="27" idx="3"/>
+            <a:endCxn id="7" idx="5"/>
+          </p:cNvCxnSpPr>
+          <p:nvPr/>
+        </p:nvCxnSpPr>
+        <p:spPr>
+          <a:xfrm rot="10800000" flipV="1">
+            <a:off x="5584122" y="1618554"/>
+            <a:ext cx="3067580" cy="522117"/>
+          </a:xfrm>
+          <a:prstGeom prst="bentConnector2">
+            <a:avLst/>
+          </a:prstGeom>
+          <a:ln w="12700">
+            <a:headEnd type="stealth" w="lg" len="lg"/>
+            <a:tailEnd type="none"/>
+          </a:ln>
+        </p:spPr>
+        <p:style>
+          <a:lnRef idx="1">
+            <a:schemeClr val="accent1"/>
+          </a:lnRef>
+          <a:fillRef idx="0">
+            <a:schemeClr val="accent1"/>
+          </a:fillRef>
+          <a:effectRef idx="0">
+            <a:schemeClr val="accent1"/>
+          </a:effectRef>
+          <a:fontRef idx="minor">
+            <a:schemeClr val="tx1"/>
+          </a:fontRef>
+        </p:style>
+      </p:cxnSp>
+      <p:cxnSp>
+        <p:nvCxnSpPr>
+          <p:cNvPr id="38" name="连接符: 肘形 37">
+            <a:extLst>
+              <a:ext uri="{FF2B5EF4-FFF2-40B4-BE49-F238E27FC236}">
+                <a16:creationId xmlns:a16="http://schemas.microsoft.com/office/drawing/2014/main" id="{F00B7807-3D86-4D3A-BA10-99F0EDC9D8C6}"/>
+              </a:ext>
+            </a:extLst>
+          </p:cNvPr>
+          <p:cNvCxnSpPr>
+            <a:cxnSpLocks/>
+            <a:stCxn id="29" idx="3"/>
+            <a:endCxn id="52" idx="3"/>
+          </p:cNvCxnSpPr>
+          <p:nvPr/>
+        </p:nvCxnSpPr>
+        <p:spPr>
+          <a:xfrm rot="10800000" flipV="1">
+            <a:off x="7840401" y="3200401"/>
+            <a:ext cx="793172" cy="4938"/>
+          </a:xfrm>
+          <a:prstGeom prst="bentConnector3">
+            <a:avLst>
+              <a:gd name="adj1" fmla="val 50000"/>
+            </a:avLst>
+          </a:prstGeom>
+          <a:ln w="12700">
+            <a:headEnd type="stealth" w="lg" len="lg"/>
+            <a:tailEnd type="none"/>
+          </a:ln>
+        </p:spPr>
+        <p:style>
+          <a:lnRef idx="1">
+            <a:schemeClr val="accent1"/>
+          </a:lnRef>
+          <a:fillRef idx="0">
+            <a:schemeClr val="accent1"/>
+          </a:fillRef>
+          <a:effectRef idx="0">
+            <a:schemeClr val="accent1"/>
+          </a:effectRef>
+          <a:fontRef idx="minor">
+            <a:schemeClr val="tx1"/>
+          </a:fontRef>
+        </p:style>
+      </p:cxnSp>
+    </p:spTree>
+    <p:extLst>
+      <p:ext uri="{BB962C8B-B14F-4D97-AF65-F5344CB8AC3E}">
+        <p14:creationId xmlns:p14="http://schemas.microsoft.com/office/powerpoint/2010/main" val="2371132925"/>
+      </p:ext>
+    </p:extLst>
+  </p:cSld>
+  <p:clrMapOvr>
+    <a:masterClrMapping/>
+  </p:clrMapOvr>
+</p:sld>
+</file>
+
+<file path=ppt/slides/slide6.xml><?xml version="1.0" encoding="utf-8"?>
+<p:sld xmlns:a="http://schemas.openxmlformats.org/drawingml/2006/main" xmlns:r="http://schemas.openxmlformats.org/officeDocument/2006/relationships" xmlns:p="http://schemas.openxmlformats.org/presentationml/2006/main">
+  <p:cSld>
+    <p:spTree>
+      <p:nvGrpSpPr>
+        <p:cNvPr id="1" name=""/>
+        <p:cNvGrpSpPr/>
+        <p:nvPr/>
+      </p:nvGrpSpPr>
+      <p:grpSpPr>
+        <a:xfrm>
+          <a:off x="0" y="0"/>
+          <a:ext cx="0" cy="0"/>
+          <a:chOff x="0" y="0"/>
+          <a:chExt cx="0" cy="0"/>
+        </a:xfrm>
+      </p:grpSpPr>
+      <p:grpSp>
+        <p:nvGrpSpPr>
+          <p:cNvPr id="21" name="组合 20">
+            <a:extLst>
+              <a:ext uri="{FF2B5EF4-FFF2-40B4-BE49-F238E27FC236}">
+                <a16:creationId xmlns:a16="http://schemas.microsoft.com/office/drawing/2014/main" id="{29585356-F217-49A2-A7BE-F5D75B222E29}"/>
+              </a:ext>
+            </a:extLst>
+          </p:cNvPr>
+          <p:cNvGrpSpPr/>
+          <p:nvPr/>
+        </p:nvGrpSpPr>
+        <p:grpSpPr>
+          <a:xfrm>
+            <a:off x="397566" y="4340609"/>
+            <a:ext cx="2107095" cy="2206476"/>
+            <a:chOff x="397566" y="4340609"/>
+            <a:chExt cx="2107095" cy="2206476"/>
+          </a:xfrm>
+        </p:grpSpPr>
+        <p:sp>
+          <p:nvSpPr>
+            <p:cNvPr id="11" name="六边形 10">
+              <a:extLst>
+                <a:ext uri="{FF2B5EF4-FFF2-40B4-BE49-F238E27FC236}">
+                  <a16:creationId xmlns:a16="http://schemas.microsoft.com/office/drawing/2014/main" id="{991F4DA1-2B76-49D6-9F0B-27F016C9FD0B}"/>
+                </a:ext>
+              </a:extLst>
+            </p:cNvPr>
+            <p:cNvSpPr/>
+            <p:nvPr/>
+          </p:nvSpPr>
+          <p:spPr>
+            <a:xfrm>
+              <a:off x="986320" y="4767668"/>
+              <a:ext cx="846202" cy="711767"/>
+            </a:xfrm>
+            <a:prstGeom prst="hexagon">
+              <a:avLst/>
+            </a:prstGeom>
+          </p:spPr>
+          <p:style>
+            <a:lnRef idx="1">
+              <a:schemeClr val="accent6"/>
+            </a:lnRef>
+            <a:fillRef idx="2">
+              <a:schemeClr val="accent6"/>
+            </a:fillRef>
+            <a:effectRef idx="1">
+              <a:schemeClr val="accent6"/>
+            </a:effectRef>
+            <a:fontRef idx="minor">
+              <a:schemeClr val="dk1"/>
+            </a:fontRef>
+          </p:style>
+          <p:txBody>
+            <a:bodyPr rtlCol="0" anchor="ctr"/>
+            <a:lstStyle/>
+            <a:p>
+              <a:pPr algn="ctr"/>
+              <a:r>
+                <a:rPr lang="zh-CN" altLang="en-US" sz="1200" dirty="0"/>
+                <a:t>前端</a:t>
+              </a:r>
+            </a:p>
+          </p:txBody>
+        </p:sp>
+        <p:sp>
+          <p:nvSpPr>
+            <p:cNvPr id="12" name="六边形 11">
+              <a:extLst>
+                <a:ext uri="{FF2B5EF4-FFF2-40B4-BE49-F238E27FC236}">
+                  <a16:creationId xmlns:a16="http://schemas.microsoft.com/office/drawing/2014/main" id="{98C8D21E-6A7E-4282-9E91-9B46CDCAAC1F}"/>
+                </a:ext>
+              </a:extLst>
+            </p:cNvPr>
+            <p:cNvSpPr/>
+            <p:nvPr/>
+          </p:nvSpPr>
+          <p:spPr>
+            <a:xfrm>
+              <a:off x="986320" y="5479435"/>
+              <a:ext cx="846202" cy="711767"/>
+            </a:xfrm>
+            <a:prstGeom prst="hexagon">
+              <a:avLst/>
+            </a:prstGeom>
+          </p:spPr>
+          <p:style>
+            <a:lnRef idx="0">
+              <a:schemeClr val="accent5"/>
+            </a:lnRef>
+            <a:fillRef idx="3">
+              <a:schemeClr val="accent5"/>
+            </a:fillRef>
+            <a:effectRef idx="3">
+              <a:schemeClr val="accent5"/>
+            </a:effectRef>
+            <a:fontRef idx="minor">
+              <a:schemeClr val="lt1"/>
+            </a:fontRef>
+          </p:style>
+          <p:txBody>
+            <a:bodyPr rtlCol="0" anchor="ctr"/>
+            <a:lstStyle/>
+            <a:p>
+              <a:pPr algn="ctr"/>
+              <a:r>
+                <a:rPr lang="zh-CN" altLang="en-US" sz="1200" dirty="0"/>
+                <a:t>微服务</a:t>
+              </a:r>
+            </a:p>
+          </p:txBody>
+        </p:sp>
+        <p:sp>
+          <p:nvSpPr>
+            <p:cNvPr id="13" name="六边形 12">
+              <a:extLst>
+                <a:ext uri="{FF2B5EF4-FFF2-40B4-BE49-F238E27FC236}">
+                  <a16:creationId xmlns:a16="http://schemas.microsoft.com/office/drawing/2014/main" id="{9A9E442B-17B5-4E81-99CE-0CE8D25A2CC2}"/>
+                </a:ext>
+              </a:extLst>
+            </p:cNvPr>
+            <p:cNvSpPr/>
+            <p:nvPr/>
+          </p:nvSpPr>
+          <p:spPr>
+            <a:xfrm>
+              <a:off x="1658459" y="5835318"/>
+              <a:ext cx="846202" cy="711767"/>
+            </a:xfrm>
+            <a:prstGeom prst="hexagon">
+              <a:avLst/>
+            </a:prstGeom>
+          </p:spPr>
+          <p:style>
+            <a:lnRef idx="0">
+              <a:schemeClr val="dk1"/>
+            </a:lnRef>
+            <a:fillRef idx="3">
+              <a:schemeClr val="dk1"/>
+            </a:fillRef>
+            <a:effectRef idx="3">
+              <a:schemeClr val="dk1"/>
+            </a:effectRef>
+            <a:fontRef idx="minor">
+              <a:schemeClr val="lt1"/>
+            </a:fontRef>
+          </p:style>
+          <p:txBody>
+            <a:bodyPr rtlCol="0" anchor="ctr"/>
+            <a:lstStyle/>
+            <a:p>
+              <a:pPr algn="ctr"/>
+              <a:r>
+                <a:rPr lang="en-US" altLang="zh-CN" sz="1200" dirty="0"/>
+                <a:t>Shell</a:t>
+              </a:r>
+              <a:endParaRPr lang="zh-CN" altLang="en-US" sz="1200" dirty="0"/>
+            </a:p>
+          </p:txBody>
+        </p:sp>
+        <p:sp>
+          <p:nvSpPr>
+            <p:cNvPr id="14" name="矩形 13">
+              <a:extLst>
+                <a:ext uri="{FF2B5EF4-FFF2-40B4-BE49-F238E27FC236}">
+                  <a16:creationId xmlns:a16="http://schemas.microsoft.com/office/drawing/2014/main" id="{25187D6C-4B08-4999-A5D0-347E7E150A0D}"/>
+                </a:ext>
+              </a:extLst>
+            </p:cNvPr>
+            <p:cNvSpPr/>
+            <p:nvPr/>
+          </p:nvSpPr>
+          <p:spPr>
+            <a:xfrm>
+              <a:off x="397566" y="4340609"/>
+              <a:ext cx="718264" cy="328509"/>
+            </a:xfrm>
+            <a:prstGeom prst="rect">
+              <a:avLst/>
+            </a:prstGeom>
+            <a:ln>
+              <a:noFill/>
+            </a:ln>
+          </p:spPr>
+          <p:style>
+            <a:lnRef idx="2">
+              <a:schemeClr val="dk1"/>
+            </a:lnRef>
+            <a:fillRef idx="1">
+              <a:schemeClr val="lt1"/>
+            </a:fillRef>
+            <a:effectRef idx="0">
+              <a:schemeClr val="dk1"/>
+            </a:effectRef>
+            <a:fontRef idx="minor">
+              <a:schemeClr val="dk1"/>
+            </a:fontRef>
+          </p:style>
+          <p:txBody>
+            <a:bodyPr rtlCol="0" anchor="ctr"/>
+            <a:lstStyle/>
+            <a:p>
+              <a:pPr algn="ctr"/>
+              <a:r>
+                <a:rPr lang="zh-CN" altLang="en-US" dirty="0"/>
+                <a:t>图例</a:t>
+              </a:r>
+              <a:r>
+                <a:rPr lang="en-US" altLang="zh-CN" dirty="0"/>
+                <a:t>:</a:t>
+              </a:r>
+              <a:endParaRPr lang="zh-CN" altLang="en-US" dirty="0"/>
+            </a:p>
+          </p:txBody>
+        </p:sp>
+        <p:sp>
+          <p:nvSpPr>
+            <p:cNvPr id="17" name="六边形 16">
+              <a:extLst>
+                <a:ext uri="{FF2B5EF4-FFF2-40B4-BE49-F238E27FC236}">
+                  <a16:creationId xmlns:a16="http://schemas.microsoft.com/office/drawing/2014/main" id="{8A56DFE1-E14E-4BF1-9C55-234458BC95A3}"/>
+                </a:ext>
+              </a:extLst>
+            </p:cNvPr>
+            <p:cNvSpPr/>
+            <p:nvPr/>
+          </p:nvSpPr>
+          <p:spPr>
+            <a:xfrm>
+              <a:off x="1658459" y="5123552"/>
+              <a:ext cx="846202" cy="711767"/>
+            </a:xfrm>
+            <a:prstGeom prst="hexagon">
+              <a:avLst/>
+            </a:prstGeom>
+          </p:spPr>
+          <p:style>
+            <a:lnRef idx="2">
+              <a:schemeClr val="accent4">
+                <a:shade val="50000"/>
+              </a:schemeClr>
+            </a:lnRef>
+            <a:fillRef idx="1">
+              <a:schemeClr val="accent4"/>
+            </a:fillRef>
+            <a:effectRef idx="0">
+              <a:schemeClr val="accent4"/>
+            </a:effectRef>
+            <a:fontRef idx="minor">
+              <a:schemeClr val="lt1"/>
+            </a:fontRef>
+          </p:style>
+          <p:txBody>
+            <a:bodyPr rtlCol="0" anchor="ctr"/>
+            <a:lstStyle/>
+            <a:p>
+              <a:pPr algn="ctr"/>
+              <a:r>
+                <a:rPr lang="en-US" altLang="zh-CN" sz="1200" dirty="0"/>
+                <a:t>DB</a:t>
+              </a:r>
+              <a:endParaRPr lang="zh-CN" altLang="en-US" sz="1200" dirty="0"/>
             </a:p>
           </p:txBody>
         </p:sp>
@@ -11891,10 +14666,10 @@
         </p:nvGrpSpPr>
         <p:grpSpPr>
           <a:xfrm>
-            <a:off x="6453273" y="1202469"/>
-            <a:ext cx="4983354" cy="5144461"/>
-            <a:chOff x="6453273" y="1202469"/>
-            <a:chExt cx="4983354" cy="5144461"/>
+            <a:off x="5616043" y="1271775"/>
+            <a:ext cx="6152500" cy="5135925"/>
+            <a:chOff x="5284127" y="1202469"/>
+            <a:chExt cx="6152500" cy="5135925"/>
           </a:xfrm>
         </p:grpSpPr>
         <p:sp>
@@ -12326,54 +15101,6 @@
         </p:sp>
         <p:sp>
           <p:nvSpPr>
-            <p:cNvPr id="43" name="六边形 42">
-              <a:extLst>
-                <a:ext uri="{FF2B5EF4-FFF2-40B4-BE49-F238E27FC236}">
-                  <a16:creationId xmlns:a16="http://schemas.microsoft.com/office/drawing/2014/main" id="{9C0AD4D6-6C07-47C6-90F1-A63EC26BF443}"/>
-                </a:ext>
-              </a:extLst>
-            </p:cNvPr>
-            <p:cNvSpPr/>
-            <p:nvPr/>
-          </p:nvSpPr>
-          <p:spPr>
-            <a:xfrm>
-              <a:off x="8784746" y="5061652"/>
-              <a:ext cx="1490923" cy="1285278"/>
-            </a:xfrm>
-            <a:prstGeom prst="hexagon">
-              <a:avLst/>
-            </a:prstGeom>
-          </p:spPr>
-          <p:style>
-            <a:lnRef idx="0">
-              <a:schemeClr val="accent4"/>
-            </a:lnRef>
-            <a:fillRef idx="3">
-              <a:schemeClr val="accent4"/>
-            </a:fillRef>
-            <a:effectRef idx="3">
-              <a:schemeClr val="accent4"/>
-            </a:effectRef>
-            <a:fontRef idx="minor">
-              <a:schemeClr val="lt1"/>
-            </a:fontRef>
-          </p:style>
-          <p:txBody>
-            <a:bodyPr rtlCol="0" anchor="ctr"/>
-            <a:lstStyle/>
-            <a:p>
-              <a:pPr algn="ctr"/>
-              <a:r>
-                <a:rPr lang="en-US" altLang="zh-CN" sz="1400" dirty="0" err="1"/>
-                <a:t>ActiveMQ</a:t>
-              </a:r>
-              <a:endParaRPr lang="zh-CN" altLang="en-US" sz="1400" dirty="0"/>
-            </a:p>
-          </p:txBody>
-        </p:sp>
-        <p:sp>
-          <p:nvSpPr>
             <p:cNvPr id="32" name="六边形 31">
               <a:extLst>
                 <a:ext uri="{FF2B5EF4-FFF2-40B4-BE49-F238E27FC236}">
@@ -12419,11 +15146,1098 @@
             </a:p>
           </p:txBody>
         </p:sp>
+        <p:sp>
+          <p:nvSpPr>
+            <p:cNvPr id="48" name="六边形 47">
+              <a:extLst>
+                <a:ext uri="{FF2B5EF4-FFF2-40B4-BE49-F238E27FC236}">
+                  <a16:creationId xmlns:a16="http://schemas.microsoft.com/office/drawing/2014/main" id="{9789685E-D2C3-4D4C-A33B-D8E92EE6EFDB}"/>
+                </a:ext>
+              </a:extLst>
+            </p:cNvPr>
+            <p:cNvSpPr/>
+            <p:nvPr/>
+          </p:nvSpPr>
+          <p:spPr>
+            <a:xfrm>
+              <a:off x="5284127" y="1846241"/>
+              <a:ext cx="1490923" cy="1285278"/>
+            </a:xfrm>
+            <a:prstGeom prst="hexagon">
+              <a:avLst/>
+            </a:prstGeom>
+          </p:spPr>
+          <p:style>
+            <a:lnRef idx="1">
+              <a:schemeClr val="accent6"/>
+            </a:lnRef>
+            <a:fillRef idx="2">
+              <a:schemeClr val="accent6"/>
+            </a:fillRef>
+            <a:effectRef idx="1">
+              <a:schemeClr val="accent6"/>
+            </a:effectRef>
+            <a:fontRef idx="minor">
+              <a:schemeClr val="dk1"/>
+            </a:fontRef>
+          </p:style>
+          <p:txBody>
+            <a:bodyPr rtlCol="0" anchor="ctr"/>
+            <a:lstStyle/>
+            <a:p>
+              <a:pPr algn="ctr"/>
+              <a:r>
+                <a:rPr lang="en-US" altLang="zh-CN" sz="1400" dirty="0"/>
+                <a:t>CMS</a:t>
+              </a:r>
+              <a:endParaRPr lang="zh-CN" altLang="en-US" sz="1400" dirty="0"/>
+            </a:p>
+          </p:txBody>
+        </p:sp>
+      </p:grpSp>
+      <p:grpSp>
+        <p:nvGrpSpPr>
+          <p:cNvPr id="25" name="组合 24">
+            <a:extLst>
+              <a:ext uri="{FF2B5EF4-FFF2-40B4-BE49-F238E27FC236}">
+                <a16:creationId xmlns:a16="http://schemas.microsoft.com/office/drawing/2014/main" id="{94FF475A-AB3D-48F4-9F04-F3B7BEF23CAE}"/>
+              </a:ext>
+            </a:extLst>
+          </p:cNvPr>
+          <p:cNvGrpSpPr/>
+          <p:nvPr/>
+        </p:nvGrpSpPr>
+        <p:grpSpPr>
+          <a:xfrm>
+            <a:off x="882272" y="1130979"/>
+            <a:ext cx="3846818" cy="3236777"/>
+            <a:chOff x="882272" y="1130979"/>
+            <a:chExt cx="3846818" cy="3236777"/>
+          </a:xfrm>
+        </p:grpSpPr>
+        <p:sp>
+          <p:nvSpPr>
+            <p:cNvPr id="6" name="六边形 5">
+              <a:extLst>
+                <a:ext uri="{FF2B5EF4-FFF2-40B4-BE49-F238E27FC236}">
+                  <a16:creationId xmlns:a16="http://schemas.microsoft.com/office/drawing/2014/main" id="{21B8DE38-2906-4E7D-852E-1284230FD782}"/>
+                </a:ext>
+              </a:extLst>
+            </p:cNvPr>
+            <p:cNvSpPr/>
+            <p:nvPr/>
+          </p:nvSpPr>
+          <p:spPr>
+            <a:xfrm>
+              <a:off x="3238167" y="1773619"/>
+              <a:ext cx="1490923" cy="1285279"/>
+            </a:xfrm>
+            <a:prstGeom prst="hexagon">
+              <a:avLst/>
+            </a:prstGeom>
+          </p:spPr>
+          <p:style>
+            <a:lnRef idx="0">
+              <a:schemeClr val="accent5"/>
+            </a:lnRef>
+            <a:fillRef idx="3">
+              <a:schemeClr val="accent5"/>
+            </a:fillRef>
+            <a:effectRef idx="3">
+              <a:schemeClr val="accent5"/>
+            </a:effectRef>
+            <a:fontRef idx="minor">
+              <a:schemeClr val="lt1"/>
+            </a:fontRef>
+          </p:style>
+          <p:txBody>
+            <a:bodyPr rtlCol="0" anchor="ctr"/>
+            <a:lstStyle/>
+            <a:p>
+              <a:pPr algn="ctr"/>
+              <a:r>
+                <a:rPr lang="zh-CN" altLang="en-US" sz="1400" dirty="0"/>
+                <a:t>容器监测</a:t>
+              </a:r>
+            </a:p>
+          </p:txBody>
+        </p:sp>
+        <p:sp>
+          <p:nvSpPr>
+            <p:cNvPr id="7" name="六边形 6">
+              <a:extLst>
+                <a:ext uri="{FF2B5EF4-FFF2-40B4-BE49-F238E27FC236}">
+                  <a16:creationId xmlns:a16="http://schemas.microsoft.com/office/drawing/2014/main" id="{F6EFA57E-22F1-4A35-9CDA-494FE99DECC8}"/>
+                </a:ext>
+              </a:extLst>
+            </p:cNvPr>
+            <p:cNvSpPr/>
+            <p:nvPr/>
+          </p:nvSpPr>
+          <p:spPr>
+            <a:xfrm>
+              <a:off x="2068564" y="1130979"/>
+              <a:ext cx="1490923" cy="1285279"/>
+            </a:xfrm>
+            <a:prstGeom prst="hexagon">
+              <a:avLst/>
+            </a:prstGeom>
+          </p:spPr>
+          <p:style>
+            <a:lnRef idx="0">
+              <a:schemeClr val="accent5"/>
+            </a:lnRef>
+            <a:fillRef idx="3">
+              <a:schemeClr val="accent5"/>
+            </a:fillRef>
+            <a:effectRef idx="3">
+              <a:schemeClr val="accent5"/>
+            </a:effectRef>
+            <a:fontRef idx="minor">
+              <a:schemeClr val="lt1"/>
+            </a:fontRef>
+          </p:style>
+          <p:txBody>
+            <a:bodyPr rtlCol="0" anchor="ctr"/>
+            <a:lstStyle/>
+            <a:p>
+              <a:pPr algn="ctr"/>
+              <a:r>
+                <a:rPr lang="zh-CN" altLang="en-US" sz="1400" dirty="0"/>
+                <a:t>自动发布</a:t>
+              </a:r>
+            </a:p>
+          </p:txBody>
+        </p:sp>
+        <p:sp>
+          <p:nvSpPr>
+            <p:cNvPr id="19" name="六边形 18">
+              <a:extLst>
+                <a:ext uri="{FF2B5EF4-FFF2-40B4-BE49-F238E27FC236}">
+                  <a16:creationId xmlns:a16="http://schemas.microsoft.com/office/drawing/2014/main" id="{46F85DD2-2A60-4ECA-A05E-78884C7C1C2E}"/>
+                </a:ext>
+              </a:extLst>
+            </p:cNvPr>
+            <p:cNvSpPr/>
+            <p:nvPr/>
+          </p:nvSpPr>
+          <p:spPr>
+            <a:xfrm>
+              <a:off x="882272" y="1773619"/>
+              <a:ext cx="1490923" cy="1285279"/>
+            </a:xfrm>
+            <a:prstGeom prst="hexagon">
+              <a:avLst/>
+            </a:prstGeom>
+          </p:spPr>
+          <p:style>
+            <a:lnRef idx="1">
+              <a:schemeClr val="dk1"/>
+            </a:lnRef>
+            <a:fillRef idx="3">
+              <a:schemeClr val="dk1"/>
+            </a:fillRef>
+            <a:effectRef idx="2">
+              <a:schemeClr val="dk1"/>
+            </a:effectRef>
+            <a:fontRef idx="minor">
+              <a:schemeClr val="lt1"/>
+            </a:fontRef>
+          </p:style>
+          <p:txBody>
+            <a:bodyPr rtlCol="0" anchor="ctr"/>
+            <a:lstStyle/>
+            <a:p>
+              <a:pPr algn="ctr"/>
+              <a:r>
+                <a:rPr lang="zh-CN" altLang="en-US" sz="1400" dirty="0"/>
+                <a:t>自动发布</a:t>
+              </a:r>
+              <a:endParaRPr lang="en-US" altLang="zh-CN" sz="1400" dirty="0"/>
+            </a:p>
+            <a:p>
+              <a:pPr algn="ctr"/>
+              <a:r>
+                <a:rPr lang="en-US" altLang="zh-CN" sz="1400" dirty="0"/>
+                <a:t>Shell</a:t>
+              </a:r>
+              <a:r>
+                <a:rPr lang="zh-CN" altLang="en-US" sz="1400" dirty="0"/>
+                <a:t>脚本</a:t>
+              </a:r>
+            </a:p>
+          </p:txBody>
+        </p:sp>
+        <p:sp>
+          <p:nvSpPr>
+            <p:cNvPr id="18" name="六边形 17">
+              <a:extLst>
+                <a:ext uri="{FF2B5EF4-FFF2-40B4-BE49-F238E27FC236}">
+                  <a16:creationId xmlns:a16="http://schemas.microsoft.com/office/drawing/2014/main" id="{E8C97EC5-B929-45A0-A5ED-EED13B790C94}"/>
+                </a:ext>
+              </a:extLst>
+            </p:cNvPr>
+            <p:cNvSpPr/>
+            <p:nvPr/>
+          </p:nvSpPr>
+          <p:spPr>
+            <a:xfrm>
+              <a:off x="2060220" y="2416258"/>
+              <a:ext cx="1490923" cy="1285279"/>
+            </a:xfrm>
+            <a:prstGeom prst="hexagon">
+              <a:avLst/>
+            </a:prstGeom>
+          </p:spPr>
+          <p:style>
+            <a:lnRef idx="1">
+              <a:schemeClr val="dk1"/>
+            </a:lnRef>
+            <a:fillRef idx="3">
+              <a:schemeClr val="dk1"/>
+            </a:fillRef>
+            <a:effectRef idx="2">
+              <a:schemeClr val="dk1"/>
+            </a:effectRef>
+            <a:fontRef idx="minor">
+              <a:schemeClr val="lt1"/>
+            </a:fontRef>
+          </p:style>
+          <p:txBody>
+            <a:bodyPr rtlCol="0" anchor="ctr"/>
+            <a:lstStyle/>
+            <a:p>
+              <a:pPr algn="ctr"/>
+              <a:r>
+                <a:rPr lang="en-US" altLang="zh-CN" sz="1400" dirty="0"/>
+                <a:t>Docker</a:t>
+              </a:r>
+            </a:p>
+            <a:p>
+              <a:pPr algn="ctr"/>
+              <a:r>
+                <a:rPr lang="en-US" altLang="zh-CN" sz="1400" dirty="0"/>
+                <a:t>API</a:t>
+              </a:r>
+              <a:endParaRPr lang="zh-CN" altLang="en-US" sz="1400" dirty="0"/>
+            </a:p>
+          </p:txBody>
+        </p:sp>
+        <p:sp>
+          <p:nvSpPr>
+            <p:cNvPr id="37" name="六边形 36">
+              <a:extLst>
+                <a:ext uri="{FF2B5EF4-FFF2-40B4-BE49-F238E27FC236}">
+                  <a16:creationId xmlns:a16="http://schemas.microsoft.com/office/drawing/2014/main" id="{14B94678-341A-49EC-BDD2-AD30C61FDF7A}"/>
+                </a:ext>
+              </a:extLst>
+            </p:cNvPr>
+            <p:cNvSpPr/>
+            <p:nvPr/>
+          </p:nvSpPr>
+          <p:spPr>
+            <a:xfrm>
+              <a:off x="3237255" y="3082478"/>
+              <a:ext cx="1490923" cy="1285278"/>
+            </a:xfrm>
+            <a:prstGeom prst="hexagon">
+              <a:avLst/>
+            </a:prstGeom>
+          </p:spPr>
+          <p:style>
+            <a:lnRef idx="0">
+              <a:schemeClr val="accent4"/>
+            </a:lnRef>
+            <a:fillRef idx="3">
+              <a:schemeClr val="accent4"/>
+            </a:fillRef>
+            <a:effectRef idx="3">
+              <a:schemeClr val="accent4"/>
+            </a:effectRef>
+            <a:fontRef idx="minor">
+              <a:schemeClr val="lt1"/>
+            </a:fontRef>
+          </p:style>
+          <p:txBody>
+            <a:bodyPr rtlCol="0" anchor="ctr"/>
+            <a:lstStyle/>
+            <a:p>
+              <a:pPr algn="ctr"/>
+              <a:r>
+                <a:rPr lang="en-US" altLang="zh-CN" sz="1400" dirty="0" err="1"/>
+                <a:t>RemoteClient</a:t>
+              </a:r>
+              <a:endParaRPr lang="zh-CN" altLang="en-US" sz="1400" dirty="0"/>
+            </a:p>
+          </p:txBody>
+        </p:sp>
+      </p:grpSp>
+      <p:grpSp>
+        <p:nvGrpSpPr>
+          <p:cNvPr id="24" name="组合 23">
+            <a:extLst>
+              <a:ext uri="{FF2B5EF4-FFF2-40B4-BE49-F238E27FC236}">
+                <a16:creationId xmlns:a16="http://schemas.microsoft.com/office/drawing/2014/main" id="{237866CD-4375-4700-8DFB-F076A3083452}"/>
+              </a:ext>
+            </a:extLst>
+          </p:cNvPr>
+          <p:cNvGrpSpPr/>
+          <p:nvPr/>
+        </p:nvGrpSpPr>
+        <p:grpSpPr>
+          <a:xfrm>
+            <a:off x="1315339" y="1347881"/>
+            <a:ext cx="2851242" cy="2413612"/>
+            <a:chOff x="1437157" y="1487260"/>
+            <a:chExt cx="2851242" cy="2413612"/>
+          </a:xfrm>
+        </p:grpSpPr>
+        <p:pic>
+          <p:nvPicPr>
+            <p:cNvPr id="38" name="Picture 2" descr="https://ss1.bdstatic.com/70cFuXSh_Q1YnxGkpoWK1HF6hhy/it/u=114381753,3028297784&amp;fm=27&amp;gp=0.jpg">
+              <a:extLst>
+                <a:ext uri="{FF2B5EF4-FFF2-40B4-BE49-F238E27FC236}">
+                  <a16:creationId xmlns:a16="http://schemas.microsoft.com/office/drawing/2014/main" id="{9A8A280E-600A-4E20-9558-E960E97A2DF2}"/>
+                </a:ext>
+              </a:extLst>
+            </p:cNvPr>
+            <p:cNvPicPr>
+              <a:picLocks noChangeAspect="1" noChangeArrowheads="1"/>
+            </p:cNvPicPr>
+            <p:nvPr/>
+          </p:nvPicPr>
+          <p:blipFill>
+            <a:blip r:embed="rId2">
+              <a:extLst>
+                <a:ext uri="{BEBA8EAE-BF5A-486C-A8C5-ECC9F3942E4B}">
+                  <a14:imgProps xmlns:a14="http://schemas.microsoft.com/office/drawing/2010/main">
+                    <a14:imgLayer r:embed="rId3">
+                      <a14:imgEffect>
+                        <a14:backgroundRemoval t="10000" b="90000" l="10000" r="90000">
+                          <a14:backgroundMark x1="18699" y1="60976" x2="18699" y2="60976"/>
+                          <a14:backgroundMark x1="22764" y1="49187" x2="22764" y2="31707"/>
+                          <a14:backgroundMark x1="26423" y1="25610" x2="26423" y2="25610"/>
+                        </a14:backgroundRemoval>
+                      </a14:imgEffect>
+                    </a14:imgLayer>
+                  </a14:imgProps>
+                </a:ext>
+                <a:ext uri="{28A0092B-C50C-407E-A947-70E740481C1C}">
+                  <a14:useLocalDpi xmlns:a14="http://schemas.microsoft.com/office/drawing/2010/main" val="0"/>
+                </a:ext>
+              </a:extLst>
+            </a:blip>
+            <a:srcRect/>
+            <a:stretch>
+              <a:fillRect/>
+            </a:stretch>
+          </p:blipFill>
+          <p:spPr bwMode="auto">
+            <a:xfrm>
+              <a:off x="2542902" y="1487260"/>
+              <a:ext cx="525558" cy="525558"/>
+            </a:xfrm>
+            <a:prstGeom prst="rect">
+              <a:avLst/>
+            </a:prstGeom>
+            <a:noFill/>
+            <a:extLst>
+              <a:ext uri="{909E8E84-426E-40DD-AFC4-6F175D3DCCD1}">
+                <a14:hiddenFill xmlns:a14="http://schemas.microsoft.com/office/drawing/2010/main">
+                  <a:solidFill>
+                    <a:srgbClr val="FFFFFF"/>
+                  </a:solidFill>
+                </a14:hiddenFill>
+              </a:ext>
+            </a:extLst>
+          </p:spPr>
+        </p:pic>
+        <p:pic>
+          <p:nvPicPr>
+            <p:cNvPr id="41" name="Picture 2" descr="https://ss1.bdstatic.com/70cFuXSh_Q1YnxGkpoWK1HF6hhy/it/u=114381753,3028297784&amp;fm=27&amp;gp=0.jpg">
+              <a:extLst>
+                <a:ext uri="{FF2B5EF4-FFF2-40B4-BE49-F238E27FC236}">
+                  <a16:creationId xmlns:a16="http://schemas.microsoft.com/office/drawing/2014/main" id="{D7868570-6D5D-45A2-AFAF-D8C459B5AC62}"/>
+                </a:ext>
+              </a:extLst>
+            </p:cNvPr>
+            <p:cNvPicPr>
+              <a:picLocks noChangeAspect="1" noChangeArrowheads="1"/>
+            </p:cNvPicPr>
+            <p:nvPr/>
+          </p:nvPicPr>
+          <p:blipFill>
+            <a:blip r:embed="rId2">
+              <a:extLst>
+                <a:ext uri="{BEBA8EAE-BF5A-486C-A8C5-ECC9F3942E4B}">
+                  <a14:imgProps xmlns:a14="http://schemas.microsoft.com/office/drawing/2010/main">
+                    <a14:imgLayer r:embed="rId3">
+                      <a14:imgEffect>
+                        <a14:backgroundRemoval t="10000" b="90000" l="10000" r="90000">
+                          <a14:backgroundMark x1="18699" y1="60976" x2="18699" y2="60976"/>
+                          <a14:backgroundMark x1="22764" y1="49187" x2="22764" y2="31707"/>
+                          <a14:backgroundMark x1="26423" y1="25610" x2="26423" y2="25610"/>
+                        </a14:backgroundRemoval>
+                      </a14:imgEffect>
+                    </a14:imgLayer>
+                  </a14:imgProps>
+                </a:ext>
+                <a:ext uri="{28A0092B-C50C-407E-A947-70E740481C1C}">
+                  <a14:useLocalDpi xmlns:a14="http://schemas.microsoft.com/office/drawing/2010/main" val="0"/>
+                </a:ext>
+              </a:extLst>
+            </a:blip>
+            <a:srcRect/>
+            <a:stretch>
+              <a:fillRect/>
+            </a:stretch>
+          </p:blipFill>
+          <p:spPr bwMode="auto">
+            <a:xfrm>
+              <a:off x="3762841" y="2136139"/>
+              <a:ext cx="525558" cy="525558"/>
+            </a:xfrm>
+            <a:prstGeom prst="rect">
+              <a:avLst/>
+            </a:prstGeom>
+            <a:noFill/>
+            <a:extLst>
+              <a:ext uri="{909E8E84-426E-40DD-AFC4-6F175D3DCCD1}">
+                <a14:hiddenFill xmlns:a14="http://schemas.microsoft.com/office/drawing/2010/main">
+                  <a:solidFill>
+                    <a:srgbClr val="FFFFFF"/>
+                  </a:solidFill>
+                </a14:hiddenFill>
+              </a:ext>
+            </a:extLst>
+          </p:spPr>
+        </p:pic>
+        <p:pic>
+          <p:nvPicPr>
+            <p:cNvPr id="42" name="Picture 2" descr="https://ss1.bdstatic.com/70cFuXSh_Q1YnxGkpoWK1HF6hhy/it/u=114381753,3028297784&amp;fm=27&amp;gp=0.jpg">
+              <a:extLst>
+                <a:ext uri="{FF2B5EF4-FFF2-40B4-BE49-F238E27FC236}">
+                  <a16:creationId xmlns:a16="http://schemas.microsoft.com/office/drawing/2014/main" id="{DCADE40A-7096-48FB-824D-1E97C29DAE4D}"/>
+                </a:ext>
+              </a:extLst>
+            </p:cNvPr>
+            <p:cNvPicPr>
+              <a:picLocks noChangeAspect="1" noChangeArrowheads="1"/>
+            </p:cNvPicPr>
+            <p:nvPr/>
+          </p:nvPicPr>
+          <p:blipFill>
+            <a:blip r:embed="rId2">
+              <a:extLst>
+                <a:ext uri="{BEBA8EAE-BF5A-486C-A8C5-ECC9F3942E4B}">
+                  <a14:imgProps xmlns:a14="http://schemas.microsoft.com/office/drawing/2010/main">
+                    <a14:imgLayer r:embed="rId3">
+                      <a14:imgEffect>
+                        <a14:backgroundRemoval t="10000" b="90000" l="10000" r="90000">
+                          <a14:backgroundMark x1="18699" y1="60976" x2="18699" y2="60976"/>
+                          <a14:backgroundMark x1="22764" y1="49187" x2="22764" y2="31707"/>
+                          <a14:backgroundMark x1="26423" y1="25610" x2="26423" y2="25610"/>
+                        </a14:backgroundRemoval>
+                      </a14:imgEffect>
+                    </a14:imgLayer>
+                  </a14:imgProps>
+                </a:ext>
+                <a:ext uri="{28A0092B-C50C-407E-A947-70E740481C1C}">
+                  <a14:useLocalDpi xmlns:a14="http://schemas.microsoft.com/office/drawing/2010/main" val="0"/>
+                </a:ext>
+              </a:extLst>
+            </a:blip>
+            <a:srcRect/>
+            <a:stretch>
+              <a:fillRect/>
+            </a:stretch>
+          </p:blipFill>
+          <p:spPr bwMode="auto">
+            <a:xfrm>
+              <a:off x="2609389" y="2796118"/>
+              <a:ext cx="525558" cy="525558"/>
+            </a:xfrm>
+            <a:prstGeom prst="rect">
+              <a:avLst/>
+            </a:prstGeom>
+            <a:noFill/>
+            <a:extLst>
+              <a:ext uri="{909E8E84-426E-40DD-AFC4-6F175D3DCCD1}">
+                <a14:hiddenFill xmlns:a14="http://schemas.microsoft.com/office/drawing/2010/main">
+                  <a:solidFill>
+                    <a:srgbClr val="FFFFFF"/>
+                  </a:solidFill>
+                </a14:hiddenFill>
+              </a:ext>
+            </a:extLst>
+          </p:spPr>
+        </p:pic>
+        <p:pic>
+          <p:nvPicPr>
+            <p:cNvPr id="44" name="Picture 2" descr="https://ss1.bdstatic.com/70cFuXSh_Q1YnxGkpoWK1HF6hhy/it/u=114381753,3028297784&amp;fm=27&amp;gp=0.jpg">
+              <a:extLst>
+                <a:ext uri="{FF2B5EF4-FFF2-40B4-BE49-F238E27FC236}">
+                  <a16:creationId xmlns:a16="http://schemas.microsoft.com/office/drawing/2014/main" id="{245C8A59-B2E2-40A7-99AE-1D8CFFDB67B4}"/>
+                </a:ext>
+              </a:extLst>
+            </p:cNvPr>
+            <p:cNvPicPr>
+              <a:picLocks noChangeAspect="1" noChangeArrowheads="1"/>
+            </p:cNvPicPr>
+            <p:nvPr/>
+          </p:nvPicPr>
+          <p:blipFill>
+            <a:blip r:embed="rId2">
+              <a:extLst>
+                <a:ext uri="{BEBA8EAE-BF5A-486C-A8C5-ECC9F3942E4B}">
+                  <a14:imgProps xmlns:a14="http://schemas.microsoft.com/office/drawing/2010/main">
+                    <a14:imgLayer r:embed="rId3">
+                      <a14:imgEffect>
+                        <a14:backgroundRemoval t="10000" b="90000" l="10000" r="90000">
+                          <a14:backgroundMark x1="18699" y1="60976" x2="18699" y2="60976"/>
+                          <a14:backgroundMark x1="22764" y1="49187" x2="22764" y2="31707"/>
+                          <a14:backgroundMark x1="26423" y1="25610" x2="26423" y2="25610"/>
+                        </a14:backgroundRemoval>
+                      </a14:imgEffect>
+                    </a14:imgLayer>
+                  </a14:imgProps>
+                </a:ext>
+                <a:ext uri="{28A0092B-C50C-407E-A947-70E740481C1C}">
+                  <a14:useLocalDpi xmlns:a14="http://schemas.microsoft.com/office/drawing/2010/main" val="0"/>
+                </a:ext>
+              </a:extLst>
+            </a:blip>
+            <a:srcRect/>
+            <a:stretch>
+              <a:fillRect/>
+            </a:stretch>
+          </p:blipFill>
+          <p:spPr bwMode="auto">
+            <a:xfrm>
+              <a:off x="1437157" y="2136139"/>
+              <a:ext cx="525558" cy="525558"/>
+            </a:xfrm>
+            <a:prstGeom prst="rect">
+              <a:avLst/>
+            </a:prstGeom>
+            <a:noFill/>
+            <a:extLst>
+              <a:ext uri="{909E8E84-426E-40DD-AFC4-6F175D3DCCD1}">
+                <a14:hiddenFill xmlns:a14="http://schemas.microsoft.com/office/drawing/2010/main">
+                  <a:solidFill>
+                    <a:srgbClr val="FFFFFF"/>
+                  </a:solidFill>
+                </a14:hiddenFill>
+              </a:ext>
+            </a:extLst>
+          </p:spPr>
+        </p:pic>
+        <p:pic>
+          <p:nvPicPr>
+            <p:cNvPr id="45" name="Picture 2" descr="https://ss1.bdstatic.com/70cFuXSh_Q1YnxGkpoWK1HF6hhy/it/u=114381753,3028297784&amp;fm=27&amp;gp=0.jpg">
+              <a:extLst>
+                <a:ext uri="{FF2B5EF4-FFF2-40B4-BE49-F238E27FC236}">
+                  <a16:creationId xmlns:a16="http://schemas.microsoft.com/office/drawing/2014/main" id="{3DF7839D-DB22-4A69-9D1E-5199CC08EFB7}"/>
+                </a:ext>
+              </a:extLst>
+            </p:cNvPr>
+            <p:cNvPicPr>
+              <a:picLocks noChangeAspect="1" noChangeArrowheads="1"/>
+            </p:cNvPicPr>
+            <p:nvPr/>
+          </p:nvPicPr>
+          <p:blipFill>
+            <a:blip r:embed="rId2">
+              <a:extLst>
+                <a:ext uri="{BEBA8EAE-BF5A-486C-A8C5-ECC9F3942E4B}">
+                  <a14:imgProps xmlns:a14="http://schemas.microsoft.com/office/drawing/2010/main">
+                    <a14:imgLayer r:embed="rId3">
+                      <a14:imgEffect>
+                        <a14:backgroundRemoval t="10000" b="90000" l="10000" r="90000">
+                          <a14:backgroundMark x1="18699" y1="60976" x2="18699" y2="60976"/>
+                          <a14:backgroundMark x1="22764" y1="49187" x2="22764" y2="31707"/>
+                          <a14:backgroundMark x1="26423" y1="25610" x2="26423" y2="25610"/>
+                        </a14:backgroundRemoval>
+                      </a14:imgEffect>
+                    </a14:imgLayer>
+                  </a14:imgProps>
+                </a:ext>
+                <a:ext uri="{28A0092B-C50C-407E-A947-70E740481C1C}">
+                  <a14:useLocalDpi xmlns:a14="http://schemas.microsoft.com/office/drawing/2010/main" val="0"/>
+                </a:ext>
+              </a:extLst>
+            </a:blip>
+            <a:srcRect/>
+            <a:stretch>
+              <a:fillRect/>
+            </a:stretch>
+          </p:blipFill>
+          <p:spPr bwMode="auto">
+            <a:xfrm>
+              <a:off x="3703485" y="3375314"/>
+              <a:ext cx="525558" cy="525558"/>
+            </a:xfrm>
+            <a:prstGeom prst="rect">
+              <a:avLst/>
+            </a:prstGeom>
+            <a:noFill/>
+            <a:extLst>
+              <a:ext uri="{909E8E84-426E-40DD-AFC4-6F175D3DCCD1}">
+                <a14:hiddenFill xmlns:a14="http://schemas.microsoft.com/office/drawing/2010/main">
+                  <a:solidFill>
+                    <a:srgbClr val="FFFFFF"/>
+                  </a:solidFill>
+                </a14:hiddenFill>
+              </a:ext>
+            </a:extLst>
+          </p:spPr>
+        </p:pic>
+      </p:grpSp>
+      <p:grpSp>
+        <p:nvGrpSpPr>
+          <p:cNvPr id="23" name="组合 22">
+            <a:extLst>
+              <a:ext uri="{FF2B5EF4-FFF2-40B4-BE49-F238E27FC236}">
+                <a16:creationId xmlns:a16="http://schemas.microsoft.com/office/drawing/2014/main" id="{D485E659-5192-4CF0-8F97-0FDC4EA2E003}"/>
+              </a:ext>
+            </a:extLst>
+          </p:cNvPr>
+          <p:cNvGrpSpPr/>
+          <p:nvPr/>
+        </p:nvGrpSpPr>
+        <p:grpSpPr>
+          <a:xfrm>
+            <a:off x="7128718" y="2206537"/>
+            <a:ext cx="4166885" cy="3762829"/>
+            <a:chOff x="6843922" y="2136139"/>
+            <a:chExt cx="4166885" cy="3762829"/>
+          </a:xfrm>
+        </p:grpSpPr>
+        <p:pic>
+          <p:nvPicPr>
+            <p:cNvPr id="1026" name="Picture 2" descr="https://ss1.bdstatic.com/70cFuXSh_Q1YnxGkpoWK1HF6hhy/it/u=114381753,3028297784&amp;fm=27&amp;gp=0.jpg">
+              <a:extLst>
+                <a:ext uri="{FF2B5EF4-FFF2-40B4-BE49-F238E27FC236}">
+                  <a16:creationId xmlns:a16="http://schemas.microsoft.com/office/drawing/2014/main" id="{440A705E-C7A9-4287-9865-62BD62C43D8F}"/>
+                </a:ext>
+              </a:extLst>
+            </p:cNvPr>
+            <p:cNvPicPr>
+              <a:picLocks noChangeAspect="1" noChangeArrowheads="1"/>
+            </p:cNvPicPr>
+            <p:nvPr/>
+          </p:nvPicPr>
+          <p:blipFill>
+            <a:blip r:embed="rId4">
+              <a:extLst>
+                <a:ext uri="{BEBA8EAE-BF5A-486C-A8C5-ECC9F3942E4B}">
+                  <a14:imgProps xmlns:a14="http://schemas.microsoft.com/office/drawing/2010/main">
+                    <a14:imgLayer r:embed="rId3">
+                      <a14:imgEffect>
+                        <a14:backgroundRemoval t="10000" b="90000" l="10000" r="90000">
+                          <a14:backgroundMark x1="18699" y1="60976" x2="18699" y2="60976"/>
+                          <a14:backgroundMark x1="22764" y1="49187" x2="22764" y2="31707"/>
+                          <a14:backgroundMark x1="26423" y1="25610" x2="26423" y2="25610"/>
+                        </a14:backgroundRemoval>
+                      </a14:imgEffect>
+                    </a14:imgLayer>
+                  </a14:imgProps>
+                </a:ext>
+                <a:ext uri="{28A0092B-C50C-407E-A947-70E740481C1C}">
+                  <a14:useLocalDpi xmlns:a14="http://schemas.microsoft.com/office/drawing/2010/main" val="0"/>
+                </a:ext>
+              </a:extLst>
+            </a:blip>
+            <a:srcRect/>
+            <a:stretch>
+              <a:fillRect/>
+            </a:stretch>
+          </p:blipFill>
+          <p:spPr bwMode="auto">
+            <a:xfrm>
+              <a:off x="9250140" y="4077830"/>
+              <a:ext cx="525558" cy="525558"/>
+            </a:xfrm>
+            <a:prstGeom prst="rect">
+              <a:avLst/>
+            </a:prstGeom>
+            <a:noFill/>
+            <a:extLst>
+              <a:ext uri="{909E8E84-426E-40DD-AFC4-6F175D3DCCD1}">
+                <a14:hiddenFill xmlns:a14="http://schemas.microsoft.com/office/drawing/2010/main">
+                  <a:solidFill>
+                    <a:srgbClr val="FFFFFF"/>
+                  </a:solidFill>
+                </a14:hiddenFill>
+              </a:ext>
+            </a:extLst>
+          </p:spPr>
+        </p:pic>
+        <p:pic>
+          <p:nvPicPr>
+            <p:cNvPr id="33" name="Picture 2" descr="https://ss1.bdstatic.com/70cFuXSh_Q1YnxGkpoWK1HF6hhy/it/u=114381753,3028297784&amp;fm=27&amp;gp=0.jpg">
+              <a:extLst>
+                <a:ext uri="{FF2B5EF4-FFF2-40B4-BE49-F238E27FC236}">
+                  <a16:creationId xmlns:a16="http://schemas.microsoft.com/office/drawing/2014/main" id="{E567F40B-B685-44ED-8603-89F25FA2FA89}"/>
+                </a:ext>
+              </a:extLst>
+            </p:cNvPr>
+            <p:cNvPicPr>
+              <a:picLocks noChangeAspect="1" noChangeArrowheads="1"/>
+            </p:cNvPicPr>
+            <p:nvPr/>
+          </p:nvPicPr>
+          <p:blipFill>
+            <a:blip r:embed="rId2">
+              <a:extLst>
+                <a:ext uri="{BEBA8EAE-BF5A-486C-A8C5-ECC9F3942E4B}">
+                  <a14:imgProps xmlns:a14="http://schemas.microsoft.com/office/drawing/2010/main">
+                    <a14:imgLayer r:embed="rId3">
+                      <a14:imgEffect>
+                        <a14:backgroundRemoval t="10000" b="90000" l="10000" r="90000">
+                          <a14:backgroundMark x1="18699" y1="60976" x2="18699" y2="60976"/>
+                          <a14:backgroundMark x1="22764" y1="49187" x2="22764" y2="31707"/>
+                          <a14:backgroundMark x1="26423" y1="25610" x2="26423" y2="25610"/>
+                        </a14:backgroundRemoval>
+                      </a14:imgEffect>
+                    </a14:imgLayer>
+                  </a14:imgProps>
+                </a:ext>
+                <a:ext uri="{28A0092B-C50C-407E-A947-70E740481C1C}">
+                  <a14:useLocalDpi xmlns:a14="http://schemas.microsoft.com/office/drawing/2010/main" val="0"/>
+                </a:ext>
+              </a:extLst>
+            </a:blip>
+            <a:srcRect/>
+            <a:stretch>
+              <a:fillRect/>
+            </a:stretch>
+          </p:blipFill>
+          <p:spPr bwMode="auto">
+            <a:xfrm>
+              <a:off x="10485249" y="4520789"/>
+              <a:ext cx="525558" cy="525558"/>
+            </a:xfrm>
+            <a:prstGeom prst="rect">
+              <a:avLst/>
+            </a:prstGeom>
+            <a:noFill/>
+            <a:extLst>
+              <a:ext uri="{909E8E84-426E-40DD-AFC4-6F175D3DCCD1}">
+                <a14:hiddenFill xmlns:a14="http://schemas.microsoft.com/office/drawing/2010/main">
+                  <a:solidFill>
+                    <a:srgbClr val="FFFFFF"/>
+                  </a:solidFill>
+                </a14:hiddenFill>
+              </a:ext>
+            </a:extLst>
+          </p:spPr>
+        </p:pic>
+        <p:pic>
+          <p:nvPicPr>
+            <p:cNvPr id="35" name="Picture 2" descr="https://ss1.bdstatic.com/70cFuXSh_Q1YnxGkpoWK1HF6hhy/it/u=114381753,3028297784&amp;fm=27&amp;gp=0.jpg">
+              <a:extLst>
+                <a:ext uri="{FF2B5EF4-FFF2-40B4-BE49-F238E27FC236}">
+                  <a16:creationId xmlns:a16="http://schemas.microsoft.com/office/drawing/2014/main" id="{9EB95F33-0A27-42E4-AE2B-AA1EC4E70492}"/>
+                </a:ext>
+              </a:extLst>
+            </p:cNvPr>
+            <p:cNvPicPr>
+              <a:picLocks noChangeAspect="1" noChangeArrowheads="1"/>
+            </p:cNvPicPr>
+            <p:nvPr/>
+          </p:nvPicPr>
+          <p:blipFill>
+            <a:blip r:embed="rId2">
+              <a:extLst>
+                <a:ext uri="{BEBA8EAE-BF5A-486C-A8C5-ECC9F3942E4B}">
+                  <a14:imgProps xmlns:a14="http://schemas.microsoft.com/office/drawing/2010/main">
+                    <a14:imgLayer r:embed="rId3">
+                      <a14:imgEffect>
+                        <a14:backgroundRemoval t="10000" b="90000" l="10000" r="90000">
+                          <a14:backgroundMark x1="18699" y1="60976" x2="18699" y2="60976"/>
+                          <a14:backgroundMark x1="22764" y1="49187" x2="22764" y2="31707"/>
+                          <a14:backgroundMark x1="26423" y1="25610" x2="26423" y2="25610"/>
+                        </a14:backgroundRemoval>
+                      </a14:imgEffect>
+                    </a14:imgLayer>
+                  </a14:imgProps>
+                </a:ext>
+                <a:ext uri="{28A0092B-C50C-407E-A947-70E740481C1C}">
+                  <a14:useLocalDpi xmlns:a14="http://schemas.microsoft.com/office/drawing/2010/main" val="0"/>
+                </a:ext>
+              </a:extLst>
+            </a:blip>
+            <a:srcRect/>
+            <a:stretch>
+              <a:fillRect/>
+            </a:stretch>
+          </p:blipFill>
+          <p:spPr bwMode="auto">
+            <a:xfrm>
+              <a:off x="8162006" y="2136139"/>
+              <a:ext cx="525558" cy="525558"/>
+            </a:xfrm>
+            <a:prstGeom prst="rect">
+              <a:avLst/>
+            </a:prstGeom>
+            <a:noFill/>
+            <a:extLst>
+              <a:ext uri="{909E8E84-426E-40DD-AFC4-6F175D3DCCD1}">
+                <a14:hiddenFill xmlns:a14="http://schemas.microsoft.com/office/drawing/2010/main">
+                  <a:solidFill>
+                    <a:srgbClr val="FFFFFF"/>
+                  </a:solidFill>
+                </a14:hiddenFill>
+              </a:ext>
+            </a:extLst>
+          </p:spPr>
+        </p:pic>
+        <p:pic>
+          <p:nvPicPr>
+            <p:cNvPr id="36" name="Picture 2" descr="https://ss1.bdstatic.com/70cFuXSh_Q1YnxGkpoWK1HF6hhy/it/u=114381753,3028297784&amp;fm=27&amp;gp=0.jpg">
+              <a:extLst>
+                <a:ext uri="{FF2B5EF4-FFF2-40B4-BE49-F238E27FC236}">
+                  <a16:creationId xmlns:a16="http://schemas.microsoft.com/office/drawing/2014/main" id="{3B7B53B5-7D94-43E1-BAC2-87926A031C90}"/>
+                </a:ext>
+              </a:extLst>
+            </p:cNvPr>
+            <p:cNvPicPr>
+              <a:picLocks noChangeAspect="1" noChangeArrowheads="1"/>
+            </p:cNvPicPr>
+            <p:nvPr/>
+          </p:nvPicPr>
+          <p:blipFill>
+            <a:blip r:embed="rId2">
+              <a:extLst>
+                <a:ext uri="{BEBA8EAE-BF5A-486C-A8C5-ECC9F3942E4B}">
+                  <a14:imgProps xmlns:a14="http://schemas.microsoft.com/office/drawing/2010/main">
+                    <a14:imgLayer r:embed="rId3">
+                      <a14:imgEffect>
+                        <a14:backgroundRemoval t="10000" b="90000" l="10000" r="90000">
+                          <a14:backgroundMark x1="18699" y1="60976" x2="18699" y2="60976"/>
+                          <a14:backgroundMark x1="22764" y1="49187" x2="22764" y2="31707"/>
+                          <a14:backgroundMark x1="26423" y1="25610" x2="26423" y2="25610"/>
+                        </a14:backgroundRemoval>
+                      </a14:imgEffect>
+                    </a14:imgLayer>
+                  </a14:imgProps>
+                </a:ext>
+                <a:ext uri="{28A0092B-C50C-407E-A947-70E740481C1C}">
+                  <a14:useLocalDpi xmlns:a14="http://schemas.microsoft.com/office/drawing/2010/main" val="0"/>
+                </a:ext>
+              </a:extLst>
+            </a:blip>
+            <a:srcRect/>
+            <a:stretch>
+              <a:fillRect/>
+            </a:stretch>
+          </p:blipFill>
+          <p:spPr bwMode="auto">
+            <a:xfrm>
+              <a:off x="9378169" y="2661697"/>
+              <a:ext cx="525558" cy="525558"/>
+            </a:xfrm>
+            <a:prstGeom prst="rect">
+              <a:avLst/>
+            </a:prstGeom>
+            <a:noFill/>
+            <a:extLst>
+              <a:ext uri="{909E8E84-426E-40DD-AFC4-6F175D3DCCD1}">
+                <a14:hiddenFill xmlns:a14="http://schemas.microsoft.com/office/drawing/2010/main">
+                  <a:solidFill>
+                    <a:srgbClr val="FFFFFF"/>
+                  </a:solidFill>
+                </a14:hiddenFill>
+              </a:ext>
+            </a:extLst>
+          </p:spPr>
+        </p:pic>
+        <p:pic>
+          <p:nvPicPr>
+            <p:cNvPr id="46" name="Picture 2" descr="https://ss1.bdstatic.com/70cFuXSh_Q1YnxGkpoWK1HF6hhy/it/u=114381753,3028297784&amp;fm=27&amp;gp=0.jpg">
+              <a:extLst>
+                <a:ext uri="{FF2B5EF4-FFF2-40B4-BE49-F238E27FC236}">
+                  <a16:creationId xmlns:a16="http://schemas.microsoft.com/office/drawing/2014/main" id="{F234F470-7BE3-4567-BCF7-CF971E3F2335}"/>
+                </a:ext>
+              </a:extLst>
+            </p:cNvPr>
+            <p:cNvPicPr>
+              <a:picLocks noChangeAspect="1" noChangeArrowheads="1"/>
+            </p:cNvPicPr>
+            <p:nvPr/>
+          </p:nvPicPr>
+          <p:blipFill>
+            <a:blip r:embed="rId2">
+              <a:extLst>
+                <a:ext uri="{BEBA8EAE-BF5A-486C-A8C5-ECC9F3942E4B}">
+                  <a14:imgProps xmlns:a14="http://schemas.microsoft.com/office/drawing/2010/main">
+                    <a14:imgLayer r:embed="rId3">
+                      <a14:imgEffect>
+                        <a14:backgroundRemoval t="10000" b="90000" l="10000" r="90000">
+                          <a14:backgroundMark x1="18699" y1="60976" x2="18699" y2="60976"/>
+                          <a14:backgroundMark x1="22764" y1="49187" x2="22764" y2="31707"/>
+                          <a14:backgroundMark x1="26423" y1="25610" x2="26423" y2="25610"/>
+                        </a14:backgroundRemoval>
+                      </a14:imgEffect>
+                    </a14:imgLayer>
+                  </a14:imgProps>
+                </a:ext>
+                <a:ext uri="{28A0092B-C50C-407E-A947-70E740481C1C}">
+                  <a14:useLocalDpi xmlns:a14="http://schemas.microsoft.com/office/drawing/2010/main" val="0"/>
+                </a:ext>
+              </a:extLst>
+            </a:blip>
+            <a:srcRect/>
+            <a:stretch>
+              <a:fillRect/>
+            </a:stretch>
+          </p:blipFill>
+          <p:spPr bwMode="auto">
+            <a:xfrm>
+              <a:off x="7132460" y="4284615"/>
+              <a:ext cx="525558" cy="525558"/>
+            </a:xfrm>
+            <a:prstGeom prst="rect">
+              <a:avLst/>
+            </a:prstGeom>
+            <a:noFill/>
+            <a:extLst>
+              <a:ext uri="{909E8E84-426E-40DD-AFC4-6F175D3DCCD1}">
+                <a14:hiddenFill xmlns:a14="http://schemas.microsoft.com/office/drawing/2010/main">
+                  <a:solidFill>
+                    <a:srgbClr val="FFFFFF"/>
+                  </a:solidFill>
+                </a14:hiddenFill>
+              </a:ext>
+            </a:extLst>
+          </p:spPr>
+        </p:pic>
+        <p:pic>
+          <p:nvPicPr>
+            <p:cNvPr id="47" name="Picture 2" descr="https://ss1.bdstatic.com/70cFuXSh_Q1YnxGkpoWK1HF6hhy/it/u=114381753,3028297784&amp;fm=27&amp;gp=0.jpg">
+              <a:extLst>
+                <a:ext uri="{FF2B5EF4-FFF2-40B4-BE49-F238E27FC236}">
+                  <a16:creationId xmlns:a16="http://schemas.microsoft.com/office/drawing/2014/main" id="{C6DD6208-297F-4513-9592-91ECC4F7A584}"/>
+                </a:ext>
+              </a:extLst>
+            </p:cNvPr>
+            <p:cNvPicPr>
+              <a:picLocks noChangeAspect="1" noChangeArrowheads="1"/>
+            </p:cNvPicPr>
+            <p:nvPr/>
+          </p:nvPicPr>
+          <p:blipFill>
+            <a:blip r:embed="rId2">
+              <a:extLst>
+                <a:ext uri="{BEBA8EAE-BF5A-486C-A8C5-ECC9F3942E4B}">
+                  <a14:imgProps xmlns:a14="http://schemas.microsoft.com/office/drawing/2010/main">
+                    <a14:imgLayer r:embed="rId3">
+                      <a14:imgEffect>
+                        <a14:backgroundRemoval t="10000" b="90000" l="10000" r="90000">
+                          <a14:backgroundMark x1="18699" y1="60976" x2="18699" y2="60976"/>
+                          <a14:backgroundMark x1="22764" y1="49187" x2="22764" y2="31707"/>
+                          <a14:backgroundMark x1="26423" y1="25610" x2="26423" y2="25610"/>
+                        </a14:backgroundRemoval>
+                      </a14:imgEffect>
+                    </a14:imgLayer>
+                  </a14:imgProps>
+                </a:ext>
+                <a:ext uri="{28A0092B-C50C-407E-A947-70E740481C1C}">
+                  <a14:useLocalDpi xmlns:a14="http://schemas.microsoft.com/office/drawing/2010/main" val="0"/>
+                </a:ext>
+              </a:extLst>
+            </a:blip>
+            <a:srcRect/>
+            <a:stretch>
+              <a:fillRect/>
+            </a:stretch>
+          </p:blipFill>
+          <p:spPr bwMode="auto">
+            <a:xfrm>
+              <a:off x="6843922" y="5373410"/>
+              <a:ext cx="525558" cy="525558"/>
+            </a:xfrm>
+            <a:prstGeom prst="rect">
+              <a:avLst/>
+            </a:prstGeom>
+            <a:noFill/>
+            <a:extLst>
+              <a:ext uri="{909E8E84-426E-40DD-AFC4-6F175D3DCCD1}">
+                <a14:hiddenFill xmlns:a14="http://schemas.microsoft.com/office/drawing/2010/main">
+                  <a:solidFill>
+                    <a:srgbClr val="FFFFFF"/>
+                  </a:solidFill>
+                </a14:hiddenFill>
+              </a:ext>
+            </a:extLst>
+          </p:spPr>
+        </p:pic>
+        <p:pic>
+          <p:nvPicPr>
+            <p:cNvPr id="49" name="Picture 2" descr="https://ss1.bdstatic.com/70cFuXSh_Q1YnxGkpoWK1HF6hhy/it/u=114381753,3028297784&amp;fm=27&amp;gp=0.jpg">
+              <a:extLst>
+                <a:ext uri="{FF2B5EF4-FFF2-40B4-BE49-F238E27FC236}">
+                  <a16:creationId xmlns:a16="http://schemas.microsoft.com/office/drawing/2014/main" id="{56E03F0B-E19B-4420-8308-19E9652DDCFB}"/>
+                </a:ext>
+              </a:extLst>
+            </p:cNvPr>
+            <p:cNvPicPr>
+              <a:picLocks noChangeAspect="1" noChangeArrowheads="1"/>
+            </p:cNvPicPr>
+            <p:nvPr/>
+          </p:nvPicPr>
+          <p:blipFill>
+            <a:blip r:embed="rId2">
+              <a:extLst>
+                <a:ext uri="{BEBA8EAE-BF5A-486C-A8C5-ECC9F3942E4B}">
+                  <a14:imgProps xmlns:a14="http://schemas.microsoft.com/office/drawing/2010/main">
+                    <a14:imgLayer r:embed="rId3">
+                      <a14:imgEffect>
+                        <a14:backgroundRemoval t="10000" b="90000" l="10000" r="90000">
+                          <a14:backgroundMark x1="18699" y1="60976" x2="18699" y2="60976"/>
+                          <a14:backgroundMark x1="22764" y1="49187" x2="22764" y2="31707"/>
+                          <a14:backgroundMark x1="26423" y1="25610" x2="26423" y2="25610"/>
+                        </a14:backgroundRemoval>
+                      </a14:imgEffect>
+                    </a14:imgLayer>
+                  </a14:imgProps>
+                </a:ext>
+                <a:ext uri="{28A0092B-C50C-407E-A947-70E740481C1C}">
+                  <a14:useLocalDpi xmlns:a14="http://schemas.microsoft.com/office/drawing/2010/main" val="0"/>
+                </a:ext>
+              </a:extLst>
+            </a:blip>
+            <a:srcRect/>
+            <a:stretch>
+              <a:fillRect/>
+            </a:stretch>
+          </p:blipFill>
+          <p:spPr bwMode="auto">
+            <a:xfrm>
+              <a:off x="8128886" y="5060667"/>
+              <a:ext cx="525558" cy="525558"/>
+            </a:xfrm>
+            <a:prstGeom prst="rect">
+              <a:avLst/>
+            </a:prstGeom>
+            <a:noFill/>
+            <a:extLst>
+              <a:ext uri="{909E8E84-426E-40DD-AFC4-6F175D3DCCD1}">
+                <a14:hiddenFill xmlns:a14="http://schemas.microsoft.com/office/drawing/2010/main">
+                  <a:solidFill>
+                    <a:srgbClr val="FFFFFF"/>
+                  </a:solidFill>
+                </a14:hiddenFill>
+              </a:ext>
+            </a:extLst>
+          </p:spPr>
+        </p:pic>
       </p:grpSp>
     </p:spTree>
     <p:extLst>
       <p:ext uri="{BB962C8B-B14F-4D97-AF65-F5344CB8AC3E}">
-        <p14:creationId xmlns:p14="http://schemas.microsoft.com/office/powerpoint/2010/main" val="976041952"/>
+        <p14:creationId xmlns:p14="http://schemas.microsoft.com/office/powerpoint/2010/main" val="1286021944"/>
       </p:ext>
     </p:extLst>
   </p:cSld>
@@ -12433,7 +16247,7 @@
 </p:sld>
 </file>
 
-<file path=ppt/slides/slide5.xml><?xml version="1.0" encoding="utf-8"?>
+<file path=ppt/slides/slide7.xml><?xml version="1.0" encoding="utf-8"?>
 <p:sld xmlns:a="http://schemas.openxmlformats.org/drawingml/2006/main" xmlns:r="http://schemas.openxmlformats.org/officeDocument/2006/relationships" xmlns:p="http://schemas.openxmlformats.org/presentationml/2006/main">
   <p:cSld>
     <p:spTree>
@@ -12718,241 +16532,12 @@
           </p:txBody>
         </p:sp>
       </p:grpSp>
-      <p:grpSp>
-        <p:nvGrpSpPr>
-          <p:cNvPr id="2" name="组合 1">
+      <p:sp>
+        <p:nvSpPr>
+          <p:cNvPr id="5" name="六边形 4">
             <a:extLst>
               <a:ext uri="{FF2B5EF4-FFF2-40B4-BE49-F238E27FC236}">
-                <a16:creationId xmlns:a16="http://schemas.microsoft.com/office/drawing/2014/main" id="{10471F1B-A683-49A8-B514-442FEABDDBC5}"/>
-              </a:ext>
-            </a:extLst>
-          </p:cNvPr>
-          <p:cNvGrpSpPr/>
-          <p:nvPr/>
-        </p:nvGrpSpPr>
-        <p:grpSpPr>
-          <a:xfrm>
-            <a:off x="1263103" y="1243309"/>
-            <a:ext cx="3846818" cy="2570558"/>
-            <a:chOff x="1409421" y="777664"/>
-            <a:chExt cx="4264598" cy="2849731"/>
-          </a:xfrm>
-        </p:grpSpPr>
-        <p:sp>
-          <p:nvSpPr>
-            <p:cNvPr id="6" name="六边形 5">
-              <a:extLst>
-                <a:ext uri="{FF2B5EF4-FFF2-40B4-BE49-F238E27FC236}">
-                  <a16:creationId xmlns:a16="http://schemas.microsoft.com/office/drawing/2014/main" id="{21B8DE38-2906-4E7D-852E-1284230FD782}"/>
-                </a:ext>
-              </a:extLst>
-            </p:cNvPr>
-            <p:cNvSpPr/>
-            <p:nvPr/>
-          </p:nvSpPr>
-          <p:spPr>
-            <a:xfrm>
-              <a:off x="4021176" y="1490097"/>
-              <a:ext cx="1652843" cy="1424865"/>
-            </a:xfrm>
-            <a:prstGeom prst="hexagon">
-              <a:avLst/>
-            </a:prstGeom>
-          </p:spPr>
-          <p:style>
-            <a:lnRef idx="0">
-              <a:schemeClr val="accent5"/>
-            </a:lnRef>
-            <a:fillRef idx="3">
-              <a:schemeClr val="accent5"/>
-            </a:fillRef>
-            <a:effectRef idx="3">
-              <a:schemeClr val="accent5"/>
-            </a:effectRef>
-            <a:fontRef idx="minor">
-              <a:schemeClr val="lt1"/>
-            </a:fontRef>
-          </p:style>
-          <p:txBody>
-            <a:bodyPr rtlCol="0" anchor="ctr"/>
-            <a:lstStyle/>
-            <a:p>
-              <a:pPr algn="ctr"/>
-              <a:r>
-                <a:rPr lang="zh-CN" altLang="en-US" sz="1400" dirty="0"/>
-                <a:t>容器监测</a:t>
-              </a:r>
-            </a:p>
-          </p:txBody>
-        </p:sp>
-        <p:sp>
-          <p:nvSpPr>
-            <p:cNvPr id="7" name="六边形 6">
-              <a:extLst>
-                <a:ext uri="{FF2B5EF4-FFF2-40B4-BE49-F238E27FC236}">
-                  <a16:creationId xmlns:a16="http://schemas.microsoft.com/office/drawing/2014/main" id="{F6EFA57E-22F1-4A35-9CDA-494FE99DECC8}"/>
-                </a:ext>
-              </a:extLst>
-            </p:cNvPr>
-            <p:cNvSpPr/>
-            <p:nvPr/>
-          </p:nvSpPr>
-          <p:spPr>
-            <a:xfrm>
-              <a:off x="2724549" y="777664"/>
-              <a:ext cx="1652843" cy="1424865"/>
-            </a:xfrm>
-            <a:prstGeom prst="hexagon">
-              <a:avLst/>
-            </a:prstGeom>
-          </p:spPr>
-          <p:style>
-            <a:lnRef idx="0">
-              <a:schemeClr val="accent5"/>
-            </a:lnRef>
-            <a:fillRef idx="3">
-              <a:schemeClr val="accent5"/>
-            </a:fillRef>
-            <a:effectRef idx="3">
-              <a:schemeClr val="accent5"/>
-            </a:effectRef>
-            <a:fontRef idx="minor">
-              <a:schemeClr val="lt1"/>
-            </a:fontRef>
-          </p:style>
-          <p:txBody>
-            <a:bodyPr rtlCol="0" anchor="ctr"/>
-            <a:lstStyle/>
-            <a:p>
-              <a:pPr algn="ctr"/>
-              <a:r>
-                <a:rPr lang="zh-CN" altLang="en-US" sz="1400" dirty="0"/>
-                <a:t>自动发布</a:t>
-              </a:r>
-            </a:p>
-          </p:txBody>
-        </p:sp>
-        <p:sp>
-          <p:nvSpPr>
-            <p:cNvPr id="19" name="六边形 18">
-              <a:extLst>
-                <a:ext uri="{FF2B5EF4-FFF2-40B4-BE49-F238E27FC236}">
-                  <a16:creationId xmlns:a16="http://schemas.microsoft.com/office/drawing/2014/main" id="{46F85DD2-2A60-4ECA-A05E-78884C7C1C2E}"/>
-                </a:ext>
-              </a:extLst>
-            </p:cNvPr>
-            <p:cNvSpPr/>
-            <p:nvPr/>
-          </p:nvSpPr>
-          <p:spPr>
-            <a:xfrm>
-              <a:off x="1409421" y="1490097"/>
-              <a:ext cx="1652843" cy="1424865"/>
-            </a:xfrm>
-            <a:prstGeom prst="hexagon">
-              <a:avLst/>
-            </a:prstGeom>
-          </p:spPr>
-          <p:style>
-            <a:lnRef idx="1">
-              <a:schemeClr val="dk1"/>
-            </a:lnRef>
-            <a:fillRef idx="3">
-              <a:schemeClr val="dk1"/>
-            </a:fillRef>
-            <a:effectRef idx="2">
-              <a:schemeClr val="dk1"/>
-            </a:effectRef>
-            <a:fontRef idx="minor">
-              <a:schemeClr val="lt1"/>
-            </a:fontRef>
-          </p:style>
-          <p:txBody>
-            <a:bodyPr rtlCol="0" anchor="ctr"/>
-            <a:lstStyle/>
-            <a:p>
-              <a:pPr algn="ctr"/>
-              <a:r>
-                <a:rPr lang="zh-CN" altLang="en-US" sz="1400" dirty="0"/>
-                <a:t>自动发布</a:t>
-              </a:r>
-              <a:endParaRPr lang="en-US" altLang="zh-CN" sz="1400" dirty="0"/>
-            </a:p>
-            <a:p>
-              <a:pPr algn="ctr"/>
-              <a:r>
-                <a:rPr lang="en-US" altLang="zh-CN" sz="1400" dirty="0"/>
-                <a:t>Shell</a:t>
-              </a:r>
-              <a:r>
-                <a:rPr lang="zh-CN" altLang="en-US" sz="1400" dirty="0"/>
-                <a:t>脚本</a:t>
-              </a:r>
-            </a:p>
-          </p:txBody>
-        </p:sp>
-        <p:sp>
-          <p:nvSpPr>
-            <p:cNvPr id="18" name="六边形 17">
-              <a:extLst>
-                <a:ext uri="{FF2B5EF4-FFF2-40B4-BE49-F238E27FC236}">
-                  <a16:creationId xmlns:a16="http://schemas.microsoft.com/office/drawing/2014/main" id="{E8C97EC5-B929-45A0-A5ED-EED13B790C94}"/>
-                </a:ext>
-              </a:extLst>
-            </p:cNvPr>
-            <p:cNvSpPr/>
-            <p:nvPr/>
-          </p:nvSpPr>
-          <p:spPr>
-            <a:xfrm>
-              <a:off x="2715299" y="2202530"/>
-              <a:ext cx="1652843" cy="1424865"/>
-            </a:xfrm>
-            <a:prstGeom prst="hexagon">
-              <a:avLst/>
-            </a:prstGeom>
-          </p:spPr>
-          <p:style>
-            <a:lnRef idx="1">
-              <a:schemeClr val="dk1"/>
-            </a:lnRef>
-            <a:fillRef idx="3">
-              <a:schemeClr val="dk1"/>
-            </a:fillRef>
-            <a:effectRef idx="2">
-              <a:schemeClr val="dk1"/>
-            </a:effectRef>
-            <a:fontRef idx="minor">
-              <a:schemeClr val="lt1"/>
-            </a:fontRef>
-          </p:style>
-          <p:txBody>
-            <a:bodyPr rtlCol="0" anchor="ctr"/>
-            <a:lstStyle/>
-            <a:p>
-              <a:pPr algn="ctr"/>
-              <a:r>
-                <a:rPr lang="en-US" altLang="zh-CN" sz="1400" dirty="0"/>
-                <a:t>Docker</a:t>
-              </a:r>
-            </a:p>
-            <a:p>
-              <a:pPr algn="ctr"/>
-              <a:r>
-                <a:rPr lang="en-US" altLang="zh-CN" sz="1400" dirty="0"/>
-                <a:t>API</a:t>
-              </a:r>
-              <a:endParaRPr lang="zh-CN" altLang="en-US" sz="1400" dirty="0"/>
-            </a:p>
-          </p:txBody>
-        </p:sp>
-      </p:grpSp>
-      <p:sp>
-        <p:nvSpPr>
-          <p:cNvPr id="10" name="箭头: 左右 9">
-            <a:extLst>
-              <a:ext uri="{FF2B5EF4-FFF2-40B4-BE49-F238E27FC236}">
-                <a16:creationId xmlns:a16="http://schemas.microsoft.com/office/drawing/2014/main" id="{BAEDEFCF-A2B2-465B-90E6-55698BC2C6D8}"/>
+                <a16:creationId xmlns:a16="http://schemas.microsoft.com/office/drawing/2014/main" id="{E1E9C886-3413-4984-A7B5-6C176C2AE7D6}"/>
               </a:ext>
             </a:extLst>
           </p:cNvPr>
@@ -12961,22 +16546,22 @@
         </p:nvSpPr>
         <p:spPr>
           <a:xfrm>
-            <a:off x="5032717" y="406147"/>
-            <a:ext cx="1018874" cy="450574"/>
+            <a:off x="5220739" y="1540437"/>
+            <a:ext cx="1490923" cy="1285278"/>
           </a:xfrm>
-          <a:prstGeom prst="leftRightArrow">
+          <a:prstGeom prst="hexagon">
             <a:avLst/>
           </a:prstGeom>
         </p:spPr>
         <p:style>
           <a:lnRef idx="1">
-            <a:schemeClr val="accent5"/>
+            <a:schemeClr val="accent6"/>
           </a:lnRef>
           <a:fillRef idx="2">
-            <a:schemeClr val="accent5"/>
+            <a:schemeClr val="accent6"/>
           </a:fillRef>
           <a:effectRef idx="1">
-            <a:schemeClr val="accent5"/>
+            <a:schemeClr val="accent6"/>
           </a:effectRef>
           <a:fontRef idx="minor">
             <a:schemeClr val="dk1"/>
@@ -12987,16 +16572,19 @@
           <a:lstStyle/>
           <a:p>
             <a:pPr algn="ctr"/>
-            <a:endParaRPr lang="zh-CN" altLang="en-US" dirty="0"/>
+            <a:r>
+              <a:rPr lang="zh-CN" altLang="en-US" sz="1400" dirty="0"/>
+              <a:t>运维前端</a:t>
+            </a:r>
           </a:p>
         </p:txBody>
       </p:sp>
       <p:sp>
         <p:nvSpPr>
-          <p:cNvPr id="15" name="矩形: 圆角 14">
+          <p:cNvPr id="29" name="六边形 28">
             <a:extLst>
               <a:ext uri="{FF2B5EF4-FFF2-40B4-BE49-F238E27FC236}">
-                <a16:creationId xmlns:a16="http://schemas.microsoft.com/office/drawing/2014/main" id="{21DC6FCD-C0C3-46D3-9D10-64681F53E991}"/>
+                <a16:creationId xmlns:a16="http://schemas.microsoft.com/office/drawing/2014/main" id="{D702E64B-DD2A-4922-96DE-1017A898EC4D}"/>
               </a:ext>
             </a:extLst>
           </p:cNvPr>
@@ -13005,7 +16593,102 @@
         </p:nvSpPr>
         <p:spPr>
           <a:xfrm>
-            <a:off x="2091714" y="390682"/>
+            <a:off x="8335081" y="4550040"/>
+            <a:ext cx="1490923" cy="1285278"/>
+          </a:xfrm>
+          <a:prstGeom prst="hexagon">
+            <a:avLst/>
+          </a:prstGeom>
+        </p:spPr>
+        <p:style>
+          <a:lnRef idx="0">
+            <a:schemeClr val="accent5"/>
+          </a:lnRef>
+          <a:fillRef idx="3">
+            <a:schemeClr val="accent5"/>
+          </a:fillRef>
+          <a:effectRef idx="3">
+            <a:schemeClr val="accent5"/>
+          </a:effectRef>
+          <a:fontRef idx="minor">
+            <a:schemeClr val="lt1"/>
+          </a:fontRef>
+        </p:style>
+        <p:txBody>
+          <a:bodyPr rtlCol="0" anchor="ctr"/>
+          <a:lstStyle/>
+          <a:p>
+            <a:pPr algn="ctr"/>
+            <a:r>
+              <a:rPr lang="zh-CN" altLang="en-US" sz="1400" dirty="0"/>
+              <a:t>负载均衡</a:t>
+            </a:r>
+          </a:p>
+        </p:txBody>
+      </p:sp>
+      <p:sp>
+        <p:nvSpPr>
+          <p:cNvPr id="31" name="六边形 30">
+            <a:extLst>
+              <a:ext uri="{FF2B5EF4-FFF2-40B4-BE49-F238E27FC236}">
+                <a16:creationId xmlns:a16="http://schemas.microsoft.com/office/drawing/2014/main" id="{CF178045-0D61-4A56-A668-CAA4445ECE7E}"/>
+              </a:ext>
+            </a:extLst>
+          </p:cNvPr>
+          <p:cNvSpPr/>
+          <p:nvPr/>
+        </p:nvSpPr>
+        <p:spPr>
+          <a:xfrm>
+            <a:off x="6192551" y="4766989"/>
+            <a:ext cx="1490923" cy="1285278"/>
+          </a:xfrm>
+          <a:prstGeom prst="hexagon">
+            <a:avLst/>
+          </a:prstGeom>
+        </p:spPr>
+        <p:style>
+          <a:lnRef idx="0">
+            <a:schemeClr val="accent4"/>
+          </a:lnRef>
+          <a:fillRef idx="3">
+            <a:schemeClr val="accent4"/>
+          </a:fillRef>
+          <a:effectRef idx="3">
+            <a:schemeClr val="accent4"/>
+          </a:effectRef>
+          <a:fontRef idx="minor">
+            <a:schemeClr val="lt1"/>
+          </a:fontRef>
+        </p:style>
+        <p:txBody>
+          <a:bodyPr rtlCol="0" anchor="ctr"/>
+          <a:lstStyle/>
+          <a:p>
+            <a:pPr algn="ctr"/>
+            <a:r>
+              <a:rPr lang="en-US" altLang="zh-CN" sz="1400" dirty="0" err="1"/>
+              <a:t>MySql</a:t>
+            </a:r>
+            <a:endParaRPr lang="zh-CN" altLang="en-US" sz="1400" dirty="0"/>
+          </a:p>
+        </p:txBody>
+      </p:sp>
+      <p:sp>
+        <p:nvSpPr>
+          <p:cNvPr id="30" name="矩形: 圆角 29">
+            <a:extLst>
+              <a:ext uri="{FF2B5EF4-FFF2-40B4-BE49-F238E27FC236}">
+                <a16:creationId xmlns:a16="http://schemas.microsoft.com/office/drawing/2014/main" id="{1BDD5442-BF2B-4A54-A374-B06C8304537D}"/>
+              </a:ext>
+            </a:extLst>
+          </p:cNvPr>
+          <p:cNvSpPr/>
+          <p:nvPr/>
+        </p:nvSpPr>
+        <p:spPr>
+          <a:xfrm>
+            <a:off x="4807979" y="568700"/>
             <a:ext cx="1433177" cy="578425"/>
           </a:xfrm>
           <a:prstGeom prst="roundRect">
@@ -13033,17 +16716,17 @@
             <a:pPr algn="ctr"/>
             <a:r>
               <a:rPr lang="zh-CN" altLang="en-US" dirty="0"/>
-              <a:t>客户端</a:t>
+              <a:t>运维前端</a:t>
             </a:r>
           </a:p>
         </p:txBody>
       </p:sp>
       <p:sp>
         <p:nvSpPr>
-          <p:cNvPr id="30" name="矩形: 圆角 29">
+          <p:cNvPr id="33" name="六边形 32">
             <a:extLst>
               <a:ext uri="{FF2B5EF4-FFF2-40B4-BE49-F238E27FC236}">
-                <a16:creationId xmlns:a16="http://schemas.microsoft.com/office/drawing/2014/main" id="{1BDD5442-BF2B-4A54-A374-B06C8304537D}"/>
+                <a16:creationId xmlns:a16="http://schemas.microsoft.com/office/drawing/2014/main" id="{392225EE-05D5-4ADC-AC59-358D4CCE5A47}"/>
               </a:ext>
             </a:extLst>
           </p:cNvPr>
@@ -13052,25 +16735,25 @@
         </p:nvSpPr>
         <p:spPr>
           <a:xfrm>
-            <a:off x="7789429" y="406147"/>
-            <a:ext cx="1433177" cy="578425"/>
+            <a:off x="7428415" y="2620397"/>
+            <a:ext cx="1490923" cy="1285278"/>
           </a:xfrm>
-          <a:prstGeom prst="roundRect">
+          <a:prstGeom prst="hexagon">
             <a:avLst/>
           </a:prstGeom>
         </p:spPr>
         <p:style>
-          <a:lnRef idx="2">
-            <a:schemeClr val="dk1"/>
+          <a:lnRef idx="0">
+            <a:schemeClr val="accent5"/>
           </a:lnRef>
-          <a:fillRef idx="1">
-            <a:schemeClr val="lt1"/>
+          <a:fillRef idx="3">
+            <a:schemeClr val="accent5"/>
           </a:fillRef>
-          <a:effectRef idx="0">
-            <a:schemeClr val="dk1"/>
+          <a:effectRef idx="3">
+            <a:schemeClr val="accent5"/>
           </a:effectRef>
           <a:fontRef idx="minor">
-            <a:schemeClr val="dk1"/>
+            <a:schemeClr val="lt1"/>
           </a:fontRef>
         </p:style>
         <p:txBody>
@@ -13079,1886 +16762,18 @@
           <a:p>
             <a:pPr algn="ctr"/>
             <a:r>
-              <a:rPr lang="zh-CN" altLang="en-US" dirty="0"/>
-              <a:t>中央控制端</a:t>
+              <a:rPr lang="zh-CN" altLang="en-US" sz="1400" dirty="0"/>
+              <a:t>订单管理</a:t>
             </a:r>
           </a:p>
         </p:txBody>
       </p:sp>
-      <p:grpSp>
-        <p:nvGrpSpPr>
-          <p:cNvPr id="20" name="组合 19">
+      <p:sp>
+        <p:nvSpPr>
+          <p:cNvPr id="34" name="六边形 33">
             <a:extLst>
               <a:ext uri="{FF2B5EF4-FFF2-40B4-BE49-F238E27FC236}">
-                <a16:creationId xmlns:a16="http://schemas.microsoft.com/office/drawing/2014/main" id="{396848C4-505B-4113-831A-236A839F273C}"/>
-              </a:ext>
-            </a:extLst>
-          </p:cNvPr>
-          <p:cNvGrpSpPr/>
-          <p:nvPr/>
-        </p:nvGrpSpPr>
-        <p:grpSpPr>
-          <a:xfrm>
-            <a:off x="6453273" y="1202469"/>
-            <a:ext cx="4983354" cy="5144461"/>
-            <a:chOff x="6453273" y="1202469"/>
-            <a:chExt cx="4983354" cy="5144461"/>
-          </a:xfrm>
-        </p:grpSpPr>
-        <p:sp>
-          <p:nvSpPr>
-            <p:cNvPr id="4" name="六边形 3">
-              <a:extLst>
-                <a:ext uri="{FF2B5EF4-FFF2-40B4-BE49-F238E27FC236}">
-                  <a16:creationId xmlns:a16="http://schemas.microsoft.com/office/drawing/2014/main" id="{767CCBDA-114B-487A-B6F1-5B924C716707}"/>
-                </a:ext>
-              </a:extLst>
-            </p:cNvPr>
-            <p:cNvSpPr/>
-            <p:nvPr/>
-          </p:nvSpPr>
-          <p:spPr>
-            <a:xfrm>
-              <a:off x="6454184" y="1202469"/>
-              <a:ext cx="1490923" cy="1285278"/>
-            </a:xfrm>
-            <a:prstGeom prst="hexagon">
-              <a:avLst/>
-            </a:prstGeom>
-          </p:spPr>
-          <p:style>
-            <a:lnRef idx="1">
-              <a:schemeClr val="accent6"/>
-            </a:lnRef>
-            <a:fillRef idx="2">
-              <a:schemeClr val="accent6"/>
-            </a:fillRef>
-            <a:effectRef idx="1">
-              <a:schemeClr val="accent6"/>
-            </a:effectRef>
-            <a:fontRef idx="minor">
-              <a:schemeClr val="dk1"/>
-            </a:fontRef>
-          </p:style>
-          <p:txBody>
-            <a:bodyPr rtlCol="0" anchor="ctr"/>
-            <a:lstStyle/>
-            <a:p>
-              <a:pPr algn="ctr"/>
-              <a:r>
-                <a:rPr lang="zh-CN" altLang="en-US" sz="1400" dirty="0"/>
-                <a:t>用户前端</a:t>
-              </a:r>
-            </a:p>
-          </p:txBody>
-        </p:sp>
-        <p:sp>
-          <p:nvSpPr>
-            <p:cNvPr id="5" name="六边形 4">
-              <a:extLst>
-                <a:ext uri="{FF2B5EF4-FFF2-40B4-BE49-F238E27FC236}">
-                  <a16:creationId xmlns:a16="http://schemas.microsoft.com/office/drawing/2014/main" id="{E1E9C886-3413-4984-A7B5-6C176C2AE7D6}"/>
-                </a:ext>
-              </a:extLst>
-            </p:cNvPr>
-            <p:cNvSpPr/>
-            <p:nvPr/>
-          </p:nvSpPr>
-          <p:spPr>
-            <a:xfrm>
-              <a:off x="7606498" y="1885949"/>
-              <a:ext cx="1490923" cy="1285278"/>
-            </a:xfrm>
-            <a:prstGeom prst="hexagon">
-              <a:avLst/>
-            </a:prstGeom>
-          </p:spPr>
-          <p:style>
-            <a:lnRef idx="1">
-              <a:schemeClr val="accent6"/>
-            </a:lnRef>
-            <a:fillRef idx="2">
-              <a:schemeClr val="accent6"/>
-            </a:fillRef>
-            <a:effectRef idx="1">
-              <a:schemeClr val="accent6"/>
-            </a:effectRef>
-            <a:fontRef idx="minor">
-              <a:schemeClr val="dk1"/>
-            </a:fontRef>
-          </p:style>
-          <p:txBody>
-            <a:bodyPr rtlCol="0" anchor="ctr"/>
-            <a:lstStyle/>
-            <a:p>
-              <a:pPr algn="ctr"/>
-              <a:r>
-                <a:rPr lang="zh-CN" altLang="en-US" sz="1400" dirty="0"/>
-                <a:t>运维前端</a:t>
-              </a:r>
-            </a:p>
-          </p:txBody>
-        </p:sp>
-        <p:sp>
-          <p:nvSpPr>
-            <p:cNvPr id="8" name="六边形 7">
-              <a:extLst>
-                <a:ext uri="{FF2B5EF4-FFF2-40B4-BE49-F238E27FC236}">
-                  <a16:creationId xmlns:a16="http://schemas.microsoft.com/office/drawing/2014/main" id="{0591B2AB-09E6-475A-BDD7-9F25F147065D}"/>
-                </a:ext>
-              </a:extLst>
-            </p:cNvPr>
-            <p:cNvSpPr/>
-            <p:nvPr/>
-          </p:nvSpPr>
-          <p:spPr>
-            <a:xfrm>
-              <a:off x="8776102" y="3773027"/>
-              <a:ext cx="1490923" cy="1285278"/>
-            </a:xfrm>
-            <a:prstGeom prst="hexagon">
-              <a:avLst/>
-            </a:prstGeom>
-          </p:spPr>
-          <p:style>
-            <a:lnRef idx="0">
-              <a:schemeClr val="accent5"/>
-            </a:lnRef>
-            <a:fillRef idx="3">
-              <a:schemeClr val="accent5"/>
-            </a:fillRef>
-            <a:effectRef idx="3">
-              <a:schemeClr val="accent5"/>
-            </a:effectRef>
-            <a:fontRef idx="minor">
-              <a:schemeClr val="lt1"/>
-            </a:fontRef>
-          </p:style>
-          <p:txBody>
-            <a:bodyPr rtlCol="0" anchor="ctr"/>
-            <a:lstStyle/>
-            <a:p>
-              <a:pPr algn="ctr"/>
-              <a:r>
-                <a:rPr lang="zh-CN" altLang="en-US" sz="1400" dirty="0"/>
-                <a:t>通知系统</a:t>
-              </a:r>
-            </a:p>
-          </p:txBody>
-        </p:sp>
-        <p:sp>
-          <p:nvSpPr>
-            <p:cNvPr id="9" name="六边形 8">
-              <a:extLst>
-                <a:ext uri="{FF2B5EF4-FFF2-40B4-BE49-F238E27FC236}">
-                  <a16:creationId xmlns:a16="http://schemas.microsoft.com/office/drawing/2014/main" id="{3F5CAD79-30BC-40C1-AE88-FCC5004AF5CC}"/>
-                </a:ext>
-              </a:extLst>
-            </p:cNvPr>
-            <p:cNvSpPr/>
-            <p:nvPr/>
-          </p:nvSpPr>
-          <p:spPr>
-            <a:xfrm>
-              <a:off x="9945704" y="4415665"/>
-              <a:ext cx="1490923" cy="1285278"/>
-            </a:xfrm>
-            <a:prstGeom prst="hexagon">
-              <a:avLst/>
-            </a:prstGeom>
-            <a:ln>
-              <a:noFill/>
-            </a:ln>
-          </p:spPr>
-          <p:style>
-            <a:lnRef idx="0">
-              <a:schemeClr val="accent5"/>
-            </a:lnRef>
-            <a:fillRef idx="3">
-              <a:schemeClr val="accent5"/>
-            </a:fillRef>
-            <a:effectRef idx="3">
-              <a:schemeClr val="accent5"/>
-            </a:effectRef>
-            <a:fontRef idx="minor">
-              <a:schemeClr val="lt1"/>
-            </a:fontRef>
-          </p:style>
-          <p:txBody>
-            <a:bodyPr rtlCol="0" anchor="ctr"/>
-            <a:lstStyle/>
-            <a:p>
-              <a:pPr algn="ctr"/>
-              <a:r>
-                <a:rPr lang="zh-CN" altLang="en-US" sz="1400" dirty="0"/>
-                <a:t>消息网关</a:t>
-              </a:r>
-            </a:p>
-          </p:txBody>
-        </p:sp>
-        <p:sp>
-          <p:nvSpPr>
-            <p:cNvPr id="16" name="六边形 15">
-              <a:extLst>
-                <a:ext uri="{FF2B5EF4-FFF2-40B4-BE49-F238E27FC236}">
-                  <a16:creationId xmlns:a16="http://schemas.microsoft.com/office/drawing/2014/main" id="{E5E91220-B45F-4891-A6CF-33363FD17DD2}"/>
-                </a:ext>
-              </a:extLst>
-            </p:cNvPr>
-            <p:cNvSpPr/>
-            <p:nvPr/>
-          </p:nvSpPr>
-          <p:spPr>
-            <a:xfrm>
-              <a:off x="7606499" y="4415665"/>
-              <a:ext cx="1490923" cy="1285278"/>
-            </a:xfrm>
-            <a:prstGeom prst="hexagon">
-              <a:avLst/>
-            </a:prstGeom>
-          </p:spPr>
-          <p:style>
-            <a:lnRef idx="0">
-              <a:schemeClr val="accent5"/>
-            </a:lnRef>
-            <a:fillRef idx="3">
-              <a:schemeClr val="accent5"/>
-            </a:fillRef>
-            <a:effectRef idx="3">
-              <a:schemeClr val="accent5"/>
-            </a:effectRef>
-            <a:fontRef idx="minor">
-              <a:schemeClr val="lt1"/>
-            </a:fontRef>
-          </p:style>
-          <p:txBody>
-            <a:bodyPr rtlCol="0" anchor="ctr"/>
-            <a:lstStyle/>
-            <a:p>
-              <a:pPr algn="ctr"/>
-              <a:r>
-                <a:rPr lang="zh-CN" altLang="en-US" sz="1400" dirty="0"/>
-                <a:t>日志管理</a:t>
-              </a:r>
-            </a:p>
-          </p:txBody>
-        </p:sp>
-        <p:sp>
-          <p:nvSpPr>
-            <p:cNvPr id="27" name="六边形 26">
-              <a:extLst>
-                <a:ext uri="{FF2B5EF4-FFF2-40B4-BE49-F238E27FC236}">
-                  <a16:creationId xmlns:a16="http://schemas.microsoft.com/office/drawing/2014/main" id="{28567270-ED9E-49EA-B6EC-370452E6F0D6}"/>
-                </a:ext>
-              </a:extLst>
-            </p:cNvPr>
-            <p:cNvSpPr/>
-            <p:nvPr/>
-          </p:nvSpPr>
-          <p:spPr>
-            <a:xfrm>
-              <a:off x="6454185" y="2487747"/>
-              <a:ext cx="1490923" cy="1285278"/>
-            </a:xfrm>
-            <a:prstGeom prst="hexagon">
-              <a:avLst/>
-            </a:prstGeom>
-          </p:spPr>
-          <p:style>
-            <a:lnRef idx="0">
-              <a:schemeClr val="accent5"/>
-            </a:lnRef>
-            <a:fillRef idx="3">
-              <a:schemeClr val="accent5"/>
-            </a:fillRef>
-            <a:effectRef idx="3">
-              <a:schemeClr val="accent5"/>
-            </a:effectRef>
-            <a:fontRef idx="minor">
-              <a:schemeClr val="lt1"/>
-            </a:fontRef>
-          </p:style>
-          <p:txBody>
-            <a:bodyPr rtlCol="0" anchor="ctr"/>
-            <a:lstStyle/>
-            <a:p>
-              <a:pPr algn="ctr"/>
-              <a:r>
-                <a:rPr lang="zh-CN" altLang="en-US" sz="1400" dirty="0"/>
-                <a:t>中央控制</a:t>
-              </a:r>
-            </a:p>
-          </p:txBody>
-        </p:sp>
-        <p:sp>
-          <p:nvSpPr>
-            <p:cNvPr id="28" name="六边形 27">
-              <a:extLst>
-                <a:ext uri="{FF2B5EF4-FFF2-40B4-BE49-F238E27FC236}">
-                  <a16:creationId xmlns:a16="http://schemas.microsoft.com/office/drawing/2014/main" id="{61197671-FD1D-4C78-8ABE-D4EE5A9C1B38}"/>
-                </a:ext>
-              </a:extLst>
-            </p:cNvPr>
-            <p:cNvSpPr/>
-            <p:nvPr/>
-          </p:nvSpPr>
-          <p:spPr>
-            <a:xfrm>
-              <a:off x="7623787" y="3130385"/>
-              <a:ext cx="1490923" cy="1285278"/>
-            </a:xfrm>
-            <a:prstGeom prst="hexagon">
-              <a:avLst/>
-            </a:prstGeom>
-          </p:spPr>
-          <p:style>
-            <a:lnRef idx="0">
-              <a:schemeClr val="accent5"/>
-            </a:lnRef>
-            <a:fillRef idx="3">
-              <a:schemeClr val="accent5"/>
-            </a:fillRef>
-            <a:effectRef idx="3">
-              <a:schemeClr val="accent5"/>
-            </a:effectRef>
-            <a:fontRef idx="minor">
-              <a:schemeClr val="lt1"/>
-            </a:fontRef>
-          </p:style>
-          <p:txBody>
-            <a:bodyPr rtlCol="0" anchor="ctr"/>
-            <a:lstStyle/>
-            <a:p>
-              <a:pPr algn="ctr"/>
-              <a:r>
-                <a:rPr lang="zh-CN" altLang="en-US" sz="1400" dirty="0"/>
-                <a:t>产品管理</a:t>
-              </a:r>
-            </a:p>
-          </p:txBody>
-        </p:sp>
-        <p:sp>
-          <p:nvSpPr>
-            <p:cNvPr id="29" name="六边形 28">
-              <a:extLst>
-                <a:ext uri="{FF2B5EF4-FFF2-40B4-BE49-F238E27FC236}">
-                  <a16:creationId xmlns:a16="http://schemas.microsoft.com/office/drawing/2014/main" id="{D702E64B-DD2A-4922-96DE-1017A898EC4D}"/>
-                </a:ext>
-              </a:extLst>
-            </p:cNvPr>
-            <p:cNvSpPr/>
-            <p:nvPr/>
-          </p:nvSpPr>
-          <p:spPr>
-            <a:xfrm>
-              <a:off x="6453273" y="3761069"/>
-              <a:ext cx="1490923" cy="1285278"/>
-            </a:xfrm>
-            <a:prstGeom prst="hexagon">
-              <a:avLst/>
-            </a:prstGeom>
-          </p:spPr>
-          <p:style>
-            <a:lnRef idx="0">
-              <a:schemeClr val="accent5"/>
-            </a:lnRef>
-            <a:fillRef idx="3">
-              <a:schemeClr val="accent5"/>
-            </a:fillRef>
-            <a:effectRef idx="3">
-              <a:schemeClr val="accent5"/>
-            </a:effectRef>
-            <a:fontRef idx="minor">
-              <a:schemeClr val="lt1"/>
-            </a:fontRef>
-          </p:style>
-          <p:txBody>
-            <a:bodyPr rtlCol="0" anchor="ctr"/>
-            <a:lstStyle/>
-            <a:p>
-              <a:pPr algn="ctr"/>
-              <a:r>
-                <a:rPr lang="zh-CN" altLang="en-US" sz="1400" dirty="0"/>
-                <a:t>负载均衡</a:t>
-              </a:r>
-            </a:p>
-          </p:txBody>
-        </p:sp>
-        <p:sp>
-          <p:nvSpPr>
-            <p:cNvPr id="31" name="六边形 30">
-              <a:extLst>
-                <a:ext uri="{FF2B5EF4-FFF2-40B4-BE49-F238E27FC236}">
-                  <a16:creationId xmlns:a16="http://schemas.microsoft.com/office/drawing/2014/main" id="{CF178045-0D61-4A56-A668-CAA4445ECE7E}"/>
-                </a:ext>
-              </a:extLst>
-            </p:cNvPr>
-            <p:cNvSpPr/>
-            <p:nvPr/>
-          </p:nvSpPr>
-          <p:spPr>
-            <a:xfrm>
-              <a:off x="6454184" y="5053116"/>
-              <a:ext cx="1490923" cy="1285278"/>
-            </a:xfrm>
-            <a:prstGeom prst="hexagon">
-              <a:avLst/>
-            </a:prstGeom>
-          </p:spPr>
-          <p:style>
-            <a:lnRef idx="0">
-              <a:schemeClr val="accent4"/>
-            </a:lnRef>
-            <a:fillRef idx="3">
-              <a:schemeClr val="accent4"/>
-            </a:fillRef>
-            <a:effectRef idx="3">
-              <a:schemeClr val="accent4"/>
-            </a:effectRef>
-            <a:fontRef idx="minor">
-              <a:schemeClr val="lt1"/>
-            </a:fontRef>
-          </p:style>
-          <p:txBody>
-            <a:bodyPr rtlCol="0" anchor="ctr"/>
-            <a:lstStyle/>
-            <a:p>
-              <a:pPr algn="ctr"/>
-              <a:r>
-                <a:rPr lang="en-US" altLang="zh-CN" sz="1400" dirty="0" err="1"/>
-                <a:t>MySql</a:t>
-              </a:r>
-              <a:endParaRPr lang="zh-CN" altLang="en-US" sz="1400" dirty="0"/>
-            </a:p>
-          </p:txBody>
-        </p:sp>
-        <p:sp>
-          <p:nvSpPr>
-            <p:cNvPr id="43" name="六边形 42">
-              <a:extLst>
-                <a:ext uri="{FF2B5EF4-FFF2-40B4-BE49-F238E27FC236}">
-                  <a16:creationId xmlns:a16="http://schemas.microsoft.com/office/drawing/2014/main" id="{9C0AD4D6-6C07-47C6-90F1-A63EC26BF443}"/>
-                </a:ext>
-              </a:extLst>
-            </p:cNvPr>
-            <p:cNvSpPr/>
-            <p:nvPr/>
-          </p:nvSpPr>
-          <p:spPr>
-            <a:xfrm>
-              <a:off x="8784746" y="5061652"/>
-              <a:ext cx="1490923" cy="1285278"/>
-            </a:xfrm>
-            <a:prstGeom prst="hexagon">
-              <a:avLst/>
-            </a:prstGeom>
-          </p:spPr>
-          <p:style>
-            <a:lnRef idx="0">
-              <a:schemeClr val="accent4"/>
-            </a:lnRef>
-            <a:fillRef idx="3">
-              <a:schemeClr val="accent4"/>
-            </a:fillRef>
-            <a:effectRef idx="3">
-              <a:schemeClr val="accent4"/>
-            </a:effectRef>
-            <a:fontRef idx="minor">
-              <a:schemeClr val="lt1"/>
-            </a:fontRef>
-          </p:style>
-          <p:txBody>
-            <a:bodyPr rtlCol="0" anchor="ctr"/>
-            <a:lstStyle/>
-            <a:p>
-              <a:pPr algn="ctr"/>
-              <a:r>
-                <a:rPr lang="en-US" altLang="zh-CN" sz="1400" dirty="0" err="1"/>
-                <a:t>ActiveMQ</a:t>
-              </a:r>
-              <a:endParaRPr lang="zh-CN" altLang="en-US" sz="1400" dirty="0"/>
-            </a:p>
-          </p:txBody>
-        </p:sp>
-        <p:sp>
-          <p:nvSpPr>
-            <p:cNvPr id="32" name="六边形 31">
-              <a:extLst>
-                <a:ext uri="{FF2B5EF4-FFF2-40B4-BE49-F238E27FC236}">
-                  <a16:creationId xmlns:a16="http://schemas.microsoft.com/office/drawing/2014/main" id="{9ECB004A-7CDC-45FD-8BAE-B0C8E11F14E2}"/>
-                </a:ext>
-              </a:extLst>
-            </p:cNvPr>
-            <p:cNvSpPr/>
-            <p:nvPr/>
-          </p:nvSpPr>
-          <p:spPr>
-            <a:xfrm>
-              <a:off x="8793389" y="2485381"/>
-              <a:ext cx="1490923" cy="1285278"/>
-            </a:xfrm>
-            <a:prstGeom prst="hexagon">
-              <a:avLst/>
-            </a:prstGeom>
-          </p:spPr>
-          <p:style>
-            <a:lnRef idx="0">
-              <a:schemeClr val="accent5"/>
-            </a:lnRef>
-            <a:fillRef idx="3">
-              <a:schemeClr val="accent5"/>
-            </a:fillRef>
-            <a:effectRef idx="3">
-              <a:schemeClr val="accent5"/>
-            </a:effectRef>
-            <a:fontRef idx="minor">
-              <a:schemeClr val="lt1"/>
-            </a:fontRef>
-          </p:style>
-          <p:txBody>
-            <a:bodyPr rtlCol="0" anchor="ctr"/>
-            <a:lstStyle/>
-            <a:p>
-              <a:pPr algn="ctr"/>
-              <a:r>
-                <a:rPr lang="zh-CN" altLang="en-US" sz="1400" dirty="0"/>
-                <a:t>订单管理</a:t>
-              </a:r>
-            </a:p>
-          </p:txBody>
-        </p:sp>
-      </p:grpSp>
-      <p:pic>
-        <p:nvPicPr>
-          <p:cNvPr id="1026" name="Picture 2" descr="https://ss1.bdstatic.com/70cFuXSh_Q1YnxGkpoWK1HF6hhy/it/u=114381753,3028297784&amp;fm=27&amp;gp=0.jpg">
-            <a:extLst>
-              <a:ext uri="{FF2B5EF4-FFF2-40B4-BE49-F238E27FC236}">
-                <a16:creationId xmlns:a16="http://schemas.microsoft.com/office/drawing/2014/main" id="{440A705E-C7A9-4287-9865-62BD62C43D8F}"/>
-              </a:ext>
-            </a:extLst>
-          </p:cNvPr>
-          <p:cNvPicPr>
-            <a:picLocks noChangeAspect="1" noChangeArrowheads="1"/>
-          </p:cNvPicPr>
-          <p:nvPr/>
-        </p:nvPicPr>
-        <p:blipFill>
-          <a:blip r:embed="rId2">
-            <a:extLst>
-              <a:ext uri="{BEBA8EAE-BF5A-486C-A8C5-ECC9F3942E4B}">
-                <a14:imgProps xmlns:a14="http://schemas.microsoft.com/office/drawing/2010/main">
-                  <a14:imgLayer r:embed="rId3">
-                    <a14:imgEffect>
-                      <a14:backgroundRemoval t="10000" b="90000" l="10000" r="90000">
-                        <a14:backgroundMark x1="18699" y1="60976" x2="18699" y2="60976"/>
-                        <a14:backgroundMark x1="22764" y1="49187" x2="22764" y2="31707"/>
-                        <a14:backgroundMark x1="26423" y1="25610" x2="26423" y2="25610"/>
-                      </a14:backgroundRemoval>
-                    </a14:imgEffect>
-                  </a14:imgLayer>
-                </a14:imgProps>
-              </a:ext>
-              <a:ext uri="{28A0092B-C50C-407E-A947-70E740481C1C}">
-                <a14:useLocalDpi xmlns:a14="http://schemas.microsoft.com/office/drawing/2010/main" val="0"/>
-              </a:ext>
-            </a:extLst>
-          </a:blip>
-          <a:srcRect/>
-          <a:stretch>
-            <a:fillRect/>
-          </a:stretch>
-        </p:blipFill>
-        <p:spPr bwMode="auto">
-          <a:xfrm>
-            <a:off x="9250140" y="4077830"/>
-            <a:ext cx="525558" cy="525558"/>
-          </a:xfrm>
-          <a:prstGeom prst="rect">
-            <a:avLst/>
-          </a:prstGeom>
-          <a:noFill/>
-          <a:extLst>
-            <a:ext uri="{909E8E84-426E-40DD-AFC4-6F175D3DCCD1}">
-              <a14:hiddenFill xmlns:a14="http://schemas.microsoft.com/office/drawing/2010/main">
-                <a:solidFill>
-                  <a:srgbClr val="FFFFFF"/>
-                </a:solidFill>
-              </a14:hiddenFill>
-            </a:ext>
-          </a:extLst>
-        </p:spPr>
-      </p:pic>
-      <p:pic>
-        <p:nvPicPr>
-          <p:cNvPr id="33" name="Picture 2" descr="https://ss1.bdstatic.com/70cFuXSh_Q1YnxGkpoWK1HF6hhy/it/u=114381753,3028297784&amp;fm=27&amp;gp=0.jpg">
-            <a:extLst>
-              <a:ext uri="{FF2B5EF4-FFF2-40B4-BE49-F238E27FC236}">
-                <a16:creationId xmlns:a16="http://schemas.microsoft.com/office/drawing/2014/main" id="{E567F40B-B685-44ED-8603-89F25FA2FA89}"/>
-              </a:ext>
-            </a:extLst>
-          </p:cNvPr>
-          <p:cNvPicPr>
-            <a:picLocks noChangeAspect="1" noChangeArrowheads="1"/>
-          </p:cNvPicPr>
-          <p:nvPr/>
-        </p:nvPicPr>
-        <p:blipFill>
-          <a:blip r:embed="rId4">
-            <a:extLst>
-              <a:ext uri="{BEBA8EAE-BF5A-486C-A8C5-ECC9F3942E4B}">
-                <a14:imgProps xmlns:a14="http://schemas.microsoft.com/office/drawing/2010/main">
-                  <a14:imgLayer r:embed="rId3">
-                    <a14:imgEffect>
-                      <a14:backgroundRemoval t="10000" b="90000" l="10000" r="90000">
-                        <a14:backgroundMark x1="18699" y1="60976" x2="18699" y2="60976"/>
-                        <a14:backgroundMark x1="22764" y1="49187" x2="22764" y2="31707"/>
-                        <a14:backgroundMark x1="26423" y1="25610" x2="26423" y2="25610"/>
-                      </a14:backgroundRemoval>
-                    </a14:imgEffect>
-                  </a14:imgLayer>
-                </a14:imgProps>
-              </a:ext>
-              <a:ext uri="{28A0092B-C50C-407E-A947-70E740481C1C}">
-                <a14:useLocalDpi xmlns:a14="http://schemas.microsoft.com/office/drawing/2010/main" val="0"/>
-              </a:ext>
-            </a:extLst>
-          </a:blip>
-          <a:srcRect/>
-          <a:stretch>
-            <a:fillRect/>
-          </a:stretch>
-        </p:blipFill>
-        <p:spPr bwMode="auto">
-          <a:xfrm>
-            <a:off x="10485249" y="4520789"/>
-            <a:ext cx="525558" cy="525558"/>
-          </a:xfrm>
-          <a:prstGeom prst="rect">
-            <a:avLst/>
-          </a:prstGeom>
-          <a:noFill/>
-          <a:extLst>
-            <a:ext uri="{909E8E84-426E-40DD-AFC4-6F175D3DCCD1}">
-              <a14:hiddenFill xmlns:a14="http://schemas.microsoft.com/office/drawing/2010/main">
-                <a:solidFill>
-                  <a:srgbClr val="FFFFFF"/>
-                </a:solidFill>
-              </a14:hiddenFill>
-            </a:ext>
-          </a:extLst>
-        </p:spPr>
-      </p:pic>
-      <p:pic>
-        <p:nvPicPr>
-          <p:cNvPr id="34" name="Picture 2" descr="https://ss1.bdstatic.com/70cFuXSh_Q1YnxGkpoWK1HF6hhy/it/u=114381753,3028297784&amp;fm=27&amp;gp=0.jpg">
-            <a:extLst>
-              <a:ext uri="{FF2B5EF4-FFF2-40B4-BE49-F238E27FC236}">
-                <a16:creationId xmlns:a16="http://schemas.microsoft.com/office/drawing/2014/main" id="{2B0C6090-110A-48D0-BF6A-112F0D11AF1D}"/>
-              </a:ext>
-            </a:extLst>
-          </p:cNvPr>
-          <p:cNvPicPr>
-            <a:picLocks noChangeAspect="1" noChangeArrowheads="1"/>
-          </p:cNvPicPr>
-          <p:nvPr/>
-        </p:nvPicPr>
-        <p:blipFill>
-          <a:blip r:embed="rId4">
-            <a:extLst>
-              <a:ext uri="{BEBA8EAE-BF5A-486C-A8C5-ECC9F3942E4B}">
-                <a14:imgProps xmlns:a14="http://schemas.microsoft.com/office/drawing/2010/main">
-                  <a14:imgLayer r:embed="rId3">
-                    <a14:imgEffect>
-                      <a14:backgroundRemoval t="10000" b="90000" l="10000" r="90000">
-                        <a14:backgroundMark x1="18699" y1="60976" x2="18699" y2="60976"/>
-                        <a14:backgroundMark x1="22764" y1="49187" x2="22764" y2="31707"/>
-                        <a14:backgroundMark x1="26423" y1="25610" x2="26423" y2="25610"/>
-                      </a14:backgroundRemoval>
-                    </a14:imgEffect>
-                  </a14:imgLayer>
-                </a14:imgProps>
-              </a:ext>
-              <a:ext uri="{28A0092B-C50C-407E-A947-70E740481C1C}">
-                <a14:useLocalDpi xmlns:a14="http://schemas.microsoft.com/office/drawing/2010/main" val="0"/>
-              </a:ext>
-            </a:extLst>
-          </a:blip>
-          <a:srcRect/>
-          <a:stretch>
-            <a:fillRect/>
-          </a:stretch>
-        </p:blipFill>
-        <p:spPr bwMode="auto">
-          <a:xfrm>
-            <a:off x="6935955" y="1345281"/>
-            <a:ext cx="525558" cy="525558"/>
-          </a:xfrm>
-          <a:prstGeom prst="rect">
-            <a:avLst/>
-          </a:prstGeom>
-          <a:noFill/>
-          <a:extLst>
-            <a:ext uri="{909E8E84-426E-40DD-AFC4-6F175D3DCCD1}">
-              <a14:hiddenFill xmlns:a14="http://schemas.microsoft.com/office/drawing/2010/main">
-                <a:solidFill>
-                  <a:srgbClr val="FFFFFF"/>
-                </a:solidFill>
-              </a14:hiddenFill>
-            </a:ext>
-          </a:extLst>
-        </p:spPr>
-      </p:pic>
-      <p:pic>
-        <p:nvPicPr>
-          <p:cNvPr id="35" name="Picture 2" descr="https://ss1.bdstatic.com/70cFuXSh_Q1YnxGkpoWK1HF6hhy/it/u=114381753,3028297784&amp;fm=27&amp;gp=0.jpg">
-            <a:extLst>
-              <a:ext uri="{FF2B5EF4-FFF2-40B4-BE49-F238E27FC236}">
-                <a16:creationId xmlns:a16="http://schemas.microsoft.com/office/drawing/2014/main" id="{9EB95F33-0A27-42E4-AE2B-AA1EC4E70492}"/>
-              </a:ext>
-            </a:extLst>
-          </p:cNvPr>
-          <p:cNvPicPr>
-            <a:picLocks noChangeAspect="1" noChangeArrowheads="1"/>
-          </p:cNvPicPr>
-          <p:nvPr/>
-        </p:nvPicPr>
-        <p:blipFill>
-          <a:blip r:embed="rId4">
-            <a:extLst>
-              <a:ext uri="{BEBA8EAE-BF5A-486C-A8C5-ECC9F3942E4B}">
-                <a14:imgProps xmlns:a14="http://schemas.microsoft.com/office/drawing/2010/main">
-                  <a14:imgLayer r:embed="rId3">
-                    <a14:imgEffect>
-                      <a14:backgroundRemoval t="10000" b="90000" l="10000" r="90000">
-                        <a14:backgroundMark x1="18699" y1="60976" x2="18699" y2="60976"/>
-                        <a14:backgroundMark x1="22764" y1="49187" x2="22764" y2="31707"/>
-                        <a14:backgroundMark x1="26423" y1="25610" x2="26423" y2="25610"/>
-                      </a14:backgroundRemoval>
-                    </a14:imgEffect>
-                  </a14:imgLayer>
-                </a14:imgProps>
-              </a:ext>
-              <a:ext uri="{28A0092B-C50C-407E-A947-70E740481C1C}">
-                <a14:useLocalDpi xmlns:a14="http://schemas.microsoft.com/office/drawing/2010/main" val="0"/>
-              </a:ext>
-            </a:extLst>
-          </a:blip>
-          <a:srcRect/>
-          <a:stretch>
-            <a:fillRect/>
-          </a:stretch>
-        </p:blipFill>
-        <p:spPr bwMode="auto">
-          <a:xfrm>
-            <a:off x="8109273" y="1942420"/>
-            <a:ext cx="525558" cy="525558"/>
-          </a:xfrm>
-          <a:prstGeom prst="rect">
-            <a:avLst/>
-          </a:prstGeom>
-          <a:noFill/>
-          <a:extLst>
-            <a:ext uri="{909E8E84-426E-40DD-AFC4-6F175D3DCCD1}">
-              <a14:hiddenFill xmlns:a14="http://schemas.microsoft.com/office/drawing/2010/main">
-                <a:solidFill>
-                  <a:srgbClr val="FFFFFF"/>
-                </a:solidFill>
-              </a14:hiddenFill>
-            </a:ext>
-          </a:extLst>
-        </p:spPr>
-      </p:pic>
-      <p:pic>
-        <p:nvPicPr>
-          <p:cNvPr id="36" name="Picture 2" descr="https://ss1.bdstatic.com/70cFuXSh_Q1YnxGkpoWK1HF6hhy/it/u=114381753,3028297784&amp;fm=27&amp;gp=0.jpg">
-            <a:extLst>
-              <a:ext uri="{FF2B5EF4-FFF2-40B4-BE49-F238E27FC236}">
-                <a16:creationId xmlns:a16="http://schemas.microsoft.com/office/drawing/2014/main" id="{3B7B53B5-7D94-43E1-BAC2-87926A031C90}"/>
-              </a:ext>
-            </a:extLst>
-          </p:cNvPr>
-          <p:cNvPicPr>
-            <a:picLocks noChangeAspect="1" noChangeArrowheads="1"/>
-          </p:cNvPicPr>
-          <p:nvPr/>
-        </p:nvPicPr>
-        <p:blipFill>
-          <a:blip r:embed="rId4">
-            <a:extLst>
-              <a:ext uri="{BEBA8EAE-BF5A-486C-A8C5-ECC9F3942E4B}">
-                <a14:imgProps xmlns:a14="http://schemas.microsoft.com/office/drawing/2010/main">
-                  <a14:imgLayer r:embed="rId3">
-                    <a14:imgEffect>
-                      <a14:backgroundRemoval t="10000" b="90000" l="10000" r="90000">
-                        <a14:backgroundMark x1="18699" y1="60976" x2="18699" y2="60976"/>
-                        <a14:backgroundMark x1="22764" y1="49187" x2="22764" y2="31707"/>
-                        <a14:backgroundMark x1="26423" y1="25610" x2="26423" y2="25610"/>
-                      </a14:backgroundRemoval>
-                    </a14:imgEffect>
-                  </a14:imgLayer>
-                </a14:imgProps>
-              </a:ext>
-              <a:ext uri="{28A0092B-C50C-407E-A947-70E740481C1C}">
-                <a14:useLocalDpi xmlns:a14="http://schemas.microsoft.com/office/drawing/2010/main" val="0"/>
-              </a:ext>
-            </a:extLst>
-          </a:blip>
-          <a:srcRect/>
-          <a:stretch>
-            <a:fillRect/>
-          </a:stretch>
-        </p:blipFill>
-        <p:spPr bwMode="auto">
-          <a:xfrm>
-            <a:off x="9378169" y="2661697"/>
-            <a:ext cx="525558" cy="525558"/>
-          </a:xfrm>
-          <a:prstGeom prst="rect">
-            <a:avLst/>
-          </a:prstGeom>
-          <a:noFill/>
-          <a:extLst>
-            <a:ext uri="{909E8E84-426E-40DD-AFC4-6F175D3DCCD1}">
-              <a14:hiddenFill xmlns:a14="http://schemas.microsoft.com/office/drawing/2010/main">
-                <a:solidFill>
-                  <a:srgbClr val="FFFFFF"/>
-                </a:solidFill>
-              </a14:hiddenFill>
-            </a:ext>
-          </a:extLst>
-        </p:spPr>
-      </p:pic>
-    </p:spTree>
-    <p:extLst>
-      <p:ext uri="{BB962C8B-B14F-4D97-AF65-F5344CB8AC3E}">
-        <p14:creationId xmlns:p14="http://schemas.microsoft.com/office/powerpoint/2010/main" val="1286021944"/>
-      </p:ext>
-    </p:extLst>
-  </p:cSld>
-  <p:clrMapOvr>
-    <a:masterClrMapping/>
-  </p:clrMapOvr>
-</p:sld>
-</file>
-
-<file path=ppt/slides/slide6.xml><?xml version="1.0" encoding="utf-8"?>
-<p:sld xmlns:a="http://schemas.openxmlformats.org/drawingml/2006/main" xmlns:r="http://schemas.openxmlformats.org/officeDocument/2006/relationships" xmlns:p="http://schemas.openxmlformats.org/presentationml/2006/main">
-  <p:cSld>
-    <p:spTree>
-      <p:nvGrpSpPr>
-        <p:cNvPr id="1" name=""/>
-        <p:cNvGrpSpPr/>
-        <p:nvPr/>
-      </p:nvGrpSpPr>
-      <p:grpSpPr>
-        <a:xfrm>
-          <a:off x="0" y="0"/>
-          <a:ext cx="0" cy="0"/>
-          <a:chOff x="0" y="0"/>
-          <a:chExt cx="0" cy="0"/>
-        </a:xfrm>
-      </p:grpSpPr>
-      <p:grpSp>
-        <p:nvGrpSpPr>
-          <p:cNvPr id="21" name="组合 20">
-            <a:extLst>
-              <a:ext uri="{FF2B5EF4-FFF2-40B4-BE49-F238E27FC236}">
-                <a16:creationId xmlns:a16="http://schemas.microsoft.com/office/drawing/2014/main" id="{29585356-F217-49A2-A7BE-F5D75B222E29}"/>
-              </a:ext>
-            </a:extLst>
-          </p:cNvPr>
-          <p:cNvGrpSpPr/>
-          <p:nvPr/>
-        </p:nvGrpSpPr>
-        <p:grpSpPr>
-          <a:xfrm>
-            <a:off x="397566" y="4340609"/>
-            <a:ext cx="2107095" cy="2206476"/>
-            <a:chOff x="397566" y="4340609"/>
-            <a:chExt cx="2107095" cy="2206476"/>
-          </a:xfrm>
-        </p:grpSpPr>
-        <p:sp>
-          <p:nvSpPr>
-            <p:cNvPr id="11" name="六边形 10">
-              <a:extLst>
-                <a:ext uri="{FF2B5EF4-FFF2-40B4-BE49-F238E27FC236}">
-                  <a16:creationId xmlns:a16="http://schemas.microsoft.com/office/drawing/2014/main" id="{991F4DA1-2B76-49D6-9F0B-27F016C9FD0B}"/>
-                </a:ext>
-              </a:extLst>
-            </p:cNvPr>
-            <p:cNvSpPr/>
-            <p:nvPr/>
-          </p:nvSpPr>
-          <p:spPr>
-            <a:xfrm>
-              <a:off x="986320" y="4767668"/>
-              <a:ext cx="846202" cy="711767"/>
-            </a:xfrm>
-            <a:prstGeom prst="hexagon">
-              <a:avLst/>
-            </a:prstGeom>
-          </p:spPr>
-          <p:style>
-            <a:lnRef idx="1">
-              <a:schemeClr val="accent6"/>
-            </a:lnRef>
-            <a:fillRef idx="2">
-              <a:schemeClr val="accent6"/>
-            </a:fillRef>
-            <a:effectRef idx="1">
-              <a:schemeClr val="accent6"/>
-            </a:effectRef>
-            <a:fontRef idx="minor">
-              <a:schemeClr val="dk1"/>
-            </a:fontRef>
-          </p:style>
-          <p:txBody>
-            <a:bodyPr rtlCol="0" anchor="ctr"/>
-            <a:lstStyle/>
-            <a:p>
-              <a:pPr algn="ctr"/>
-              <a:r>
-                <a:rPr lang="zh-CN" altLang="en-US" sz="1200" dirty="0"/>
-                <a:t>前端</a:t>
-              </a:r>
-            </a:p>
-          </p:txBody>
-        </p:sp>
-        <p:sp>
-          <p:nvSpPr>
-            <p:cNvPr id="12" name="六边形 11">
-              <a:extLst>
-                <a:ext uri="{FF2B5EF4-FFF2-40B4-BE49-F238E27FC236}">
-                  <a16:creationId xmlns:a16="http://schemas.microsoft.com/office/drawing/2014/main" id="{98C8D21E-6A7E-4282-9E91-9B46CDCAAC1F}"/>
-                </a:ext>
-              </a:extLst>
-            </p:cNvPr>
-            <p:cNvSpPr/>
-            <p:nvPr/>
-          </p:nvSpPr>
-          <p:spPr>
-            <a:xfrm>
-              <a:off x="986320" y="5479435"/>
-              <a:ext cx="846202" cy="711767"/>
-            </a:xfrm>
-            <a:prstGeom prst="hexagon">
-              <a:avLst/>
-            </a:prstGeom>
-          </p:spPr>
-          <p:style>
-            <a:lnRef idx="0">
-              <a:schemeClr val="accent5"/>
-            </a:lnRef>
-            <a:fillRef idx="3">
-              <a:schemeClr val="accent5"/>
-            </a:fillRef>
-            <a:effectRef idx="3">
-              <a:schemeClr val="accent5"/>
-            </a:effectRef>
-            <a:fontRef idx="minor">
-              <a:schemeClr val="lt1"/>
-            </a:fontRef>
-          </p:style>
-          <p:txBody>
-            <a:bodyPr rtlCol="0" anchor="ctr"/>
-            <a:lstStyle/>
-            <a:p>
-              <a:pPr algn="ctr"/>
-              <a:r>
-                <a:rPr lang="zh-CN" altLang="en-US" sz="1200" dirty="0"/>
-                <a:t>微服务</a:t>
-              </a:r>
-            </a:p>
-          </p:txBody>
-        </p:sp>
-        <p:sp>
-          <p:nvSpPr>
-            <p:cNvPr id="13" name="六边形 12">
-              <a:extLst>
-                <a:ext uri="{FF2B5EF4-FFF2-40B4-BE49-F238E27FC236}">
-                  <a16:creationId xmlns:a16="http://schemas.microsoft.com/office/drawing/2014/main" id="{9A9E442B-17B5-4E81-99CE-0CE8D25A2CC2}"/>
-                </a:ext>
-              </a:extLst>
-            </p:cNvPr>
-            <p:cNvSpPr/>
-            <p:nvPr/>
-          </p:nvSpPr>
-          <p:spPr>
-            <a:xfrm>
-              <a:off x="1658459" y="5835318"/>
-              <a:ext cx="846202" cy="711767"/>
-            </a:xfrm>
-            <a:prstGeom prst="hexagon">
-              <a:avLst/>
-            </a:prstGeom>
-          </p:spPr>
-          <p:style>
-            <a:lnRef idx="0">
-              <a:schemeClr val="dk1"/>
-            </a:lnRef>
-            <a:fillRef idx="3">
-              <a:schemeClr val="dk1"/>
-            </a:fillRef>
-            <a:effectRef idx="3">
-              <a:schemeClr val="dk1"/>
-            </a:effectRef>
-            <a:fontRef idx="minor">
-              <a:schemeClr val="lt1"/>
-            </a:fontRef>
-          </p:style>
-          <p:txBody>
-            <a:bodyPr rtlCol="0" anchor="ctr"/>
-            <a:lstStyle/>
-            <a:p>
-              <a:pPr algn="ctr"/>
-              <a:r>
-                <a:rPr lang="en-US" altLang="zh-CN" sz="1200" dirty="0"/>
-                <a:t>Shell</a:t>
-              </a:r>
-              <a:endParaRPr lang="zh-CN" altLang="en-US" sz="1200" dirty="0"/>
-            </a:p>
-          </p:txBody>
-        </p:sp>
-        <p:sp>
-          <p:nvSpPr>
-            <p:cNvPr id="14" name="矩形 13">
-              <a:extLst>
-                <a:ext uri="{FF2B5EF4-FFF2-40B4-BE49-F238E27FC236}">
-                  <a16:creationId xmlns:a16="http://schemas.microsoft.com/office/drawing/2014/main" id="{25187D6C-4B08-4999-A5D0-347E7E150A0D}"/>
-                </a:ext>
-              </a:extLst>
-            </p:cNvPr>
-            <p:cNvSpPr/>
-            <p:nvPr/>
-          </p:nvSpPr>
-          <p:spPr>
-            <a:xfrm>
-              <a:off x="397566" y="4340609"/>
-              <a:ext cx="718264" cy="328509"/>
-            </a:xfrm>
-            <a:prstGeom prst="rect">
-              <a:avLst/>
-            </a:prstGeom>
-            <a:ln>
-              <a:noFill/>
-            </a:ln>
-          </p:spPr>
-          <p:style>
-            <a:lnRef idx="2">
-              <a:schemeClr val="dk1"/>
-            </a:lnRef>
-            <a:fillRef idx="1">
-              <a:schemeClr val="lt1"/>
-            </a:fillRef>
-            <a:effectRef idx="0">
-              <a:schemeClr val="dk1"/>
-            </a:effectRef>
-            <a:fontRef idx="minor">
-              <a:schemeClr val="dk1"/>
-            </a:fontRef>
-          </p:style>
-          <p:txBody>
-            <a:bodyPr rtlCol="0" anchor="ctr"/>
-            <a:lstStyle/>
-            <a:p>
-              <a:pPr algn="ctr"/>
-              <a:r>
-                <a:rPr lang="zh-CN" altLang="en-US" dirty="0"/>
-                <a:t>图例</a:t>
-              </a:r>
-              <a:r>
-                <a:rPr lang="en-US" altLang="zh-CN" dirty="0"/>
-                <a:t>:</a:t>
-              </a:r>
-              <a:endParaRPr lang="zh-CN" altLang="en-US" dirty="0"/>
-            </a:p>
-          </p:txBody>
-        </p:sp>
-        <p:sp>
-          <p:nvSpPr>
-            <p:cNvPr id="17" name="六边形 16">
-              <a:extLst>
-                <a:ext uri="{FF2B5EF4-FFF2-40B4-BE49-F238E27FC236}">
-                  <a16:creationId xmlns:a16="http://schemas.microsoft.com/office/drawing/2014/main" id="{8A56DFE1-E14E-4BF1-9C55-234458BC95A3}"/>
-                </a:ext>
-              </a:extLst>
-            </p:cNvPr>
-            <p:cNvSpPr/>
-            <p:nvPr/>
-          </p:nvSpPr>
-          <p:spPr>
-            <a:xfrm>
-              <a:off x="1658459" y="5123552"/>
-              <a:ext cx="846202" cy="711767"/>
-            </a:xfrm>
-            <a:prstGeom prst="hexagon">
-              <a:avLst/>
-            </a:prstGeom>
-          </p:spPr>
-          <p:style>
-            <a:lnRef idx="2">
-              <a:schemeClr val="accent4">
-                <a:shade val="50000"/>
-              </a:schemeClr>
-            </a:lnRef>
-            <a:fillRef idx="1">
-              <a:schemeClr val="accent4"/>
-            </a:fillRef>
-            <a:effectRef idx="0">
-              <a:schemeClr val="accent4"/>
-            </a:effectRef>
-            <a:fontRef idx="minor">
-              <a:schemeClr val="lt1"/>
-            </a:fontRef>
-          </p:style>
-          <p:txBody>
-            <a:bodyPr rtlCol="0" anchor="ctr"/>
-            <a:lstStyle/>
-            <a:p>
-              <a:pPr algn="ctr"/>
-              <a:r>
-                <a:rPr lang="en-US" altLang="zh-CN" sz="1200" dirty="0"/>
-                <a:t>DB</a:t>
-              </a:r>
-              <a:endParaRPr lang="zh-CN" altLang="en-US" sz="1200" dirty="0"/>
-            </a:p>
-          </p:txBody>
-        </p:sp>
-      </p:grpSp>
-      <p:grpSp>
-        <p:nvGrpSpPr>
-          <p:cNvPr id="2" name="组合 1">
-            <a:extLst>
-              <a:ext uri="{FF2B5EF4-FFF2-40B4-BE49-F238E27FC236}">
-                <a16:creationId xmlns:a16="http://schemas.microsoft.com/office/drawing/2014/main" id="{10471F1B-A683-49A8-B514-442FEABDDBC5}"/>
-              </a:ext>
-            </a:extLst>
-          </p:cNvPr>
-          <p:cNvGrpSpPr/>
-          <p:nvPr/>
-        </p:nvGrpSpPr>
-        <p:grpSpPr>
-          <a:xfrm>
-            <a:off x="1263103" y="1243309"/>
-            <a:ext cx="3846818" cy="2570558"/>
-            <a:chOff x="1409421" y="777664"/>
-            <a:chExt cx="4264598" cy="2849731"/>
-          </a:xfrm>
-        </p:grpSpPr>
-        <p:sp>
-          <p:nvSpPr>
-            <p:cNvPr id="6" name="六边形 5">
-              <a:extLst>
-                <a:ext uri="{FF2B5EF4-FFF2-40B4-BE49-F238E27FC236}">
-                  <a16:creationId xmlns:a16="http://schemas.microsoft.com/office/drawing/2014/main" id="{21B8DE38-2906-4E7D-852E-1284230FD782}"/>
-                </a:ext>
-              </a:extLst>
-            </p:cNvPr>
-            <p:cNvSpPr/>
-            <p:nvPr/>
-          </p:nvSpPr>
-          <p:spPr>
-            <a:xfrm>
-              <a:off x="4021176" y="1490097"/>
-              <a:ext cx="1652843" cy="1424865"/>
-            </a:xfrm>
-            <a:prstGeom prst="hexagon">
-              <a:avLst/>
-            </a:prstGeom>
-          </p:spPr>
-          <p:style>
-            <a:lnRef idx="0">
-              <a:schemeClr val="accent5"/>
-            </a:lnRef>
-            <a:fillRef idx="3">
-              <a:schemeClr val="accent5"/>
-            </a:fillRef>
-            <a:effectRef idx="3">
-              <a:schemeClr val="accent5"/>
-            </a:effectRef>
-            <a:fontRef idx="minor">
-              <a:schemeClr val="lt1"/>
-            </a:fontRef>
-          </p:style>
-          <p:txBody>
-            <a:bodyPr rtlCol="0" anchor="ctr"/>
-            <a:lstStyle/>
-            <a:p>
-              <a:pPr algn="ctr"/>
-              <a:r>
-                <a:rPr lang="zh-CN" altLang="en-US" sz="1400" dirty="0"/>
-                <a:t>容器监测</a:t>
-              </a:r>
-            </a:p>
-          </p:txBody>
-        </p:sp>
-        <p:sp>
-          <p:nvSpPr>
-            <p:cNvPr id="7" name="六边形 6">
-              <a:extLst>
-                <a:ext uri="{FF2B5EF4-FFF2-40B4-BE49-F238E27FC236}">
-                  <a16:creationId xmlns:a16="http://schemas.microsoft.com/office/drawing/2014/main" id="{F6EFA57E-22F1-4A35-9CDA-494FE99DECC8}"/>
-                </a:ext>
-              </a:extLst>
-            </p:cNvPr>
-            <p:cNvSpPr/>
-            <p:nvPr/>
-          </p:nvSpPr>
-          <p:spPr>
-            <a:xfrm>
-              <a:off x="2724549" y="777664"/>
-              <a:ext cx="1652843" cy="1424865"/>
-            </a:xfrm>
-            <a:prstGeom prst="hexagon">
-              <a:avLst/>
-            </a:prstGeom>
-          </p:spPr>
-          <p:style>
-            <a:lnRef idx="0">
-              <a:schemeClr val="accent5"/>
-            </a:lnRef>
-            <a:fillRef idx="3">
-              <a:schemeClr val="accent5"/>
-            </a:fillRef>
-            <a:effectRef idx="3">
-              <a:schemeClr val="accent5"/>
-            </a:effectRef>
-            <a:fontRef idx="minor">
-              <a:schemeClr val="lt1"/>
-            </a:fontRef>
-          </p:style>
-          <p:txBody>
-            <a:bodyPr rtlCol="0" anchor="ctr"/>
-            <a:lstStyle/>
-            <a:p>
-              <a:pPr algn="ctr"/>
-              <a:r>
-                <a:rPr lang="zh-CN" altLang="en-US" sz="1400" dirty="0"/>
-                <a:t>自动发布</a:t>
-              </a:r>
-            </a:p>
-          </p:txBody>
-        </p:sp>
-        <p:sp>
-          <p:nvSpPr>
-            <p:cNvPr id="19" name="六边形 18">
-              <a:extLst>
-                <a:ext uri="{FF2B5EF4-FFF2-40B4-BE49-F238E27FC236}">
-                  <a16:creationId xmlns:a16="http://schemas.microsoft.com/office/drawing/2014/main" id="{46F85DD2-2A60-4ECA-A05E-78884C7C1C2E}"/>
-                </a:ext>
-              </a:extLst>
-            </p:cNvPr>
-            <p:cNvSpPr/>
-            <p:nvPr/>
-          </p:nvSpPr>
-          <p:spPr>
-            <a:xfrm>
-              <a:off x="1409421" y="1490097"/>
-              <a:ext cx="1652843" cy="1424865"/>
-            </a:xfrm>
-            <a:prstGeom prst="hexagon">
-              <a:avLst/>
-            </a:prstGeom>
-          </p:spPr>
-          <p:style>
-            <a:lnRef idx="1">
-              <a:schemeClr val="dk1"/>
-            </a:lnRef>
-            <a:fillRef idx="3">
-              <a:schemeClr val="dk1"/>
-            </a:fillRef>
-            <a:effectRef idx="2">
-              <a:schemeClr val="dk1"/>
-            </a:effectRef>
-            <a:fontRef idx="minor">
-              <a:schemeClr val="lt1"/>
-            </a:fontRef>
-          </p:style>
-          <p:txBody>
-            <a:bodyPr rtlCol="0" anchor="ctr"/>
-            <a:lstStyle/>
-            <a:p>
-              <a:pPr algn="ctr"/>
-              <a:r>
-                <a:rPr lang="zh-CN" altLang="en-US" sz="1400" dirty="0"/>
-                <a:t>自动发布</a:t>
-              </a:r>
-              <a:endParaRPr lang="en-US" altLang="zh-CN" sz="1400" dirty="0"/>
-            </a:p>
-            <a:p>
-              <a:pPr algn="ctr"/>
-              <a:r>
-                <a:rPr lang="en-US" altLang="zh-CN" sz="1400" dirty="0"/>
-                <a:t>Shell</a:t>
-              </a:r>
-              <a:r>
-                <a:rPr lang="zh-CN" altLang="en-US" sz="1400" dirty="0"/>
-                <a:t>脚本</a:t>
-              </a:r>
-            </a:p>
-          </p:txBody>
-        </p:sp>
-        <p:sp>
-          <p:nvSpPr>
-            <p:cNvPr id="18" name="六边形 17">
-              <a:extLst>
-                <a:ext uri="{FF2B5EF4-FFF2-40B4-BE49-F238E27FC236}">
-                  <a16:creationId xmlns:a16="http://schemas.microsoft.com/office/drawing/2014/main" id="{E8C97EC5-B929-45A0-A5ED-EED13B790C94}"/>
-                </a:ext>
-              </a:extLst>
-            </p:cNvPr>
-            <p:cNvSpPr/>
-            <p:nvPr/>
-          </p:nvSpPr>
-          <p:spPr>
-            <a:xfrm>
-              <a:off x="2715299" y="2202530"/>
-              <a:ext cx="1652843" cy="1424865"/>
-            </a:xfrm>
-            <a:prstGeom prst="hexagon">
-              <a:avLst/>
-            </a:prstGeom>
-          </p:spPr>
-          <p:style>
-            <a:lnRef idx="1">
-              <a:schemeClr val="dk1"/>
-            </a:lnRef>
-            <a:fillRef idx="3">
-              <a:schemeClr val="dk1"/>
-            </a:fillRef>
-            <a:effectRef idx="2">
-              <a:schemeClr val="dk1"/>
-            </a:effectRef>
-            <a:fontRef idx="minor">
-              <a:schemeClr val="lt1"/>
-            </a:fontRef>
-          </p:style>
-          <p:txBody>
-            <a:bodyPr rtlCol="0" anchor="ctr"/>
-            <a:lstStyle/>
-            <a:p>
-              <a:pPr algn="ctr"/>
-              <a:r>
-                <a:rPr lang="en-US" altLang="zh-CN" sz="1400" dirty="0"/>
-                <a:t>Docker</a:t>
-              </a:r>
-            </a:p>
-            <a:p>
-              <a:pPr algn="ctr"/>
-              <a:r>
-                <a:rPr lang="en-US" altLang="zh-CN" sz="1400" dirty="0"/>
-                <a:t>API</a:t>
-              </a:r>
-              <a:endParaRPr lang="zh-CN" altLang="en-US" sz="1400" dirty="0"/>
-            </a:p>
-          </p:txBody>
-        </p:sp>
-      </p:grpSp>
-      <p:grpSp>
-        <p:nvGrpSpPr>
-          <p:cNvPr id="3" name="组合 2">
-            <a:extLst>
-              <a:ext uri="{FF2B5EF4-FFF2-40B4-BE49-F238E27FC236}">
-                <a16:creationId xmlns:a16="http://schemas.microsoft.com/office/drawing/2014/main" id="{2D853134-A1C5-4051-90B3-2F2B1686495C}"/>
-              </a:ext>
-            </a:extLst>
-          </p:cNvPr>
-          <p:cNvGrpSpPr/>
-          <p:nvPr/>
-        </p:nvGrpSpPr>
-        <p:grpSpPr>
-          <a:xfrm>
-            <a:off x="6453273" y="1202469"/>
-            <a:ext cx="4983354" cy="5144461"/>
-            <a:chOff x="6319244" y="229547"/>
-            <a:chExt cx="5524567" cy="5703171"/>
-          </a:xfrm>
-        </p:grpSpPr>
-        <p:sp>
-          <p:nvSpPr>
-            <p:cNvPr id="4" name="六边形 3">
-              <a:extLst>
-                <a:ext uri="{FF2B5EF4-FFF2-40B4-BE49-F238E27FC236}">
-                  <a16:creationId xmlns:a16="http://schemas.microsoft.com/office/drawing/2014/main" id="{767CCBDA-114B-487A-B6F1-5B924C716707}"/>
-                </a:ext>
-              </a:extLst>
-            </p:cNvPr>
-            <p:cNvSpPr/>
-            <p:nvPr/>
-          </p:nvSpPr>
-          <p:spPr>
-            <a:xfrm>
-              <a:off x="6320254" y="229547"/>
-              <a:ext cx="1652843" cy="1424865"/>
-            </a:xfrm>
-            <a:prstGeom prst="hexagon">
-              <a:avLst/>
-            </a:prstGeom>
-          </p:spPr>
-          <p:style>
-            <a:lnRef idx="1">
-              <a:schemeClr val="accent6"/>
-            </a:lnRef>
-            <a:fillRef idx="2">
-              <a:schemeClr val="accent6"/>
-            </a:fillRef>
-            <a:effectRef idx="1">
-              <a:schemeClr val="accent6"/>
-            </a:effectRef>
-            <a:fontRef idx="minor">
-              <a:schemeClr val="dk1"/>
-            </a:fontRef>
-          </p:style>
-          <p:txBody>
-            <a:bodyPr rtlCol="0" anchor="ctr"/>
-            <a:lstStyle/>
-            <a:p>
-              <a:pPr algn="ctr"/>
-              <a:r>
-                <a:rPr lang="zh-CN" altLang="en-US" sz="1400" dirty="0"/>
-                <a:t>用户前端</a:t>
-              </a:r>
-            </a:p>
-          </p:txBody>
-        </p:sp>
-        <p:sp>
-          <p:nvSpPr>
-            <p:cNvPr id="5" name="六边形 4">
-              <a:extLst>
-                <a:ext uri="{FF2B5EF4-FFF2-40B4-BE49-F238E27FC236}">
-                  <a16:creationId xmlns:a16="http://schemas.microsoft.com/office/drawing/2014/main" id="{E1E9C886-3413-4984-A7B5-6C176C2AE7D6}"/>
-                </a:ext>
-              </a:extLst>
-            </p:cNvPr>
-            <p:cNvSpPr/>
-            <p:nvPr/>
-          </p:nvSpPr>
-          <p:spPr>
-            <a:xfrm>
-              <a:off x="7616881" y="941978"/>
-              <a:ext cx="1652843" cy="1424865"/>
-            </a:xfrm>
-            <a:prstGeom prst="hexagon">
-              <a:avLst/>
-            </a:prstGeom>
-          </p:spPr>
-          <p:style>
-            <a:lnRef idx="1">
-              <a:schemeClr val="accent6"/>
-            </a:lnRef>
-            <a:fillRef idx="2">
-              <a:schemeClr val="accent6"/>
-            </a:fillRef>
-            <a:effectRef idx="1">
-              <a:schemeClr val="accent6"/>
-            </a:effectRef>
-            <a:fontRef idx="minor">
-              <a:schemeClr val="dk1"/>
-            </a:fontRef>
-          </p:style>
-          <p:txBody>
-            <a:bodyPr rtlCol="0" anchor="ctr"/>
-            <a:lstStyle/>
-            <a:p>
-              <a:pPr algn="ctr"/>
-              <a:r>
-                <a:rPr lang="zh-CN" altLang="en-US" sz="1400" dirty="0"/>
-                <a:t>运维前端</a:t>
-              </a:r>
-            </a:p>
-          </p:txBody>
-        </p:sp>
-        <p:sp>
-          <p:nvSpPr>
-            <p:cNvPr id="8" name="六边形 7">
-              <a:extLst>
-                <a:ext uri="{FF2B5EF4-FFF2-40B4-BE49-F238E27FC236}">
-                  <a16:creationId xmlns:a16="http://schemas.microsoft.com/office/drawing/2014/main" id="{0591B2AB-09E6-475A-BDD7-9F25F147065D}"/>
-                </a:ext>
-              </a:extLst>
-            </p:cNvPr>
-            <p:cNvSpPr/>
-            <p:nvPr/>
-          </p:nvSpPr>
-          <p:spPr>
-            <a:xfrm>
-              <a:off x="8894342" y="3079278"/>
-              <a:ext cx="1652843" cy="1424865"/>
-            </a:xfrm>
-            <a:prstGeom prst="hexagon">
-              <a:avLst/>
-            </a:prstGeom>
-          </p:spPr>
-          <p:style>
-            <a:lnRef idx="0">
-              <a:schemeClr val="accent5"/>
-            </a:lnRef>
-            <a:fillRef idx="3">
-              <a:schemeClr val="accent5"/>
-            </a:fillRef>
-            <a:effectRef idx="3">
-              <a:schemeClr val="accent5"/>
-            </a:effectRef>
-            <a:fontRef idx="minor">
-              <a:schemeClr val="lt1"/>
-            </a:fontRef>
-          </p:style>
-          <p:txBody>
-            <a:bodyPr rtlCol="0" anchor="ctr"/>
-            <a:lstStyle/>
-            <a:p>
-              <a:pPr algn="ctr"/>
-              <a:r>
-                <a:rPr lang="zh-CN" altLang="en-US" sz="1400" dirty="0"/>
-                <a:t>通知系统</a:t>
-              </a:r>
-            </a:p>
-          </p:txBody>
-        </p:sp>
-        <p:sp>
-          <p:nvSpPr>
-            <p:cNvPr id="16" name="六边形 15">
-              <a:extLst>
-                <a:ext uri="{FF2B5EF4-FFF2-40B4-BE49-F238E27FC236}">
-                  <a16:creationId xmlns:a16="http://schemas.microsoft.com/office/drawing/2014/main" id="{E5E91220-B45F-4891-A6CF-33363FD17DD2}"/>
-                </a:ext>
-              </a:extLst>
-            </p:cNvPr>
-            <p:cNvSpPr/>
-            <p:nvPr/>
-          </p:nvSpPr>
-          <p:spPr>
-            <a:xfrm>
-              <a:off x="7597715" y="3791709"/>
-              <a:ext cx="1652843" cy="1424865"/>
-            </a:xfrm>
-            <a:prstGeom prst="hexagon">
-              <a:avLst/>
-            </a:prstGeom>
-          </p:spPr>
-          <p:style>
-            <a:lnRef idx="0">
-              <a:schemeClr val="accent5"/>
-            </a:lnRef>
-            <a:fillRef idx="3">
-              <a:schemeClr val="accent5"/>
-            </a:fillRef>
-            <a:effectRef idx="3">
-              <a:schemeClr val="accent5"/>
-            </a:effectRef>
-            <a:fontRef idx="minor">
-              <a:schemeClr val="lt1"/>
-            </a:fontRef>
-          </p:style>
-          <p:txBody>
-            <a:bodyPr rtlCol="0" anchor="ctr"/>
-            <a:lstStyle/>
-            <a:p>
-              <a:pPr algn="ctr"/>
-              <a:r>
-                <a:rPr lang="zh-CN" altLang="en-US" sz="1400" dirty="0"/>
-                <a:t>日志管理</a:t>
-              </a:r>
-            </a:p>
-          </p:txBody>
-        </p:sp>
-        <p:sp>
-          <p:nvSpPr>
-            <p:cNvPr id="27" name="六边形 26">
-              <a:extLst>
-                <a:ext uri="{FF2B5EF4-FFF2-40B4-BE49-F238E27FC236}">
-                  <a16:creationId xmlns:a16="http://schemas.microsoft.com/office/drawing/2014/main" id="{28567270-ED9E-49EA-B6EC-370452E6F0D6}"/>
-                </a:ext>
-              </a:extLst>
-            </p:cNvPr>
-            <p:cNvSpPr/>
-            <p:nvPr/>
-          </p:nvSpPr>
-          <p:spPr>
-            <a:xfrm>
-              <a:off x="6320255" y="1654412"/>
-              <a:ext cx="1652843" cy="1424865"/>
-            </a:xfrm>
-            <a:prstGeom prst="hexagon">
-              <a:avLst/>
-            </a:prstGeom>
-          </p:spPr>
-          <p:style>
-            <a:lnRef idx="0">
-              <a:schemeClr val="accent5"/>
-            </a:lnRef>
-            <a:fillRef idx="3">
-              <a:schemeClr val="accent5"/>
-            </a:fillRef>
-            <a:effectRef idx="3">
-              <a:schemeClr val="accent5"/>
-            </a:effectRef>
-            <a:fontRef idx="minor">
-              <a:schemeClr val="lt1"/>
-            </a:fontRef>
-          </p:style>
-          <p:txBody>
-            <a:bodyPr rtlCol="0" anchor="ctr"/>
-            <a:lstStyle/>
-            <a:p>
-              <a:pPr algn="ctr"/>
-              <a:r>
-                <a:rPr lang="zh-CN" altLang="en-US" sz="1400" dirty="0"/>
-                <a:t>中央控制</a:t>
-              </a:r>
-            </a:p>
-          </p:txBody>
-        </p:sp>
-        <p:sp>
-          <p:nvSpPr>
-            <p:cNvPr id="28" name="六边形 27">
-              <a:extLst>
-                <a:ext uri="{FF2B5EF4-FFF2-40B4-BE49-F238E27FC236}">
-                  <a16:creationId xmlns:a16="http://schemas.microsoft.com/office/drawing/2014/main" id="{61197671-FD1D-4C78-8ABE-D4EE5A9C1B38}"/>
-                </a:ext>
-              </a:extLst>
-            </p:cNvPr>
-            <p:cNvSpPr/>
-            <p:nvPr/>
-          </p:nvSpPr>
-          <p:spPr>
-            <a:xfrm>
-              <a:off x="7616881" y="2366843"/>
-              <a:ext cx="1652843" cy="1424865"/>
-            </a:xfrm>
-            <a:prstGeom prst="hexagon">
-              <a:avLst/>
-            </a:prstGeom>
-          </p:spPr>
-          <p:style>
-            <a:lnRef idx="0">
-              <a:schemeClr val="accent5"/>
-            </a:lnRef>
-            <a:fillRef idx="3">
-              <a:schemeClr val="accent5"/>
-            </a:fillRef>
-            <a:effectRef idx="3">
-              <a:schemeClr val="accent5"/>
-            </a:effectRef>
-            <a:fontRef idx="minor">
-              <a:schemeClr val="lt1"/>
-            </a:fontRef>
-          </p:style>
-          <p:txBody>
-            <a:bodyPr rtlCol="0" anchor="ctr"/>
-            <a:lstStyle/>
-            <a:p>
-              <a:pPr algn="ctr"/>
-              <a:r>
-                <a:rPr lang="zh-CN" altLang="en-US" sz="1400" dirty="0"/>
-                <a:t>产品管理</a:t>
-              </a:r>
-            </a:p>
-          </p:txBody>
-        </p:sp>
-        <p:sp>
-          <p:nvSpPr>
-            <p:cNvPr id="29" name="六边形 28">
-              <a:extLst>
-                <a:ext uri="{FF2B5EF4-FFF2-40B4-BE49-F238E27FC236}">
-                  <a16:creationId xmlns:a16="http://schemas.microsoft.com/office/drawing/2014/main" id="{D702E64B-DD2A-4922-96DE-1017A898EC4D}"/>
-                </a:ext>
-              </a:extLst>
-            </p:cNvPr>
-            <p:cNvSpPr/>
-            <p:nvPr/>
-          </p:nvSpPr>
-          <p:spPr>
-            <a:xfrm>
-              <a:off x="6319244" y="3066022"/>
-              <a:ext cx="1652843" cy="1424865"/>
-            </a:xfrm>
-            <a:prstGeom prst="hexagon">
-              <a:avLst/>
-            </a:prstGeom>
-          </p:spPr>
-          <p:style>
-            <a:lnRef idx="0">
-              <a:schemeClr val="accent5"/>
-            </a:lnRef>
-            <a:fillRef idx="3">
-              <a:schemeClr val="accent5"/>
-            </a:fillRef>
-            <a:effectRef idx="3">
-              <a:schemeClr val="accent5"/>
-            </a:effectRef>
-            <a:fontRef idx="minor">
-              <a:schemeClr val="lt1"/>
-            </a:fontRef>
-          </p:style>
-          <p:txBody>
-            <a:bodyPr rtlCol="0" anchor="ctr"/>
-            <a:lstStyle/>
-            <a:p>
-              <a:pPr algn="ctr"/>
-              <a:r>
-                <a:rPr lang="zh-CN" altLang="en-US" sz="1400" dirty="0"/>
-                <a:t>负载均衡</a:t>
-              </a:r>
-            </a:p>
-          </p:txBody>
-        </p:sp>
-        <p:sp>
-          <p:nvSpPr>
-            <p:cNvPr id="31" name="六边形 30">
-              <a:extLst>
-                <a:ext uri="{FF2B5EF4-FFF2-40B4-BE49-F238E27FC236}">
-                  <a16:creationId xmlns:a16="http://schemas.microsoft.com/office/drawing/2014/main" id="{CF178045-0D61-4A56-A668-CAA4445ECE7E}"/>
-                </a:ext>
-              </a:extLst>
-            </p:cNvPr>
-            <p:cNvSpPr/>
-            <p:nvPr/>
-          </p:nvSpPr>
-          <p:spPr>
-            <a:xfrm>
-              <a:off x="6320254" y="4498390"/>
-              <a:ext cx="1652843" cy="1424865"/>
-            </a:xfrm>
-            <a:prstGeom prst="hexagon">
-              <a:avLst/>
-            </a:prstGeom>
-          </p:spPr>
-          <p:style>
-            <a:lnRef idx="0">
-              <a:schemeClr val="accent4"/>
-            </a:lnRef>
-            <a:fillRef idx="3">
-              <a:schemeClr val="accent4"/>
-            </a:fillRef>
-            <a:effectRef idx="3">
-              <a:schemeClr val="accent4"/>
-            </a:effectRef>
-            <a:fontRef idx="minor">
-              <a:schemeClr val="lt1"/>
-            </a:fontRef>
-          </p:style>
-          <p:txBody>
-            <a:bodyPr rtlCol="0" anchor="ctr"/>
-            <a:lstStyle/>
-            <a:p>
-              <a:pPr algn="ctr"/>
-              <a:r>
-                <a:rPr lang="en-US" altLang="zh-CN" sz="1400" dirty="0" err="1"/>
-                <a:t>MySql</a:t>
-              </a:r>
-              <a:endParaRPr lang="zh-CN" altLang="en-US" sz="1400" dirty="0"/>
-            </a:p>
-          </p:txBody>
-        </p:sp>
-        <p:sp>
-          <p:nvSpPr>
-            <p:cNvPr id="43" name="六边形 42">
-              <a:extLst>
-                <a:ext uri="{FF2B5EF4-FFF2-40B4-BE49-F238E27FC236}">
-                  <a16:creationId xmlns:a16="http://schemas.microsoft.com/office/drawing/2014/main" id="{9C0AD4D6-6C07-47C6-90F1-A63EC26BF443}"/>
-                </a:ext>
-              </a:extLst>
-            </p:cNvPr>
-            <p:cNvSpPr/>
-            <p:nvPr/>
-          </p:nvSpPr>
-          <p:spPr>
-            <a:xfrm>
-              <a:off x="8903925" y="4507853"/>
-              <a:ext cx="1652843" cy="1424865"/>
-            </a:xfrm>
-            <a:prstGeom prst="hexagon">
-              <a:avLst/>
-            </a:prstGeom>
-          </p:spPr>
-          <p:style>
-            <a:lnRef idx="0">
-              <a:schemeClr val="accent4"/>
-            </a:lnRef>
-            <a:fillRef idx="3">
-              <a:schemeClr val="accent4"/>
-            </a:fillRef>
-            <a:effectRef idx="3">
-              <a:schemeClr val="accent4"/>
-            </a:effectRef>
-            <a:fontRef idx="minor">
-              <a:schemeClr val="lt1"/>
-            </a:fontRef>
-          </p:style>
-          <p:txBody>
-            <a:bodyPr rtlCol="0" anchor="ctr"/>
-            <a:lstStyle/>
-            <a:p>
-              <a:pPr algn="ctr"/>
-              <a:r>
-                <a:rPr lang="en-US" altLang="zh-CN" sz="1400" dirty="0" err="1"/>
-                <a:t>ActiveMQ</a:t>
-              </a:r>
-              <a:endParaRPr lang="zh-CN" altLang="en-US" sz="1400" dirty="0"/>
-            </a:p>
-          </p:txBody>
-        </p:sp>
-        <p:sp>
-          <p:nvSpPr>
-            <p:cNvPr id="9" name="六边形 8">
-              <a:extLst>
-                <a:ext uri="{FF2B5EF4-FFF2-40B4-BE49-F238E27FC236}">
-                  <a16:creationId xmlns:a16="http://schemas.microsoft.com/office/drawing/2014/main" id="{3F5CAD79-30BC-40C1-AE88-FCC5004AF5CC}"/>
-                </a:ext>
-              </a:extLst>
-            </p:cNvPr>
-            <p:cNvSpPr/>
-            <p:nvPr/>
-          </p:nvSpPr>
-          <p:spPr>
-            <a:xfrm>
-              <a:off x="10190968" y="3791710"/>
-              <a:ext cx="1652843" cy="1424865"/>
-            </a:xfrm>
-            <a:prstGeom prst="hexagon">
-              <a:avLst/>
-            </a:prstGeom>
-            <a:ln>
-              <a:solidFill>
-                <a:srgbClr val="FF0000"/>
-              </a:solidFill>
-            </a:ln>
-          </p:spPr>
-          <p:style>
-            <a:lnRef idx="0">
-              <a:schemeClr val="accent5"/>
-            </a:lnRef>
-            <a:fillRef idx="3">
-              <a:schemeClr val="accent5"/>
-            </a:fillRef>
-            <a:effectRef idx="3">
-              <a:schemeClr val="accent5"/>
-            </a:effectRef>
-            <a:fontRef idx="minor">
-              <a:schemeClr val="lt1"/>
-            </a:fontRef>
-          </p:style>
-          <p:txBody>
-            <a:bodyPr rtlCol="0" anchor="ctr"/>
-            <a:lstStyle/>
-            <a:p>
-              <a:pPr algn="ctr"/>
-              <a:r>
-                <a:rPr lang="zh-CN" altLang="en-US" sz="1400" dirty="0"/>
-                <a:t>消息网关</a:t>
-              </a:r>
-            </a:p>
-          </p:txBody>
-        </p:sp>
-      </p:grpSp>
-      <p:sp>
-        <p:nvSpPr>
-          <p:cNvPr id="10" name="箭头: 左右 9">
-            <a:extLst>
-              <a:ext uri="{FF2B5EF4-FFF2-40B4-BE49-F238E27FC236}">
-                <a16:creationId xmlns:a16="http://schemas.microsoft.com/office/drawing/2014/main" id="{BAEDEFCF-A2B2-465B-90E6-55698BC2C6D8}"/>
+                <a16:creationId xmlns:a16="http://schemas.microsoft.com/office/drawing/2014/main" id="{03A7C688-1680-4124-8C39-21E7C4F85106}"/>
               </a:ext>
             </a:extLst>
           </p:cNvPr>
@@ -14967,69 +16782,25 @@
         </p:nvSpPr>
         <p:spPr>
           <a:xfrm>
-            <a:off x="5032717" y="406147"/>
-            <a:ext cx="1018874" cy="450574"/>
+            <a:off x="2214267" y="1574302"/>
+            <a:ext cx="1490923" cy="1285279"/>
           </a:xfrm>
-          <a:prstGeom prst="leftRightArrow">
+          <a:prstGeom prst="hexagon">
             <a:avLst/>
           </a:prstGeom>
         </p:spPr>
         <p:style>
-          <a:lnRef idx="1">
+          <a:lnRef idx="0">
             <a:schemeClr val="accent5"/>
           </a:lnRef>
-          <a:fillRef idx="2">
+          <a:fillRef idx="3">
             <a:schemeClr val="accent5"/>
           </a:fillRef>
-          <a:effectRef idx="1">
+          <a:effectRef idx="3">
             <a:schemeClr val="accent5"/>
           </a:effectRef>
           <a:fontRef idx="minor">
-            <a:schemeClr val="dk1"/>
-          </a:fontRef>
-        </p:style>
-        <p:txBody>
-          <a:bodyPr rtlCol="0" anchor="ctr"/>
-          <a:lstStyle/>
-          <a:p>
-            <a:pPr algn="ctr"/>
-            <a:endParaRPr lang="zh-CN" altLang="en-US" dirty="0"/>
-          </a:p>
-        </p:txBody>
-      </p:sp>
-      <p:sp>
-        <p:nvSpPr>
-          <p:cNvPr id="15" name="矩形: 圆角 14">
-            <a:extLst>
-              <a:ext uri="{FF2B5EF4-FFF2-40B4-BE49-F238E27FC236}">
-                <a16:creationId xmlns:a16="http://schemas.microsoft.com/office/drawing/2014/main" id="{21DC6FCD-C0C3-46D3-9D10-64681F53E991}"/>
-              </a:ext>
-            </a:extLst>
-          </p:cNvPr>
-          <p:cNvSpPr/>
-          <p:nvPr/>
-        </p:nvSpPr>
-        <p:spPr>
-          <a:xfrm>
-            <a:off x="2091714" y="390682"/>
-            <a:ext cx="1433177" cy="578425"/>
-          </a:xfrm>
-          <a:prstGeom prst="roundRect">
-            <a:avLst/>
-          </a:prstGeom>
-        </p:spPr>
-        <p:style>
-          <a:lnRef idx="2">
-            <a:schemeClr val="dk1"/>
-          </a:lnRef>
-          <a:fillRef idx="1">
             <a:schemeClr val="lt1"/>
-          </a:fillRef>
-          <a:effectRef idx="0">
-            <a:schemeClr val="dk1"/>
-          </a:effectRef>
-          <a:fontRef idx="minor">
-            <a:schemeClr val="dk1"/>
           </a:fontRef>
         </p:style>
         <p:txBody>
@@ -15038,55 +16809,8 @@
           <a:p>
             <a:pPr algn="ctr"/>
             <a:r>
-              <a:rPr lang="zh-CN" altLang="en-US" dirty="0"/>
-              <a:t>客户端</a:t>
-            </a:r>
-          </a:p>
-        </p:txBody>
-      </p:sp>
-      <p:sp>
-        <p:nvSpPr>
-          <p:cNvPr id="30" name="矩形: 圆角 29">
-            <a:extLst>
-              <a:ext uri="{FF2B5EF4-FFF2-40B4-BE49-F238E27FC236}">
-                <a16:creationId xmlns:a16="http://schemas.microsoft.com/office/drawing/2014/main" id="{1BDD5442-BF2B-4A54-A374-B06C8304537D}"/>
-              </a:ext>
-            </a:extLst>
-          </p:cNvPr>
-          <p:cNvSpPr/>
-          <p:nvPr/>
-        </p:nvSpPr>
-        <p:spPr>
-          <a:xfrm>
-            <a:off x="7630692" y="342221"/>
-            <a:ext cx="1433177" cy="578425"/>
-          </a:xfrm>
-          <a:prstGeom prst="roundRect">
-            <a:avLst/>
-          </a:prstGeom>
-        </p:spPr>
-        <p:style>
-          <a:lnRef idx="2">
-            <a:schemeClr val="dk1"/>
-          </a:lnRef>
-          <a:fillRef idx="1">
-            <a:schemeClr val="lt1"/>
-          </a:fillRef>
-          <a:effectRef idx="0">
-            <a:schemeClr val="dk1"/>
-          </a:effectRef>
-          <a:fontRef idx="minor">
-            <a:schemeClr val="dk1"/>
-          </a:fontRef>
-        </p:style>
-        <p:txBody>
-          <a:bodyPr rtlCol="0" anchor="ctr"/>
-          <a:lstStyle/>
-          <a:p>
-            <a:pPr algn="ctr"/>
-            <a:r>
-              <a:rPr lang="zh-CN" altLang="en-US" dirty="0"/>
-              <a:t>中央控制端</a:t>
+              <a:rPr lang="zh-CN" altLang="en-US" sz="1400" dirty="0"/>
+              <a:t>容器监测</a:t>
             </a:r>
           </a:p>
         </p:txBody>
@@ -15104,7 +16828,7 @@
 </p:sld>
 </file>
 
-<file path=ppt/slides/slide7.xml><?xml version="1.0" encoding="utf-8"?>
+<file path=ppt/slides/slide8.xml><?xml version="1.0" encoding="utf-8"?>
 <p:sld xmlns:a="http://schemas.openxmlformats.org/drawingml/2006/main" xmlns:r="http://schemas.openxmlformats.org/officeDocument/2006/relationships" xmlns:p="http://schemas.openxmlformats.org/presentationml/2006/main">
   <p:cSld>
     <p:spTree>
@@ -16293,7 +18017,7 @@
 </p:sld>
 </file>
 
-<file path=ppt/slides/slide8.xml><?xml version="1.0" encoding="utf-8"?>
+<file path=ppt/slides/slide9.xml><?xml version="1.0" encoding="utf-8"?>
 <p:sld xmlns:a="http://schemas.openxmlformats.org/drawingml/2006/main" xmlns:r="http://schemas.openxmlformats.org/officeDocument/2006/relationships" xmlns:p="http://schemas.openxmlformats.org/presentationml/2006/main">
   <p:cSld>
     <p:spTree>
@@ -16995,718 +18719,6 @@
 </p:sld>
 </file>
 
-<file path=ppt/slides/slide9.xml><?xml version="1.0" encoding="utf-8"?>
-<p:sld xmlns:a="http://schemas.openxmlformats.org/drawingml/2006/main" xmlns:r="http://schemas.openxmlformats.org/officeDocument/2006/relationships" xmlns:p="http://schemas.openxmlformats.org/presentationml/2006/main">
-  <p:cSld>
-    <p:spTree>
-      <p:nvGrpSpPr>
-        <p:cNvPr id="1" name=""/>
-        <p:cNvGrpSpPr/>
-        <p:nvPr/>
-      </p:nvGrpSpPr>
-      <p:grpSpPr>
-        <a:xfrm>
-          <a:off x="0" y="0"/>
-          <a:ext cx="0" cy="0"/>
-          <a:chOff x="0" y="0"/>
-          <a:chExt cx="0" cy="0"/>
-        </a:xfrm>
-      </p:grpSpPr>
-      <p:grpSp>
-        <p:nvGrpSpPr>
-          <p:cNvPr id="2" name="组合 1">
-            <a:extLst>
-              <a:ext uri="{FF2B5EF4-FFF2-40B4-BE49-F238E27FC236}">
-                <a16:creationId xmlns:a16="http://schemas.microsoft.com/office/drawing/2014/main" id="{8AF2023B-865D-4386-B1F2-6B01BD1A3DB3}"/>
-              </a:ext>
-            </a:extLst>
-          </p:cNvPr>
-          <p:cNvGrpSpPr/>
-          <p:nvPr/>
-        </p:nvGrpSpPr>
-        <p:grpSpPr>
-          <a:xfrm>
-            <a:off x="4263888" y="860877"/>
-            <a:ext cx="5542722" cy="5686208"/>
-            <a:chOff x="4263888" y="860877"/>
-            <a:chExt cx="5542722" cy="5686208"/>
-          </a:xfrm>
-        </p:grpSpPr>
-        <p:sp>
-          <p:nvSpPr>
-            <p:cNvPr id="4" name="六边形 3">
-              <a:extLst>
-                <a:ext uri="{FF2B5EF4-FFF2-40B4-BE49-F238E27FC236}">
-                  <a16:creationId xmlns:a16="http://schemas.microsoft.com/office/drawing/2014/main" id="{767CCBDA-114B-487A-B6F1-5B924C716707}"/>
-                </a:ext>
-              </a:extLst>
-            </p:cNvPr>
-            <p:cNvSpPr/>
-            <p:nvPr/>
-          </p:nvSpPr>
-          <p:spPr>
-            <a:xfrm>
-              <a:off x="4263888" y="2984923"/>
-              <a:ext cx="1652843" cy="1424865"/>
-            </a:xfrm>
-            <a:prstGeom prst="hexagon">
-              <a:avLst/>
-            </a:prstGeom>
-          </p:spPr>
-          <p:style>
-            <a:lnRef idx="1">
-              <a:schemeClr val="accent6"/>
-            </a:lnRef>
-            <a:fillRef idx="2">
-              <a:schemeClr val="accent6"/>
-            </a:fillRef>
-            <a:effectRef idx="1">
-              <a:schemeClr val="accent6"/>
-            </a:effectRef>
-            <a:fontRef idx="minor">
-              <a:schemeClr val="dk1"/>
-            </a:fontRef>
-          </p:style>
-          <p:txBody>
-            <a:bodyPr rtlCol="0" anchor="ctr"/>
-            <a:lstStyle/>
-            <a:p>
-              <a:pPr algn="ctr"/>
-              <a:r>
-                <a:rPr lang="zh-CN" altLang="en-US" dirty="0"/>
-                <a:t>用户前端</a:t>
-              </a:r>
-            </a:p>
-          </p:txBody>
-        </p:sp>
-        <p:sp>
-          <p:nvSpPr>
-            <p:cNvPr id="5" name="六边形 4">
-              <a:extLst>
-                <a:ext uri="{FF2B5EF4-FFF2-40B4-BE49-F238E27FC236}">
-                  <a16:creationId xmlns:a16="http://schemas.microsoft.com/office/drawing/2014/main" id="{E1E9C886-3413-4984-A7B5-6C176C2AE7D6}"/>
-                </a:ext>
-              </a:extLst>
-            </p:cNvPr>
-            <p:cNvSpPr/>
-            <p:nvPr/>
-          </p:nvSpPr>
-          <p:spPr>
-            <a:xfrm>
-              <a:off x="6857141" y="2984924"/>
-              <a:ext cx="1652843" cy="1424865"/>
-            </a:xfrm>
-            <a:prstGeom prst="hexagon">
-              <a:avLst/>
-            </a:prstGeom>
-          </p:spPr>
-          <p:style>
-            <a:lnRef idx="1">
-              <a:schemeClr val="accent6"/>
-            </a:lnRef>
-            <a:fillRef idx="2">
-              <a:schemeClr val="accent6"/>
-            </a:fillRef>
-            <a:effectRef idx="1">
-              <a:schemeClr val="accent6"/>
-            </a:effectRef>
-            <a:fontRef idx="minor">
-              <a:schemeClr val="dk1"/>
-            </a:fontRef>
-          </p:style>
-          <p:txBody>
-            <a:bodyPr rtlCol="0" anchor="ctr"/>
-            <a:lstStyle/>
-            <a:p>
-              <a:pPr algn="ctr"/>
-              <a:r>
-                <a:rPr lang="zh-CN" altLang="en-US" dirty="0"/>
-                <a:t>运维前端</a:t>
-              </a:r>
-            </a:p>
-          </p:txBody>
-        </p:sp>
-        <p:sp>
-          <p:nvSpPr>
-            <p:cNvPr id="6" name="六边形 5">
-              <a:extLst>
-                <a:ext uri="{FF2B5EF4-FFF2-40B4-BE49-F238E27FC236}">
-                  <a16:creationId xmlns:a16="http://schemas.microsoft.com/office/drawing/2014/main" id="{21B8DE38-2906-4E7D-852E-1284230FD782}"/>
-                </a:ext>
-              </a:extLst>
-            </p:cNvPr>
-            <p:cNvSpPr/>
-            <p:nvPr/>
-          </p:nvSpPr>
-          <p:spPr>
-            <a:xfrm>
-              <a:off x="5560514" y="3697356"/>
-              <a:ext cx="1652843" cy="1424865"/>
-            </a:xfrm>
-            <a:prstGeom prst="hexagon">
-              <a:avLst/>
-            </a:prstGeom>
-          </p:spPr>
-          <p:style>
-            <a:lnRef idx="0">
-              <a:schemeClr val="accent5"/>
-            </a:lnRef>
-            <a:fillRef idx="3">
-              <a:schemeClr val="accent5"/>
-            </a:fillRef>
-            <a:effectRef idx="3">
-              <a:schemeClr val="accent5"/>
-            </a:effectRef>
-            <a:fontRef idx="minor">
-              <a:schemeClr val="lt1"/>
-            </a:fontRef>
-          </p:style>
-          <p:txBody>
-            <a:bodyPr rtlCol="0" anchor="ctr"/>
-            <a:lstStyle/>
-            <a:p>
-              <a:pPr algn="ctr"/>
-              <a:r>
-                <a:rPr lang="zh-CN" altLang="en-US" dirty="0"/>
-                <a:t>容器监测</a:t>
-              </a:r>
-            </a:p>
-          </p:txBody>
-        </p:sp>
-        <p:sp>
-          <p:nvSpPr>
-            <p:cNvPr id="7" name="六边形 6">
-              <a:extLst>
-                <a:ext uri="{FF2B5EF4-FFF2-40B4-BE49-F238E27FC236}">
-                  <a16:creationId xmlns:a16="http://schemas.microsoft.com/office/drawing/2014/main" id="{F6EFA57E-22F1-4A35-9CDA-494FE99DECC8}"/>
-                </a:ext>
-              </a:extLst>
-            </p:cNvPr>
-            <p:cNvSpPr/>
-            <p:nvPr/>
-          </p:nvSpPr>
-          <p:spPr>
-            <a:xfrm>
-              <a:off x="5560514" y="2272490"/>
-              <a:ext cx="1652843" cy="1424865"/>
-            </a:xfrm>
-            <a:prstGeom prst="hexagon">
-              <a:avLst/>
-            </a:prstGeom>
-          </p:spPr>
-          <p:style>
-            <a:lnRef idx="0">
-              <a:schemeClr val="accent5"/>
-            </a:lnRef>
-            <a:fillRef idx="3">
-              <a:schemeClr val="accent5"/>
-            </a:fillRef>
-            <a:effectRef idx="3">
-              <a:schemeClr val="accent5"/>
-            </a:effectRef>
-            <a:fontRef idx="minor">
-              <a:schemeClr val="lt1"/>
-            </a:fontRef>
-          </p:style>
-          <p:txBody>
-            <a:bodyPr rtlCol="0" anchor="ctr"/>
-            <a:lstStyle/>
-            <a:p>
-              <a:pPr algn="ctr"/>
-              <a:r>
-                <a:rPr lang="zh-CN" altLang="en-US" dirty="0"/>
-                <a:t>自动发布</a:t>
-              </a:r>
-            </a:p>
-          </p:txBody>
-        </p:sp>
-        <p:sp>
-          <p:nvSpPr>
-            <p:cNvPr id="8" name="六边形 7">
-              <a:extLst>
-                <a:ext uri="{FF2B5EF4-FFF2-40B4-BE49-F238E27FC236}">
-                  <a16:creationId xmlns:a16="http://schemas.microsoft.com/office/drawing/2014/main" id="{0591B2AB-09E6-475A-BDD7-9F25F147065D}"/>
-                </a:ext>
-              </a:extLst>
-            </p:cNvPr>
-            <p:cNvSpPr/>
-            <p:nvPr/>
-          </p:nvSpPr>
-          <p:spPr>
-            <a:xfrm>
-              <a:off x="6857141" y="4409788"/>
-              <a:ext cx="1652843" cy="1424865"/>
-            </a:xfrm>
-            <a:prstGeom prst="hexagon">
-              <a:avLst/>
-            </a:prstGeom>
-          </p:spPr>
-          <p:style>
-            <a:lnRef idx="0">
-              <a:schemeClr val="accent5"/>
-            </a:lnRef>
-            <a:fillRef idx="3">
-              <a:schemeClr val="accent5"/>
-            </a:fillRef>
-            <a:effectRef idx="3">
-              <a:schemeClr val="accent5"/>
-            </a:effectRef>
-            <a:fontRef idx="minor">
-              <a:schemeClr val="lt1"/>
-            </a:fontRef>
-          </p:style>
-          <p:txBody>
-            <a:bodyPr rtlCol="0" anchor="ctr"/>
-            <a:lstStyle/>
-            <a:p>
-              <a:pPr algn="ctr"/>
-              <a:r>
-                <a:rPr lang="zh-CN" altLang="en-US" dirty="0"/>
-                <a:t>通知系统</a:t>
-              </a:r>
-            </a:p>
-          </p:txBody>
-        </p:sp>
-        <p:sp>
-          <p:nvSpPr>
-            <p:cNvPr id="9" name="六边形 8">
-              <a:extLst>
-                <a:ext uri="{FF2B5EF4-FFF2-40B4-BE49-F238E27FC236}">
-                  <a16:creationId xmlns:a16="http://schemas.microsoft.com/office/drawing/2014/main" id="{3F5CAD79-30BC-40C1-AE88-FCC5004AF5CC}"/>
-                </a:ext>
-              </a:extLst>
-            </p:cNvPr>
-            <p:cNvSpPr/>
-            <p:nvPr/>
-          </p:nvSpPr>
-          <p:spPr>
-            <a:xfrm>
-              <a:off x="8153767" y="5122220"/>
-              <a:ext cx="1652843" cy="1424865"/>
-            </a:xfrm>
-            <a:prstGeom prst="hexagon">
-              <a:avLst/>
-            </a:prstGeom>
-            <a:ln>
-              <a:solidFill>
-                <a:srgbClr val="FF0000"/>
-              </a:solidFill>
-            </a:ln>
-          </p:spPr>
-          <p:style>
-            <a:lnRef idx="0">
-              <a:schemeClr val="accent5"/>
-            </a:lnRef>
-            <a:fillRef idx="3">
-              <a:schemeClr val="accent5"/>
-            </a:fillRef>
-            <a:effectRef idx="3">
-              <a:schemeClr val="accent5"/>
-            </a:effectRef>
-            <a:fontRef idx="minor">
-              <a:schemeClr val="lt1"/>
-            </a:fontRef>
-          </p:style>
-          <p:txBody>
-            <a:bodyPr rtlCol="0" anchor="ctr"/>
-            <a:lstStyle/>
-            <a:p>
-              <a:pPr algn="ctr"/>
-              <a:r>
-                <a:rPr lang="zh-CN" altLang="en-US" dirty="0"/>
-                <a:t>消息网关</a:t>
-              </a:r>
-            </a:p>
-          </p:txBody>
-        </p:sp>
-        <p:sp>
-          <p:nvSpPr>
-            <p:cNvPr id="16" name="六边形 15">
-              <a:extLst>
-                <a:ext uri="{FF2B5EF4-FFF2-40B4-BE49-F238E27FC236}">
-                  <a16:creationId xmlns:a16="http://schemas.microsoft.com/office/drawing/2014/main" id="{E5E91220-B45F-4891-A6CF-33363FD17DD2}"/>
-                </a:ext>
-              </a:extLst>
-            </p:cNvPr>
-            <p:cNvSpPr/>
-            <p:nvPr/>
-          </p:nvSpPr>
-          <p:spPr>
-            <a:xfrm>
-              <a:off x="5560514" y="5122220"/>
-              <a:ext cx="1652843" cy="1424865"/>
-            </a:xfrm>
-            <a:prstGeom prst="hexagon">
-              <a:avLst/>
-            </a:prstGeom>
-          </p:spPr>
-          <p:style>
-            <a:lnRef idx="0">
-              <a:schemeClr val="accent5"/>
-            </a:lnRef>
-            <a:fillRef idx="3">
-              <a:schemeClr val="accent5"/>
-            </a:fillRef>
-            <a:effectRef idx="3">
-              <a:schemeClr val="accent5"/>
-            </a:effectRef>
-            <a:fontRef idx="minor">
-              <a:schemeClr val="lt1"/>
-            </a:fontRef>
-          </p:style>
-          <p:txBody>
-            <a:bodyPr rtlCol="0" anchor="ctr"/>
-            <a:lstStyle/>
-            <a:p>
-              <a:pPr algn="ctr"/>
-              <a:r>
-                <a:rPr lang="zh-CN" altLang="en-US" dirty="0"/>
-                <a:t>日志管理</a:t>
-              </a:r>
-            </a:p>
-          </p:txBody>
-        </p:sp>
-        <p:sp>
-          <p:nvSpPr>
-            <p:cNvPr id="15" name="六边形 14">
-              <a:extLst>
-                <a:ext uri="{FF2B5EF4-FFF2-40B4-BE49-F238E27FC236}">
-                  <a16:creationId xmlns:a16="http://schemas.microsoft.com/office/drawing/2014/main" id="{4DD5AD0D-CD5C-4C32-A67B-FDC447651082}"/>
-                </a:ext>
-              </a:extLst>
-            </p:cNvPr>
-            <p:cNvSpPr/>
-            <p:nvPr/>
-          </p:nvSpPr>
-          <p:spPr>
-            <a:xfrm>
-              <a:off x="5547262" y="860877"/>
-              <a:ext cx="1652843" cy="1424865"/>
-            </a:xfrm>
-            <a:prstGeom prst="hexagon">
-              <a:avLst/>
-            </a:prstGeom>
-          </p:spPr>
-          <p:style>
-            <a:lnRef idx="1">
-              <a:schemeClr val="dk1"/>
-            </a:lnRef>
-            <a:fillRef idx="3">
-              <a:schemeClr val="dk1"/>
-            </a:fillRef>
-            <a:effectRef idx="2">
-              <a:schemeClr val="dk1"/>
-            </a:effectRef>
-            <a:fontRef idx="minor">
-              <a:schemeClr val="lt1"/>
-            </a:fontRef>
-          </p:style>
-          <p:txBody>
-            <a:bodyPr rtlCol="0" anchor="ctr"/>
-            <a:lstStyle/>
-            <a:p>
-              <a:pPr algn="ctr"/>
-              <a:r>
-                <a:rPr lang="zh-CN" altLang="en-US" dirty="0"/>
-                <a:t>自动发布</a:t>
-              </a:r>
-              <a:endParaRPr lang="en-US" altLang="zh-CN" dirty="0"/>
-            </a:p>
-            <a:p>
-              <a:pPr algn="ctr"/>
-              <a:r>
-                <a:rPr lang="en-US" altLang="zh-CN" dirty="0"/>
-                <a:t>Shell</a:t>
-              </a:r>
-              <a:r>
-                <a:rPr lang="zh-CN" altLang="en-US" dirty="0"/>
-                <a:t>脚本</a:t>
-              </a:r>
-            </a:p>
-          </p:txBody>
-        </p:sp>
-      </p:grpSp>
-      <p:grpSp>
-        <p:nvGrpSpPr>
-          <p:cNvPr id="18" name="组合 17">
-            <a:extLst>
-              <a:ext uri="{FF2B5EF4-FFF2-40B4-BE49-F238E27FC236}">
-                <a16:creationId xmlns:a16="http://schemas.microsoft.com/office/drawing/2014/main" id="{D011D625-D081-471D-A0E1-9088355F7C84}"/>
-              </a:ext>
-            </a:extLst>
-          </p:cNvPr>
-          <p:cNvGrpSpPr/>
-          <p:nvPr/>
-        </p:nvGrpSpPr>
-        <p:grpSpPr>
-          <a:xfrm>
-            <a:off x="397566" y="4340609"/>
-            <a:ext cx="2107095" cy="2206476"/>
-            <a:chOff x="437322" y="3498574"/>
-            <a:chExt cx="2488095" cy="2670302"/>
-          </a:xfrm>
-        </p:grpSpPr>
-        <p:sp>
-          <p:nvSpPr>
-            <p:cNvPr id="11" name="六边形 10">
-              <a:extLst>
-                <a:ext uri="{FF2B5EF4-FFF2-40B4-BE49-F238E27FC236}">
-                  <a16:creationId xmlns:a16="http://schemas.microsoft.com/office/drawing/2014/main" id="{991F4DA1-2B76-49D6-9F0B-27F016C9FD0B}"/>
-                </a:ext>
-              </a:extLst>
-            </p:cNvPr>
-            <p:cNvSpPr/>
-            <p:nvPr/>
-          </p:nvSpPr>
-          <p:spPr>
-            <a:xfrm>
-              <a:off x="1132533" y="4015406"/>
-              <a:ext cx="999210" cy="861388"/>
-            </a:xfrm>
-            <a:prstGeom prst="hexagon">
-              <a:avLst/>
-            </a:prstGeom>
-          </p:spPr>
-          <p:style>
-            <a:lnRef idx="1">
-              <a:schemeClr val="accent6"/>
-            </a:lnRef>
-            <a:fillRef idx="2">
-              <a:schemeClr val="accent6"/>
-            </a:fillRef>
-            <a:effectRef idx="1">
-              <a:schemeClr val="accent6"/>
-            </a:effectRef>
-            <a:fontRef idx="minor">
-              <a:schemeClr val="dk1"/>
-            </a:fontRef>
-          </p:style>
-          <p:txBody>
-            <a:bodyPr rtlCol="0" anchor="ctr"/>
-            <a:lstStyle/>
-            <a:p>
-              <a:pPr algn="ctr"/>
-              <a:r>
-                <a:rPr lang="zh-CN" altLang="en-US" sz="1200" dirty="0"/>
-                <a:t>前端</a:t>
-              </a:r>
-            </a:p>
-          </p:txBody>
-        </p:sp>
-        <p:sp>
-          <p:nvSpPr>
-            <p:cNvPr id="12" name="六边形 11">
-              <a:extLst>
-                <a:ext uri="{FF2B5EF4-FFF2-40B4-BE49-F238E27FC236}">
-                  <a16:creationId xmlns:a16="http://schemas.microsoft.com/office/drawing/2014/main" id="{98C8D21E-6A7E-4282-9E91-9B46CDCAAC1F}"/>
-                </a:ext>
-              </a:extLst>
-            </p:cNvPr>
-            <p:cNvSpPr/>
-            <p:nvPr/>
-          </p:nvSpPr>
-          <p:spPr>
-            <a:xfrm>
-              <a:off x="1132533" y="4876794"/>
-              <a:ext cx="999210" cy="861388"/>
-            </a:xfrm>
-            <a:prstGeom prst="hexagon">
-              <a:avLst/>
-            </a:prstGeom>
-          </p:spPr>
-          <p:style>
-            <a:lnRef idx="0">
-              <a:schemeClr val="accent5"/>
-            </a:lnRef>
-            <a:fillRef idx="3">
-              <a:schemeClr val="accent5"/>
-            </a:fillRef>
-            <a:effectRef idx="3">
-              <a:schemeClr val="accent5"/>
-            </a:effectRef>
-            <a:fontRef idx="minor">
-              <a:schemeClr val="lt1"/>
-            </a:fontRef>
-          </p:style>
-          <p:txBody>
-            <a:bodyPr rtlCol="0" anchor="ctr"/>
-            <a:lstStyle/>
-            <a:p>
-              <a:pPr algn="ctr"/>
-              <a:r>
-                <a:rPr lang="zh-CN" altLang="en-US" sz="1200" dirty="0"/>
-                <a:t>微服务</a:t>
-              </a:r>
-            </a:p>
-          </p:txBody>
-        </p:sp>
-        <p:sp>
-          <p:nvSpPr>
-            <p:cNvPr id="13" name="六边形 12">
-              <a:extLst>
-                <a:ext uri="{FF2B5EF4-FFF2-40B4-BE49-F238E27FC236}">
-                  <a16:creationId xmlns:a16="http://schemas.microsoft.com/office/drawing/2014/main" id="{9A9E442B-17B5-4E81-99CE-0CE8D25A2CC2}"/>
-                </a:ext>
-              </a:extLst>
-            </p:cNvPr>
-            <p:cNvSpPr/>
-            <p:nvPr/>
-          </p:nvSpPr>
-          <p:spPr>
-            <a:xfrm>
-              <a:off x="1926207" y="5307488"/>
-              <a:ext cx="999210" cy="861388"/>
-            </a:xfrm>
-            <a:prstGeom prst="hexagon">
-              <a:avLst/>
-            </a:prstGeom>
-          </p:spPr>
-          <p:style>
-            <a:lnRef idx="0">
-              <a:schemeClr val="dk1"/>
-            </a:lnRef>
-            <a:fillRef idx="3">
-              <a:schemeClr val="dk1"/>
-            </a:fillRef>
-            <a:effectRef idx="3">
-              <a:schemeClr val="dk1"/>
-            </a:effectRef>
-            <a:fontRef idx="minor">
-              <a:schemeClr val="lt1"/>
-            </a:fontRef>
-          </p:style>
-          <p:txBody>
-            <a:bodyPr rtlCol="0" anchor="ctr"/>
-            <a:lstStyle/>
-            <a:p>
-              <a:pPr algn="ctr"/>
-              <a:r>
-                <a:rPr lang="en-US" altLang="zh-CN" sz="1200" dirty="0"/>
-                <a:t>Shell</a:t>
-              </a:r>
-              <a:endParaRPr lang="zh-CN" altLang="en-US" sz="1200" dirty="0"/>
-            </a:p>
-          </p:txBody>
-        </p:sp>
-        <p:sp>
-          <p:nvSpPr>
-            <p:cNvPr id="14" name="矩形 13">
-              <a:extLst>
-                <a:ext uri="{FF2B5EF4-FFF2-40B4-BE49-F238E27FC236}">
-                  <a16:creationId xmlns:a16="http://schemas.microsoft.com/office/drawing/2014/main" id="{25187D6C-4B08-4999-A5D0-347E7E150A0D}"/>
-                </a:ext>
-              </a:extLst>
-            </p:cNvPr>
-            <p:cNvSpPr/>
-            <p:nvPr/>
-          </p:nvSpPr>
-          <p:spPr>
-            <a:xfrm>
-              <a:off x="437322" y="3498574"/>
-              <a:ext cx="848139" cy="397565"/>
-            </a:xfrm>
-            <a:prstGeom prst="rect">
-              <a:avLst/>
-            </a:prstGeom>
-            <a:ln>
-              <a:noFill/>
-            </a:ln>
-          </p:spPr>
-          <p:style>
-            <a:lnRef idx="2">
-              <a:schemeClr val="dk1"/>
-            </a:lnRef>
-            <a:fillRef idx="1">
-              <a:schemeClr val="lt1"/>
-            </a:fillRef>
-            <a:effectRef idx="0">
-              <a:schemeClr val="dk1"/>
-            </a:effectRef>
-            <a:fontRef idx="minor">
-              <a:schemeClr val="dk1"/>
-            </a:fontRef>
-          </p:style>
-          <p:txBody>
-            <a:bodyPr rtlCol="0" anchor="ctr"/>
-            <a:lstStyle/>
-            <a:p>
-              <a:pPr algn="ctr"/>
-              <a:r>
-                <a:rPr lang="zh-CN" altLang="en-US" dirty="0"/>
-                <a:t>图例</a:t>
-              </a:r>
-              <a:r>
-                <a:rPr lang="en-US" altLang="zh-CN" dirty="0"/>
-                <a:t>:</a:t>
-              </a:r>
-              <a:endParaRPr lang="zh-CN" altLang="en-US" dirty="0"/>
-            </a:p>
-          </p:txBody>
-        </p:sp>
-        <p:sp>
-          <p:nvSpPr>
-            <p:cNvPr id="17" name="六边形 16">
-              <a:extLst>
-                <a:ext uri="{FF2B5EF4-FFF2-40B4-BE49-F238E27FC236}">
-                  <a16:creationId xmlns:a16="http://schemas.microsoft.com/office/drawing/2014/main" id="{8A56DFE1-E14E-4BF1-9C55-234458BC95A3}"/>
-                </a:ext>
-              </a:extLst>
-            </p:cNvPr>
-            <p:cNvSpPr/>
-            <p:nvPr/>
-          </p:nvSpPr>
-          <p:spPr>
-            <a:xfrm>
-              <a:off x="1926207" y="4446100"/>
-              <a:ext cx="999210" cy="861388"/>
-            </a:xfrm>
-            <a:prstGeom prst="hexagon">
-              <a:avLst/>
-            </a:prstGeom>
-          </p:spPr>
-          <p:style>
-            <a:lnRef idx="2">
-              <a:schemeClr val="accent4">
-                <a:shade val="50000"/>
-              </a:schemeClr>
-            </a:lnRef>
-            <a:fillRef idx="1">
-              <a:schemeClr val="accent4"/>
-            </a:fillRef>
-            <a:effectRef idx="0">
-              <a:schemeClr val="accent4"/>
-            </a:effectRef>
-            <a:fontRef idx="minor">
-              <a:schemeClr val="lt1"/>
-            </a:fontRef>
-          </p:style>
-          <p:txBody>
-            <a:bodyPr rtlCol="0" anchor="ctr"/>
-            <a:lstStyle/>
-            <a:p>
-              <a:pPr algn="ctr"/>
-              <a:r>
-                <a:rPr lang="en-US" altLang="zh-CN" sz="1200" dirty="0"/>
-                <a:t>DB</a:t>
-              </a:r>
-              <a:endParaRPr lang="zh-CN" altLang="en-US" sz="1200" dirty="0"/>
-            </a:p>
-          </p:txBody>
-        </p:sp>
-      </p:grpSp>
-    </p:spTree>
-    <p:extLst>
-      <p:ext uri="{BB962C8B-B14F-4D97-AF65-F5344CB8AC3E}">
-        <p14:creationId xmlns:p14="http://schemas.microsoft.com/office/powerpoint/2010/main" val="901174119"/>
-      </p:ext>
-    </p:extLst>
-  </p:cSld>
-  <p:clrMapOvr>
-    <a:masterClrMapping/>
-  </p:clrMapOvr>
-</p:sld>
-</file>
-
 <file path=ppt/theme/theme1.xml><?xml version="1.0" encoding="utf-8"?>
 <a:theme xmlns:a="http://schemas.openxmlformats.org/drawingml/2006/main" name="Office 主题​​">
   <a:themeElements>

--- a/Lims系统架构.pptx
+++ b/Lims系统架构.pptx
@@ -9,19 +9,20 @@
     <p:sldId id="258" r:id="rId3"/>
     <p:sldId id="259" r:id="rId4"/>
     <p:sldId id="272" r:id="rId5"/>
-    <p:sldId id="273" r:id="rId6"/>
-    <p:sldId id="274" r:id="rId7"/>
-    <p:sldId id="275" r:id="rId8"/>
-    <p:sldId id="277" r:id="rId9"/>
-    <p:sldId id="276" r:id="rId10"/>
-    <p:sldId id="261" r:id="rId11"/>
-    <p:sldId id="271" r:id="rId12"/>
-    <p:sldId id="270" r:id="rId13"/>
-    <p:sldId id="266" r:id="rId14"/>
-    <p:sldId id="269" r:id="rId15"/>
-    <p:sldId id="265" r:id="rId16"/>
-    <p:sldId id="262" r:id="rId17"/>
-    <p:sldId id="263" r:id="rId18"/>
+    <p:sldId id="278" r:id="rId6"/>
+    <p:sldId id="273" r:id="rId7"/>
+    <p:sldId id="274" r:id="rId8"/>
+    <p:sldId id="275" r:id="rId9"/>
+    <p:sldId id="277" r:id="rId10"/>
+    <p:sldId id="276" r:id="rId11"/>
+    <p:sldId id="261" r:id="rId12"/>
+    <p:sldId id="271" r:id="rId13"/>
+    <p:sldId id="270" r:id="rId14"/>
+    <p:sldId id="266" r:id="rId15"/>
+    <p:sldId id="269" r:id="rId16"/>
+    <p:sldId id="265" r:id="rId17"/>
+    <p:sldId id="262" r:id="rId18"/>
+    <p:sldId id="263" r:id="rId19"/>
   </p:sldIdLst>
   <p:sldSz cx="12192000" cy="6858000"/>
   <p:notesSz cx="6858000" cy="9144000"/>
@@ -279,7 +280,7 @@
           <a:p>
             <a:fld id="{00AAAA25-D02D-473F-8F4C-222AA5CCAE96}" type="datetimeFigureOut">
               <a:rPr lang="zh-CN" altLang="en-US" smtClean="0"/>
-              <a:t>2017/12/21</a:t>
+              <a:t>2018/1/23</a:t>
             </a:fld>
             <a:endParaRPr lang="zh-CN" altLang="en-US"/>
           </a:p>
@@ -477,7 +478,7 @@
           <a:p>
             <a:fld id="{00AAAA25-D02D-473F-8F4C-222AA5CCAE96}" type="datetimeFigureOut">
               <a:rPr lang="zh-CN" altLang="en-US" smtClean="0"/>
-              <a:t>2017/12/21</a:t>
+              <a:t>2018/1/23</a:t>
             </a:fld>
             <a:endParaRPr lang="zh-CN" altLang="en-US"/>
           </a:p>
@@ -685,7 +686,7 @@
           <a:p>
             <a:fld id="{00AAAA25-D02D-473F-8F4C-222AA5CCAE96}" type="datetimeFigureOut">
               <a:rPr lang="zh-CN" altLang="en-US" smtClean="0"/>
-              <a:t>2017/12/21</a:t>
+              <a:t>2018/1/23</a:t>
             </a:fld>
             <a:endParaRPr lang="zh-CN" altLang="en-US"/>
           </a:p>
@@ -883,7 +884,7 @@
           <a:p>
             <a:fld id="{00AAAA25-D02D-473F-8F4C-222AA5CCAE96}" type="datetimeFigureOut">
               <a:rPr lang="zh-CN" altLang="en-US" smtClean="0"/>
-              <a:t>2017/12/21</a:t>
+              <a:t>2018/1/23</a:t>
             </a:fld>
             <a:endParaRPr lang="zh-CN" altLang="en-US"/>
           </a:p>
@@ -1158,7 +1159,7 @@
           <a:p>
             <a:fld id="{00AAAA25-D02D-473F-8F4C-222AA5CCAE96}" type="datetimeFigureOut">
               <a:rPr lang="zh-CN" altLang="en-US" smtClean="0"/>
-              <a:t>2017/12/21</a:t>
+              <a:t>2018/1/23</a:t>
             </a:fld>
             <a:endParaRPr lang="zh-CN" altLang="en-US"/>
           </a:p>
@@ -1423,7 +1424,7 @@
           <a:p>
             <a:fld id="{00AAAA25-D02D-473F-8F4C-222AA5CCAE96}" type="datetimeFigureOut">
               <a:rPr lang="zh-CN" altLang="en-US" smtClean="0"/>
-              <a:t>2017/12/21</a:t>
+              <a:t>2018/1/23</a:t>
             </a:fld>
             <a:endParaRPr lang="zh-CN" altLang="en-US"/>
           </a:p>
@@ -1835,7 +1836,7 @@
           <a:p>
             <a:fld id="{00AAAA25-D02D-473F-8F4C-222AA5CCAE96}" type="datetimeFigureOut">
               <a:rPr lang="zh-CN" altLang="en-US" smtClean="0"/>
-              <a:t>2017/12/21</a:t>
+              <a:t>2018/1/23</a:t>
             </a:fld>
             <a:endParaRPr lang="zh-CN" altLang="en-US"/>
           </a:p>
@@ -1976,7 +1977,7 @@
           <a:p>
             <a:fld id="{00AAAA25-D02D-473F-8F4C-222AA5CCAE96}" type="datetimeFigureOut">
               <a:rPr lang="zh-CN" altLang="en-US" smtClean="0"/>
-              <a:t>2017/12/21</a:t>
+              <a:t>2018/1/23</a:t>
             </a:fld>
             <a:endParaRPr lang="zh-CN" altLang="en-US"/>
           </a:p>
@@ -2089,7 +2090,7 @@
           <a:p>
             <a:fld id="{00AAAA25-D02D-473F-8F4C-222AA5CCAE96}" type="datetimeFigureOut">
               <a:rPr lang="zh-CN" altLang="en-US" smtClean="0"/>
-              <a:t>2017/12/21</a:t>
+              <a:t>2018/1/23</a:t>
             </a:fld>
             <a:endParaRPr lang="zh-CN" altLang="en-US"/>
           </a:p>
@@ -2400,7 +2401,7 @@
           <a:p>
             <a:fld id="{00AAAA25-D02D-473F-8F4C-222AA5CCAE96}" type="datetimeFigureOut">
               <a:rPr lang="zh-CN" altLang="en-US" smtClean="0"/>
-              <a:t>2017/12/21</a:t>
+              <a:t>2018/1/23</a:t>
             </a:fld>
             <a:endParaRPr lang="zh-CN" altLang="en-US"/>
           </a:p>
@@ -2688,7 +2689,7 @@
           <a:p>
             <a:fld id="{00AAAA25-D02D-473F-8F4C-222AA5CCAE96}" type="datetimeFigureOut">
               <a:rPr lang="zh-CN" altLang="en-US" smtClean="0"/>
-              <a:t>2017/12/21</a:t>
+              <a:t>2018/1/23</a:t>
             </a:fld>
             <a:endParaRPr lang="zh-CN" altLang="en-US"/>
           </a:p>
@@ -2929,7 +2930,7 @@
           <a:p>
             <a:fld id="{00AAAA25-D02D-473F-8F4C-222AA5CCAE96}" type="datetimeFigureOut">
               <a:rPr lang="zh-CN" altLang="en-US" smtClean="0"/>
-              <a:t>2017/12/21</a:t>
+              <a:t>2018/1/23</a:t>
             </a:fld>
             <a:endParaRPr lang="zh-CN" altLang="en-US"/>
           </a:p>
@@ -5152,6 +5153,36 @@
           <a:chExt cx="0" cy="0"/>
         </a:xfrm>
       </p:grpSpPr>
+    </p:spTree>
+    <p:extLst>
+      <p:ext uri="{BB962C8B-B14F-4D97-AF65-F5344CB8AC3E}">
+        <p14:creationId xmlns:p14="http://schemas.microsoft.com/office/powerpoint/2010/main" val="2728008414"/>
+      </p:ext>
+    </p:extLst>
+  </p:cSld>
+  <p:clrMapOvr>
+    <a:masterClrMapping/>
+  </p:clrMapOvr>
+</p:sld>
+</file>
+
+<file path=ppt/slides/slide11.xml><?xml version="1.0" encoding="utf-8"?>
+<p:sld xmlns:a="http://schemas.openxmlformats.org/drawingml/2006/main" xmlns:r="http://schemas.openxmlformats.org/officeDocument/2006/relationships" xmlns:p="http://schemas.openxmlformats.org/presentationml/2006/main">
+  <p:cSld>
+    <p:spTree>
+      <p:nvGrpSpPr>
+        <p:cNvPr id="1" name=""/>
+        <p:cNvGrpSpPr/>
+        <p:nvPr/>
+      </p:nvGrpSpPr>
+      <p:grpSpPr>
+        <a:xfrm>
+          <a:off x="0" y="0"/>
+          <a:ext cx="0" cy="0"/>
+          <a:chOff x="0" y="0"/>
+          <a:chExt cx="0" cy="0"/>
+        </a:xfrm>
+      </p:grpSpPr>
       <p:grpSp>
         <p:nvGrpSpPr>
           <p:cNvPr id="21" name="组合 20">
@@ -6439,7 +6470,7 @@
 </p:sld>
 </file>
 
-<file path=ppt/slides/slide11.xml><?xml version="1.0" encoding="utf-8"?>
+<file path=ppt/slides/slide12.xml><?xml version="1.0" encoding="utf-8"?>
 <p:sld xmlns:a="http://schemas.openxmlformats.org/drawingml/2006/main" xmlns:r="http://schemas.openxmlformats.org/officeDocument/2006/relationships" xmlns:p="http://schemas.openxmlformats.org/presentationml/2006/main">
   <p:cSld>
     <p:spTree>
@@ -7426,7 +7457,7 @@
 </p:sld>
 </file>
 
-<file path=ppt/slides/slide12.xml><?xml version="1.0" encoding="utf-8"?>
+<file path=ppt/slides/slide13.xml><?xml version="1.0" encoding="utf-8"?>
 <p:sld xmlns:a="http://schemas.openxmlformats.org/drawingml/2006/main" xmlns:r="http://schemas.openxmlformats.org/officeDocument/2006/relationships" xmlns:p="http://schemas.openxmlformats.org/presentationml/2006/main">
   <p:cSld>
     <p:spTree>
@@ -9444,7 +9475,7 @@
 </p:sld>
 </file>
 
-<file path=ppt/slides/slide13.xml><?xml version="1.0" encoding="utf-8"?>
+<file path=ppt/slides/slide14.xml><?xml version="1.0" encoding="utf-8"?>
 <p:sld xmlns:a="http://schemas.openxmlformats.org/drawingml/2006/main" xmlns:r="http://schemas.openxmlformats.org/officeDocument/2006/relationships" xmlns:p="http://schemas.openxmlformats.org/presentationml/2006/main">
   <p:cSld>
     <p:spTree>
@@ -10025,7 +10056,7 @@
 </p:sld>
 </file>
 
-<file path=ppt/slides/slide14.xml><?xml version="1.0" encoding="utf-8"?>
+<file path=ppt/slides/slide15.xml><?xml version="1.0" encoding="utf-8"?>
 <p:sld xmlns:a="http://schemas.openxmlformats.org/drawingml/2006/main" xmlns:r="http://schemas.openxmlformats.org/officeDocument/2006/relationships" xmlns:p="http://schemas.openxmlformats.org/presentationml/2006/main">
   <p:cSld>
     <p:spTree>
@@ -11214,7 +11245,7 @@
 </p:sld>
 </file>
 
-<file path=ppt/slides/slide15.xml><?xml version="1.0" encoding="utf-8"?>
+<file path=ppt/slides/slide16.xml><?xml version="1.0" encoding="utf-8"?>
 <p:sld xmlns:a="http://schemas.openxmlformats.org/drawingml/2006/main" xmlns:r="http://schemas.openxmlformats.org/officeDocument/2006/relationships" xmlns:p="http://schemas.openxmlformats.org/presentationml/2006/main">
   <p:cSld>
     <p:spTree>
@@ -11916,7 +11947,7 @@
 </p:sld>
 </file>
 
-<file path=ppt/slides/slide16.xml><?xml version="1.0" encoding="utf-8"?>
+<file path=ppt/slides/slide17.xml><?xml version="1.0" encoding="utf-8"?>
 <p:sld xmlns:a="http://schemas.openxmlformats.org/drawingml/2006/main" xmlns:r="http://schemas.openxmlformats.org/officeDocument/2006/relationships" xmlns:p="http://schemas.openxmlformats.org/presentationml/2006/main">
   <p:cSld>
     <p:spTree>
@@ -12628,7 +12659,7 @@
 </p:sld>
 </file>
 
-<file path=ppt/slides/slide17.xml><?xml version="1.0" encoding="utf-8"?>
+<file path=ppt/slides/slide18.xml><?xml version="1.0" encoding="utf-8"?>
 <p:sld xmlns:a="http://schemas.openxmlformats.org/drawingml/2006/main" xmlns:r="http://schemas.openxmlformats.org/officeDocument/2006/relationships" xmlns:p="http://schemas.openxmlformats.org/presentationml/2006/main">
   <p:cSld>
     <p:spTree>
@@ -18756,7 +18787,7 @@
         </p:nvSpPr>
         <p:spPr>
           <a:xfrm>
-            <a:off x="2000732" y="2276657"/>
+            <a:off x="1570428" y="1806010"/>
             <a:ext cx="1486718" cy="1300260"/>
           </a:xfrm>
           <a:prstGeom prst="hexagon">
@@ -19209,6 +19240,1797 @@
           <a:chExt cx="0" cy="0"/>
         </a:xfrm>
       </p:grpSpPr>
+      <p:grpSp>
+        <p:nvGrpSpPr>
+          <p:cNvPr id="24" name="组合 23">
+            <a:extLst>
+              <a:ext uri="{FF2B5EF4-FFF2-40B4-BE49-F238E27FC236}">
+                <a16:creationId xmlns:a16="http://schemas.microsoft.com/office/drawing/2014/main" id="{6F4E21A4-D46D-4725-9B1D-A44C96CDF17E}"/>
+              </a:ext>
+            </a:extLst>
+          </p:cNvPr>
+          <p:cNvGrpSpPr/>
+          <p:nvPr/>
+        </p:nvGrpSpPr>
+        <p:grpSpPr>
+          <a:xfrm>
+            <a:off x="1703512" y="1210235"/>
+            <a:ext cx="8784976" cy="3673212"/>
+            <a:chOff x="1887288" y="981635"/>
+            <a:chExt cx="8784976" cy="3673212"/>
+          </a:xfrm>
+        </p:grpSpPr>
+        <p:sp>
+          <p:nvSpPr>
+            <p:cNvPr id="5" name="Oval 65">
+              <a:extLst>
+                <a:ext uri="{FF2B5EF4-FFF2-40B4-BE49-F238E27FC236}">
+                  <a16:creationId xmlns:a16="http://schemas.microsoft.com/office/drawing/2014/main" id="{EED3A6CA-8CBD-4FA0-A9A0-99F5EEED3660}"/>
+                </a:ext>
+              </a:extLst>
+            </p:cNvPr>
+            <p:cNvSpPr>
+              <a:spLocks noChangeArrowheads="1"/>
+            </p:cNvSpPr>
+            <p:nvPr/>
+          </p:nvSpPr>
+          <p:spPr bwMode="auto">
+            <a:xfrm rot="10800000" flipV="1">
+              <a:off x="3183432" y="4454597"/>
+              <a:ext cx="1171448" cy="200248"/>
+            </a:xfrm>
+            <a:prstGeom prst="ellipse">
+              <a:avLst/>
+            </a:prstGeom>
+            <a:gradFill rotWithShape="1">
+              <a:gsLst>
+                <a:gs pos="0">
+                  <a:sysClr val="windowText" lastClr="000000">
+                    <a:lumMod val="75000"/>
+                    <a:lumOff val="25000"/>
+                  </a:sysClr>
+                </a:gs>
+                <a:gs pos="100000">
+                  <a:srgbClr val="EEECE1">
+                    <a:alpha val="0"/>
+                  </a:srgbClr>
+                </a:gs>
+              </a:gsLst>
+              <a:path path="shape">
+                <a:fillToRect l="50000" t="50000" r="50000" b="50000"/>
+              </a:path>
+            </a:gradFill>
+            <a:ln w="9525">
+              <a:noFill/>
+              <a:round/>
+              <a:headEnd/>
+              <a:tailEnd/>
+            </a:ln>
+            <a:effectLst/>
+          </p:spPr>
+          <p:txBody>
+            <a:bodyPr wrap="none" anchor="ctr"/>
+            <a:lstStyle/>
+            <a:p>
+              <a:pPr marL="0" marR="0" lvl="0" indent="0" defTabSz="914400" eaLnBrk="1" fontAlgn="auto" latinLnBrk="0" hangingPunct="1">
+                <a:lnSpc>
+                  <a:spcPct val="100000"/>
+                </a:lnSpc>
+                <a:spcBef>
+                  <a:spcPts val="0"/>
+                </a:spcBef>
+                <a:spcAft>
+                  <a:spcPts val="0"/>
+                </a:spcAft>
+                <a:buClrTx/>
+                <a:buSzTx/>
+                <a:buFontTx/>
+                <a:buNone/>
+                <a:tabLst/>
+                <a:defRPr/>
+              </a:pPr>
+              <a:endParaRPr kumimoji="0" lang="zh-CN" altLang="en-US" sz="1800" b="0" i="0" u="none" strike="noStrike" kern="0" cap="none" spc="0" normalizeH="0" baseline="0" noProof="0">
+                <a:ln>
+                  <a:noFill/>
+                </a:ln>
+                <a:solidFill>
+                  <a:sysClr val="windowText" lastClr="000000"/>
+                </a:solidFill>
+                <a:effectLst/>
+                <a:uLnTx/>
+                <a:uFillTx/>
+                <a:latin typeface="Arial" pitchFamily="34" charset="0"/>
+                <a:ea typeface="宋体"/>
+              </a:endParaRPr>
+            </a:p>
+          </p:txBody>
+        </p:sp>
+        <p:sp>
+          <p:nvSpPr>
+            <p:cNvPr id="6" name="Oval 65">
+              <a:extLst>
+                <a:ext uri="{FF2B5EF4-FFF2-40B4-BE49-F238E27FC236}">
+                  <a16:creationId xmlns:a16="http://schemas.microsoft.com/office/drawing/2014/main" id="{1718E694-8BCD-4562-920C-ED39CE42D52E}"/>
+                </a:ext>
+              </a:extLst>
+            </p:cNvPr>
+            <p:cNvSpPr>
+              <a:spLocks noChangeArrowheads="1"/>
+            </p:cNvSpPr>
+            <p:nvPr/>
+          </p:nvSpPr>
+          <p:spPr bwMode="auto">
+            <a:xfrm rot="10800000" flipV="1">
+              <a:off x="5271664" y="4454597"/>
+              <a:ext cx="1171448" cy="200248"/>
+            </a:xfrm>
+            <a:prstGeom prst="ellipse">
+              <a:avLst/>
+            </a:prstGeom>
+            <a:gradFill rotWithShape="1">
+              <a:gsLst>
+                <a:gs pos="0">
+                  <a:sysClr val="windowText" lastClr="000000">
+                    <a:lumMod val="75000"/>
+                    <a:lumOff val="25000"/>
+                  </a:sysClr>
+                </a:gs>
+                <a:gs pos="100000">
+                  <a:srgbClr val="EEECE1">
+                    <a:alpha val="0"/>
+                  </a:srgbClr>
+                </a:gs>
+              </a:gsLst>
+              <a:path path="shape">
+                <a:fillToRect l="50000" t="50000" r="50000" b="50000"/>
+              </a:path>
+            </a:gradFill>
+            <a:ln w="9525">
+              <a:noFill/>
+              <a:round/>
+              <a:headEnd/>
+              <a:tailEnd/>
+            </a:ln>
+            <a:effectLst/>
+          </p:spPr>
+          <p:txBody>
+            <a:bodyPr wrap="none" anchor="ctr"/>
+            <a:lstStyle/>
+            <a:p>
+              <a:pPr marL="0" marR="0" lvl="0" indent="0" defTabSz="914400" eaLnBrk="1" fontAlgn="auto" latinLnBrk="0" hangingPunct="1">
+                <a:lnSpc>
+                  <a:spcPct val="100000"/>
+                </a:lnSpc>
+                <a:spcBef>
+                  <a:spcPts val="0"/>
+                </a:spcBef>
+                <a:spcAft>
+                  <a:spcPts val="0"/>
+                </a:spcAft>
+                <a:buClrTx/>
+                <a:buSzTx/>
+                <a:buFontTx/>
+                <a:buNone/>
+                <a:tabLst/>
+                <a:defRPr/>
+              </a:pPr>
+              <a:endParaRPr kumimoji="0" lang="zh-CN" altLang="en-US" sz="1800" b="0" i="0" u="none" strike="noStrike" kern="0" cap="none" spc="0" normalizeH="0" baseline="0" noProof="0">
+                <a:ln>
+                  <a:noFill/>
+                </a:ln>
+                <a:solidFill>
+                  <a:sysClr val="windowText" lastClr="000000"/>
+                </a:solidFill>
+                <a:effectLst/>
+                <a:uLnTx/>
+                <a:uFillTx/>
+                <a:latin typeface="Arial" pitchFamily="34" charset="0"/>
+                <a:ea typeface="宋体"/>
+              </a:endParaRPr>
+            </a:p>
+          </p:txBody>
+        </p:sp>
+        <p:sp>
+          <p:nvSpPr>
+            <p:cNvPr id="7" name="Oval 65">
+              <a:extLst>
+                <a:ext uri="{FF2B5EF4-FFF2-40B4-BE49-F238E27FC236}">
+                  <a16:creationId xmlns:a16="http://schemas.microsoft.com/office/drawing/2014/main" id="{983AA8ED-04C4-4924-8B99-4357AF4488F4}"/>
+                </a:ext>
+              </a:extLst>
+            </p:cNvPr>
+            <p:cNvSpPr>
+              <a:spLocks noChangeArrowheads="1"/>
+            </p:cNvSpPr>
+            <p:nvPr/>
+          </p:nvSpPr>
+          <p:spPr bwMode="auto">
+            <a:xfrm rot="10800000" flipV="1">
+              <a:off x="6284243" y="4454598"/>
+              <a:ext cx="1171448" cy="200248"/>
+            </a:xfrm>
+            <a:prstGeom prst="ellipse">
+              <a:avLst/>
+            </a:prstGeom>
+            <a:gradFill rotWithShape="1">
+              <a:gsLst>
+                <a:gs pos="0">
+                  <a:sysClr val="windowText" lastClr="000000">
+                    <a:lumMod val="75000"/>
+                    <a:lumOff val="25000"/>
+                  </a:sysClr>
+                </a:gs>
+                <a:gs pos="100000">
+                  <a:srgbClr val="EEECE1">
+                    <a:alpha val="0"/>
+                  </a:srgbClr>
+                </a:gs>
+              </a:gsLst>
+              <a:path path="shape">
+                <a:fillToRect l="50000" t="50000" r="50000" b="50000"/>
+              </a:path>
+            </a:gradFill>
+            <a:ln w="9525">
+              <a:noFill/>
+              <a:round/>
+              <a:headEnd/>
+              <a:tailEnd/>
+            </a:ln>
+            <a:effectLst/>
+          </p:spPr>
+          <p:txBody>
+            <a:bodyPr wrap="none" anchor="ctr"/>
+            <a:lstStyle/>
+            <a:p>
+              <a:pPr marL="0" marR="0" lvl="0" indent="0" defTabSz="914400" eaLnBrk="1" fontAlgn="auto" latinLnBrk="0" hangingPunct="1">
+                <a:lnSpc>
+                  <a:spcPct val="100000"/>
+                </a:lnSpc>
+                <a:spcBef>
+                  <a:spcPts val="0"/>
+                </a:spcBef>
+                <a:spcAft>
+                  <a:spcPts val="0"/>
+                </a:spcAft>
+                <a:buClrTx/>
+                <a:buSzTx/>
+                <a:buFontTx/>
+                <a:buNone/>
+                <a:tabLst/>
+                <a:defRPr/>
+              </a:pPr>
+              <a:endParaRPr kumimoji="0" lang="zh-CN" altLang="en-US" sz="1800" b="0" i="0" u="none" strike="noStrike" kern="0" cap="none" spc="0" normalizeH="0" baseline="0" noProof="0">
+                <a:ln>
+                  <a:noFill/>
+                </a:ln>
+                <a:solidFill>
+                  <a:sysClr val="windowText" lastClr="000000"/>
+                </a:solidFill>
+                <a:effectLst/>
+                <a:uLnTx/>
+                <a:uFillTx/>
+                <a:latin typeface="Arial" pitchFamily="34" charset="0"/>
+                <a:ea typeface="宋体"/>
+              </a:endParaRPr>
+            </a:p>
+          </p:txBody>
+        </p:sp>
+        <p:sp>
+          <p:nvSpPr>
+            <p:cNvPr id="8" name="Oval 65">
+              <a:extLst>
+                <a:ext uri="{FF2B5EF4-FFF2-40B4-BE49-F238E27FC236}">
+                  <a16:creationId xmlns:a16="http://schemas.microsoft.com/office/drawing/2014/main" id="{5C34FA5D-DCD2-4949-92BC-61195ED4A46A}"/>
+                </a:ext>
+              </a:extLst>
+            </p:cNvPr>
+            <p:cNvSpPr>
+              <a:spLocks noChangeArrowheads="1"/>
+            </p:cNvSpPr>
+            <p:nvPr/>
+          </p:nvSpPr>
+          <p:spPr bwMode="auto">
+            <a:xfrm rot="10800000" flipV="1">
+              <a:off x="8223992" y="4454599"/>
+              <a:ext cx="1171448" cy="200248"/>
+            </a:xfrm>
+            <a:prstGeom prst="ellipse">
+              <a:avLst/>
+            </a:prstGeom>
+            <a:gradFill rotWithShape="1">
+              <a:gsLst>
+                <a:gs pos="0">
+                  <a:sysClr val="windowText" lastClr="000000">
+                    <a:lumMod val="75000"/>
+                    <a:lumOff val="25000"/>
+                  </a:sysClr>
+                </a:gs>
+                <a:gs pos="100000">
+                  <a:srgbClr val="EEECE1">
+                    <a:alpha val="0"/>
+                  </a:srgbClr>
+                </a:gs>
+              </a:gsLst>
+              <a:path path="shape">
+                <a:fillToRect l="50000" t="50000" r="50000" b="50000"/>
+              </a:path>
+            </a:gradFill>
+            <a:ln w="9525">
+              <a:noFill/>
+              <a:round/>
+              <a:headEnd/>
+              <a:tailEnd/>
+            </a:ln>
+            <a:effectLst/>
+          </p:spPr>
+          <p:txBody>
+            <a:bodyPr wrap="none" anchor="ctr"/>
+            <a:lstStyle/>
+            <a:p>
+              <a:pPr marL="0" marR="0" lvl="0" indent="0" defTabSz="914400" eaLnBrk="1" fontAlgn="auto" latinLnBrk="0" hangingPunct="1">
+                <a:lnSpc>
+                  <a:spcPct val="100000"/>
+                </a:lnSpc>
+                <a:spcBef>
+                  <a:spcPts val="0"/>
+                </a:spcBef>
+                <a:spcAft>
+                  <a:spcPts val="0"/>
+                </a:spcAft>
+                <a:buClrTx/>
+                <a:buSzTx/>
+                <a:buFontTx/>
+                <a:buNone/>
+                <a:tabLst/>
+                <a:defRPr/>
+              </a:pPr>
+              <a:endParaRPr kumimoji="0" lang="zh-CN" altLang="en-US" sz="1800" b="0" i="0" u="none" strike="noStrike" kern="0" cap="none" spc="0" normalizeH="0" baseline="0" noProof="0">
+                <a:ln>
+                  <a:noFill/>
+                </a:ln>
+                <a:solidFill>
+                  <a:sysClr val="windowText" lastClr="000000"/>
+                </a:solidFill>
+                <a:effectLst/>
+                <a:uLnTx/>
+                <a:uFillTx/>
+                <a:latin typeface="Arial" pitchFamily="34" charset="0"/>
+                <a:ea typeface="宋体"/>
+              </a:endParaRPr>
+            </a:p>
+          </p:txBody>
+        </p:sp>
+        <p:sp>
+          <p:nvSpPr>
+            <p:cNvPr id="9" name="Oval 65">
+              <a:extLst>
+                <a:ext uri="{FF2B5EF4-FFF2-40B4-BE49-F238E27FC236}">
+                  <a16:creationId xmlns:a16="http://schemas.microsoft.com/office/drawing/2014/main" id="{5B261DF4-F180-452D-9F0A-3C0E392609F1}"/>
+                </a:ext>
+              </a:extLst>
+            </p:cNvPr>
+            <p:cNvSpPr>
+              <a:spLocks noChangeArrowheads="1"/>
+            </p:cNvSpPr>
+            <p:nvPr/>
+          </p:nvSpPr>
+          <p:spPr bwMode="auto">
+            <a:xfrm rot="10800000" flipV="1">
+              <a:off x="9252793" y="4454599"/>
+              <a:ext cx="1171448" cy="200248"/>
+            </a:xfrm>
+            <a:prstGeom prst="ellipse">
+              <a:avLst/>
+            </a:prstGeom>
+            <a:gradFill rotWithShape="1">
+              <a:gsLst>
+                <a:gs pos="0">
+                  <a:sysClr val="windowText" lastClr="000000">
+                    <a:lumMod val="75000"/>
+                    <a:lumOff val="25000"/>
+                  </a:sysClr>
+                </a:gs>
+                <a:gs pos="100000">
+                  <a:srgbClr val="EEECE1">
+                    <a:alpha val="0"/>
+                  </a:srgbClr>
+                </a:gs>
+              </a:gsLst>
+              <a:path path="shape">
+                <a:fillToRect l="50000" t="50000" r="50000" b="50000"/>
+              </a:path>
+            </a:gradFill>
+            <a:ln w="9525">
+              <a:noFill/>
+              <a:round/>
+              <a:headEnd/>
+              <a:tailEnd/>
+            </a:ln>
+            <a:effectLst/>
+          </p:spPr>
+          <p:txBody>
+            <a:bodyPr wrap="none" anchor="ctr"/>
+            <a:lstStyle/>
+            <a:p>
+              <a:pPr marL="0" marR="0" lvl="0" indent="0" defTabSz="914400" eaLnBrk="1" fontAlgn="auto" latinLnBrk="0" hangingPunct="1">
+                <a:lnSpc>
+                  <a:spcPct val="100000"/>
+                </a:lnSpc>
+                <a:spcBef>
+                  <a:spcPts val="0"/>
+                </a:spcBef>
+                <a:spcAft>
+                  <a:spcPts val="0"/>
+                </a:spcAft>
+                <a:buClrTx/>
+                <a:buSzTx/>
+                <a:buFontTx/>
+                <a:buNone/>
+                <a:tabLst/>
+                <a:defRPr/>
+              </a:pPr>
+              <a:endParaRPr kumimoji="0" lang="zh-CN" altLang="en-US" sz="1800" b="0" i="0" u="none" strike="noStrike" kern="0" cap="none" spc="0" normalizeH="0" baseline="0" noProof="0">
+                <a:ln>
+                  <a:noFill/>
+                </a:ln>
+                <a:solidFill>
+                  <a:sysClr val="windowText" lastClr="000000"/>
+                </a:solidFill>
+                <a:effectLst/>
+                <a:uLnTx/>
+                <a:uFillTx/>
+                <a:latin typeface="Arial" pitchFamily="34" charset="0"/>
+                <a:ea typeface="宋体"/>
+              </a:endParaRPr>
+            </a:p>
+          </p:txBody>
+        </p:sp>
+        <p:sp>
+          <p:nvSpPr>
+            <p:cNvPr id="10" name="Oval 65">
+              <a:extLst>
+                <a:ext uri="{FF2B5EF4-FFF2-40B4-BE49-F238E27FC236}">
+                  <a16:creationId xmlns:a16="http://schemas.microsoft.com/office/drawing/2014/main" id="{7B91F76B-9AF0-4DB0-BE2C-097167FFAC86}"/>
+                </a:ext>
+              </a:extLst>
+            </p:cNvPr>
+            <p:cNvSpPr>
+              <a:spLocks noChangeArrowheads="1"/>
+            </p:cNvSpPr>
+            <p:nvPr/>
+          </p:nvSpPr>
+          <p:spPr bwMode="auto">
+            <a:xfrm rot="10800000" flipV="1">
+              <a:off x="2319336" y="4454597"/>
+              <a:ext cx="1171448" cy="200248"/>
+            </a:xfrm>
+            <a:prstGeom prst="ellipse">
+              <a:avLst/>
+            </a:prstGeom>
+            <a:gradFill rotWithShape="1">
+              <a:gsLst>
+                <a:gs pos="0">
+                  <a:sysClr val="windowText" lastClr="000000">
+                    <a:lumMod val="75000"/>
+                    <a:lumOff val="25000"/>
+                  </a:sysClr>
+                </a:gs>
+                <a:gs pos="100000">
+                  <a:srgbClr val="EEECE1">
+                    <a:alpha val="0"/>
+                  </a:srgbClr>
+                </a:gs>
+              </a:gsLst>
+              <a:path path="shape">
+                <a:fillToRect l="50000" t="50000" r="50000" b="50000"/>
+              </a:path>
+            </a:gradFill>
+            <a:ln w="9525">
+              <a:noFill/>
+              <a:round/>
+              <a:headEnd/>
+              <a:tailEnd/>
+            </a:ln>
+            <a:effectLst/>
+          </p:spPr>
+          <p:txBody>
+            <a:bodyPr wrap="none" anchor="ctr"/>
+            <a:lstStyle/>
+            <a:p>
+              <a:pPr marL="0" marR="0" lvl="0" indent="0" defTabSz="914400" eaLnBrk="1" fontAlgn="auto" latinLnBrk="0" hangingPunct="1">
+                <a:lnSpc>
+                  <a:spcPct val="100000"/>
+                </a:lnSpc>
+                <a:spcBef>
+                  <a:spcPts val="0"/>
+                </a:spcBef>
+                <a:spcAft>
+                  <a:spcPts val="0"/>
+                </a:spcAft>
+                <a:buClrTx/>
+                <a:buSzTx/>
+                <a:buFontTx/>
+                <a:buNone/>
+                <a:tabLst/>
+                <a:defRPr/>
+              </a:pPr>
+              <a:endParaRPr kumimoji="0" lang="zh-CN" altLang="en-US" sz="1800" b="0" i="0" u="none" strike="noStrike" kern="0" cap="none" spc="0" normalizeH="0" baseline="0" noProof="0">
+                <a:ln>
+                  <a:noFill/>
+                </a:ln>
+                <a:solidFill>
+                  <a:sysClr val="windowText" lastClr="000000"/>
+                </a:solidFill>
+                <a:effectLst/>
+                <a:uLnTx/>
+                <a:uFillTx/>
+                <a:latin typeface="Arial" pitchFamily="34" charset="0"/>
+                <a:ea typeface="宋体"/>
+              </a:endParaRPr>
+            </a:p>
+          </p:txBody>
+        </p:sp>
+        <p:pic>
+          <p:nvPicPr>
+            <p:cNvPr id="11" name="图片 10">
+              <a:extLst>
+                <a:ext uri="{FF2B5EF4-FFF2-40B4-BE49-F238E27FC236}">
+                  <a16:creationId xmlns:a16="http://schemas.microsoft.com/office/drawing/2014/main" id="{085F359C-D7BA-48A6-84B9-ECF9C84FBB0C}"/>
+                </a:ext>
+              </a:extLst>
+            </p:cNvPr>
+            <p:cNvPicPr>
+              <a:picLocks noChangeAspect="1"/>
+            </p:cNvPicPr>
+            <p:nvPr/>
+          </p:nvPicPr>
+          <p:blipFill>
+            <a:blip r:embed="rId2">
+              <a:extLst>
+                <a:ext uri="{28A0092B-C50C-407E-A947-70E740481C1C}">
+                  <a14:useLocalDpi xmlns:a14="http://schemas.microsoft.com/office/drawing/2010/main" val="0"/>
+                </a:ext>
+              </a:extLst>
+            </a:blip>
+            <a:stretch>
+              <a:fillRect/>
+            </a:stretch>
+          </p:blipFill>
+          <p:spPr>
+            <a:xfrm>
+              <a:off x="1887288" y="2260624"/>
+              <a:ext cx="2821867" cy="2294097"/>
+            </a:xfrm>
+            <a:prstGeom prst="rect">
+              <a:avLst/>
+            </a:prstGeom>
+            <a:effectLst>
+              <a:reflection blurRad="6350" stA="35000" endPos="35000" dir="5400000" sy="-100000" algn="bl" rotWithShape="0"/>
+            </a:effectLst>
+          </p:spPr>
+        </p:pic>
+        <p:pic>
+          <p:nvPicPr>
+            <p:cNvPr id="12" name="图片 11">
+              <a:extLst>
+                <a:ext uri="{FF2B5EF4-FFF2-40B4-BE49-F238E27FC236}">
+                  <a16:creationId xmlns:a16="http://schemas.microsoft.com/office/drawing/2014/main" id="{BF52CFA1-C391-4950-8F64-05B46C604B85}"/>
+                </a:ext>
+              </a:extLst>
+            </p:cNvPr>
+            <p:cNvPicPr>
+              <a:picLocks noChangeAspect="1"/>
+            </p:cNvPicPr>
+            <p:nvPr/>
+          </p:nvPicPr>
+          <p:blipFill>
+            <a:blip r:embed="rId3">
+              <a:extLst>
+                <a:ext uri="{28A0092B-C50C-407E-A947-70E740481C1C}">
+                  <a14:useLocalDpi xmlns:a14="http://schemas.microsoft.com/office/drawing/2010/main" val="0"/>
+                </a:ext>
+              </a:extLst>
+            </a:blip>
+            <a:stretch>
+              <a:fillRect/>
+            </a:stretch>
+          </p:blipFill>
+          <p:spPr>
+            <a:xfrm>
+              <a:off x="4873098" y="2260624"/>
+              <a:ext cx="2817611" cy="2294097"/>
+            </a:xfrm>
+            <a:prstGeom prst="rect">
+              <a:avLst/>
+            </a:prstGeom>
+            <a:effectLst>
+              <a:reflection blurRad="6350" stA="35000" endPos="35000" dir="5400000" sy="-100000" algn="bl" rotWithShape="0"/>
+            </a:effectLst>
+          </p:spPr>
+        </p:pic>
+        <p:pic>
+          <p:nvPicPr>
+            <p:cNvPr id="13" name="图片 12">
+              <a:extLst>
+                <a:ext uri="{FF2B5EF4-FFF2-40B4-BE49-F238E27FC236}">
+                  <a16:creationId xmlns:a16="http://schemas.microsoft.com/office/drawing/2014/main" id="{7BBD7B77-1F52-4269-9478-6D9415B2D416}"/>
+                </a:ext>
+              </a:extLst>
+            </p:cNvPr>
+            <p:cNvPicPr>
+              <a:picLocks noChangeAspect="1"/>
+            </p:cNvPicPr>
+            <p:nvPr/>
+          </p:nvPicPr>
+          <p:blipFill>
+            <a:blip r:embed="rId4">
+              <a:extLst>
+                <a:ext uri="{28A0092B-C50C-407E-A947-70E740481C1C}">
+                  <a14:useLocalDpi xmlns:a14="http://schemas.microsoft.com/office/drawing/2010/main" val="0"/>
+                </a:ext>
+              </a:extLst>
+            </a:blip>
+            <a:stretch>
+              <a:fillRect/>
+            </a:stretch>
+          </p:blipFill>
+          <p:spPr>
+            <a:xfrm>
+              <a:off x="7854653" y="2260624"/>
+              <a:ext cx="2817611" cy="2294097"/>
+            </a:xfrm>
+            <a:prstGeom prst="rect">
+              <a:avLst/>
+            </a:prstGeom>
+            <a:effectLst>
+              <a:reflection blurRad="6350" stA="35000" endPos="35000" dir="5400000" sy="-100000" algn="bl" rotWithShape="0"/>
+            </a:effectLst>
+          </p:spPr>
+        </p:pic>
+        <p:sp>
+          <p:nvSpPr>
+            <p:cNvPr id="14" name="TextBox 26">
+              <a:extLst>
+                <a:ext uri="{FF2B5EF4-FFF2-40B4-BE49-F238E27FC236}">
+                  <a16:creationId xmlns:a16="http://schemas.microsoft.com/office/drawing/2014/main" id="{FAD15E27-1ADE-4BFD-9D3A-34E8EC7083E3}"/>
+                </a:ext>
+              </a:extLst>
+            </p:cNvPr>
+            <p:cNvSpPr txBox="1"/>
+            <p:nvPr/>
+          </p:nvSpPr>
+          <p:spPr>
+            <a:xfrm flipH="1">
+              <a:off x="2391344" y="2592974"/>
+              <a:ext cx="1728192" cy="400110"/>
+            </a:xfrm>
+            <a:prstGeom prst="rect">
+              <a:avLst/>
+            </a:prstGeom>
+            <a:noFill/>
+          </p:spPr>
+          <p:txBody>
+            <a:bodyPr wrap="square" rtlCol="0">
+              <a:spAutoFit/>
+            </a:bodyPr>
+            <a:lstStyle>
+              <a:defPPr>
+                <a:defRPr lang="en-US"/>
+              </a:defPPr>
+              <a:lvl1pPr lvl="0">
+                <a:lnSpc>
+                  <a:spcPct val="80000"/>
+                </a:lnSpc>
+                <a:defRPr sz="4400" b="1" kern="0">
+                  <a:ln w="18415" cmpd="sng">
+                    <a:noFill/>
+                    <a:prstDash val="solid"/>
+                  </a:ln>
+                  <a:solidFill>
+                    <a:srgbClr val="FFC000"/>
+                  </a:solidFill>
+                  <a:latin typeface="Agency FB" pitchFamily="34" charset="0"/>
+                  <a:ea typeface="微软雅黑" pitchFamily="34" charset="-122"/>
+                </a:defRPr>
+              </a:lvl1pPr>
+            </a:lstStyle>
+            <a:p>
+              <a:pPr marL="0" marR="0" lvl="0" indent="0" algn="ctr" defTabSz="914400" eaLnBrk="1" fontAlgn="auto" latinLnBrk="0" hangingPunct="1">
+                <a:lnSpc>
+                  <a:spcPct val="100000"/>
+                </a:lnSpc>
+                <a:spcBef>
+                  <a:spcPts val="0"/>
+                </a:spcBef>
+                <a:spcAft>
+                  <a:spcPts val="0"/>
+                </a:spcAft>
+                <a:buClrTx/>
+                <a:buSzTx/>
+                <a:buFontTx/>
+                <a:buNone/>
+                <a:tabLst/>
+                <a:defRPr/>
+              </a:pPr>
+              <a:r>
+                <a:rPr kumimoji="0" lang="zh-CN" altLang="en-US" sz="2000" b="1" i="0" u="none" strike="noStrike" kern="0" cap="none" spc="0" normalizeH="0" baseline="0" noProof="0" dirty="0">
+                  <a:ln w="18415" cmpd="sng">
+                    <a:noFill/>
+                    <a:prstDash val="solid"/>
+                  </a:ln>
+                  <a:solidFill>
+                    <a:sysClr val="windowText" lastClr="000000">
+                      <a:lumMod val="65000"/>
+                      <a:lumOff val="35000"/>
+                    </a:sysClr>
+                  </a:solidFill>
+                  <a:effectLst/>
+                  <a:uLnTx/>
+                  <a:uFillTx/>
+                  <a:latin typeface="Arial Rounded MT Bold" pitchFamily="34" charset="0"/>
+                  <a:ea typeface="微软雅黑" pitchFamily="34" charset="-122"/>
+                  <a:cs typeface="Times New Roman" pitchFamily="18" charset="0"/>
+                </a:rPr>
+                <a:t>门户系统</a:t>
+              </a:r>
+            </a:p>
+          </p:txBody>
+        </p:sp>
+        <p:sp>
+          <p:nvSpPr>
+            <p:cNvPr id="15" name="TextBox 27">
+              <a:extLst>
+                <a:ext uri="{FF2B5EF4-FFF2-40B4-BE49-F238E27FC236}">
+                  <a16:creationId xmlns:a16="http://schemas.microsoft.com/office/drawing/2014/main" id="{9D02EE3B-C8AF-4C88-BB81-63E397422092}"/>
+                </a:ext>
+              </a:extLst>
+            </p:cNvPr>
+            <p:cNvSpPr txBox="1"/>
+            <p:nvPr/>
+          </p:nvSpPr>
+          <p:spPr>
+            <a:xfrm>
+              <a:off x="2274623" y="2979637"/>
+              <a:ext cx="2188245" cy="954107"/>
+            </a:xfrm>
+            <a:prstGeom prst="rect">
+              <a:avLst/>
+            </a:prstGeom>
+            <a:noFill/>
+          </p:spPr>
+          <p:txBody>
+            <a:bodyPr wrap="square" rtlCol="0">
+              <a:spAutoFit/>
+            </a:bodyPr>
+            <a:lstStyle/>
+            <a:p>
+              <a:pPr marL="285750" marR="0" lvl="0" indent="-285750" algn="just" defTabSz="914400" eaLnBrk="1" fontAlgn="auto" latinLnBrk="0" hangingPunct="1">
+                <a:lnSpc>
+                  <a:spcPct val="100000"/>
+                </a:lnSpc>
+                <a:spcBef>
+                  <a:spcPts val="0"/>
+                </a:spcBef>
+                <a:spcAft>
+                  <a:spcPts val="0"/>
+                </a:spcAft>
+                <a:buClrTx/>
+                <a:buSzTx/>
+                <a:buFont typeface="Arial" panose="020B0604020202020204" pitchFamily="34" charset="0"/>
+                <a:buChar char="•"/>
+                <a:tabLst/>
+                <a:defRPr/>
+              </a:pPr>
+              <a:r>
+                <a:rPr lang="zh-CN" altLang="en-US" sz="1400" kern="0" dirty="0">
+                  <a:solidFill>
+                    <a:sysClr val="windowText" lastClr="000000">
+                      <a:lumMod val="75000"/>
+                      <a:lumOff val="25000"/>
+                    </a:sysClr>
+                  </a:solidFill>
+                  <a:latin typeface="Arial" pitchFamily="34" charset="0"/>
+                  <a:ea typeface="微软雅黑" pitchFamily="34" charset="-122"/>
+                  <a:cs typeface="Arial" pitchFamily="34" charset="0"/>
+                </a:rPr>
+                <a:t>内容发布系统</a:t>
+              </a:r>
+              <a:endParaRPr lang="en-US" altLang="zh-CN" sz="1400" kern="0" dirty="0">
+                <a:solidFill>
+                  <a:sysClr val="windowText" lastClr="000000">
+                    <a:lumMod val="75000"/>
+                    <a:lumOff val="25000"/>
+                  </a:sysClr>
+                </a:solidFill>
+                <a:latin typeface="Arial" pitchFamily="34" charset="0"/>
+                <a:ea typeface="微软雅黑" pitchFamily="34" charset="-122"/>
+                <a:cs typeface="Arial" pitchFamily="34" charset="0"/>
+              </a:endParaRPr>
+            </a:p>
+            <a:p>
+              <a:pPr marL="285750" marR="0" lvl="0" indent="-285750" algn="just" defTabSz="914400" eaLnBrk="1" fontAlgn="auto" latinLnBrk="0" hangingPunct="1">
+                <a:lnSpc>
+                  <a:spcPct val="100000"/>
+                </a:lnSpc>
+                <a:spcBef>
+                  <a:spcPts val="0"/>
+                </a:spcBef>
+                <a:spcAft>
+                  <a:spcPts val="0"/>
+                </a:spcAft>
+                <a:buClrTx/>
+                <a:buSzTx/>
+                <a:buFont typeface="Arial" panose="020B0604020202020204" pitchFamily="34" charset="0"/>
+                <a:buChar char="•"/>
+                <a:tabLst/>
+                <a:defRPr/>
+              </a:pPr>
+              <a:r>
+                <a:rPr lang="zh-CN" altLang="en-US" sz="1400" kern="0" dirty="0">
+                  <a:solidFill>
+                    <a:sysClr val="windowText" lastClr="000000">
+                      <a:lumMod val="75000"/>
+                      <a:lumOff val="25000"/>
+                    </a:sysClr>
+                  </a:solidFill>
+                  <a:latin typeface="Arial" pitchFamily="34" charset="0"/>
+                  <a:ea typeface="微软雅黑" pitchFamily="34" charset="-122"/>
+                  <a:cs typeface="Arial" pitchFamily="34" charset="0"/>
+                </a:rPr>
+                <a:t>用户管理系统</a:t>
+              </a:r>
+              <a:endParaRPr lang="en-US" altLang="zh-CN" sz="1400" kern="0" dirty="0">
+                <a:solidFill>
+                  <a:sysClr val="windowText" lastClr="000000">
+                    <a:lumMod val="75000"/>
+                    <a:lumOff val="25000"/>
+                  </a:sysClr>
+                </a:solidFill>
+                <a:latin typeface="Arial" pitchFamily="34" charset="0"/>
+                <a:ea typeface="微软雅黑" pitchFamily="34" charset="-122"/>
+                <a:cs typeface="Arial" pitchFamily="34" charset="0"/>
+              </a:endParaRPr>
+            </a:p>
+            <a:p>
+              <a:pPr marL="285750" marR="0" lvl="0" indent="-285750" algn="just" defTabSz="914400" eaLnBrk="1" fontAlgn="auto" latinLnBrk="0" hangingPunct="1">
+                <a:lnSpc>
+                  <a:spcPct val="100000"/>
+                </a:lnSpc>
+                <a:spcBef>
+                  <a:spcPts val="0"/>
+                </a:spcBef>
+                <a:spcAft>
+                  <a:spcPts val="0"/>
+                </a:spcAft>
+                <a:buClrTx/>
+                <a:buSzTx/>
+                <a:buFont typeface="Arial" panose="020B0604020202020204" pitchFamily="34" charset="0"/>
+                <a:buChar char="•"/>
+                <a:tabLst/>
+                <a:defRPr/>
+              </a:pPr>
+              <a:r>
+                <a:rPr kumimoji="0" lang="en-US" altLang="zh-CN" sz="1400" b="0" i="0" u="none" strike="noStrike" kern="0" cap="none" spc="0" normalizeH="0" baseline="0" noProof="0" dirty="0">
+                  <a:ln>
+                    <a:noFill/>
+                  </a:ln>
+                  <a:solidFill>
+                    <a:sysClr val="windowText" lastClr="000000">
+                      <a:lumMod val="75000"/>
+                      <a:lumOff val="25000"/>
+                    </a:sysClr>
+                  </a:solidFill>
+                  <a:effectLst/>
+                  <a:uLnTx/>
+                  <a:uFillTx/>
+                  <a:latin typeface="Arial" pitchFamily="34" charset="0"/>
+                  <a:ea typeface="微软雅黑" pitchFamily="34" charset="-122"/>
+                  <a:cs typeface="Arial" pitchFamily="34" charset="0"/>
+                </a:rPr>
+                <a:t>LIMS/MDM</a:t>
+              </a:r>
+              <a:r>
+                <a:rPr kumimoji="0" lang="zh-CN" altLang="en-US" sz="1400" b="0" i="0" u="none" strike="noStrike" kern="0" cap="none" spc="0" normalizeH="0" baseline="0" noProof="0" dirty="0">
+                  <a:ln>
+                    <a:noFill/>
+                  </a:ln>
+                  <a:solidFill>
+                    <a:sysClr val="windowText" lastClr="000000">
+                      <a:lumMod val="75000"/>
+                      <a:lumOff val="25000"/>
+                    </a:sysClr>
+                  </a:solidFill>
+                  <a:effectLst/>
+                  <a:uLnTx/>
+                  <a:uFillTx/>
+                  <a:latin typeface="Arial" pitchFamily="34" charset="0"/>
+                  <a:ea typeface="微软雅黑" pitchFamily="34" charset="-122"/>
+                  <a:cs typeface="Arial" pitchFamily="34" charset="0"/>
+                </a:rPr>
+                <a:t>演示系统</a:t>
+              </a:r>
+              <a:endParaRPr kumimoji="0" lang="en-US" altLang="zh-CN" sz="1400" b="0" i="0" u="none" strike="noStrike" kern="0" cap="none" spc="0" normalizeH="0" baseline="0" noProof="0" dirty="0">
+                <a:ln>
+                  <a:noFill/>
+                </a:ln>
+                <a:solidFill>
+                  <a:sysClr val="windowText" lastClr="000000">
+                    <a:lumMod val="75000"/>
+                    <a:lumOff val="25000"/>
+                  </a:sysClr>
+                </a:solidFill>
+                <a:effectLst/>
+                <a:uLnTx/>
+                <a:uFillTx/>
+                <a:latin typeface="Arial" pitchFamily="34" charset="0"/>
+                <a:ea typeface="微软雅黑" pitchFamily="34" charset="-122"/>
+                <a:cs typeface="Arial" pitchFamily="34" charset="0"/>
+              </a:endParaRPr>
+            </a:p>
+            <a:p>
+              <a:pPr marL="285750" marR="0" lvl="0" indent="-285750" algn="just" defTabSz="914400" eaLnBrk="1" fontAlgn="auto" latinLnBrk="0" hangingPunct="1">
+                <a:lnSpc>
+                  <a:spcPct val="100000"/>
+                </a:lnSpc>
+                <a:spcBef>
+                  <a:spcPts val="0"/>
+                </a:spcBef>
+                <a:spcAft>
+                  <a:spcPts val="0"/>
+                </a:spcAft>
+                <a:buClrTx/>
+                <a:buSzTx/>
+                <a:buFont typeface="Arial" panose="020B0604020202020204" pitchFamily="34" charset="0"/>
+                <a:buChar char="•"/>
+                <a:tabLst/>
+                <a:defRPr/>
+              </a:pPr>
+              <a:r>
+                <a:rPr kumimoji="0" lang="zh-CN" altLang="en-US" sz="1400" b="0" i="0" u="none" strike="noStrike" kern="0" cap="none" spc="0" normalizeH="0" baseline="0" noProof="0" dirty="0">
+                  <a:ln>
+                    <a:noFill/>
+                  </a:ln>
+                  <a:solidFill>
+                    <a:sysClr val="windowText" lastClr="000000">
+                      <a:lumMod val="75000"/>
+                      <a:lumOff val="25000"/>
+                    </a:sysClr>
+                  </a:solidFill>
+                  <a:effectLst/>
+                  <a:uLnTx/>
+                  <a:uFillTx/>
+                  <a:latin typeface="Arial" pitchFamily="34" charset="0"/>
+                  <a:ea typeface="微软雅黑" pitchFamily="34" charset="-122"/>
+                  <a:cs typeface="Arial" pitchFamily="34" charset="0"/>
+                </a:rPr>
+                <a:t>产品手册</a:t>
+              </a:r>
+              <a:r>
+                <a:rPr kumimoji="0" lang="en-US" altLang="zh-CN" sz="1400" b="0" i="0" u="none" strike="noStrike" kern="0" cap="none" spc="0" normalizeH="0" baseline="0" noProof="0" dirty="0">
+                  <a:ln>
+                    <a:noFill/>
+                  </a:ln>
+                  <a:solidFill>
+                    <a:sysClr val="windowText" lastClr="000000">
+                      <a:lumMod val="75000"/>
+                      <a:lumOff val="25000"/>
+                    </a:sysClr>
+                  </a:solidFill>
+                  <a:effectLst/>
+                  <a:uLnTx/>
+                  <a:uFillTx/>
+                  <a:latin typeface="Arial" pitchFamily="34" charset="0"/>
+                  <a:ea typeface="微软雅黑" pitchFamily="34" charset="-122"/>
+                  <a:cs typeface="Arial" pitchFamily="34" charset="0"/>
+                </a:rPr>
+                <a:t> </a:t>
+              </a:r>
+            </a:p>
+          </p:txBody>
+        </p:sp>
+        <p:sp>
+          <p:nvSpPr>
+            <p:cNvPr id="16" name="TextBox 28">
+              <a:extLst>
+                <a:ext uri="{FF2B5EF4-FFF2-40B4-BE49-F238E27FC236}">
+                  <a16:creationId xmlns:a16="http://schemas.microsoft.com/office/drawing/2014/main" id="{FC4CE2E2-5E11-4892-A5C0-FE7DA28704D5}"/>
+                </a:ext>
+              </a:extLst>
+            </p:cNvPr>
+            <p:cNvSpPr txBox="1"/>
+            <p:nvPr/>
+          </p:nvSpPr>
+          <p:spPr>
+            <a:xfrm flipH="1">
+              <a:off x="5361656" y="2592974"/>
+              <a:ext cx="1728192" cy="400110"/>
+            </a:xfrm>
+            <a:prstGeom prst="rect">
+              <a:avLst/>
+            </a:prstGeom>
+            <a:noFill/>
+          </p:spPr>
+          <p:txBody>
+            <a:bodyPr wrap="square" rtlCol="0">
+              <a:spAutoFit/>
+            </a:bodyPr>
+            <a:lstStyle>
+              <a:defPPr>
+                <a:defRPr lang="en-US"/>
+              </a:defPPr>
+              <a:lvl1pPr lvl="0">
+                <a:lnSpc>
+                  <a:spcPct val="80000"/>
+                </a:lnSpc>
+                <a:defRPr sz="4400" b="1" kern="0">
+                  <a:ln w="18415" cmpd="sng">
+                    <a:noFill/>
+                    <a:prstDash val="solid"/>
+                  </a:ln>
+                  <a:solidFill>
+                    <a:srgbClr val="FFC000"/>
+                  </a:solidFill>
+                  <a:latin typeface="Agency FB" pitchFamily="34" charset="0"/>
+                  <a:ea typeface="微软雅黑" pitchFamily="34" charset="-122"/>
+                </a:defRPr>
+              </a:lvl1pPr>
+            </a:lstStyle>
+            <a:p>
+              <a:pPr marL="0" marR="0" lvl="0" indent="0" algn="ctr" defTabSz="914400" eaLnBrk="1" fontAlgn="auto" latinLnBrk="0" hangingPunct="1">
+                <a:lnSpc>
+                  <a:spcPct val="100000"/>
+                </a:lnSpc>
+                <a:spcBef>
+                  <a:spcPts val="0"/>
+                </a:spcBef>
+                <a:spcAft>
+                  <a:spcPts val="0"/>
+                </a:spcAft>
+                <a:buClrTx/>
+                <a:buSzTx/>
+                <a:buFontTx/>
+                <a:buNone/>
+                <a:tabLst/>
+                <a:defRPr/>
+              </a:pPr>
+              <a:r>
+                <a:rPr kumimoji="0" lang="zh-CN" altLang="en-US" sz="2000" b="1" i="0" u="none" strike="noStrike" kern="0" cap="none" spc="0" normalizeH="0" baseline="0" noProof="0" dirty="0">
+                  <a:ln w="18415" cmpd="sng">
+                    <a:noFill/>
+                    <a:prstDash val="solid"/>
+                  </a:ln>
+                  <a:solidFill>
+                    <a:sysClr val="windowText" lastClr="000000">
+                      <a:lumMod val="65000"/>
+                      <a:lumOff val="35000"/>
+                    </a:sysClr>
+                  </a:solidFill>
+                  <a:effectLst/>
+                  <a:uLnTx/>
+                  <a:uFillTx/>
+                  <a:latin typeface="Arial Rounded MT Bold" pitchFamily="34" charset="0"/>
+                  <a:ea typeface="微软雅黑" pitchFamily="34" charset="-122"/>
+                  <a:cs typeface="Times New Roman" pitchFamily="18" charset="0"/>
+                </a:rPr>
+                <a:t>自动部署系统</a:t>
+              </a:r>
+            </a:p>
+          </p:txBody>
+        </p:sp>
+        <p:sp>
+          <p:nvSpPr>
+            <p:cNvPr id="17" name="TextBox 29">
+              <a:extLst>
+                <a:ext uri="{FF2B5EF4-FFF2-40B4-BE49-F238E27FC236}">
+                  <a16:creationId xmlns:a16="http://schemas.microsoft.com/office/drawing/2014/main" id="{9A9C0517-AECF-42D1-9545-C20A605C4AC8}"/>
+                </a:ext>
+              </a:extLst>
+            </p:cNvPr>
+            <p:cNvSpPr txBox="1"/>
+            <p:nvPr/>
+          </p:nvSpPr>
+          <p:spPr>
+            <a:xfrm>
+              <a:off x="5244936" y="2993084"/>
+              <a:ext cx="2035544" cy="954107"/>
+            </a:xfrm>
+            <a:prstGeom prst="rect">
+              <a:avLst/>
+            </a:prstGeom>
+            <a:noFill/>
+          </p:spPr>
+          <p:txBody>
+            <a:bodyPr wrap="square" rtlCol="0">
+              <a:spAutoFit/>
+            </a:bodyPr>
+            <a:lstStyle/>
+            <a:p>
+              <a:pPr marL="285750" indent="-285750" algn="just">
+                <a:buFont typeface="Arial" panose="020B0604020202020204" pitchFamily="34" charset="0"/>
+                <a:buChar char="•"/>
+                <a:defRPr/>
+              </a:pPr>
+              <a:r>
+                <a:rPr lang="zh-CN" altLang="en-US" sz="1400" kern="0" dirty="0">
+                  <a:solidFill>
+                    <a:sysClr val="windowText" lastClr="000000">
+                      <a:lumMod val="75000"/>
+                      <a:lumOff val="25000"/>
+                    </a:sysClr>
+                  </a:solidFill>
+                  <a:latin typeface="Arial" pitchFamily="34" charset="0"/>
+                  <a:ea typeface="微软雅黑" pitchFamily="34" charset="-122"/>
+                  <a:cs typeface="Arial" pitchFamily="34" charset="0"/>
+                </a:rPr>
+                <a:t>自动发布系统</a:t>
+              </a:r>
+              <a:endParaRPr kumimoji="0" lang="en-US" altLang="zh-CN" sz="1400" b="0" i="0" u="none" strike="noStrike" kern="0" cap="none" spc="0" normalizeH="0" baseline="0" noProof="0" dirty="0">
+                <a:ln>
+                  <a:noFill/>
+                </a:ln>
+                <a:solidFill>
+                  <a:sysClr val="windowText" lastClr="000000">
+                    <a:lumMod val="75000"/>
+                    <a:lumOff val="25000"/>
+                  </a:sysClr>
+                </a:solidFill>
+                <a:effectLst/>
+                <a:uLnTx/>
+                <a:uFillTx/>
+                <a:latin typeface="Arial" pitchFamily="34" charset="0"/>
+                <a:ea typeface="微软雅黑" pitchFamily="34" charset="-122"/>
+                <a:cs typeface="Arial" pitchFamily="34" charset="0"/>
+              </a:endParaRPr>
+            </a:p>
+            <a:p>
+              <a:pPr marL="285750" marR="0" lvl="0" indent="-285750" algn="just" defTabSz="914400" eaLnBrk="1" fontAlgn="auto" latinLnBrk="0" hangingPunct="1">
+                <a:lnSpc>
+                  <a:spcPct val="100000"/>
+                </a:lnSpc>
+                <a:spcBef>
+                  <a:spcPts val="0"/>
+                </a:spcBef>
+                <a:spcAft>
+                  <a:spcPts val="0"/>
+                </a:spcAft>
+                <a:buClrTx/>
+                <a:buSzTx/>
+                <a:buFont typeface="Arial" panose="020B0604020202020204" pitchFamily="34" charset="0"/>
+                <a:buChar char="•"/>
+                <a:tabLst/>
+                <a:defRPr/>
+              </a:pPr>
+              <a:r>
+                <a:rPr lang="zh-CN" altLang="en-US" sz="1400" kern="0" dirty="0">
+                  <a:solidFill>
+                    <a:sysClr val="windowText" lastClr="000000">
+                      <a:lumMod val="75000"/>
+                      <a:lumOff val="25000"/>
+                    </a:sysClr>
+                  </a:solidFill>
+                  <a:latin typeface="Arial" pitchFamily="34" charset="0"/>
+                  <a:ea typeface="微软雅黑" pitchFamily="34" charset="-122"/>
+                  <a:cs typeface="Arial" pitchFamily="34" charset="0"/>
+                </a:rPr>
+                <a:t>订单系统</a:t>
+              </a:r>
+              <a:endParaRPr lang="en-US" altLang="zh-CN" sz="1400" kern="0" dirty="0">
+                <a:solidFill>
+                  <a:sysClr val="windowText" lastClr="000000">
+                    <a:lumMod val="75000"/>
+                    <a:lumOff val="25000"/>
+                  </a:sysClr>
+                </a:solidFill>
+                <a:latin typeface="Arial" pitchFamily="34" charset="0"/>
+                <a:ea typeface="微软雅黑" pitchFamily="34" charset="-122"/>
+                <a:cs typeface="Arial" pitchFamily="34" charset="0"/>
+              </a:endParaRPr>
+            </a:p>
+            <a:p>
+              <a:pPr marL="285750" marR="0" lvl="0" indent="-285750" algn="just" defTabSz="914400" eaLnBrk="1" fontAlgn="auto" latinLnBrk="0" hangingPunct="1">
+                <a:lnSpc>
+                  <a:spcPct val="100000"/>
+                </a:lnSpc>
+                <a:spcBef>
+                  <a:spcPts val="0"/>
+                </a:spcBef>
+                <a:spcAft>
+                  <a:spcPts val="0"/>
+                </a:spcAft>
+                <a:buClrTx/>
+                <a:buSzTx/>
+                <a:buFont typeface="Arial" panose="020B0604020202020204" pitchFamily="34" charset="0"/>
+                <a:buChar char="•"/>
+                <a:tabLst/>
+                <a:defRPr/>
+              </a:pPr>
+              <a:r>
+                <a:rPr lang="zh-CN" altLang="en-US" sz="1400" kern="0" dirty="0">
+                  <a:solidFill>
+                    <a:sysClr val="windowText" lastClr="000000">
+                      <a:lumMod val="75000"/>
+                      <a:lumOff val="25000"/>
+                    </a:sysClr>
+                  </a:solidFill>
+                  <a:latin typeface="Arial" pitchFamily="34" charset="0"/>
+                  <a:ea typeface="微软雅黑" pitchFamily="34" charset="-122"/>
+                  <a:cs typeface="Arial" pitchFamily="34" charset="0"/>
+                </a:rPr>
+                <a:t>用户工作台</a:t>
+              </a:r>
+              <a:endParaRPr lang="en-US" altLang="zh-CN" sz="1400" kern="0" dirty="0">
+                <a:solidFill>
+                  <a:sysClr val="windowText" lastClr="000000">
+                    <a:lumMod val="75000"/>
+                    <a:lumOff val="25000"/>
+                  </a:sysClr>
+                </a:solidFill>
+                <a:latin typeface="Arial" pitchFamily="34" charset="0"/>
+                <a:ea typeface="微软雅黑" pitchFamily="34" charset="-122"/>
+                <a:cs typeface="Arial" pitchFamily="34" charset="0"/>
+              </a:endParaRPr>
+            </a:p>
+            <a:p>
+              <a:pPr marL="285750" indent="-285750" algn="just">
+                <a:buFont typeface="Arial" panose="020B0604020202020204" pitchFamily="34" charset="0"/>
+                <a:buChar char="•"/>
+                <a:defRPr/>
+              </a:pPr>
+              <a:r>
+                <a:rPr lang="zh-CN" altLang="en-US" sz="1400" kern="0" dirty="0">
+                  <a:solidFill>
+                    <a:sysClr val="windowText" lastClr="000000">
+                      <a:lumMod val="75000"/>
+                      <a:lumOff val="25000"/>
+                    </a:sysClr>
+                  </a:solidFill>
+                  <a:latin typeface="Arial" pitchFamily="34" charset="0"/>
+                  <a:ea typeface="微软雅黑" pitchFamily="34" charset="-122"/>
+                  <a:cs typeface="Arial" pitchFamily="34" charset="0"/>
+                </a:rPr>
+                <a:t>产品配置管理系统</a:t>
+              </a:r>
+              <a:endParaRPr lang="en-US" altLang="zh-CN" sz="1400" kern="0" dirty="0">
+                <a:solidFill>
+                  <a:sysClr val="windowText" lastClr="000000">
+                    <a:lumMod val="75000"/>
+                    <a:lumOff val="25000"/>
+                  </a:sysClr>
+                </a:solidFill>
+                <a:latin typeface="Arial" pitchFamily="34" charset="0"/>
+                <a:ea typeface="微软雅黑" pitchFamily="34" charset="-122"/>
+                <a:cs typeface="Arial" pitchFamily="34" charset="0"/>
+              </a:endParaRPr>
+            </a:p>
+          </p:txBody>
+        </p:sp>
+        <p:sp>
+          <p:nvSpPr>
+            <p:cNvPr id="18" name="TextBox 30">
+              <a:extLst>
+                <a:ext uri="{FF2B5EF4-FFF2-40B4-BE49-F238E27FC236}">
+                  <a16:creationId xmlns:a16="http://schemas.microsoft.com/office/drawing/2014/main" id="{59298407-8C5F-4371-8D24-914E89496F53}"/>
+                </a:ext>
+              </a:extLst>
+            </p:cNvPr>
+            <p:cNvSpPr txBox="1"/>
+            <p:nvPr/>
+          </p:nvSpPr>
+          <p:spPr>
+            <a:xfrm flipH="1">
+              <a:off x="8361400" y="2596224"/>
+              <a:ext cx="1728192" cy="400110"/>
+            </a:xfrm>
+            <a:prstGeom prst="rect">
+              <a:avLst/>
+            </a:prstGeom>
+            <a:noFill/>
+          </p:spPr>
+          <p:txBody>
+            <a:bodyPr wrap="square" rtlCol="0">
+              <a:spAutoFit/>
+            </a:bodyPr>
+            <a:lstStyle>
+              <a:defPPr>
+                <a:defRPr lang="en-US"/>
+              </a:defPPr>
+              <a:lvl1pPr lvl="0">
+                <a:lnSpc>
+                  <a:spcPct val="80000"/>
+                </a:lnSpc>
+                <a:defRPr sz="4400" b="1" kern="0">
+                  <a:ln w="18415" cmpd="sng">
+                    <a:noFill/>
+                    <a:prstDash val="solid"/>
+                  </a:ln>
+                  <a:solidFill>
+                    <a:srgbClr val="FFC000"/>
+                  </a:solidFill>
+                  <a:latin typeface="Agency FB" pitchFamily="34" charset="0"/>
+                  <a:ea typeface="微软雅黑" pitchFamily="34" charset="-122"/>
+                </a:defRPr>
+              </a:lvl1pPr>
+            </a:lstStyle>
+            <a:p>
+              <a:pPr marL="0" marR="0" lvl="0" indent="0" algn="ctr" defTabSz="914400" eaLnBrk="1" fontAlgn="auto" latinLnBrk="0" hangingPunct="1">
+                <a:lnSpc>
+                  <a:spcPct val="100000"/>
+                </a:lnSpc>
+                <a:spcBef>
+                  <a:spcPts val="0"/>
+                </a:spcBef>
+                <a:spcAft>
+                  <a:spcPts val="0"/>
+                </a:spcAft>
+                <a:buClrTx/>
+                <a:buSzTx/>
+                <a:buFontTx/>
+                <a:buNone/>
+                <a:tabLst/>
+                <a:defRPr/>
+              </a:pPr>
+              <a:r>
+                <a:rPr lang="zh-CN" altLang="en-US" sz="2000" dirty="0">
+                  <a:solidFill>
+                    <a:sysClr val="windowText" lastClr="000000">
+                      <a:lumMod val="65000"/>
+                      <a:lumOff val="35000"/>
+                    </a:sysClr>
+                  </a:solidFill>
+                  <a:latin typeface="Arial Rounded MT Bold" pitchFamily="34" charset="0"/>
+                  <a:cs typeface="Times New Roman" pitchFamily="18" charset="0"/>
+                </a:rPr>
+                <a:t>运维系统</a:t>
+              </a:r>
+              <a:endParaRPr kumimoji="0" lang="zh-CN" altLang="en-US" sz="2000" b="1" i="0" u="none" strike="noStrike" kern="0" cap="none" spc="0" normalizeH="0" baseline="0" noProof="0" dirty="0">
+                <a:ln w="18415" cmpd="sng">
+                  <a:noFill/>
+                  <a:prstDash val="solid"/>
+                </a:ln>
+                <a:solidFill>
+                  <a:sysClr val="windowText" lastClr="000000">
+                    <a:lumMod val="65000"/>
+                    <a:lumOff val="35000"/>
+                  </a:sysClr>
+                </a:solidFill>
+                <a:effectLst/>
+                <a:uLnTx/>
+                <a:uFillTx/>
+                <a:latin typeface="Arial Rounded MT Bold" pitchFamily="34" charset="0"/>
+                <a:ea typeface="微软雅黑" pitchFamily="34" charset="-122"/>
+                <a:cs typeface="Times New Roman" pitchFamily="18" charset="0"/>
+              </a:endParaRPr>
+            </a:p>
+          </p:txBody>
+        </p:sp>
+        <p:sp>
+          <p:nvSpPr>
+            <p:cNvPr id="19" name="TextBox 31">
+              <a:extLst>
+                <a:ext uri="{FF2B5EF4-FFF2-40B4-BE49-F238E27FC236}">
+                  <a16:creationId xmlns:a16="http://schemas.microsoft.com/office/drawing/2014/main" id="{D8901C4B-BC11-462C-B8D9-9E0FA10CD126}"/>
+                </a:ext>
+              </a:extLst>
+            </p:cNvPr>
+            <p:cNvSpPr txBox="1"/>
+            <p:nvPr/>
+          </p:nvSpPr>
+          <p:spPr>
+            <a:xfrm>
+              <a:off x="8244680" y="2996334"/>
+              <a:ext cx="2035544" cy="954107"/>
+            </a:xfrm>
+            <a:prstGeom prst="rect">
+              <a:avLst/>
+            </a:prstGeom>
+            <a:noFill/>
+          </p:spPr>
+          <p:txBody>
+            <a:bodyPr wrap="square" rtlCol="0">
+              <a:spAutoFit/>
+            </a:bodyPr>
+            <a:lstStyle/>
+            <a:p>
+              <a:pPr marL="285750" marR="0" lvl="0" indent="-285750" algn="just" defTabSz="914400" eaLnBrk="1" fontAlgn="auto" latinLnBrk="0" hangingPunct="1">
+                <a:lnSpc>
+                  <a:spcPct val="100000"/>
+                </a:lnSpc>
+                <a:spcBef>
+                  <a:spcPts val="0"/>
+                </a:spcBef>
+                <a:spcAft>
+                  <a:spcPts val="0"/>
+                </a:spcAft>
+                <a:buClrTx/>
+                <a:buSzTx/>
+                <a:buFont typeface="Arial" panose="020B0604020202020204" pitchFamily="34" charset="0"/>
+                <a:buChar char="•"/>
+                <a:tabLst/>
+                <a:defRPr/>
+              </a:pPr>
+              <a:r>
+                <a:rPr kumimoji="0" lang="zh-CN" altLang="en-US" sz="1400" b="0" i="0" u="none" strike="noStrike" kern="0" cap="none" spc="0" normalizeH="0" baseline="0" noProof="0" dirty="0">
+                  <a:ln>
+                    <a:noFill/>
+                  </a:ln>
+                  <a:solidFill>
+                    <a:sysClr val="windowText" lastClr="000000">
+                      <a:lumMod val="75000"/>
+                      <a:lumOff val="25000"/>
+                    </a:sysClr>
+                  </a:solidFill>
+                  <a:effectLst/>
+                  <a:uLnTx/>
+                  <a:uFillTx/>
+                  <a:latin typeface="Arial" pitchFamily="34" charset="0"/>
+                  <a:ea typeface="微软雅黑" pitchFamily="34" charset="-122"/>
+                  <a:cs typeface="Arial" pitchFamily="34" charset="0"/>
+                </a:rPr>
+                <a:t>系统状态监控</a:t>
+              </a:r>
+              <a:endParaRPr lang="en-US" altLang="zh-CN" sz="1400" kern="0" dirty="0">
+                <a:solidFill>
+                  <a:sysClr val="windowText" lastClr="000000">
+                    <a:lumMod val="75000"/>
+                    <a:lumOff val="25000"/>
+                  </a:sysClr>
+                </a:solidFill>
+                <a:latin typeface="Arial" pitchFamily="34" charset="0"/>
+                <a:ea typeface="微软雅黑" pitchFamily="34" charset="-122"/>
+                <a:cs typeface="Arial" pitchFamily="34" charset="0"/>
+              </a:endParaRPr>
+            </a:p>
+            <a:p>
+              <a:pPr marL="285750" marR="0" lvl="0" indent="-285750" algn="just" defTabSz="914400" eaLnBrk="1" fontAlgn="auto" latinLnBrk="0" hangingPunct="1">
+                <a:lnSpc>
+                  <a:spcPct val="100000"/>
+                </a:lnSpc>
+                <a:spcBef>
+                  <a:spcPts val="0"/>
+                </a:spcBef>
+                <a:spcAft>
+                  <a:spcPts val="0"/>
+                </a:spcAft>
+                <a:buClrTx/>
+                <a:buSzTx/>
+                <a:buFont typeface="Arial" panose="020B0604020202020204" pitchFamily="34" charset="0"/>
+                <a:buChar char="•"/>
+                <a:tabLst/>
+                <a:defRPr/>
+              </a:pPr>
+              <a:r>
+                <a:rPr kumimoji="0" lang="zh-CN" altLang="en-US" sz="1400" b="0" i="0" u="none" strike="noStrike" kern="0" cap="none" spc="0" normalizeH="0" baseline="0" noProof="0" dirty="0">
+                  <a:ln>
+                    <a:noFill/>
+                  </a:ln>
+                  <a:solidFill>
+                    <a:sysClr val="windowText" lastClr="000000">
+                      <a:lumMod val="75000"/>
+                      <a:lumOff val="25000"/>
+                    </a:sysClr>
+                  </a:solidFill>
+                  <a:effectLst/>
+                  <a:uLnTx/>
+                  <a:uFillTx/>
+                  <a:latin typeface="Arial" pitchFamily="34" charset="0"/>
+                  <a:ea typeface="微软雅黑" pitchFamily="34" charset="-122"/>
+                  <a:cs typeface="Arial" pitchFamily="34" charset="0"/>
+                </a:rPr>
+                <a:t>工单系统</a:t>
+              </a:r>
+              <a:endParaRPr kumimoji="0" lang="en-US" altLang="zh-CN" sz="1400" b="0" i="0" u="none" strike="noStrike" kern="0" cap="none" spc="0" normalizeH="0" baseline="0" noProof="0" dirty="0">
+                <a:ln>
+                  <a:noFill/>
+                </a:ln>
+                <a:solidFill>
+                  <a:sysClr val="windowText" lastClr="000000">
+                    <a:lumMod val="75000"/>
+                    <a:lumOff val="25000"/>
+                  </a:sysClr>
+                </a:solidFill>
+                <a:effectLst/>
+                <a:uLnTx/>
+                <a:uFillTx/>
+                <a:latin typeface="Arial" pitchFamily="34" charset="0"/>
+                <a:ea typeface="微软雅黑" pitchFamily="34" charset="-122"/>
+                <a:cs typeface="Arial" pitchFamily="34" charset="0"/>
+              </a:endParaRPr>
+            </a:p>
+            <a:p>
+              <a:pPr marL="285750" marR="0" lvl="0" indent="-285750" algn="just" defTabSz="914400" eaLnBrk="1" fontAlgn="auto" latinLnBrk="0" hangingPunct="1">
+                <a:lnSpc>
+                  <a:spcPct val="100000"/>
+                </a:lnSpc>
+                <a:spcBef>
+                  <a:spcPts val="0"/>
+                </a:spcBef>
+                <a:spcAft>
+                  <a:spcPts val="0"/>
+                </a:spcAft>
+                <a:buClrTx/>
+                <a:buSzTx/>
+                <a:buFont typeface="Arial" panose="020B0604020202020204" pitchFamily="34" charset="0"/>
+                <a:buChar char="•"/>
+                <a:tabLst/>
+                <a:defRPr/>
+              </a:pPr>
+              <a:r>
+                <a:rPr kumimoji="0" lang="zh-CN" altLang="en-US" sz="1400" b="0" i="0" u="none" strike="noStrike" kern="0" cap="none" spc="0" normalizeH="0" baseline="0" noProof="0" dirty="0">
+                  <a:ln>
+                    <a:noFill/>
+                  </a:ln>
+                  <a:solidFill>
+                    <a:sysClr val="windowText" lastClr="000000">
+                      <a:lumMod val="75000"/>
+                      <a:lumOff val="25000"/>
+                    </a:sysClr>
+                  </a:solidFill>
+                  <a:effectLst/>
+                  <a:uLnTx/>
+                  <a:uFillTx/>
+                  <a:latin typeface="Arial" pitchFamily="34" charset="0"/>
+                  <a:ea typeface="微软雅黑" pitchFamily="34" charset="-122"/>
+                  <a:cs typeface="Arial" pitchFamily="34" charset="0"/>
+                </a:rPr>
+                <a:t>用户论坛</a:t>
+              </a:r>
+              <a:endParaRPr kumimoji="0" lang="en-US" altLang="zh-CN" sz="1400" b="0" i="0" u="none" strike="noStrike" kern="0" cap="none" spc="0" normalizeH="0" baseline="0" noProof="0" dirty="0">
+                <a:ln>
+                  <a:noFill/>
+                </a:ln>
+                <a:solidFill>
+                  <a:sysClr val="windowText" lastClr="000000">
+                    <a:lumMod val="75000"/>
+                    <a:lumOff val="25000"/>
+                  </a:sysClr>
+                </a:solidFill>
+                <a:effectLst/>
+                <a:uLnTx/>
+                <a:uFillTx/>
+                <a:latin typeface="Arial" pitchFamily="34" charset="0"/>
+                <a:ea typeface="微软雅黑" pitchFamily="34" charset="-122"/>
+                <a:cs typeface="Arial" pitchFamily="34" charset="0"/>
+              </a:endParaRPr>
+            </a:p>
+            <a:p>
+              <a:pPr marL="285750" marR="0" lvl="0" indent="-285750" algn="just" defTabSz="914400" eaLnBrk="1" fontAlgn="auto" latinLnBrk="0" hangingPunct="1">
+                <a:lnSpc>
+                  <a:spcPct val="100000"/>
+                </a:lnSpc>
+                <a:spcBef>
+                  <a:spcPts val="0"/>
+                </a:spcBef>
+                <a:spcAft>
+                  <a:spcPts val="0"/>
+                </a:spcAft>
+                <a:buClrTx/>
+                <a:buSzTx/>
+                <a:buFont typeface="Arial" panose="020B0604020202020204" pitchFamily="34" charset="0"/>
+                <a:buChar char="•"/>
+                <a:tabLst/>
+                <a:defRPr/>
+              </a:pPr>
+              <a:r>
+                <a:rPr kumimoji="0" lang="zh-CN" altLang="en-US" sz="1400" b="0" i="0" u="none" strike="noStrike" kern="0" cap="none" spc="0" normalizeH="0" baseline="0" noProof="0" dirty="0">
+                  <a:ln>
+                    <a:noFill/>
+                  </a:ln>
+                  <a:solidFill>
+                    <a:sysClr val="windowText" lastClr="000000">
+                      <a:lumMod val="75000"/>
+                      <a:lumOff val="25000"/>
+                    </a:sysClr>
+                  </a:solidFill>
+                  <a:effectLst/>
+                  <a:uLnTx/>
+                  <a:uFillTx/>
+                  <a:latin typeface="Arial" pitchFamily="34" charset="0"/>
+                  <a:ea typeface="微软雅黑" pitchFamily="34" charset="-122"/>
+                  <a:cs typeface="Arial" pitchFamily="34" charset="0"/>
+                </a:rPr>
+                <a:t>消息推送</a:t>
+              </a:r>
+              <a:endParaRPr kumimoji="0" lang="en-US" altLang="zh-CN" sz="1400" b="0" i="0" u="none" strike="noStrike" kern="0" cap="none" spc="0" normalizeH="0" baseline="0" noProof="0" dirty="0">
+                <a:ln>
+                  <a:noFill/>
+                </a:ln>
+                <a:solidFill>
+                  <a:sysClr val="windowText" lastClr="000000">
+                    <a:lumMod val="75000"/>
+                    <a:lumOff val="25000"/>
+                  </a:sysClr>
+                </a:solidFill>
+                <a:effectLst/>
+                <a:uLnTx/>
+                <a:uFillTx/>
+                <a:latin typeface="Arial" pitchFamily="34" charset="0"/>
+                <a:ea typeface="微软雅黑" pitchFamily="34" charset="-122"/>
+                <a:cs typeface="Arial" pitchFamily="34" charset="0"/>
+              </a:endParaRPr>
+            </a:p>
+          </p:txBody>
+        </p:sp>
+        <p:sp>
+          <p:nvSpPr>
+            <p:cNvPr id="21" name="矩形: 圆角 20">
+              <a:extLst>
+                <a:ext uri="{FF2B5EF4-FFF2-40B4-BE49-F238E27FC236}">
+                  <a16:creationId xmlns:a16="http://schemas.microsoft.com/office/drawing/2014/main" id="{9394B1C9-E226-4CEC-A9F1-B379B5184A0E}"/>
+                </a:ext>
+              </a:extLst>
+            </p:cNvPr>
+            <p:cNvSpPr/>
+            <p:nvPr/>
+          </p:nvSpPr>
+          <p:spPr>
+            <a:xfrm>
+              <a:off x="1887288" y="981635"/>
+              <a:ext cx="2711606" cy="485371"/>
+            </a:xfrm>
+            <a:prstGeom prst="roundRect">
+              <a:avLst/>
+            </a:prstGeom>
+            <a:solidFill>
+              <a:srgbClr val="31BACF"/>
+            </a:solidFill>
+          </p:spPr>
+          <p:style>
+            <a:lnRef idx="0">
+              <a:schemeClr val="accent5"/>
+            </a:lnRef>
+            <a:fillRef idx="3">
+              <a:schemeClr val="accent5"/>
+            </a:fillRef>
+            <a:effectRef idx="3">
+              <a:schemeClr val="accent5"/>
+            </a:effectRef>
+            <a:fontRef idx="minor">
+              <a:schemeClr val="lt1"/>
+            </a:fontRef>
+          </p:style>
+          <p:txBody>
+            <a:bodyPr rtlCol="0" anchor="ctr"/>
+            <a:lstStyle/>
+            <a:p>
+              <a:pPr algn="ctr"/>
+              <a:r>
+                <a:rPr lang="zh-CN" altLang="en-US" dirty="0"/>
+                <a:t>售前</a:t>
+              </a:r>
+            </a:p>
+          </p:txBody>
+        </p:sp>
+        <p:sp>
+          <p:nvSpPr>
+            <p:cNvPr id="22" name="矩形: 圆角 21">
+              <a:extLst>
+                <a:ext uri="{FF2B5EF4-FFF2-40B4-BE49-F238E27FC236}">
+                  <a16:creationId xmlns:a16="http://schemas.microsoft.com/office/drawing/2014/main" id="{38BEB33A-63B3-4DF9-B303-C5F32AF7C56B}"/>
+                </a:ext>
+              </a:extLst>
+            </p:cNvPr>
+            <p:cNvSpPr/>
+            <p:nvPr/>
+          </p:nvSpPr>
+          <p:spPr>
+            <a:xfrm>
+              <a:off x="4869949" y="981635"/>
+              <a:ext cx="2711606" cy="485371"/>
+            </a:xfrm>
+            <a:prstGeom prst="roundRect">
+              <a:avLst/>
+            </a:prstGeom>
+            <a:solidFill>
+              <a:srgbClr val="A8CA2A"/>
+            </a:solidFill>
+          </p:spPr>
+          <p:style>
+            <a:lnRef idx="0">
+              <a:schemeClr val="accent5"/>
+            </a:lnRef>
+            <a:fillRef idx="3">
+              <a:schemeClr val="accent5"/>
+            </a:fillRef>
+            <a:effectRef idx="3">
+              <a:schemeClr val="accent5"/>
+            </a:effectRef>
+            <a:fontRef idx="minor">
+              <a:schemeClr val="lt1"/>
+            </a:fontRef>
+          </p:style>
+          <p:txBody>
+            <a:bodyPr rtlCol="0" anchor="ctr"/>
+            <a:lstStyle/>
+            <a:p>
+              <a:pPr algn="ctr"/>
+              <a:r>
+                <a:rPr lang="zh-CN" altLang="en-US" dirty="0"/>
+                <a:t>售中</a:t>
+              </a:r>
+            </a:p>
+          </p:txBody>
+        </p:sp>
+        <p:sp>
+          <p:nvSpPr>
+            <p:cNvPr id="23" name="矩形: 圆角 22">
+              <a:extLst>
+                <a:ext uri="{FF2B5EF4-FFF2-40B4-BE49-F238E27FC236}">
+                  <a16:creationId xmlns:a16="http://schemas.microsoft.com/office/drawing/2014/main" id="{CBA418E1-3EA5-415F-90D1-5307393BB5B7}"/>
+                </a:ext>
+              </a:extLst>
+            </p:cNvPr>
+            <p:cNvSpPr/>
+            <p:nvPr/>
+          </p:nvSpPr>
+          <p:spPr>
+            <a:xfrm>
+              <a:off x="7852610" y="981635"/>
+              <a:ext cx="2711606" cy="485371"/>
+            </a:xfrm>
+            <a:prstGeom prst="roundRect">
+              <a:avLst/>
+            </a:prstGeom>
+            <a:solidFill>
+              <a:srgbClr val="F5C92C"/>
+            </a:solidFill>
+          </p:spPr>
+          <p:style>
+            <a:lnRef idx="0">
+              <a:schemeClr val="accent5"/>
+            </a:lnRef>
+            <a:fillRef idx="3">
+              <a:schemeClr val="accent5"/>
+            </a:fillRef>
+            <a:effectRef idx="3">
+              <a:schemeClr val="accent5"/>
+            </a:effectRef>
+            <a:fontRef idx="minor">
+              <a:schemeClr val="lt1"/>
+            </a:fontRef>
+          </p:style>
+          <p:txBody>
+            <a:bodyPr rtlCol="0" anchor="ctr"/>
+            <a:lstStyle/>
+            <a:p>
+              <a:pPr algn="ctr"/>
+              <a:r>
+                <a:rPr lang="zh-CN" altLang="en-US" dirty="0"/>
+                <a:t>售后</a:t>
+              </a:r>
+            </a:p>
+          </p:txBody>
+        </p:sp>
+      </p:grpSp>
+    </p:spTree>
+    <p:extLst>
+      <p:ext uri="{BB962C8B-B14F-4D97-AF65-F5344CB8AC3E}">
+        <p14:creationId xmlns:p14="http://schemas.microsoft.com/office/powerpoint/2010/main" val="651232157"/>
+      </p:ext>
+    </p:extLst>
+  </p:cSld>
+  <p:clrMapOvr>
+    <a:masterClrMapping/>
+  </p:clrMapOvr>
+</p:sld>
+</file>
+
+<file path=ppt/slides/slide6.xml><?xml version="1.0" encoding="utf-8"?>
+<p:sld xmlns:a="http://schemas.openxmlformats.org/drawingml/2006/main" xmlns:r="http://schemas.openxmlformats.org/officeDocument/2006/relationships" xmlns:p="http://schemas.openxmlformats.org/presentationml/2006/main">
+  <p:cSld>
+    <p:spTree>
+      <p:nvGrpSpPr>
+        <p:cNvPr id="1" name=""/>
+        <p:cNvGrpSpPr/>
+        <p:nvPr/>
+      </p:nvGrpSpPr>
+      <p:grpSpPr>
+        <a:xfrm>
+          <a:off x="0" y="0"/>
+          <a:ext cx="0" cy="0"/>
+          <a:chOff x="0" y="0"/>
+          <a:chExt cx="0" cy="0"/>
+        </a:xfrm>
+      </p:grpSpPr>
       <p:sp>
         <p:nvSpPr>
           <p:cNvPr id="4" name="矩形: 圆角 3">
@@ -20419,7 +22241,7 @@
 </p:sld>
 </file>
 
-<file path=ppt/slides/slide6.xml><?xml version="1.0" encoding="utf-8"?>
+<file path=ppt/slides/slide7.xml><?xml version="1.0" encoding="utf-8"?>
 <p:sld xmlns:a="http://schemas.openxmlformats.org/drawingml/2006/main" xmlns:r="http://schemas.openxmlformats.org/officeDocument/2006/relationships" xmlns:p="http://schemas.openxmlformats.org/presentationml/2006/main">
   <p:cSld>
     <p:spTree>
@@ -22295,7 +24117,7 @@
 </p:sld>
 </file>
 
-<file path=ppt/slides/slide7.xml><?xml version="1.0" encoding="utf-8"?>
+<file path=ppt/slides/slide8.xml><?xml version="1.0" encoding="utf-8"?>
 <p:sld xmlns:a="http://schemas.openxmlformats.org/drawingml/2006/main" xmlns:r="http://schemas.openxmlformats.org/officeDocument/2006/relationships" xmlns:p="http://schemas.openxmlformats.org/presentationml/2006/main">
   <p:cSld>
     <p:spTree>
@@ -23107,7 +24929,7 @@
 </p:sld>
 </file>
 
-<file path=ppt/slides/slide8.xml><?xml version="1.0" encoding="utf-8"?>
+<file path=ppt/slides/slide9.xml><?xml version="1.0" encoding="utf-8"?>
 <p:sld xmlns:a="http://schemas.openxmlformats.org/drawingml/2006/main" xmlns:r="http://schemas.openxmlformats.org/officeDocument/2006/relationships" xmlns:p="http://schemas.openxmlformats.org/presentationml/2006/main">
   <p:cSld>
     <p:spTree>
@@ -24160,36 +25982,6 @@
     <p:extLst>
       <p:ext uri="{BB962C8B-B14F-4D97-AF65-F5344CB8AC3E}">
         <p14:creationId xmlns:p14="http://schemas.microsoft.com/office/powerpoint/2010/main" val="1810202568"/>
-      </p:ext>
-    </p:extLst>
-  </p:cSld>
-  <p:clrMapOvr>
-    <a:masterClrMapping/>
-  </p:clrMapOvr>
-</p:sld>
-</file>
-
-<file path=ppt/slides/slide9.xml><?xml version="1.0" encoding="utf-8"?>
-<p:sld xmlns:a="http://schemas.openxmlformats.org/drawingml/2006/main" xmlns:r="http://schemas.openxmlformats.org/officeDocument/2006/relationships" xmlns:p="http://schemas.openxmlformats.org/presentationml/2006/main">
-  <p:cSld>
-    <p:spTree>
-      <p:nvGrpSpPr>
-        <p:cNvPr id="1" name=""/>
-        <p:cNvGrpSpPr/>
-        <p:nvPr/>
-      </p:nvGrpSpPr>
-      <p:grpSpPr>
-        <a:xfrm>
-          <a:off x="0" y="0"/>
-          <a:ext cx="0" cy="0"/>
-          <a:chOff x="0" y="0"/>
-          <a:chExt cx="0" cy="0"/>
-        </a:xfrm>
-      </p:grpSpPr>
-    </p:spTree>
-    <p:extLst>
-      <p:ext uri="{BB962C8B-B14F-4D97-AF65-F5344CB8AC3E}">
-        <p14:creationId xmlns:p14="http://schemas.microsoft.com/office/powerpoint/2010/main" val="2728008414"/>
       </p:ext>
     </p:extLst>
   </p:cSld>
